--- a/images/labor_fig.pptx
+++ b/images/labor_fig.pptx
@@ -6,6 +6,7 @@
   </p:sldMasterIdLst>
   <p:sldIdLst>
     <p:sldId id="256" r:id="rId2"/>
+    <p:sldId id="257" r:id="rId3"/>
   </p:sldIdLst>
   <p:sldSz cx="12192000" cy="3619500"/>
   <p:notesSz cx="6858000" cy="9144000"/>
@@ -1122,7 +1123,14 @@
         <a:p>
           <a:r>
             <a:rPr lang="ja-JP" altLang="en-US" dirty="0"/>
-            <a:t>正規の職員・従業員</a:t>
+            <a:t>正規の職員</a:t>
+          </a:r>
+          <a:endParaRPr lang="en-US" altLang="ja-JP" dirty="0"/>
+        </a:p>
+        <a:p>
+          <a:r>
+            <a:rPr lang="ja-JP" altLang="en-US" dirty="0"/>
+            <a:t>・従業員</a:t>
           </a:r>
         </a:p>
       </dgm:t>
@@ -1338,7 +1346,14 @@
         <a:p>
           <a:r>
             <a:rPr lang="ja-JP" altLang="en-US" dirty="0"/>
-            <a:t>その他雇用者</a:t>
+            <a:t>その他</a:t>
+          </a:r>
+          <a:br>
+            <a:rPr lang="en-US" altLang="ja-JP" dirty="0"/>
+          </a:br>
+          <a:r>
+            <a:rPr lang="ja-JP" altLang="en-US" dirty="0"/>
+            <a:t>雇用者</a:t>
           </a:r>
         </a:p>
       </dgm:t>
@@ -1806,12 +1821,12 @@
         </a:fontRef>
       </dsp:style>
       <dsp:txBody>
-        <a:bodyPr spcFirstLastPara="0" vert="horz" wrap="square" lIns="60960" tIns="60960" rIns="60960" bIns="60960" numCol="1" spcCol="1270" anchor="ctr" anchorCtr="0">
+        <a:bodyPr spcFirstLastPara="0" vert="horz" wrap="square" lIns="53340" tIns="53340" rIns="53340" bIns="53340" numCol="1" spcCol="1270" anchor="ctr" anchorCtr="0">
           <a:noAutofit/>
         </a:bodyPr>
         <a:lstStyle/>
         <a:p>
-          <a:pPr marL="0" lvl="0" indent="0" algn="ctr" defTabSz="711200">
+          <a:pPr marL="0" lvl="0" indent="0" algn="ctr" defTabSz="622300">
             <a:lnSpc>
               <a:spcPct val="90000"/>
             </a:lnSpc>
@@ -1824,7 +1839,7 @@
             <a:buNone/>
           </a:pPr>
           <a:r>
-            <a:rPr lang="ja-JP" altLang="en-US" sz="1600" kern="1200" dirty="0"/>
+            <a:rPr lang="ja-JP" altLang="en-US" sz="1400" kern="1200" dirty="0"/>
             <a:t>従業者</a:t>
           </a:r>
         </a:p>
@@ -1949,12 +1964,12 @@
         </a:fontRef>
       </dsp:style>
       <dsp:txBody>
-        <a:bodyPr spcFirstLastPara="0" vert="horz" wrap="square" lIns="60960" tIns="60960" rIns="60960" bIns="60960" numCol="1" spcCol="1270" anchor="ctr" anchorCtr="0">
+        <a:bodyPr spcFirstLastPara="0" vert="horz" wrap="square" lIns="53340" tIns="53340" rIns="53340" bIns="53340" numCol="1" spcCol="1270" anchor="ctr" anchorCtr="0">
           <a:noAutofit/>
         </a:bodyPr>
         <a:lstStyle/>
         <a:p>
-          <a:pPr marL="0" lvl="0" indent="0" algn="ctr" defTabSz="711200">
+          <a:pPr marL="0" lvl="0" indent="0" algn="ctr" defTabSz="622300">
             <a:lnSpc>
               <a:spcPct val="90000"/>
             </a:lnSpc>
@@ -1967,7 +1982,7 @@
             <a:buNone/>
           </a:pPr>
           <a:r>
-            <a:rPr lang="ja-JP" altLang="en-US" sz="1600" kern="1200" dirty="0"/>
+            <a:rPr lang="ja-JP" altLang="en-US" sz="1400" kern="1200" dirty="0"/>
             <a:t>自営業主</a:t>
           </a:r>
         </a:p>
@@ -2092,12 +2107,12 @@
         </a:fontRef>
       </dsp:style>
       <dsp:txBody>
-        <a:bodyPr spcFirstLastPara="0" vert="horz" wrap="square" lIns="60960" tIns="60960" rIns="60960" bIns="60960" numCol="1" spcCol="1270" anchor="ctr" anchorCtr="0">
+        <a:bodyPr spcFirstLastPara="0" vert="horz" wrap="square" lIns="53340" tIns="53340" rIns="53340" bIns="53340" numCol="1" spcCol="1270" anchor="ctr" anchorCtr="0">
           <a:noAutofit/>
         </a:bodyPr>
         <a:lstStyle/>
         <a:p>
-          <a:pPr marL="0" lvl="0" indent="0" algn="ctr" defTabSz="711200">
+          <a:pPr marL="0" lvl="0" indent="0" algn="ctr" defTabSz="622300">
             <a:lnSpc>
               <a:spcPct val="90000"/>
             </a:lnSpc>
@@ -2110,7 +2125,7 @@
             <a:buNone/>
           </a:pPr>
           <a:r>
-            <a:rPr lang="ja-JP" altLang="en-US" sz="1600" kern="1200" dirty="0"/>
+            <a:rPr lang="ja-JP" altLang="en-US" sz="1400" kern="1200" dirty="0"/>
             <a:t>家族従業者</a:t>
           </a:r>
         </a:p>
@@ -2235,12 +2250,12 @@
         </a:fontRef>
       </dsp:style>
       <dsp:txBody>
-        <a:bodyPr spcFirstLastPara="0" vert="horz" wrap="square" lIns="60960" tIns="60960" rIns="60960" bIns="60960" numCol="1" spcCol="1270" anchor="ctr" anchorCtr="0">
+        <a:bodyPr spcFirstLastPara="0" vert="horz" wrap="square" lIns="53340" tIns="53340" rIns="53340" bIns="53340" numCol="1" spcCol="1270" anchor="ctr" anchorCtr="0">
           <a:noAutofit/>
         </a:bodyPr>
         <a:lstStyle/>
         <a:p>
-          <a:pPr marL="0" lvl="0" indent="0" algn="ctr" defTabSz="711200">
+          <a:pPr marL="0" lvl="0" indent="0" algn="ctr" defTabSz="622300">
             <a:lnSpc>
               <a:spcPct val="90000"/>
             </a:lnSpc>
@@ -2253,7 +2268,7 @@
             <a:buNone/>
           </a:pPr>
           <a:r>
-            <a:rPr lang="ja-JP" altLang="en-US" sz="1600" kern="1200" dirty="0"/>
+            <a:rPr lang="ja-JP" altLang="en-US" sz="1400" kern="1200" dirty="0"/>
             <a:t>雇用者</a:t>
           </a:r>
         </a:p>
@@ -2378,12 +2393,12 @@
         </a:fontRef>
       </dsp:style>
       <dsp:txBody>
-        <a:bodyPr spcFirstLastPara="0" vert="horz" wrap="square" lIns="60960" tIns="60960" rIns="60960" bIns="60960" numCol="1" spcCol="1270" anchor="ctr" anchorCtr="0">
+        <a:bodyPr spcFirstLastPara="0" vert="horz" wrap="square" lIns="53340" tIns="53340" rIns="53340" bIns="53340" numCol="1" spcCol="1270" anchor="ctr" anchorCtr="0">
           <a:noAutofit/>
         </a:bodyPr>
         <a:lstStyle/>
         <a:p>
-          <a:pPr marL="0" lvl="0" indent="0" algn="ctr" defTabSz="711200">
+          <a:pPr marL="0" lvl="0" indent="0" algn="ctr" defTabSz="622300">
             <a:lnSpc>
               <a:spcPct val="90000"/>
             </a:lnSpc>
@@ -2396,7 +2411,7 @@
             <a:buNone/>
           </a:pPr>
           <a:r>
-            <a:rPr lang="ja-JP" altLang="en-US" sz="1600" kern="1200" dirty="0"/>
+            <a:rPr lang="ja-JP" altLang="en-US" sz="1400" kern="1200" dirty="0"/>
             <a:t>役員</a:t>
           </a:r>
         </a:p>
@@ -2521,12 +2536,12 @@
         </a:fontRef>
       </dsp:style>
       <dsp:txBody>
-        <a:bodyPr spcFirstLastPara="0" vert="horz" wrap="square" lIns="60960" tIns="60960" rIns="60960" bIns="60960" numCol="1" spcCol="1270" anchor="ctr" anchorCtr="0">
+        <a:bodyPr spcFirstLastPara="0" vert="horz" wrap="square" lIns="53340" tIns="53340" rIns="53340" bIns="53340" numCol="1" spcCol="1270" anchor="ctr" anchorCtr="0">
           <a:noAutofit/>
         </a:bodyPr>
         <a:lstStyle/>
         <a:p>
-          <a:pPr marL="0" lvl="0" indent="0" algn="ctr" defTabSz="711200">
+          <a:pPr marL="0" lvl="0" indent="0" algn="ctr" defTabSz="622300">
             <a:lnSpc>
               <a:spcPct val="90000"/>
             </a:lnSpc>
@@ -2539,8 +2554,27 @@
             <a:buNone/>
           </a:pPr>
           <a:r>
-            <a:rPr lang="ja-JP" altLang="en-US" sz="1600" kern="1200" dirty="0"/>
-            <a:t>正規の職員・従業員</a:t>
+            <a:rPr lang="ja-JP" altLang="en-US" sz="1400" kern="1200" dirty="0"/>
+            <a:t>正規の職員</a:t>
+          </a:r>
+          <a:endParaRPr lang="en-US" altLang="ja-JP" sz="1400" kern="1200" dirty="0"/>
+        </a:p>
+        <a:p>
+          <a:pPr marL="0" lvl="0" indent="0" algn="ctr" defTabSz="622300">
+            <a:lnSpc>
+              <a:spcPct val="90000"/>
+            </a:lnSpc>
+            <a:spcBef>
+              <a:spcPct val="0"/>
+            </a:spcBef>
+            <a:spcAft>
+              <a:spcPct val="35000"/>
+            </a:spcAft>
+            <a:buNone/>
+          </a:pPr>
+          <a:r>
+            <a:rPr lang="ja-JP" altLang="en-US" sz="1400" kern="1200" dirty="0"/>
+            <a:t>・従業員</a:t>
           </a:r>
         </a:p>
       </dsp:txBody>
@@ -2664,12 +2698,12 @@
         </a:fontRef>
       </dsp:style>
       <dsp:txBody>
-        <a:bodyPr spcFirstLastPara="0" vert="horz" wrap="square" lIns="60960" tIns="60960" rIns="60960" bIns="60960" numCol="1" spcCol="1270" anchor="ctr" anchorCtr="0">
+        <a:bodyPr spcFirstLastPara="0" vert="horz" wrap="square" lIns="53340" tIns="53340" rIns="53340" bIns="53340" numCol="1" spcCol="1270" anchor="ctr" anchorCtr="0">
           <a:noAutofit/>
         </a:bodyPr>
         <a:lstStyle/>
         <a:p>
-          <a:pPr marL="0" lvl="0" indent="0" algn="ctr" defTabSz="711200">
+          <a:pPr marL="0" lvl="0" indent="0" algn="ctr" defTabSz="622300">
             <a:lnSpc>
               <a:spcPct val="90000"/>
             </a:lnSpc>
@@ -2682,7 +2716,7 @@
             <a:buNone/>
           </a:pPr>
           <a:r>
-            <a:rPr lang="ja-JP" altLang="en-US" sz="1600" kern="1200" dirty="0"/>
+            <a:rPr lang="ja-JP" altLang="en-US" sz="1400" kern="1200" dirty="0"/>
             <a:t>パート</a:t>
           </a:r>
         </a:p>
@@ -2807,12 +2841,12 @@
         </a:fontRef>
       </dsp:style>
       <dsp:txBody>
-        <a:bodyPr spcFirstLastPara="0" vert="horz" wrap="square" lIns="60960" tIns="60960" rIns="60960" bIns="60960" numCol="1" spcCol="1270" anchor="ctr" anchorCtr="0">
+        <a:bodyPr spcFirstLastPara="0" vert="horz" wrap="square" lIns="53340" tIns="53340" rIns="53340" bIns="53340" numCol="1" spcCol="1270" anchor="ctr" anchorCtr="0">
           <a:noAutofit/>
         </a:bodyPr>
         <a:lstStyle/>
         <a:p>
-          <a:pPr marL="0" lvl="0" indent="0" algn="ctr" defTabSz="711200">
+          <a:pPr marL="0" lvl="0" indent="0" algn="ctr" defTabSz="622300">
             <a:lnSpc>
               <a:spcPct val="90000"/>
             </a:lnSpc>
@@ -2825,7 +2859,7 @@
             <a:buNone/>
           </a:pPr>
           <a:r>
-            <a:rPr lang="ja-JP" altLang="en-US" sz="1600" kern="1200" dirty="0"/>
+            <a:rPr lang="ja-JP" altLang="en-US" sz="1400" kern="1200" dirty="0"/>
             <a:t>アルバイト</a:t>
           </a:r>
         </a:p>
@@ -2950,12 +2984,12 @@
         </a:fontRef>
       </dsp:style>
       <dsp:txBody>
-        <a:bodyPr spcFirstLastPara="0" vert="horz" wrap="square" lIns="60960" tIns="60960" rIns="60960" bIns="60960" numCol="1" spcCol="1270" anchor="ctr" anchorCtr="0">
+        <a:bodyPr spcFirstLastPara="0" vert="horz" wrap="square" lIns="53340" tIns="53340" rIns="53340" bIns="53340" numCol="1" spcCol="1270" anchor="ctr" anchorCtr="0">
           <a:noAutofit/>
         </a:bodyPr>
         <a:lstStyle/>
         <a:p>
-          <a:pPr marL="0" lvl="0" indent="0" algn="ctr" defTabSz="711200">
+          <a:pPr marL="0" lvl="0" indent="0" algn="ctr" defTabSz="622300">
             <a:lnSpc>
               <a:spcPct val="90000"/>
             </a:lnSpc>
@@ -2968,7 +3002,7 @@
             <a:buNone/>
           </a:pPr>
           <a:r>
-            <a:rPr lang="ja-JP" altLang="en-US" sz="1600" kern="1200" dirty="0"/>
+            <a:rPr lang="ja-JP" altLang="en-US" sz="1400" kern="1200" dirty="0"/>
             <a:t>派遣社員</a:t>
           </a:r>
         </a:p>
@@ -3093,12 +3127,12 @@
         </a:fontRef>
       </dsp:style>
       <dsp:txBody>
-        <a:bodyPr spcFirstLastPara="0" vert="horz" wrap="square" lIns="60960" tIns="60960" rIns="60960" bIns="60960" numCol="1" spcCol="1270" anchor="ctr" anchorCtr="0">
+        <a:bodyPr spcFirstLastPara="0" vert="horz" wrap="square" lIns="53340" tIns="53340" rIns="53340" bIns="53340" numCol="1" spcCol="1270" anchor="ctr" anchorCtr="0">
           <a:noAutofit/>
         </a:bodyPr>
         <a:lstStyle/>
         <a:p>
-          <a:pPr marL="0" lvl="0" indent="0" algn="ctr" defTabSz="711200">
+          <a:pPr marL="0" lvl="0" indent="0" algn="ctr" defTabSz="622300">
             <a:lnSpc>
               <a:spcPct val="90000"/>
             </a:lnSpc>
@@ -3111,7 +3145,7 @@
             <a:buNone/>
           </a:pPr>
           <a:r>
-            <a:rPr lang="ja-JP" altLang="en-US" sz="1600" kern="1200" dirty="0"/>
+            <a:rPr lang="ja-JP" altLang="en-US" sz="1400" kern="1200" dirty="0"/>
             <a:t>契約社員</a:t>
           </a:r>
         </a:p>
@@ -3236,12 +3270,12 @@
         </a:fontRef>
       </dsp:style>
       <dsp:txBody>
-        <a:bodyPr spcFirstLastPara="0" vert="horz" wrap="square" lIns="60960" tIns="60960" rIns="60960" bIns="60960" numCol="1" spcCol="1270" anchor="ctr" anchorCtr="0">
+        <a:bodyPr spcFirstLastPara="0" vert="horz" wrap="square" lIns="53340" tIns="53340" rIns="53340" bIns="53340" numCol="1" spcCol="1270" anchor="ctr" anchorCtr="0">
           <a:noAutofit/>
         </a:bodyPr>
         <a:lstStyle/>
         <a:p>
-          <a:pPr marL="0" lvl="0" indent="0" algn="ctr" defTabSz="711200">
+          <a:pPr marL="0" lvl="0" indent="0" algn="ctr" defTabSz="622300">
             <a:lnSpc>
               <a:spcPct val="90000"/>
             </a:lnSpc>
@@ -3254,7 +3288,7 @@
             <a:buNone/>
           </a:pPr>
           <a:r>
-            <a:rPr lang="ja-JP" altLang="en-US" sz="1600" kern="1200" dirty="0"/>
+            <a:rPr lang="ja-JP" altLang="en-US" sz="1400" kern="1200" dirty="0"/>
             <a:t>嘱託</a:t>
           </a:r>
         </a:p>
@@ -3379,12 +3413,12 @@
         </a:fontRef>
       </dsp:style>
       <dsp:txBody>
-        <a:bodyPr spcFirstLastPara="0" vert="horz" wrap="square" lIns="60960" tIns="60960" rIns="60960" bIns="60960" numCol="1" spcCol="1270" anchor="ctr" anchorCtr="0">
+        <a:bodyPr spcFirstLastPara="0" vert="horz" wrap="square" lIns="53340" tIns="53340" rIns="53340" bIns="53340" numCol="1" spcCol="1270" anchor="ctr" anchorCtr="0">
           <a:noAutofit/>
         </a:bodyPr>
         <a:lstStyle/>
         <a:p>
-          <a:pPr marL="0" lvl="0" indent="0" algn="ctr" defTabSz="711200">
+          <a:pPr marL="0" lvl="0" indent="0" algn="ctr" defTabSz="622300">
             <a:lnSpc>
               <a:spcPct val="90000"/>
             </a:lnSpc>
@@ -3397,8 +3431,15 @@
             <a:buNone/>
           </a:pPr>
           <a:r>
-            <a:rPr lang="ja-JP" altLang="en-US" sz="1600" kern="1200" dirty="0"/>
-            <a:t>その他雇用者</a:t>
+            <a:rPr lang="ja-JP" altLang="en-US" sz="1400" kern="1200" dirty="0"/>
+            <a:t>その他</a:t>
+          </a:r>
+          <a:br>
+            <a:rPr lang="en-US" altLang="ja-JP" sz="1400" kern="1200" dirty="0"/>
+          </a:br>
+          <a:r>
+            <a:rPr lang="ja-JP" altLang="en-US" sz="1400" kern="1200" dirty="0"/>
+            <a:t>雇用者</a:t>
           </a:r>
         </a:p>
       </dsp:txBody>
@@ -3522,12 +3563,12 @@
         </a:fontRef>
       </dsp:style>
       <dsp:txBody>
-        <a:bodyPr spcFirstLastPara="0" vert="horz" wrap="square" lIns="60960" tIns="60960" rIns="60960" bIns="60960" numCol="1" spcCol="1270" anchor="ctr" anchorCtr="0">
+        <a:bodyPr spcFirstLastPara="0" vert="horz" wrap="square" lIns="53340" tIns="53340" rIns="53340" bIns="53340" numCol="1" spcCol="1270" anchor="ctr" anchorCtr="0">
           <a:noAutofit/>
         </a:bodyPr>
         <a:lstStyle/>
         <a:p>
-          <a:pPr marL="0" lvl="0" indent="0" algn="ctr" defTabSz="711200">
+          <a:pPr marL="0" lvl="0" indent="0" algn="ctr" defTabSz="622300">
             <a:lnSpc>
               <a:spcPct val="90000"/>
             </a:lnSpc>
@@ -3540,7 +3581,7 @@
             <a:buNone/>
           </a:pPr>
           <a:r>
-            <a:rPr lang="ja-JP" altLang="en-US" sz="1600" kern="1200" dirty="0"/>
+            <a:rPr lang="ja-JP" altLang="en-US" sz="1400" kern="1200" dirty="0"/>
             <a:t>完全失業者</a:t>
           </a:r>
         </a:p>
@@ -5195,35 +5236,35 @@
                 </a:solidFill>
               </a:defRPr>
             </a:lvl1pPr>
-            <a:lvl2pPr marL="457178" indent="0" algn="ctr">
+            <a:lvl2pPr marL="457152" indent="0" algn="ctr">
               <a:buNone/>
               <a:defRPr sz="2000"/>
             </a:lvl2pPr>
-            <a:lvl3pPr marL="914354" indent="0" algn="ctr">
+            <a:lvl3pPr marL="914302" indent="0" algn="ctr">
               <a:buNone/>
               <a:defRPr sz="1800"/>
             </a:lvl3pPr>
-            <a:lvl4pPr marL="1371532" indent="0" algn="ctr">
+            <a:lvl4pPr marL="1371454" indent="0" algn="ctr">
               <a:buNone/>
               <a:defRPr sz="1600"/>
             </a:lvl4pPr>
-            <a:lvl5pPr marL="1828709" indent="0" algn="ctr">
+            <a:lvl5pPr marL="1828605" indent="0" algn="ctr">
               <a:buNone/>
               <a:defRPr sz="1600"/>
             </a:lvl5pPr>
-            <a:lvl6pPr marL="2285886" indent="0" algn="ctr">
+            <a:lvl6pPr marL="2285756" indent="0" algn="ctr">
               <a:buNone/>
               <a:defRPr sz="1600"/>
             </a:lvl6pPr>
-            <a:lvl7pPr marL="2743062" indent="0" algn="ctr">
+            <a:lvl7pPr marL="2742906" indent="0" algn="ctr">
               <a:buNone/>
               <a:defRPr sz="1600"/>
             </a:lvl7pPr>
-            <a:lvl8pPr marL="3200240" indent="0" algn="ctr">
+            <a:lvl8pPr marL="3200058" indent="0" algn="ctr">
               <a:buNone/>
               <a:defRPr sz="1600"/>
             </a:lvl8pPr>
-            <a:lvl9pPr marL="3657418" indent="0" algn="ctr">
+            <a:lvl9pPr marL="3657210" indent="0" algn="ctr">
               <a:buNone/>
               <a:defRPr sz="1600"/>
             </a:lvl9pPr>
@@ -5254,7 +5295,7 @@
           <a:p>
             <a:fld id="{05853D61-8A19-4B35-BDA8-1C18B2B00FED}" type="datetimeFigureOut">
               <a:rPr kumimoji="1" lang="ja-JP" altLang="en-US" smtClean="0"/>
-              <a:t>2025/8/4</a:t>
+              <a:t>2025/8/19</a:t>
             </a:fld>
             <a:endParaRPr kumimoji="1" lang="ja-JP" altLang="en-US"/>
           </a:p>
@@ -5344,7 +5385,7 @@
         </p:nvSpPr>
         <p:spPr>
           <a:xfrm>
-            <a:off x="829200" y="575700"/>
+            <a:off x="829200" y="575702"/>
             <a:ext cx="10533600" cy="2742175"/>
           </a:xfrm>
         </p:spPr>
@@ -5438,7 +5479,7 @@
           <a:p>
             <a:fld id="{05853D61-8A19-4B35-BDA8-1C18B2B00FED}" type="datetimeFigureOut">
               <a:rPr kumimoji="1" lang="ja-JP" altLang="en-US" smtClean="0"/>
-              <a:t>2025/8/4</a:t>
+              <a:t>2025/8/19</a:t>
             </a:fld>
             <a:endParaRPr kumimoji="1" lang="ja-JP" altLang="en-US"/>
           </a:p>
@@ -5498,7 +5539,7 @@
         </p:nvSpPr>
         <p:spPr>
           <a:xfrm>
-            <a:off x="829200" y="192709"/>
+            <a:off x="829200" y="192711"/>
             <a:ext cx="10533600" cy="384691"/>
           </a:xfrm>
           <a:prstGeom prst="rect">
@@ -5561,7 +5602,7 @@
         </p:nvSpPr>
         <p:spPr>
           <a:xfrm>
-            <a:off x="829200" y="575700"/>
+            <a:off x="829200" y="575702"/>
             <a:ext cx="10533600" cy="2742175"/>
           </a:xfrm>
         </p:spPr>
@@ -5655,7 +5696,7 @@
           <a:p>
             <a:fld id="{05853D61-8A19-4B35-BDA8-1C18B2B00FED}" type="datetimeFigureOut">
               <a:rPr kumimoji="1" lang="ja-JP" altLang="en-US" smtClean="0"/>
-              <a:t>2025/8/4</a:t>
+              <a:t>2025/8/19</a:t>
             </a:fld>
             <a:endParaRPr kumimoji="1" lang="ja-JP" altLang="en-US"/>
           </a:p>
@@ -5715,7 +5756,7 @@
         </p:nvSpPr>
         <p:spPr>
           <a:xfrm>
-            <a:off x="829200" y="192709"/>
+            <a:off x="829200" y="192711"/>
             <a:ext cx="10533600" cy="384691"/>
           </a:xfrm>
           <a:prstGeom prst="rect">
@@ -5778,7 +5819,7 @@
         </p:nvSpPr>
         <p:spPr>
           <a:xfrm>
-            <a:off x="690285" y="454217"/>
+            <a:off x="690289" y="454217"/>
             <a:ext cx="10657169" cy="1953760"/>
           </a:xfrm>
         </p:spPr>
@@ -5815,7 +5856,7 @@
         </p:nvSpPr>
         <p:spPr>
           <a:xfrm>
-            <a:off x="690285" y="2422221"/>
+            <a:off x="690289" y="2422221"/>
             <a:ext cx="10657169" cy="791766"/>
           </a:xfrm>
         </p:spPr>
@@ -5838,7 +5879,7 @@
                 </a:solidFill>
               </a:defRPr>
             </a:lvl1pPr>
-            <a:lvl2pPr marL="457178" indent="0">
+            <a:lvl2pPr marL="457152" indent="0">
               <a:buNone/>
               <a:defRPr sz="2000">
                 <a:solidFill>
@@ -5848,7 +5889,7 @@
                 </a:solidFill>
               </a:defRPr>
             </a:lvl2pPr>
-            <a:lvl3pPr marL="914354" indent="0">
+            <a:lvl3pPr marL="914302" indent="0">
               <a:buNone/>
               <a:defRPr sz="1800">
                 <a:solidFill>
@@ -5858,7 +5899,7 @@
                 </a:solidFill>
               </a:defRPr>
             </a:lvl3pPr>
-            <a:lvl4pPr marL="1371532" indent="0">
+            <a:lvl4pPr marL="1371454" indent="0">
               <a:buNone/>
               <a:defRPr sz="1600">
                 <a:solidFill>
@@ -5868,7 +5909,7 @@
                 </a:solidFill>
               </a:defRPr>
             </a:lvl4pPr>
-            <a:lvl5pPr marL="1828709" indent="0">
+            <a:lvl5pPr marL="1828605" indent="0">
               <a:buNone/>
               <a:defRPr sz="1600">
                 <a:solidFill>
@@ -5878,7 +5919,7 @@
                 </a:solidFill>
               </a:defRPr>
             </a:lvl5pPr>
-            <a:lvl6pPr marL="2285886" indent="0">
+            <a:lvl6pPr marL="2285756" indent="0">
               <a:buNone/>
               <a:defRPr sz="1600">
                 <a:solidFill>
@@ -5888,7 +5929,7 @@
                 </a:solidFill>
               </a:defRPr>
             </a:lvl6pPr>
-            <a:lvl7pPr marL="2743062" indent="0">
+            <a:lvl7pPr marL="2742906" indent="0">
               <a:buNone/>
               <a:defRPr sz="1600">
                 <a:solidFill>
@@ -5898,7 +5939,7 @@
                 </a:solidFill>
               </a:defRPr>
             </a:lvl7pPr>
-            <a:lvl8pPr marL="3200240" indent="0">
+            <a:lvl8pPr marL="3200058" indent="0">
               <a:buNone/>
               <a:defRPr sz="1600">
                 <a:solidFill>
@@ -5908,7 +5949,7 @@
                 </a:solidFill>
               </a:defRPr>
             </a:lvl8pPr>
-            <a:lvl9pPr marL="3657418" indent="0">
+            <a:lvl9pPr marL="3657210" indent="0">
               <a:buNone/>
               <a:defRPr sz="1600">
                 <a:solidFill>
@@ -5945,7 +5986,7 @@
           <a:p>
             <a:fld id="{05853D61-8A19-4B35-BDA8-1C18B2B00FED}" type="datetimeFigureOut">
               <a:rPr kumimoji="1" lang="ja-JP" altLang="en-US" smtClean="0"/>
-              <a:t>2025/8/4</a:t>
+              <a:t>2025/8/19</a:t>
             </a:fld>
             <a:endParaRPr kumimoji="1" lang="ja-JP" altLang="en-US"/>
           </a:p>
@@ -6057,7 +6098,7 @@
         </p:nvSpPr>
         <p:spPr>
           <a:xfrm>
-            <a:off x="829198" y="635212"/>
+            <a:off x="829198" y="635214"/>
             <a:ext cx="5190603" cy="2624855"/>
           </a:xfrm>
         </p:spPr>
@@ -6146,7 +6187,7 @@
         </p:nvSpPr>
         <p:spPr>
           <a:xfrm>
-            <a:off x="6172206" y="635212"/>
+            <a:off x="6172210" y="635214"/>
             <a:ext cx="5190597" cy="2624855"/>
           </a:xfrm>
         </p:spPr>
@@ -6240,7 +6281,7 @@
           <a:p>
             <a:fld id="{05853D61-8A19-4B35-BDA8-1C18B2B00FED}" type="datetimeFigureOut">
               <a:rPr kumimoji="1" lang="ja-JP" altLang="en-US" smtClean="0"/>
-              <a:t>2025/8/4</a:t>
+              <a:t>2025/8/19</a:t>
             </a:fld>
             <a:endParaRPr kumimoji="1" lang="ja-JP" altLang="en-US"/>
           </a:p>
@@ -6346,35 +6387,35 @@
                 <a:cs typeface="Arial" panose="020B0604020202020204" pitchFamily="34" charset="0"/>
               </a:defRPr>
             </a:lvl1pPr>
-            <a:lvl2pPr marL="457200" indent="0">
+            <a:lvl2pPr marL="457174" indent="0">
               <a:buNone/>
               <a:defRPr sz="2000" b="1"/>
             </a:lvl2pPr>
-            <a:lvl3pPr marL="914400" indent="0">
+            <a:lvl3pPr marL="914348" indent="0">
               <a:buNone/>
               <a:defRPr sz="1800" b="1"/>
             </a:lvl3pPr>
-            <a:lvl4pPr marL="1371600" indent="0">
+            <a:lvl4pPr marL="1371522" indent="0">
               <a:buNone/>
               <a:defRPr sz="1600" b="1"/>
             </a:lvl4pPr>
-            <a:lvl5pPr marL="1828800" indent="0">
+            <a:lvl5pPr marL="1828696" indent="0">
               <a:buNone/>
               <a:defRPr sz="1600" b="1"/>
             </a:lvl5pPr>
-            <a:lvl6pPr marL="2286000" indent="0">
+            <a:lvl6pPr marL="2285870" indent="0">
               <a:buNone/>
               <a:defRPr sz="1600" b="1"/>
             </a:lvl6pPr>
-            <a:lvl7pPr marL="2743200" indent="0">
+            <a:lvl7pPr marL="2743044" indent="0">
               <a:buNone/>
               <a:defRPr sz="1600" b="1"/>
             </a:lvl7pPr>
-            <a:lvl8pPr marL="3200400" indent="0">
+            <a:lvl8pPr marL="3200218" indent="0">
               <a:buNone/>
               <a:defRPr sz="1600" b="1"/>
             </a:lvl8pPr>
-            <a:lvl9pPr marL="3657600" indent="0">
+            <a:lvl9pPr marL="3657392" indent="0">
               <a:buNone/>
               <a:defRPr sz="1600" b="1"/>
             </a:lvl9pPr>
@@ -6400,7 +6441,7 @@
         </p:nvSpPr>
         <p:spPr>
           <a:xfrm>
-            <a:off x="6188403" y="598943"/>
+            <a:off x="6188407" y="598943"/>
             <a:ext cx="5174399" cy="452258"/>
           </a:xfrm>
         </p:spPr>
@@ -6416,35 +6457,35 @@
                 <a:cs typeface="Arial" panose="020B0604020202020204" pitchFamily="34" charset="0"/>
               </a:defRPr>
             </a:lvl1pPr>
-            <a:lvl2pPr marL="457200" indent="0">
+            <a:lvl2pPr marL="457174" indent="0">
               <a:buNone/>
               <a:defRPr sz="2000" b="1"/>
             </a:lvl2pPr>
-            <a:lvl3pPr marL="914400" indent="0">
+            <a:lvl3pPr marL="914348" indent="0">
               <a:buNone/>
               <a:defRPr sz="1800" b="1"/>
             </a:lvl3pPr>
-            <a:lvl4pPr marL="1371600" indent="0">
+            <a:lvl4pPr marL="1371522" indent="0">
               <a:buNone/>
               <a:defRPr sz="1600" b="1"/>
             </a:lvl4pPr>
-            <a:lvl5pPr marL="1828800" indent="0">
+            <a:lvl5pPr marL="1828696" indent="0">
               <a:buNone/>
               <a:defRPr sz="1600" b="1"/>
             </a:lvl5pPr>
-            <a:lvl6pPr marL="2286000" indent="0">
+            <a:lvl6pPr marL="2285870" indent="0">
               <a:buNone/>
               <a:defRPr sz="1600" b="1"/>
             </a:lvl6pPr>
-            <a:lvl7pPr marL="2743200" indent="0">
+            <a:lvl7pPr marL="2743044" indent="0">
               <a:buNone/>
               <a:defRPr sz="1600" b="1"/>
             </a:lvl7pPr>
-            <a:lvl8pPr marL="3200400" indent="0">
+            <a:lvl8pPr marL="3200218" indent="0">
               <a:buNone/>
               <a:defRPr sz="1600" b="1"/>
             </a:lvl8pPr>
-            <a:lvl9pPr marL="3657600" indent="0">
+            <a:lvl9pPr marL="3657392" indent="0">
               <a:buNone/>
               <a:defRPr sz="1600" b="1"/>
             </a:lvl9pPr>
@@ -6475,7 +6516,7 @@
           <a:p>
             <a:fld id="{05853D61-8A19-4B35-BDA8-1C18B2B00FED}" type="datetimeFigureOut">
               <a:rPr kumimoji="1" lang="ja-JP" altLang="en-US" smtClean="0"/>
-              <a:t>2025/8/4</a:t>
+              <a:t>2025/8/19</a:t>
             </a:fld>
             <a:endParaRPr kumimoji="1" lang="ja-JP" altLang="en-US"/>
           </a:p>
@@ -6605,7 +6646,7 @@
         </p:nvSpPr>
         <p:spPr>
           <a:xfrm>
-            <a:off x="6188403" y="1072747"/>
+            <a:off x="6188407" y="1072749"/>
             <a:ext cx="5174399" cy="2245129"/>
           </a:xfrm>
         </p:spPr>
@@ -6700,7 +6741,7 @@
         </p:nvSpPr>
         <p:spPr>
           <a:xfrm>
-            <a:off x="829200" y="192709"/>
+            <a:off x="829200" y="192711"/>
             <a:ext cx="10533600" cy="384691"/>
           </a:xfrm>
           <a:prstGeom prst="rect">
@@ -6763,7 +6804,7 @@
         </p:nvSpPr>
         <p:spPr>
           <a:xfrm>
-            <a:off x="829200" y="192709"/>
+            <a:off x="829200" y="192711"/>
             <a:ext cx="10533600" cy="384691"/>
           </a:xfrm>
         </p:spPr>
@@ -6903,7 +6944,7 @@
         </p:nvSpPr>
         <p:spPr>
           <a:xfrm>
-            <a:off x="829198" y="1963106"/>
+            <a:off x="829198" y="1963108"/>
             <a:ext cx="5190603" cy="1307631"/>
           </a:xfrm>
         </p:spPr>
@@ -6992,7 +7033,7 @@
         </p:nvSpPr>
         <p:spPr>
           <a:xfrm>
-            <a:off x="6172200" y="609616"/>
+            <a:off x="6172204" y="609616"/>
             <a:ext cx="5190603" cy="1307631"/>
           </a:xfrm>
         </p:spPr>
@@ -7081,7 +7122,7 @@
         </p:nvSpPr>
         <p:spPr>
           <a:xfrm>
-            <a:off x="6172200" y="1963106"/>
+            <a:off x="6172204" y="1963108"/>
             <a:ext cx="5190603" cy="1307631"/>
           </a:xfrm>
         </p:spPr>
@@ -7186,7 +7227,7 @@
           <a:p>
             <a:fld id="{05853D61-8A19-4B35-BDA8-1C18B2B00FED}" type="datetimeFigureOut">
               <a:rPr kumimoji="1" lang="ja-JP" altLang="en-US" smtClean="0"/>
-              <a:t>2025/8/4</a:t>
+              <a:t>2025/8/19</a:t>
             </a:fld>
             <a:endParaRPr kumimoji="1" lang="ja-JP" altLang="en-US"/>
           </a:p>
@@ -7295,7 +7336,7 @@
           <a:p>
             <a:fld id="{05853D61-8A19-4B35-BDA8-1C18B2B00FED}" type="datetimeFigureOut">
               <a:rPr kumimoji="1" lang="ja-JP" altLang="en-US" smtClean="0"/>
-              <a:t>2025/8/4</a:t>
+              <a:t>2025/8/19</a:t>
             </a:fld>
             <a:endParaRPr kumimoji="1" lang="ja-JP" altLang="en-US"/>
           </a:p>
@@ -7385,7 +7426,7 @@
         </p:nvSpPr>
         <p:spPr>
           <a:xfrm>
-            <a:off x="829200" y="192708"/>
+            <a:off x="829200" y="192710"/>
             <a:ext cx="10533600" cy="3125167"/>
           </a:xfrm>
         </p:spPr>
@@ -7479,7 +7520,7 @@
           <a:p>
             <a:fld id="{05853D61-8A19-4B35-BDA8-1C18B2B00FED}" type="datetimeFigureOut">
               <a:rPr kumimoji="1" lang="ja-JP" altLang="en-US" smtClean="0"/>
-              <a:t>2025/8/4</a:t>
+              <a:t>2025/8/19</a:t>
             </a:fld>
             <a:endParaRPr kumimoji="1" lang="ja-JP" altLang="en-US"/>
           </a:p>
@@ -7574,7 +7615,7 @@
           <a:p>
             <a:fld id="{05853D61-8A19-4B35-BDA8-1C18B2B00FED}" type="datetimeFigureOut">
               <a:rPr kumimoji="1" lang="ja-JP" altLang="en-US" smtClean="0"/>
-              <a:t>2025/8/4</a:t>
+              <a:t>2025/8/19</a:t>
             </a:fld>
             <a:endParaRPr kumimoji="1" lang="ja-JP" altLang="en-US"/>
           </a:p>
@@ -7672,7 +7713,7 @@
         </p:nvSpPr>
         <p:spPr>
           <a:xfrm>
-            <a:off x="829200" y="192709"/>
+            <a:off x="829200" y="192711"/>
             <a:ext cx="10533600" cy="384691"/>
           </a:xfrm>
           <a:prstGeom prst="rect">
@@ -7704,7 +7745,7 @@
         </p:nvSpPr>
         <p:spPr>
           <a:xfrm>
-            <a:off x="829200" y="575700"/>
+            <a:off x="829200" y="575702"/>
             <a:ext cx="10533600" cy="2742175"/>
           </a:xfrm>
           <a:prstGeom prst="rect">
@@ -7821,7 +7862,7 @@
           <a:p>
             <a:fld id="{05853D61-8A19-4B35-BDA8-1C18B2B00FED}" type="datetimeFigureOut">
               <a:rPr kumimoji="1" lang="ja-JP" altLang="en-US" smtClean="0"/>
-              <a:t>2025/8/4</a:t>
+              <a:t>2025/8/19</a:t>
             </a:fld>
             <a:endParaRPr kumimoji="1" lang="ja-JP" altLang="en-US"/>
           </a:p>
@@ -7927,7 +7968,7 @@
   </p:sldLayoutIdLst>
   <p:txStyles>
     <p:titleStyle>
-      <a:lvl1pPr algn="l" defTabSz="914354" rtl="0" eaLnBrk="1" latinLnBrk="0" hangingPunct="1">
+      <a:lvl1pPr algn="l" defTabSz="914302" rtl="0" eaLnBrk="1" latinLnBrk="0" hangingPunct="1">
         <a:lnSpc>
           <a:spcPct val="90000"/>
         </a:lnSpc>
@@ -7946,7 +7987,7 @@
       </a:lvl1pPr>
     </p:titleStyle>
     <p:bodyStyle>
-      <a:lvl1pPr marL="228589" indent="-228589" algn="just" defTabSz="914354" rtl="0" eaLnBrk="1" latinLnBrk="0" hangingPunct="1">
+      <a:lvl1pPr marL="228576" indent="-228576" algn="just" defTabSz="914302" rtl="0" eaLnBrk="1" latinLnBrk="0" hangingPunct="1">
         <a:lnSpc>
           <a:spcPct val="100000"/>
         </a:lnSpc>
@@ -7967,7 +8008,7 @@
           <a:cs typeface="Calibri" panose="020F0502020204030204" pitchFamily="34" charset="0"/>
         </a:defRPr>
       </a:lvl1pPr>
-      <a:lvl2pPr marL="685766" indent="-228589" algn="just" defTabSz="914354" rtl="0" eaLnBrk="1" latinLnBrk="0" hangingPunct="1">
+      <a:lvl2pPr marL="685727" indent="-228576" algn="just" defTabSz="914302" rtl="0" eaLnBrk="1" latinLnBrk="0" hangingPunct="1">
         <a:lnSpc>
           <a:spcPct val="100000"/>
         </a:lnSpc>
@@ -7988,7 +8029,7 @@
           <a:cs typeface="Calibri" panose="020F0502020204030204" pitchFamily="34" charset="0"/>
         </a:defRPr>
       </a:lvl2pPr>
-      <a:lvl3pPr marL="1142942" indent="-228589" algn="just" defTabSz="914354" rtl="0" eaLnBrk="1" latinLnBrk="0" hangingPunct="1">
+      <a:lvl3pPr marL="1142877" indent="-228576" algn="just" defTabSz="914302" rtl="0" eaLnBrk="1" latinLnBrk="0" hangingPunct="1">
         <a:lnSpc>
           <a:spcPct val="100000"/>
         </a:lnSpc>
@@ -8009,7 +8050,7 @@
           <a:cs typeface="Calibri" panose="020F0502020204030204" pitchFamily="34" charset="0"/>
         </a:defRPr>
       </a:lvl3pPr>
-      <a:lvl4pPr marL="1600120" indent="-228589" algn="just" defTabSz="914354" rtl="0" eaLnBrk="1" latinLnBrk="0" hangingPunct="1">
+      <a:lvl4pPr marL="1600029" indent="-228576" algn="just" defTabSz="914302" rtl="0" eaLnBrk="1" latinLnBrk="0" hangingPunct="1">
         <a:lnSpc>
           <a:spcPct val="100000"/>
         </a:lnSpc>
@@ -8030,7 +8071,7 @@
           <a:cs typeface="Calibri" panose="020F0502020204030204" pitchFamily="34" charset="0"/>
         </a:defRPr>
       </a:lvl4pPr>
-      <a:lvl5pPr marL="2057298" indent="-228589" algn="just" defTabSz="914354" rtl="0" eaLnBrk="1" latinLnBrk="0" hangingPunct="1">
+      <a:lvl5pPr marL="2057181" indent="-228576" algn="just" defTabSz="914302" rtl="0" eaLnBrk="1" latinLnBrk="0" hangingPunct="1">
         <a:lnSpc>
           <a:spcPct val="100000"/>
         </a:lnSpc>
@@ -8051,7 +8092,7 @@
           <a:cs typeface="Calibri" panose="020F0502020204030204" pitchFamily="34" charset="0"/>
         </a:defRPr>
       </a:lvl5pPr>
-      <a:lvl6pPr marL="2514474" indent="-228589" algn="l" defTabSz="914354" rtl="0" eaLnBrk="1" latinLnBrk="0" hangingPunct="1">
+      <a:lvl6pPr marL="2514331" indent="-228576" algn="l" defTabSz="914302" rtl="0" eaLnBrk="1" latinLnBrk="0" hangingPunct="1">
         <a:lnSpc>
           <a:spcPct val="90000"/>
         </a:lnSpc>
@@ -8069,7 +8110,7 @@
           <a:cs typeface="+mn-cs"/>
         </a:defRPr>
       </a:lvl6pPr>
-      <a:lvl7pPr marL="2971652" indent="-228589" algn="l" defTabSz="914354" rtl="0" eaLnBrk="1" latinLnBrk="0" hangingPunct="1">
+      <a:lvl7pPr marL="2971483" indent="-228576" algn="l" defTabSz="914302" rtl="0" eaLnBrk="1" latinLnBrk="0" hangingPunct="1">
         <a:lnSpc>
           <a:spcPct val="90000"/>
         </a:lnSpc>
@@ -8087,7 +8128,7 @@
           <a:cs typeface="+mn-cs"/>
         </a:defRPr>
       </a:lvl7pPr>
-      <a:lvl8pPr marL="3428829" indent="-228589" algn="l" defTabSz="914354" rtl="0" eaLnBrk="1" latinLnBrk="0" hangingPunct="1">
+      <a:lvl8pPr marL="3428634" indent="-228576" algn="l" defTabSz="914302" rtl="0" eaLnBrk="1" latinLnBrk="0" hangingPunct="1">
         <a:lnSpc>
           <a:spcPct val="90000"/>
         </a:lnSpc>
@@ -8105,7 +8146,7 @@
           <a:cs typeface="+mn-cs"/>
         </a:defRPr>
       </a:lvl8pPr>
-      <a:lvl9pPr marL="3886006" indent="-228589" algn="l" defTabSz="914354" rtl="0" eaLnBrk="1" latinLnBrk="0" hangingPunct="1">
+      <a:lvl9pPr marL="3885785" indent="-228576" algn="l" defTabSz="914302" rtl="0" eaLnBrk="1" latinLnBrk="0" hangingPunct="1">
         <a:lnSpc>
           <a:spcPct val="90000"/>
         </a:lnSpc>
@@ -8128,7 +8169,7 @@
       <a:defPPr>
         <a:defRPr lang="ja-JP"/>
       </a:defPPr>
-      <a:lvl1pPr marL="0" algn="l" defTabSz="914354" rtl="0" eaLnBrk="1" latinLnBrk="0" hangingPunct="1">
+      <a:lvl1pPr marL="0" algn="l" defTabSz="914302" rtl="0" eaLnBrk="1" latinLnBrk="0" hangingPunct="1">
         <a:defRPr kumimoji="1" sz="1800" kern="1200">
           <a:solidFill>
             <a:schemeClr val="tx1"/>
@@ -8138,7 +8179,7 @@
           <a:cs typeface="+mn-cs"/>
         </a:defRPr>
       </a:lvl1pPr>
-      <a:lvl2pPr marL="457178" algn="l" defTabSz="914354" rtl="0" eaLnBrk="1" latinLnBrk="0" hangingPunct="1">
+      <a:lvl2pPr marL="457152" algn="l" defTabSz="914302" rtl="0" eaLnBrk="1" latinLnBrk="0" hangingPunct="1">
         <a:defRPr kumimoji="1" sz="1800" kern="1200">
           <a:solidFill>
             <a:schemeClr val="tx1"/>
@@ -8148,7 +8189,7 @@
           <a:cs typeface="+mn-cs"/>
         </a:defRPr>
       </a:lvl2pPr>
-      <a:lvl3pPr marL="914354" algn="l" defTabSz="914354" rtl="0" eaLnBrk="1" latinLnBrk="0" hangingPunct="1">
+      <a:lvl3pPr marL="914302" algn="l" defTabSz="914302" rtl="0" eaLnBrk="1" latinLnBrk="0" hangingPunct="1">
         <a:defRPr kumimoji="1" sz="1800" kern="1200">
           <a:solidFill>
             <a:schemeClr val="tx1"/>
@@ -8158,7 +8199,7 @@
           <a:cs typeface="+mn-cs"/>
         </a:defRPr>
       </a:lvl3pPr>
-      <a:lvl4pPr marL="1371532" algn="l" defTabSz="914354" rtl="0" eaLnBrk="1" latinLnBrk="0" hangingPunct="1">
+      <a:lvl4pPr marL="1371454" algn="l" defTabSz="914302" rtl="0" eaLnBrk="1" latinLnBrk="0" hangingPunct="1">
         <a:defRPr kumimoji="1" sz="1800" kern="1200">
           <a:solidFill>
             <a:schemeClr val="tx1"/>
@@ -8168,7 +8209,7 @@
           <a:cs typeface="+mn-cs"/>
         </a:defRPr>
       </a:lvl4pPr>
-      <a:lvl5pPr marL="1828709" algn="l" defTabSz="914354" rtl="0" eaLnBrk="1" latinLnBrk="0" hangingPunct="1">
+      <a:lvl5pPr marL="1828605" algn="l" defTabSz="914302" rtl="0" eaLnBrk="1" latinLnBrk="0" hangingPunct="1">
         <a:defRPr kumimoji="1" sz="1800" kern="1200">
           <a:solidFill>
             <a:schemeClr val="tx1"/>
@@ -8178,7 +8219,7 @@
           <a:cs typeface="+mn-cs"/>
         </a:defRPr>
       </a:lvl5pPr>
-      <a:lvl6pPr marL="2285886" algn="l" defTabSz="914354" rtl="0" eaLnBrk="1" latinLnBrk="0" hangingPunct="1">
+      <a:lvl6pPr marL="2285756" algn="l" defTabSz="914302" rtl="0" eaLnBrk="1" latinLnBrk="0" hangingPunct="1">
         <a:defRPr kumimoji="1" sz="1800" kern="1200">
           <a:solidFill>
             <a:schemeClr val="tx1"/>
@@ -8188,7 +8229,7 @@
           <a:cs typeface="+mn-cs"/>
         </a:defRPr>
       </a:lvl6pPr>
-      <a:lvl7pPr marL="2743062" algn="l" defTabSz="914354" rtl="0" eaLnBrk="1" latinLnBrk="0" hangingPunct="1">
+      <a:lvl7pPr marL="2742906" algn="l" defTabSz="914302" rtl="0" eaLnBrk="1" latinLnBrk="0" hangingPunct="1">
         <a:defRPr kumimoji="1" sz="1800" kern="1200">
           <a:solidFill>
             <a:schemeClr val="tx1"/>
@@ -8198,7 +8239,7 @@
           <a:cs typeface="+mn-cs"/>
         </a:defRPr>
       </a:lvl7pPr>
-      <a:lvl8pPr marL="3200240" algn="l" defTabSz="914354" rtl="0" eaLnBrk="1" latinLnBrk="0" hangingPunct="1">
+      <a:lvl8pPr marL="3200058" algn="l" defTabSz="914302" rtl="0" eaLnBrk="1" latinLnBrk="0" hangingPunct="1">
         <a:defRPr kumimoji="1" sz="1800" kern="1200">
           <a:solidFill>
             <a:schemeClr val="tx1"/>
@@ -8208,7 +8249,7 @@
           <a:cs typeface="+mn-cs"/>
         </a:defRPr>
       </a:lvl8pPr>
-      <a:lvl9pPr marL="3657418" algn="l" defTabSz="914354" rtl="0" eaLnBrk="1" latinLnBrk="0" hangingPunct="1">
+      <a:lvl9pPr marL="3657210" algn="l" defTabSz="914302" rtl="0" eaLnBrk="1" latinLnBrk="0" hangingPunct="1">
         <a:defRPr kumimoji="1" sz="1800" kern="1200">
           <a:solidFill>
             <a:schemeClr val="tx1"/>
@@ -8253,13 +8294,13 @@
           <p:nvPr>
             <p:extLst>
               <p:ext uri="{D42A27DB-BD31-4B8C-83A1-F6EECF244321}">
-                <p14:modId xmlns:p14="http://schemas.microsoft.com/office/powerpoint/2010/main" val="3561230163"/>
+                <p14:modId xmlns:p14="http://schemas.microsoft.com/office/powerpoint/2010/main" val="1521310092"/>
               </p:ext>
             </p:extLst>
           </p:nvPr>
         </p:nvGraphicFramePr>
         <p:xfrm>
-          <a:off x="0" y="0"/>
+          <a:off x="0" y="1"/>
           <a:ext cx="12192000" cy="3619499"/>
         </p:xfrm>
         <a:graphic>
@@ -8272,6 +8313,473 @@
     <p:extLst>
       <p:ext uri="{BB962C8B-B14F-4D97-AF65-F5344CB8AC3E}">
         <p14:creationId xmlns:p14="http://schemas.microsoft.com/office/powerpoint/2010/main" val="470243937"/>
+      </p:ext>
+    </p:extLst>
+  </p:cSld>
+  <p:clrMapOvr>
+    <a:masterClrMapping/>
+  </p:clrMapOvr>
+</p:sld>
+</file>
+
+<file path=ppt/slides/slide2.xml><?xml version="1.0" encoding="utf-8"?>
+<p:sld xmlns:a="http://schemas.openxmlformats.org/drawingml/2006/main" xmlns:r="http://schemas.openxmlformats.org/officeDocument/2006/relationships" xmlns:p="http://schemas.openxmlformats.org/presentationml/2006/main">
+  <p:cSld>
+    <p:spTree>
+      <p:nvGrpSpPr>
+        <p:cNvPr id="1" name=""/>
+        <p:cNvGrpSpPr/>
+        <p:nvPr/>
+      </p:nvGrpSpPr>
+      <p:grpSpPr>
+        <a:xfrm>
+          <a:off x="0" y="0"/>
+          <a:ext cx="0" cy="0"/>
+          <a:chOff x="0" y="0"/>
+          <a:chExt cx="0" cy="0"/>
+        </a:xfrm>
+      </p:grpSpPr>
+      <p:pic>
+        <p:nvPicPr>
+          <p:cNvPr id="3" name="図 2">
+            <a:extLst>
+              <a:ext uri="{FF2B5EF4-FFF2-40B4-BE49-F238E27FC236}">
+                <a16:creationId xmlns:a16="http://schemas.microsoft.com/office/drawing/2014/main" id="{EACA66CB-0598-8BF6-21E0-8C0C9324065F}"/>
+              </a:ext>
+            </a:extLst>
+          </p:cNvPr>
+          <p:cNvPicPr>
+            <a:picLocks noChangeAspect="1"/>
+          </p:cNvPicPr>
+          <p:nvPr/>
+        </p:nvPicPr>
+        <p:blipFill>
+          <a:blip r:embed="rId2"/>
+          <a:stretch>
+            <a:fillRect/>
+          </a:stretch>
+        </p:blipFill>
+        <p:spPr>
+          <a:xfrm>
+            <a:off x="43316" y="-76027"/>
+            <a:ext cx="3949266" cy="3629353"/>
+          </a:xfrm>
+          <a:prstGeom prst="rect">
+            <a:avLst/>
+          </a:prstGeom>
+        </p:spPr>
+      </p:pic>
+      <p:cxnSp>
+        <p:nvCxnSpPr>
+          <p:cNvPr id="4" name="直線矢印コネクタ 3">
+            <a:extLst>
+              <a:ext uri="{FF2B5EF4-FFF2-40B4-BE49-F238E27FC236}">
+                <a16:creationId xmlns:a16="http://schemas.microsoft.com/office/drawing/2014/main" id="{6EBC0BDC-0DE2-15E3-A91E-33BC5352E9D8}"/>
+              </a:ext>
+            </a:extLst>
+          </p:cNvPr>
+          <p:cNvCxnSpPr>
+            <a:cxnSpLocks/>
+          </p:cNvCxnSpPr>
+          <p:nvPr/>
+        </p:nvCxnSpPr>
+        <p:spPr>
+          <a:xfrm flipV="1">
+            <a:off x="5642811" y="547437"/>
+            <a:ext cx="0" cy="2791326"/>
+          </a:xfrm>
+          <a:prstGeom prst="straightConnector1">
+            <a:avLst/>
+          </a:prstGeom>
+          <a:ln w="19050">
+            <a:solidFill>
+              <a:schemeClr val="tx1"/>
+            </a:solidFill>
+            <a:headEnd type="none" w="med" len="med"/>
+            <a:tailEnd type="arrow" w="med" len="med"/>
+          </a:ln>
+        </p:spPr>
+        <p:style>
+          <a:lnRef idx="1">
+            <a:schemeClr val="accent1"/>
+          </a:lnRef>
+          <a:fillRef idx="0">
+            <a:schemeClr val="accent1"/>
+          </a:fillRef>
+          <a:effectRef idx="0">
+            <a:schemeClr val="accent1"/>
+          </a:effectRef>
+          <a:fontRef idx="minor">
+            <a:schemeClr val="tx1"/>
+          </a:fontRef>
+        </p:style>
+      </p:cxnSp>
+      <p:cxnSp>
+        <p:nvCxnSpPr>
+          <p:cNvPr id="6" name="直線矢印コネクタ 5">
+            <a:extLst>
+              <a:ext uri="{FF2B5EF4-FFF2-40B4-BE49-F238E27FC236}">
+                <a16:creationId xmlns:a16="http://schemas.microsoft.com/office/drawing/2014/main" id="{3AAEA0F1-D8D4-5EDC-27FD-1FED2836D4FB}"/>
+              </a:ext>
+            </a:extLst>
+          </p:cNvPr>
+          <p:cNvCxnSpPr>
+            <a:cxnSpLocks/>
+          </p:cNvCxnSpPr>
+          <p:nvPr/>
+        </p:nvCxnSpPr>
+        <p:spPr>
+          <a:xfrm>
+            <a:off x="5642811" y="3338763"/>
+            <a:ext cx="3224463" cy="0"/>
+          </a:xfrm>
+          <a:prstGeom prst="straightConnector1">
+            <a:avLst/>
+          </a:prstGeom>
+          <a:ln w="19050">
+            <a:solidFill>
+              <a:schemeClr val="tx1"/>
+            </a:solidFill>
+            <a:headEnd type="none" w="med" len="med"/>
+            <a:tailEnd type="arrow" w="med" len="med"/>
+          </a:ln>
+        </p:spPr>
+        <p:style>
+          <a:lnRef idx="1">
+            <a:schemeClr val="accent1"/>
+          </a:lnRef>
+          <a:fillRef idx="0">
+            <a:schemeClr val="accent1"/>
+          </a:fillRef>
+          <a:effectRef idx="0">
+            <a:schemeClr val="accent1"/>
+          </a:effectRef>
+          <a:fontRef idx="minor">
+            <a:schemeClr val="tx1"/>
+          </a:fontRef>
+        </p:style>
+      </p:cxnSp>
+      <p:sp>
+        <p:nvSpPr>
+          <p:cNvPr id="9" name="テキスト ボックス 8">
+            <a:extLst>
+              <a:ext uri="{FF2B5EF4-FFF2-40B4-BE49-F238E27FC236}">
+                <a16:creationId xmlns:a16="http://schemas.microsoft.com/office/drawing/2014/main" id="{BD24DEA5-C22E-3061-B831-0E1BCB52E13F}"/>
+              </a:ext>
+            </a:extLst>
+          </p:cNvPr>
+          <p:cNvSpPr txBox="1"/>
+          <p:nvPr/>
+        </p:nvSpPr>
+        <p:spPr>
+          <a:xfrm>
+            <a:off x="5300915" y="280736"/>
+            <a:ext cx="683792" cy="307777"/>
+          </a:xfrm>
+          <a:prstGeom prst="rect">
+            <a:avLst/>
+          </a:prstGeom>
+          <a:noFill/>
+        </p:spPr>
+        <p:txBody>
+          <a:bodyPr wrap="square" rtlCol="0">
+            <a:spAutoFit/>
+          </a:bodyPr>
+          <a:lstStyle/>
+          <a:p>
+            <a:pPr algn="ctr"/>
+            <a:r>
+              <a:rPr lang="ja-JP" altLang="en-US" sz="1400" dirty="0"/>
+              <a:t>賃金</a:t>
+            </a:r>
+            <a:endParaRPr kumimoji="1" lang="ja-JP" altLang="en-US" sz="1400" dirty="0"/>
+          </a:p>
+        </p:txBody>
+      </p:sp>
+      <p:sp>
+        <p:nvSpPr>
+          <p:cNvPr id="10" name="テキスト ボックス 9">
+            <a:extLst>
+              <a:ext uri="{FF2B5EF4-FFF2-40B4-BE49-F238E27FC236}">
+                <a16:creationId xmlns:a16="http://schemas.microsoft.com/office/drawing/2014/main" id="{9772673E-0DF8-0C1D-2377-BEB6BD821559}"/>
+              </a:ext>
+            </a:extLst>
+          </p:cNvPr>
+          <p:cNvSpPr txBox="1"/>
+          <p:nvPr/>
+        </p:nvSpPr>
+        <p:spPr>
+          <a:xfrm>
+            <a:off x="8867274" y="3184874"/>
+            <a:ext cx="842210" cy="307777"/>
+          </a:xfrm>
+          <a:prstGeom prst="rect">
+            <a:avLst/>
+          </a:prstGeom>
+          <a:noFill/>
+        </p:spPr>
+        <p:txBody>
+          <a:bodyPr wrap="square" rtlCol="0">
+            <a:spAutoFit/>
+          </a:bodyPr>
+          <a:lstStyle/>
+          <a:p>
+            <a:pPr algn="ctr"/>
+            <a:r>
+              <a:rPr kumimoji="1" lang="ja-JP" altLang="en-US" sz="1400" dirty="0"/>
+              <a:t>雇用量</a:t>
+            </a:r>
+          </a:p>
+        </p:txBody>
+      </p:sp>
+      <p:sp>
+        <p:nvSpPr>
+          <p:cNvPr id="18" name="フリーフォーム: 図形 17">
+            <a:extLst>
+              <a:ext uri="{FF2B5EF4-FFF2-40B4-BE49-F238E27FC236}">
+                <a16:creationId xmlns:a16="http://schemas.microsoft.com/office/drawing/2014/main" id="{5B7248D9-0AE9-A3AA-F1BC-2F98189F7C10}"/>
+              </a:ext>
+            </a:extLst>
+          </p:cNvPr>
+          <p:cNvSpPr/>
+          <p:nvPr/>
+        </p:nvSpPr>
+        <p:spPr>
+          <a:xfrm>
+            <a:off x="5874419" y="937946"/>
+            <a:ext cx="2761248" cy="2051384"/>
+          </a:xfrm>
+          <a:custGeom>
+            <a:avLst/>
+            <a:gdLst>
+              <a:gd name="connsiteX0" fmla="*/ 0 w 2761248"/>
+              <a:gd name="connsiteY0" fmla="*/ 0 h 2051384"/>
+              <a:gd name="connsiteX1" fmla="*/ 842211 w 2761248"/>
+              <a:gd name="connsiteY1" fmla="*/ 1606216 h 2051384"/>
+              <a:gd name="connsiteX2" fmla="*/ 2761248 w 2761248"/>
+              <a:gd name="connsiteY2" fmla="*/ 2051384 h 2051384"/>
+            </a:gdLst>
+            <a:ahLst/>
+            <a:cxnLst>
+              <a:cxn ang="0">
+                <a:pos x="connsiteX0" y="connsiteY0"/>
+              </a:cxn>
+              <a:cxn ang="0">
+                <a:pos x="connsiteX1" y="connsiteY1"/>
+              </a:cxn>
+              <a:cxn ang="0">
+                <a:pos x="connsiteX2" y="connsiteY2"/>
+              </a:cxn>
+            </a:cxnLst>
+            <a:rect l="l" t="t" r="r" b="b"/>
+            <a:pathLst>
+              <a:path w="2761248" h="2051384">
+                <a:moveTo>
+                  <a:pt x="0" y="0"/>
+                </a:moveTo>
+                <a:cubicBezTo>
+                  <a:pt x="191001" y="632159"/>
+                  <a:pt x="382003" y="1264319"/>
+                  <a:pt x="842211" y="1606216"/>
+                </a:cubicBezTo>
+                <a:cubicBezTo>
+                  <a:pt x="1302419" y="1948113"/>
+                  <a:pt x="2031833" y="1999748"/>
+                  <a:pt x="2761248" y="2051384"/>
+                </a:cubicBezTo>
+              </a:path>
+            </a:pathLst>
+          </a:custGeom>
+          <a:noFill/>
+          <a:ln w="28575"/>
+        </p:spPr>
+        <p:style>
+          <a:lnRef idx="2">
+            <a:schemeClr val="accent1">
+              <a:shade val="15000"/>
+            </a:schemeClr>
+          </a:lnRef>
+          <a:fillRef idx="1">
+            <a:schemeClr val="accent1"/>
+          </a:fillRef>
+          <a:effectRef idx="0">
+            <a:schemeClr val="accent1"/>
+          </a:effectRef>
+          <a:fontRef idx="minor">
+            <a:schemeClr val="lt1"/>
+          </a:fontRef>
+        </p:style>
+        <p:txBody>
+          <a:bodyPr rtlCol="0" anchor="ctr"/>
+          <a:lstStyle/>
+          <a:p>
+            <a:pPr algn="ctr"/>
+            <a:endParaRPr kumimoji="1" lang="ja-JP" altLang="en-US"/>
+          </a:p>
+        </p:txBody>
+      </p:sp>
+      <p:sp>
+        <p:nvSpPr>
+          <p:cNvPr id="19" name="フリーフォーム: 図形 18">
+            <a:extLst>
+              <a:ext uri="{FF2B5EF4-FFF2-40B4-BE49-F238E27FC236}">
+                <a16:creationId xmlns:a16="http://schemas.microsoft.com/office/drawing/2014/main" id="{DC46BCA3-85CE-06F6-075A-F4F69BEF8436}"/>
+              </a:ext>
+            </a:extLst>
+          </p:cNvPr>
+          <p:cNvSpPr/>
+          <p:nvPr/>
+        </p:nvSpPr>
+        <p:spPr>
+          <a:xfrm>
+            <a:off x="5883442" y="757989"/>
+            <a:ext cx="2598821" cy="2358190"/>
+          </a:xfrm>
+          <a:custGeom>
+            <a:avLst/>
+            <a:gdLst>
+              <a:gd name="connsiteX0" fmla="*/ 0 w 2598821"/>
+              <a:gd name="connsiteY0" fmla="*/ 2358190 h 2358190"/>
+              <a:gd name="connsiteX1" fmla="*/ 1780674 w 2598821"/>
+              <a:gd name="connsiteY1" fmla="*/ 1690437 h 2358190"/>
+              <a:gd name="connsiteX2" fmla="*/ 2598821 w 2598821"/>
+              <a:gd name="connsiteY2" fmla="*/ 0 h 2358190"/>
+            </a:gdLst>
+            <a:ahLst/>
+            <a:cxnLst>
+              <a:cxn ang="0">
+                <a:pos x="connsiteX0" y="connsiteY0"/>
+              </a:cxn>
+              <a:cxn ang="0">
+                <a:pos x="connsiteX1" y="connsiteY1"/>
+              </a:cxn>
+              <a:cxn ang="0">
+                <a:pos x="connsiteX2" y="connsiteY2"/>
+              </a:cxn>
+            </a:cxnLst>
+            <a:rect l="l" t="t" r="r" b="b"/>
+            <a:pathLst>
+              <a:path w="2598821" h="2358190">
+                <a:moveTo>
+                  <a:pt x="0" y="2358190"/>
+                </a:moveTo>
+                <a:cubicBezTo>
+                  <a:pt x="673768" y="2220829"/>
+                  <a:pt x="1347537" y="2083469"/>
+                  <a:pt x="1780674" y="1690437"/>
+                </a:cubicBezTo>
+                <a:cubicBezTo>
+                  <a:pt x="2213811" y="1297405"/>
+                  <a:pt x="2406316" y="648702"/>
+                  <a:pt x="2598821" y="0"/>
+                </a:cubicBezTo>
+              </a:path>
+            </a:pathLst>
+          </a:custGeom>
+          <a:noFill/>
+          <a:ln w="28575"/>
+        </p:spPr>
+        <p:style>
+          <a:lnRef idx="2">
+            <a:schemeClr val="accent1">
+              <a:shade val="15000"/>
+            </a:schemeClr>
+          </a:lnRef>
+          <a:fillRef idx="1">
+            <a:schemeClr val="accent1"/>
+          </a:fillRef>
+          <a:effectRef idx="0">
+            <a:schemeClr val="accent1"/>
+          </a:effectRef>
+          <a:fontRef idx="minor">
+            <a:schemeClr val="lt1"/>
+          </a:fontRef>
+        </p:style>
+        <p:txBody>
+          <a:bodyPr rtlCol="0" anchor="ctr"/>
+          <a:lstStyle/>
+          <a:p>
+            <a:pPr algn="ctr"/>
+            <a:endParaRPr kumimoji="1" lang="ja-JP" altLang="en-US"/>
+          </a:p>
+        </p:txBody>
+      </p:sp>
+      <p:sp>
+        <p:nvSpPr>
+          <p:cNvPr id="20" name="テキスト ボックス 19">
+            <a:extLst>
+              <a:ext uri="{FF2B5EF4-FFF2-40B4-BE49-F238E27FC236}">
+                <a16:creationId xmlns:a16="http://schemas.microsoft.com/office/drawing/2014/main" id="{261F5E52-B942-25A5-3531-991414123D90}"/>
+              </a:ext>
+            </a:extLst>
+          </p:cNvPr>
+          <p:cNvSpPr txBox="1"/>
+          <p:nvPr/>
+        </p:nvSpPr>
+        <p:spPr>
+          <a:xfrm>
+            <a:off x="8635667" y="2835442"/>
+            <a:ext cx="842210" cy="307777"/>
+          </a:xfrm>
+          <a:prstGeom prst="rect">
+            <a:avLst/>
+          </a:prstGeom>
+          <a:noFill/>
+        </p:spPr>
+        <p:txBody>
+          <a:bodyPr wrap="square" rtlCol="0">
+            <a:spAutoFit/>
+          </a:bodyPr>
+          <a:lstStyle/>
+          <a:p>
+            <a:pPr algn="ctr"/>
+            <a:r>
+              <a:rPr kumimoji="1" lang="ja-JP" altLang="en-US" sz="1400" dirty="0"/>
+              <a:t>需要</a:t>
+            </a:r>
+          </a:p>
+        </p:txBody>
+      </p:sp>
+      <p:sp>
+        <p:nvSpPr>
+          <p:cNvPr id="21" name="テキスト ボックス 20">
+            <a:extLst>
+              <a:ext uri="{FF2B5EF4-FFF2-40B4-BE49-F238E27FC236}">
+                <a16:creationId xmlns:a16="http://schemas.microsoft.com/office/drawing/2014/main" id="{91B0D974-B910-9893-0B04-75221F1639AD}"/>
+              </a:ext>
+            </a:extLst>
+          </p:cNvPr>
+          <p:cNvSpPr txBox="1"/>
+          <p:nvPr/>
+        </p:nvSpPr>
+        <p:spPr>
+          <a:xfrm>
+            <a:off x="8410074" y="604100"/>
+            <a:ext cx="842210" cy="307777"/>
+          </a:xfrm>
+          <a:prstGeom prst="rect">
+            <a:avLst/>
+          </a:prstGeom>
+          <a:noFill/>
+        </p:spPr>
+        <p:txBody>
+          <a:bodyPr wrap="square" rtlCol="0">
+            <a:spAutoFit/>
+          </a:bodyPr>
+          <a:lstStyle/>
+          <a:p>
+            <a:pPr algn="ctr"/>
+            <a:r>
+              <a:rPr kumimoji="1" lang="ja-JP" altLang="en-US" sz="1400" dirty="0"/>
+              <a:t>供給</a:t>
+            </a:r>
+          </a:p>
+        </p:txBody>
+      </p:sp>
+    </p:spTree>
+    <p:extLst>
+      <p:ext uri="{BB962C8B-B14F-4D97-AF65-F5344CB8AC3E}">
+        <p14:creationId xmlns:p14="http://schemas.microsoft.com/office/powerpoint/2010/main" val="438181221"/>
       </p:ext>
     </p:extLst>
   </p:cSld>

--- a/images/labor_fig.pptx
+++ b/images/labor_fig.pptx
@@ -4,9 +4,20 @@
   <p:sldMasterIdLst>
     <p:sldMasterId id="2147483660" r:id="rId1"/>
   </p:sldMasterIdLst>
+  <p:notesMasterIdLst>
+    <p:notesMasterId r:id="rId12"/>
+  </p:notesMasterIdLst>
   <p:sldIdLst>
     <p:sldId id="256" r:id="rId2"/>
-    <p:sldId id="257" r:id="rId3"/>
+    <p:sldId id="258" r:id="rId3"/>
+    <p:sldId id="259" r:id="rId4"/>
+    <p:sldId id="260" r:id="rId5"/>
+    <p:sldId id="261" r:id="rId6"/>
+    <p:sldId id="264" r:id="rId7"/>
+    <p:sldId id="257" r:id="rId8"/>
+    <p:sldId id="263" r:id="rId9"/>
+    <p:sldId id="265" r:id="rId10"/>
+    <p:sldId id="266" r:id="rId11"/>
   </p:sldIdLst>
   <p:sldSz cx="12192000" cy="3619500"/>
   <p:notesSz cx="6858000" cy="9144000"/>
@@ -5140,6 +5151,471 @@
 </dgm:styleDef>
 </file>
 
+<file path=ppt/notesMasters/notesMaster1.xml><?xml version="1.0" encoding="utf-8"?>
+<p:notesMaster xmlns:a="http://schemas.openxmlformats.org/drawingml/2006/main" xmlns:r="http://schemas.openxmlformats.org/officeDocument/2006/relationships" xmlns:p="http://schemas.openxmlformats.org/presentationml/2006/main">
+  <p:cSld>
+    <p:bg>
+      <p:bgRef idx="1001">
+        <a:schemeClr val="bg1"/>
+      </p:bgRef>
+    </p:bg>
+    <p:spTree>
+      <p:nvGrpSpPr>
+        <p:cNvPr id="1" name=""/>
+        <p:cNvGrpSpPr/>
+        <p:nvPr/>
+      </p:nvGrpSpPr>
+      <p:grpSpPr>
+        <a:xfrm>
+          <a:off x="0" y="0"/>
+          <a:ext cx="0" cy="0"/>
+          <a:chOff x="0" y="0"/>
+          <a:chExt cx="0" cy="0"/>
+        </a:xfrm>
+      </p:grpSpPr>
+      <p:sp>
+        <p:nvSpPr>
+          <p:cNvPr id="2" name="ヘッダー プレースホルダー 1"/>
+          <p:cNvSpPr>
+            <a:spLocks noGrp="1"/>
+          </p:cNvSpPr>
+          <p:nvPr>
+            <p:ph type="hdr" sz="quarter"/>
+          </p:nvPr>
+        </p:nvSpPr>
+        <p:spPr>
+          <a:xfrm>
+            <a:off x="0" y="0"/>
+            <a:ext cx="2971800" cy="458788"/>
+          </a:xfrm>
+          <a:prstGeom prst="rect">
+            <a:avLst/>
+          </a:prstGeom>
+        </p:spPr>
+        <p:txBody>
+          <a:bodyPr vert="horz" lIns="91440" tIns="45720" rIns="91440" bIns="45720" rtlCol="0"/>
+          <a:lstStyle>
+            <a:lvl1pPr algn="l">
+              <a:defRPr sz="1200"/>
+            </a:lvl1pPr>
+          </a:lstStyle>
+          <a:p>
+            <a:endParaRPr kumimoji="1" lang="ja-JP" altLang="en-US"/>
+          </a:p>
+        </p:txBody>
+      </p:sp>
+      <p:sp>
+        <p:nvSpPr>
+          <p:cNvPr id="3" name="日付プレースホルダー 2"/>
+          <p:cNvSpPr>
+            <a:spLocks noGrp="1"/>
+          </p:cNvSpPr>
+          <p:nvPr>
+            <p:ph type="dt" idx="1"/>
+          </p:nvPr>
+        </p:nvSpPr>
+        <p:spPr>
+          <a:xfrm>
+            <a:off x="3884613" y="0"/>
+            <a:ext cx="2971800" cy="458788"/>
+          </a:xfrm>
+          <a:prstGeom prst="rect">
+            <a:avLst/>
+          </a:prstGeom>
+        </p:spPr>
+        <p:txBody>
+          <a:bodyPr vert="horz" lIns="91440" tIns="45720" rIns="91440" bIns="45720" rtlCol="0"/>
+          <a:lstStyle>
+            <a:lvl1pPr algn="r">
+              <a:defRPr sz="1200"/>
+            </a:lvl1pPr>
+          </a:lstStyle>
+          <a:p>
+            <a:fld id="{563A7CF2-AB3E-47DB-A90F-A00729506E41}" type="datetimeFigureOut">
+              <a:rPr kumimoji="1" lang="ja-JP" altLang="en-US" smtClean="0"/>
+              <a:t>2025/8/26</a:t>
+            </a:fld>
+            <a:endParaRPr kumimoji="1" lang="ja-JP" altLang="en-US"/>
+          </a:p>
+        </p:txBody>
+      </p:sp>
+      <p:sp>
+        <p:nvSpPr>
+          <p:cNvPr id="4" name="スライド イメージ プレースホルダー 3"/>
+          <p:cNvSpPr>
+            <a:spLocks noGrp="1" noRot="1" noChangeAspect="1"/>
+          </p:cNvSpPr>
+          <p:nvPr>
+            <p:ph type="sldImg" idx="2"/>
+          </p:nvPr>
+        </p:nvSpPr>
+        <p:spPr>
+          <a:xfrm>
+            <a:off x="-1768475" y="1143000"/>
+            <a:ext cx="10394950" cy="3086100"/>
+          </a:xfrm>
+          <a:prstGeom prst="rect">
+            <a:avLst/>
+          </a:prstGeom>
+          <a:noFill/>
+          <a:ln w="12700">
+            <a:solidFill>
+              <a:prstClr val="black"/>
+            </a:solidFill>
+          </a:ln>
+        </p:spPr>
+        <p:txBody>
+          <a:bodyPr vert="horz" lIns="91440" tIns="45720" rIns="91440" bIns="45720" rtlCol="0" anchor="ctr"/>
+          <a:lstStyle/>
+          <a:p>
+            <a:endParaRPr lang="ja-JP" altLang="en-US"/>
+          </a:p>
+        </p:txBody>
+      </p:sp>
+      <p:sp>
+        <p:nvSpPr>
+          <p:cNvPr id="5" name="ノート プレースホルダー 4"/>
+          <p:cNvSpPr>
+            <a:spLocks noGrp="1"/>
+          </p:cNvSpPr>
+          <p:nvPr>
+            <p:ph type="body" sz="quarter" idx="3"/>
+          </p:nvPr>
+        </p:nvSpPr>
+        <p:spPr>
+          <a:xfrm>
+            <a:off x="685800" y="4400550"/>
+            <a:ext cx="5486400" cy="3600450"/>
+          </a:xfrm>
+          <a:prstGeom prst="rect">
+            <a:avLst/>
+          </a:prstGeom>
+        </p:spPr>
+        <p:txBody>
+          <a:bodyPr vert="horz" lIns="91440" tIns="45720" rIns="91440" bIns="45720" rtlCol="0"/>
+          <a:lstStyle/>
+          <a:p>
+            <a:pPr lvl="0"/>
+            <a:r>
+              <a:rPr kumimoji="1" lang="ja-JP" altLang="en-US"/>
+              <a:t>マスター テキストの書式設定</a:t>
+            </a:r>
+          </a:p>
+          <a:p>
+            <a:pPr lvl="1"/>
+            <a:r>
+              <a:rPr kumimoji="1" lang="ja-JP" altLang="en-US"/>
+              <a:t>第 </a:t>
+            </a:r>
+            <a:r>
+              <a:rPr kumimoji="1" lang="en-US" altLang="ja-JP"/>
+              <a:t>2 </a:t>
+            </a:r>
+            <a:r>
+              <a:rPr kumimoji="1" lang="ja-JP" altLang="en-US"/>
+              <a:t>レベル</a:t>
+            </a:r>
+          </a:p>
+          <a:p>
+            <a:pPr lvl="2"/>
+            <a:r>
+              <a:rPr kumimoji="1" lang="ja-JP" altLang="en-US"/>
+              <a:t>第 </a:t>
+            </a:r>
+            <a:r>
+              <a:rPr kumimoji="1" lang="en-US" altLang="ja-JP"/>
+              <a:t>3 </a:t>
+            </a:r>
+            <a:r>
+              <a:rPr kumimoji="1" lang="ja-JP" altLang="en-US"/>
+              <a:t>レベル</a:t>
+            </a:r>
+          </a:p>
+          <a:p>
+            <a:pPr lvl="3"/>
+            <a:r>
+              <a:rPr kumimoji="1" lang="ja-JP" altLang="en-US"/>
+              <a:t>第 </a:t>
+            </a:r>
+            <a:r>
+              <a:rPr kumimoji="1" lang="en-US" altLang="ja-JP"/>
+              <a:t>4 </a:t>
+            </a:r>
+            <a:r>
+              <a:rPr kumimoji="1" lang="ja-JP" altLang="en-US"/>
+              <a:t>レベル</a:t>
+            </a:r>
+          </a:p>
+          <a:p>
+            <a:pPr lvl="4"/>
+            <a:r>
+              <a:rPr kumimoji="1" lang="ja-JP" altLang="en-US"/>
+              <a:t>第 </a:t>
+            </a:r>
+            <a:r>
+              <a:rPr kumimoji="1" lang="en-US" altLang="ja-JP"/>
+              <a:t>5 </a:t>
+            </a:r>
+            <a:r>
+              <a:rPr kumimoji="1" lang="ja-JP" altLang="en-US"/>
+              <a:t>レベル</a:t>
+            </a:r>
+          </a:p>
+        </p:txBody>
+      </p:sp>
+      <p:sp>
+        <p:nvSpPr>
+          <p:cNvPr id="6" name="フッター プレースホルダー 5"/>
+          <p:cNvSpPr>
+            <a:spLocks noGrp="1"/>
+          </p:cNvSpPr>
+          <p:nvPr>
+            <p:ph type="ftr" sz="quarter" idx="4"/>
+          </p:nvPr>
+        </p:nvSpPr>
+        <p:spPr>
+          <a:xfrm>
+            <a:off x="0" y="8685213"/>
+            <a:ext cx="2971800" cy="458787"/>
+          </a:xfrm>
+          <a:prstGeom prst="rect">
+            <a:avLst/>
+          </a:prstGeom>
+        </p:spPr>
+        <p:txBody>
+          <a:bodyPr vert="horz" lIns="91440" tIns="45720" rIns="91440" bIns="45720" rtlCol="0" anchor="b"/>
+          <a:lstStyle>
+            <a:lvl1pPr algn="l">
+              <a:defRPr sz="1200"/>
+            </a:lvl1pPr>
+          </a:lstStyle>
+          <a:p>
+            <a:endParaRPr kumimoji="1" lang="ja-JP" altLang="en-US"/>
+          </a:p>
+        </p:txBody>
+      </p:sp>
+      <p:sp>
+        <p:nvSpPr>
+          <p:cNvPr id="7" name="スライド番号プレースホルダー 6"/>
+          <p:cNvSpPr>
+            <a:spLocks noGrp="1"/>
+          </p:cNvSpPr>
+          <p:nvPr>
+            <p:ph type="sldNum" sz="quarter" idx="5"/>
+          </p:nvPr>
+        </p:nvSpPr>
+        <p:spPr>
+          <a:xfrm>
+            <a:off x="3884613" y="8685213"/>
+            <a:ext cx="2971800" cy="458787"/>
+          </a:xfrm>
+          <a:prstGeom prst="rect">
+            <a:avLst/>
+          </a:prstGeom>
+        </p:spPr>
+        <p:txBody>
+          <a:bodyPr vert="horz" lIns="91440" tIns="45720" rIns="91440" bIns="45720" rtlCol="0" anchor="b"/>
+          <a:lstStyle>
+            <a:lvl1pPr algn="r">
+              <a:defRPr sz="1200"/>
+            </a:lvl1pPr>
+          </a:lstStyle>
+          <a:p>
+            <a:fld id="{8F778AB5-BCE3-4D9C-B3BD-AA3C50FF4458}" type="slidenum">
+              <a:rPr kumimoji="1" lang="ja-JP" altLang="en-US" smtClean="0"/>
+              <a:t>‹#›</a:t>
+            </a:fld>
+            <a:endParaRPr kumimoji="1" lang="ja-JP" altLang="en-US"/>
+          </a:p>
+        </p:txBody>
+      </p:sp>
+    </p:spTree>
+    <p:extLst>
+      <p:ext uri="{BB962C8B-B14F-4D97-AF65-F5344CB8AC3E}">
+        <p14:creationId xmlns:p14="http://schemas.microsoft.com/office/powerpoint/2010/main" val="4159308303"/>
+      </p:ext>
+    </p:extLst>
+  </p:cSld>
+  <p:clrMap bg1="lt1" tx1="dk1" bg2="lt2" tx2="dk2" accent1="accent1" accent2="accent2" accent3="accent3" accent4="accent4" accent5="accent5" accent6="accent6" hlink="hlink" folHlink="folHlink"/>
+  <p:notesStyle>
+    <a:lvl1pPr marL="0" algn="l" defTabSz="914400" rtl="0" eaLnBrk="1" latinLnBrk="0" hangingPunct="1">
+      <a:defRPr kumimoji="1" sz="1200" kern="1200">
+        <a:solidFill>
+          <a:schemeClr val="tx1"/>
+        </a:solidFill>
+        <a:latin typeface="+mn-lt"/>
+        <a:ea typeface="+mn-ea"/>
+        <a:cs typeface="+mn-cs"/>
+      </a:defRPr>
+    </a:lvl1pPr>
+    <a:lvl2pPr marL="457200" algn="l" defTabSz="914400" rtl="0" eaLnBrk="1" latinLnBrk="0" hangingPunct="1">
+      <a:defRPr kumimoji="1" sz="1200" kern="1200">
+        <a:solidFill>
+          <a:schemeClr val="tx1"/>
+        </a:solidFill>
+        <a:latin typeface="+mn-lt"/>
+        <a:ea typeface="+mn-ea"/>
+        <a:cs typeface="+mn-cs"/>
+      </a:defRPr>
+    </a:lvl2pPr>
+    <a:lvl3pPr marL="914400" algn="l" defTabSz="914400" rtl="0" eaLnBrk="1" latinLnBrk="0" hangingPunct="1">
+      <a:defRPr kumimoji="1" sz="1200" kern="1200">
+        <a:solidFill>
+          <a:schemeClr val="tx1"/>
+        </a:solidFill>
+        <a:latin typeface="+mn-lt"/>
+        <a:ea typeface="+mn-ea"/>
+        <a:cs typeface="+mn-cs"/>
+      </a:defRPr>
+    </a:lvl3pPr>
+    <a:lvl4pPr marL="1371600" algn="l" defTabSz="914400" rtl="0" eaLnBrk="1" latinLnBrk="0" hangingPunct="1">
+      <a:defRPr kumimoji="1" sz="1200" kern="1200">
+        <a:solidFill>
+          <a:schemeClr val="tx1"/>
+        </a:solidFill>
+        <a:latin typeface="+mn-lt"/>
+        <a:ea typeface="+mn-ea"/>
+        <a:cs typeface="+mn-cs"/>
+      </a:defRPr>
+    </a:lvl4pPr>
+    <a:lvl5pPr marL="1828800" algn="l" defTabSz="914400" rtl="0" eaLnBrk="1" latinLnBrk="0" hangingPunct="1">
+      <a:defRPr kumimoji="1" sz="1200" kern="1200">
+        <a:solidFill>
+          <a:schemeClr val="tx1"/>
+        </a:solidFill>
+        <a:latin typeface="+mn-lt"/>
+        <a:ea typeface="+mn-ea"/>
+        <a:cs typeface="+mn-cs"/>
+      </a:defRPr>
+    </a:lvl5pPr>
+    <a:lvl6pPr marL="2286000" algn="l" defTabSz="914400" rtl="0" eaLnBrk="1" latinLnBrk="0" hangingPunct="1">
+      <a:defRPr kumimoji="1" sz="1200" kern="1200">
+        <a:solidFill>
+          <a:schemeClr val="tx1"/>
+        </a:solidFill>
+        <a:latin typeface="+mn-lt"/>
+        <a:ea typeface="+mn-ea"/>
+        <a:cs typeface="+mn-cs"/>
+      </a:defRPr>
+    </a:lvl6pPr>
+    <a:lvl7pPr marL="2743200" algn="l" defTabSz="914400" rtl="0" eaLnBrk="1" latinLnBrk="0" hangingPunct="1">
+      <a:defRPr kumimoji="1" sz="1200" kern="1200">
+        <a:solidFill>
+          <a:schemeClr val="tx1"/>
+        </a:solidFill>
+        <a:latin typeface="+mn-lt"/>
+        <a:ea typeface="+mn-ea"/>
+        <a:cs typeface="+mn-cs"/>
+      </a:defRPr>
+    </a:lvl7pPr>
+    <a:lvl8pPr marL="3200400" algn="l" defTabSz="914400" rtl="0" eaLnBrk="1" latinLnBrk="0" hangingPunct="1">
+      <a:defRPr kumimoji="1" sz="1200" kern="1200">
+        <a:solidFill>
+          <a:schemeClr val="tx1"/>
+        </a:solidFill>
+        <a:latin typeface="+mn-lt"/>
+        <a:ea typeface="+mn-ea"/>
+        <a:cs typeface="+mn-cs"/>
+      </a:defRPr>
+    </a:lvl8pPr>
+    <a:lvl9pPr marL="3657600" algn="l" defTabSz="914400" rtl="0" eaLnBrk="1" latinLnBrk="0" hangingPunct="1">
+      <a:defRPr kumimoji="1" sz="1200" kern="1200">
+        <a:solidFill>
+          <a:schemeClr val="tx1"/>
+        </a:solidFill>
+        <a:latin typeface="+mn-lt"/>
+        <a:ea typeface="+mn-ea"/>
+        <a:cs typeface="+mn-cs"/>
+      </a:defRPr>
+    </a:lvl9pPr>
+  </p:notesStyle>
+</p:notesMaster>
+</file>
+
+<file path=ppt/notesSlides/notesSlide1.xml><?xml version="1.0" encoding="utf-8"?>
+<p:notes xmlns:a="http://schemas.openxmlformats.org/drawingml/2006/main" xmlns:r="http://schemas.openxmlformats.org/officeDocument/2006/relationships" xmlns:p="http://schemas.openxmlformats.org/presentationml/2006/main">
+  <p:cSld>
+    <p:spTree>
+      <p:nvGrpSpPr>
+        <p:cNvPr id="1" name=""/>
+        <p:cNvGrpSpPr/>
+        <p:nvPr/>
+      </p:nvGrpSpPr>
+      <p:grpSpPr>
+        <a:xfrm>
+          <a:off x="0" y="0"/>
+          <a:ext cx="0" cy="0"/>
+          <a:chOff x="0" y="0"/>
+          <a:chExt cx="0" cy="0"/>
+        </a:xfrm>
+      </p:grpSpPr>
+      <p:sp>
+        <p:nvSpPr>
+          <p:cNvPr id="2" name="スライド イメージ プレースホルダー 1"/>
+          <p:cNvSpPr>
+            <a:spLocks noGrp="1" noRot="1" noChangeAspect="1"/>
+          </p:cNvSpPr>
+          <p:nvPr>
+            <p:ph type="sldImg"/>
+          </p:nvPr>
+        </p:nvSpPr>
+        <p:spPr/>
+      </p:sp>
+      <p:sp>
+        <p:nvSpPr>
+          <p:cNvPr id="3" name="ノート プレースホルダー 2"/>
+          <p:cNvSpPr>
+            <a:spLocks noGrp="1"/>
+          </p:cNvSpPr>
+          <p:nvPr>
+            <p:ph type="body" idx="1"/>
+          </p:nvPr>
+        </p:nvSpPr>
+        <p:spPr/>
+        <p:txBody>
+          <a:bodyPr/>
+          <a:lstStyle/>
+          <a:p>
+            <a:endParaRPr kumimoji="1" lang="ja-JP" altLang="en-US" dirty="0"/>
+          </a:p>
+        </p:txBody>
+      </p:sp>
+      <p:sp>
+        <p:nvSpPr>
+          <p:cNvPr id="4" name="スライド番号プレースホルダー 3"/>
+          <p:cNvSpPr>
+            <a:spLocks noGrp="1"/>
+          </p:cNvSpPr>
+          <p:nvPr>
+            <p:ph type="sldNum" sz="quarter" idx="5"/>
+          </p:nvPr>
+        </p:nvSpPr>
+        <p:spPr/>
+        <p:txBody>
+          <a:bodyPr/>
+          <a:lstStyle/>
+          <a:p>
+            <a:fld id="{8F778AB5-BCE3-4D9C-B3BD-AA3C50FF4458}" type="slidenum">
+              <a:rPr kumimoji="1" lang="ja-JP" altLang="en-US" smtClean="0"/>
+              <a:t>8</a:t>
+            </a:fld>
+            <a:endParaRPr kumimoji="1" lang="ja-JP" altLang="en-US"/>
+          </a:p>
+        </p:txBody>
+      </p:sp>
+    </p:spTree>
+    <p:extLst>
+      <p:ext uri="{BB962C8B-B14F-4D97-AF65-F5344CB8AC3E}">
+        <p14:creationId xmlns:p14="http://schemas.microsoft.com/office/powerpoint/2010/main" val="4231927544"/>
+      </p:ext>
+    </p:extLst>
+  </p:cSld>
+  <p:clrMapOvr>
+    <a:masterClrMapping/>
+  </p:clrMapOvr>
+</p:notes>
+</file>
+
 <file path=ppt/slideLayouts/slideLayout1.xml><?xml version="1.0" encoding="utf-8"?>
 <p:sldLayout xmlns:a="http://schemas.openxmlformats.org/drawingml/2006/main" xmlns:r="http://schemas.openxmlformats.org/officeDocument/2006/relationships" xmlns:p="http://schemas.openxmlformats.org/presentationml/2006/main" type="title" preserve="1">
   <p:cSld name="タイトル スライド">
@@ -5295,7 +5771,7 @@
           <a:p>
             <a:fld id="{05853D61-8A19-4B35-BDA8-1C18B2B00FED}" type="datetimeFigureOut">
               <a:rPr kumimoji="1" lang="ja-JP" altLang="en-US" smtClean="0"/>
-              <a:t>2025/8/19</a:t>
+              <a:t>2025/8/26</a:t>
             </a:fld>
             <a:endParaRPr kumimoji="1" lang="ja-JP" altLang="en-US"/>
           </a:p>
@@ -5479,7 +5955,7 @@
           <a:p>
             <a:fld id="{05853D61-8A19-4B35-BDA8-1C18B2B00FED}" type="datetimeFigureOut">
               <a:rPr kumimoji="1" lang="ja-JP" altLang="en-US" smtClean="0"/>
-              <a:t>2025/8/19</a:t>
+              <a:t>2025/8/26</a:t>
             </a:fld>
             <a:endParaRPr kumimoji="1" lang="ja-JP" altLang="en-US"/>
           </a:p>
@@ -5696,7 +6172,7 @@
           <a:p>
             <a:fld id="{05853D61-8A19-4B35-BDA8-1C18B2B00FED}" type="datetimeFigureOut">
               <a:rPr kumimoji="1" lang="ja-JP" altLang="en-US" smtClean="0"/>
-              <a:t>2025/8/19</a:t>
+              <a:t>2025/8/26</a:t>
             </a:fld>
             <a:endParaRPr kumimoji="1" lang="ja-JP" altLang="en-US"/>
           </a:p>
@@ -5986,7 +6462,7 @@
           <a:p>
             <a:fld id="{05853D61-8A19-4B35-BDA8-1C18B2B00FED}" type="datetimeFigureOut">
               <a:rPr kumimoji="1" lang="ja-JP" altLang="en-US" smtClean="0"/>
-              <a:t>2025/8/19</a:t>
+              <a:t>2025/8/26</a:t>
             </a:fld>
             <a:endParaRPr kumimoji="1" lang="ja-JP" altLang="en-US"/>
           </a:p>
@@ -6281,7 +6757,7 @@
           <a:p>
             <a:fld id="{05853D61-8A19-4B35-BDA8-1C18B2B00FED}" type="datetimeFigureOut">
               <a:rPr kumimoji="1" lang="ja-JP" altLang="en-US" smtClean="0"/>
-              <a:t>2025/8/19</a:t>
+              <a:t>2025/8/26</a:t>
             </a:fld>
             <a:endParaRPr kumimoji="1" lang="ja-JP" altLang="en-US"/>
           </a:p>
@@ -6516,7 +6992,7 @@
           <a:p>
             <a:fld id="{05853D61-8A19-4B35-BDA8-1C18B2B00FED}" type="datetimeFigureOut">
               <a:rPr kumimoji="1" lang="ja-JP" altLang="en-US" smtClean="0"/>
-              <a:t>2025/8/19</a:t>
+              <a:t>2025/8/26</a:t>
             </a:fld>
             <a:endParaRPr kumimoji="1" lang="ja-JP" altLang="en-US"/>
           </a:p>
@@ -7227,7 +7703,7 @@
           <a:p>
             <a:fld id="{05853D61-8A19-4B35-BDA8-1C18B2B00FED}" type="datetimeFigureOut">
               <a:rPr kumimoji="1" lang="ja-JP" altLang="en-US" smtClean="0"/>
-              <a:t>2025/8/19</a:t>
+              <a:t>2025/8/26</a:t>
             </a:fld>
             <a:endParaRPr kumimoji="1" lang="ja-JP" altLang="en-US"/>
           </a:p>
@@ -7336,7 +7812,7 @@
           <a:p>
             <a:fld id="{05853D61-8A19-4B35-BDA8-1C18B2B00FED}" type="datetimeFigureOut">
               <a:rPr kumimoji="1" lang="ja-JP" altLang="en-US" smtClean="0"/>
-              <a:t>2025/8/19</a:t>
+              <a:t>2025/8/26</a:t>
             </a:fld>
             <a:endParaRPr kumimoji="1" lang="ja-JP" altLang="en-US"/>
           </a:p>
@@ -7520,7 +7996,7 @@
           <a:p>
             <a:fld id="{05853D61-8A19-4B35-BDA8-1C18B2B00FED}" type="datetimeFigureOut">
               <a:rPr kumimoji="1" lang="ja-JP" altLang="en-US" smtClean="0"/>
-              <a:t>2025/8/19</a:t>
+              <a:t>2025/8/26</a:t>
             </a:fld>
             <a:endParaRPr kumimoji="1" lang="ja-JP" altLang="en-US"/>
           </a:p>
@@ -7615,7 +8091,7 @@
           <a:p>
             <a:fld id="{05853D61-8A19-4B35-BDA8-1C18B2B00FED}" type="datetimeFigureOut">
               <a:rPr kumimoji="1" lang="ja-JP" altLang="en-US" smtClean="0"/>
-              <a:t>2025/8/19</a:t>
+              <a:t>2025/8/26</a:t>
             </a:fld>
             <a:endParaRPr kumimoji="1" lang="ja-JP" altLang="en-US"/>
           </a:p>
@@ -7862,7 +8338,7 @@
           <a:p>
             <a:fld id="{05853D61-8A19-4B35-BDA8-1C18B2B00FED}" type="datetimeFigureOut">
               <a:rPr kumimoji="1" lang="ja-JP" altLang="en-US" smtClean="0"/>
-              <a:t>2025/8/19</a:t>
+              <a:t>2025/8/26</a:t>
             </a:fld>
             <a:endParaRPr kumimoji="1" lang="ja-JP" altLang="en-US"/>
           </a:p>
@@ -8322,6 +8798,1965 @@
 </p:sld>
 </file>
 
+<file path=ppt/slides/slide10.xml><?xml version="1.0" encoding="utf-8"?>
+<p:sld xmlns:a="http://schemas.openxmlformats.org/drawingml/2006/main" xmlns:r="http://schemas.openxmlformats.org/officeDocument/2006/relationships" xmlns:p="http://schemas.openxmlformats.org/presentationml/2006/main">
+  <p:cSld>
+    <p:spTree>
+      <p:nvGrpSpPr>
+        <p:cNvPr id="1" name="">
+          <a:extLst>
+            <a:ext uri="{FF2B5EF4-FFF2-40B4-BE49-F238E27FC236}">
+              <a16:creationId xmlns:a16="http://schemas.microsoft.com/office/drawing/2014/main" id="{AC7E0525-0844-5820-FBF0-ABC0DE936B33}"/>
+            </a:ext>
+          </a:extLst>
+        </p:cNvPr>
+        <p:cNvGrpSpPr/>
+        <p:nvPr/>
+      </p:nvGrpSpPr>
+      <p:grpSpPr>
+        <a:xfrm>
+          <a:off x="0" y="0"/>
+          <a:ext cx="0" cy="0"/>
+          <a:chOff x="0" y="0"/>
+          <a:chExt cx="0" cy="0"/>
+        </a:xfrm>
+      </p:grpSpPr>
+      <p:grpSp>
+        <p:nvGrpSpPr>
+          <p:cNvPr id="58" name="グループ化 57">
+            <a:extLst>
+              <a:ext uri="{FF2B5EF4-FFF2-40B4-BE49-F238E27FC236}">
+                <a16:creationId xmlns:a16="http://schemas.microsoft.com/office/drawing/2014/main" id="{786F1CF0-FB2B-8698-AFBA-AEB951F23C46}"/>
+              </a:ext>
+            </a:extLst>
+          </p:cNvPr>
+          <p:cNvGrpSpPr/>
+          <p:nvPr/>
+        </p:nvGrpSpPr>
+        <p:grpSpPr>
+          <a:xfrm>
+            <a:off x="1006998" y="129170"/>
+            <a:ext cx="9596105" cy="3361159"/>
+            <a:chOff x="1006998" y="129170"/>
+            <a:chExt cx="9596105" cy="3361159"/>
+          </a:xfrm>
+        </p:grpSpPr>
+        <p:grpSp>
+          <p:nvGrpSpPr>
+            <p:cNvPr id="26" name="グループ化 25">
+              <a:extLst>
+                <a:ext uri="{FF2B5EF4-FFF2-40B4-BE49-F238E27FC236}">
+                  <a16:creationId xmlns:a16="http://schemas.microsoft.com/office/drawing/2014/main" id="{E322517D-E5F9-D989-290E-42410B9DB03E}"/>
+                </a:ext>
+              </a:extLst>
+            </p:cNvPr>
+            <p:cNvGrpSpPr/>
+            <p:nvPr/>
+          </p:nvGrpSpPr>
+          <p:grpSpPr>
+            <a:xfrm>
+              <a:off x="1006998" y="129170"/>
+              <a:ext cx="7281190" cy="3361159"/>
+              <a:chOff x="3891716" y="203793"/>
+              <a:chExt cx="7281190" cy="3361159"/>
+            </a:xfrm>
+          </p:grpSpPr>
+          <p:grpSp>
+            <p:nvGrpSpPr>
+              <p:cNvPr id="23" name="グループ化 22">
+                <a:extLst>
+                  <a:ext uri="{FF2B5EF4-FFF2-40B4-BE49-F238E27FC236}">
+                    <a16:creationId xmlns:a16="http://schemas.microsoft.com/office/drawing/2014/main" id="{424F6084-2343-D74E-2175-23E99CDCBE4B}"/>
+                  </a:ext>
+                </a:extLst>
+              </p:cNvPr>
+              <p:cNvGrpSpPr/>
+              <p:nvPr/>
+            </p:nvGrpSpPr>
+            <p:grpSpPr>
+              <a:xfrm>
+                <a:off x="3891716" y="203793"/>
+                <a:ext cx="6756397" cy="3361159"/>
+                <a:chOff x="3891716" y="203793"/>
+                <a:chExt cx="6756397" cy="3361159"/>
+              </a:xfrm>
+            </p:grpSpPr>
+            <p:grpSp>
+              <p:nvGrpSpPr>
+                <p:cNvPr id="22" name="グループ化 21">
+                  <a:extLst>
+                    <a:ext uri="{FF2B5EF4-FFF2-40B4-BE49-F238E27FC236}">
+                      <a16:creationId xmlns:a16="http://schemas.microsoft.com/office/drawing/2014/main" id="{332EB9CC-E1C7-F9DA-7D87-F7B8E8299BDF}"/>
+                    </a:ext>
+                  </a:extLst>
+                </p:cNvPr>
+                <p:cNvGrpSpPr/>
+                <p:nvPr/>
+              </p:nvGrpSpPr>
+              <p:grpSpPr>
+                <a:xfrm>
+                  <a:off x="3891716" y="203793"/>
+                  <a:ext cx="4408569" cy="3211915"/>
+                  <a:chOff x="5300915" y="280736"/>
+                  <a:chExt cx="4408569" cy="3211915"/>
+                </a:xfrm>
+              </p:grpSpPr>
+              <p:cxnSp>
+                <p:nvCxnSpPr>
+                  <p:cNvPr id="4" name="直線矢印コネクタ 3">
+                    <a:extLst>
+                      <a:ext uri="{FF2B5EF4-FFF2-40B4-BE49-F238E27FC236}">
+                        <a16:creationId xmlns:a16="http://schemas.microsoft.com/office/drawing/2014/main" id="{AD0BF836-DC5B-C252-B13C-FEF9C761FEF5}"/>
+                      </a:ext>
+                    </a:extLst>
+                  </p:cNvPr>
+                  <p:cNvCxnSpPr>
+                    <a:cxnSpLocks/>
+                  </p:cNvCxnSpPr>
+                  <p:nvPr/>
+                </p:nvCxnSpPr>
+                <p:spPr>
+                  <a:xfrm flipV="1">
+                    <a:off x="5642811" y="547437"/>
+                    <a:ext cx="0" cy="2791326"/>
+                  </a:xfrm>
+                  <a:prstGeom prst="straightConnector1">
+                    <a:avLst/>
+                  </a:prstGeom>
+                  <a:ln w="19050">
+                    <a:solidFill>
+                      <a:schemeClr val="tx1"/>
+                    </a:solidFill>
+                    <a:headEnd type="none" w="med" len="med"/>
+                    <a:tailEnd type="arrow" w="med" len="med"/>
+                  </a:ln>
+                </p:spPr>
+                <p:style>
+                  <a:lnRef idx="1">
+                    <a:schemeClr val="accent1"/>
+                  </a:lnRef>
+                  <a:fillRef idx="0">
+                    <a:schemeClr val="accent1"/>
+                  </a:fillRef>
+                  <a:effectRef idx="0">
+                    <a:schemeClr val="accent1"/>
+                  </a:effectRef>
+                  <a:fontRef idx="minor">
+                    <a:schemeClr val="tx1"/>
+                  </a:fontRef>
+                </p:style>
+              </p:cxnSp>
+              <p:cxnSp>
+                <p:nvCxnSpPr>
+                  <p:cNvPr id="6" name="直線矢印コネクタ 5">
+                    <a:extLst>
+                      <a:ext uri="{FF2B5EF4-FFF2-40B4-BE49-F238E27FC236}">
+                        <a16:creationId xmlns:a16="http://schemas.microsoft.com/office/drawing/2014/main" id="{D590FF32-AD18-0433-1844-C793AC22C199}"/>
+                      </a:ext>
+                    </a:extLst>
+                  </p:cNvPr>
+                  <p:cNvCxnSpPr>
+                    <a:cxnSpLocks/>
+                  </p:cNvCxnSpPr>
+                  <p:nvPr/>
+                </p:nvCxnSpPr>
+                <p:spPr>
+                  <a:xfrm>
+                    <a:off x="5642811" y="3338763"/>
+                    <a:ext cx="3224463" cy="0"/>
+                  </a:xfrm>
+                  <a:prstGeom prst="straightConnector1">
+                    <a:avLst/>
+                  </a:prstGeom>
+                  <a:ln w="19050">
+                    <a:solidFill>
+                      <a:schemeClr val="tx1"/>
+                    </a:solidFill>
+                    <a:headEnd type="none" w="med" len="med"/>
+                    <a:tailEnd type="arrow" w="med" len="med"/>
+                  </a:ln>
+                </p:spPr>
+                <p:style>
+                  <a:lnRef idx="1">
+                    <a:schemeClr val="accent1"/>
+                  </a:lnRef>
+                  <a:fillRef idx="0">
+                    <a:schemeClr val="accent1"/>
+                  </a:fillRef>
+                  <a:effectRef idx="0">
+                    <a:schemeClr val="accent1"/>
+                  </a:effectRef>
+                  <a:fontRef idx="minor">
+                    <a:schemeClr val="tx1"/>
+                  </a:fontRef>
+                </p:style>
+              </p:cxnSp>
+              <p:sp>
+                <p:nvSpPr>
+                  <p:cNvPr id="9" name="テキスト ボックス 8">
+                    <a:extLst>
+                      <a:ext uri="{FF2B5EF4-FFF2-40B4-BE49-F238E27FC236}">
+                        <a16:creationId xmlns:a16="http://schemas.microsoft.com/office/drawing/2014/main" id="{793DC555-AE36-4673-17A0-27F14A8103F8}"/>
+                      </a:ext>
+                    </a:extLst>
+                  </p:cNvPr>
+                  <p:cNvSpPr txBox="1"/>
+                  <p:nvPr/>
+                </p:nvSpPr>
+                <p:spPr>
+                  <a:xfrm>
+                    <a:off x="5300915" y="280736"/>
+                    <a:ext cx="683792" cy="307777"/>
+                  </a:xfrm>
+                  <a:prstGeom prst="rect">
+                    <a:avLst/>
+                  </a:prstGeom>
+                  <a:noFill/>
+                </p:spPr>
+                <p:txBody>
+                  <a:bodyPr wrap="square" rtlCol="0">
+                    <a:spAutoFit/>
+                  </a:bodyPr>
+                  <a:lstStyle/>
+                  <a:p>
+                    <a:pPr algn="ctr"/>
+                    <a:r>
+                      <a:rPr lang="ja-JP" altLang="en-US" sz="1400" dirty="0"/>
+                      <a:t>賃金</a:t>
+                    </a:r>
+                    <a:endParaRPr kumimoji="1" lang="ja-JP" altLang="en-US" sz="1400" dirty="0"/>
+                  </a:p>
+                </p:txBody>
+              </p:sp>
+              <p:sp>
+                <p:nvSpPr>
+                  <p:cNvPr id="10" name="テキスト ボックス 9">
+                    <a:extLst>
+                      <a:ext uri="{FF2B5EF4-FFF2-40B4-BE49-F238E27FC236}">
+                        <a16:creationId xmlns:a16="http://schemas.microsoft.com/office/drawing/2014/main" id="{A58BC68F-669A-3946-5A7D-1250AFDC5C09}"/>
+                      </a:ext>
+                    </a:extLst>
+                  </p:cNvPr>
+                  <p:cNvSpPr txBox="1"/>
+                  <p:nvPr/>
+                </p:nvSpPr>
+                <p:spPr>
+                  <a:xfrm>
+                    <a:off x="8867274" y="3184874"/>
+                    <a:ext cx="842210" cy="307777"/>
+                  </a:xfrm>
+                  <a:prstGeom prst="rect">
+                    <a:avLst/>
+                  </a:prstGeom>
+                  <a:noFill/>
+                </p:spPr>
+                <p:txBody>
+                  <a:bodyPr wrap="square" rtlCol="0">
+                    <a:spAutoFit/>
+                  </a:bodyPr>
+                  <a:lstStyle/>
+                  <a:p>
+                    <a:pPr algn="ctr"/>
+                    <a:r>
+                      <a:rPr kumimoji="1" lang="ja-JP" altLang="en-US" sz="1400" dirty="0"/>
+                      <a:t>雇用量</a:t>
+                    </a:r>
+                  </a:p>
+                </p:txBody>
+              </p:sp>
+              <p:sp>
+                <p:nvSpPr>
+                  <p:cNvPr id="18" name="フリーフォーム: 図形 17">
+                    <a:extLst>
+                      <a:ext uri="{FF2B5EF4-FFF2-40B4-BE49-F238E27FC236}">
+                        <a16:creationId xmlns:a16="http://schemas.microsoft.com/office/drawing/2014/main" id="{B1B489F1-784C-DEE8-2013-F2A0130B4975}"/>
+                      </a:ext>
+                    </a:extLst>
+                  </p:cNvPr>
+                  <p:cNvSpPr/>
+                  <p:nvPr/>
+                </p:nvSpPr>
+                <p:spPr>
+                  <a:xfrm>
+                    <a:off x="5874419" y="937946"/>
+                    <a:ext cx="2761248" cy="2051384"/>
+                  </a:xfrm>
+                  <a:custGeom>
+                    <a:avLst/>
+                    <a:gdLst>
+                      <a:gd name="connsiteX0" fmla="*/ 0 w 2761248"/>
+                      <a:gd name="connsiteY0" fmla="*/ 0 h 2051384"/>
+                      <a:gd name="connsiteX1" fmla="*/ 842211 w 2761248"/>
+                      <a:gd name="connsiteY1" fmla="*/ 1606216 h 2051384"/>
+                      <a:gd name="connsiteX2" fmla="*/ 2761248 w 2761248"/>
+                      <a:gd name="connsiteY2" fmla="*/ 2051384 h 2051384"/>
+                    </a:gdLst>
+                    <a:ahLst/>
+                    <a:cxnLst>
+                      <a:cxn ang="0">
+                        <a:pos x="connsiteX0" y="connsiteY0"/>
+                      </a:cxn>
+                      <a:cxn ang="0">
+                        <a:pos x="connsiteX1" y="connsiteY1"/>
+                      </a:cxn>
+                      <a:cxn ang="0">
+                        <a:pos x="connsiteX2" y="connsiteY2"/>
+                      </a:cxn>
+                    </a:cxnLst>
+                    <a:rect l="l" t="t" r="r" b="b"/>
+                    <a:pathLst>
+                      <a:path w="2761248" h="2051384">
+                        <a:moveTo>
+                          <a:pt x="0" y="0"/>
+                        </a:moveTo>
+                        <a:cubicBezTo>
+                          <a:pt x="191001" y="632159"/>
+                          <a:pt x="382003" y="1264319"/>
+                          <a:pt x="842211" y="1606216"/>
+                        </a:cubicBezTo>
+                        <a:cubicBezTo>
+                          <a:pt x="1302419" y="1948113"/>
+                          <a:pt x="2031833" y="1999748"/>
+                          <a:pt x="2761248" y="2051384"/>
+                        </a:cubicBezTo>
+                      </a:path>
+                    </a:pathLst>
+                  </a:custGeom>
+                  <a:noFill/>
+                  <a:ln w="28575"/>
+                </p:spPr>
+                <p:style>
+                  <a:lnRef idx="2">
+                    <a:schemeClr val="accent1">
+                      <a:shade val="15000"/>
+                    </a:schemeClr>
+                  </a:lnRef>
+                  <a:fillRef idx="1">
+                    <a:schemeClr val="accent1"/>
+                  </a:fillRef>
+                  <a:effectRef idx="0">
+                    <a:schemeClr val="accent1"/>
+                  </a:effectRef>
+                  <a:fontRef idx="minor">
+                    <a:schemeClr val="lt1"/>
+                  </a:fontRef>
+                </p:style>
+                <p:txBody>
+                  <a:bodyPr rtlCol="0" anchor="ctr"/>
+                  <a:lstStyle/>
+                  <a:p>
+                    <a:pPr algn="ctr"/>
+                    <a:endParaRPr kumimoji="1" lang="ja-JP" altLang="en-US"/>
+                  </a:p>
+                </p:txBody>
+              </p:sp>
+              <p:sp>
+                <p:nvSpPr>
+                  <p:cNvPr id="20" name="テキスト ボックス 19">
+                    <a:extLst>
+                      <a:ext uri="{FF2B5EF4-FFF2-40B4-BE49-F238E27FC236}">
+                        <a16:creationId xmlns:a16="http://schemas.microsoft.com/office/drawing/2014/main" id="{B9632950-06CB-637F-3293-E79B26F29418}"/>
+                      </a:ext>
+                    </a:extLst>
+                  </p:cNvPr>
+                  <p:cNvSpPr txBox="1"/>
+                  <p:nvPr/>
+                </p:nvSpPr>
+                <p:spPr>
+                  <a:xfrm>
+                    <a:off x="8635667" y="2835442"/>
+                    <a:ext cx="842210" cy="307777"/>
+                  </a:xfrm>
+                  <a:prstGeom prst="rect">
+                    <a:avLst/>
+                  </a:prstGeom>
+                  <a:noFill/>
+                </p:spPr>
+                <p:txBody>
+                  <a:bodyPr wrap="square" rtlCol="0">
+                    <a:spAutoFit/>
+                  </a:bodyPr>
+                  <a:lstStyle/>
+                  <a:p>
+                    <a:pPr algn="ctr"/>
+                    <a:r>
+                      <a:rPr kumimoji="1" lang="ja-JP" altLang="en-US" sz="1400" dirty="0"/>
+                      <a:t>需要</a:t>
+                    </a:r>
+                  </a:p>
+                </p:txBody>
+              </p:sp>
+              <p:sp>
+                <p:nvSpPr>
+                  <p:cNvPr id="21" name="テキスト ボックス 20">
+                    <a:extLst>
+                      <a:ext uri="{FF2B5EF4-FFF2-40B4-BE49-F238E27FC236}">
+                        <a16:creationId xmlns:a16="http://schemas.microsoft.com/office/drawing/2014/main" id="{F2142D2F-9C33-9074-8012-747075F6AED9}"/>
+                      </a:ext>
+                    </a:extLst>
+                  </p:cNvPr>
+                  <p:cNvSpPr txBox="1"/>
+                  <p:nvPr/>
+                </p:nvSpPr>
+                <p:spPr>
+                  <a:xfrm>
+                    <a:off x="8349593" y="1612329"/>
+                    <a:ext cx="842210" cy="307777"/>
+                  </a:xfrm>
+                  <a:prstGeom prst="rect">
+                    <a:avLst/>
+                  </a:prstGeom>
+                  <a:noFill/>
+                </p:spPr>
+                <p:txBody>
+                  <a:bodyPr wrap="square" rtlCol="0">
+                    <a:spAutoFit/>
+                  </a:bodyPr>
+                  <a:lstStyle/>
+                  <a:p>
+                    <a:pPr algn="ctr"/>
+                    <a:r>
+                      <a:rPr kumimoji="1" lang="ja-JP" altLang="en-US" sz="1400" dirty="0"/>
+                      <a:t>供給</a:t>
+                    </a:r>
+                  </a:p>
+                </p:txBody>
+              </p:sp>
+            </p:grpSp>
+            <mc:AlternateContent xmlns:mc="http://schemas.openxmlformats.org/markup-compatibility/2006">
+              <mc:Choice xmlns:a14="http://schemas.microsoft.com/office/drawing/2010/main" Requires="a14">
+                <p:sp>
+                  <p:nvSpPr>
+                    <p:cNvPr id="2" name="テキスト ボックス 1">
+                      <a:extLst>
+                        <a:ext uri="{FF2B5EF4-FFF2-40B4-BE49-F238E27FC236}">
+                          <a16:creationId xmlns:a16="http://schemas.microsoft.com/office/drawing/2014/main" id="{077B79E8-3A6F-271E-5E2C-1148E44AF211}"/>
+                        </a:ext>
+                      </a:extLst>
+                    </p:cNvPr>
+                    <p:cNvSpPr txBox="1"/>
+                    <p:nvPr/>
+                  </p:nvSpPr>
+                  <p:spPr>
+                    <a:xfrm>
+                      <a:off x="5103691" y="3257175"/>
+                      <a:ext cx="842210" cy="307777"/>
+                    </a:xfrm>
+                    <a:prstGeom prst="rect">
+                      <a:avLst/>
+                    </a:prstGeom>
+                    <a:noFill/>
+                  </p:spPr>
+                  <p:txBody>
+                    <a:bodyPr wrap="square" rtlCol="0">
+                      <a:spAutoFit/>
+                    </a:bodyPr>
+                    <a:lstStyle/>
+                    <a:p>
+                      <a:pPr algn="ctr"/>
+                      <a14:m>
+                        <m:oMathPara xmlns:m="http://schemas.openxmlformats.org/officeDocument/2006/math">
+                          <m:oMathParaPr>
+                            <m:jc m:val="centerGroup"/>
+                          </m:oMathParaPr>
+                          <m:oMath xmlns:m="http://schemas.openxmlformats.org/officeDocument/2006/math">
+                            <m:sSub>
+                              <m:sSubPr>
+                                <m:ctrlPr>
+                                  <a:rPr kumimoji="1" lang="en-US" altLang="ja-JP" sz="1400" b="0" i="1" smtClean="0">
+                                    <a:latin typeface="Cambria Math" panose="02040503050406030204" pitchFamily="18" charset="0"/>
+                                  </a:rPr>
+                                </m:ctrlPr>
+                              </m:sSubPr>
+                              <m:e>
+                                <m:r>
+                                  <a:rPr kumimoji="1" lang="en-US" altLang="ja-JP" sz="1400" b="0" i="1" smtClean="0">
+                                    <a:latin typeface="Cambria Math" panose="02040503050406030204" pitchFamily="18" charset="0"/>
+                                  </a:rPr>
+                                  <m:t>𝐿</m:t>
+                                </m:r>
+                              </m:e>
+                              <m:sub>
+                                <m:r>
+                                  <a:rPr kumimoji="1" lang="en-US" altLang="ja-JP" sz="1400" b="0" i="1" smtClean="0">
+                                    <a:latin typeface="Cambria Math" panose="02040503050406030204" pitchFamily="18" charset="0"/>
+                                  </a:rPr>
+                                  <m:t>1</m:t>
+                                </m:r>
+                              </m:sub>
+                            </m:sSub>
+                          </m:oMath>
+                        </m:oMathPara>
+                      </a14:m>
+                      <a:endParaRPr kumimoji="1" lang="ja-JP" altLang="en-US" sz="1400" dirty="0"/>
+                    </a:p>
+                  </p:txBody>
+                </p:sp>
+              </mc:Choice>
+              <mc:Fallback>
+                <p:sp>
+                  <p:nvSpPr>
+                    <p:cNvPr id="2" name="テキスト ボックス 1">
+                      <a:extLst>
+                        <a:ext uri="{FF2B5EF4-FFF2-40B4-BE49-F238E27FC236}">
+                          <a16:creationId xmlns:a16="http://schemas.microsoft.com/office/drawing/2014/main" id="{077B79E8-3A6F-271E-5E2C-1148E44AF211}"/>
+                        </a:ext>
+                      </a:extLst>
+                    </p:cNvPr>
+                    <p:cNvSpPr txBox="1">
+                      <a:spLocks noRot="1" noChangeAspect="1" noMove="1" noResize="1" noEditPoints="1" noAdjustHandles="1" noChangeArrowheads="1" noChangeShapeType="1" noTextEdit="1"/>
+                    </p:cNvSpPr>
+                    <p:nvPr/>
+                  </p:nvSpPr>
+                  <p:spPr>
+                    <a:xfrm>
+                      <a:off x="5103691" y="3257175"/>
+                      <a:ext cx="842210" cy="307777"/>
+                    </a:xfrm>
+                    <a:prstGeom prst="rect">
+                      <a:avLst/>
+                    </a:prstGeom>
+                    <a:blipFill>
+                      <a:blip r:embed="rId2"/>
+                      <a:stretch>
+                        <a:fillRect/>
+                      </a:stretch>
+                    </a:blipFill>
+                  </p:spPr>
+                  <p:txBody>
+                    <a:bodyPr/>
+                    <a:lstStyle/>
+                    <a:p>
+                      <a:r>
+                        <a:rPr lang="ja-JP" altLang="en-US">
+                          <a:noFill/>
+                        </a:rPr>
+                        <a:t> </a:t>
+                      </a:r>
+                    </a:p>
+                  </p:txBody>
+                </p:sp>
+              </mc:Fallback>
+            </mc:AlternateContent>
+            <p:cxnSp>
+              <p:nvCxnSpPr>
+                <p:cNvPr id="12" name="直線コネクタ 11">
+                  <a:extLst>
+                    <a:ext uri="{FF2B5EF4-FFF2-40B4-BE49-F238E27FC236}">
+                      <a16:creationId xmlns:a16="http://schemas.microsoft.com/office/drawing/2014/main" id="{BABF7D8D-C673-F72B-6162-8E3E2DC0745F}"/>
+                    </a:ext>
+                  </a:extLst>
+                </p:cNvPr>
+                <p:cNvCxnSpPr>
+                  <a:cxnSpLocks/>
+                </p:cNvCxnSpPr>
+                <p:nvPr/>
+              </p:nvCxnSpPr>
+              <p:spPr>
+                <a:xfrm>
+                  <a:off x="5524796" y="2627453"/>
+                  <a:ext cx="0" cy="588067"/>
+                </a:xfrm>
+                <a:prstGeom prst="line">
+                  <a:avLst/>
+                </a:prstGeom>
+                <a:ln w="12700">
+                  <a:solidFill>
+                    <a:schemeClr val="tx1"/>
+                  </a:solidFill>
+                  <a:prstDash val="dash"/>
+                </a:ln>
+              </p:spPr>
+              <p:style>
+                <a:lnRef idx="1">
+                  <a:schemeClr val="accent1"/>
+                </a:lnRef>
+                <a:fillRef idx="0">
+                  <a:schemeClr val="accent1"/>
+                </a:fillRef>
+                <a:effectRef idx="0">
+                  <a:schemeClr val="accent1"/>
+                </a:effectRef>
+                <a:fontRef idx="minor">
+                  <a:schemeClr val="tx1"/>
+                </a:fontRef>
+              </p:style>
+            </p:cxnSp>
+            <mc:AlternateContent xmlns:mc="http://schemas.openxmlformats.org/markup-compatibility/2006">
+              <mc:Choice xmlns:a14="http://schemas.microsoft.com/office/drawing/2010/main" Requires="a14">
+                <p:sp>
+                  <p:nvSpPr>
+                    <p:cNvPr id="13" name="テキスト ボックス 12">
+                      <a:extLst>
+                        <a:ext uri="{FF2B5EF4-FFF2-40B4-BE49-F238E27FC236}">
+                          <a16:creationId xmlns:a16="http://schemas.microsoft.com/office/drawing/2014/main" id="{BBD9F349-6B58-4B9F-CF06-DCA8A9974A75}"/>
+                        </a:ext>
+                      </a:extLst>
+                    </p:cNvPr>
+                    <p:cNvSpPr txBox="1"/>
+                    <p:nvPr/>
+                  </p:nvSpPr>
+                  <p:spPr>
+                    <a:xfrm>
+                      <a:off x="3909084" y="2421430"/>
+                      <a:ext cx="341896" cy="307777"/>
+                    </a:xfrm>
+                    <a:prstGeom prst="rect">
+                      <a:avLst/>
+                    </a:prstGeom>
+                    <a:noFill/>
+                  </p:spPr>
+                  <p:txBody>
+                    <a:bodyPr wrap="square" rtlCol="0">
+                      <a:spAutoFit/>
+                    </a:bodyPr>
+                    <a:lstStyle/>
+                    <a:p>
+                      <a:pPr algn="ctr"/>
+                      <a14:m>
+                        <m:oMathPara xmlns:m="http://schemas.openxmlformats.org/officeDocument/2006/math">
+                          <m:oMathParaPr>
+                            <m:jc m:val="centerGroup"/>
+                          </m:oMathParaPr>
+                          <m:oMath xmlns:m="http://schemas.openxmlformats.org/officeDocument/2006/math">
+                            <m:sSub>
+                              <m:sSubPr>
+                                <m:ctrlPr>
+                                  <a:rPr kumimoji="1" lang="en-US" altLang="ja-JP" sz="1400" b="0" i="1" smtClean="0">
+                                    <a:latin typeface="Cambria Math" panose="02040503050406030204" pitchFamily="18" charset="0"/>
+                                  </a:rPr>
+                                </m:ctrlPr>
+                              </m:sSubPr>
+                              <m:e>
+                                <m:r>
+                                  <a:rPr kumimoji="1" lang="en-US" altLang="ja-JP" sz="1400" b="0" i="1" smtClean="0">
+                                    <a:latin typeface="Cambria Math" panose="02040503050406030204" pitchFamily="18" charset="0"/>
+                                  </a:rPr>
+                                  <m:t>𝑊</m:t>
+                                </m:r>
+                              </m:e>
+                              <m:sub>
+                                <m:r>
+                                  <a:rPr kumimoji="1" lang="en-US" altLang="ja-JP" sz="1400" b="0" i="1" smtClean="0">
+                                    <a:latin typeface="Cambria Math" panose="02040503050406030204" pitchFamily="18" charset="0"/>
+                                  </a:rPr>
+                                  <m:t>1</m:t>
+                                </m:r>
+                              </m:sub>
+                            </m:sSub>
+                          </m:oMath>
+                        </m:oMathPara>
+                      </a14:m>
+                      <a:endParaRPr kumimoji="1" lang="ja-JP" altLang="en-US" sz="1400" dirty="0"/>
+                    </a:p>
+                  </p:txBody>
+                </p:sp>
+              </mc:Choice>
+              <mc:Fallback>
+                <p:sp>
+                  <p:nvSpPr>
+                    <p:cNvPr id="13" name="テキスト ボックス 12">
+                      <a:extLst>
+                        <a:ext uri="{FF2B5EF4-FFF2-40B4-BE49-F238E27FC236}">
+                          <a16:creationId xmlns:a16="http://schemas.microsoft.com/office/drawing/2014/main" id="{BBD9F349-6B58-4B9F-CF06-DCA8A9974A75}"/>
+                        </a:ext>
+                      </a:extLst>
+                    </p:cNvPr>
+                    <p:cNvSpPr txBox="1">
+                      <a:spLocks noRot="1" noChangeAspect="1" noMove="1" noResize="1" noEditPoints="1" noAdjustHandles="1" noChangeArrowheads="1" noChangeShapeType="1" noTextEdit="1"/>
+                    </p:cNvSpPr>
+                    <p:nvPr/>
+                  </p:nvSpPr>
+                  <p:spPr>
+                    <a:xfrm>
+                      <a:off x="3909084" y="2421430"/>
+                      <a:ext cx="341896" cy="307777"/>
+                    </a:xfrm>
+                    <a:prstGeom prst="rect">
+                      <a:avLst/>
+                    </a:prstGeom>
+                    <a:blipFill>
+                      <a:blip r:embed="rId3"/>
+                      <a:stretch>
+                        <a:fillRect l="-7143"/>
+                      </a:stretch>
+                    </a:blipFill>
+                  </p:spPr>
+                  <p:txBody>
+                    <a:bodyPr/>
+                    <a:lstStyle/>
+                    <a:p>
+                      <a:r>
+                        <a:rPr lang="ja-JP" altLang="en-US">
+                          <a:noFill/>
+                        </a:rPr>
+                        <a:t> </a:t>
+                      </a:r>
+                    </a:p>
+                  </p:txBody>
+                </p:sp>
+              </mc:Fallback>
+            </mc:AlternateContent>
+            <p:cxnSp>
+              <p:nvCxnSpPr>
+                <p:cNvPr id="15" name="直線コネクタ 14">
+                  <a:extLst>
+                    <a:ext uri="{FF2B5EF4-FFF2-40B4-BE49-F238E27FC236}">
+                      <a16:creationId xmlns:a16="http://schemas.microsoft.com/office/drawing/2014/main" id="{D0F495B8-4865-B350-1533-D408EFF8CD81}"/>
+                    </a:ext>
+                  </a:extLst>
+                </p:cNvPr>
+                <p:cNvCxnSpPr>
+                  <a:cxnSpLocks/>
+                </p:cNvCxnSpPr>
+                <p:nvPr/>
+              </p:nvCxnSpPr>
+              <p:spPr>
+                <a:xfrm flipH="1">
+                  <a:off x="4233612" y="2575318"/>
+                  <a:ext cx="6414501" cy="5835"/>
+                </a:xfrm>
+                <a:prstGeom prst="line">
+                  <a:avLst/>
+                </a:prstGeom>
+                <a:ln w="12700">
+                  <a:solidFill>
+                    <a:schemeClr val="tx1"/>
+                  </a:solidFill>
+                  <a:prstDash val="dash"/>
+                </a:ln>
+              </p:spPr>
+              <p:style>
+                <a:lnRef idx="1">
+                  <a:schemeClr val="accent1"/>
+                </a:lnRef>
+                <a:fillRef idx="0">
+                  <a:schemeClr val="accent1"/>
+                </a:fillRef>
+                <a:effectRef idx="0">
+                  <a:schemeClr val="accent1"/>
+                </a:effectRef>
+                <a:fontRef idx="minor">
+                  <a:schemeClr val="tx1"/>
+                </a:fontRef>
+              </p:style>
+            </p:cxnSp>
+          </p:grpSp>
+          <p:sp>
+            <p:nvSpPr>
+              <p:cNvPr id="7" name="フリーフォーム: 図形 6">
+                <a:extLst>
+                  <a:ext uri="{FF2B5EF4-FFF2-40B4-BE49-F238E27FC236}">
+                    <a16:creationId xmlns:a16="http://schemas.microsoft.com/office/drawing/2014/main" id="{B5EC0727-B7B2-337A-F95A-B4655758224A}"/>
+                  </a:ext>
+                </a:extLst>
+              </p:cNvPr>
+              <p:cNvSpPr/>
+              <p:nvPr/>
+            </p:nvSpPr>
+            <p:spPr>
+              <a:xfrm>
+                <a:off x="4473615" y="1921397"/>
+                <a:ext cx="2887884" cy="706056"/>
+              </a:xfrm>
+              <a:custGeom>
+                <a:avLst/>
+                <a:gdLst>
+                  <a:gd name="connsiteX0" fmla="*/ 0 w 2887884"/>
+                  <a:gd name="connsiteY0" fmla="*/ 706056 h 706056"/>
+                  <a:gd name="connsiteX1" fmla="*/ 1921398 w 2887884"/>
+                  <a:gd name="connsiteY1" fmla="*/ 561373 h 706056"/>
+                  <a:gd name="connsiteX2" fmla="*/ 2887884 w 2887884"/>
+                  <a:gd name="connsiteY2" fmla="*/ 0 h 706056"/>
+                </a:gdLst>
+                <a:ahLst/>
+                <a:cxnLst>
+                  <a:cxn ang="0">
+                    <a:pos x="connsiteX0" y="connsiteY0"/>
+                  </a:cxn>
+                  <a:cxn ang="0">
+                    <a:pos x="connsiteX1" y="connsiteY1"/>
+                  </a:cxn>
+                  <a:cxn ang="0">
+                    <a:pos x="connsiteX2" y="connsiteY2"/>
+                  </a:cxn>
+                </a:cxnLst>
+                <a:rect l="l" t="t" r="r" b="b"/>
+                <a:pathLst>
+                  <a:path w="2887884" h="706056">
+                    <a:moveTo>
+                      <a:pt x="0" y="706056"/>
+                    </a:moveTo>
+                    <a:cubicBezTo>
+                      <a:pt x="720042" y="692552"/>
+                      <a:pt x="1440084" y="679049"/>
+                      <a:pt x="1921398" y="561373"/>
+                    </a:cubicBezTo>
+                    <a:cubicBezTo>
+                      <a:pt x="2402712" y="443697"/>
+                      <a:pt x="2645298" y="221848"/>
+                      <a:pt x="2887884" y="0"/>
+                    </a:cubicBezTo>
+                  </a:path>
+                </a:pathLst>
+              </a:custGeom>
+              <a:noFill/>
+              <a:ln w="28575"/>
+            </p:spPr>
+            <p:style>
+              <a:lnRef idx="2">
+                <a:schemeClr val="accent1">
+                  <a:shade val="15000"/>
+                </a:schemeClr>
+              </a:lnRef>
+              <a:fillRef idx="1">
+                <a:schemeClr val="accent1"/>
+              </a:fillRef>
+              <a:effectRef idx="0">
+                <a:schemeClr val="accent1"/>
+              </a:effectRef>
+              <a:fontRef idx="minor">
+                <a:schemeClr val="lt1"/>
+              </a:fontRef>
+            </p:style>
+            <p:txBody>
+              <a:bodyPr rtlCol="0" anchor="ctr"/>
+              <a:lstStyle/>
+              <a:p>
+                <a:pPr algn="ctr"/>
+                <a:endParaRPr kumimoji="1" lang="ja-JP" altLang="en-US" dirty="0"/>
+              </a:p>
+            </p:txBody>
+          </p:sp>
+          <mc:AlternateContent xmlns:mc="http://schemas.openxmlformats.org/markup-compatibility/2006">
+            <mc:Choice xmlns:a14="http://schemas.microsoft.com/office/drawing/2010/main" Requires="a14">
+              <p:sp>
+                <p:nvSpPr>
+                  <p:cNvPr id="11" name="テキスト ボックス 10">
+                    <a:extLst>
+                      <a:ext uri="{FF2B5EF4-FFF2-40B4-BE49-F238E27FC236}">
+                        <a16:creationId xmlns:a16="http://schemas.microsoft.com/office/drawing/2014/main" id="{33F7A280-3CB5-FB41-78B8-ED8F9CD83EB3}"/>
+                      </a:ext>
+                    </a:extLst>
+                  </p:cNvPr>
+                  <p:cNvSpPr txBox="1"/>
+                  <p:nvPr/>
+                </p:nvSpPr>
+                <p:spPr>
+                  <a:xfrm>
+                    <a:off x="3909084" y="2028715"/>
+                    <a:ext cx="341896" cy="307777"/>
+                  </a:xfrm>
+                  <a:prstGeom prst="rect">
+                    <a:avLst/>
+                  </a:prstGeom>
+                  <a:noFill/>
+                </p:spPr>
+                <p:txBody>
+                  <a:bodyPr wrap="square" rtlCol="0">
+                    <a:spAutoFit/>
+                  </a:bodyPr>
+                  <a:lstStyle/>
+                  <a:p>
+                    <a:pPr algn="ctr"/>
+                    <a14:m>
+                      <m:oMathPara xmlns:m="http://schemas.openxmlformats.org/officeDocument/2006/math">
+                        <m:oMathParaPr>
+                          <m:jc m:val="centerGroup"/>
+                        </m:oMathParaPr>
+                        <m:oMath xmlns:m="http://schemas.openxmlformats.org/officeDocument/2006/math">
+                          <m:sSub>
+                            <m:sSubPr>
+                              <m:ctrlPr>
+                                <a:rPr kumimoji="1" lang="en-US" altLang="ja-JP" sz="1400" b="0" i="1" smtClean="0">
+                                  <a:latin typeface="Cambria Math" panose="02040503050406030204" pitchFamily="18" charset="0"/>
+                                </a:rPr>
+                              </m:ctrlPr>
+                            </m:sSubPr>
+                            <m:e>
+                              <m:r>
+                                <a:rPr kumimoji="1" lang="en-US" altLang="ja-JP" sz="1400" b="0" i="1" smtClean="0">
+                                  <a:latin typeface="Cambria Math" panose="02040503050406030204" pitchFamily="18" charset="0"/>
+                                </a:rPr>
+                                <m:t>𝑊</m:t>
+                              </m:r>
+                            </m:e>
+                            <m:sub>
+                              <m:r>
+                                <a:rPr kumimoji="1" lang="en-US" altLang="ja-JP" sz="1400" b="0" i="1" smtClean="0">
+                                  <a:latin typeface="Cambria Math" panose="02040503050406030204" pitchFamily="18" charset="0"/>
+                                </a:rPr>
+                                <m:t>2</m:t>
+                              </m:r>
+                            </m:sub>
+                          </m:sSub>
+                        </m:oMath>
+                      </m:oMathPara>
+                    </a14:m>
+                    <a:endParaRPr kumimoji="1" lang="en-US" altLang="ja-JP" sz="1400" b="0" dirty="0"/>
+                  </a:p>
+                </p:txBody>
+              </p:sp>
+            </mc:Choice>
+            <mc:Fallback>
+              <p:sp>
+                <p:nvSpPr>
+                  <p:cNvPr id="11" name="テキスト ボックス 10">
+                    <a:extLst>
+                      <a:ext uri="{FF2B5EF4-FFF2-40B4-BE49-F238E27FC236}">
+                        <a16:creationId xmlns:a16="http://schemas.microsoft.com/office/drawing/2014/main" id="{33F7A280-3CB5-FB41-78B8-ED8F9CD83EB3}"/>
+                      </a:ext>
+                    </a:extLst>
+                  </p:cNvPr>
+                  <p:cNvSpPr txBox="1">
+                    <a:spLocks noRot="1" noChangeAspect="1" noMove="1" noResize="1" noEditPoints="1" noAdjustHandles="1" noChangeArrowheads="1" noChangeShapeType="1" noTextEdit="1"/>
+                  </p:cNvSpPr>
+                  <p:nvPr/>
+                </p:nvSpPr>
+                <p:spPr>
+                  <a:xfrm>
+                    <a:off x="3909084" y="2028715"/>
+                    <a:ext cx="341896" cy="307777"/>
+                  </a:xfrm>
+                  <a:prstGeom prst="rect">
+                    <a:avLst/>
+                  </a:prstGeom>
+                  <a:blipFill>
+                    <a:blip r:embed="rId4"/>
+                    <a:stretch>
+                      <a:fillRect l="-8929"/>
+                    </a:stretch>
+                  </a:blipFill>
+                </p:spPr>
+                <p:txBody>
+                  <a:bodyPr/>
+                  <a:lstStyle/>
+                  <a:p>
+                    <a:r>
+                      <a:rPr lang="ja-JP" altLang="en-US">
+                        <a:noFill/>
+                      </a:rPr>
+                      <a:t> </a:t>
+                    </a:r>
+                  </a:p>
+                </p:txBody>
+              </p:sp>
+            </mc:Fallback>
+          </mc:AlternateContent>
+          <p:cxnSp>
+            <p:nvCxnSpPr>
+              <p:cNvPr id="14" name="直線コネクタ 13">
+                <a:extLst>
+                  <a:ext uri="{FF2B5EF4-FFF2-40B4-BE49-F238E27FC236}">
+                    <a16:creationId xmlns:a16="http://schemas.microsoft.com/office/drawing/2014/main" id="{D61A4C62-3C97-F821-882E-86AD2087297E}"/>
+                  </a:ext>
+                </a:extLst>
+              </p:cNvPr>
+              <p:cNvCxnSpPr>
+                <a:cxnSpLocks/>
+              </p:cNvCxnSpPr>
+              <p:nvPr/>
+            </p:nvCxnSpPr>
+            <p:spPr>
+              <a:xfrm flipH="1">
+                <a:off x="4250980" y="2190366"/>
+                <a:ext cx="6921926" cy="0"/>
+              </a:xfrm>
+              <a:prstGeom prst="line">
+                <a:avLst/>
+              </a:prstGeom>
+              <a:ln w="12700">
+                <a:solidFill>
+                  <a:schemeClr val="tx1"/>
+                </a:solidFill>
+                <a:prstDash val="dash"/>
+              </a:ln>
+            </p:spPr>
+            <p:style>
+              <a:lnRef idx="1">
+                <a:schemeClr val="accent1"/>
+              </a:lnRef>
+              <a:fillRef idx="0">
+                <a:schemeClr val="accent1"/>
+              </a:fillRef>
+              <a:effectRef idx="0">
+                <a:schemeClr val="accent1"/>
+              </a:effectRef>
+              <a:fontRef idx="minor">
+                <a:schemeClr val="tx1"/>
+              </a:fontRef>
+            </p:style>
+          </p:cxnSp>
+          <p:cxnSp>
+            <p:nvCxnSpPr>
+              <p:cNvPr id="17" name="直線コネクタ 16">
+                <a:extLst>
+                  <a:ext uri="{FF2B5EF4-FFF2-40B4-BE49-F238E27FC236}">
+                    <a16:creationId xmlns:a16="http://schemas.microsoft.com/office/drawing/2014/main" id="{8C46B338-FC99-CD42-409B-CD6D2A4B7FA8}"/>
+                  </a:ext>
+                </a:extLst>
+              </p:cNvPr>
+              <p:cNvCxnSpPr>
+                <a:cxnSpLocks/>
+              </p:cNvCxnSpPr>
+              <p:nvPr/>
+            </p:nvCxnSpPr>
+            <p:spPr>
+              <a:xfrm>
+                <a:off x="7060370" y="2188438"/>
+                <a:ext cx="0" cy="1073381"/>
+              </a:xfrm>
+              <a:prstGeom prst="line">
+                <a:avLst/>
+              </a:prstGeom>
+              <a:ln w="12700">
+                <a:solidFill>
+                  <a:schemeClr val="tx1"/>
+                </a:solidFill>
+                <a:prstDash val="dash"/>
+              </a:ln>
+            </p:spPr>
+            <p:style>
+              <a:lnRef idx="1">
+                <a:schemeClr val="accent1"/>
+              </a:lnRef>
+              <a:fillRef idx="0">
+                <a:schemeClr val="accent1"/>
+              </a:fillRef>
+              <a:effectRef idx="0">
+                <a:schemeClr val="accent1"/>
+              </a:effectRef>
+              <a:fontRef idx="minor">
+                <a:schemeClr val="tx1"/>
+              </a:fontRef>
+            </p:style>
+          </p:cxnSp>
+          <mc:AlternateContent xmlns:mc="http://schemas.openxmlformats.org/markup-compatibility/2006">
+            <mc:Choice xmlns:a14="http://schemas.microsoft.com/office/drawing/2010/main" Requires="a14">
+              <p:sp>
+                <p:nvSpPr>
+                  <p:cNvPr id="25" name="テキスト ボックス 24">
+                    <a:extLst>
+                      <a:ext uri="{FF2B5EF4-FFF2-40B4-BE49-F238E27FC236}">
+                        <a16:creationId xmlns:a16="http://schemas.microsoft.com/office/drawing/2014/main" id="{29545A60-43CB-AAF3-39E3-DA09F15F3EC3}"/>
+                      </a:ext>
+                    </a:extLst>
+                  </p:cNvPr>
+                  <p:cNvSpPr txBox="1"/>
+                  <p:nvPr/>
+                </p:nvSpPr>
+                <p:spPr>
+                  <a:xfrm>
+                    <a:off x="6639265" y="3257175"/>
+                    <a:ext cx="842210" cy="307777"/>
+                  </a:xfrm>
+                  <a:prstGeom prst="rect">
+                    <a:avLst/>
+                  </a:prstGeom>
+                  <a:noFill/>
+                </p:spPr>
+                <p:txBody>
+                  <a:bodyPr wrap="square" rtlCol="0">
+                    <a:spAutoFit/>
+                  </a:bodyPr>
+                  <a:lstStyle/>
+                  <a:p>
+                    <a:pPr algn="ctr"/>
+                    <a14:m>
+                      <m:oMathPara xmlns:m="http://schemas.openxmlformats.org/officeDocument/2006/math">
+                        <m:oMathParaPr>
+                          <m:jc m:val="centerGroup"/>
+                        </m:oMathParaPr>
+                        <m:oMath xmlns:m="http://schemas.openxmlformats.org/officeDocument/2006/math">
+                          <m:sSub>
+                            <m:sSubPr>
+                              <m:ctrlPr>
+                                <a:rPr kumimoji="1" lang="en-US" altLang="ja-JP" sz="1400" b="0" i="1" smtClean="0">
+                                  <a:latin typeface="Cambria Math" panose="02040503050406030204" pitchFamily="18" charset="0"/>
+                                </a:rPr>
+                              </m:ctrlPr>
+                            </m:sSubPr>
+                            <m:e>
+                              <m:r>
+                                <a:rPr kumimoji="1" lang="en-US" altLang="ja-JP" sz="1400" b="0" i="1" smtClean="0">
+                                  <a:latin typeface="Cambria Math" panose="02040503050406030204" pitchFamily="18" charset="0"/>
+                                </a:rPr>
+                                <m:t>𝐿</m:t>
+                              </m:r>
+                            </m:e>
+                            <m:sub>
+                              <m:r>
+                                <a:rPr kumimoji="1" lang="en-US" altLang="ja-JP" sz="1400" b="0" i="1" smtClean="0">
+                                  <a:latin typeface="Cambria Math" panose="02040503050406030204" pitchFamily="18" charset="0"/>
+                                </a:rPr>
+                                <m:t>2</m:t>
+                              </m:r>
+                            </m:sub>
+                          </m:sSub>
+                        </m:oMath>
+                      </m:oMathPara>
+                    </a14:m>
+                    <a:endParaRPr kumimoji="1" lang="ja-JP" altLang="en-US" sz="1400" dirty="0"/>
+                  </a:p>
+                </p:txBody>
+              </p:sp>
+            </mc:Choice>
+            <mc:Fallback>
+              <p:sp>
+                <p:nvSpPr>
+                  <p:cNvPr id="25" name="テキスト ボックス 24">
+                    <a:extLst>
+                      <a:ext uri="{FF2B5EF4-FFF2-40B4-BE49-F238E27FC236}">
+                        <a16:creationId xmlns:a16="http://schemas.microsoft.com/office/drawing/2014/main" id="{29545A60-43CB-AAF3-39E3-DA09F15F3EC3}"/>
+                      </a:ext>
+                    </a:extLst>
+                  </p:cNvPr>
+                  <p:cNvSpPr txBox="1">
+                    <a:spLocks noRot="1" noChangeAspect="1" noMove="1" noResize="1" noEditPoints="1" noAdjustHandles="1" noChangeArrowheads="1" noChangeShapeType="1" noTextEdit="1"/>
+                  </p:cNvSpPr>
+                  <p:nvPr/>
+                </p:nvSpPr>
+                <p:spPr>
+                  <a:xfrm>
+                    <a:off x="6639265" y="3257175"/>
+                    <a:ext cx="842210" cy="307777"/>
+                  </a:xfrm>
+                  <a:prstGeom prst="rect">
+                    <a:avLst/>
+                  </a:prstGeom>
+                  <a:blipFill>
+                    <a:blip r:embed="rId5"/>
+                    <a:stretch>
+                      <a:fillRect/>
+                    </a:stretch>
+                  </a:blipFill>
+                </p:spPr>
+                <p:txBody>
+                  <a:bodyPr/>
+                  <a:lstStyle/>
+                  <a:p>
+                    <a:r>
+                      <a:rPr lang="ja-JP" altLang="en-US">
+                        <a:noFill/>
+                      </a:rPr>
+                      <a:t> </a:t>
+                    </a:r>
+                  </a:p>
+                </p:txBody>
+              </p:sp>
+            </mc:Fallback>
+          </mc:AlternateContent>
+        </p:grpSp>
+        <p:grpSp>
+          <p:nvGrpSpPr>
+            <p:cNvPr id="27" name="グループ化 26">
+              <a:extLst>
+                <a:ext uri="{FF2B5EF4-FFF2-40B4-BE49-F238E27FC236}">
+                  <a16:creationId xmlns:a16="http://schemas.microsoft.com/office/drawing/2014/main" id="{CA57CA5A-7089-E4A2-A9E2-FCD8F963FCD1}"/>
+                </a:ext>
+              </a:extLst>
+            </p:cNvPr>
+            <p:cNvGrpSpPr/>
+            <p:nvPr/>
+          </p:nvGrpSpPr>
+          <p:grpSpPr>
+            <a:xfrm>
+              <a:off x="6194534" y="129170"/>
+              <a:ext cx="4408569" cy="3361158"/>
+              <a:chOff x="3891716" y="203793"/>
+              <a:chExt cx="4408569" cy="3361158"/>
+            </a:xfrm>
+          </p:grpSpPr>
+          <p:grpSp>
+            <p:nvGrpSpPr>
+              <p:cNvPr id="28" name="グループ化 27">
+                <a:extLst>
+                  <a:ext uri="{FF2B5EF4-FFF2-40B4-BE49-F238E27FC236}">
+                    <a16:creationId xmlns:a16="http://schemas.microsoft.com/office/drawing/2014/main" id="{D552F9A6-3652-AD70-B122-4BDED52447E7}"/>
+                  </a:ext>
+                </a:extLst>
+              </p:cNvPr>
+              <p:cNvGrpSpPr/>
+              <p:nvPr/>
+            </p:nvGrpSpPr>
+            <p:grpSpPr>
+              <a:xfrm>
+                <a:off x="3891716" y="203793"/>
+                <a:ext cx="4408569" cy="3361158"/>
+                <a:chOff x="3891716" y="203793"/>
+                <a:chExt cx="4408569" cy="3361158"/>
+              </a:xfrm>
+            </p:grpSpPr>
+            <p:grpSp>
+              <p:nvGrpSpPr>
+                <p:cNvPr id="34" name="グループ化 33">
+                  <a:extLst>
+                    <a:ext uri="{FF2B5EF4-FFF2-40B4-BE49-F238E27FC236}">
+                      <a16:creationId xmlns:a16="http://schemas.microsoft.com/office/drawing/2014/main" id="{D0D90558-6CF8-4841-8907-1009F7D98E46}"/>
+                    </a:ext>
+                  </a:extLst>
+                </p:cNvPr>
+                <p:cNvGrpSpPr/>
+                <p:nvPr/>
+              </p:nvGrpSpPr>
+              <p:grpSpPr>
+                <a:xfrm>
+                  <a:off x="3891716" y="203793"/>
+                  <a:ext cx="4408569" cy="3211915"/>
+                  <a:chOff x="5300915" y="280736"/>
+                  <a:chExt cx="4408569" cy="3211915"/>
+                </a:xfrm>
+              </p:grpSpPr>
+              <p:cxnSp>
+                <p:nvCxnSpPr>
+                  <p:cNvPr id="39" name="直線矢印コネクタ 38">
+                    <a:extLst>
+                      <a:ext uri="{FF2B5EF4-FFF2-40B4-BE49-F238E27FC236}">
+                        <a16:creationId xmlns:a16="http://schemas.microsoft.com/office/drawing/2014/main" id="{DEA9ECE2-66FF-9655-2F80-2F6D0B34C04D}"/>
+                      </a:ext>
+                    </a:extLst>
+                  </p:cNvPr>
+                  <p:cNvCxnSpPr>
+                    <a:cxnSpLocks/>
+                  </p:cNvCxnSpPr>
+                  <p:nvPr/>
+                </p:nvCxnSpPr>
+                <p:spPr>
+                  <a:xfrm flipV="1">
+                    <a:off x="5642811" y="547437"/>
+                    <a:ext cx="0" cy="2791326"/>
+                  </a:xfrm>
+                  <a:prstGeom prst="straightConnector1">
+                    <a:avLst/>
+                  </a:prstGeom>
+                  <a:ln w="19050">
+                    <a:solidFill>
+                      <a:schemeClr val="tx1"/>
+                    </a:solidFill>
+                    <a:headEnd type="none" w="med" len="med"/>
+                    <a:tailEnd type="arrow" w="med" len="med"/>
+                  </a:ln>
+                </p:spPr>
+                <p:style>
+                  <a:lnRef idx="1">
+                    <a:schemeClr val="accent1"/>
+                  </a:lnRef>
+                  <a:fillRef idx="0">
+                    <a:schemeClr val="accent1"/>
+                  </a:fillRef>
+                  <a:effectRef idx="0">
+                    <a:schemeClr val="accent1"/>
+                  </a:effectRef>
+                  <a:fontRef idx="minor">
+                    <a:schemeClr val="tx1"/>
+                  </a:fontRef>
+                </p:style>
+              </p:cxnSp>
+              <p:cxnSp>
+                <p:nvCxnSpPr>
+                  <p:cNvPr id="40" name="直線矢印コネクタ 39">
+                    <a:extLst>
+                      <a:ext uri="{FF2B5EF4-FFF2-40B4-BE49-F238E27FC236}">
+                        <a16:creationId xmlns:a16="http://schemas.microsoft.com/office/drawing/2014/main" id="{21454936-8A49-3FA2-8A40-49FDE9C8D084}"/>
+                      </a:ext>
+                    </a:extLst>
+                  </p:cNvPr>
+                  <p:cNvCxnSpPr>
+                    <a:cxnSpLocks/>
+                  </p:cNvCxnSpPr>
+                  <p:nvPr/>
+                </p:nvCxnSpPr>
+                <p:spPr>
+                  <a:xfrm>
+                    <a:off x="5642811" y="3338763"/>
+                    <a:ext cx="3224463" cy="0"/>
+                  </a:xfrm>
+                  <a:prstGeom prst="straightConnector1">
+                    <a:avLst/>
+                  </a:prstGeom>
+                  <a:ln w="19050">
+                    <a:solidFill>
+                      <a:schemeClr val="tx1"/>
+                    </a:solidFill>
+                    <a:headEnd type="none" w="med" len="med"/>
+                    <a:tailEnd type="arrow" w="med" len="med"/>
+                  </a:ln>
+                </p:spPr>
+                <p:style>
+                  <a:lnRef idx="1">
+                    <a:schemeClr val="accent1"/>
+                  </a:lnRef>
+                  <a:fillRef idx="0">
+                    <a:schemeClr val="accent1"/>
+                  </a:fillRef>
+                  <a:effectRef idx="0">
+                    <a:schemeClr val="accent1"/>
+                  </a:effectRef>
+                  <a:fontRef idx="minor">
+                    <a:schemeClr val="tx1"/>
+                  </a:fontRef>
+                </p:style>
+              </p:cxnSp>
+              <p:sp>
+                <p:nvSpPr>
+                  <p:cNvPr id="41" name="テキスト ボックス 40">
+                    <a:extLst>
+                      <a:ext uri="{FF2B5EF4-FFF2-40B4-BE49-F238E27FC236}">
+                        <a16:creationId xmlns:a16="http://schemas.microsoft.com/office/drawing/2014/main" id="{DB1BB3D5-5A85-3FBF-96C5-C4A9E26B97CD}"/>
+                      </a:ext>
+                    </a:extLst>
+                  </p:cNvPr>
+                  <p:cNvSpPr txBox="1"/>
+                  <p:nvPr/>
+                </p:nvSpPr>
+                <p:spPr>
+                  <a:xfrm>
+                    <a:off x="5300915" y="280736"/>
+                    <a:ext cx="683792" cy="307777"/>
+                  </a:xfrm>
+                  <a:prstGeom prst="rect">
+                    <a:avLst/>
+                  </a:prstGeom>
+                  <a:noFill/>
+                </p:spPr>
+                <p:txBody>
+                  <a:bodyPr wrap="square" rtlCol="0">
+                    <a:spAutoFit/>
+                  </a:bodyPr>
+                  <a:lstStyle/>
+                  <a:p>
+                    <a:pPr algn="ctr"/>
+                    <a:r>
+                      <a:rPr lang="ja-JP" altLang="en-US" sz="1400" dirty="0"/>
+                      <a:t>賃金</a:t>
+                    </a:r>
+                    <a:endParaRPr kumimoji="1" lang="ja-JP" altLang="en-US" sz="1400" dirty="0"/>
+                  </a:p>
+                </p:txBody>
+              </p:sp>
+              <p:sp>
+                <p:nvSpPr>
+                  <p:cNvPr id="42" name="テキスト ボックス 41">
+                    <a:extLst>
+                      <a:ext uri="{FF2B5EF4-FFF2-40B4-BE49-F238E27FC236}">
+                        <a16:creationId xmlns:a16="http://schemas.microsoft.com/office/drawing/2014/main" id="{BEB2B3E1-7090-FA42-7EED-14C99ED7BEA9}"/>
+                      </a:ext>
+                    </a:extLst>
+                  </p:cNvPr>
+                  <p:cNvSpPr txBox="1"/>
+                  <p:nvPr/>
+                </p:nvSpPr>
+                <p:spPr>
+                  <a:xfrm>
+                    <a:off x="8867274" y="3184874"/>
+                    <a:ext cx="842210" cy="307777"/>
+                  </a:xfrm>
+                  <a:prstGeom prst="rect">
+                    <a:avLst/>
+                  </a:prstGeom>
+                  <a:noFill/>
+                </p:spPr>
+                <p:txBody>
+                  <a:bodyPr wrap="square" rtlCol="0">
+                    <a:spAutoFit/>
+                  </a:bodyPr>
+                  <a:lstStyle/>
+                  <a:p>
+                    <a:pPr algn="ctr"/>
+                    <a:r>
+                      <a:rPr kumimoji="1" lang="ja-JP" altLang="en-US" sz="1400" dirty="0"/>
+                      <a:t>雇用量</a:t>
+                    </a:r>
+                  </a:p>
+                </p:txBody>
+              </p:sp>
+              <p:sp>
+                <p:nvSpPr>
+                  <p:cNvPr id="43" name="フリーフォーム: 図形 42">
+                    <a:extLst>
+                      <a:ext uri="{FF2B5EF4-FFF2-40B4-BE49-F238E27FC236}">
+                        <a16:creationId xmlns:a16="http://schemas.microsoft.com/office/drawing/2014/main" id="{A5F579EA-2BCB-FBCC-8457-A5B2A0B9501E}"/>
+                      </a:ext>
+                    </a:extLst>
+                  </p:cNvPr>
+                  <p:cNvSpPr/>
+                  <p:nvPr/>
+                </p:nvSpPr>
+                <p:spPr>
+                  <a:xfrm>
+                    <a:off x="5874419" y="937946"/>
+                    <a:ext cx="2761248" cy="2051384"/>
+                  </a:xfrm>
+                  <a:custGeom>
+                    <a:avLst/>
+                    <a:gdLst>
+                      <a:gd name="connsiteX0" fmla="*/ 0 w 2761248"/>
+                      <a:gd name="connsiteY0" fmla="*/ 0 h 2051384"/>
+                      <a:gd name="connsiteX1" fmla="*/ 842211 w 2761248"/>
+                      <a:gd name="connsiteY1" fmla="*/ 1606216 h 2051384"/>
+                      <a:gd name="connsiteX2" fmla="*/ 2761248 w 2761248"/>
+                      <a:gd name="connsiteY2" fmla="*/ 2051384 h 2051384"/>
+                    </a:gdLst>
+                    <a:ahLst/>
+                    <a:cxnLst>
+                      <a:cxn ang="0">
+                        <a:pos x="connsiteX0" y="connsiteY0"/>
+                      </a:cxn>
+                      <a:cxn ang="0">
+                        <a:pos x="connsiteX1" y="connsiteY1"/>
+                      </a:cxn>
+                      <a:cxn ang="0">
+                        <a:pos x="connsiteX2" y="connsiteY2"/>
+                      </a:cxn>
+                    </a:cxnLst>
+                    <a:rect l="l" t="t" r="r" b="b"/>
+                    <a:pathLst>
+                      <a:path w="2761248" h="2051384">
+                        <a:moveTo>
+                          <a:pt x="0" y="0"/>
+                        </a:moveTo>
+                        <a:cubicBezTo>
+                          <a:pt x="191001" y="632159"/>
+                          <a:pt x="382003" y="1264319"/>
+                          <a:pt x="842211" y="1606216"/>
+                        </a:cubicBezTo>
+                        <a:cubicBezTo>
+                          <a:pt x="1302419" y="1948113"/>
+                          <a:pt x="2031833" y="1999748"/>
+                          <a:pt x="2761248" y="2051384"/>
+                        </a:cubicBezTo>
+                      </a:path>
+                    </a:pathLst>
+                  </a:custGeom>
+                  <a:noFill/>
+                  <a:ln w="28575"/>
+                </p:spPr>
+                <p:style>
+                  <a:lnRef idx="2">
+                    <a:schemeClr val="accent1">
+                      <a:shade val="15000"/>
+                    </a:schemeClr>
+                  </a:lnRef>
+                  <a:fillRef idx="1">
+                    <a:schemeClr val="accent1"/>
+                  </a:fillRef>
+                  <a:effectRef idx="0">
+                    <a:schemeClr val="accent1"/>
+                  </a:effectRef>
+                  <a:fontRef idx="minor">
+                    <a:schemeClr val="lt1"/>
+                  </a:fontRef>
+                </p:style>
+                <p:txBody>
+                  <a:bodyPr rtlCol="0" anchor="ctr"/>
+                  <a:lstStyle/>
+                  <a:p>
+                    <a:pPr algn="ctr"/>
+                    <a:endParaRPr kumimoji="1" lang="ja-JP" altLang="en-US"/>
+                  </a:p>
+                </p:txBody>
+              </p:sp>
+              <p:sp>
+                <p:nvSpPr>
+                  <p:cNvPr id="44" name="テキスト ボックス 43">
+                    <a:extLst>
+                      <a:ext uri="{FF2B5EF4-FFF2-40B4-BE49-F238E27FC236}">
+                        <a16:creationId xmlns:a16="http://schemas.microsoft.com/office/drawing/2014/main" id="{9674D74F-6266-2650-09FF-28AC41739CD5}"/>
+                      </a:ext>
+                    </a:extLst>
+                  </p:cNvPr>
+                  <p:cNvSpPr txBox="1"/>
+                  <p:nvPr/>
+                </p:nvSpPr>
+                <p:spPr>
+                  <a:xfrm>
+                    <a:off x="8635667" y="2835442"/>
+                    <a:ext cx="842210" cy="307777"/>
+                  </a:xfrm>
+                  <a:prstGeom prst="rect">
+                    <a:avLst/>
+                  </a:prstGeom>
+                  <a:noFill/>
+                </p:spPr>
+                <p:txBody>
+                  <a:bodyPr wrap="square" rtlCol="0">
+                    <a:spAutoFit/>
+                  </a:bodyPr>
+                  <a:lstStyle/>
+                  <a:p>
+                    <a:pPr algn="ctr"/>
+                    <a:r>
+                      <a:rPr kumimoji="1" lang="ja-JP" altLang="en-US" sz="1400" dirty="0"/>
+                      <a:t>需要</a:t>
+                    </a:r>
+                  </a:p>
+                </p:txBody>
+              </p:sp>
+              <p:sp>
+                <p:nvSpPr>
+                  <p:cNvPr id="45" name="テキスト ボックス 44">
+                    <a:extLst>
+                      <a:ext uri="{FF2B5EF4-FFF2-40B4-BE49-F238E27FC236}">
+                        <a16:creationId xmlns:a16="http://schemas.microsoft.com/office/drawing/2014/main" id="{A407B85E-297A-5BCD-3FCD-CA21008A3223}"/>
+                      </a:ext>
+                    </a:extLst>
+                  </p:cNvPr>
+                  <p:cNvSpPr txBox="1"/>
+                  <p:nvPr/>
+                </p:nvSpPr>
+                <p:spPr>
+                  <a:xfrm>
+                    <a:off x="8044356" y="593158"/>
+                    <a:ext cx="842210" cy="307777"/>
+                  </a:xfrm>
+                  <a:prstGeom prst="rect">
+                    <a:avLst/>
+                  </a:prstGeom>
+                  <a:noFill/>
+                </p:spPr>
+                <p:txBody>
+                  <a:bodyPr wrap="square" rtlCol="0">
+                    <a:spAutoFit/>
+                  </a:bodyPr>
+                  <a:lstStyle/>
+                  <a:p>
+                    <a:pPr algn="ctr"/>
+                    <a:r>
+                      <a:rPr kumimoji="1" lang="ja-JP" altLang="en-US" sz="1400" dirty="0"/>
+                      <a:t>供給</a:t>
+                    </a:r>
+                  </a:p>
+                </p:txBody>
+              </p:sp>
+            </p:grpSp>
+            <mc:AlternateContent xmlns:mc="http://schemas.openxmlformats.org/markup-compatibility/2006">
+              <mc:Choice xmlns:a14="http://schemas.microsoft.com/office/drawing/2010/main" Requires="a14">
+                <p:sp>
+                  <p:nvSpPr>
+                    <p:cNvPr id="35" name="テキスト ボックス 34">
+                      <a:extLst>
+                        <a:ext uri="{FF2B5EF4-FFF2-40B4-BE49-F238E27FC236}">
+                          <a16:creationId xmlns:a16="http://schemas.microsoft.com/office/drawing/2014/main" id="{4BBB4CB8-4866-23E6-54E4-280659434FAB}"/>
+                        </a:ext>
+                      </a:extLst>
+                    </p:cNvPr>
+                    <p:cNvSpPr txBox="1"/>
+                    <p:nvPr/>
+                  </p:nvSpPr>
+                  <p:spPr>
+                    <a:xfrm>
+                      <a:off x="5039472" y="3257174"/>
+                      <a:ext cx="842210" cy="307777"/>
+                    </a:xfrm>
+                    <a:prstGeom prst="rect">
+                      <a:avLst/>
+                    </a:prstGeom>
+                    <a:noFill/>
+                  </p:spPr>
+                  <p:txBody>
+                    <a:bodyPr wrap="square" rtlCol="0">
+                      <a:spAutoFit/>
+                    </a:bodyPr>
+                    <a:lstStyle/>
+                    <a:p>
+                      <a:pPr algn="ctr"/>
+                      <a14:m>
+                        <m:oMathPara xmlns:m="http://schemas.openxmlformats.org/officeDocument/2006/math">
+                          <m:oMathParaPr>
+                            <m:jc m:val="centerGroup"/>
+                          </m:oMathParaPr>
+                          <m:oMath xmlns:m="http://schemas.openxmlformats.org/officeDocument/2006/math">
+                            <m:sSub>
+                              <m:sSubPr>
+                                <m:ctrlPr>
+                                  <a:rPr kumimoji="1" lang="en-US" altLang="ja-JP" sz="1400" b="0" i="1" smtClean="0">
+                                    <a:latin typeface="Cambria Math" panose="02040503050406030204" pitchFamily="18" charset="0"/>
+                                  </a:rPr>
+                                </m:ctrlPr>
+                              </m:sSubPr>
+                              <m:e>
+                                <m:r>
+                                  <a:rPr kumimoji="1" lang="en-US" altLang="ja-JP" sz="1400" b="0" i="1" smtClean="0">
+                                    <a:latin typeface="Cambria Math" panose="02040503050406030204" pitchFamily="18" charset="0"/>
+                                  </a:rPr>
+                                  <m:t>𝐿</m:t>
+                                </m:r>
+                              </m:e>
+                              <m:sub>
+                                <m:r>
+                                  <a:rPr kumimoji="1" lang="en-US" altLang="ja-JP" sz="1400" b="0" i="1" smtClean="0">
+                                    <a:latin typeface="Cambria Math" panose="02040503050406030204" pitchFamily="18" charset="0"/>
+                                  </a:rPr>
+                                  <m:t>1</m:t>
+                                </m:r>
+                              </m:sub>
+                            </m:sSub>
+                          </m:oMath>
+                        </m:oMathPara>
+                      </a14:m>
+                      <a:endParaRPr kumimoji="1" lang="ja-JP" altLang="en-US" sz="1400" dirty="0"/>
+                    </a:p>
+                  </p:txBody>
+                </p:sp>
+              </mc:Choice>
+              <mc:Fallback>
+                <p:sp>
+                  <p:nvSpPr>
+                    <p:cNvPr id="35" name="テキスト ボックス 34">
+                      <a:extLst>
+                        <a:ext uri="{FF2B5EF4-FFF2-40B4-BE49-F238E27FC236}">
+                          <a16:creationId xmlns:a16="http://schemas.microsoft.com/office/drawing/2014/main" id="{4BBB4CB8-4866-23E6-54E4-280659434FAB}"/>
+                        </a:ext>
+                      </a:extLst>
+                    </p:cNvPr>
+                    <p:cNvSpPr txBox="1">
+                      <a:spLocks noRot="1" noChangeAspect="1" noMove="1" noResize="1" noEditPoints="1" noAdjustHandles="1" noChangeArrowheads="1" noChangeShapeType="1" noTextEdit="1"/>
+                    </p:cNvSpPr>
+                    <p:nvPr/>
+                  </p:nvSpPr>
+                  <p:spPr>
+                    <a:xfrm>
+                      <a:off x="5039472" y="3257174"/>
+                      <a:ext cx="842210" cy="307777"/>
+                    </a:xfrm>
+                    <a:prstGeom prst="rect">
+                      <a:avLst/>
+                    </a:prstGeom>
+                    <a:blipFill>
+                      <a:blip r:embed="rId6"/>
+                      <a:stretch>
+                        <a:fillRect/>
+                      </a:stretch>
+                    </a:blipFill>
+                  </p:spPr>
+                  <p:txBody>
+                    <a:bodyPr/>
+                    <a:lstStyle/>
+                    <a:p>
+                      <a:r>
+                        <a:rPr lang="ja-JP" altLang="en-US">
+                          <a:noFill/>
+                        </a:rPr>
+                        <a:t> </a:t>
+                      </a:r>
+                    </a:p>
+                  </p:txBody>
+                </p:sp>
+              </mc:Fallback>
+            </mc:AlternateContent>
+            <p:cxnSp>
+              <p:nvCxnSpPr>
+                <p:cNvPr id="36" name="直線コネクタ 35">
+                  <a:extLst>
+                    <a:ext uri="{FF2B5EF4-FFF2-40B4-BE49-F238E27FC236}">
+                      <a16:creationId xmlns:a16="http://schemas.microsoft.com/office/drawing/2014/main" id="{92DD12BE-3E16-CBF2-6F0D-E3C88D3C837E}"/>
+                    </a:ext>
+                  </a:extLst>
+                </p:cNvPr>
+                <p:cNvCxnSpPr>
+                  <a:cxnSpLocks/>
+                </p:cNvCxnSpPr>
+                <p:nvPr/>
+              </p:nvCxnSpPr>
+              <p:spPr>
+                <a:xfrm>
+                  <a:off x="5460577" y="2581922"/>
+                  <a:ext cx="0" cy="684544"/>
+                </a:xfrm>
+                <a:prstGeom prst="line">
+                  <a:avLst/>
+                </a:prstGeom>
+                <a:ln w="12700">
+                  <a:solidFill>
+                    <a:schemeClr val="tx1"/>
+                  </a:solidFill>
+                  <a:prstDash val="dash"/>
+                </a:ln>
+              </p:spPr>
+              <p:style>
+                <a:lnRef idx="1">
+                  <a:schemeClr val="accent1"/>
+                </a:lnRef>
+                <a:fillRef idx="0">
+                  <a:schemeClr val="accent1"/>
+                </a:fillRef>
+                <a:effectRef idx="0">
+                  <a:schemeClr val="accent1"/>
+                </a:effectRef>
+                <a:fontRef idx="minor">
+                  <a:schemeClr val="tx1"/>
+                </a:fontRef>
+              </p:style>
+            </p:cxnSp>
+          </p:grpSp>
+          <p:cxnSp>
+            <p:nvCxnSpPr>
+              <p:cNvPr id="32" name="直線コネクタ 31">
+                <a:extLst>
+                  <a:ext uri="{FF2B5EF4-FFF2-40B4-BE49-F238E27FC236}">
+                    <a16:creationId xmlns:a16="http://schemas.microsoft.com/office/drawing/2014/main" id="{3B225755-769E-1D86-75F8-0F01F81126D3}"/>
+                  </a:ext>
+                </a:extLst>
+              </p:cNvPr>
+              <p:cNvCxnSpPr>
+                <a:cxnSpLocks/>
+              </p:cNvCxnSpPr>
+              <p:nvPr/>
+            </p:nvCxnSpPr>
+            <p:spPr>
+              <a:xfrm>
+                <a:off x="5985370" y="2221808"/>
+                <a:ext cx="0" cy="1073381"/>
+              </a:xfrm>
+              <a:prstGeom prst="line">
+                <a:avLst/>
+              </a:prstGeom>
+              <a:ln w="12700">
+                <a:solidFill>
+                  <a:schemeClr val="tx1"/>
+                </a:solidFill>
+                <a:prstDash val="dash"/>
+              </a:ln>
+            </p:spPr>
+            <p:style>
+              <a:lnRef idx="1">
+                <a:schemeClr val="accent1"/>
+              </a:lnRef>
+              <a:fillRef idx="0">
+                <a:schemeClr val="accent1"/>
+              </a:fillRef>
+              <a:effectRef idx="0">
+                <a:schemeClr val="accent1"/>
+              </a:effectRef>
+              <a:fontRef idx="minor">
+                <a:schemeClr val="tx1"/>
+              </a:fontRef>
+            </p:style>
+          </p:cxnSp>
+          <mc:AlternateContent xmlns:mc="http://schemas.openxmlformats.org/markup-compatibility/2006">
+            <mc:Choice xmlns:a14="http://schemas.microsoft.com/office/drawing/2010/main" Requires="a14">
+              <p:sp>
+                <p:nvSpPr>
+                  <p:cNvPr id="33" name="テキスト ボックス 32">
+                    <a:extLst>
+                      <a:ext uri="{FF2B5EF4-FFF2-40B4-BE49-F238E27FC236}">
+                        <a16:creationId xmlns:a16="http://schemas.microsoft.com/office/drawing/2014/main" id="{C602C99B-1E24-F8E0-940A-8CD34D276E52}"/>
+                      </a:ext>
+                    </a:extLst>
+                  </p:cNvPr>
+                  <p:cNvSpPr txBox="1"/>
+                  <p:nvPr/>
+                </p:nvSpPr>
+                <p:spPr>
+                  <a:xfrm>
+                    <a:off x="5564265" y="3257173"/>
+                    <a:ext cx="842210" cy="307777"/>
+                  </a:xfrm>
+                  <a:prstGeom prst="rect">
+                    <a:avLst/>
+                  </a:prstGeom>
+                  <a:noFill/>
+                </p:spPr>
+                <p:txBody>
+                  <a:bodyPr wrap="square" rtlCol="0">
+                    <a:spAutoFit/>
+                  </a:bodyPr>
+                  <a:lstStyle/>
+                  <a:p>
+                    <a:pPr algn="ctr"/>
+                    <a14:m>
+                      <m:oMathPara xmlns:m="http://schemas.openxmlformats.org/officeDocument/2006/math">
+                        <m:oMathParaPr>
+                          <m:jc m:val="centerGroup"/>
+                        </m:oMathParaPr>
+                        <m:oMath xmlns:m="http://schemas.openxmlformats.org/officeDocument/2006/math">
+                          <m:sSub>
+                            <m:sSubPr>
+                              <m:ctrlPr>
+                                <a:rPr kumimoji="1" lang="en-US" altLang="ja-JP" sz="1400" b="0" i="1" smtClean="0">
+                                  <a:latin typeface="Cambria Math" panose="02040503050406030204" pitchFamily="18" charset="0"/>
+                                </a:rPr>
+                              </m:ctrlPr>
+                            </m:sSubPr>
+                            <m:e>
+                              <m:r>
+                                <a:rPr kumimoji="1" lang="en-US" altLang="ja-JP" sz="1400" b="0" i="1" smtClean="0">
+                                  <a:latin typeface="Cambria Math" panose="02040503050406030204" pitchFamily="18" charset="0"/>
+                                </a:rPr>
+                                <m:t>𝐿</m:t>
+                              </m:r>
+                            </m:e>
+                            <m:sub>
+                              <m:r>
+                                <a:rPr kumimoji="1" lang="en-US" altLang="ja-JP" sz="1400" b="0" i="1" smtClean="0">
+                                  <a:latin typeface="Cambria Math" panose="02040503050406030204" pitchFamily="18" charset="0"/>
+                                </a:rPr>
+                                <m:t>2</m:t>
+                              </m:r>
+                            </m:sub>
+                          </m:sSub>
+                        </m:oMath>
+                      </m:oMathPara>
+                    </a14:m>
+                    <a:endParaRPr kumimoji="1" lang="ja-JP" altLang="en-US" sz="1400" dirty="0"/>
+                  </a:p>
+                </p:txBody>
+              </p:sp>
+            </mc:Choice>
+            <mc:Fallback>
+              <p:sp>
+                <p:nvSpPr>
+                  <p:cNvPr id="33" name="テキスト ボックス 32">
+                    <a:extLst>
+                      <a:ext uri="{FF2B5EF4-FFF2-40B4-BE49-F238E27FC236}">
+                        <a16:creationId xmlns:a16="http://schemas.microsoft.com/office/drawing/2014/main" id="{C602C99B-1E24-F8E0-940A-8CD34D276E52}"/>
+                      </a:ext>
+                    </a:extLst>
+                  </p:cNvPr>
+                  <p:cNvSpPr txBox="1">
+                    <a:spLocks noRot="1" noChangeAspect="1" noMove="1" noResize="1" noEditPoints="1" noAdjustHandles="1" noChangeArrowheads="1" noChangeShapeType="1" noTextEdit="1"/>
+                  </p:cNvSpPr>
+                  <p:nvPr/>
+                </p:nvSpPr>
+                <p:spPr>
+                  <a:xfrm>
+                    <a:off x="5564265" y="3257173"/>
+                    <a:ext cx="842210" cy="307777"/>
+                  </a:xfrm>
+                  <a:prstGeom prst="rect">
+                    <a:avLst/>
+                  </a:prstGeom>
+                  <a:blipFill>
+                    <a:blip r:embed="rId5"/>
+                    <a:stretch>
+                      <a:fillRect/>
+                    </a:stretch>
+                  </a:blipFill>
+                </p:spPr>
+                <p:txBody>
+                  <a:bodyPr/>
+                  <a:lstStyle/>
+                  <a:p>
+                    <a:r>
+                      <a:rPr lang="ja-JP" altLang="en-US">
+                        <a:noFill/>
+                      </a:rPr>
+                      <a:t> </a:t>
+                    </a:r>
+                  </a:p>
+                </p:txBody>
+              </p:sp>
+            </mc:Fallback>
+          </mc:AlternateContent>
+        </p:grpSp>
+        <p:sp>
+          <p:nvSpPr>
+            <p:cNvPr id="46" name="フリーフォーム: 図形 45">
+              <a:extLst>
+                <a:ext uri="{FF2B5EF4-FFF2-40B4-BE49-F238E27FC236}">
+                  <a16:creationId xmlns:a16="http://schemas.microsoft.com/office/drawing/2014/main" id="{9F6F9D66-4BD1-F121-F268-9EDBC5AF2FA1}"/>
+                </a:ext>
+              </a:extLst>
+            </p:cNvPr>
+            <p:cNvSpPr/>
+            <p:nvPr/>
+          </p:nvSpPr>
+          <p:spPr>
+            <a:xfrm>
+              <a:off x="6840062" y="634221"/>
+              <a:ext cx="2089230" cy="2268638"/>
+            </a:xfrm>
+            <a:custGeom>
+              <a:avLst/>
+              <a:gdLst>
+                <a:gd name="connsiteX0" fmla="*/ 0 w 2089230"/>
+                <a:gd name="connsiteY0" fmla="*/ 2268638 h 2268638"/>
+                <a:gd name="connsiteX1" fmla="*/ 1516283 w 2089230"/>
+                <a:gd name="connsiteY1" fmla="*/ 1388962 h 2268638"/>
+                <a:gd name="connsiteX2" fmla="*/ 2089230 w 2089230"/>
+                <a:gd name="connsiteY2" fmla="*/ 0 h 2268638"/>
+                <a:gd name="connsiteX3" fmla="*/ 2089230 w 2089230"/>
+                <a:gd name="connsiteY3" fmla="*/ 0 h 2268638"/>
+              </a:gdLst>
+              <a:ahLst/>
+              <a:cxnLst>
+                <a:cxn ang="0">
+                  <a:pos x="connsiteX0" y="connsiteY0"/>
+                </a:cxn>
+                <a:cxn ang="0">
+                  <a:pos x="connsiteX1" y="connsiteY1"/>
+                </a:cxn>
+                <a:cxn ang="0">
+                  <a:pos x="connsiteX2" y="connsiteY2"/>
+                </a:cxn>
+                <a:cxn ang="0">
+                  <a:pos x="connsiteX3" y="connsiteY3"/>
+                </a:cxn>
+              </a:cxnLst>
+              <a:rect l="l" t="t" r="r" b="b"/>
+              <a:pathLst>
+                <a:path w="2089230" h="2268638">
+                  <a:moveTo>
+                    <a:pt x="0" y="2268638"/>
+                  </a:moveTo>
+                  <a:cubicBezTo>
+                    <a:pt x="584039" y="2017853"/>
+                    <a:pt x="1168078" y="1767068"/>
+                    <a:pt x="1516283" y="1388962"/>
+                  </a:cubicBezTo>
+                  <a:cubicBezTo>
+                    <a:pt x="1864488" y="1010856"/>
+                    <a:pt x="2089230" y="0"/>
+                    <a:pt x="2089230" y="0"/>
+                  </a:cubicBezTo>
+                  <a:lnTo>
+                    <a:pt x="2089230" y="0"/>
+                  </a:lnTo>
+                </a:path>
+              </a:pathLst>
+            </a:custGeom>
+            <a:noFill/>
+            <a:ln w="28575"/>
+          </p:spPr>
+          <p:style>
+            <a:lnRef idx="2">
+              <a:schemeClr val="accent1">
+                <a:shade val="15000"/>
+              </a:schemeClr>
+            </a:lnRef>
+            <a:fillRef idx="1">
+              <a:schemeClr val="accent1"/>
+            </a:fillRef>
+            <a:effectRef idx="0">
+              <a:schemeClr val="accent1"/>
+            </a:effectRef>
+            <a:fontRef idx="minor">
+              <a:schemeClr val="lt1"/>
+            </a:fontRef>
+          </p:style>
+          <p:txBody>
+            <a:bodyPr rtlCol="0" anchor="ctr"/>
+            <a:lstStyle/>
+            <a:p>
+              <a:pPr algn="ctr"/>
+              <a:endParaRPr kumimoji="1" lang="ja-JP" altLang="en-US"/>
+            </a:p>
+          </p:txBody>
+        </p:sp>
+      </p:grpSp>
+    </p:spTree>
+    <p:extLst>
+      <p:ext uri="{BB962C8B-B14F-4D97-AF65-F5344CB8AC3E}">
+        <p14:creationId xmlns:p14="http://schemas.microsoft.com/office/powerpoint/2010/main" val="2117210227"/>
+      </p:ext>
+    </p:extLst>
+  </p:cSld>
+  <p:clrMapOvr>
+    <a:masterClrMapping/>
+  </p:clrMapOvr>
+</p:sld>
+</file>
+
 <file path=ppt/slides/slide2.xml><?xml version="1.0" encoding="utf-8"?>
 <p:sld xmlns:a="http://schemas.openxmlformats.org/drawingml/2006/main" xmlns:r="http://schemas.openxmlformats.org/officeDocument/2006/relationships" xmlns:p="http://schemas.openxmlformats.org/presentationml/2006/main">
   <p:cSld>
@@ -8344,7 +10779,7 @@
           <p:cNvPr id="3" name="図 2">
             <a:extLst>
               <a:ext uri="{FF2B5EF4-FFF2-40B4-BE49-F238E27FC236}">
-                <a16:creationId xmlns:a16="http://schemas.microsoft.com/office/drawing/2014/main" id="{EACA66CB-0598-8BF6-21E0-8C0C9324065F}"/>
+                <a16:creationId xmlns:a16="http://schemas.microsoft.com/office/drawing/2014/main" id="{138E2AAD-2A71-5BA2-3DF2-0B390BFA2EAA}"/>
               </a:ext>
             </a:extLst>
           </p:cNvPr>
@@ -8361,425 +10796,5170 @@
         </p:blipFill>
         <p:spPr>
           <a:xfrm>
-            <a:off x="43316" y="-76027"/>
-            <a:ext cx="3949266" cy="3629353"/>
+            <a:off x="3782977" y="0"/>
+            <a:ext cx="4626046" cy="3619500"/>
           </a:xfrm>
           <a:prstGeom prst="rect">
             <a:avLst/>
           </a:prstGeom>
         </p:spPr>
       </p:pic>
-      <p:cxnSp>
-        <p:nvCxnSpPr>
-          <p:cNvPr id="4" name="直線矢印コネクタ 3">
+    </p:spTree>
+    <p:extLst>
+      <p:ext uri="{BB962C8B-B14F-4D97-AF65-F5344CB8AC3E}">
+        <p14:creationId xmlns:p14="http://schemas.microsoft.com/office/powerpoint/2010/main" val="567061433"/>
+      </p:ext>
+    </p:extLst>
+  </p:cSld>
+  <p:clrMapOvr>
+    <a:masterClrMapping/>
+  </p:clrMapOvr>
+</p:sld>
+</file>
+
+<file path=ppt/slides/slide3.xml><?xml version="1.0" encoding="utf-8"?>
+<p:sld xmlns:a="http://schemas.openxmlformats.org/drawingml/2006/main" xmlns:r="http://schemas.openxmlformats.org/officeDocument/2006/relationships" xmlns:p="http://schemas.openxmlformats.org/presentationml/2006/main">
+  <p:cSld>
+    <p:spTree>
+      <p:nvGrpSpPr>
+        <p:cNvPr id="1" name=""/>
+        <p:cNvGrpSpPr/>
+        <p:nvPr/>
+      </p:nvGrpSpPr>
+      <p:grpSpPr>
+        <a:xfrm>
+          <a:off x="0" y="0"/>
+          <a:ext cx="0" cy="0"/>
+          <a:chOff x="0" y="0"/>
+          <a:chExt cx="0" cy="0"/>
+        </a:xfrm>
+      </p:grpSpPr>
+      <p:pic>
+        <p:nvPicPr>
+          <p:cNvPr id="5" name="図 4">
             <a:extLst>
               <a:ext uri="{FF2B5EF4-FFF2-40B4-BE49-F238E27FC236}">
-                <a16:creationId xmlns:a16="http://schemas.microsoft.com/office/drawing/2014/main" id="{6EBC0BDC-0DE2-15E3-A91E-33BC5352E9D8}"/>
+                <a16:creationId xmlns:a16="http://schemas.microsoft.com/office/drawing/2014/main" id="{A0DBA3E7-B367-3158-6AF1-9673B88648D3}"/>
               </a:ext>
             </a:extLst>
           </p:cNvPr>
-          <p:cNvCxnSpPr>
-            <a:cxnSpLocks/>
-          </p:cNvCxnSpPr>
+          <p:cNvPicPr>
+            <a:picLocks noChangeAspect="1"/>
+          </p:cNvPicPr>
           <p:nvPr/>
-        </p:nvCxnSpPr>
+        </p:nvPicPr>
+        <p:blipFill>
+          <a:blip r:embed="rId2"/>
+          <a:stretch>
+            <a:fillRect/>
+          </a:stretch>
+        </p:blipFill>
         <p:spPr>
-          <a:xfrm flipV="1">
-            <a:off x="5642811" y="547437"/>
-            <a:ext cx="0" cy="2791326"/>
+          <a:xfrm>
+            <a:off x="4282241" y="0"/>
+            <a:ext cx="3627517" cy="3619500"/>
           </a:xfrm>
-          <a:prstGeom prst="straightConnector1">
+          <a:prstGeom prst="rect">
             <a:avLst/>
           </a:prstGeom>
-          <a:ln w="19050">
-            <a:solidFill>
-              <a:schemeClr val="tx1"/>
-            </a:solidFill>
-            <a:headEnd type="none" w="med" len="med"/>
-            <a:tailEnd type="arrow" w="med" len="med"/>
-          </a:ln>
         </p:spPr>
-        <p:style>
-          <a:lnRef idx="1">
-            <a:schemeClr val="accent1"/>
-          </a:lnRef>
-          <a:fillRef idx="0">
-            <a:schemeClr val="accent1"/>
-          </a:fillRef>
-          <a:effectRef idx="0">
-            <a:schemeClr val="accent1"/>
-          </a:effectRef>
-          <a:fontRef idx="minor">
-            <a:schemeClr val="tx1"/>
-          </a:fontRef>
-        </p:style>
-      </p:cxnSp>
-      <p:cxnSp>
-        <p:nvCxnSpPr>
-          <p:cNvPr id="6" name="直線矢印コネクタ 5">
+      </p:pic>
+    </p:spTree>
+    <p:extLst>
+      <p:ext uri="{BB962C8B-B14F-4D97-AF65-F5344CB8AC3E}">
+        <p14:creationId xmlns:p14="http://schemas.microsoft.com/office/powerpoint/2010/main" val="1317530742"/>
+      </p:ext>
+    </p:extLst>
+  </p:cSld>
+  <p:clrMapOvr>
+    <a:masterClrMapping/>
+  </p:clrMapOvr>
+</p:sld>
+</file>
+
+<file path=ppt/slides/slide4.xml><?xml version="1.0" encoding="utf-8"?>
+<p:sld xmlns:a="http://schemas.openxmlformats.org/drawingml/2006/main" xmlns:r="http://schemas.openxmlformats.org/officeDocument/2006/relationships" xmlns:p="http://schemas.openxmlformats.org/presentationml/2006/main">
+  <p:cSld>
+    <p:spTree>
+      <p:nvGrpSpPr>
+        <p:cNvPr id="1" name=""/>
+        <p:cNvGrpSpPr/>
+        <p:nvPr/>
+      </p:nvGrpSpPr>
+      <p:grpSpPr>
+        <a:xfrm>
+          <a:off x="0" y="0"/>
+          <a:ext cx="0" cy="0"/>
+          <a:chOff x="0" y="0"/>
+          <a:chExt cx="0" cy="0"/>
+        </a:xfrm>
+      </p:grpSpPr>
+      <p:pic>
+        <p:nvPicPr>
+          <p:cNvPr id="1026" name="Picture 2" descr="コラム1　図表1　男女別に見た生活時間（週全体平均）（1日当たり，国際比較）">
             <a:extLst>
               <a:ext uri="{FF2B5EF4-FFF2-40B4-BE49-F238E27FC236}">
-                <a16:creationId xmlns:a16="http://schemas.microsoft.com/office/drawing/2014/main" id="{3AAEA0F1-D8D4-5EDC-27FD-1FED2836D4FB}"/>
+                <a16:creationId xmlns:a16="http://schemas.microsoft.com/office/drawing/2014/main" id="{E4C01AAB-EC31-50BC-5985-0F268D457A05}"/>
               </a:ext>
             </a:extLst>
           </p:cNvPr>
-          <p:cNvCxnSpPr>
-            <a:cxnSpLocks/>
-          </p:cNvCxnSpPr>
+          <p:cNvPicPr>
+            <a:picLocks noChangeAspect="1" noChangeArrowheads="1"/>
+          </p:cNvPicPr>
           <p:nvPr/>
-        </p:nvCxnSpPr>
-        <p:spPr>
-          <a:xfrm>
-            <a:off x="5642811" y="3338763"/>
-            <a:ext cx="3224463" cy="0"/>
-          </a:xfrm>
-          <a:prstGeom prst="straightConnector1">
-            <a:avLst/>
-          </a:prstGeom>
-          <a:ln w="19050">
-            <a:solidFill>
-              <a:schemeClr val="tx1"/>
-            </a:solidFill>
-            <a:headEnd type="none" w="med" len="med"/>
-            <a:tailEnd type="arrow" w="med" len="med"/>
-          </a:ln>
-        </p:spPr>
-        <p:style>
-          <a:lnRef idx="1">
-            <a:schemeClr val="accent1"/>
-          </a:lnRef>
-          <a:fillRef idx="0">
-            <a:schemeClr val="accent1"/>
-          </a:fillRef>
-          <a:effectRef idx="0">
-            <a:schemeClr val="accent1"/>
-          </a:effectRef>
-          <a:fontRef idx="minor">
-            <a:schemeClr val="tx1"/>
-          </a:fontRef>
-        </p:style>
-      </p:cxnSp>
-      <p:sp>
-        <p:nvSpPr>
-          <p:cNvPr id="9" name="テキスト ボックス 8">
+        </p:nvPicPr>
+        <p:blipFill>
+          <a:blip r:embed="rId2">
             <a:extLst>
-              <a:ext uri="{FF2B5EF4-FFF2-40B4-BE49-F238E27FC236}">
-                <a16:creationId xmlns:a16="http://schemas.microsoft.com/office/drawing/2014/main" id="{BD24DEA5-C22E-3061-B831-0E1BCB52E13F}"/>
+              <a:ext uri="{28A0092B-C50C-407E-A947-70E740481C1C}">
+                <a14:useLocalDpi xmlns:a14="http://schemas.microsoft.com/office/drawing/2010/main" val="0"/>
               </a:ext>
             </a:extLst>
-          </p:cNvPr>
-          <p:cNvSpPr txBox="1"/>
-          <p:nvPr/>
-        </p:nvSpPr>
-        <p:spPr>
+          </a:blip>
+          <a:srcRect/>
+          <a:stretch>
+            <a:fillRect/>
+          </a:stretch>
+        </p:blipFill>
+        <p:spPr bwMode="auto">
           <a:xfrm>
-            <a:off x="5300915" y="280736"/>
-            <a:ext cx="683792" cy="307777"/>
+            <a:off x="4291013" y="0"/>
+            <a:ext cx="3609975" cy="3619500"/>
           </a:xfrm>
           <a:prstGeom prst="rect">
             <a:avLst/>
           </a:prstGeom>
           <a:noFill/>
+          <a:extLst>
+            <a:ext uri="{909E8E84-426E-40DD-AFC4-6F175D3DCCD1}">
+              <a14:hiddenFill xmlns:a14="http://schemas.microsoft.com/office/drawing/2010/main">
+                <a:solidFill>
+                  <a:srgbClr val="FFFFFF"/>
+                </a:solidFill>
+              </a14:hiddenFill>
+            </a:ext>
+          </a:extLst>
         </p:spPr>
-        <p:txBody>
-          <a:bodyPr wrap="square" rtlCol="0">
-            <a:spAutoFit/>
-          </a:bodyPr>
-          <a:lstStyle/>
-          <a:p>
-            <a:pPr algn="ctr"/>
-            <a:r>
-              <a:rPr lang="ja-JP" altLang="en-US" sz="1400" dirty="0"/>
-              <a:t>賃金</a:t>
-            </a:r>
-            <a:endParaRPr kumimoji="1" lang="ja-JP" altLang="en-US" sz="1400" dirty="0"/>
-          </a:p>
-        </p:txBody>
-      </p:sp>
-      <p:sp>
-        <p:nvSpPr>
-          <p:cNvPr id="10" name="テキスト ボックス 9">
+      </p:pic>
+    </p:spTree>
+    <p:extLst>
+      <p:ext uri="{BB962C8B-B14F-4D97-AF65-F5344CB8AC3E}">
+        <p14:creationId xmlns:p14="http://schemas.microsoft.com/office/powerpoint/2010/main" val="1589992406"/>
+      </p:ext>
+    </p:extLst>
+  </p:cSld>
+  <p:clrMapOvr>
+    <a:masterClrMapping/>
+  </p:clrMapOvr>
+</p:sld>
+</file>
+
+<file path=ppt/slides/slide5.xml><?xml version="1.0" encoding="utf-8"?>
+<p:sld xmlns:a="http://schemas.openxmlformats.org/drawingml/2006/main" xmlns:r="http://schemas.openxmlformats.org/officeDocument/2006/relationships" xmlns:p="http://schemas.openxmlformats.org/presentationml/2006/main">
+  <p:cSld>
+    <p:spTree>
+      <p:nvGrpSpPr>
+        <p:cNvPr id="1" name=""/>
+        <p:cNvGrpSpPr/>
+        <p:nvPr/>
+      </p:nvGrpSpPr>
+      <p:grpSpPr>
+        <a:xfrm>
+          <a:off x="0" y="0"/>
+          <a:ext cx="0" cy="0"/>
+          <a:chOff x="0" y="0"/>
+          <a:chExt cx="0" cy="0"/>
+        </a:xfrm>
+      </p:grpSpPr>
+      <p:pic>
+        <p:nvPicPr>
+          <p:cNvPr id="5122" name="Picture 2" descr="2－5図　所定内給与額（雇用形態別・年齢階級別）（令和5（2023）年）">
             <a:extLst>
               <a:ext uri="{FF2B5EF4-FFF2-40B4-BE49-F238E27FC236}">
-                <a16:creationId xmlns:a16="http://schemas.microsoft.com/office/drawing/2014/main" id="{9772673E-0DF8-0C1D-2377-BEB6BD821559}"/>
+                <a16:creationId xmlns:a16="http://schemas.microsoft.com/office/drawing/2014/main" id="{26553B6F-3F35-B465-AC33-0DA30B43F1B8}"/>
               </a:ext>
             </a:extLst>
           </p:cNvPr>
-          <p:cNvSpPr txBox="1"/>
+          <p:cNvPicPr>
+            <a:picLocks noChangeAspect="1" noChangeArrowheads="1"/>
+          </p:cNvPicPr>
           <p:nvPr/>
-        </p:nvSpPr>
-        <p:spPr>
+        </p:nvPicPr>
+        <p:blipFill rotWithShape="1">
+          <a:blip r:embed="rId2">
+            <a:extLst>
+              <a:ext uri="{28A0092B-C50C-407E-A947-70E740481C1C}">
+                <a14:useLocalDpi xmlns:a14="http://schemas.microsoft.com/office/drawing/2010/main" val="0"/>
+              </a:ext>
+            </a:extLst>
+          </a:blip>
+          <a:srcRect t="24599"/>
+          <a:stretch>
+            <a:fillRect/>
+          </a:stretch>
+        </p:blipFill>
+        <p:spPr bwMode="auto">
           <a:xfrm>
-            <a:off x="8867274" y="3184874"/>
-            <a:ext cx="842210" cy="307777"/>
+            <a:off x="3763963" y="890336"/>
+            <a:ext cx="4662487" cy="2729163"/>
           </a:xfrm>
           <a:prstGeom prst="rect">
             <a:avLst/>
           </a:prstGeom>
           <a:noFill/>
+          <a:extLst>
+            <a:ext uri="{909E8E84-426E-40DD-AFC4-6F175D3DCCD1}">
+              <a14:hiddenFill xmlns:a14="http://schemas.microsoft.com/office/drawing/2010/main">
+                <a:solidFill>
+                  <a:srgbClr val="FFFFFF"/>
+                </a:solidFill>
+              </a14:hiddenFill>
+            </a:ext>
+          </a:extLst>
         </p:spPr>
-        <p:txBody>
-          <a:bodyPr wrap="square" rtlCol="0">
-            <a:spAutoFit/>
-          </a:bodyPr>
-          <a:lstStyle/>
-          <a:p>
-            <a:pPr algn="ctr"/>
-            <a:r>
-              <a:rPr kumimoji="1" lang="ja-JP" altLang="en-US" sz="1400" dirty="0"/>
-              <a:t>雇用量</a:t>
-            </a:r>
-          </a:p>
-        </p:txBody>
-      </p:sp>
-      <p:sp>
-        <p:nvSpPr>
-          <p:cNvPr id="18" name="フリーフォーム: 図形 17">
+      </p:pic>
+    </p:spTree>
+    <p:extLst>
+      <p:ext uri="{BB962C8B-B14F-4D97-AF65-F5344CB8AC3E}">
+        <p14:creationId xmlns:p14="http://schemas.microsoft.com/office/powerpoint/2010/main" val="3058742284"/>
+      </p:ext>
+    </p:extLst>
+  </p:cSld>
+  <p:clrMapOvr>
+    <a:masterClrMapping/>
+  </p:clrMapOvr>
+</p:sld>
+</file>
+
+<file path=ppt/slides/slide6.xml><?xml version="1.0" encoding="utf-8"?>
+<p:sld xmlns:a="http://schemas.openxmlformats.org/drawingml/2006/main" xmlns:r="http://schemas.openxmlformats.org/officeDocument/2006/relationships" xmlns:p="http://schemas.openxmlformats.org/presentationml/2006/main">
+  <p:cSld>
+    <p:spTree>
+      <p:nvGrpSpPr>
+        <p:cNvPr id="1" name="">
+          <a:extLst>
+            <a:ext uri="{FF2B5EF4-FFF2-40B4-BE49-F238E27FC236}">
+              <a16:creationId xmlns:a16="http://schemas.microsoft.com/office/drawing/2014/main" id="{026DDC06-24B6-073E-8659-E87D7046A766}"/>
+            </a:ext>
+          </a:extLst>
+        </p:cNvPr>
+        <p:cNvGrpSpPr/>
+        <p:nvPr/>
+      </p:nvGrpSpPr>
+      <p:grpSpPr>
+        <a:xfrm>
+          <a:off x="0" y="0"/>
+          <a:ext cx="0" cy="0"/>
+          <a:chOff x="0" y="0"/>
+          <a:chExt cx="0" cy="0"/>
+        </a:xfrm>
+      </p:grpSpPr>
+      <p:grpSp>
+        <p:nvGrpSpPr>
+          <p:cNvPr id="23" name="グループ化 22">
             <a:extLst>
               <a:ext uri="{FF2B5EF4-FFF2-40B4-BE49-F238E27FC236}">
-                <a16:creationId xmlns:a16="http://schemas.microsoft.com/office/drawing/2014/main" id="{5B7248D9-0AE9-A3AA-F1BC-2F98189F7C10}"/>
+                <a16:creationId xmlns:a16="http://schemas.microsoft.com/office/drawing/2014/main" id="{A3039857-9E93-DA6F-D2A1-256879F8FE00}"/>
               </a:ext>
             </a:extLst>
           </p:cNvPr>
-          <p:cNvSpPr/>
+          <p:cNvGrpSpPr/>
           <p:nvPr/>
-        </p:nvSpPr>
-        <p:spPr>
+        </p:nvGrpSpPr>
+        <p:grpSpPr>
           <a:xfrm>
-            <a:off x="5874419" y="937946"/>
-            <a:ext cx="2761248" cy="2051384"/>
+            <a:off x="3891716" y="203793"/>
+            <a:ext cx="4408569" cy="3365803"/>
+            <a:chOff x="3891716" y="203793"/>
+            <a:chExt cx="4408569" cy="3365803"/>
           </a:xfrm>
-          <a:custGeom>
-            <a:avLst/>
-            <a:gdLst>
-              <a:gd name="connsiteX0" fmla="*/ 0 w 2761248"/>
-              <a:gd name="connsiteY0" fmla="*/ 0 h 2051384"/>
-              <a:gd name="connsiteX1" fmla="*/ 842211 w 2761248"/>
-              <a:gd name="connsiteY1" fmla="*/ 1606216 h 2051384"/>
-              <a:gd name="connsiteX2" fmla="*/ 2761248 w 2761248"/>
-              <a:gd name="connsiteY2" fmla="*/ 2051384 h 2051384"/>
-            </a:gdLst>
-            <a:ahLst/>
-            <a:cxnLst>
-              <a:cxn ang="0">
-                <a:pos x="connsiteX0" y="connsiteY0"/>
-              </a:cxn>
-              <a:cxn ang="0">
-                <a:pos x="connsiteX1" y="connsiteY1"/>
-              </a:cxn>
-              <a:cxn ang="0">
-                <a:pos x="connsiteX2" y="connsiteY2"/>
-              </a:cxn>
-            </a:cxnLst>
-            <a:rect l="l" t="t" r="r" b="b"/>
-            <a:pathLst>
-              <a:path w="2761248" h="2051384">
-                <a:moveTo>
-                  <a:pt x="0" y="0"/>
-                </a:moveTo>
-                <a:cubicBezTo>
-                  <a:pt x="191001" y="632159"/>
-                  <a:pt x="382003" y="1264319"/>
-                  <a:pt x="842211" y="1606216"/>
-                </a:cubicBezTo>
-                <a:cubicBezTo>
-                  <a:pt x="1302419" y="1948113"/>
-                  <a:pt x="2031833" y="1999748"/>
-                  <a:pt x="2761248" y="2051384"/>
-                </a:cubicBezTo>
-              </a:path>
-            </a:pathLst>
-          </a:custGeom>
-          <a:noFill/>
-          <a:ln w="28575"/>
-        </p:spPr>
-        <p:style>
-          <a:lnRef idx="2">
-            <a:schemeClr val="accent1">
-              <a:shade val="15000"/>
-            </a:schemeClr>
-          </a:lnRef>
-          <a:fillRef idx="1">
-            <a:schemeClr val="accent1"/>
-          </a:fillRef>
-          <a:effectRef idx="0">
-            <a:schemeClr val="accent1"/>
-          </a:effectRef>
-          <a:fontRef idx="minor">
-            <a:schemeClr val="lt1"/>
-          </a:fontRef>
-        </p:style>
-        <p:txBody>
-          <a:bodyPr rtlCol="0" anchor="ctr"/>
-          <a:lstStyle/>
-          <a:p>
-            <a:pPr algn="ctr"/>
-            <a:endParaRPr kumimoji="1" lang="ja-JP" altLang="en-US"/>
-          </a:p>
-        </p:txBody>
-      </p:sp>
-      <p:sp>
-        <p:nvSpPr>
-          <p:cNvPr id="19" name="フリーフォーム: 図形 18">
+        </p:grpSpPr>
+        <p:grpSp>
+          <p:nvGrpSpPr>
+            <p:cNvPr id="22" name="グループ化 21">
+              <a:extLst>
+                <a:ext uri="{FF2B5EF4-FFF2-40B4-BE49-F238E27FC236}">
+                  <a16:creationId xmlns:a16="http://schemas.microsoft.com/office/drawing/2014/main" id="{DE014715-37FF-D79F-5791-93FBC3C7EE0D}"/>
+                </a:ext>
+              </a:extLst>
+            </p:cNvPr>
+            <p:cNvGrpSpPr/>
+            <p:nvPr/>
+          </p:nvGrpSpPr>
+          <p:grpSpPr>
+            <a:xfrm>
+              <a:off x="3891716" y="203793"/>
+              <a:ext cx="4408569" cy="3211915"/>
+              <a:chOff x="5300915" y="280736"/>
+              <a:chExt cx="4408569" cy="3211915"/>
+            </a:xfrm>
+          </p:grpSpPr>
+          <p:cxnSp>
+            <p:nvCxnSpPr>
+              <p:cNvPr id="4" name="直線矢印コネクタ 3">
+                <a:extLst>
+                  <a:ext uri="{FF2B5EF4-FFF2-40B4-BE49-F238E27FC236}">
+                    <a16:creationId xmlns:a16="http://schemas.microsoft.com/office/drawing/2014/main" id="{DF78F34F-6F42-A4E6-4E4E-BDFAA4D98D72}"/>
+                  </a:ext>
+                </a:extLst>
+              </p:cNvPr>
+              <p:cNvCxnSpPr>
+                <a:cxnSpLocks/>
+              </p:cNvCxnSpPr>
+              <p:nvPr/>
+            </p:nvCxnSpPr>
+            <p:spPr>
+              <a:xfrm flipV="1">
+                <a:off x="5642811" y="547437"/>
+                <a:ext cx="0" cy="2791326"/>
+              </a:xfrm>
+              <a:prstGeom prst="straightConnector1">
+                <a:avLst/>
+              </a:prstGeom>
+              <a:ln w="19050">
+                <a:solidFill>
+                  <a:schemeClr val="tx1"/>
+                </a:solidFill>
+                <a:headEnd type="none" w="med" len="med"/>
+                <a:tailEnd type="arrow" w="med" len="med"/>
+              </a:ln>
+            </p:spPr>
+            <p:style>
+              <a:lnRef idx="1">
+                <a:schemeClr val="accent1"/>
+              </a:lnRef>
+              <a:fillRef idx="0">
+                <a:schemeClr val="accent1"/>
+              </a:fillRef>
+              <a:effectRef idx="0">
+                <a:schemeClr val="accent1"/>
+              </a:effectRef>
+              <a:fontRef idx="minor">
+                <a:schemeClr val="tx1"/>
+              </a:fontRef>
+            </p:style>
+          </p:cxnSp>
+          <p:cxnSp>
+            <p:nvCxnSpPr>
+              <p:cNvPr id="6" name="直線矢印コネクタ 5">
+                <a:extLst>
+                  <a:ext uri="{FF2B5EF4-FFF2-40B4-BE49-F238E27FC236}">
+                    <a16:creationId xmlns:a16="http://schemas.microsoft.com/office/drawing/2014/main" id="{C0A45FBE-83AF-0962-9E18-38ABA285E086}"/>
+                  </a:ext>
+                </a:extLst>
+              </p:cNvPr>
+              <p:cNvCxnSpPr>
+                <a:cxnSpLocks/>
+              </p:cNvCxnSpPr>
+              <p:nvPr/>
+            </p:nvCxnSpPr>
+            <p:spPr>
+              <a:xfrm>
+                <a:off x="5642811" y="3338763"/>
+                <a:ext cx="3224463" cy="0"/>
+              </a:xfrm>
+              <a:prstGeom prst="straightConnector1">
+                <a:avLst/>
+              </a:prstGeom>
+              <a:ln w="19050">
+                <a:solidFill>
+                  <a:schemeClr val="tx1"/>
+                </a:solidFill>
+                <a:headEnd type="none" w="med" len="med"/>
+                <a:tailEnd type="arrow" w="med" len="med"/>
+              </a:ln>
+            </p:spPr>
+            <p:style>
+              <a:lnRef idx="1">
+                <a:schemeClr val="accent1"/>
+              </a:lnRef>
+              <a:fillRef idx="0">
+                <a:schemeClr val="accent1"/>
+              </a:fillRef>
+              <a:effectRef idx="0">
+                <a:schemeClr val="accent1"/>
+              </a:effectRef>
+              <a:fontRef idx="minor">
+                <a:schemeClr val="tx1"/>
+              </a:fontRef>
+            </p:style>
+          </p:cxnSp>
+          <p:sp>
+            <p:nvSpPr>
+              <p:cNvPr id="9" name="テキスト ボックス 8">
+                <a:extLst>
+                  <a:ext uri="{FF2B5EF4-FFF2-40B4-BE49-F238E27FC236}">
+                    <a16:creationId xmlns:a16="http://schemas.microsoft.com/office/drawing/2014/main" id="{6B8A42BC-B99D-74A2-7F31-8A74FE59A56A}"/>
+                  </a:ext>
+                </a:extLst>
+              </p:cNvPr>
+              <p:cNvSpPr txBox="1"/>
+              <p:nvPr/>
+            </p:nvSpPr>
+            <p:spPr>
+              <a:xfrm>
+                <a:off x="5300915" y="280736"/>
+                <a:ext cx="683792" cy="307777"/>
+              </a:xfrm>
+              <a:prstGeom prst="rect">
+                <a:avLst/>
+              </a:prstGeom>
+              <a:noFill/>
+            </p:spPr>
+            <p:txBody>
+              <a:bodyPr wrap="square" rtlCol="0">
+                <a:spAutoFit/>
+              </a:bodyPr>
+              <a:lstStyle/>
+              <a:p>
+                <a:pPr algn="ctr"/>
+                <a:r>
+                  <a:rPr lang="ja-JP" altLang="en-US" sz="1400" dirty="0"/>
+                  <a:t>賃金</a:t>
+                </a:r>
+                <a:endParaRPr kumimoji="1" lang="ja-JP" altLang="en-US" sz="1400" dirty="0"/>
+              </a:p>
+            </p:txBody>
+          </p:sp>
+          <p:sp>
+            <p:nvSpPr>
+              <p:cNvPr id="10" name="テキスト ボックス 9">
+                <a:extLst>
+                  <a:ext uri="{FF2B5EF4-FFF2-40B4-BE49-F238E27FC236}">
+                    <a16:creationId xmlns:a16="http://schemas.microsoft.com/office/drawing/2014/main" id="{6181F1A9-ED92-D6BD-3944-4F40928E11EF}"/>
+                  </a:ext>
+                </a:extLst>
+              </p:cNvPr>
+              <p:cNvSpPr txBox="1"/>
+              <p:nvPr/>
+            </p:nvSpPr>
+            <p:spPr>
+              <a:xfrm>
+                <a:off x="8867274" y="3184874"/>
+                <a:ext cx="842210" cy="307777"/>
+              </a:xfrm>
+              <a:prstGeom prst="rect">
+                <a:avLst/>
+              </a:prstGeom>
+              <a:noFill/>
+            </p:spPr>
+            <p:txBody>
+              <a:bodyPr wrap="square" rtlCol="0">
+                <a:spAutoFit/>
+              </a:bodyPr>
+              <a:lstStyle/>
+              <a:p>
+                <a:pPr algn="ctr"/>
+                <a:r>
+                  <a:rPr kumimoji="1" lang="ja-JP" altLang="en-US" sz="1400" dirty="0"/>
+                  <a:t>雇用量</a:t>
+                </a:r>
+              </a:p>
+            </p:txBody>
+          </p:sp>
+          <p:sp>
+            <p:nvSpPr>
+              <p:cNvPr id="18" name="フリーフォーム: 図形 17">
+                <a:extLst>
+                  <a:ext uri="{FF2B5EF4-FFF2-40B4-BE49-F238E27FC236}">
+                    <a16:creationId xmlns:a16="http://schemas.microsoft.com/office/drawing/2014/main" id="{DED87BD0-98E4-F1B8-56D8-ACC4E8F2D0C1}"/>
+                  </a:ext>
+                </a:extLst>
+              </p:cNvPr>
+              <p:cNvSpPr/>
+              <p:nvPr/>
+            </p:nvSpPr>
+            <p:spPr>
+              <a:xfrm>
+                <a:off x="5874419" y="937946"/>
+                <a:ext cx="2761248" cy="2051384"/>
+              </a:xfrm>
+              <a:custGeom>
+                <a:avLst/>
+                <a:gdLst>
+                  <a:gd name="connsiteX0" fmla="*/ 0 w 2761248"/>
+                  <a:gd name="connsiteY0" fmla="*/ 0 h 2051384"/>
+                  <a:gd name="connsiteX1" fmla="*/ 842211 w 2761248"/>
+                  <a:gd name="connsiteY1" fmla="*/ 1606216 h 2051384"/>
+                  <a:gd name="connsiteX2" fmla="*/ 2761248 w 2761248"/>
+                  <a:gd name="connsiteY2" fmla="*/ 2051384 h 2051384"/>
+                </a:gdLst>
+                <a:ahLst/>
+                <a:cxnLst>
+                  <a:cxn ang="0">
+                    <a:pos x="connsiteX0" y="connsiteY0"/>
+                  </a:cxn>
+                  <a:cxn ang="0">
+                    <a:pos x="connsiteX1" y="connsiteY1"/>
+                  </a:cxn>
+                  <a:cxn ang="0">
+                    <a:pos x="connsiteX2" y="connsiteY2"/>
+                  </a:cxn>
+                </a:cxnLst>
+                <a:rect l="l" t="t" r="r" b="b"/>
+                <a:pathLst>
+                  <a:path w="2761248" h="2051384">
+                    <a:moveTo>
+                      <a:pt x="0" y="0"/>
+                    </a:moveTo>
+                    <a:cubicBezTo>
+                      <a:pt x="191001" y="632159"/>
+                      <a:pt x="382003" y="1264319"/>
+                      <a:pt x="842211" y="1606216"/>
+                    </a:cubicBezTo>
+                    <a:cubicBezTo>
+                      <a:pt x="1302419" y="1948113"/>
+                      <a:pt x="2031833" y="1999748"/>
+                      <a:pt x="2761248" y="2051384"/>
+                    </a:cubicBezTo>
+                  </a:path>
+                </a:pathLst>
+              </a:custGeom>
+              <a:noFill/>
+              <a:ln w="28575"/>
+            </p:spPr>
+            <p:style>
+              <a:lnRef idx="2">
+                <a:schemeClr val="accent1">
+                  <a:shade val="15000"/>
+                </a:schemeClr>
+              </a:lnRef>
+              <a:fillRef idx="1">
+                <a:schemeClr val="accent1"/>
+              </a:fillRef>
+              <a:effectRef idx="0">
+                <a:schemeClr val="accent1"/>
+              </a:effectRef>
+              <a:fontRef idx="minor">
+                <a:schemeClr val="lt1"/>
+              </a:fontRef>
+            </p:style>
+            <p:txBody>
+              <a:bodyPr rtlCol="0" anchor="ctr"/>
+              <a:lstStyle/>
+              <a:p>
+                <a:pPr algn="ctr"/>
+                <a:endParaRPr kumimoji="1" lang="ja-JP" altLang="en-US"/>
+              </a:p>
+            </p:txBody>
+          </p:sp>
+          <p:sp>
+            <p:nvSpPr>
+              <p:cNvPr id="19" name="フリーフォーム: 図形 18">
+                <a:extLst>
+                  <a:ext uri="{FF2B5EF4-FFF2-40B4-BE49-F238E27FC236}">
+                    <a16:creationId xmlns:a16="http://schemas.microsoft.com/office/drawing/2014/main" id="{0D9D93F7-BB8D-72D9-79A5-BA55D71CC928}"/>
+                  </a:ext>
+                </a:extLst>
+              </p:cNvPr>
+              <p:cNvSpPr/>
+              <p:nvPr/>
+            </p:nvSpPr>
+            <p:spPr>
+              <a:xfrm>
+                <a:off x="5883442" y="757989"/>
+                <a:ext cx="2598821" cy="2358190"/>
+              </a:xfrm>
+              <a:custGeom>
+                <a:avLst/>
+                <a:gdLst>
+                  <a:gd name="connsiteX0" fmla="*/ 0 w 2598821"/>
+                  <a:gd name="connsiteY0" fmla="*/ 2358190 h 2358190"/>
+                  <a:gd name="connsiteX1" fmla="*/ 1780674 w 2598821"/>
+                  <a:gd name="connsiteY1" fmla="*/ 1690437 h 2358190"/>
+                  <a:gd name="connsiteX2" fmla="*/ 2598821 w 2598821"/>
+                  <a:gd name="connsiteY2" fmla="*/ 0 h 2358190"/>
+                </a:gdLst>
+                <a:ahLst/>
+                <a:cxnLst>
+                  <a:cxn ang="0">
+                    <a:pos x="connsiteX0" y="connsiteY0"/>
+                  </a:cxn>
+                  <a:cxn ang="0">
+                    <a:pos x="connsiteX1" y="connsiteY1"/>
+                  </a:cxn>
+                  <a:cxn ang="0">
+                    <a:pos x="connsiteX2" y="connsiteY2"/>
+                  </a:cxn>
+                </a:cxnLst>
+                <a:rect l="l" t="t" r="r" b="b"/>
+                <a:pathLst>
+                  <a:path w="2598821" h="2358190">
+                    <a:moveTo>
+                      <a:pt x="0" y="2358190"/>
+                    </a:moveTo>
+                    <a:cubicBezTo>
+                      <a:pt x="673768" y="2220829"/>
+                      <a:pt x="1347537" y="2083469"/>
+                      <a:pt x="1780674" y="1690437"/>
+                    </a:cubicBezTo>
+                    <a:cubicBezTo>
+                      <a:pt x="2213811" y="1297405"/>
+                      <a:pt x="2406316" y="648702"/>
+                      <a:pt x="2598821" y="0"/>
+                    </a:cubicBezTo>
+                  </a:path>
+                </a:pathLst>
+              </a:custGeom>
+              <a:noFill/>
+              <a:ln w="28575"/>
+            </p:spPr>
+            <p:style>
+              <a:lnRef idx="2">
+                <a:schemeClr val="accent1">
+                  <a:shade val="15000"/>
+                </a:schemeClr>
+              </a:lnRef>
+              <a:fillRef idx="1">
+                <a:schemeClr val="accent1"/>
+              </a:fillRef>
+              <a:effectRef idx="0">
+                <a:schemeClr val="accent1"/>
+              </a:effectRef>
+              <a:fontRef idx="minor">
+                <a:schemeClr val="lt1"/>
+              </a:fontRef>
+            </p:style>
+            <p:txBody>
+              <a:bodyPr rtlCol="0" anchor="ctr"/>
+              <a:lstStyle/>
+              <a:p>
+                <a:pPr algn="ctr"/>
+                <a:endParaRPr kumimoji="1" lang="ja-JP" altLang="en-US"/>
+              </a:p>
+            </p:txBody>
+          </p:sp>
+          <p:sp>
+            <p:nvSpPr>
+              <p:cNvPr id="20" name="テキスト ボックス 19">
+                <a:extLst>
+                  <a:ext uri="{FF2B5EF4-FFF2-40B4-BE49-F238E27FC236}">
+                    <a16:creationId xmlns:a16="http://schemas.microsoft.com/office/drawing/2014/main" id="{863E6DAB-E80E-020D-11CA-80BFE86691C2}"/>
+                  </a:ext>
+                </a:extLst>
+              </p:cNvPr>
+              <p:cNvSpPr txBox="1"/>
+              <p:nvPr/>
+            </p:nvSpPr>
+            <p:spPr>
+              <a:xfrm>
+                <a:off x="8635667" y="2835442"/>
+                <a:ext cx="842210" cy="307777"/>
+              </a:xfrm>
+              <a:prstGeom prst="rect">
+                <a:avLst/>
+              </a:prstGeom>
+              <a:noFill/>
+            </p:spPr>
+            <p:txBody>
+              <a:bodyPr wrap="square" rtlCol="0">
+                <a:spAutoFit/>
+              </a:bodyPr>
+              <a:lstStyle/>
+              <a:p>
+                <a:pPr algn="ctr"/>
+                <a:r>
+                  <a:rPr kumimoji="1" lang="ja-JP" altLang="en-US" sz="1400" dirty="0"/>
+                  <a:t>需要</a:t>
+                </a:r>
+              </a:p>
+            </p:txBody>
+          </p:sp>
+          <p:sp>
+            <p:nvSpPr>
+              <p:cNvPr id="21" name="テキスト ボックス 20">
+                <a:extLst>
+                  <a:ext uri="{FF2B5EF4-FFF2-40B4-BE49-F238E27FC236}">
+                    <a16:creationId xmlns:a16="http://schemas.microsoft.com/office/drawing/2014/main" id="{4959068C-19FA-B6E4-30DD-287E1DC4596A}"/>
+                  </a:ext>
+                </a:extLst>
+              </p:cNvPr>
+              <p:cNvSpPr txBox="1"/>
+              <p:nvPr/>
+            </p:nvSpPr>
+            <p:spPr>
+              <a:xfrm>
+                <a:off x="8410074" y="604100"/>
+                <a:ext cx="842210" cy="307777"/>
+              </a:xfrm>
+              <a:prstGeom prst="rect">
+                <a:avLst/>
+              </a:prstGeom>
+              <a:noFill/>
+            </p:spPr>
+            <p:txBody>
+              <a:bodyPr wrap="square" rtlCol="0">
+                <a:spAutoFit/>
+              </a:bodyPr>
+              <a:lstStyle/>
+              <a:p>
+                <a:pPr algn="ctr"/>
+                <a:r>
+                  <a:rPr kumimoji="1" lang="ja-JP" altLang="en-US" sz="1400" dirty="0"/>
+                  <a:t>供給</a:t>
+                </a:r>
+              </a:p>
+            </p:txBody>
+          </p:sp>
+        </p:grpSp>
+        <mc:AlternateContent xmlns:mc="http://schemas.openxmlformats.org/markup-compatibility/2006">
+          <mc:Choice xmlns:a14="http://schemas.microsoft.com/office/drawing/2010/main" Requires="a14">
+            <p:sp>
+              <p:nvSpPr>
+                <p:cNvPr id="2" name="テキスト ボックス 1">
+                  <a:extLst>
+                    <a:ext uri="{FF2B5EF4-FFF2-40B4-BE49-F238E27FC236}">
+                      <a16:creationId xmlns:a16="http://schemas.microsoft.com/office/drawing/2014/main" id="{254D1E3A-1213-6476-C62B-825BEA6310AF}"/>
+                    </a:ext>
+                  </a:extLst>
+                </p:cNvPr>
+                <p:cNvSpPr txBox="1"/>
+                <p:nvPr/>
+              </p:nvSpPr>
+              <p:spPr>
+                <a:xfrm>
+                  <a:off x="5329398" y="3261819"/>
+                  <a:ext cx="842210" cy="307777"/>
+                </a:xfrm>
+                <a:prstGeom prst="rect">
+                  <a:avLst/>
+                </a:prstGeom>
+                <a:noFill/>
+              </p:spPr>
+              <p:txBody>
+                <a:bodyPr wrap="square" rtlCol="0">
+                  <a:spAutoFit/>
+                </a:bodyPr>
+                <a:lstStyle/>
+                <a:p>
+                  <a:pPr algn="ctr"/>
+                  <a14:m>
+                    <m:oMathPara xmlns:m="http://schemas.openxmlformats.org/officeDocument/2006/math">
+                      <m:oMathParaPr>
+                        <m:jc m:val="centerGroup"/>
+                      </m:oMathParaPr>
+                      <m:oMath xmlns:m="http://schemas.openxmlformats.org/officeDocument/2006/math">
+                        <m:sSup>
+                          <m:sSupPr>
+                            <m:ctrlPr>
+                              <a:rPr kumimoji="1" lang="en-US" altLang="ja-JP" sz="1400" b="0" i="1" smtClean="0">
+                                <a:latin typeface="Cambria Math" panose="02040503050406030204" pitchFamily="18" charset="0"/>
+                              </a:rPr>
+                            </m:ctrlPr>
+                          </m:sSupPr>
+                          <m:e>
+                            <m:r>
+                              <a:rPr kumimoji="1" lang="en-US" altLang="ja-JP" sz="1400" b="0" i="1" smtClean="0">
+                                <a:latin typeface="Cambria Math" panose="02040503050406030204" pitchFamily="18" charset="0"/>
+                              </a:rPr>
+                              <m:t>𝐿</m:t>
+                            </m:r>
+                          </m:e>
+                          <m:sup>
+                            <m:r>
+                              <a:rPr kumimoji="1" lang="en-US" altLang="ja-JP" sz="1400" b="0" i="1" smtClean="0">
+                                <a:latin typeface="Cambria Math" panose="02040503050406030204" pitchFamily="18" charset="0"/>
+                              </a:rPr>
+                              <m:t>∗</m:t>
+                            </m:r>
+                          </m:sup>
+                        </m:sSup>
+                      </m:oMath>
+                    </m:oMathPara>
+                  </a14:m>
+                  <a:endParaRPr kumimoji="1" lang="ja-JP" altLang="en-US" sz="1400" dirty="0"/>
+                </a:p>
+              </p:txBody>
+            </p:sp>
+          </mc:Choice>
+          <mc:Fallback>
+            <p:sp>
+              <p:nvSpPr>
+                <p:cNvPr id="2" name="テキスト ボックス 1">
+                  <a:extLst>
+                    <a:ext uri="{FF2B5EF4-FFF2-40B4-BE49-F238E27FC236}">
+                      <a16:creationId xmlns:a16="http://schemas.microsoft.com/office/drawing/2014/main" id="{254D1E3A-1213-6476-C62B-825BEA6310AF}"/>
+                    </a:ext>
+                  </a:extLst>
+                </p:cNvPr>
+                <p:cNvSpPr txBox="1">
+                  <a:spLocks noRot="1" noChangeAspect="1" noMove="1" noResize="1" noEditPoints="1" noAdjustHandles="1" noChangeArrowheads="1" noChangeShapeType="1" noTextEdit="1"/>
+                </p:cNvSpPr>
+                <p:nvPr/>
+              </p:nvSpPr>
+              <p:spPr>
+                <a:xfrm>
+                  <a:off x="5329398" y="3261819"/>
+                  <a:ext cx="842210" cy="307777"/>
+                </a:xfrm>
+                <a:prstGeom prst="rect">
+                  <a:avLst/>
+                </a:prstGeom>
+                <a:blipFill>
+                  <a:blip r:embed="rId2"/>
+                  <a:stretch>
+                    <a:fillRect/>
+                  </a:stretch>
+                </a:blipFill>
+              </p:spPr>
+              <p:txBody>
+                <a:bodyPr/>
+                <a:lstStyle/>
+                <a:p>
+                  <a:r>
+                    <a:rPr lang="ja-JP" altLang="en-US">
+                      <a:noFill/>
+                    </a:rPr>
+                    <a:t> </a:t>
+                  </a:r>
+                </a:p>
+              </p:txBody>
+            </p:sp>
+          </mc:Fallback>
+        </mc:AlternateContent>
+        <p:cxnSp>
+          <p:nvCxnSpPr>
+            <p:cNvPr id="12" name="直線コネクタ 11">
+              <a:extLst>
+                <a:ext uri="{FF2B5EF4-FFF2-40B4-BE49-F238E27FC236}">
+                  <a16:creationId xmlns:a16="http://schemas.microsoft.com/office/drawing/2014/main" id="{6E8BF535-02B8-A909-2731-E35A77BC0E36}"/>
+                </a:ext>
+              </a:extLst>
+            </p:cNvPr>
+            <p:cNvCxnSpPr>
+              <a:cxnSpLocks/>
+            </p:cNvCxnSpPr>
+            <p:nvPr/>
+          </p:nvCxnSpPr>
+          <p:spPr>
+            <a:xfrm>
+              <a:off x="5750503" y="2673752"/>
+              <a:ext cx="0" cy="588067"/>
+            </a:xfrm>
+            <a:prstGeom prst="line">
+              <a:avLst/>
+            </a:prstGeom>
+            <a:ln w="12700">
+              <a:solidFill>
+                <a:schemeClr val="tx1"/>
+              </a:solidFill>
+              <a:prstDash val="dash"/>
+            </a:ln>
+          </p:spPr>
+          <p:style>
+            <a:lnRef idx="1">
+              <a:schemeClr val="accent1"/>
+            </a:lnRef>
+            <a:fillRef idx="0">
+              <a:schemeClr val="accent1"/>
+            </a:fillRef>
+            <a:effectRef idx="0">
+              <a:schemeClr val="accent1"/>
+            </a:effectRef>
+            <a:fontRef idx="minor">
+              <a:schemeClr val="tx1"/>
+            </a:fontRef>
+          </p:style>
+        </p:cxnSp>
+        <mc:AlternateContent xmlns:mc="http://schemas.openxmlformats.org/markup-compatibility/2006">
+          <mc:Choice xmlns:a14="http://schemas.microsoft.com/office/drawing/2010/main" Requires="a14">
+            <p:sp>
+              <p:nvSpPr>
+                <p:cNvPr id="13" name="テキスト ボックス 12">
+                  <a:extLst>
+                    <a:ext uri="{FF2B5EF4-FFF2-40B4-BE49-F238E27FC236}">
+                      <a16:creationId xmlns:a16="http://schemas.microsoft.com/office/drawing/2014/main" id="{0D2237EB-F4E2-5A72-E281-3DFEFF174E2B}"/>
+                    </a:ext>
+                  </a:extLst>
+                </p:cNvPr>
+                <p:cNvSpPr txBox="1"/>
+                <p:nvPr/>
+              </p:nvSpPr>
+              <p:spPr>
+                <a:xfrm>
+                  <a:off x="3891716" y="2519863"/>
+                  <a:ext cx="341896" cy="319446"/>
+                </a:xfrm>
+                <a:prstGeom prst="rect">
+                  <a:avLst/>
+                </a:prstGeom>
+                <a:noFill/>
+              </p:spPr>
+              <p:txBody>
+                <a:bodyPr wrap="square" rtlCol="0">
+                  <a:spAutoFit/>
+                </a:bodyPr>
+                <a:lstStyle/>
+                <a:p>
+                  <a:pPr algn="ctr"/>
+                  <a14:m>
+                    <m:oMathPara xmlns:m="http://schemas.openxmlformats.org/officeDocument/2006/math">
+                      <m:oMathParaPr>
+                        <m:jc m:val="centerGroup"/>
+                      </m:oMathParaPr>
+                      <m:oMath xmlns:m="http://schemas.openxmlformats.org/officeDocument/2006/math">
+                        <m:sSup>
+                          <m:sSupPr>
+                            <m:ctrlPr>
+                              <a:rPr kumimoji="1" lang="en-US" altLang="ja-JP" sz="1400" b="0" i="1" smtClean="0">
+                                <a:latin typeface="Cambria Math" panose="02040503050406030204" pitchFamily="18" charset="0"/>
+                              </a:rPr>
+                            </m:ctrlPr>
+                          </m:sSupPr>
+                          <m:e>
+                            <m:r>
+                              <a:rPr kumimoji="1" lang="en-US" altLang="ja-JP" sz="1400" b="0" i="1" smtClean="0">
+                                <a:latin typeface="Cambria Math" panose="02040503050406030204" pitchFamily="18" charset="0"/>
+                              </a:rPr>
+                              <m:t>𝑊</m:t>
+                            </m:r>
+                          </m:e>
+                          <m:sup>
+                            <m:r>
+                              <a:rPr kumimoji="1" lang="en-US" altLang="ja-JP" sz="1400" b="0" i="1" smtClean="0">
+                                <a:latin typeface="Cambria Math" panose="02040503050406030204" pitchFamily="18" charset="0"/>
+                              </a:rPr>
+                              <m:t>∗</m:t>
+                            </m:r>
+                          </m:sup>
+                        </m:sSup>
+                      </m:oMath>
+                    </m:oMathPara>
+                  </a14:m>
+                  <a:endParaRPr kumimoji="1" lang="ja-JP" altLang="en-US" sz="1400" dirty="0"/>
+                </a:p>
+              </p:txBody>
+            </p:sp>
+          </mc:Choice>
+          <mc:Fallback>
+            <p:sp>
+              <p:nvSpPr>
+                <p:cNvPr id="13" name="テキスト ボックス 12">
+                  <a:extLst>
+                    <a:ext uri="{FF2B5EF4-FFF2-40B4-BE49-F238E27FC236}">
+                      <a16:creationId xmlns:a16="http://schemas.microsoft.com/office/drawing/2014/main" id="{0D2237EB-F4E2-5A72-E281-3DFEFF174E2B}"/>
+                    </a:ext>
+                  </a:extLst>
+                </p:cNvPr>
+                <p:cNvSpPr txBox="1">
+                  <a:spLocks noRot="1" noChangeAspect="1" noMove="1" noResize="1" noEditPoints="1" noAdjustHandles="1" noChangeArrowheads="1" noChangeShapeType="1" noTextEdit="1"/>
+                </p:cNvSpPr>
+                <p:nvPr/>
+              </p:nvSpPr>
+              <p:spPr>
+                <a:xfrm>
+                  <a:off x="3891716" y="2519863"/>
+                  <a:ext cx="341896" cy="319446"/>
+                </a:xfrm>
+                <a:prstGeom prst="rect">
+                  <a:avLst/>
+                </a:prstGeom>
+                <a:blipFill>
+                  <a:blip r:embed="rId3"/>
+                  <a:stretch>
+                    <a:fillRect l="-10714"/>
+                  </a:stretch>
+                </a:blipFill>
+              </p:spPr>
+              <p:txBody>
+                <a:bodyPr/>
+                <a:lstStyle/>
+                <a:p>
+                  <a:r>
+                    <a:rPr lang="ja-JP" altLang="en-US">
+                      <a:noFill/>
+                    </a:rPr>
+                    <a:t> </a:t>
+                  </a:r>
+                </a:p>
+              </p:txBody>
+            </p:sp>
+          </mc:Fallback>
+        </mc:AlternateContent>
+        <p:cxnSp>
+          <p:nvCxnSpPr>
+            <p:cNvPr id="15" name="直線コネクタ 14">
+              <a:extLst>
+                <a:ext uri="{FF2B5EF4-FFF2-40B4-BE49-F238E27FC236}">
+                  <a16:creationId xmlns:a16="http://schemas.microsoft.com/office/drawing/2014/main" id="{592AEC7B-DC07-65D2-5884-FC6B5F393877}"/>
+                </a:ext>
+              </a:extLst>
+            </p:cNvPr>
+            <p:cNvCxnSpPr>
+              <a:cxnSpLocks/>
+            </p:cNvCxnSpPr>
+            <p:nvPr/>
+          </p:nvCxnSpPr>
+          <p:spPr>
+            <a:xfrm flipH="1">
+              <a:off x="4242636" y="2673751"/>
+              <a:ext cx="1507867" cy="0"/>
+            </a:xfrm>
+            <a:prstGeom prst="line">
+              <a:avLst/>
+            </a:prstGeom>
+            <a:ln w="12700">
+              <a:solidFill>
+                <a:schemeClr val="tx1"/>
+              </a:solidFill>
+              <a:prstDash val="dash"/>
+            </a:ln>
+          </p:spPr>
+          <p:style>
+            <a:lnRef idx="1">
+              <a:schemeClr val="accent1"/>
+            </a:lnRef>
+            <a:fillRef idx="0">
+              <a:schemeClr val="accent1"/>
+            </a:fillRef>
+            <a:effectRef idx="0">
+              <a:schemeClr val="accent1"/>
+            </a:effectRef>
+            <a:fontRef idx="minor">
+              <a:schemeClr val="tx1"/>
+            </a:fontRef>
+          </p:style>
+        </p:cxnSp>
+      </p:grpSp>
+    </p:spTree>
+    <p:extLst>
+      <p:ext uri="{BB962C8B-B14F-4D97-AF65-F5344CB8AC3E}">
+        <p14:creationId xmlns:p14="http://schemas.microsoft.com/office/powerpoint/2010/main" val="605163374"/>
+      </p:ext>
+    </p:extLst>
+  </p:cSld>
+  <p:clrMapOvr>
+    <a:masterClrMapping/>
+  </p:clrMapOvr>
+</p:sld>
+</file>
+
+<file path=ppt/slides/slide7.xml><?xml version="1.0" encoding="utf-8"?>
+<p:sld xmlns:a="http://schemas.openxmlformats.org/drawingml/2006/main" xmlns:r="http://schemas.openxmlformats.org/officeDocument/2006/relationships" xmlns:p="http://schemas.openxmlformats.org/presentationml/2006/main">
+  <p:cSld>
+    <p:spTree>
+      <p:nvGrpSpPr>
+        <p:cNvPr id="1" name=""/>
+        <p:cNvGrpSpPr/>
+        <p:nvPr/>
+      </p:nvGrpSpPr>
+      <p:grpSpPr>
+        <a:xfrm>
+          <a:off x="0" y="0"/>
+          <a:ext cx="0" cy="0"/>
+          <a:chOff x="0" y="0"/>
+          <a:chExt cx="0" cy="0"/>
+        </a:xfrm>
+      </p:grpSpPr>
+      <p:grpSp>
+        <p:nvGrpSpPr>
+          <p:cNvPr id="36" name="グループ化 35">
             <a:extLst>
               <a:ext uri="{FF2B5EF4-FFF2-40B4-BE49-F238E27FC236}">
-                <a16:creationId xmlns:a16="http://schemas.microsoft.com/office/drawing/2014/main" id="{DC46BCA3-85CE-06F6-075A-F4F69BEF8436}"/>
+                <a16:creationId xmlns:a16="http://schemas.microsoft.com/office/drawing/2014/main" id="{19A10E4C-1F5C-C5C4-F90D-DACC0DFCCBC1}"/>
               </a:ext>
             </a:extLst>
           </p:cNvPr>
-          <p:cNvSpPr/>
+          <p:cNvGrpSpPr/>
           <p:nvPr/>
-        </p:nvSpPr>
-        <p:spPr>
+        </p:nvGrpSpPr>
+        <p:grpSpPr>
           <a:xfrm>
-            <a:off x="5883442" y="757989"/>
-            <a:ext cx="2598821" cy="2358190"/>
+            <a:off x="999804" y="126848"/>
+            <a:ext cx="9776658" cy="3369349"/>
+            <a:chOff x="999804" y="126848"/>
+            <a:chExt cx="9776658" cy="3369349"/>
           </a:xfrm>
-          <a:custGeom>
-            <a:avLst/>
-            <a:gdLst>
-              <a:gd name="connsiteX0" fmla="*/ 0 w 2598821"/>
-              <a:gd name="connsiteY0" fmla="*/ 2358190 h 2358190"/>
-              <a:gd name="connsiteX1" fmla="*/ 1780674 w 2598821"/>
-              <a:gd name="connsiteY1" fmla="*/ 1690437 h 2358190"/>
-              <a:gd name="connsiteX2" fmla="*/ 2598821 w 2598821"/>
-              <a:gd name="connsiteY2" fmla="*/ 0 h 2358190"/>
-            </a:gdLst>
-            <a:ahLst/>
-            <a:cxnLst>
-              <a:cxn ang="0">
-                <a:pos x="connsiteX0" y="connsiteY0"/>
-              </a:cxn>
-              <a:cxn ang="0">
-                <a:pos x="connsiteX1" y="connsiteY1"/>
-              </a:cxn>
-              <a:cxn ang="0">
-                <a:pos x="connsiteX2" y="connsiteY2"/>
-              </a:cxn>
-            </a:cxnLst>
-            <a:rect l="l" t="t" r="r" b="b"/>
-            <a:pathLst>
-              <a:path w="2598821" h="2358190">
-                <a:moveTo>
-                  <a:pt x="0" y="2358190"/>
-                </a:moveTo>
-                <a:cubicBezTo>
-                  <a:pt x="673768" y="2220829"/>
-                  <a:pt x="1347537" y="2083469"/>
-                  <a:pt x="1780674" y="1690437"/>
-                </a:cubicBezTo>
-                <a:cubicBezTo>
-                  <a:pt x="2213811" y="1297405"/>
-                  <a:pt x="2406316" y="648702"/>
-                  <a:pt x="2598821" y="0"/>
-                </a:cubicBezTo>
-              </a:path>
-            </a:pathLst>
-          </a:custGeom>
-          <a:noFill/>
-          <a:ln w="28575"/>
-        </p:spPr>
-        <p:style>
-          <a:lnRef idx="2">
-            <a:schemeClr val="accent1">
-              <a:shade val="15000"/>
-            </a:schemeClr>
-          </a:lnRef>
-          <a:fillRef idx="1">
-            <a:schemeClr val="accent1"/>
-          </a:fillRef>
-          <a:effectRef idx="0">
-            <a:schemeClr val="accent1"/>
-          </a:effectRef>
-          <a:fontRef idx="minor">
-            <a:schemeClr val="lt1"/>
-          </a:fontRef>
-        </p:style>
-        <p:txBody>
-          <a:bodyPr rtlCol="0" anchor="ctr"/>
-          <a:lstStyle/>
-          <a:p>
-            <a:pPr algn="ctr"/>
-            <a:endParaRPr kumimoji="1" lang="ja-JP" altLang="en-US"/>
-          </a:p>
-        </p:txBody>
-      </p:sp>
-      <p:sp>
-        <p:nvSpPr>
-          <p:cNvPr id="20" name="テキスト ボックス 19">
+        </p:grpSpPr>
+        <p:grpSp>
+          <p:nvGrpSpPr>
+            <p:cNvPr id="14" name="グループ化 13">
+              <a:extLst>
+                <a:ext uri="{FF2B5EF4-FFF2-40B4-BE49-F238E27FC236}">
+                  <a16:creationId xmlns:a16="http://schemas.microsoft.com/office/drawing/2014/main" id="{0810E18E-E01D-FE90-B906-DCB21AAE17C1}"/>
+                </a:ext>
+              </a:extLst>
+            </p:cNvPr>
+            <p:cNvGrpSpPr/>
+            <p:nvPr/>
+          </p:nvGrpSpPr>
+          <p:grpSpPr>
+            <a:xfrm>
+              <a:off x="6367893" y="284282"/>
+              <a:ext cx="4408569" cy="3211915"/>
+              <a:chOff x="3891716" y="203793"/>
+              <a:chExt cx="4408569" cy="3211915"/>
+            </a:xfrm>
+          </p:grpSpPr>
+          <p:grpSp>
+            <p:nvGrpSpPr>
+              <p:cNvPr id="22" name="グループ化 21">
+                <a:extLst>
+                  <a:ext uri="{FF2B5EF4-FFF2-40B4-BE49-F238E27FC236}">
+                    <a16:creationId xmlns:a16="http://schemas.microsoft.com/office/drawing/2014/main" id="{11CC1F62-A7E6-3A0A-02A3-203CA48C494E}"/>
+                  </a:ext>
+                </a:extLst>
+              </p:cNvPr>
+              <p:cNvGrpSpPr/>
+              <p:nvPr/>
+            </p:nvGrpSpPr>
+            <p:grpSpPr>
+              <a:xfrm>
+                <a:off x="3891716" y="203793"/>
+                <a:ext cx="4408569" cy="3211915"/>
+                <a:chOff x="5300915" y="280736"/>
+                <a:chExt cx="4408569" cy="3211915"/>
+              </a:xfrm>
+            </p:grpSpPr>
+            <p:cxnSp>
+              <p:nvCxnSpPr>
+                <p:cNvPr id="4" name="直線矢印コネクタ 3">
+                  <a:extLst>
+                    <a:ext uri="{FF2B5EF4-FFF2-40B4-BE49-F238E27FC236}">
+                      <a16:creationId xmlns:a16="http://schemas.microsoft.com/office/drawing/2014/main" id="{6EBC0BDC-0DE2-15E3-A91E-33BC5352E9D8}"/>
+                    </a:ext>
+                  </a:extLst>
+                </p:cNvPr>
+                <p:cNvCxnSpPr>
+                  <a:cxnSpLocks/>
+                </p:cNvCxnSpPr>
+                <p:nvPr/>
+              </p:nvCxnSpPr>
+              <p:spPr>
+                <a:xfrm flipV="1">
+                  <a:off x="5642811" y="547437"/>
+                  <a:ext cx="0" cy="2791326"/>
+                </a:xfrm>
+                <a:prstGeom prst="straightConnector1">
+                  <a:avLst/>
+                </a:prstGeom>
+                <a:ln w="19050">
+                  <a:solidFill>
+                    <a:schemeClr val="tx1"/>
+                  </a:solidFill>
+                  <a:headEnd type="none" w="med" len="med"/>
+                  <a:tailEnd type="arrow" w="med" len="med"/>
+                </a:ln>
+              </p:spPr>
+              <p:style>
+                <a:lnRef idx="1">
+                  <a:schemeClr val="accent1"/>
+                </a:lnRef>
+                <a:fillRef idx="0">
+                  <a:schemeClr val="accent1"/>
+                </a:fillRef>
+                <a:effectRef idx="0">
+                  <a:schemeClr val="accent1"/>
+                </a:effectRef>
+                <a:fontRef idx="minor">
+                  <a:schemeClr val="tx1"/>
+                </a:fontRef>
+              </p:style>
+            </p:cxnSp>
+            <p:cxnSp>
+              <p:nvCxnSpPr>
+                <p:cNvPr id="6" name="直線矢印コネクタ 5">
+                  <a:extLst>
+                    <a:ext uri="{FF2B5EF4-FFF2-40B4-BE49-F238E27FC236}">
+                      <a16:creationId xmlns:a16="http://schemas.microsoft.com/office/drawing/2014/main" id="{3AAEA0F1-D8D4-5EDC-27FD-1FED2836D4FB}"/>
+                    </a:ext>
+                  </a:extLst>
+                </p:cNvPr>
+                <p:cNvCxnSpPr>
+                  <a:cxnSpLocks/>
+                </p:cNvCxnSpPr>
+                <p:nvPr/>
+              </p:nvCxnSpPr>
+              <p:spPr>
+                <a:xfrm>
+                  <a:off x="5642811" y="3338763"/>
+                  <a:ext cx="3224463" cy="0"/>
+                </a:xfrm>
+                <a:prstGeom prst="straightConnector1">
+                  <a:avLst/>
+                </a:prstGeom>
+                <a:ln w="19050">
+                  <a:solidFill>
+                    <a:schemeClr val="tx1"/>
+                  </a:solidFill>
+                  <a:headEnd type="none" w="med" len="med"/>
+                  <a:tailEnd type="arrow" w="med" len="med"/>
+                </a:ln>
+              </p:spPr>
+              <p:style>
+                <a:lnRef idx="1">
+                  <a:schemeClr val="accent1"/>
+                </a:lnRef>
+                <a:fillRef idx="0">
+                  <a:schemeClr val="accent1"/>
+                </a:fillRef>
+                <a:effectRef idx="0">
+                  <a:schemeClr val="accent1"/>
+                </a:effectRef>
+                <a:fontRef idx="minor">
+                  <a:schemeClr val="tx1"/>
+                </a:fontRef>
+              </p:style>
+            </p:cxnSp>
+            <p:sp>
+              <p:nvSpPr>
+                <p:cNvPr id="9" name="テキスト ボックス 8">
+                  <a:extLst>
+                    <a:ext uri="{FF2B5EF4-FFF2-40B4-BE49-F238E27FC236}">
+                      <a16:creationId xmlns:a16="http://schemas.microsoft.com/office/drawing/2014/main" id="{BD24DEA5-C22E-3061-B831-0E1BCB52E13F}"/>
+                    </a:ext>
+                  </a:extLst>
+                </p:cNvPr>
+                <p:cNvSpPr txBox="1"/>
+                <p:nvPr/>
+              </p:nvSpPr>
+              <p:spPr>
+                <a:xfrm>
+                  <a:off x="5300915" y="280736"/>
+                  <a:ext cx="683792" cy="307777"/>
+                </a:xfrm>
+                <a:prstGeom prst="rect">
+                  <a:avLst/>
+                </a:prstGeom>
+                <a:noFill/>
+              </p:spPr>
+              <p:txBody>
+                <a:bodyPr wrap="square" rtlCol="0">
+                  <a:spAutoFit/>
+                </a:bodyPr>
+                <a:lstStyle/>
+                <a:p>
+                  <a:pPr algn="ctr"/>
+                  <a:r>
+                    <a:rPr lang="ja-JP" altLang="en-US" sz="1400" dirty="0"/>
+                    <a:t>賃金</a:t>
+                  </a:r>
+                  <a:endParaRPr kumimoji="1" lang="ja-JP" altLang="en-US" sz="1400" dirty="0"/>
+                </a:p>
+              </p:txBody>
+            </p:sp>
+            <p:sp>
+              <p:nvSpPr>
+                <p:cNvPr id="10" name="テキスト ボックス 9">
+                  <a:extLst>
+                    <a:ext uri="{FF2B5EF4-FFF2-40B4-BE49-F238E27FC236}">
+                      <a16:creationId xmlns:a16="http://schemas.microsoft.com/office/drawing/2014/main" id="{9772673E-0DF8-0C1D-2377-BEB6BD821559}"/>
+                    </a:ext>
+                  </a:extLst>
+                </p:cNvPr>
+                <p:cNvSpPr txBox="1"/>
+                <p:nvPr/>
+              </p:nvSpPr>
+              <p:spPr>
+                <a:xfrm>
+                  <a:off x="8867274" y="3184874"/>
+                  <a:ext cx="842210" cy="307777"/>
+                </a:xfrm>
+                <a:prstGeom prst="rect">
+                  <a:avLst/>
+                </a:prstGeom>
+                <a:noFill/>
+              </p:spPr>
+              <p:txBody>
+                <a:bodyPr wrap="square" rtlCol="0">
+                  <a:spAutoFit/>
+                </a:bodyPr>
+                <a:lstStyle/>
+                <a:p>
+                  <a:pPr algn="ctr"/>
+                  <a:r>
+                    <a:rPr kumimoji="1" lang="ja-JP" altLang="en-US" sz="1400" dirty="0"/>
+                    <a:t>雇用量</a:t>
+                  </a:r>
+                </a:p>
+              </p:txBody>
+            </p:sp>
+            <p:sp>
+              <p:nvSpPr>
+                <p:cNvPr id="18" name="フリーフォーム: 図形 17">
+                  <a:extLst>
+                    <a:ext uri="{FF2B5EF4-FFF2-40B4-BE49-F238E27FC236}">
+                      <a16:creationId xmlns:a16="http://schemas.microsoft.com/office/drawing/2014/main" id="{5B7248D9-0AE9-A3AA-F1BC-2F98189F7C10}"/>
+                    </a:ext>
+                  </a:extLst>
+                </p:cNvPr>
+                <p:cNvSpPr/>
+                <p:nvPr/>
+              </p:nvSpPr>
+              <p:spPr>
+                <a:xfrm>
+                  <a:off x="5874419" y="937946"/>
+                  <a:ext cx="2761248" cy="2051384"/>
+                </a:xfrm>
+                <a:custGeom>
+                  <a:avLst/>
+                  <a:gdLst>
+                    <a:gd name="connsiteX0" fmla="*/ 0 w 2761248"/>
+                    <a:gd name="connsiteY0" fmla="*/ 0 h 2051384"/>
+                    <a:gd name="connsiteX1" fmla="*/ 842211 w 2761248"/>
+                    <a:gd name="connsiteY1" fmla="*/ 1606216 h 2051384"/>
+                    <a:gd name="connsiteX2" fmla="*/ 2761248 w 2761248"/>
+                    <a:gd name="connsiteY2" fmla="*/ 2051384 h 2051384"/>
+                  </a:gdLst>
+                  <a:ahLst/>
+                  <a:cxnLst>
+                    <a:cxn ang="0">
+                      <a:pos x="connsiteX0" y="connsiteY0"/>
+                    </a:cxn>
+                    <a:cxn ang="0">
+                      <a:pos x="connsiteX1" y="connsiteY1"/>
+                    </a:cxn>
+                    <a:cxn ang="0">
+                      <a:pos x="connsiteX2" y="connsiteY2"/>
+                    </a:cxn>
+                  </a:cxnLst>
+                  <a:rect l="l" t="t" r="r" b="b"/>
+                  <a:pathLst>
+                    <a:path w="2761248" h="2051384">
+                      <a:moveTo>
+                        <a:pt x="0" y="0"/>
+                      </a:moveTo>
+                      <a:cubicBezTo>
+                        <a:pt x="191001" y="632159"/>
+                        <a:pt x="382003" y="1264319"/>
+                        <a:pt x="842211" y="1606216"/>
+                      </a:cubicBezTo>
+                      <a:cubicBezTo>
+                        <a:pt x="1302419" y="1948113"/>
+                        <a:pt x="2031833" y="1999748"/>
+                        <a:pt x="2761248" y="2051384"/>
+                      </a:cubicBezTo>
+                    </a:path>
+                  </a:pathLst>
+                </a:custGeom>
+                <a:noFill/>
+                <a:ln w="28575"/>
+              </p:spPr>
+              <p:style>
+                <a:lnRef idx="2">
+                  <a:schemeClr val="accent1">
+                    <a:shade val="15000"/>
+                  </a:schemeClr>
+                </a:lnRef>
+                <a:fillRef idx="1">
+                  <a:schemeClr val="accent1"/>
+                </a:fillRef>
+                <a:effectRef idx="0">
+                  <a:schemeClr val="accent1"/>
+                </a:effectRef>
+                <a:fontRef idx="minor">
+                  <a:schemeClr val="lt1"/>
+                </a:fontRef>
+              </p:style>
+              <p:txBody>
+                <a:bodyPr rtlCol="0" anchor="ctr"/>
+                <a:lstStyle/>
+                <a:p>
+                  <a:pPr algn="ctr"/>
+                  <a:endParaRPr kumimoji="1" lang="ja-JP" altLang="en-US"/>
+                </a:p>
+              </p:txBody>
+            </p:sp>
+            <p:sp>
+              <p:nvSpPr>
+                <p:cNvPr id="19" name="フリーフォーム: 図形 18">
+                  <a:extLst>
+                    <a:ext uri="{FF2B5EF4-FFF2-40B4-BE49-F238E27FC236}">
+                      <a16:creationId xmlns:a16="http://schemas.microsoft.com/office/drawing/2014/main" id="{DC46BCA3-85CE-06F6-075A-F4F69BEF8436}"/>
+                    </a:ext>
+                  </a:extLst>
+                </p:cNvPr>
+                <p:cNvSpPr/>
+                <p:nvPr/>
+              </p:nvSpPr>
+              <p:spPr>
+                <a:xfrm>
+                  <a:off x="5883442" y="757989"/>
+                  <a:ext cx="2598821" cy="2358190"/>
+                </a:xfrm>
+                <a:custGeom>
+                  <a:avLst/>
+                  <a:gdLst>
+                    <a:gd name="connsiteX0" fmla="*/ 0 w 2598821"/>
+                    <a:gd name="connsiteY0" fmla="*/ 2358190 h 2358190"/>
+                    <a:gd name="connsiteX1" fmla="*/ 1780674 w 2598821"/>
+                    <a:gd name="connsiteY1" fmla="*/ 1690437 h 2358190"/>
+                    <a:gd name="connsiteX2" fmla="*/ 2598821 w 2598821"/>
+                    <a:gd name="connsiteY2" fmla="*/ 0 h 2358190"/>
+                  </a:gdLst>
+                  <a:ahLst/>
+                  <a:cxnLst>
+                    <a:cxn ang="0">
+                      <a:pos x="connsiteX0" y="connsiteY0"/>
+                    </a:cxn>
+                    <a:cxn ang="0">
+                      <a:pos x="connsiteX1" y="connsiteY1"/>
+                    </a:cxn>
+                    <a:cxn ang="0">
+                      <a:pos x="connsiteX2" y="connsiteY2"/>
+                    </a:cxn>
+                  </a:cxnLst>
+                  <a:rect l="l" t="t" r="r" b="b"/>
+                  <a:pathLst>
+                    <a:path w="2598821" h="2358190">
+                      <a:moveTo>
+                        <a:pt x="0" y="2358190"/>
+                      </a:moveTo>
+                      <a:cubicBezTo>
+                        <a:pt x="673768" y="2220829"/>
+                        <a:pt x="1347537" y="2083469"/>
+                        <a:pt x="1780674" y="1690437"/>
+                      </a:cubicBezTo>
+                      <a:cubicBezTo>
+                        <a:pt x="2213811" y="1297405"/>
+                        <a:pt x="2406316" y="648702"/>
+                        <a:pt x="2598821" y="0"/>
+                      </a:cubicBezTo>
+                    </a:path>
+                  </a:pathLst>
+                </a:custGeom>
+                <a:noFill/>
+                <a:ln w="28575"/>
+              </p:spPr>
+              <p:style>
+                <a:lnRef idx="2">
+                  <a:schemeClr val="accent1">
+                    <a:shade val="15000"/>
+                  </a:schemeClr>
+                </a:lnRef>
+                <a:fillRef idx="1">
+                  <a:schemeClr val="accent1"/>
+                </a:fillRef>
+                <a:effectRef idx="0">
+                  <a:schemeClr val="accent1"/>
+                </a:effectRef>
+                <a:fontRef idx="minor">
+                  <a:schemeClr val="lt1"/>
+                </a:fontRef>
+              </p:style>
+              <p:txBody>
+                <a:bodyPr rtlCol="0" anchor="ctr"/>
+                <a:lstStyle/>
+                <a:p>
+                  <a:pPr algn="ctr"/>
+                  <a:endParaRPr kumimoji="1" lang="ja-JP" altLang="en-US"/>
+                </a:p>
+              </p:txBody>
+            </p:sp>
+            <p:sp>
+              <p:nvSpPr>
+                <p:cNvPr id="20" name="テキスト ボックス 19">
+                  <a:extLst>
+                    <a:ext uri="{FF2B5EF4-FFF2-40B4-BE49-F238E27FC236}">
+                      <a16:creationId xmlns:a16="http://schemas.microsoft.com/office/drawing/2014/main" id="{261F5E52-B942-25A5-3531-991414123D90}"/>
+                    </a:ext>
+                  </a:extLst>
+                </p:cNvPr>
+                <p:cNvSpPr txBox="1"/>
+                <p:nvPr/>
+              </p:nvSpPr>
+              <p:spPr>
+                <a:xfrm>
+                  <a:off x="8635667" y="2835442"/>
+                  <a:ext cx="842210" cy="307777"/>
+                </a:xfrm>
+                <a:prstGeom prst="rect">
+                  <a:avLst/>
+                </a:prstGeom>
+                <a:noFill/>
+              </p:spPr>
+              <p:txBody>
+                <a:bodyPr wrap="square" rtlCol="0">
+                  <a:spAutoFit/>
+                </a:bodyPr>
+                <a:lstStyle/>
+                <a:p>
+                  <a:pPr algn="ctr"/>
+                  <a:r>
+                    <a:rPr kumimoji="1" lang="ja-JP" altLang="en-US" sz="1400" dirty="0"/>
+                    <a:t>需要</a:t>
+                  </a:r>
+                </a:p>
+              </p:txBody>
+            </p:sp>
+            <p:sp>
+              <p:nvSpPr>
+                <p:cNvPr id="21" name="テキスト ボックス 20">
+                  <a:extLst>
+                    <a:ext uri="{FF2B5EF4-FFF2-40B4-BE49-F238E27FC236}">
+                      <a16:creationId xmlns:a16="http://schemas.microsoft.com/office/drawing/2014/main" id="{91B0D974-B910-9893-0B04-75221F1639AD}"/>
+                    </a:ext>
+                  </a:extLst>
+                </p:cNvPr>
+                <p:cNvSpPr txBox="1"/>
+                <p:nvPr/>
+              </p:nvSpPr>
+              <p:spPr>
+                <a:xfrm>
+                  <a:off x="8410074" y="604100"/>
+                  <a:ext cx="842210" cy="307777"/>
+                </a:xfrm>
+                <a:prstGeom prst="rect">
+                  <a:avLst/>
+                </a:prstGeom>
+                <a:noFill/>
+              </p:spPr>
+              <p:txBody>
+                <a:bodyPr wrap="square" rtlCol="0">
+                  <a:spAutoFit/>
+                </a:bodyPr>
+                <a:lstStyle/>
+                <a:p>
+                  <a:pPr algn="ctr"/>
+                  <a:r>
+                    <a:rPr kumimoji="1" lang="ja-JP" altLang="en-US" sz="1400" dirty="0"/>
+                    <a:t>供給</a:t>
+                  </a:r>
+                </a:p>
+              </p:txBody>
+            </p:sp>
+          </p:grpSp>
+          <p:cxnSp>
+            <p:nvCxnSpPr>
+              <p:cNvPr id="3" name="直線矢印コネクタ 2">
+                <a:extLst>
+                  <a:ext uri="{FF2B5EF4-FFF2-40B4-BE49-F238E27FC236}">
+                    <a16:creationId xmlns:a16="http://schemas.microsoft.com/office/drawing/2014/main" id="{2B0333E5-C686-492E-2264-128F9C8523BD}"/>
+                  </a:ext>
+                </a:extLst>
+              </p:cNvPr>
+              <p:cNvCxnSpPr>
+                <a:cxnSpLocks/>
+              </p:cNvCxnSpPr>
+              <p:nvPr/>
+            </p:nvCxnSpPr>
+            <p:spPr>
+              <a:xfrm>
+                <a:off x="4575508" y="1169043"/>
+                <a:ext cx="2351940" cy="0"/>
+              </a:xfrm>
+              <a:prstGeom prst="straightConnector1">
+                <a:avLst/>
+              </a:prstGeom>
+              <a:ln w="38100">
+                <a:solidFill>
+                  <a:schemeClr val="accent5">
+                    <a:lumMod val="75000"/>
+                  </a:schemeClr>
+                </a:solidFill>
+                <a:headEnd type="arrow" w="med" len="med"/>
+                <a:tailEnd type="arrow" w="med" len="med"/>
+              </a:ln>
+            </p:spPr>
+            <p:style>
+              <a:lnRef idx="1">
+                <a:schemeClr val="accent1"/>
+              </a:lnRef>
+              <a:fillRef idx="0">
+                <a:schemeClr val="accent1"/>
+              </a:fillRef>
+              <a:effectRef idx="0">
+                <a:schemeClr val="accent1"/>
+              </a:effectRef>
+              <a:fontRef idx="minor">
+                <a:schemeClr val="tx1"/>
+              </a:fontRef>
+            </p:style>
+          </p:cxnSp>
+          <p:sp>
+            <p:nvSpPr>
+              <p:cNvPr id="7" name="テキスト ボックス 6">
+                <a:extLst>
+                  <a:ext uri="{FF2B5EF4-FFF2-40B4-BE49-F238E27FC236}">
+                    <a16:creationId xmlns:a16="http://schemas.microsoft.com/office/drawing/2014/main" id="{EAAFAF7F-F2DD-9317-E17F-6E5B4E0131C9}"/>
+                  </a:ext>
+                </a:extLst>
+              </p:cNvPr>
+              <p:cNvSpPr txBox="1"/>
+              <p:nvPr/>
+            </p:nvSpPr>
+            <p:spPr>
+              <a:xfrm>
+                <a:off x="5352548" y="861266"/>
+                <a:ext cx="842210" cy="307777"/>
+              </a:xfrm>
+              <a:prstGeom prst="rect">
+                <a:avLst/>
+              </a:prstGeom>
+              <a:noFill/>
+            </p:spPr>
+            <p:txBody>
+              <a:bodyPr wrap="square" rtlCol="0">
+                <a:spAutoFit/>
+              </a:bodyPr>
+              <a:lstStyle/>
+              <a:p>
+                <a:pPr algn="ctr"/>
+                <a:r>
+                  <a:rPr lang="ja-JP" altLang="en-US" sz="1400" dirty="0"/>
+                  <a:t>失業</a:t>
+                </a:r>
+                <a:endParaRPr kumimoji="1" lang="ja-JP" altLang="en-US" sz="1400" dirty="0"/>
+              </a:p>
+            </p:txBody>
+          </p:sp>
+          <p:cxnSp>
+            <p:nvCxnSpPr>
+              <p:cNvPr id="8" name="直線矢印コネクタ 7">
+                <a:extLst>
+                  <a:ext uri="{FF2B5EF4-FFF2-40B4-BE49-F238E27FC236}">
+                    <a16:creationId xmlns:a16="http://schemas.microsoft.com/office/drawing/2014/main" id="{39725B92-9252-1BF1-D3EA-19A4470032D1}"/>
+                  </a:ext>
+                </a:extLst>
+              </p:cNvPr>
+              <p:cNvCxnSpPr>
+                <a:cxnSpLocks/>
+              </p:cNvCxnSpPr>
+              <p:nvPr/>
+            </p:nvCxnSpPr>
+            <p:spPr>
+              <a:xfrm>
+                <a:off x="5301205" y="2845724"/>
+                <a:ext cx="1099595" cy="2973"/>
+              </a:xfrm>
+              <a:prstGeom prst="straightConnector1">
+                <a:avLst/>
+              </a:prstGeom>
+              <a:ln w="38100">
+                <a:solidFill>
+                  <a:schemeClr val="accent5">
+                    <a:lumMod val="75000"/>
+                  </a:schemeClr>
+                </a:solidFill>
+                <a:headEnd type="arrow" w="med" len="med"/>
+                <a:tailEnd type="arrow" w="med" len="med"/>
+              </a:ln>
+            </p:spPr>
+            <p:style>
+              <a:lnRef idx="1">
+                <a:schemeClr val="accent1"/>
+              </a:lnRef>
+              <a:fillRef idx="0">
+                <a:schemeClr val="accent1"/>
+              </a:fillRef>
+              <a:effectRef idx="0">
+                <a:schemeClr val="accent1"/>
+              </a:effectRef>
+              <a:fontRef idx="minor">
+                <a:schemeClr val="tx1"/>
+              </a:fontRef>
+            </p:style>
+          </p:cxnSp>
+          <p:sp>
+            <p:nvSpPr>
+              <p:cNvPr id="11" name="テキスト ボックス 10">
+                <a:extLst>
+                  <a:ext uri="{FF2B5EF4-FFF2-40B4-BE49-F238E27FC236}">
+                    <a16:creationId xmlns:a16="http://schemas.microsoft.com/office/drawing/2014/main" id="{0CF57896-E2EA-E410-95AF-A7AA14F7AD92}"/>
+                  </a:ext>
+                </a:extLst>
+              </p:cNvPr>
+              <p:cNvSpPr txBox="1"/>
+              <p:nvPr/>
+            </p:nvSpPr>
+            <p:spPr>
+              <a:xfrm>
+                <a:off x="5424738" y="2857674"/>
+                <a:ext cx="842210" cy="307777"/>
+              </a:xfrm>
+              <a:prstGeom prst="rect">
+                <a:avLst/>
+              </a:prstGeom>
+              <a:noFill/>
+            </p:spPr>
+            <p:txBody>
+              <a:bodyPr wrap="square" rtlCol="0">
+                <a:spAutoFit/>
+              </a:bodyPr>
+              <a:lstStyle/>
+              <a:p>
+                <a:pPr algn="ctr"/>
+                <a:r>
+                  <a:rPr kumimoji="1" lang="ja-JP" altLang="en-US" sz="1400" dirty="0"/>
+                  <a:t>欠員</a:t>
+                </a:r>
+              </a:p>
+            </p:txBody>
+          </p:sp>
+        </p:grpSp>
+        <p:grpSp>
+          <p:nvGrpSpPr>
+            <p:cNvPr id="17" name="グループ化 16">
+              <a:extLst>
+                <a:ext uri="{FF2B5EF4-FFF2-40B4-BE49-F238E27FC236}">
+                  <a16:creationId xmlns:a16="http://schemas.microsoft.com/office/drawing/2014/main" id="{0E5B698F-6974-951B-E2A0-DBCC6CED278C}"/>
+                </a:ext>
+              </a:extLst>
+            </p:cNvPr>
+            <p:cNvGrpSpPr/>
+            <p:nvPr/>
+          </p:nvGrpSpPr>
+          <p:grpSpPr>
+            <a:xfrm>
+              <a:off x="999804" y="126848"/>
+              <a:ext cx="4408569" cy="3365803"/>
+              <a:chOff x="3891716" y="203793"/>
+              <a:chExt cx="4408569" cy="3365803"/>
+            </a:xfrm>
+          </p:grpSpPr>
+          <p:grpSp>
+            <p:nvGrpSpPr>
+              <p:cNvPr id="23" name="グループ化 22">
+                <a:extLst>
+                  <a:ext uri="{FF2B5EF4-FFF2-40B4-BE49-F238E27FC236}">
+                    <a16:creationId xmlns:a16="http://schemas.microsoft.com/office/drawing/2014/main" id="{C9E2A064-F119-A5D6-CE00-CF24F0CA2EC0}"/>
+                  </a:ext>
+                </a:extLst>
+              </p:cNvPr>
+              <p:cNvGrpSpPr/>
+              <p:nvPr/>
+            </p:nvGrpSpPr>
+            <p:grpSpPr>
+              <a:xfrm>
+                <a:off x="3891716" y="203793"/>
+                <a:ext cx="4408569" cy="3211915"/>
+                <a:chOff x="5300915" y="280736"/>
+                <a:chExt cx="4408569" cy="3211915"/>
+              </a:xfrm>
+            </p:grpSpPr>
+            <p:cxnSp>
+              <p:nvCxnSpPr>
+                <p:cNvPr id="28" name="直線矢印コネクタ 27">
+                  <a:extLst>
+                    <a:ext uri="{FF2B5EF4-FFF2-40B4-BE49-F238E27FC236}">
+                      <a16:creationId xmlns:a16="http://schemas.microsoft.com/office/drawing/2014/main" id="{3279FED1-48DE-2DB0-63FE-839BB9E4CFA3}"/>
+                    </a:ext>
+                  </a:extLst>
+                </p:cNvPr>
+                <p:cNvCxnSpPr>
+                  <a:cxnSpLocks/>
+                </p:cNvCxnSpPr>
+                <p:nvPr/>
+              </p:nvCxnSpPr>
+              <p:spPr>
+                <a:xfrm flipV="1">
+                  <a:off x="5642811" y="547437"/>
+                  <a:ext cx="0" cy="2791326"/>
+                </a:xfrm>
+                <a:prstGeom prst="straightConnector1">
+                  <a:avLst/>
+                </a:prstGeom>
+                <a:ln w="19050">
+                  <a:solidFill>
+                    <a:schemeClr val="tx1"/>
+                  </a:solidFill>
+                  <a:headEnd type="none" w="med" len="med"/>
+                  <a:tailEnd type="arrow" w="med" len="med"/>
+                </a:ln>
+              </p:spPr>
+              <p:style>
+                <a:lnRef idx="1">
+                  <a:schemeClr val="accent1"/>
+                </a:lnRef>
+                <a:fillRef idx="0">
+                  <a:schemeClr val="accent1"/>
+                </a:fillRef>
+                <a:effectRef idx="0">
+                  <a:schemeClr val="accent1"/>
+                </a:effectRef>
+                <a:fontRef idx="minor">
+                  <a:schemeClr val="tx1"/>
+                </a:fontRef>
+              </p:style>
+            </p:cxnSp>
+            <p:cxnSp>
+              <p:nvCxnSpPr>
+                <p:cNvPr id="29" name="直線矢印コネクタ 28">
+                  <a:extLst>
+                    <a:ext uri="{FF2B5EF4-FFF2-40B4-BE49-F238E27FC236}">
+                      <a16:creationId xmlns:a16="http://schemas.microsoft.com/office/drawing/2014/main" id="{EAAC411C-48DA-7963-3C83-C63AC7E43BC1}"/>
+                    </a:ext>
+                  </a:extLst>
+                </p:cNvPr>
+                <p:cNvCxnSpPr>
+                  <a:cxnSpLocks/>
+                </p:cNvCxnSpPr>
+                <p:nvPr/>
+              </p:nvCxnSpPr>
+              <p:spPr>
+                <a:xfrm>
+                  <a:off x="5642811" y="3338763"/>
+                  <a:ext cx="3224463" cy="0"/>
+                </a:xfrm>
+                <a:prstGeom prst="straightConnector1">
+                  <a:avLst/>
+                </a:prstGeom>
+                <a:ln w="19050">
+                  <a:solidFill>
+                    <a:schemeClr val="tx1"/>
+                  </a:solidFill>
+                  <a:headEnd type="none" w="med" len="med"/>
+                  <a:tailEnd type="arrow" w="med" len="med"/>
+                </a:ln>
+              </p:spPr>
+              <p:style>
+                <a:lnRef idx="1">
+                  <a:schemeClr val="accent1"/>
+                </a:lnRef>
+                <a:fillRef idx="0">
+                  <a:schemeClr val="accent1"/>
+                </a:fillRef>
+                <a:effectRef idx="0">
+                  <a:schemeClr val="accent1"/>
+                </a:effectRef>
+                <a:fontRef idx="minor">
+                  <a:schemeClr val="tx1"/>
+                </a:fontRef>
+              </p:style>
+            </p:cxnSp>
+            <p:sp>
+              <p:nvSpPr>
+                <p:cNvPr id="30" name="テキスト ボックス 29">
+                  <a:extLst>
+                    <a:ext uri="{FF2B5EF4-FFF2-40B4-BE49-F238E27FC236}">
+                      <a16:creationId xmlns:a16="http://schemas.microsoft.com/office/drawing/2014/main" id="{A12DE031-E2FF-1624-A4BC-439C1B993B21}"/>
+                    </a:ext>
+                  </a:extLst>
+                </p:cNvPr>
+                <p:cNvSpPr txBox="1"/>
+                <p:nvPr/>
+              </p:nvSpPr>
+              <p:spPr>
+                <a:xfrm>
+                  <a:off x="5300915" y="280736"/>
+                  <a:ext cx="683792" cy="307777"/>
+                </a:xfrm>
+                <a:prstGeom prst="rect">
+                  <a:avLst/>
+                </a:prstGeom>
+                <a:noFill/>
+              </p:spPr>
+              <p:txBody>
+                <a:bodyPr wrap="square" rtlCol="0">
+                  <a:spAutoFit/>
+                </a:bodyPr>
+                <a:lstStyle/>
+                <a:p>
+                  <a:pPr algn="ctr"/>
+                  <a:r>
+                    <a:rPr lang="ja-JP" altLang="en-US" sz="1400" dirty="0"/>
+                    <a:t>賃金</a:t>
+                  </a:r>
+                  <a:endParaRPr kumimoji="1" lang="ja-JP" altLang="en-US" sz="1400" dirty="0"/>
+                </a:p>
+              </p:txBody>
+            </p:sp>
+            <p:sp>
+              <p:nvSpPr>
+                <p:cNvPr id="31" name="テキスト ボックス 30">
+                  <a:extLst>
+                    <a:ext uri="{FF2B5EF4-FFF2-40B4-BE49-F238E27FC236}">
+                      <a16:creationId xmlns:a16="http://schemas.microsoft.com/office/drawing/2014/main" id="{D006CDEA-EC57-C3F2-27E6-A3B70B6F5178}"/>
+                    </a:ext>
+                  </a:extLst>
+                </p:cNvPr>
+                <p:cNvSpPr txBox="1"/>
+                <p:nvPr/>
+              </p:nvSpPr>
+              <p:spPr>
+                <a:xfrm>
+                  <a:off x="8867274" y="3184874"/>
+                  <a:ext cx="842210" cy="307777"/>
+                </a:xfrm>
+                <a:prstGeom prst="rect">
+                  <a:avLst/>
+                </a:prstGeom>
+                <a:noFill/>
+              </p:spPr>
+              <p:txBody>
+                <a:bodyPr wrap="square" rtlCol="0">
+                  <a:spAutoFit/>
+                </a:bodyPr>
+                <a:lstStyle/>
+                <a:p>
+                  <a:pPr algn="ctr"/>
+                  <a:r>
+                    <a:rPr kumimoji="1" lang="ja-JP" altLang="en-US" sz="1400" dirty="0"/>
+                    <a:t>雇用量</a:t>
+                  </a:r>
+                </a:p>
+              </p:txBody>
+            </p:sp>
+            <p:sp>
+              <p:nvSpPr>
+                <p:cNvPr id="32" name="フリーフォーム: 図形 31">
+                  <a:extLst>
+                    <a:ext uri="{FF2B5EF4-FFF2-40B4-BE49-F238E27FC236}">
+                      <a16:creationId xmlns:a16="http://schemas.microsoft.com/office/drawing/2014/main" id="{D8D2B626-0247-4855-D8CB-0D1D27918EE7}"/>
+                    </a:ext>
+                  </a:extLst>
+                </p:cNvPr>
+                <p:cNvSpPr/>
+                <p:nvPr/>
+              </p:nvSpPr>
+              <p:spPr>
+                <a:xfrm>
+                  <a:off x="5874419" y="937946"/>
+                  <a:ext cx="2761248" cy="2051384"/>
+                </a:xfrm>
+                <a:custGeom>
+                  <a:avLst/>
+                  <a:gdLst>
+                    <a:gd name="connsiteX0" fmla="*/ 0 w 2761248"/>
+                    <a:gd name="connsiteY0" fmla="*/ 0 h 2051384"/>
+                    <a:gd name="connsiteX1" fmla="*/ 842211 w 2761248"/>
+                    <a:gd name="connsiteY1" fmla="*/ 1606216 h 2051384"/>
+                    <a:gd name="connsiteX2" fmla="*/ 2761248 w 2761248"/>
+                    <a:gd name="connsiteY2" fmla="*/ 2051384 h 2051384"/>
+                  </a:gdLst>
+                  <a:ahLst/>
+                  <a:cxnLst>
+                    <a:cxn ang="0">
+                      <a:pos x="connsiteX0" y="connsiteY0"/>
+                    </a:cxn>
+                    <a:cxn ang="0">
+                      <a:pos x="connsiteX1" y="connsiteY1"/>
+                    </a:cxn>
+                    <a:cxn ang="0">
+                      <a:pos x="connsiteX2" y="connsiteY2"/>
+                    </a:cxn>
+                  </a:cxnLst>
+                  <a:rect l="l" t="t" r="r" b="b"/>
+                  <a:pathLst>
+                    <a:path w="2761248" h="2051384">
+                      <a:moveTo>
+                        <a:pt x="0" y="0"/>
+                      </a:moveTo>
+                      <a:cubicBezTo>
+                        <a:pt x="191001" y="632159"/>
+                        <a:pt x="382003" y="1264319"/>
+                        <a:pt x="842211" y="1606216"/>
+                      </a:cubicBezTo>
+                      <a:cubicBezTo>
+                        <a:pt x="1302419" y="1948113"/>
+                        <a:pt x="2031833" y="1999748"/>
+                        <a:pt x="2761248" y="2051384"/>
+                      </a:cubicBezTo>
+                    </a:path>
+                  </a:pathLst>
+                </a:custGeom>
+                <a:noFill/>
+                <a:ln w="28575"/>
+              </p:spPr>
+              <p:style>
+                <a:lnRef idx="2">
+                  <a:schemeClr val="accent1">
+                    <a:shade val="15000"/>
+                  </a:schemeClr>
+                </a:lnRef>
+                <a:fillRef idx="1">
+                  <a:schemeClr val="accent1"/>
+                </a:fillRef>
+                <a:effectRef idx="0">
+                  <a:schemeClr val="accent1"/>
+                </a:effectRef>
+                <a:fontRef idx="minor">
+                  <a:schemeClr val="lt1"/>
+                </a:fontRef>
+              </p:style>
+              <p:txBody>
+                <a:bodyPr rtlCol="0" anchor="ctr"/>
+                <a:lstStyle/>
+                <a:p>
+                  <a:pPr algn="ctr"/>
+                  <a:endParaRPr kumimoji="1" lang="ja-JP" altLang="en-US"/>
+                </a:p>
+              </p:txBody>
+            </p:sp>
+            <p:sp>
+              <p:nvSpPr>
+                <p:cNvPr id="33" name="フリーフォーム: 図形 32">
+                  <a:extLst>
+                    <a:ext uri="{FF2B5EF4-FFF2-40B4-BE49-F238E27FC236}">
+                      <a16:creationId xmlns:a16="http://schemas.microsoft.com/office/drawing/2014/main" id="{34612974-8443-4134-780F-A73B1E05E996}"/>
+                    </a:ext>
+                  </a:extLst>
+                </p:cNvPr>
+                <p:cNvSpPr/>
+                <p:nvPr/>
+              </p:nvSpPr>
+              <p:spPr>
+                <a:xfrm>
+                  <a:off x="5883442" y="757989"/>
+                  <a:ext cx="2598821" cy="2358190"/>
+                </a:xfrm>
+                <a:custGeom>
+                  <a:avLst/>
+                  <a:gdLst>
+                    <a:gd name="connsiteX0" fmla="*/ 0 w 2598821"/>
+                    <a:gd name="connsiteY0" fmla="*/ 2358190 h 2358190"/>
+                    <a:gd name="connsiteX1" fmla="*/ 1780674 w 2598821"/>
+                    <a:gd name="connsiteY1" fmla="*/ 1690437 h 2358190"/>
+                    <a:gd name="connsiteX2" fmla="*/ 2598821 w 2598821"/>
+                    <a:gd name="connsiteY2" fmla="*/ 0 h 2358190"/>
+                  </a:gdLst>
+                  <a:ahLst/>
+                  <a:cxnLst>
+                    <a:cxn ang="0">
+                      <a:pos x="connsiteX0" y="connsiteY0"/>
+                    </a:cxn>
+                    <a:cxn ang="0">
+                      <a:pos x="connsiteX1" y="connsiteY1"/>
+                    </a:cxn>
+                    <a:cxn ang="0">
+                      <a:pos x="connsiteX2" y="connsiteY2"/>
+                    </a:cxn>
+                  </a:cxnLst>
+                  <a:rect l="l" t="t" r="r" b="b"/>
+                  <a:pathLst>
+                    <a:path w="2598821" h="2358190">
+                      <a:moveTo>
+                        <a:pt x="0" y="2358190"/>
+                      </a:moveTo>
+                      <a:cubicBezTo>
+                        <a:pt x="673768" y="2220829"/>
+                        <a:pt x="1347537" y="2083469"/>
+                        <a:pt x="1780674" y="1690437"/>
+                      </a:cubicBezTo>
+                      <a:cubicBezTo>
+                        <a:pt x="2213811" y="1297405"/>
+                        <a:pt x="2406316" y="648702"/>
+                        <a:pt x="2598821" y="0"/>
+                      </a:cubicBezTo>
+                    </a:path>
+                  </a:pathLst>
+                </a:custGeom>
+                <a:noFill/>
+                <a:ln w="28575"/>
+              </p:spPr>
+              <p:style>
+                <a:lnRef idx="2">
+                  <a:schemeClr val="accent1">
+                    <a:shade val="15000"/>
+                  </a:schemeClr>
+                </a:lnRef>
+                <a:fillRef idx="1">
+                  <a:schemeClr val="accent1"/>
+                </a:fillRef>
+                <a:effectRef idx="0">
+                  <a:schemeClr val="accent1"/>
+                </a:effectRef>
+                <a:fontRef idx="minor">
+                  <a:schemeClr val="lt1"/>
+                </a:fontRef>
+              </p:style>
+              <p:txBody>
+                <a:bodyPr rtlCol="0" anchor="ctr"/>
+                <a:lstStyle/>
+                <a:p>
+                  <a:pPr algn="ctr"/>
+                  <a:endParaRPr kumimoji="1" lang="ja-JP" altLang="en-US"/>
+                </a:p>
+              </p:txBody>
+            </p:sp>
+            <p:sp>
+              <p:nvSpPr>
+                <p:cNvPr id="34" name="テキスト ボックス 33">
+                  <a:extLst>
+                    <a:ext uri="{FF2B5EF4-FFF2-40B4-BE49-F238E27FC236}">
+                      <a16:creationId xmlns:a16="http://schemas.microsoft.com/office/drawing/2014/main" id="{EA178F57-B545-570A-F386-79557B85DBFE}"/>
+                    </a:ext>
+                  </a:extLst>
+                </p:cNvPr>
+                <p:cNvSpPr txBox="1"/>
+                <p:nvPr/>
+              </p:nvSpPr>
+              <p:spPr>
+                <a:xfrm>
+                  <a:off x="8635667" y="2835442"/>
+                  <a:ext cx="842210" cy="307777"/>
+                </a:xfrm>
+                <a:prstGeom prst="rect">
+                  <a:avLst/>
+                </a:prstGeom>
+                <a:noFill/>
+              </p:spPr>
+              <p:txBody>
+                <a:bodyPr wrap="square" rtlCol="0">
+                  <a:spAutoFit/>
+                </a:bodyPr>
+                <a:lstStyle/>
+                <a:p>
+                  <a:pPr algn="ctr"/>
+                  <a:r>
+                    <a:rPr kumimoji="1" lang="ja-JP" altLang="en-US" sz="1400" dirty="0"/>
+                    <a:t>需要</a:t>
+                  </a:r>
+                </a:p>
+              </p:txBody>
+            </p:sp>
+            <p:sp>
+              <p:nvSpPr>
+                <p:cNvPr id="35" name="テキスト ボックス 34">
+                  <a:extLst>
+                    <a:ext uri="{FF2B5EF4-FFF2-40B4-BE49-F238E27FC236}">
+                      <a16:creationId xmlns:a16="http://schemas.microsoft.com/office/drawing/2014/main" id="{32D6C733-B54F-FEC8-0B44-9DA89AB88A79}"/>
+                    </a:ext>
+                  </a:extLst>
+                </p:cNvPr>
+                <p:cNvSpPr txBox="1"/>
+                <p:nvPr/>
+              </p:nvSpPr>
+              <p:spPr>
+                <a:xfrm>
+                  <a:off x="8410074" y="604100"/>
+                  <a:ext cx="842210" cy="307777"/>
+                </a:xfrm>
+                <a:prstGeom prst="rect">
+                  <a:avLst/>
+                </a:prstGeom>
+                <a:noFill/>
+              </p:spPr>
+              <p:txBody>
+                <a:bodyPr wrap="square" rtlCol="0">
+                  <a:spAutoFit/>
+                </a:bodyPr>
+                <a:lstStyle/>
+                <a:p>
+                  <a:pPr algn="ctr"/>
+                  <a:r>
+                    <a:rPr kumimoji="1" lang="ja-JP" altLang="en-US" sz="1400" dirty="0"/>
+                    <a:t>供給</a:t>
+                  </a:r>
+                </a:p>
+              </p:txBody>
+            </p:sp>
+          </p:grpSp>
+          <mc:AlternateContent xmlns:mc="http://schemas.openxmlformats.org/markup-compatibility/2006">
+            <mc:Choice xmlns:a14="http://schemas.microsoft.com/office/drawing/2010/main" Requires="a14">
+              <p:sp>
+                <p:nvSpPr>
+                  <p:cNvPr id="24" name="テキスト ボックス 23">
+                    <a:extLst>
+                      <a:ext uri="{FF2B5EF4-FFF2-40B4-BE49-F238E27FC236}">
+                        <a16:creationId xmlns:a16="http://schemas.microsoft.com/office/drawing/2014/main" id="{2A3806AF-645D-2D9A-B1B5-98FB467F89B3}"/>
+                      </a:ext>
+                    </a:extLst>
+                  </p:cNvPr>
+                  <p:cNvSpPr txBox="1"/>
+                  <p:nvPr/>
+                </p:nvSpPr>
+                <p:spPr>
+                  <a:xfrm>
+                    <a:off x="5329398" y="3261819"/>
+                    <a:ext cx="842210" cy="307777"/>
+                  </a:xfrm>
+                  <a:prstGeom prst="rect">
+                    <a:avLst/>
+                  </a:prstGeom>
+                  <a:noFill/>
+                </p:spPr>
+                <p:txBody>
+                  <a:bodyPr wrap="square" rtlCol="0">
+                    <a:spAutoFit/>
+                  </a:bodyPr>
+                  <a:lstStyle/>
+                  <a:p>
+                    <a:pPr algn="ctr"/>
+                    <a14:m>
+                      <m:oMathPara xmlns:m="http://schemas.openxmlformats.org/officeDocument/2006/math">
+                        <m:oMathParaPr>
+                          <m:jc m:val="centerGroup"/>
+                        </m:oMathParaPr>
+                        <m:oMath xmlns:m="http://schemas.openxmlformats.org/officeDocument/2006/math">
+                          <m:sSup>
+                            <m:sSupPr>
+                              <m:ctrlPr>
+                                <a:rPr kumimoji="1" lang="en-US" altLang="ja-JP" sz="1400" b="0" i="1" smtClean="0">
+                                  <a:latin typeface="Cambria Math" panose="02040503050406030204" pitchFamily="18" charset="0"/>
+                                </a:rPr>
+                              </m:ctrlPr>
+                            </m:sSupPr>
+                            <m:e>
+                              <m:r>
+                                <a:rPr kumimoji="1" lang="en-US" altLang="ja-JP" sz="1400" b="0" i="1" smtClean="0">
+                                  <a:latin typeface="Cambria Math" panose="02040503050406030204" pitchFamily="18" charset="0"/>
+                                </a:rPr>
+                                <m:t>𝐿</m:t>
+                              </m:r>
+                            </m:e>
+                            <m:sup>
+                              <m:r>
+                                <a:rPr kumimoji="1" lang="en-US" altLang="ja-JP" sz="1400" b="0" i="1" smtClean="0">
+                                  <a:latin typeface="Cambria Math" panose="02040503050406030204" pitchFamily="18" charset="0"/>
+                                </a:rPr>
+                                <m:t>∗</m:t>
+                              </m:r>
+                            </m:sup>
+                          </m:sSup>
+                        </m:oMath>
+                      </m:oMathPara>
+                    </a14:m>
+                    <a:endParaRPr kumimoji="1" lang="ja-JP" altLang="en-US" sz="1400" dirty="0"/>
+                  </a:p>
+                </p:txBody>
+              </p:sp>
+            </mc:Choice>
+            <mc:Fallback>
+              <p:sp>
+                <p:nvSpPr>
+                  <p:cNvPr id="24" name="テキスト ボックス 23">
+                    <a:extLst>
+                      <a:ext uri="{FF2B5EF4-FFF2-40B4-BE49-F238E27FC236}">
+                        <a16:creationId xmlns:a16="http://schemas.microsoft.com/office/drawing/2014/main" id="{2A3806AF-645D-2D9A-B1B5-98FB467F89B3}"/>
+                      </a:ext>
+                    </a:extLst>
+                  </p:cNvPr>
+                  <p:cNvSpPr txBox="1">
+                    <a:spLocks noRot="1" noChangeAspect="1" noMove="1" noResize="1" noEditPoints="1" noAdjustHandles="1" noChangeArrowheads="1" noChangeShapeType="1" noTextEdit="1"/>
+                  </p:cNvSpPr>
+                  <p:nvPr/>
+                </p:nvSpPr>
+                <p:spPr>
+                  <a:xfrm>
+                    <a:off x="5329398" y="3261819"/>
+                    <a:ext cx="842210" cy="307777"/>
+                  </a:xfrm>
+                  <a:prstGeom prst="rect">
+                    <a:avLst/>
+                  </a:prstGeom>
+                  <a:blipFill>
+                    <a:blip r:embed="rId2"/>
+                    <a:stretch>
+                      <a:fillRect/>
+                    </a:stretch>
+                  </a:blipFill>
+                </p:spPr>
+                <p:txBody>
+                  <a:bodyPr/>
+                  <a:lstStyle/>
+                  <a:p>
+                    <a:r>
+                      <a:rPr lang="ja-JP" altLang="en-US">
+                        <a:noFill/>
+                      </a:rPr>
+                      <a:t> </a:t>
+                    </a:r>
+                  </a:p>
+                </p:txBody>
+              </p:sp>
+            </mc:Fallback>
+          </mc:AlternateContent>
+          <p:cxnSp>
+            <p:nvCxnSpPr>
+              <p:cNvPr id="25" name="直線コネクタ 24">
+                <a:extLst>
+                  <a:ext uri="{FF2B5EF4-FFF2-40B4-BE49-F238E27FC236}">
+                    <a16:creationId xmlns:a16="http://schemas.microsoft.com/office/drawing/2014/main" id="{7701217A-ADAC-0C31-EDFD-7744BA010A45}"/>
+                  </a:ext>
+                </a:extLst>
+              </p:cNvPr>
+              <p:cNvCxnSpPr>
+                <a:cxnSpLocks/>
+              </p:cNvCxnSpPr>
+              <p:nvPr/>
+            </p:nvCxnSpPr>
+            <p:spPr>
+              <a:xfrm>
+                <a:off x="5750503" y="2673752"/>
+                <a:ext cx="0" cy="588067"/>
+              </a:xfrm>
+              <a:prstGeom prst="line">
+                <a:avLst/>
+              </a:prstGeom>
+              <a:ln w="12700">
+                <a:solidFill>
+                  <a:schemeClr val="tx1"/>
+                </a:solidFill>
+                <a:prstDash val="dash"/>
+              </a:ln>
+            </p:spPr>
+            <p:style>
+              <a:lnRef idx="1">
+                <a:schemeClr val="accent1"/>
+              </a:lnRef>
+              <a:fillRef idx="0">
+                <a:schemeClr val="accent1"/>
+              </a:fillRef>
+              <a:effectRef idx="0">
+                <a:schemeClr val="accent1"/>
+              </a:effectRef>
+              <a:fontRef idx="minor">
+                <a:schemeClr val="tx1"/>
+              </a:fontRef>
+            </p:style>
+          </p:cxnSp>
+          <mc:AlternateContent xmlns:mc="http://schemas.openxmlformats.org/markup-compatibility/2006">
+            <mc:Choice xmlns:a14="http://schemas.microsoft.com/office/drawing/2010/main" Requires="a14">
+              <p:sp>
+                <p:nvSpPr>
+                  <p:cNvPr id="26" name="テキスト ボックス 25">
+                    <a:extLst>
+                      <a:ext uri="{FF2B5EF4-FFF2-40B4-BE49-F238E27FC236}">
+                        <a16:creationId xmlns:a16="http://schemas.microsoft.com/office/drawing/2014/main" id="{02026DFB-D218-6C39-9A10-0F19E5ACBB96}"/>
+                      </a:ext>
+                    </a:extLst>
+                  </p:cNvPr>
+                  <p:cNvSpPr txBox="1"/>
+                  <p:nvPr/>
+                </p:nvSpPr>
+                <p:spPr>
+                  <a:xfrm>
+                    <a:off x="3891716" y="2519863"/>
+                    <a:ext cx="341896" cy="319446"/>
+                  </a:xfrm>
+                  <a:prstGeom prst="rect">
+                    <a:avLst/>
+                  </a:prstGeom>
+                  <a:noFill/>
+                </p:spPr>
+                <p:txBody>
+                  <a:bodyPr wrap="square" rtlCol="0">
+                    <a:spAutoFit/>
+                  </a:bodyPr>
+                  <a:lstStyle/>
+                  <a:p>
+                    <a:pPr algn="ctr"/>
+                    <a14:m>
+                      <m:oMathPara xmlns:m="http://schemas.openxmlformats.org/officeDocument/2006/math">
+                        <m:oMathParaPr>
+                          <m:jc m:val="centerGroup"/>
+                        </m:oMathParaPr>
+                        <m:oMath xmlns:m="http://schemas.openxmlformats.org/officeDocument/2006/math">
+                          <m:sSup>
+                            <m:sSupPr>
+                              <m:ctrlPr>
+                                <a:rPr kumimoji="1" lang="en-US" altLang="ja-JP" sz="1400" b="0" i="1" smtClean="0">
+                                  <a:latin typeface="Cambria Math" panose="02040503050406030204" pitchFamily="18" charset="0"/>
+                                </a:rPr>
+                              </m:ctrlPr>
+                            </m:sSupPr>
+                            <m:e>
+                              <m:r>
+                                <a:rPr kumimoji="1" lang="en-US" altLang="ja-JP" sz="1400" b="0" i="1" smtClean="0">
+                                  <a:latin typeface="Cambria Math" panose="02040503050406030204" pitchFamily="18" charset="0"/>
+                                </a:rPr>
+                                <m:t>𝑊</m:t>
+                              </m:r>
+                            </m:e>
+                            <m:sup>
+                              <m:r>
+                                <a:rPr kumimoji="1" lang="en-US" altLang="ja-JP" sz="1400" b="0" i="1" smtClean="0">
+                                  <a:latin typeface="Cambria Math" panose="02040503050406030204" pitchFamily="18" charset="0"/>
+                                </a:rPr>
+                                <m:t>∗</m:t>
+                              </m:r>
+                            </m:sup>
+                          </m:sSup>
+                        </m:oMath>
+                      </m:oMathPara>
+                    </a14:m>
+                    <a:endParaRPr kumimoji="1" lang="ja-JP" altLang="en-US" sz="1400" dirty="0"/>
+                  </a:p>
+                </p:txBody>
+              </p:sp>
+            </mc:Choice>
+            <mc:Fallback>
+              <p:sp>
+                <p:nvSpPr>
+                  <p:cNvPr id="26" name="テキスト ボックス 25">
+                    <a:extLst>
+                      <a:ext uri="{FF2B5EF4-FFF2-40B4-BE49-F238E27FC236}">
+                        <a16:creationId xmlns:a16="http://schemas.microsoft.com/office/drawing/2014/main" id="{02026DFB-D218-6C39-9A10-0F19E5ACBB96}"/>
+                      </a:ext>
+                    </a:extLst>
+                  </p:cNvPr>
+                  <p:cNvSpPr txBox="1">
+                    <a:spLocks noRot="1" noChangeAspect="1" noMove="1" noResize="1" noEditPoints="1" noAdjustHandles="1" noChangeArrowheads="1" noChangeShapeType="1" noTextEdit="1"/>
+                  </p:cNvSpPr>
+                  <p:nvPr/>
+                </p:nvSpPr>
+                <p:spPr>
+                  <a:xfrm>
+                    <a:off x="3891716" y="2519863"/>
+                    <a:ext cx="341896" cy="319446"/>
+                  </a:xfrm>
+                  <a:prstGeom prst="rect">
+                    <a:avLst/>
+                  </a:prstGeom>
+                  <a:blipFill>
+                    <a:blip r:embed="rId3"/>
+                    <a:stretch>
+                      <a:fillRect l="-10714"/>
+                    </a:stretch>
+                  </a:blipFill>
+                </p:spPr>
+                <p:txBody>
+                  <a:bodyPr/>
+                  <a:lstStyle/>
+                  <a:p>
+                    <a:r>
+                      <a:rPr lang="ja-JP" altLang="en-US">
+                        <a:noFill/>
+                      </a:rPr>
+                      <a:t> </a:t>
+                    </a:r>
+                  </a:p>
+                </p:txBody>
+              </p:sp>
+            </mc:Fallback>
+          </mc:AlternateContent>
+          <p:cxnSp>
+            <p:nvCxnSpPr>
+              <p:cNvPr id="27" name="直線コネクタ 26">
+                <a:extLst>
+                  <a:ext uri="{FF2B5EF4-FFF2-40B4-BE49-F238E27FC236}">
+                    <a16:creationId xmlns:a16="http://schemas.microsoft.com/office/drawing/2014/main" id="{6A141991-7F74-3795-7A72-3970E6BF70BD}"/>
+                  </a:ext>
+                </a:extLst>
+              </p:cNvPr>
+              <p:cNvCxnSpPr>
+                <a:cxnSpLocks/>
+              </p:cNvCxnSpPr>
+              <p:nvPr/>
+            </p:nvCxnSpPr>
+            <p:spPr>
+              <a:xfrm flipH="1">
+                <a:off x="4242636" y="2673751"/>
+                <a:ext cx="1507867" cy="0"/>
+              </a:xfrm>
+              <a:prstGeom prst="line">
+                <a:avLst/>
+              </a:prstGeom>
+              <a:ln w="12700">
+                <a:solidFill>
+                  <a:schemeClr val="tx1"/>
+                </a:solidFill>
+                <a:prstDash val="dash"/>
+              </a:ln>
+            </p:spPr>
+            <p:style>
+              <a:lnRef idx="1">
+                <a:schemeClr val="accent1"/>
+              </a:lnRef>
+              <a:fillRef idx="0">
+                <a:schemeClr val="accent1"/>
+              </a:fillRef>
+              <a:effectRef idx="0">
+                <a:schemeClr val="accent1"/>
+              </a:effectRef>
+              <a:fontRef idx="minor">
+                <a:schemeClr val="tx1"/>
+              </a:fontRef>
+            </p:style>
+          </p:cxnSp>
+        </p:grpSp>
+      </p:grpSp>
+    </p:spTree>
+    <p:extLst>
+      <p:ext uri="{BB962C8B-B14F-4D97-AF65-F5344CB8AC3E}">
+        <p14:creationId xmlns:p14="http://schemas.microsoft.com/office/powerpoint/2010/main" val="3478542397"/>
+      </p:ext>
+    </p:extLst>
+  </p:cSld>
+  <p:clrMapOvr>
+    <a:masterClrMapping/>
+  </p:clrMapOvr>
+</p:sld>
+</file>
+
+<file path=ppt/slides/slide8.xml><?xml version="1.0" encoding="utf-8"?>
+<p:sld xmlns:a="http://schemas.openxmlformats.org/drawingml/2006/main" xmlns:r="http://schemas.openxmlformats.org/officeDocument/2006/relationships" xmlns:p="http://schemas.openxmlformats.org/presentationml/2006/main">
+  <p:cSld>
+    <p:spTree>
+      <p:nvGrpSpPr>
+        <p:cNvPr id="1" name="">
+          <a:extLst>
+            <a:ext uri="{FF2B5EF4-FFF2-40B4-BE49-F238E27FC236}">
+              <a16:creationId xmlns:a16="http://schemas.microsoft.com/office/drawing/2014/main" id="{8AF41F31-29EA-900B-5FA0-1EC87E6938AF}"/>
+            </a:ext>
+          </a:extLst>
+        </p:cNvPr>
+        <p:cNvGrpSpPr/>
+        <p:nvPr/>
+      </p:nvGrpSpPr>
+      <p:grpSpPr>
+        <a:xfrm>
+          <a:off x="0" y="0"/>
+          <a:ext cx="0" cy="0"/>
+          <a:chOff x="0" y="0"/>
+          <a:chExt cx="0" cy="0"/>
+        </a:xfrm>
+      </p:grpSpPr>
+      <p:grpSp>
+        <p:nvGrpSpPr>
+          <p:cNvPr id="80" name="グループ化 79">
             <a:extLst>
               <a:ext uri="{FF2B5EF4-FFF2-40B4-BE49-F238E27FC236}">
-                <a16:creationId xmlns:a16="http://schemas.microsoft.com/office/drawing/2014/main" id="{261F5E52-B942-25A5-3531-991414123D90}"/>
+                <a16:creationId xmlns:a16="http://schemas.microsoft.com/office/drawing/2014/main" id="{95B5C977-4F18-B7C4-F9AC-735810E9BE57}"/>
               </a:ext>
             </a:extLst>
           </p:cNvPr>
-          <p:cNvSpPr txBox="1"/>
+          <p:cNvGrpSpPr/>
           <p:nvPr/>
-        </p:nvSpPr>
-        <p:spPr>
+        </p:nvGrpSpPr>
+        <p:grpSpPr>
           <a:xfrm>
-            <a:off x="8635667" y="2835442"/>
-            <a:ext cx="842210" cy="307777"/>
+            <a:off x="3486312" y="126848"/>
+            <a:ext cx="5219375" cy="3368526"/>
+            <a:chOff x="1206389" y="126848"/>
+            <a:chExt cx="5219375" cy="3368526"/>
           </a:xfrm>
-          <a:prstGeom prst="rect">
-            <a:avLst/>
-          </a:prstGeom>
-          <a:noFill/>
-        </p:spPr>
-        <p:txBody>
-          <a:bodyPr wrap="square" rtlCol="0">
-            <a:spAutoFit/>
-          </a:bodyPr>
-          <a:lstStyle/>
-          <a:p>
-            <a:pPr algn="ctr"/>
-            <a:r>
-              <a:rPr kumimoji="1" lang="ja-JP" altLang="en-US" sz="1400" dirty="0"/>
-              <a:t>需要</a:t>
-            </a:r>
-          </a:p>
-        </p:txBody>
-      </p:sp>
-      <p:sp>
-        <p:nvSpPr>
-          <p:cNvPr id="21" name="テキスト ボックス 20">
+        </p:grpSpPr>
+        <p:grpSp>
+          <p:nvGrpSpPr>
+            <p:cNvPr id="38" name="グループ化 37">
+              <a:extLst>
+                <a:ext uri="{FF2B5EF4-FFF2-40B4-BE49-F238E27FC236}">
+                  <a16:creationId xmlns:a16="http://schemas.microsoft.com/office/drawing/2014/main" id="{C1E48516-D76F-296C-4292-450C9472BE13}"/>
+                </a:ext>
+              </a:extLst>
+            </p:cNvPr>
+            <p:cNvGrpSpPr/>
+            <p:nvPr/>
+          </p:nvGrpSpPr>
+          <p:grpSpPr>
+            <a:xfrm>
+              <a:off x="1206389" y="126848"/>
+              <a:ext cx="5219375" cy="3365803"/>
+              <a:chOff x="3891716" y="203793"/>
+              <a:chExt cx="5219375" cy="3365803"/>
+            </a:xfrm>
+          </p:grpSpPr>
+          <p:grpSp>
+            <p:nvGrpSpPr>
+              <p:cNvPr id="22" name="グループ化 21">
+                <a:extLst>
+                  <a:ext uri="{FF2B5EF4-FFF2-40B4-BE49-F238E27FC236}">
+                    <a16:creationId xmlns:a16="http://schemas.microsoft.com/office/drawing/2014/main" id="{6EA069DA-4D0F-A92A-13CD-88E55EC34AA7}"/>
+                  </a:ext>
+                </a:extLst>
+              </p:cNvPr>
+              <p:cNvGrpSpPr/>
+              <p:nvPr/>
+            </p:nvGrpSpPr>
+            <p:grpSpPr>
+              <a:xfrm>
+                <a:off x="3891716" y="203793"/>
+                <a:ext cx="5188794" cy="3211915"/>
+                <a:chOff x="5300915" y="280736"/>
+                <a:chExt cx="5188794" cy="3211915"/>
+              </a:xfrm>
+            </p:grpSpPr>
+            <p:cxnSp>
+              <p:nvCxnSpPr>
+                <p:cNvPr id="4" name="直線矢印コネクタ 3">
+                  <a:extLst>
+                    <a:ext uri="{FF2B5EF4-FFF2-40B4-BE49-F238E27FC236}">
+                      <a16:creationId xmlns:a16="http://schemas.microsoft.com/office/drawing/2014/main" id="{FEA203A9-C3D3-FF5D-6466-78B258616AED}"/>
+                    </a:ext>
+                  </a:extLst>
+                </p:cNvPr>
+                <p:cNvCxnSpPr>
+                  <a:cxnSpLocks/>
+                </p:cNvCxnSpPr>
+                <p:nvPr/>
+              </p:nvCxnSpPr>
+              <p:spPr>
+                <a:xfrm flipV="1">
+                  <a:off x="5642811" y="547437"/>
+                  <a:ext cx="0" cy="2791326"/>
+                </a:xfrm>
+                <a:prstGeom prst="straightConnector1">
+                  <a:avLst/>
+                </a:prstGeom>
+                <a:ln w="19050">
+                  <a:solidFill>
+                    <a:schemeClr val="tx1"/>
+                  </a:solidFill>
+                  <a:headEnd type="none" w="med" len="med"/>
+                  <a:tailEnd type="arrow" w="med" len="med"/>
+                </a:ln>
+              </p:spPr>
+              <p:style>
+                <a:lnRef idx="1">
+                  <a:schemeClr val="accent1"/>
+                </a:lnRef>
+                <a:fillRef idx="0">
+                  <a:schemeClr val="accent1"/>
+                </a:fillRef>
+                <a:effectRef idx="0">
+                  <a:schemeClr val="accent1"/>
+                </a:effectRef>
+                <a:fontRef idx="minor">
+                  <a:schemeClr val="tx1"/>
+                </a:fontRef>
+              </p:style>
+            </p:cxnSp>
+            <p:cxnSp>
+              <p:nvCxnSpPr>
+                <p:cNvPr id="6" name="直線矢印コネクタ 5">
+                  <a:extLst>
+                    <a:ext uri="{FF2B5EF4-FFF2-40B4-BE49-F238E27FC236}">
+                      <a16:creationId xmlns:a16="http://schemas.microsoft.com/office/drawing/2014/main" id="{4CEE3A87-56D6-D52F-92A4-6FAFE4B15F27}"/>
+                    </a:ext>
+                  </a:extLst>
+                </p:cNvPr>
+                <p:cNvCxnSpPr>
+                  <a:cxnSpLocks/>
+                </p:cNvCxnSpPr>
+                <p:nvPr/>
+              </p:nvCxnSpPr>
+              <p:spPr>
+                <a:xfrm>
+                  <a:off x="5642811" y="3338763"/>
+                  <a:ext cx="3224463" cy="0"/>
+                </a:xfrm>
+                <a:prstGeom prst="straightConnector1">
+                  <a:avLst/>
+                </a:prstGeom>
+                <a:ln w="19050">
+                  <a:solidFill>
+                    <a:schemeClr val="tx1"/>
+                  </a:solidFill>
+                  <a:headEnd type="none" w="med" len="med"/>
+                  <a:tailEnd type="arrow" w="med" len="med"/>
+                </a:ln>
+              </p:spPr>
+              <p:style>
+                <a:lnRef idx="1">
+                  <a:schemeClr val="accent1"/>
+                </a:lnRef>
+                <a:fillRef idx="0">
+                  <a:schemeClr val="accent1"/>
+                </a:fillRef>
+                <a:effectRef idx="0">
+                  <a:schemeClr val="accent1"/>
+                </a:effectRef>
+                <a:fontRef idx="minor">
+                  <a:schemeClr val="tx1"/>
+                </a:fontRef>
+              </p:style>
+            </p:cxnSp>
+            <p:sp>
+              <p:nvSpPr>
+                <p:cNvPr id="9" name="テキスト ボックス 8">
+                  <a:extLst>
+                    <a:ext uri="{FF2B5EF4-FFF2-40B4-BE49-F238E27FC236}">
+                      <a16:creationId xmlns:a16="http://schemas.microsoft.com/office/drawing/2014/main" id="{4236369D-8966-BAE8-E4A3-F8DD44704CE3}"/>
+                    </a:ext>
+                  </a:extLst>
+                </p:cNvPr>
+                <p:cNvSpPr txBox="1"/>
+                <p:nvPr/>
+              </p:nvSpPr>
+              <p:spPr>
+                <a:xfrm>
+                  <a:off x="5300915" y="280736"/>
+                  <a:ext cx="683792" cy="307777"/>
+                </a:xfrm>
+                <a:prstGeom prst="rect">
+                  <a:avLst/>
+                </a:prstGeom>
+                <a:noFill/>
+              </p:spPr>
+              <p:txBody>
+                <a:bodyPr wrap="square" rtlCol="0">
+                  <a:spAutoFit/>
+                </a:bodyPr>
+                <a:lstStyle/>
+                <a:p>
+                  <a:pPr algn="ctr"/>
+                  <a:r>
+                    <a:rPr lang="ja-JP" altLang="en-US" sz="1400" dirty="0"/>
+                    <a:t>賃金</a:t>
+                  </a:r>
+                  <a:endParaRPr kumimoji="1" lang="ja-JP" altLang="en-US" sz="1400" dirty="0"/>
+                </a:p>
+              </p:txBody>
+            </p:sp>
+            <p:sp>
+              <p:nvSpPr>
+                <p:cNvPr id="10" name="テキスト ボックス 9">
+                  <a:extLst>
+                    <a:ext uri="{FF2B5EF4-FFF2-40B4-BE49-F238E27FC236}">
+                      <a16:creationId xmlns:a16="http://schemas.microsoft.com/office/drawing/2014/main" id="{DB0279B5-9C06-564D-E6D1-44BE330F633C}"/>
+                    </a:ext>
+                  </a:extLst>
+                </p:cNvPr>
+                <p:cNvSpPr txBox="1"/>
+                <p:nvPr/>
+              </p:nvSpPr>
+              <p:spPr>
+                <a:xfrm>
+                  <a:off x="8867274" y="3184874"/>
+                  <a:ext cx="842210" cy="307777"/>
+                </a:xfrm>
+                <a:prstGeom prst="rect">
+                  <a:avLst/>
+                </a:prstGeom>
+                <a:noFill/>
+              </p:spPr>
+              <p:txBody>
+                <a:bodyPr wrap="square" rtlCol="0">
+                  <a:spAutoFit/>
+                </a:bodyPr>
+                <a:lstStyle/>
+                <a:p>
+                  <a:pPr algn="ctr"/>
+                  <a:r>
+                    <a:rPr kumimoji="1" lang="ja-JP" altLang="en-US" sz="1400" dirty="0"/>
+                    <a:t>雇用量</a:t>
+                  </a:r>
+                </a:p>
+              </p:txBody>
+            </p:sp>
+            <p:sp>
+              <p:nvSpPr>
+                <p:cNvPr id="18" name="フリーフォーム: 図形 17">
+                  <a:extLst>
+                    <a:ext uri="{FF2B5EF4-FFF2-40B4-BE49-F238E27FC236}">
+                      <a16:creationId xmlns:a16="http://schemas.microsoft.com/office/drawing/2014/main" id="{79498DAB-6B74-6DE4-1311-D3B5B62A57BB}"/>
+                    </a:ext>
+                  </a:extLst>
+                </p:cNvPr>
+                <p:cNvSpPr/>
+                <p:nvPr/>
+              </p:nvSpPr>
+              <p:spPr>
+                <a:xfrm>
+                  <a:off x="5874419" y="937946"/>
+                  <a:ext cx="2761248" cy="2051384"/>
+                </a:xfrm>
+                <a:custGeom>
+                  <a:avLst/>
+                  <a:gdLst>
+                    <a:gd name="connsiteX0" fmla="*/ 0 w 2761248"/>
+                    <a:gd name="connsiteY0" fmla="*/ 0 h 2051384"/>
+                    <a:gd name="connsiteX1" fmla="*/ 842211 w 2761248"/>
+                    <a:gd name="connsiteY1" fmla="*/ 1606216 h 2051384"/>
+                    <a:gd name="connsiteX2" fmla="*/ 2761248 w 2761248"/>
+                    <a:gd name="connsiteY2" fmla="*/ 2051384 h 2051384"/>
+                  </a:gdLst>
+                  <a:ahLst/>
+                  <a:cxnLst>
+                    <a:cxn ang="0">
+                      <a:pos x="connsiteX0" y="connsiteY0"/>
+                    </a:cxn>
+                    <a:cxn ang="0">
+                      <a:pos x="connsiteX1" y="connsiteY1"/>
+                    </a:cxn>
+                    <a:cxn ang="0">
+                      <a:pos x="connsiteX2" y="connsiteY2"/>
+                    </a:cxn>
+                  </a:cxnLst>
+                  <a:rect l="l" t="t" r="r" b="b"/>
+                  <a:pathLst>
+                    <a:path w="2761248" h="2051384">
+                      <a:moveTo>
+                        <a:pt x="0" y="0"/>
+                      </a:moveTo>
+                      <a:cubicBezTo>
+                        <a:pt x="191001" y="632159"/>
+                        <a:pt x="382003" y="1264319"/>
+                        <a:pt x="842211" y="1606216"/>
+                      </a:cubicBezTo>
+                      <a:cubicBezTo>
+                        <a:pt x="1302419" y="1948113"/>
+                        <a:pt x="2031833" y="1999748"/>
+                        <a:pt x="2761248" y="2051384"/>
+                      </a:cubicBezTo>
+                    </a:path>
+                  </a:pathLst>
+                </a:custGeom>
+                <a:noFill/>
+                <a:ln w="28575">
+                  <a:prstDash val="dash"/>
+                </a:ln>
+              </p:spPr>
+              <p:style>
+                <a:lnRef idx="2">
+                  <a:schemeClr val="accent1">
+                    <a:shade val="15000"/>
+                  </a:schemeClr>
+                </a:lnRef>
+                <a:fillRef idx="1">
+                  <a:schemeClr val="accent1"/>
+                </a:fillRef>
+                <a:effectRef idx="0">
+                  <a:schemeClr val="accent1"/>
+                </a:effectRef>
+                <a:fontRef idx="minor">
+                  <a:schemeClr val="lt1"/>
+                </a:fontRef>
+              </p:style>
+              <p:txBody>
+                <a:bodyPr rtlCol="0" anchor="ctr"/>
+                <a:lstStyle/>
+                <a:p>
+                  <a:pPr algn="ctr"/>
+                  <a:endParaRPr kumimoji="1" lang="ja-JP" altLang="en-US"/>
+                </a:p>
+              </p:txBody>
+            </p:sp>
+            <p:sp>
+              <p:nvSpPr>
+                <p:cNvPr id="19" name="フリーフォーム: 図形 18">
+                  <a:extLst>
+                    <a:ext uri="{FF2B5EF4-FFF2-40B4-BE49-F238E27FC236}">
+                      <a16:creationId xmlns:a16="http://schemas.microsoft.com/office/drawing/2014/main" id="{D8373093-8DFF-B255-268F-6C916CA1C891}"/>
+                    </a:ext>
+                  </a:extLst>
+                </p:cNvPr>
+                <p:cNvSpPr/>
+                <p:nvPr/>
+              </p:nvSpPr>
+              <p:spPr>
+                <a:xfrm>
+                  <a:off x="5883442" y="757989"/>
+                  <a:ext cx="2598821" cy="2358190"/>
+                </a:xfrm>
+                <a:custGeom>
+                  <a:avLst/>
+                  <a:gdLst>
+                    <a:gd name="connsiteX0" fmla="*/ 0 w 2598821"/>
+                    <a:gd name="connsiteY0" fmla="*/ 2358190 h 2358190"/>
+                    <a:gd name="connsiteX1" fmla="*/ 1780674 w 2598821"/>
+                    <a:gd name="connsiteY1" fmla="*/ 1690437 h 2358190"/>
+                    <a:gd name="connsiteX2" fmla="*/ 2598821 w 2598821"/>
+                    <a:gd name="connsiteY2" fmla="*/ 0 h 2358190"/>
+                  </a:gdLst>
+                  <a:ahLst/>
+                  <a:cxnLst>
+                    <a:cxn ang="0">
+                      <a:pos x="connsiteX0" y="connsiteY0"/>
+                    </a:cxn>
+                    <a:cxn ang="0">
+                      <a:pos x="connsiteX1" y="connsiteY1"/>
+                    </a:cxn>
+                    <a:cxn ang="0">
+                      <a:pos x="connsiteX2" y="connsiteY2"/>
+                    </a:cxn>
+                  </a:cxnLst>
+                  <a:rect l="l" t="t" r="r" b="b"/>
+                  <a:pathLst>
+                    <a:path w="2598821" h="2358190">
+                      <a:moveTo>
+                        <a:pt x="0" y="2358190"/>
+                      </a:moveTo>
+                      <a:cubicBezTo>
+                        <a:pt x="673768" y="2220829"/>
+                        <a:pt x="1347537" y="2083469"/>
+                        <a:pt x="1780674" y="1690437"/>
+                      </a:cubicBezTo>
+                      <a:cubicBezTo>
+                        <a:pt x="2213811" y="1297405"/>
+                        <a:pt x="2406316" y="648702"/>
+                        <a:pt x="2598821" y="0"/>
+                      </a:cubicBezTo>
+                    </a:path>
+                  </a:pathLst>
+                </a:custGeom>
+                <a:noFill/>
+                <a:ln w="28575"/>
+              </p:spPr>
+              <p:style>
+                <a:lnRef idx="2">
+                  <a:schemeClr val="accent1">
+                    <a:shade val="15000"/>
+                  </a:schemeClr>
+                </a:lnRef>
+                <a:fillRef idx="1">
+                  <a:schemeClr val="accent1"/>
+                </a:fillRef>
+                <a:effectRef idx="0">
+                  <a:schemeClr val="accent1"/>
+                </a:effectRef>
+                <a:fontRef idx="minor">
+                  <a:schemeClr val="lt1"/>
+                </a:fontRef>
+              </p:style>
+              <p:txBody>
+                <a:bodyPr rtlCol="0" anchor="ctr"/>
+                <a:lstStyle/>
+                <a:p>
+                  <a:pPr algn="ctr"/>
+                  <a:endParaRPr kumimoji="1" lang="ja-JP" altLang="en-US"/>
+                </a:p>
+              </p:txBody>
+            </p:sp>
+            <p:sp>
+              <p:nvSpPr>
+                <p:cNvPr id="20" name="テキスト ボックス 19">
+                  <a:extLst>
+                    <a:ext uri="{FF2B5EF4-FFF2-40B4-BE49-F238E27FC236}">
+                      <a16:creationId xmlns:a16="http://schemas.microsoft.com/office/drawing/2014/main" id="{1A90E92C-A2D3-C9B1-60F7-1D9691A4F841}"/>
+                    </a:ext>
+                  </a:extLst>
+                </p:cNvPr>
+                <p:cNvSpPr txBox="1"/>
+                <p:nvPr/>
+              </p:nvSpPr>
+              <p:spPr>
+                <a:xfrm>
+                  <a:off x="8722893" y="2835442"/>
+                  <a:ext cx="1766816" cy="307777"/>
+                </a:xfrm>
+                <a:prstGeom prst="rect">
+                  <a:avLst/>
+                </a:prstGeom>
+                <a:noFill/>
+              </p:spPr>
+              <p:txBody>
+                <a:bodyPr wrap="square" rtlCol="0">
+                  <a:spAutoFit/>
+                </a:bodyPr>
+                <a:lstStyle/>
+                <a:p>
+                  <a:pPr algn="ctr"/>
+                  <a:r>
+                    <a:rPr lang="ja-JP" altLang="en-US" sz="1400" dirty="0"/>
+                    <a:t>需要（シフト前）</a:t>
+                  </a:r>
+                </a:p>
+              </p:txBody>
+            </p:sp>
+            <p:sp>
+              <p:nvSpPr>
+                <p:cNvPr id="21" name="テキスト ボックス 20">
+                  <a:extLst>
+                    <a:ext uri="{FF2B5EF4-FFF2-40B4-BE49-F238E27FC236}">
+                      <a16:creationId xmlns:a16="http://schemas.microsoft.com/office/drawing/2014/main" id="{C42BB59D-D3DC-7DA6-26CF-753F0A9DDA75}"/>
+                    </a:ext>
+                  </a:extLst>
+                </p:cNvPr>
+                <p:cNvSpPr txBox="1"/>
+                <p:nvPr/>
+              </p:nvSpPr>
+              <p:spPr>
+                <a:xfrm>
+                  <a:off x="8410074" y="604100"/>
+                  <a:ext cx="842210" cy="307777"/>
+                </a:xfrm>
+                <a:prstGeom prst="rect">
+                  <a:avLst/>
+                </a:prstGeom>
+                <a:noFill/>
+              </p:spPr>
+              <p:txBody>
+                <a:bodyPr wrap="square" rtlCol="0">
+                  <a:spAutoFit/>
+                </a:bodyPr>
+                <a:lstStyle/>
+                <a:p>
+                  <a:pPr algn="ctr"/>
+                  <a:r>
+                    <a:rPr kumimoji="1" lang="ja-JP" altLang="en-US" sz="1400" dirty="0"/>
+                    <a:t>供給</a:t>
+                  </a:r>
+                </a:p>
+              </p:txBody>
+            </p:sp>
+          </p:grpSp>
+          <p:sp>
+            <p:nvSpPr>
+              <p:cNvPr id="2" name="フリーフォーム: 図形 1">
+                <a:extLst>
+                  <a:ext uri="{FF2B5EF4-FFF2-40B4-BE49-F238E27FC236}">
+                    <a16:creationId xmlns:a16="http://schemas.microsoft.com/office/drawing/2014/main" id="{FA26BB72-C199-3C8A-9B8B-A78AD080E2C3}"/>
+                  </a:ext>
+                </a:extLst>
+              </p:cNvPr>
+              <p:cNvSpPr/>
+              <p:nvPr/>
+            </p:nvSpPr>
+            <p:spPr>
+              <a:xfrm>
+                <a:off x="4685624" y="675759"/>
+                <a:ext cx="2761248" cy="2051384"/>
+              </a:xfrm>
+              <a:custGeom>
+                <a:avLst/>
+                <a:gdLst>
+                  <a:gd name="connsiteX0" fmla="*/ 0 w 2761248"/>
+                  <a:gd name="connsiteY0" fmla="*/ 0 h 2051384"/>
+                  <a:gd name="connsiteX1" fmla="*/ 842211 w 2761248"/>
+                  <a:gd name="connsiteY1" fmla="*/ 1606216 h 2051384"/>
+                  <a:gd name="connsiteX2" fmla="*/ 2761248 w 2761248"/>
+                  <a:gd name="connsiteY2" fmla="*/ 2051384 h 2051384"/>
+                </a:gdLst>
+                <a:ahLst/>
+                <a:cxnLst>
+                  <a:cxn ang="0">
+                    <a:pos x="connsiteX0" y="connsiteY0"/>
+                  </a:cxn>
+                  <a:cxn ang="0">
+                    <a:pos x="connsiteX1" y="connsiteY1"/>
+                  </a:cxn>
+                  <a:cxn ang="0">
+                    <a:pos x="connsiteX2" y="connsiteY2"/>
+                  </a:cxn>
+                </a:cxnLst>
+                <a:rect l="l" t="t" r="r" b="b"/>
+                <a:pathLst>
+                  <a:path w="2761248" h="2051384">
+                    <a:moveTo>
+                      <a:pt x="0" y="0"/>
+                    </a:moveTo>
+                    <a:cubicBezTo>
+                      <a:pt x="191001" y="632159"/>
+                      <a:pt x="382003" y="1264319"/>
+                      <a:pt x="842211" y="1606216"/>
+                    </a:cubicBezTo>
+                    <a:cubicBezTo>
+                      <a:pt x="1302419" y="1948113"/>
+                      <a:pt x="2031833" y="1999748"/>
+                      <a:pt x="2761248" y="2051384"/>
+                    </a:cubicBezTo>
+                  </a:path>
+                </a:pathLst>
+              </a:custGeom>
+              <a:noFill/>
+              <a:ln w="28575"/>
+            </p:spPr>
+            <p:style>
+              <a:lnRef idx="2">
+                <a:schemeClr val="accent1">
+                  <a:shade val="15000"/>
+                </a:schemeClr>
+              </a:lnRef>
+              <a:fillRef idx="1">
+                <a:schemeClr val="accent1"/>
+              </a:fillRef>
+              <a:effectRef idx="0">
+                <a:schemeClr val="accent1"/>
+              </a:effectRef>
+              <a:fontRef idx="minor">
+                <a:schemeClr val="lt1"/>
+              </a:fontRef>
+            </p:style>
+            <p:txBody>
+              <a:bodyPr rtlCol="0" anchor="ctr"/>
+              <a:lstStyle/>
+              <a:p>
+                <a:pPr algn="ctr"/>
+                <a:endParaRPr kumimoji="1" lang="ja-JP" altLang="en-US"/>
+              </a:p>
+            </p:txBody>
+          </p:sp>
+          <mc:AlternateContent xmlns:mc="http://schemas.openxmlformats.org/markup-compatibility/2006">
+            <mc:Choice xmlns:a14="http://schemas.microsoft.com/office/drawing/2010/main" Requires="a14">
+              <p:sp>
+                <p:nvSpPr>
+                  <p:cNvPr id="5" name="テキスト ボックス 4">
+                    <a:extLst>
+                      <a:ext uri="{FF2B5EF4-FFF2-40B4-BE49-F238E27FC236}">
+                        <a16:creationId xmlns:a16="http://schemas.microsoft.com/office/drawing/2014/main" id="{1B0C96A9-1CE5-DBD4-5D2C-C3CE5058B1F5}"/>
+                      </a:ext>
+                    </a:extLst>
+                  </p:cNvPr>
+                  <p:cNvSpPr txBox="1"/>
+                  <p:nvPr/>
+                </p:nvSpPr>
+                <p:spPr>
+                  <a:xfrm>
+                    <a:off x="5329398" y="3261819"/>
+                    <a:ext cx="842210" cy="307777"/>
+                  </a:xfrm>
+                  <a:prstGeom prst="rect">
+                    <a:avLst/>
+                  </a:prstGeom>
+                  <a:noFill/>
+                </p:spPr>
+                <p:txBody>
+                  <a:bodyPr wrap="square" rtlCol="0">
+                    <a:spAutoFit/>
+                  </a:bodyPr>
+                  <a:lstStyle/>
+                  <a:p>
+                    <a:pPr algn="ctr"/>
+                    <a14:m>
+                      <m:oMathPara xmlns:m="http://schemas.openxmlformats.org/officeDocument/2006/math">
+                        <m:oMathParaPr>
+                          <m:jc m:val="centerGroup"/>
+                        </m:oMathParaPr>
+                        <m:oMath xmlns:m="http://schemas.openxmlformats.org/officeDocument/2006/math">
+                          <m:sSub>
+                            <m:sSubPr>
+                              <m:ctrlPr>
+                                <a:rPr kumimoji="1" lang="en-US" altLang="ja-JP" sz="1400" b="0" i="1" smtClean="0">
+                                  <a:latin typeface="Cambria Math" panose="02040503050406030204" pitchFamily="18" charset="0"/>
+                                </a:rPr>
+                              </m:ctrlPr>
+                            </m:sSubPr>
+                            <m:e>
+                              <m:r>
+                                <a:rPr kumimoji="1" lang="en-US" altLang="ja-JP" sz="1400" b="0" i="1" smtClean="0">
+                                  <a:latin typeface="Cambria Math" panose="02040503050406030204" pitchFamily="18" charset="0"/>
+                                </a:rPr>
+                                <m:t>𝐿</m:t>
+                              </m:r>
+                            </m:e>
+                            <m:sub>
+                              <m:r>
+                                <a:rPr kumimoji="1" lang="en-US" altLang="ja-JP" sz="1400" b="0" i="1" smtClean="0">
+                                  <a:latin typeface="Cambria Math" panose="02040503050406030204" pitchFamily="18" charset="0"/>
+                                </a:rPr>
+                                <m:t>1</m:t>
+                              </m:r>
+                            </m:sub>
+                          </m:sSub>
+                        </m:oMath>
+                      </m:oMathPara>
+                    </a14:m>
+                    <a:endParaRPr kumimoji="1" lang="ja-JP" altLang="en-US" sz="1400" dirty="0"/>
+                  </a:p>
+                </p:txBody>
+              </p:sp>
+            </mc:Choice>
+            <mc:Fallback>
+              <p:sp>
+                <p:nvSpPr>
+                  <p:cNvPr id="5" name="テキスト ボックス 4">
+                    <a:extLst>
+                      <a:ext uri="{FF2B5EF4-FFF2-40B4-BE49-F238E27FC236}">
+                        <a16:creationId xmlns:a16="http://schemas.microsoft.com/office/drawing/2014/main" id="{1B0C96A9-1CE5-DBD4-5D2C-C3CE5058B1F5}"/>
+                      </a:ext>
+                    </a:extLst>
+                  </p:cNvPr>
+                  <p:cNvSpPr txBox="1">
+                    <a:spLocks noRot="1" noChangeAspect="1" noMove="1" noResize="1" noEditPoints="1" noAdjustHandles="1" noChangeArrowheads="1" noChangeShapeType="1" noTextEdit="1"/>
+                  </p:cNvSpPr>
+                  <p:nvPr/>
+                </p:nvSpPr>
+                <p:spPr>
+                  <a:xfrm>
+                    <a:off x="5329398" y="3261819"/>
+                    <a:ext cx="842210" cy="307777"/>
+                  </a:xfrm>
+                  <a:prstGeom prst="rect">
+                    <a:avLst/>
+                  </a:prstGeom>
+                  <a:blipFill>
+                    <a:blip r:embed="rId3"/>
+                    <a:stretch>
+                      <a:fillRect/>
+                    </a:stretch>
+                  </a:blipFill>
+                </p:spPr>
+                <p:txBody>
+                  <a:bodyPr/>
+                  <a:lstStyle/>
+                  <a:p>
+                    <a:r>
+                      <a:rPr lang="ja-JP" altLang="en-US">
+                        <a:noFill/>
+                      </a:rPr>
+                      <a:t> </a:t>
+                    </a:r>
+                  </a:p>
+                </p:txBody>
+              </p:sp>
+            </mc:Fallback>
+          </mc:AlternateContent>
+          <p:cxnSp>
+            <p:nvCxnSpPr>
+              <p:cNvPr id="12" name="直線コネクタ 11">
+                <a:extLst>
+                  <a:ext uri="{FF2B5EF4-FFF2-40B4-BE49-F238E27FC236}">
+                    <a16:creationId xmlns:a16="http://schemas.microsoft.com/office/drawing/2014/main" id="{8F4CA09B-06A9-3BFD-C5DF-8846CD1A9E13}"/>
+                  </a:ext>
+                </a:extLst>
+              </p:cNvPr>
+              <p:cNvCxnSpPr>
+                <a:cxnSpLocks/>
+              </p:cNvCxnSpPr>
+              <p:nvPr/>
+            </p:nvCxnSpPr>
+            <p:spPr>
+              <a:xfrm>
+                <a:off x="5750503" y="2673751"/>
+                <a:ext cx="0" cy="588068"/>
+              </a:xfrm>
+              <a:prstGeom prst="line">
+                <a:avLst/>
+              </a:prstGeom>
+              <a:ln w="12700">
+                <a:solidFill>
+                  <a:schemeClr val="tx1"/>
+                </a:solidFill>
+                <a:prstDash val="dash"/>
+              </a:ln>
+            </p:spPr>
+            <p:style>
+              <a:lnRef idx="1">
+                <a:schemeClr val="accent1"/>
+              </a:lnRef>
+              <a:fillRef idx="0">
+                <a:schemeClr val="accent1"/>
+              </a:fillRef>
+              <a:effectRef idx="0">
+                <a:schemeClr val="accent1"/>
+              </a:effectRef>
+              <a:fontRef idx="minor">
+                <a:schemeClr val="tx1"/>
+              </a:fontRef>
+            </p:style>
+          </p:cxnSp>
+          <mc:AlternateContent xmlns:mc="http://schemas.openxmlformats.org/markup-compatibility/2006">
+            <mc:Choice xmlns:a14="http://schemas.microsoft.com/office/drawing/2010/main" Requires="a14">
+              <p:sp>
+                <p:nvSpPr>
+                  <p:cNvPr id="13" name="テキスト ボックス 12">
+                    <a:extLst>
+                      <a:ext uri="{FF2B5EF4-FFF2-40B4-BE49-F238E27FC236}">
+                        <a16:creationId xmlns:a16="http://schemas.microsoft.com/office/drawing/2014/main" id="{5C2AF5E5-F8A6-7405-0B2C-4BF908696796}"/>
+                      </a:ext>
+                    </a:extLst>
+                  </p:cNvPr>
+                  <p:cNvSpPr txBox="1"/>
+                  <p:nvPr/>
+                </p:nvSpPr>
+                <p:spPr>
+                  <a:xfrm>
+                    <a:off x="3900740" y="2537176"/>
+                    <a:ext cx="341896" cy="319446"/>
+                  </a:xfrm>
+                  <a:prstGeom prst="rect">
+                    <a:avLst/>
+                  </a:prstGeom>
+                  <a:noFill/>
+                </p:spPr>
+                <p:txBody>
+                  <a:bodyPr wrap="square" rtlCol="0">
+                    <a:spAutoFit/>
+                  </a:bodyPr>
+                  <a:lstStyle/>
+                  <a:p>
+                    <a:pPr algn="ctr"/>
+                    <a14:m>
+                      <m:oMathPara xmlns:m="http://schemas.openxmlformats.org/officeDocument/2006/math">
+                        <m:oMathParaPr>
+                          <m:jc m:val="centerGroup"/>
+                        </m:oMathParaPr>
+                        <m:oMath xmlns:m="http://schemas.openxmlformats.org/officeDocument/2006/math">
+                          <m:sSub>
+                            <m:sSubPr>
+                              <m:ctrlPr>
+                                <a:rPr kumimoji="1" lang="en-US" altLang="ja-JP" sz="1400" b="0" i="1" smtClean="0">
+                                  <a:latin typeface="Cambria Math" panose="02040503050406030204" pitchFamily="18" charset="0"/>
+                                </a:rPr>
+                              </m:ctrlPr>
+                            </m:sSubPr>
+                            <m:e>
+                              <m:r>
+                                <a:rPr kumimoji="1" lang="en-US" altLang="ja-JP" sz="1400" b="0" i="1" smtClean="0">
+                                  <a:latin typeface="Cambria Math" panose="02040503050406030204" pitchFamily="18" charset="0"/>
+                                </a:rPr>
+                                <m:t>𝑊</m:t>
+                              </m:r>
+                            </m:e>
+                            <m:sub>
+                              <m:r>
+                                <a:rPr kumimoji="1" lang="en-US" altLang="ja-JP" sz="1400" b="0" i="1" smtClean="0">
+                                  <a:latin typeface="Cambria Math" panose="02040503050406030204" pitchFamily="18" charset="0"/>
+                                </a:rPr>
+                                <m:t>1</m:t>
+                              </m:r>
+                            </m:sub>
+                          </m:sSub>
+                        </m:oMath>
+                      </m:oMathPara>
+                    </a14:m>
+                    <a:endParaRPr kumimoji="1" lang="ja-JP" altLang="en-US" sz="1400" dirty="0"/>
+                  </a:p>
+                </p:txBody>
+              </p:sp>
+            </mc:Choice>
+            <mc:Fallback>
+              <p:sp>
+                <p:nvSpPr>
+                  <p:cNvPr id="13" name="テキスト ボックス 12">
+                    <a:extLst>
+                      <a:ext uri="{FF2B5EF4-FFF2-40B4-BE49-F238E27FC236}">
+                        <a16:creationId xmlns:a16="http://schemas.microsoft.com/office/drawing/2014/main" id="{5C2AF5E5-F8A6-7405-0B2C-4BF908696796}"/>
+                      </a:ext>
+                    </a:extLst>
+                  </p:cNvPr>
+                  <p:cNvSpPr txBox="1">
+                    <a:spLocks noRot="1" noChangeAspect="1" noMove="1" noResize="1" noEditPoints="1" noAdjustHandles="1" noChangeArrowheads="1" noChangeShapeType="1" noTextEdit="1"/>
+                  </p:cNvSpPr>
+                  <p:nvPr/>
+                </p:nvSpPr>
+                <p:spPr>
+                  <a:xfrm>
+                    <a:off x="3900740" y="2537176"/>
+                    <a:ext cx="341896" cy="319446"/>
+                  </a:xfrm>
+                  <a:prstGeom prst="rect">
+                    <a:avLst/>
+                  </a:prstGeom>
+                  <a:blipFill>
+                    <a:blip r:embed="rId4"/>
+                    <a:stretch>
+                      <a:fillRect l="-7143"/>
+                    </a:stretch>
+                  </a:blipFill>
+                </p:spPr>
+                <p:txBody>
+                  <a:bodyPr/>
+                  <a:lstStyle/>
+                  <a:p>
+                    <a:r>
+                      <a:rPr lang="ja-JP" altLang="en-US">
+                        <a:noFill/>
+                      </a:rPr>
+                      <a:t> </a:t>
+                    </a:r>
+                  </a:p>
+                </p:txBody>
+              </p:sp>
+            </mc:Fallback>
+          </mc:AlternateContent>
+          <p:cxnSp>
+            <p:nvCxnSpPr>
+              <p:cNvPr id="15" name="直線コネクタ 14">
+                <a:extLst>
+                  <a:ext uri="{FF2B5EF4-FFF2-40B4-BE49-F238E27FC236}">
+                    <a16:creationId xmlns:a16="http://schemas.microsoft.com/office/drawing/2014/main" id="{2AE72F82-FA93-3183-B5AE-BF8B83A29294}"/>
+                  </a:ext>
+                </a:extLst>
+              </p:cNvPr>
+              <p:cNvCxnSpPr>
+                <a:cxnSpLocks/>
+                <a:endCxn id="13" idx="3"/>
+              </p:cNvCxnSpPr>
+              <p:nvPr/>
+            </p:nvCxnSpPr>
+            <p:spPr>
+              <a:xfrm flipH="1">
+                <a:off x="4242636" y="2696899"/>
+                <a:ext cx="2686608" cy="0"/>
+              </a:xfrm>
+              <a:prstGeom prst="line">
+                <a:avLst/>
+              </a:prstGeom>
+              <a:ln w="12700">
+                <a:solidFill>
+                  <a:schemeClr val="tx1"/>
+                </a:solidFill>
+                <a:prstDash val="dash"/>
+              </a:ln>
+            </p:spPr>
+            <p:style>
+              <a:lnRef idx="1">
+                <a:schemeClr val="accent1"/>
+              </a:lnRef>
+              <a:fillRef idx="0">
+                <a:schemeClr val="accent1"/>
+              </a:fillRef>
+              <a:effectRef idx="0">
+                <a:schemeClr val="accent1"/>
+              </a:effectRef>
+              <a:fontRef idx="minor">
+                <a:schemeClr val="tx1"/>
+              </a:fontRef>
+            </p:style>
+          </p:cxnSp>
+          <mc:AlternateContent xmlns:mc="http://schemas.openxmlformats.org/markup-compatibility/2006">
+            <mc:Choice xmlns:a14="http://schemas.microsoft.com/office/drawing/2010/main" Requires="a14">
+              <p:sp>
+                <p:nvSpPr>
+                  <p:cNvPr id="23" name="テキスト ボックス 22">
+                    <a:extLst>
+                      <a:ext uri="{FF2B5EF4-FFF2-40B4-BE49-F238E27FC236}">
+                        <a16:creationId xmlns:a16="http://schemas.microsoft.com/office/drawing/2014/main" id="{350C8DED-0906-BBAD-B4CC-03A05578ABF8}"/>
+                      </a:ext>
+                    </a:extLst>
+                  </p:cNvPr>
+                  <p:cNvSpPr txBox="1"/>
+                  <p:nvPr/>
+                </p:nvSpPr>
+                <p:spPr>
+                  <a:xfrm>
+                    <a:off x="5641359" y="3257907"/>
+                    <a:ext cx="842210" cy="307777"/>
+                  </a:xfrm>
+                  <a:prstGeom prst="rect">
+                    <a:avLst/>
+                  </a:prstGeom>
+                  <a:noFill/>
+                </p:spPr>
+                <p:txBody>
+                  <a:bodyPr wrap="square" rtlCol="0">
+                    <a:spAutoFit/>
+                  </a:bodyPr>
+                  <a:lstStyle/>
+                  <a:p>
+                    <a:pPr algn="ctr"/>
+                    <a14:m>
+                      <m:oMathPara xmlns:m="http://schemas.openxmlformats.org/officeDocument/2006/math">
+                        <m:oMathParaPr>
+                          <m:jc m:val="centerGroup"/>
+                        </m:oMathParaPr>
+                        <m:oMath xmlns:m="http://schemas.openxmlformats.org/officeDocument/2006/math">
+                          <m:sSub>
+                            <m:sSubPr>
+                              <m:ctrlPr>
+                                <a:rPr kumimoji="1" lang="en-US" altLang="ja-JP" sz="1400" b="0" i="1" smtClean="0">
+                                  <a:latin typeface="Cambria Math" panose="02040503050406030204" pitchFamily="18" charset="0"/>
+                                </a:rPr>
+                              </m:ctrlPr>
+                            </m:sSubPr>
+                            <m:e>
+                              <m:r>
+                                <a:rPr kumimoji="1" lang="en-US" altLang="ja-JP" sz="1400" b="0" i="1" smtClean="0">
+                                  <a:latin typeface="Cambria Math" panose="02040503050406030204" pitchFamily="18" charset="0"/>
+                                </a:rPr>
+                                <m:t>𝐿</m:t>
+                              </m:r>
+                            </m:e>
+                            <m:sub>
+                              <m:r>
+                                <a:rPr kumimoji="1" lang="en-US" altLang="ja-JP" sz="1400" b="0" i="1" smtClean="0">
+                                  <a:latin typeface="Cambria Math" panose="02040503050406030204" pitchFamily="18" charset="0"/>
+                                </a:rPr>
+                                <m:t>2</m:t>
+                              </m:r>
+                            </m:sub>
+                          </m:sSub>
+                        </m:oMath>
+                      </m:oMathPara>
+                    </a14:m>
+                    <a:endParaRPr kumimoji="1" lang="ja-JP" altLang="en-US" sz="1400" dirty="0"/>
+                  </a:p>
+                </p:txBody>
+              </p:sp>
+            </mc:Choice>
+            <mc:Fallback>
+              <p:sp>
+                <p:nvSpPr>
+                  <p:cNvPr id="23" name="テキスト ボックス 22">
+                    <a:extLst>
+                      <a:ext uri="{FF2B5EF4-FFF2-40B4-BE49-F238E27FC236}">
+                        <a16:creationId xmlns:a16="http://schemas.microsoft.com/office/drawing/2014/main" id="{350C8DED-0906-BBAD-B4CC-03A05578ABF8}"/>
+                      </a:ext>
+                    </a:extLst>
+                  </p:cNvPr>
+                  <p:cNvSpPr txBox="1">
+                    <a:spLocks noRot="1" noChangeAspect="1" noMove="1" noResize="1" noEditPoints="1" noAdjustHandles="1" noChangeArrowheads="1" noChangeShapeType="1" noTextEdit="1"/>
+                  </p:cNvSpPr>
+                  <p:nvPr/>
+                </p:nvSpPr>
+                <p:spPr>
+                  <a:xfrm>
+                    <a:off x="5641359" y="3257907"/>
+                    <a:ext cx="842210" cy="307777"/>
+                  </a:xfrm>
+                  <a:prstGeom prst="rect">
+                    <a:avLst/>
+                  </a:prstGeom>
+                  <a:blipFill>
+                    <a:blip r:embed="rId5"/>
+                    <a:stretch>
+                      <a:fillRect/>
+                    </a:stretch>
+                  </a:blipFill>
+                </p:spPr>
+                <p:txBody>
+                  <a:bodyPr/>
+                  <a:lstStyle/>
+                  <a:p>
+                    <a:r>
+                      <a:rPr lang="ja-JP" altLang="en-US">
+                        <a:noFill/>
+                      </a:rPr>
+                      <a:t> </a:t>
+                    </a:r>
+                  </a:p>
+                </p:txBody>
+              </p:sp>
+            </mc:Fallback>
+          </mc:AlternateContent>
+          <p:cxnSp>
+            <p:nvCxnSpPr>
+              <p:cNvPr id="24" name="直線コネクタ 23">
+                <a:extLst>
+                  <a:ext uri="{FF2B5EF4-FFF2-40B4-BE49-F238E27FC236}">
+                    <a16:creationId xmlns:a16="http://schemas.microsoft.com/office/drawing/2014/main" id="{09211A51-59E1-8594-EC44-FBA1DFCE579C}"/>
+                  </a:ext>
+                </a:extLst>
+              </p:cNvPr>
+              <p:cNvCxnSpPr>
+                <a:cxnSpLocks/>
+              </p:cNvCxnSpPr>
+              <p:nvPr/>
+            </p:nvCxnSpPr>
+            <p:spPr>
+              <a:xfrm>
+                <a:off x="6066248" y="2524010"/>
+                <a:ext cx="0" cy="733918"/>
+              </a:xfrm>
+              <a:prstGeom prst="line">
+                <a:avLst/>
+              </a:prstGeom>
+              <a:ln w="12700">
+                <a:solidFill>
+                  <a:schemeClr val="tx1"/>
+                </a:solidFill>
+                <a:prstDash val="dash"/>
+              </a:ln>
+            </p:spPr>
+            <p:style>
+              <a:lnRef idx="1">
+                <a:schemeClr val="accent1"/>
+              </a:lnRef>
+              <a:fillRef idx="0">
+                <a:schemeClr val="accent1"/>
+              </a:fillRef>
+              <a:effectRef idx="0">
+                <a:schemeClr val="accent1"/>
+              </a:effectRef>
+              <a:fontRef idx="minor">
+                <a:schemeClr val="tx1"/>
+              </a:fontRef>
+            </p:style>
+          </p:cxnSp>
+          <mc:AlternateContent xmlns:mc="http://schemas.openxmlformats.org/markup-compatibility/2006">
+            <mc:Choice xmlns:a14="http://schemas.microsoft.com/office/drawing/2010/main" Requires="a14">
+              <p:sp>
+                <p:nvSpPr>
+                  <p:cNvPr id="25" name="テキスト ボックス 24">
+                    <a:extLst>
+                      <a:ext uri="{FF2B5EF4-FFF2-40B4-BE49-F238E27FC236}">
+                        <a16:creationId xmlns:a16="http://schemas.microsoft.com/office/drawing/2014/main" id="{55DD05F2-C1AF-56E5-782C-C147761EB3EE}"/>
+                      </a:ext>
+                    </a:extLst>
+                  </p:cNvPr>
+                  <p:cNvSpPr txBox="1"/>
+                  <p:nvPr/>
+                </p:nvSpPr>
+                <p:spPr>
+                  <a:xfrm>
+                    <a:off x="3897319" y="2294034"/>
+                    <a:ext cx="341896" cy="319446"/>
+                  </a:xfrm>
+                  <a:prstGeom prst="rect">
+                    <a:avLst/>
+                  </a:prstGeom>
+                  <a:noFill/>
+                </p:spPr>
+                <p:txBody>
+                  <a:bodyPr wrap="square" rtlCol="0">
+                    <a:spAutoFit/>
+                  </a:bodyPr>
+                  <a:lstStyle/>
+                  <a:p>
+                    <a:pPr algn="ctr"/>
+                    <a14:m>
+                      <m:oMathPara xmlns:m="http://schemas.openxmlformats.org/officeDocument/2006/math">
+                        <m:oMathParaPr>
+                          <m:jc m:val="centerGroup"/>
+                        </m:oMathParaPr>
+                        <m:oMath xmlns:m="http://schemas.openxmlformats.org/officeDocument/2006/math">
+                          <m:sSub>
+                            <m:sSubPr>
+                              <m:ctrlPr>
+                                <a:rPr kumimoji="1" lang="en-US" altLang="ja-JP" sz="1400" b="0" i="1" smtClean="0">
+                                  <a:latin typeface="Cambria Math" panose="02040503050406030204" pitchFamily="18" charset="0"/>
+                                </a:rPr>
+                              </m:ctrlPr>
+                            </m:sSubPr>
+                            <m:e>
+                              <m:r>
+                                <a:rPr kumimoji="1" lang="en-US" altLang="ja-JP" sz="1400" b="0" i="1" smtClean="0">
+                                  <a:latin typeface="Cambria Math" panose="02040503050406030204" pitchFamily="18" charset="0"/>
+                                </a:rPr>
+                                <m:t>𝑊</m:t>
+                              </m:r>
+                            </m:e>
+                            <m:sub>
+                              <m:r>
+                                <a:rPr kumimoji="1" lang="en-US" altLang="ja-JP" sz="1400" b="0" i="1" smtClean="0">
+                                  <a:latin typeface="Cambria Math" panose="02040503050406030204" pitchFamily="18" charset="0"/>
+                                </a:rPr>
+                                <m:t>2</m:t>
+                              </m:r>
+                            </m:sub>
+                          </m:sSub>
+                        </m:oMath>
+                      </m:oMathPara>
+                    </a14:m>
+                    <a:endParaRPr kumimoji="1" lang="ja-JP" altLang="en-US" sz="1400" dirty="0"/>
+                  </a:p>
+                </p:txBody>
+              </p:sp>
+            </mc:Choice>
+            <mc:Fallback>
+              <p:sp>
+                <p:nvSpPr>
+                  <p:cNvPr id="25" name="テキスト ボックス 24">
+                    <a:extLst>
+                      <a:ext uri="{FF2B5EF4-FFF2-40B4-BE49-F238E27FC236}">
+                        <a16:creationId xmlns:a16="http://schemas.microsoft.com/office/drawing/2014/main" id="{55DD05F2-C1AF-56E5-782C-C147761EB3EE}"/>
+                      </a:ext>
+                    </a:extLst>
+                  </p:cNvPr>
+                  <p:cNvSpPr txBox="1">
+                    <a:spLocks noRot="1" noChangeAspect="1" noMove="1" noResize="1" noEditPoints="1" noAdjustHandles="1" noChangeArrowheads="1" noChangeShapeType="1" noTextEdit="1"/>
+                  </p:cNvSpPr>
+                  <p:nvPr/>
+                </p:nvSpPr>
+                <p:spPr>
+                  <a:xfrm>
+                    <a:off x="3897319" y="2294034"/>
+                    <a:ext cx="341896" cy="319446"/>
+                  </a:xfrm>
+                  <a:prstGeom prst="rect">
+                    <a:avLst/>
+                  </a:prstGeom>
+                  <a:blipFill>
+                    <a:blip r:embed="rId6"/>
+                    <a:stretch>
+                      <a:fillRect l="-8929"/>
+                    </a:stretch>
+                  </a:blipFill>
+                </p:spPr>
+                <p:txBody>
+                  <a:bodyPr/>
+                  <a:lstStyle/>
+                  <a:p>
+                    <a:r>
+                      <a:rPr lang="ja-JP" altLang="en-US">
+                        <a:noFill/>
+                      </a:rPr>
+                      <a:t> </a:t>
+                    </a:r>
+                  </a:p>
+                </p:txBody>
+              </p:sp>
+            </mc:Fallback>
+          </mc:AlternateContent>
+          <p:cxnSp>
+            <p:nvCxnSpPr>
+              <p:cNvPr id="26" name="直線コネクタ 25">
+                <a:extLst>
+                  <a:ext uri="{FF2B5EF4-FFF2-40B4-BE49-F238E27FC236}">
+                    <a16:creationId xmlns:a16="http://schemas.microsoft.com/office/drawing/2014/main" id="{63C086C4-9955-06BD-3F3F-ECD5FCBEE234}"/>
+                  </a:ext>
+                </a:extLst>
+              </p:cNvPr>
+              <p:cNvCxnSpPr>
+                <a:cxnSpLocks/>
+              </p:cNvCxnSpPr>
+              <p:nvPr/>
+            </p:nvCxnSpPr>
+            <p:spPr>
+              <a:xfrm flipH="1" flipV="1">
+                <a:off x="4225927" y="2508200"/>
+                <a:ext cx="1840321" cy="20269"/>
+              </a:xfrm>
+              <a:prstGeom prst="line">
+                <a:avLst/>
+              </a:prstGeom>
+              <a:ln w="12700">
+                <a:solidFill>
+                  <a:schemeClr val="tx1"/>
+                </a:solidFill>
+                <a:prstDash val="dash"/>
+              </a:ln>
+            </p:spPr>
+            <p:style>
+              <a:lnRef idx="1">
+                <a:schemeClr val="accent1"/>
+              </a:lnRef>
+              <a:fillRef idx="0">
+                <a:schemeClr val="accent1"/>
+              </a:fillRef>
+              <a:effectRef idx="0">
+                <a:schemeClr val="accent1"/>
+              </a:effectRef>
+              <a:fontRef idx="minor">
+                <a:schemeClr val="tx1"/>
+              </a:fontRef>
+            </p:style>
+          </p:cxnSp>
+          <p:sp>
+            <p:nvSpPr>
+              <p:cNvPr id="30" name="テキスト ボックス 29">
+                <a:extLst>
+                  <a:ext uri="{FF2B5EF4-FFF2-40B4-BE49-F238E27FC236}">
+                    <a16:creationId xmlns:a16="http://schemas.microsoft.com/office/drawing/2014/main" id="{F651D142-726A-1536-7139-B801D41F3C9D}"/>
+                  </a:ext>
+                </a:extLst>
+              </p:cNvPr>
+              <p:cNvSpPr txBox="1"/>
+              <p:nvPr/>
+            </p:nvSpPr>
+            <p:spPr>
+              <a:xfrm>
+                <a:off x="7278191" y="2487820"/>
+                <a:ext cx="1832900" cy="307777"/>
+              </a:xfrm>
+              <a:prstGeom prst="rect">
+                <a:avLst/>
+              </a:prstGeom>
+              <a:noFill/>
+            </p:spPr>
+            <p:txBody>
+              <a:bodyPr wrap="square" rtlCol="0">
+                <a:spAutoFit/>
+              </a:bodyPr>
+              <a:lstStyle/>
+              <a:p>
+                <a:pPr algn="ctr"/>
+                <a:r>
+                  <a:rPr kumimoji="1" lang="ja-JP" altLang="en-US" sz="1400" dirty="0"/>
+                  <a:t>需要</a:t>
+                </a:r>
+                <a:r>
+                  <a:rPr lang="ja-JP" altLang="en-US" sz="1400" dirty="0"/>
+                  <a:t>（シフト後）</a:t>
+                </a:r>
+                <a:endParaRPr kumimoji="1" lang="ja-JP" altLang="en-US" sz="1400" dirty="0"/>
+              </a:p>
+            </p:txBody>
+          </p:sp>
+        </p:grpSp>
+        <p:cxnSp>
+          <p:nvCxnSpPr>
+            <p:cNvPr id="75" name="直線コネクタ 74">
+              <a:extLst>
+                <a:ext uri="{FF2B5EF4-FFF2-40B4-BE49-F238E27FC236}">
+                  <a16:creationId xmlns:a16="http://schemas.microsoft.com/office/drawing/2014/main" id="{F418FCEC-F46B-2886-5FE2-4406FA7446A7}"/>
+                </a:ext>
+              </a:extLst>
+            </p:cNvPr>
+            <p:cNvCxnSpPr>
+              <a:cxnSpLocks/>
+            </p:cNvCxnSpPr>
+            <p:nvPr/>
+          </p:nvCxnSpPr>
+          <p:spPr>
+            <a:xfrm>
+              <a:off x="4196450" y="2596806"/>
+              <a:ext cx="0" cy="588068"/>
+            </a:xfrm>
+            <a:prstGeom prst="line">
+              <a:avLst/>
+            </a:prstGeom>
+            <a:ln w="12700">
+              <a:solidFill>
+                <a:schemeClr val="tx1"/>
+              </a:solidFill>
+              <a:prstDash val="dash"/>
+            </a:ln>
+          </p:spPr>
+          <p:style>
+            <a:lnRef idx="1">
+              <a:schemeClr val="accent1"/>
+            </a:lnRef>
+            <a:fillRef idx="0">
+              <a:schemeClr val="accent1"/>
+            </a:fillRef>
+            <a:effectRef idx="0">
+              <a:schemeClr val="accent1"/>
+            </a:effectRef>
+            <a:fontRef idx="minor">
+              <a:schemeClr val="tx1"/>
+            </a:fontRef>
+          </p:style>
+        </p:cxnSp>
+        <mc:AlternateContent xmlns:mc="http://schemas.openxmlformats.org/markup-compatibility/2006">
+          <mc:Choice xmlns:a14="http://schemas.microsoft.com/office/drawing/2010/main" Requires="a14">
+            <p:sp>
+              <p:nvSpPr>
+                <p:cNvPr id="76" name="テキスト ボックス 75">
+                  <a:extLst>
+                    <a:ext uri="{FF2B5EF4-FFF2-40B4-BE49-F238E27FC236}">
+                      <a16:creationId xmlns:a16="http://schemas.microsoft.com/office/drawing/2014/main" id="{3F9FCEF9-6290-70BC-1522-881848EF719C}"/>
+                    </a:ext>
+                  </a:extLst>
+                </p:cNvPr>
+                <p:cNvSpPr txBox="1"/>
+                <p:nvPr/>
+              </p:nvSpPr>
+              <p:spPr>
+                <a:xfrm>
+                  <a:off x="3775345" y="3187597"/>
+                  <a:ext cx="842210" cy="307777"/>
+                </a:xfrm>
+                <a:prstGeom prst="rect">
+                  <a:avLst/>
+                </a:prstGeom>
+                <a:noFill/>
+              </p:spPr>
+              <p:txBody>
+                <a:bodyPr wrap="square" rtlCol="0">
+                  <a:spAutoFit/>
+                </a:bodyPr>
+                <a:lstStyle/>
+                <a:p>
+                  <a:pPr algn="ctr"/>
+                  <a14:m>
+                    <m:oMathPara xmlns:m="http://schemas.openxmlformats.org/officeDocument/2006/math">
+                      <m:oMathParaPr>
+                        <m:jc m:val="centerGroup"/>
+                      </m:oMathParaPr>
+                      <m:oMath xmlns:m="http://schemas.openxmlformats.org/officeDocument/2006/math">
+                        <m:sSub>
+                          <m:sSubPr>
+                            <m:ctrlPr>
+                              <a:rPr kumimoji="1" lang="en-US" altLang="ja-JP" sz="1400" b="0" i="1" smtClean="0">
+                                <a:latin typeface="Cambria Math" panose="02040503050406030204" pitchFamily="18" charset="0"/>
+                              </a:rPr>
+                            </m:ctrlPr>
+                          </m:sSubPr>
+                          <m:e>
+                            <m:r>
+                              <a:rPr kumimoji="1" lang="en-US" altLang="ja-JP" sz="1400" b="0" i="1" smtClean="0">
+                                <a:latin typeface="Cambria Math" panose="02040503050406030204" pitchFamily="18" charset="0"/>
+                              </a:rPr>
+                              <m:t>𝐿</m:t>
+                            </m:r>
+                          </m:e>
+                          <m:sub>
+                            <m:r>
+                              <a:rPr lang="en-US" altLang="ja-JP" sz="1400" i="1">
+                                <a:latin typeface="Cambria Math" panose="02040503050406030204" pitchFamily="18" charset="0"/>
+                              </a:rPr>
+                              <m:t>3</m:t>
+                            </m:r>
+                          </m:sub>
+                        </m:sSub>
+                      </m:oMath>
+                    </m:oMathPara>
+                  </a14:m>
+                  <a:endParaRPr kumimoji="1" lang="ja-JP" altLang="en-US" sz="1400" dirty="0"/>
+                </a:p>
+              </p:txBody>
+            </p:sp>
+          </mc:Choice>
+          <mc:Fallback>
+            <p:sp>
+              <p:nvSpPr>
+                <p:cNvPr id="76" name="テキスト ボックス 75">
+                  <a:extLst>
+                    <a:ext uri="{FF2B5EF4-FFF2-40B4-BE49-F238E27FC236}">
+                      <a16:creationId xmlns:a16="http://schemas.microsoft.com/office/drawing/2014/main" id="{3F9FCEF9-6290-70BC-1522-881848EF719C}"/>
+                    </a:ext>
+                  </a:extLst>
+                </p:cNvPr>
+                <p:cNvSpPr txBox="1">
+                  <a:spLocks noRot="1" noChangeAspect="1" noMove="1" noResize="1" noEditPoints="1" noAdjustHandles="1" noChangeArrowheads="1" noChangeShapeType="1" noTextEdit="1"/>
+                </p:cNvSpPr>
+                <p:nvPr/>
+              </p:nvSpPr>
+              <p:spPr>
+                <a:xfrm>
+                  <a:off x="3775345" y="3187597"/>
+                  <a:ext cx="842210" cy="307777"/>
+                </a:xfrm>
+                <a:prstGeom prst="rect">
+                  <a:avLst/>
+                </a:prstGeom>
+                <a:blipFill>
+                  <a:blip r:embed="rId7"/>
+                  <a:stretch>
+                    <a:fillRect/>
+                  </a:stretch>
+                </a:blipFill>
+              </p:spPr>
+              <p:txBody>
+                <a:bodyPr/>
+                <a:lstStyle/>
+                <a:p>
+                  <a:r>
+                    <a:rPr lang="ja-JP" altLang="en-US">
+                      <a:noFill/>
+                    </a:rPr>
+                    <a:t> </a:t>
+                  </a:r>
+                </a:p>
+              </p:txBody>
+            </p:sp>
+          </mc:Fallback>
+        </mc:AlternateContent>
+      </p:grpSp>
+    </p:spTree>
+    <p:extLst>
+      <p:ext uri="{BB962C8B-B14F-4D97-AF65-F5344CB8AC3E}">
+        <p14:creationId xmlns:p14="http://schemas.microsoft.com/office/powerpoint/2010/main" val="2325529961"/>
+      </p:ext>
+    </p:extLst>
+  </p:cSld>
+  <p:clrMapOvr>
+    <a:masterClrMapping/>
+  </p:clrMapOvr>
+</p:sld>
+</file>
+
+<file path=ppt/slides/slide9.xml><?xml version="1.0" encoding="utf-8"?>
+<p:sld xmlns:a="http://schemas.openxmlformats.org/drawingml/2006/main" xmlns:r="http://schemas.openxmlformats.org/officeDocument/2006/relationships" xmlns:p="http://schemas.openxmlformats.org/presentationml/2006/main">
+  <p:cSld>
+    <p:spTree>
+      <p:nvGrpSpPr>
+        <p:cNvPr id="1" name=""/>
+        <p:cNvGrpSpPr/>
+        <p:nvPr/>
+      </p:nvGrpSpPr>
+      <p:grpSpPr>
+        <a:xfrm>
+          <a:off x="0" y="0"/>
+          <a:ext cx="0" cy="0"/>
+          <a:chOff x="0" y="0"/>
+          <a:chExt cx="0" cy="0"/>
+        </a:xfrm>
+      </p:grpSpPr>
+      <p:grpSp>
+        <p:nvGrpSpPr>
+          <p:cNvPr id="81" name="グループ化 80">
             <a:extLst>
               <a:ext uri="{FF2B5EF4-FFF2-40B4-BE49-F238E27FC236}">
-                <a16:creationId xmlns:a16="http://schemas.microsoft.com/office/drawing/2014/main" id="{91B0D974-B910-9893-0B04-75221F1639AD}"/>
+                <a16:creationId xmlns:a16="http://schemas.microsoft.com/office/drawing/2014/main" id="{76D9596E-9294-480E-296B-E3DD658FE6FF}"/>
               </a:ext>
             </a:extLst>
           </p:cNvPr>
-          <p:cNvSpPr txBox="1"/>
+          <p:cNvGrpSpPr/>
           <p:nvPr/>
-        </p:nvSpPr>
-        <p:spPr>
+        </p:nvGrpSpPr>
+        <p:grpSpPr>
           <a:xfrm>
-            <a:off x="8410074" y="604100"/>
-            <a:ext cx="842210" cy="307777"/>
+            <a:off x="3720338" y="125407"/>
+            <a:ext cx="4751324" cy="3368686"/>
+            <a:chOff x="6299843" y="126848"/>
+            <a:chExt cx="4751324" cy="3368686"/>
           </a:xfrm>
-          <a:prstGeom prst="rect">
-            <a:avLst/>
-          </a:prstGeom>
-          <a:noFill/>
-        </p:spPr>
-        <p:txBody>
-          <a:bodyPr wrap="square" rtlCol="0">
-            <a:spAutoFit/>
-          </a:bodyPr>
-          <a:lstStyle/>
-          <a:p>
-            <a:pPr algn="ctr"/>
-            <a:r>
-              <a:rPr kumimoji="1" lang="ja-JP" altLang="en-US" sz="1400" dirty="0"/>
-              <a:t>供給</a:t>
-            </a:r>
-          </a:p>
-        </p:txBody>
-      </p:sp>
+        </p:grpSpPr>
+        <p:grpSp>
+          <p:nvGrpSpPr>
+            <p:cNvPr id="39" name="グループ化 38">
+              <a:extLst>
+                <a:ext uri="{FF2B5EF4-FFF2-40B4-BE49-F238E27FC236}">
+                  <a16:creationId xmlns:a16="http://schemas.microsoft.com/office/drawing/2014/main" id="{E27E1631-9866-002A-9456-B8D306027306}"/>
+                </a:ext>
+              </a:extLst>
+            </p:cNvPr>
+            <p:cNvGrpSpPr/>
+            <p:nvPr/>
+          </p:nvGrpSpPr>
+          <p:grpSpPr>
+            <a:xfrm>
+              <a:off x="6299843" y="126848"/>
+              <a:ext cx="4751324" cy="3368686"/>
+              <a:chOff x="3891716" y="203793"/>
+              <a:chExt cx="4751324" cy="3368686"/>
+            </a:xfrm>
+          </p:grpSpPr>
+          <p:grpSp>
+            <p:nvGrpSpPr>
+              <p:cNvPr id="40" name="グループ化 39">
+                <a:extLst>
+                  <a:ext uri="{FF2B5EF4-FFF2-40B4-BE49-F238E27FC236}">
+                    <a16:creationId xmlns:a16="http://schemas.microsoft.com/office/drawing/2014/main" id="{6CEE95F9-5FE1-1827-9721-1F21B9C0BB27}"/>
+                  </a:ext>
+                </a:extLst>
+              </p:cNvPr>
+              <p:cNvGrpSpPr/>
+              <p:nvPr/>
+            </p:nvGrpSpPr>
+            <p:grpSpPr>
+              <a:xfrm>
+                <a:off x="3891716" y="203793"/>
+                <a:ext cx="4751324" cy="3211915"/>
+                <a:chOff x="5300915" y="280736"/>
+                <a:chExt cx="4751324" cy="3211915"/>
+              </a:xfrm>
+            </p:grpSpPr>
+            <p:cxnSp>
+              <p:nvCxnSpPr>
+                <p:cNvPr id="53" name="直線矢印コネクタ 52">
+                  <a:extLst>
+                    <a:ext uri="{FF2B5EF4-FFF2-40B4-BE49-F238E27FC236}">
+                      <a16:creationId xmlns:a16="http://schemas.microsoft.com/office/drawing/2014/main" id="{49E788E8-7A17-136F-5ED5-FB644C62CFD3}"/>
+                    </a:ext>
+                  </a:extLst>
+                </p:cNvPr>
+                <p:cNvCxnSpPr>
+                  <a:cxnSpLocks/>
+                </p:cNvCxnSpPr>
+                <p:nvPr/>
+              </p:nvCxnSpPr>
+              <p:spPr>
+                <a:xfrm flipV="1">
+                  <a:off x="5642811" y="547437"/>
+                  <a:ext cx="0" cy="2791326"/>
+                </a:xfrm>
+                <a:prstGeom prst="straightConnector1">
+                  <a:avLst/>
+                </a:prstGeom>
+                <a:ln w="19050">
+                  <a:solidFill>
+                    <a:schemeClr val="tx1"/>
+                  </a:solidFill>
+                  <a:headEnd type="none" w="med" len="med"/>
+                  <a:tailEnd type="arrow" w="med" len="med"/>
+                </a:ln>
+              </p:spPr>
+              <p:style>
+                <a:lnRef idx="1">
+                  <a:schemeClr val="accent1"/>
+                </a:lnRef>
+                <a:fillRef idx="0">
+                  <a:schemeClr val="accent1"/>
+                </a:fillRef>
+                <a:effectRef idx="0">
+                  <a:schemeClr val="accent1"/>
+                </a:effectRef>
+                <a:fontRef idx="minor">
+                  <a:schemeClr val="tx1"/>
+                </a:fontRef>
+              </p:style>
+            </p:cxnSp>
+            <p:cxnSp>
+              <p:nvCxnSpPr>
+                <p:cNvPr id="54" name="直線矢印コネクタ 53">
+                  <a:extLst>
+                    <a:ext uri="{FF2B5EF4-FFF2-40B4-BE49-F238E27FC236}">
+                      <a16:creationId xmlns:a16="http://schemas.microsoft.com/office/drawing/2014/main" id="{F0104F12-6668-371C-3E48-A49F4E734601}"/>
+                    </a:ext>
+                  </a:extLst>
+                </p:cNvPr>
+                <p:cNvCxnSpPr>
+                  <a:cxnSpLocks/>
+                </p:cNvCxnSpPr>
+                <p:nvPr/>
+              </p:nvCxnSpPr>
+              <p:spPr>
+                <a:xfrm>
+                  <a:off x="5642811" y="3338763"/>
+                  <a:ext cx="3224463" cy="0"/>
+                </a:xfrm>
+                <a:prstGeom prst="straightConnector1">
+                  <a:avLst/>
+                </a:prstGeom>
+                <a:ln w="19050">
+                  <a:solidFill>
+                    <a:schemeClr val="tx1"/>
+                  </a:solidFill>
+                  <a:headEnd type="none" w="med" len="med"/>
+                  <a:tailEnd type="arrow" w="med" len="med"/>
+                </a:ln>
+              </p:spPr>
+              <p:style>
+                <a:lnRef idx="1">
+                  <a:schemeClr val="accent1"/>
+                </a:lnRef>
+                <a:fillRef idx="0">
+                  <a:schemeClr val="accent1"/>
+                </a:fillRef>
+                <a:effectRef idx="0">
+                  <a:schemeClr val="accent1"/>
+                </a:effectRef>
+                <a:fontRef idx="minor">
+                  <a:schemeClr val="tx1"/>
+                </a:fontRef>
+              </p:style>
+            </p:cxnSp>
+            <p:sp>
+              <p:nvSpPr>
+                <p:cNvPr id="55" name="テキスト ボックス 54">
+                  <a:extLst>
+                    <a:ext uri="{FF2B5EF4-FFF2-40B4-BE49-F238E27FC236}">
+                      <a16:creationId xmlns:a16="http://schemas.microsoft.com/office/drawing/2014/main" id="{89A0DEF1-F0F6-A68B-8450-A17E38EAE9A2}"/>
+                    </a:ext>
+                  </a:extLst>
+                </p:cNvPr>
+                <p:cNvSpPr txBox="1"/>
+                <p:nvPr/>
+              </p:nvSpPr>
+              <p:spPr>
+                <a:xfrm>
+                  <a:off x="5300915" y="280736"/>
+                  <a:ext cx="683792" cy="307777"/>
+                </a:xfrm>
+                <a:prstGeom prst="rect">
+                  <a:avLst/>
+                </a:prstGeom>
+                <a:noFill/>
+              </p:spPr>
+              <p:txBody>
+                <a:bodyPr wrap="square" rtlCol="0">
+                  <a:spAutoFit/>
+                </a:bodyPr>
+                <a:lstStyle/>
+                <a:p>
+                  <a:pPr algn="ctr"/>
+                  <a:r>
+                    <a:rPr lang="ja-JP" altLang="en-US" sz="1400" dirty="0"/>
+                    <a:t>賃金</a:t>
+                  </a:r>
+                  <a:endParaRPr kumimoji="1" lang="ja-JP" altLang="en-US" sz="1400" dirty="0"/>
+                </a:p>
+              </p:txBody>
+            </p:sp>
+            <p:sp>
+              <p:nvSpPr>
+                <p:cNvPr id="56" name="テキスト ボックス 55">
+                  <a:extLst>
+                    <a:ext uri="{FF2B5EF4-FFF2-40B4-BE49-F238E27FC236}">
+                      <a16:creationId xmlns:a16="http://schemas.microsoft.com/office/drawing/2014/main" id="{53F00CB4-C2DA-0E1E-434D-BD8EC9B751F8}"/>
+                    </a:ext>
+                  </a:extLst>
+                </p:cNvPr>
+                <p:cNvSpPr txBox="1"/>
+                <p:nvPr/>
+              </p:nvSpPr>
+              <p:spPr>
+                <a:xfrm>
+                  <a:off x="8867274" y="3184874"/>
+                  <a:ext cx="842210" cy="307777"/>
+                </a:xfrm>
+                <a:prstGeom prst="rect">
+                  <a:avLst/>
+                </a:prstGeom>
+                <a:noFill/>
+              </p:spPr>
+              <p:txBody>
+                <a:bodyPr wrap="square" rtlCol="0">
+                  <a:spAutoFit/>
+                </a:bodyPr>
+                <a:lstStyle/>
+                <a:p>
+                  <a:pPr algn="ctr"/>
+                  <a:r>
+                    <a:rPr kumimoji="1" lang="ja-JP" altLang="en-US" sz="1400" dirty="0"/>
+                    <a:t>雇用量</a:t>
+                  </a:r>
+                </a:p>
+              </p:txBody>
+            </p:sp>
+            <p:sp>
+              <p:nvSpPr>
+                <p:cNvPr id="58" name="フリーフォーム: 図形 57">
+                  <a:extLst>
+                    <a:ext uri="{FF2B5EF4-FFF2-40B4-BE49-F238E27FC236}">
+                      <a16:creationId xmlns:a16="http://schemas.microsoft.com/office/drawing/2014/main" id="{B0E92533-6357-990A-68E8-457DECD0ED50}"/>
+                    </a:ext>
+                  </a:extLst>
+                </p:cNvPr>
+                <p:cNvSpPr/>
+                <p:nvPr/>
+              </p:nvSpPr>
+              <p:spPr>
+                <a:xfrm>
+                  <a:off x="5883442" y="757989"/>
+                  <a:ext cx="2598821" cy="2358190"/>
+                </a:xfrm>
+                <a:custGeom>
+                  <a:avLst/>
+                  <a:gdLst>
+                    <a:gd name="connsiteX0" fmla="*/ 0 w 2598821"/>
+                    <a:gd name="connsiteY0" fmla="*/ 2358190 h 2358190"/>
+                    <a:gd name="connsiteX1" fmla="*/ 1780674 w 2598821"/>
+                    <a:gd name="connsiteY1" fmla="*/ 1690437 h 2358190"/>
+                    <a:gd name="connsiteX2" fmla="*/ 2598821 w 2598821"/>
+                    <a:gd name="connsiteY2" fmla="*/ 0 h 2358190"/>
+                  </a:gdLst>
+                  <a:ahLst/>
+                  <a:cxnLst>
+                    <a:cxn ang="0">
+                      <a:pos x="connsiteX0" y="connsiteY0"/>
+                    </a:cxn>
+                    <a:cxn ang="0">
+                      <a:pos x="connsiteX1" y="connsiteY1"/>
+                    </a:cxn>
+                    <a:cxn ang="0">
+                      <a:pos x="connsiteX2" y="connsiteY2"/>
+                    </a:cxn>
+                  </a:cxnLst>
+                  <a:rect l="l" t="t" r="r" b="b"/>
+                  <a:pathLst>
+                    <a:path w="2598821" h="2358190">
+                      <a:moveTo>
+                        <a:pt x="0" y="2358190"/>
+                      </a:moveTo>
+                      <a:cubicBezTo>
+                        <a:pt x="673768" y="2220829"/>
+                        <a:pt x="1347537" y="2083469"/>
+                        <a:pt x="1780674" y="1690437"/>
+                      </a:cubicBezTo>
+                      <a:cubicBezTo>
+                        <a:pt x="2213811" y="1297405"/>
+                        <a:pt x="2406316" y="648702"/>
+                        <a:pt x="2598821" y="0"/>
+                      </a:cubicBezTo>
+                    </a:path>
+                  </a:pathLst>
+                </a:custGeom>
+                <a:noFill/>
+                <a:ln w="28575">
+                  <a:prstDash val="dash"/>
+                </a:ln>
+              </p:spPr>
+              <p:style>
+                <a:lnRef idx="2">
+                  <a:schemeClr val="accent1">
+                    <a:shade val="15000"/>
+                  </a:schemeClr>
+                </a:lnRef>
+                <a:fillRef idx="1">
+                  <a:schemeClr val="accent1"/>
+                </a:fillRef>
+                <a:effectRef idx="0">
+                  <a:schemeClr val="accent1"/>
+                </a:effectRef>
+                <a:fontRef idx="minor">
+                  <a:schemeClr val="lt1"/>
+                </a:fontRef>
+              </p:style>
+              <p:txBody>
+                <a:bodyPr rtlCol="0" anchor="ctr"/>
+                <a:lstStyle/>
+                <a:p>
+                  <a:pPr algn="ctr"/>
+                  <a:endParaRPr kumimoji="1" lang="ja-JP" altLang="en-US"/>
+                </a:p>
+              </p:txBody>
+            </p:sp>
+            <p:sp>
+              <p:nvSpPr>
+                <p:cNvPr id="59" name="テキスト ボックス 58">
+                  <a:extLst>
+                    <a:ext uri="{FF2B5EF4-FFF2-40B4-BE49-F238E27FC236}">
+                      <a16:creationId xmlns:a16="http://schemas.microsoft.com/office/drawing/2014/main" id="{8BD0B1E9-E0ED-301F-01A0-1183E8C4E212}"/>
+                    </a:ext>
+                  </a:extLst>
+                </p:cNvPr>
+                <p:cNvSpPr txBox="1"/>
+                <p:nvPr/>
+              </p:nvSpPr>
+              <p:spPr>
+                <a:xfrm>
+                  <a:off x="8570969" y="2844506"/>
+                  <a:ext cx="842210" cy="307777"/>
+                </a:xfrm>
+                <a:prstGeom prst="rect">
+                  <a:avLst/>
+                </a:prstGeom>
+                <a:noFill/>
+              </p:spPr>
+              <p:txBody>
+                <a:bodyPr wrap="square" rtlCol="0">
+                  <a:spAutoFit/>
+                </a:bodyPr>
+                <a:lstStyle/>
+                <a:p>
+                  <a:pPr algn="ctr"/>
+                  <a:r>
+                    <a:rPr kumimoji="1" lang="ja-JP" altLang="en-US" sz="1400" dirty="0"/>
+                    <a:t>需要</a:t>
+                  </a:r>
+                </a:p>
+              </p:txBody>
+            </p:sp>
+            <p:sp>
+              <p:nvSpPr>
+                <p:cNvPr id="60" name="テキスト ボックス 59">
+                  <a:extLst>
+                    <a:ext uri="{FF2B5EF4-FFF2-40B4-BE49-F238E27FC236}">
+                      <a16:creationId xmlns:a16="http://schemas.microsoft.com/office/drawing/2014/main" id="{67A229D6-3305-8B94-8A88-8E878B5AF22D}"/>
+                    </a:ext>
+                  </a:extLst>
+                </p:cNvPr>
+                <p:cNvSpPr txBox="1"/>
+                <p:nvPr/>
+              </p:nvSpPr>
+              <p:spPr>
+                <a:xfrm>
+                  <a:off x="8427434" y="1470617"/>
+                  <a:ext cx="1624805" cy="307777"/>
+                </a:xfrm>
+                <a:prstGeom prst="rect">
+                  <a:avLst/>
+                </a:prstGeom>
+                <a:noFill/>
+              </p:spPr>
+              <p:txBody>
+                <a:bodyPr wrap="square" rtlCol="0">
+                  <a:spAutoFit/>
+                </a:bodyPr>
+                <a:lstStyle/>
+                <a:p>
+                  <a:pPr algn="ctr"/>
+                  <a:r>
+                    <a:rPr kumimoji="1" lang="ja-JP" altLang="en-US" sz="1400" dirty="0"/>
+                    <a:t>供給</a:t>
+                  </a:r>
+                  <a:r>
+                    <a:rPr lang="ja-JP" altLang="en-US" sz="1400" dirty="0"/>
+                    <a:t>（シフト後）</a:t>
+                  </a:r>
+                  <a:endParaRPr kumimoji="1" lang="ja-JP" altLang="en-US" sz="1400" dirty="0"/>
+                </a:p>
+              </p:txBody>
+            </p:sp>
+          </p:grpSp>
+          <p:sp>
+            <p:nvSpPr>
+              <p:cNvPr id="41" name="フリーフォーム: 図形 40">
+                <a:extLst>
+                  <a:ext uri="{FF2B5EF4-FFF2-40B4-BE49-F238E27FC236}">
+                    <a16:creationId xmlns:a16="http://schemas.microsoft.com/office/drawing/2014/main" id="{CD780250-2B96-7783-7FCA-31CD7B9BD5F8}"/>
+                  </a:ext>
+                </a:extLst>
+              </p:cNvPr>
+              <p:cNvSpPr/>
+              <p:nvPr/>
+            </p:nvSpPr>
+            <p:spPr>
+              <a:xfrm>
+                <a:off x="4449088" y="861003"/>
+                <a:ext cx="2761248" cy="2051384"/>
+              </a:xfrm>
+              <a:custGeom>
+                <a:avLst/>
+                <a:gdLst>
+                  <a:gd name="connsiteX0" fmla="*/ 0 w 2761248"/>
+                  <a:gd name="connsiteY0" fmla="*/ 0 h 2051384"/>
+                  <a:gd name="connsiteX1" fmla="*/ 842211 w 2761248"/>
+                  <a:gd name="connsiteY1" fmla="*/ 1606216 h 2051384"/>
+                  <a:gd name="connsiteX2" fmla="*/ 2761248 w 2761248"/>
+                  <a:gd name="connsiteY2" fmla="*/ 2051384 h 2051384"/>
+                </a:gdLst>
+                <a:ahLst/>
+                <a:cxnLst>
+                  <a:cxn ang="0">
+                    <a:pos x="connsiteX0" y="connsiteY0"/>
+                  </a:cxn>
+                  <a:cxn ang="0">
+                    <a:pos x="connsiteX1" y="connsiteY1"/>
+                  </a:cxn>
+                  <a:cxn ang="0">
+                    <a:pos x="connsiteX2" y="connsiteY2"/>
+                  </a:cxn>
+                </a:cxnLst>
+                <a:rect l="l" t="t" r="r" b="b"/>
+                <a:pathLst>
+                  <a:path w="2761248" h="2051384">
+                    <a:moveTo>
+                      <a:pt x="0" y="0"/>
+                    </a:moveTo>
+                    <a:cubicBezTo>
+                      <a:pt x="191001" y="632159"/>
+                      <a:pt x="382003" y="1264319"/>
+                      <a:pt x="842211" y="1606216"/>
+                    </a:cubicBezTo>
+                    <a:cubicBezTo>
+                      <a:pt x="1302419" y="1948113"/>
+                      <a:pt x="2031833" y="1999748"/>
+                      <a:pt x="2761248" y="2051384"/>
+                    </a:cubicBezTo>
+                  </a:path>
+                </a:pathLst>
+              </a:custGeom>
+              <a:noFill/>
+              <a:ln w="28575"/>
+            </p:spPr>
+            <p:style>
+              <a:lnRef idx="2">
+                <a:schemeClr val="accent1">
+                  <a:shade val="15000"/>
+                </a:schemeClr>
+              </a:lnRef>
+              <a:fillRef idx="1">
+                <a:schemeClr val="accent1"/>
+              </a:fillRef>
+              <a:effectRef idx="0">
+                <a:schemeClr val="accent1"/>
+              </a:effectRef>
+              <a:fontRef idx="minor">
+                <a:schemeClr val="lt1"/>
+              </a:fontRef>
+            </p:style>
+            <p:txBody>
+              <a:bodyPr rtlCol="0" anchor="ctr"/>
+              <a:lstStyle/>
+              <a:p>
+                <a:pPr algn="ctr"/>
+                <a:endParaRPr kumimoji="1" lang="ja-JP" altLang="en-US"/>
+              </a:p>
+            </p:txBody>
+          </p:sp>
+          <mc:AlternateContent xmlns:mc="http://schemas.openxmlformats.org/markup-compatibility/2006">
+            <mc:Choice xmlns:a14="http://schemas.microsoft.com/office/drawing/2010/main" Requires="a14">
+              <p:sp>
+                <p:nvSpPr>
+                  <p:cNvPr id="42" name="テキスト ボックス 41">
+                    <a:extLst>
+                      <a:ext uri="{FF2B5EF4-FFF2-40B4-BE49-F238E27FC236}">
+                        <a16:creationId xmlns:a16="http://schemas.microsoft.com/office/drawing/2014/main" id="{782A1389-B805-8314-10A9-8AE787ADB682}"/>
+                      </a:ext>
+                    </a:extLst>
+                  </p:cNvPr>
+                  <p:cNvSpPr txBox="1"/>
+                  <p:nvPr/>
+                </p:nvSpPr>
+                <p:spPr>
+                  <a:xfrm>
+                    <a:off x="5329398" y="3261819"/>
+                    <a:ext cx="842210" cy="307777"/>
+                  </a:xfrm>
+                  <a:prstGeom prst="rect">
+                    <a:avLst/>
+                  </a:prstGeom>
+                  <a:noFill/>
+                </p:spPr>
+                <p:txBody>
+                  <a:bodyPr wrap="square" rtlCol="0">
+                    <a:spAutoFit/>
+                  </a:bodyPr>
+                  <a:lstStyle/>
+                  <a:p>
+                    <a:pPr algn="ctr"/>
+                    <a14:m>
+                      <m:oMathPara xmlns:m="http://schemas.openxmlformats.org/officeDocument/2006/math">
+                        <m:oMathParaPr>
+                          <m:jc m:val="centerGroup"/>
+                        </m:oMathParaPr>
+                        <m:oMath xmlns:m="http://schemas.openxmlformats.org/officeDocument/2006/math">
+                          <m:sSub>
+                            <m:sSubPr>
+                              <m:ctrlPr>
+                                <a:rPr kumimoji="1" lang="en-US" altLang="ja-JP" sz="1400" b="0" i="1" smtClean="0">
+                                  <a:latin typeface="Cambria Math" panose="02040503050406030204" pitchFamily="18" charset="0"/>
+                                </a:rPr>
+                              </m:ctrlPr>
+                            </m:sSubPr>
+                            <m:e>
+                              <m:r>
+                                <a:rPr kumimoji="1" lang="en-US" altLang="ja-JP" sz="1400" b="0" i="1" smtClean="0">
+                                  <a:latin typeface="Cambria Math" panose="02040503050406030204" pitchFamily="18" charset="0"/>
+                                </a:rPr>
+                                <m:t>𝐿</m:t>
+                              </m:r>
+                            </m:e>
+                            <m:sub>
+                              <m:r>
+                                <a:rPr kumimoji="1" lang="en-US" altLang="ja-JP" sz="1400" b="0" i="1" smtClean="0">
+                                  <a:latin typeface="Cambria Math" panose="02040503050406030204" pitchFamily="18" charset="0"/>
+                                </a:rPr>
+                                <m:t>1</m:t>
+                              </m:r>
+                            </m:sub>
+                          </m:sSub>
+                        </m:oMath>
+                      </m:oMathPara>
+                    </a14:m>
+                    <a:endParaRPr kumimoji="1" lang="ja-JP" altLang="en-US" sz="1400" dirty="0"/>
+                  </a:p>
+                </p:txBody>
+              </p:sp>
+            </mc:Choice>
+            <mc:Fallback>
+              <p:sp>
+                <p:nvSpPr>
+                  <p:cNvPr id="42" name="テキスト ボックス 41">
+                    <a:extLst>
+                      <a:ext uri="{FF2B5EF4-FFF2-40B4-BE49-F238E27FC236}">
+                        <a16:creationId xmlns:a16="http://schemas.microsoft.com/office/drawing/2014/main" id="{782A1389-B805-8314-10A9-8AE787ADB682}"/>
+                      </a:ext>
+                    </a:extLst>
+                  </p:cNvPr>
+                  <p:cNvSpPr txBox="1">
+                    <a:spLocks noRot="1" noChangeAspect="1" noMove="1" noResize="1" noEditPoints="1" noAdjustHandles="1" noChangeArrowheads="1" noChangeShapeType="1" noTextEdit="1"/>
+                  </p:cNvSpPr>
+                  <p:nvPr/>
+                </p:nvSpPr>
+                <p:spPr>
+                  <a:xfrm>
+                    <a:off x="5329398" y="3261819"/>
+                    <a:ext cx="842210" cy="307777"/>
+                  </a:xfrm>
+                  <a:prstGeom prst="rect">
+                    <a:avLst/>
+                  </a:prstGeom>
+                  <a:blipFill>
+                    <a:blip r:embed="rId2"/>
+                    <a:stretch>
+                      <a:fillRect/>
+                    </a:stretch>
+                  </a:blipFill>
+                </p:spPr>
+                <p:txBody>
+                  <a:bodyPr/>
+                  <a:lstStyle/>
+                  <a:p>
+                    <a:r>
+                      <a:rPr lang="ja-JP" altLang="en-US">
+                        <a:noFill/>
+                      </a:rPr>
+                      <a:t> </a:t>
+                    </a:r>
+                  </a:p>
+                </p:txBody>
+              </p:sp>
+            </mc:Fallback>
+          </mc:AlternateContent>
+          <p:cxnSp>
+            <p:nvCxnSpPr>
+              <p:cNvPr id="43" name="直線コネクタ 42">
+                <a:extLst>
+                  <a:ext uri="{FF2B5EF4-FFF2-40B4-BE49-F238E27FC236}">
+                    <a16:creationId xmlns:a16="http://schemas.microsoft.com/office/drawing/2014/main" id="{D2E17D67-F412-63A6-71EA-679436AD64CC}"/>
+                  </a:ext>
+                </a:extLst>
+              </p:cNvPr>
+              <p:cNvCxnSpPr>
+                <a:cxnSpLocks/>
+              </p:cNvCxnSpPr>
+              <p:nvPr/>
+            </p:nvCxnSpPr>
+            <p:spPr>
+              <a:xfrm>
+                <a:off x="5750503" y="2673751"/>
+                <a:ext cx="0" cy="588068"/>
+              </a:xfrm>
+              <a:prstGeom prst="line">
+                <a:avLst/>
+              </a:prstGeom>
+              <a:ln w="12700">
+                <a:solidFill>
+                  <a:schemeClr val="tx1"/>
+                </a:solidFill>
+                <a:prstDash val="dash"/>
+              </a:ln>
+            </p:spPr>
+            <p:style>
+              <a:lnRef idx="1">
+                <a:schemeClr val="accent1"/>
+              </a:lnRef>
+              <a:fillRef idx="0">
+                <a:schemeClr val="accent1"/>
+              </a:fillRef>
+              <a:effectRef idx="0">
+                <a:schemeClr val="accent1"/>
+              </a:effectRef>
+              <a:fontRef idx="minor">
+                <a:schemeClr val="tx1"/>
+              </a:fontRef>
+            </p:style>
+          </p:cxnSp>
+          <mc:AlternateContent xmlns:mc="http://schemas.openxmlformats.org/markup-compatibility/2006">
+            <mc:Choice xmlns:a14="http://schemas.microsoft.com/office/drawing/2010/main" Requires="a14">
+              <p:sp>
+                <p:nvSpPr>
+                  <p:cNvPr id="44" name="テキスト ボックス 43">
+                    <a:extLst>
+                      <a:ext uri="{FF2B5EF4-FFF2-40B4-BE49-F238E27FC236}">
+                        <a16:creationId xmlns:a16="http://schemas.microsoft.com/office/drawing/2014/main" id="{0052DD4E-18C2-2F00-4DB1-85F83340A8D3}"/>
+                      </a:ext>
+                    </a:extLst>
+                  </p:cNvPr>
+                  <p:cNvSpPr txBox="1"/>
+                  <p:nvPr/>
+                </p:nvSpPr>
+                <p:spPr>
+                  <a:xfrm>
+                    <a:off x="3915999" y="2453757"/>
+                    <a:ext cx="341896" cy="319446"/>
+                  </a:xfrm>
+                  <a:prstGeom prst="rect">
+                    <a:avLst/>
+                  </a:prstGeom>
+                  <a:noFill/>
+                </p:spPr>
+                <p:txBody>
+                  <a:bodyPr wrap="square" rtlCol="0">
+                    <a:spAutoFit/>
+                  </a:bodyPr>
+                  <a:lstStyle/>
+                  <a:p>
+                    <a:pPr algn="ctr"/>
+                    <a14:m>
+                      <m:oMathPara xmlns:m="http://schemas.openxmlformats.org/officeDocument/2006/math">
+                        <m:oMathParaPr>
+                          <m:jc m:val="centerGroup"/>
+                        </m:oMathParaPr>
+                        <m:oMath xmlns:m="http://schemas.openxmlformats.org/officeDocument/2006/math">
+                          <m:sSub>
+                            <m:sSubPr>
+                              <m:ctrlPr>
+                                <a:rPr kumimoji="1" lang="en-US" altLang="ja-JP" sz="1400" b="0" i="1" smtClean="0">
+                                  <a:latin typeface="Cambria Math" panose="02040503050406030204" pitchFamily="18" charset="0"/>
+                                </a:rPr>
+                              </m:ctrlPr>
+                            </m:sSubPr>
+                            <m:e>
+                              <m:r>
+                                <a:rPr kumimoji="1" lang="en-US" altLang="ja-JP" sz="1400" b="0" i="1" smtClean="0">
+                                  <a:latin typeface="Cambria Math" panose="02040503050406030204" pitchFamily="18" charset="0"/>
+                                </a:rPr>
+                                <m:t>𝑊</m:t>
+                              </m:r>
+                            </m:e>
+                            <m:sub>
+                              <m:r>
+                                <a:rPr kumimoji="1" lang="en-US" altLang="ja-JP" sz="1400" b="0" i="1" smtClean="0">
+                                  <a:latin typeface="Cambria Math" panose="02040503050406030204" pitchFamily="18" charset="0"/>
+                                </a:rPr>
+                                <m:t>1</m:t>
+                              </m:r>
+                            </m:sub>
+                          </m:sSub>
+                        </m:oMath>
+                      </m:oMathPara>
+                    </a14:m>
+                    <a:endParaRPr kumimoji="1" lang="ja-JP" altLang="en-US" sz="1400" dirty="0"/>
+                  </a:p>
+                </p:txBody>
+              </p:sp>
+            </mc:Choice>
+            <mc:Fallback>
+              <p:sp>
+                <p:nvSpPr>
+                  <p:cNvPr id="44" name="テキスト ボックス 43">
+                    <a:extLst>
+                      <a:ext uri="{FF2B5EF4-FFF2-40B4-BE49-F238E27FC236}">
+                        <a16:creationId xmlns:a16="http://schemas.microsoft.com/office/drawing/2014/main" id="{0052DD4E-18C2-2F00-4DB1-85F83340A8D3}"/>
+                      </a:ext>
+                    </a:extLst>
+                  </p:cNvPr>
+                  <p:cNvSpPr txBox="1">
+                    <a:spLocks noRot="1" noChangeAspect="1" noMove="1" noResize="1" noEditPoints="1" noAdjustHandles="1" noChangeArrowheads="1" noChangeShapeType="1" noTextEdit="1"/>
+                  </p:cNvSpPr>
+                  <p:nvPr/>
+                </p:nvSpPr>
+                <p:spPr>
+                  <a:xfrm>
+                    <a:off x="3915999" y="2453757"/>
+                    <a:ext cx="341896" cy="319446"/>
+                  </a:xfrm>
+                  <a:prstGeom prst="rect">
+                    <a:avLst/>
+                  </a:prstGeom>
+                  <a:blipFill>
+                    <a:blip r:embed="rId3"/>
+                    <a:stretch>
+                      <a:fillRect l="-7143"/>
+                    </a:stretch>
+                  </a:blipFill>
+                </p:spPr>
+                <p:txBody>
+                  <a:bodyPr/>
+                  <a:lstStyle/>
+                  <a:p>
+                    <a:r>
+                      <a:rPr lang="ja-JP" altLang="en-US">
+                        <a:noFill/>
+                      </a:rPr>
+                      <a:t> </a:t>
+                    </a:r>
+                  </a:p>
+                </p:txBody>
+              </p:sp>
+            </mc:Fallback>
+          </mc:AlternateContent>
+          <p:cxnSp>
+            <p:nvCxnSpPr>
+              <p:cNvPr id="45" name="直線コネクタ 44">
+                <a:extLst>
+                  <a:ext uri="{FF2B5EF4-FFF2-40B4-BE49-F238E27FC236}">
+                    <a16:creationId xmlns:a16="http://schemas.microsoft.com/office/drawing/2014/main" id="{20323554-E2E9-57FD-25A2-027390C3A022}"/>
+                  </a:ext>
+                </a:extLst>
+              </p:cNvPr>
+              <p:cNvCxnSpPr>
+                <a:cxnSpLocks/>
+              </p:cNvCxnSpPr>
+              <p:nvPr/>
+            </p:nvCxnSpPr>
+            <p:spPr>
+              <a:xfrm flipH="1">
+                <a:off x="4233612" y="2696899"/>
+                <a:ext cx="1516891" cy="0"/>
+              </a:xfrm>
+              <a:prstGeom prst="line">
+                <a:avLst/>
+              </a:prstGeom>
+              <a:ln w="12700">
+                <a:solidFill>
+                  <a:schemeClr val="tx1"/>
+                </a:solidFill>
+                <a:prstDash val="dash"/>
+              </a:ln>
+            </p:spPr>
+            <p:style>
+              <a:lnRef idx="1">
+                <a:schemeClr val="accent1"/>
+              </a:lnRef>
+              <a:fillRef idx="0">
+                <a:schemeClr val="accent1"/>
+              </a:fillRef>
+              <a:effectRef idx="0">
+                <a:schemeClr val="accent1"/>
+              </a:effectRef>
+              <a:fontRef idx="minor">
+                <a:schemeClr val="tx1"/>
+              </a:fontRef>
+            </p:style>
+          </p:cxnSp>
+          <mc:AlternateContent xmlns:mc="http://schemas.openxmlformats.org/markup-compatibility/2006">
+            <mc:Choice xmlns:a14="http://schemas.microsoft.com/office/drawing/2010/main" Requires="a14">
+              <p:sp>
+                <p:nvSpPr>
+                  <p:cNvPr id="46" name="テキスト ボックス 45">
+                    <a:extLst>
+                      <a:ext uri="{FF2B5EF4-FFF2-40B4-BE49-F238E27FC236}">
+                        <a16:creationId xmlns:a16="http://schemas.microsoft.com/office/drawing/2014/main" id="{E4CDFE70-65D1-F762-DA1C-BC4153200392}"/>
+                      </a:ext>
+                    </a:extLst>
+                  </p:cNvPr>
+                  <p:cNvSpPr txBox="1"/>
+                  <p:nvPr/>
+                </p:nvSpPr>
+                <p:spPr>
+                  <a:xfrm>
+                    <a:off x="5677452" y="3264702"/>
+                    <a:ext cx="842210" cy="307777"/>
+                  </a:xfrm>
+                  <a:prstGeom prst="rect">
+                    <a:avLst/>
+                  </a:prstGeom>
+                  <a:noFill/>
+                </p:spPr>
+                <p:txBody>
+                  <a:bodyPr wrap="square" rtlCol="0">
+                    <a:spAutoFit/>
+                  </a:bodyPr>
+                  <a:lstStyle/>
+                  <a:p>
+                    <a:pPr algn="ctr"/>
+                    <a14:m>
+                      <m:oMathPara xmlns:m="http://schemas.openxmlformats.org/officeDocument/2006/math">
+                        <m:oMathParaPr>
+                          <m:jc m:val="centerGroup"/>
+                        </m:oMathParaPr>
+                        <m:oMath xmlns:m="http://schemas.openxmlformats.org/officeDocument/2006/math">
+                          <m:sSub>
+                            <m:sSubPr>
+                              <m:ctrlPr>
+                                <a:rPr kumimoji="1" lang="en-US" altLang="ja-JP" sz="1400" b="0" i="1" smtClean="0">
+                                  <a:latin typeface="Cambria Math" panose="02040503050406030204" pitchFamily="18" charset="0"/>
+                                </a:rPr>
+                              </m:ctrlPr>
+                            </m:sSubPr>
+                            <m:e>
+                              <m:r>
+                                <a:rPr kumimoji="1" lang="en-US" altLang="ja-JP" sz="1400" b="0" i="1" smtClean="0">
+                                  <a:latin typeface="Cambria Math" panose="02040503050406030204" pitchFamily="18" charset="0"/>
+                                </a:rPr>
+                                <m:t>𝐿</m:t>
+                              </m:r>
+                            </m:e>
+                            <m:sub>
+                              <m:r>
+                                <a:rPr lang="en-US" altLang="ja-JP" sz="1400" i="1">
+                                  <a:latin typeface="Cambria Math" panose="02040503050406030204" pitchFamily="18" charset="0"/>
+                                </a:rPr>
+                                <m:t>4</m:t>
+                              </m:r>
+                            </m:sub>
+                          </m:sSub>
+                        </m:oMath>
+                      </m:oMathPara>
+                    </a14:m>
+                    <a:endParaRPr kumimoji="1" lang="ja-JP" altLang="en-US" sz="1400" dirty="0"/>
+                  </a:p>
+                </p:txBody>
+              </p:sp>
+            </mc:Choice>
+            <mc:Fallback>
+              <p:sp>
+                <p:nvSpPr>
+                  <p:cNvPr id="46" name="テキスト ボックス 45">
+                    <a:extLst>
+                      <a:ext uri="{FF2B5EF4-FFF2-40B4-BE49-F238E27FC236}">
+                        <a16:creationId xmlns:a16="http://schemas.microsoft.com/office/drawing/2014/main" id="{E4CDFE70-65D1-F762-DA1C-BC4153200392}"/>
+                      </a:ext>
+                    </a:extLst>
+                  </p:cNvPr>
+                  <p:cNvSpPr txBox="1">
+                    <a:spLocks noRot="1" noChangeAspect="1" noMove="1" noResize="1" noEditPoints="1" noAdjustHandles="1" noChangeArrowheads="1" noChangeShapeType="1" noTextEdit="1"/>
+                  </p:cNvSpPr>
+                  <p:nvPr/>
+                </p:nvSpPr>
+                <p:spPr>
+                  <a:xfrm>
+                    <a:off x="5677452" y="3264702"/>
+                    <a:ext cx="842210" cy="307777"/>
+                  </a:xfrm>
+                  <a:prstGeom prst="rect">
+                    <a:avLst/>
+                  </a:prstGeom>
+                  <a:blipFill>
+                    <a:blip r:embed="rId4"/>
+                    <a:stretch>
+                      <a:fillRect/>
+                    </a:stretch>
+                  </a:blipFill>
+                </p:spPr>
+                <p:txBody>
+                  <a:bodyPr/>
+                  <a:lstStyle/>
+                  <a:p>
+                    <a:r>
+                      <a:rPr lang="ja-JP" altLang="en-US">
+                        <a:noFill/>
+                      </a:rPr>
+                      <a:t> </a:t>
+                    </a:r>
+                  </a:p>
+                </p:txBody>
+              </p:sp>
+            </mc:Fallback>
+          </mc:AlternateContent>
+          <p:cxnSp>
+            <p:nvCxnSpPr>
+              <p:cNvPr id="47" name="直線コネクタ 46">
+                <a:extLst>
+                  <a:ext uri="{FF2B5EF4-FFF2-40B4-BE49-F238E27FC236}">
+                    <a16:creationId xmlns:a16="http://schemas.microsoft.com/office/drawing/2014/main" id="{CFD35391-84A1-0750-F3A0-B5AA39CA55F7}"/>
+                  </a:ext>
+                </a:extLst>
+              </p:cNvPr>
+              <p:cNvCxnSpPr>
+                <a:cxnSpLocks/>
+              </p:cNvCxnSpPr>
+              <p:nvPr/>
+            </p:nvCxnSpPr>
+            <p:spPr>
+              <a:xfrm>
+                <a:off x="6098557" y="2789404"/>
+                <a:ext cx="0" cy="481124"/>
+              </a:xfrm>
+              <a:prstGeom prst="line">
+                <a:avLst/>
+              </a:prstGeom>
+              <a:ln w="12700">
+                <a:solidFill>
+                  <a:schemeClr val="tx1"/>
+                </a:solidFill>
+                <a:prstDash val="dash"/>
+              </a:ln>
+            </p:spPr>
+            <p:style>
+              <a:lnRef idx="1">
+                <a:schemeClr val="accent1"/>
+              </a:lnRef>
+              <a:fillRef idx="0">
+                <a:schemeClr val="accent1"/>
+              </a:fillRef>
+              <a:effectRef idx="0">
+                <a:schemeClr val="accent1"/>
+              </a:effectRef>
+              <a:fontRef idx="minor">
+                <a:schemeClr val="tx1"/>
+              </a:fontRef>
+            </p:style>
+          </p:cxnSp>
+          <mc:AlternateContent xmlns:mc="http://schemas.openxmlformats.org/markup-compatibility/2006">
+            <mc:Choice xmlns:a14="http://schemas.microsoft.com/office/drawing/2010/main" Requires="a14">
+              <p:sp>
+                <p:nvSpPr>
+                  <p:cNvPr id="48" name="テキスト ボックス 47">
+                    <a:extLst>
+                      <a:ext uri="{FF2B5EF4-FFF2-40B4-BE49-F238E27FC236}">
+                        <a16:creationId xmlns:a16="http://schemas.microsoft.com/office/drawing/2014/main" id="{83E8BC41-27BE-F371-F9ED-E22F572FAC67}"/>
+                      </a:ext>
+                    </a:extLst>
+                  </p:cNvPr>
+                  <p:cNvSpPr txBox="1"/>
+                  <p:nvPr/>
+                </p:nvSpPr>
+                <p:spPr>
+                  <a:xfrm>
+                    <a:off x="3927220" y="2719790"/>
+                    <a:ext cx="341896" cy="307777"/>
+                  </a:xfrm>
+                  <a:prstGeom prst="rect">
+                    <a:avLst/>
+                  </a:prstGeom>
+                  <a:noFill/>
+                </p:spPr>
+                <p:txBody>
+                  <a:bodyPr wrap="square" rtlCol="0">
+                    <a:spAutoFit/>
+                  </a:bodyPr>
+                  <a:lstStyle/>
+                  <a:p>
+                    <a:pPr algn="ctr"/>
+                    <a14:m>
+                      <m:oMathPara xmlns:m="http://schemas.openxmlformats.org/officeDocument/2006/math">
+                        <m:oMathParaPr>
+                          <m:jc m:val="centerGroup"/>
+                        </m:oMathParaPr>
+                        <m:oMath xmlns:m="http://schemas.openxmlformats.org/officeDocument/2006/math">
+                          <m:sSub>
+                            <m:sSubPr>
+                              <m:ctrlPr>
+                                <a:rPr kumimoji="1" lang="en-US" altLang="ja-JP" sz="1400" b="0" i="1" smtClean="0">
+                                  <a:latin typeface="Cambria Math" panose="02040503050406030204" pitchFamily="18" charset="0"/>
+                                </a:rPr>
+                              </m:ctrlPr>
+                            </m:sSubPr>
+                            <m:e>
+                              <m:r>
+                                <a:rPr kumimoji="1" lang="en-US" altLang="ja-JP" sz="1400" b="0" i="1" smtClean="0">
+                                  <a:latin typeface="Cambria Math" panose="02040503050406030204" pitchFamily="18" charset="0"/>
+                                </a:rPr>
+                                <m:t>𝑊</m:t>
+                              </m:r>
+                            </m:e>
+                            <m:sub>
+                              <m:r>
+                                <a:rPr lang="en-US" altLang="ja-JP" sz="1400" i="1">
+                                  <a:latin typeface="Cambria Math" panose="02040503050406030204" pitchFamily="18" charset="0"/>
+                                </a:rPr>
+                                <m:t>4</m:t>
+                              </m:r>
+                            </m:sub>
+                          </m:sSub>
+                        </m:oMath>
+                      </m:oMathPara>
+                    </a14:m>
+                    <a:endParaRPr kumimoji="1" lang="ja-JP" altLang="en-US" sz="1400" dirty="0"/>
+                  </a:p>
+                </p:txBody>
+              </p:sp>
+            </mc:Choice>
+            <mc:Fallback>
+              <p:sp>
+                <p:nvSpPr>
+                  <p:cNvPr id="48" name="テキスト ボックス 47">
+                    <a:extLst>
+                      <a:ext uri="{FF2B5EF4-FFF2-40B4-BE49-F238E27FC236}">
+                        <a16:creationId xmlns:a16="http://schemas.microsoft.com/office/drawing/2014/main" id="{83E8BC41-27BE-F371-F9ED-E22F572FAC67}"/>
+                      </a:ext>
+                    </a:extLst>
+                  </p:cNvPr>
+                  <p:cNvSpPr txBox="1">
+                    <a:spLocks noRot="1" noChangeAspect="1" noMove="1" noResize="1" noEditPoints="1" noAdjustHandles="1" noChangeArrowheads="1" noChangeShapeType="1" noTextEdit="1"/>
+                  </p:cNvSpPr>
+                  <p:nvPr/>
+                </p:nvSpPr>
+                <p:spPr>
+                  <a:xfrm>
+                    <a:off x="3927220" y="2719790"/>
+                    <a:ext cx="341896" cy="307777"/>
+                  </a:xfrm>
+                  <a:prstGeom prst="rect">
+                    <a:avLst/>
+                  </a:prstGeom>
+                  <a:blipFill>
+                    <a:blip r:embed="rId5"/>
+                    <a:stretch>
+                      <a:fillRect l="-7143"/>
+                    </a:stretch>
+                  </a:blipFill>
+                </p:spPr>
+                <p:txBody>
+                  <a:bodyPr/>
+                  <a:lstStyle/>
+                  <a:p>
+                    <a:r>
+                      <a:rPr lang="ja-JP" altLang="en-US">
+                        <a:noFill/>
+                      </a:rPr>
+                      <a:t> </a:t>
+                    </a:r>
+                  </a:p>
+                </p:txBody>
+              </p:sp>
+            </mc:Fallback>
+          </mc:AlternateContent>
+          <p:cxnSp>
+            <p:nvCxnSpPr>
+              <p:cNvPr id="49" name="直線コネクタ 48">
+                <a:extLst>
+                  <a:ext uri="{FF2B5EF4-FFF2-40B4-BE49-F238E27FC236}">
+                    <a16:creationId xmlns:a16="http://schemas.microsoft.com/office/drawing/2014/main" id="{32833EFD-4EB0-5C33-8ABB-8209B00D5466}"/>
+                  </a:ext>
+                </a:extLst>
+              </p:cNvPr>
+              <p:cNvCxnSpPr>
+                <a:cxnSpLocks/>
+              </p:cNvCxnSpPr>
+              <p:nvPr/>
+            </p:nvCxnSpPr>
+            <p:spPr>
+              <a:xfrm flipH="1">
+                <a:off x="4246100" y="2789404"/>
+                <a:ext cx="1830016" cy="4171"/>
+              </a:xfrm>
+              <a:prstGeom prst="line">
+                <a:avLst/>
+              </a:prstGeom>
+              <a:ln w="12700">
+                <a:solidFill>
+                  <a:schemeClr val="tx1"/>
+                </a:solidFill>
+                <a:prstDash val="dash"/>
+              </a:ln>
+            </p:spPr>
+            <p:style>
+              <a:lnRef idx="1">
+                <a:schemeClr val="accent1"/>
+              </a:lnRef>
+              <a:fillRef idx="0">
+                <a:schemeClr val="accent1"/>
+              </a:fillRef>
+              <a:effectRef idx="0">
+                <a:schemeClr val="accent1"/>
+              </a:effectRef>
+              <a:fontRef idx="minor">
+                <a:schemeClr val="tx1"/>
+              </a:fontRef>
+            </p:style>
+          </p:cxnSp>
+          <p:sp>
+            <p:nvSpPr>
+              <p:cNvPr id="50" name="テキスト ボックス 49">
+                <a:extLst>
+                  <a:ext uri="{FF2B5EF4-FFF2-40B4-BE49-F238E27FC236}">
+                    <a16:creationId xmlns:a16="http://schemas.microsoft.com/office/drawing/2014/main" id="{DA9503A3-D971-9034-49EB-A4A86236EEDE}"/>
+                  </a:ext>
+                </a:extLst>
+              </p:cNvPr>
+              <p:cNvSpPr txBox="1"/>
+              <p:nvPr/>
+            </p:nvSpPr>
+            <p:spPr>
+              <a:xfrm>
+                <a:off x="5462098" y="971847"/>
+                <a:ext cx="1624808" cy="307777"/>
+              </a:xfrm>
+              <a:prstGeom prst="rect">
+                <a:avLst/>
+              </a:prstGeom>
+              <a:noFill/>
+            </p:spPr>
+            <p:txBody>
+              <a:bodyPr wrap="square" rtlCol="0">
+                <a:spAutoFit/>
+              </a:bodyPr>
+              <a:lstStyle/>
+              <a:p>
+                <a:pPr algn="ctr"/>
+                <a:r>
+                  <a:rPr kumimoji="1" lang="ja-JP" altLang="en-US" sz="1400" dirty="0"/>
+                  <a:t>供給</a:t>
+                </a:r>
+                <a:r>
+                  <a:rPr lang="ja-JP" altLang="en-US" sz="1400" dirty="0"/>
+                  <a:t>（シフト前）</a:t>
+                </a:r>
+                <a:endParaRPr kumimoji="1" lang="ja-JP" altLang="en-US" sz="1400" dirty="0"/>
+              </a:p>
+            </p:txBody>
+          </p:sp>
+        </p:grpSp>
+        <p:sp>
+          <p:nvSpPr>
+            <p:cNvPr id="61" name="フリーフォーム: 図形 60">
+              <a:extLst>
+                <a:ext uri="{FF2B5EF4-FFF2-40B4-BE49-F238E27FC236}">
+                  <a16:creationId xmlns:a16="http://schemas.microsoft.com/office/drawing/2014/main" id="{0B66568F-A81B-BF88-A9DD-57F9D26464BE}"/>
+                </a:ext>
+              </a:extLst>
+            </p:cNvPr>
+            <p:cNvSpPr/>
+            <p:nvPr/>
+          </p:nvSpPr>
+          <p:spPr>
+            <a:xfrm>
+              <a:off x="7065671" y="780852"/>
+              <a:ext cx="2598821" cy="2358190"/>
+            </a:xfrm>
+            <a:custGeom>
+              <a:avLst/>
+              <a:gdLst>
+                <a:gd name="connsiteX0" fmla="*/ 0 w 2598821"/>
+                <a:gd name="connsiteY0" fmla="*/ 2358190 h 2358190"/>
+                <a:gd name="connsiteX1" fmla="*/ 1780674 w 2598821"/>
+                <a:gd name="connsiteY1" fmla="*/ 1690437 h 2358190"/>
+                <a:gd name="connsiteX2" fmla="*/ 2598821 w 2598821"/>
+                <a:gd name="connsiteY2" fmla="*/ 0 h 2358190"/>
+              </a:gdLst>
+              <a:ahLst/>
+              <a:cxnLst>
+                <a:cxn ang="0">
+                  <a:pos x="connsiteX0" y="connsiteY0"/>
+                </a:cxn>
+                <a:cxn ang="0">
+                  <a:pos x="connsiteX1" y="connsiteY1"/>
+                </a:cxn>
+                <a:cxn ang="0">
+                  <a:pos x="connsiteX2" y="connsiteY2"/>
+                </a:cxn>
+              </a:cxnLst>
+              <a:rect l="l" t="t" r="r" b="b"/>
+              <a:pathLst>
+                <a:path w="2598821" h="2358190">
+                  <a:moveTo>
+                    <a:pt x="0" y="2358190"/>
+                  </a:moveTo>
+                  <a:cubicBezTo>
+                    <a:pt x="673768" y="2220829"/>
+                    <a:pt x="1347537" y="2083469"/>
+                    <a:pt x="1780674" y="1690437"/>
+                  </a:cubicBezTo>
+                  <a:cubicBezTo>
+                    <a:pt x="2213811" y="1297405"/>
+                    <a:pt x="2406316" y="648702"/>
+                    <a:pt x="2598821" y="0"/>
+                  </a:cubicBezTo>
+                </a:path>
+              </a:pathLst>
+            </a:custGeom>
+            <a:noFill/>
+            <a:ln w="28575"/>
+          </p:spPr>
+          <p:style>
+            <a:lnRef idx="2">
+              <a:schemeClr val="accent1">
+                <a:shade val="15000"/>
+              </a:schemeClr>
+            </a:lnRef>
+            <a:fillRef idx="1">
+              <a:schemeClr val="accent1"/>
+            </a:fillRef>
+            <a:effectRef idx="0">
+              <a:schemeClr val="accent1"/>
+            </a:effectRef>
+            <a:fontRef idx="minor">
+              <a:schemeClr val="lt1"/>
+            </a:fontRef>
+          </p:style>
+          <p:txBody>
+            <a:bodyPr rtlCol="0" anchor="ctr"/>
+            <a:lstStyle/>
+            <a:p>
+              <a:pPr algn="ctr"/>
+              <a:endParaRPr kumimoji="1" lang="ja-JP" altLang="en-US"/>
+            </a:p>
+          </p:txBody>
+        </p:sp>
+      </p:grpSp>
     </p:spTree>
     <p:extLst>
       <p:ext uri="{BB962C8B-B14F-4D97-AF65-F5344CB8AC3E}">
-        <p14:creationId xmlns:p14="http://schemas.microsoft.com/office/powerpoint/2010/main" val="438181221"/>
+        <p14:creationId xmlns:p14="http://schemas.microsoft.com/office/powerpoint/2010/main" val="2429808601"/>
       </p:ext>
     </p:extLst>
   </p:cSld>
@@ -8988,4 +16168,319 @@
     </a:ext>
   </a:extLst>
 </a:theme>
+</file>
+
+<file path=ppt/theme/theme2.xml><?xml version="1.0" encoding="utf-8"?>
+<a:theme xmlns:a="http://schemas.openxmlformats.org/drawingml/2006/main" name="Office テーマ">
+  <a:themeElements>
+    <a:clrScheme name="Office">
+      <a:dk1>
+        <a:sysClr val="windowText" lastClr="000000"/>
+      </a:dk1>
+      <a:lt1>
+        <a:sysClr val="window" lastClr="FFFFFF"/>
+      </a:lt1>
+      <a:dk2>
+        <a:srgbClr val="0E2841"/>
+      </a:dk2>
+      <a:lt2>
+        <a:srgbClr val="E8E8E8"/>
+      </a:lt2>
+      <a:accent1>
+        <a:srgbClr val="156082"/>
+      </a:accent1>
+      <a:accent2>
+        <a:srgbClr val="E97132"/>
+      </a:accent2>
+      <a:accent3>
+        <a:srgbClr val="196B24"/>
+      </a:accent3>
+      <a:accent4>
+        <a:srgbClr val="0F9ED5"/>
+      </a:accent4>
+      <a:accent5>
+        <a:srgbClr val="A02B93"/>
+      </a:accent5>
+      <a:accent6>
+        <a:srgbClr val="4EA72E"/>
+      </a:accent6>
+      <a:hlink>
+        <a:srgbClr val="467886"/>
+      </a:hlink>
+      <a:folHlink>
+        <a:srgbClr val="96607D"/>
+      </a:folHlink>
+    </a:clrScheme>
+    <a:fontScheme name="Office">
+      <a:majorFont>
+        <a:latin typeface="游ゴシック Light" panose="02110004020202020204"/>
+        <a:ea typeface=""/>
+        <a:cs typeface=""/>
+        <a:font script="Jpan" typeface="游ゴシック Light"/>
+        <a:font script="Hang" typeface="맑은 고딕"/>
+        <a:font script="Hans" typeface="等线 Light"/>
+        <a:font script="Hant" typeface="新細明體"/>
+        <a:font script="Arab" typeface="Times New Roman"/>
+        <a:font script="Hebr" typeface="Times New Roman"/>
+        <a:font script="Thai" typeface="Angsana New"/>
+        <a:font script="Ethi" typeface="Nyala"/>
+        <a:font script="Beng" typeface="Vrinda"/>
+        <a:font script="Gujr" typeface="Shruti"/>
+        <a:font script="Khmr" typeface="MoolBoran"/>
+        <a:font script="Knda" typeface="Tunga"/>
+        <a:font script="Guru" typeface="Raavi"/>
+        <a:font script="Cans" typeface="Euphemia"/>
+        <a:font script="Cher" typeface="Plantagenet Cherokee"/>
+        <a:font script="Yiii" typeface="Microsoft Yi Baiti"/>
+        <a:font script="Tibt" typeface="Microsoft Himalaya"/>
+        <a:font script="Thaa" typeface="MV Boli"/>
+        <a:font script="Deva" typeface="Mangal"/>
+        <a:font script="Telu" typeface="Gautami"/>
+        <a:font script="Taml" typeface="Latha"/>
+        <a:font script="Syrc" typeface="Estrangelo Edessa"/>
+        <a:font script="Orya" typeface="Kalinga"/>
+        <a:font script="Mlym" typeface="Kartika"/>
+        <a:font script="Laoo" typeface="DokChampa"/>
+        <a:font script="Sinh" typeface="Iskoola Pota"/>
+        <a:font script="Mong" typeface="Mongolian Baiti"/>
+        <a:font script="Viet" typeface="Times New Roman"/>
+        <a:font script="Uigh" typeface="Microsoft Uighur"/>
+        <a:font script="Geor" typeface="Sylfaen"/>
+        <a:font script="Armn" typeface="Arial"/>
+        <a:font script="Bugi" typeface="Leelawadee UI"/>
+        <a:font script="Bopo" typeface="Microsoft JhengHei"/>
+        <a:font script="Java" typeface="Javanese Text"/>
+        <a:font script="Lisu" typeface="Segoe UI"/>
+        <a:font script="Mymr" typeface="Myanmar Text"/>
+        <a:font script="Nkoo" typeface="Ebrima"/>
+        <a:font script="Olck" typeface="Nirmala UI"/>
+        <a:font script="Osma" typeface="Ebrima"/>
+        <a:font script="Phag" typeface="Phagspa"/>
+        <a:font script="Syrn" typeface="Estrangelo Edessa"/>
+        <a:font script="Syrj" typeface="Estrangelo Edessa"/>
+        <a:font script="Syre" typeface="Estrangelo Edessa"/>
+        <a:font script="Sora" typeface="Nirmala UI"/>
+        <a:font script="Tale" typeface="Microsoft Tai Le"/>
+        <a:font script="Talu" typeface="Microsoft New Tai Lue"/>
+        <a:font script="Tfng" typeface="Ebrima"/>
+      </a:majorFont>
+      <a:minorFont>
+        <a:latin typeface="游ゴシック" panose="02110004020202020204"/>
+        <a:ea typeface=""/>
+        <a:cs typeface=""/>
+        <a:font script="Jpan" typeface="游ゴシック"/>
+        <a:font script="Hang" typeface="맑은 고딕"/>
+        <a:font script="Hans" typeface="等线"/>
+        <a:font script="Hant" typeface="新細明體"/>
+        <a:font script="Arab" typeface="Arial"/>
+        <a:font script="Hebr" typeface="Arial"/>
+        <a:font script="Thai" typeface="Cordia New"/>
+        <a:font script="Ethi" typeface="Nyala"/>
+        <a:font script="Beng" typeface="Vrinda"/>
+        <a:font script="Gujr" typeface="Shruti"/>
+        <a:font script="Khmr" typeface="DaunPenh"/>
+        <a:font script="Knda" typeface="Tunga"/>
+        <a:font script="Guru" typeface="Raavi"/>
+        <a:font script="Cans" typeface="Euphemia"/>
+        <a:font script="Cher" typeface="Plantagenet Cherokee"/>
+        <a:font script="Yiii" typeface="Microsoft Yi Baiti"/>
+        <a:font script="Tibt" typeface="Microsoft Himalaya"/>
+        <a:font script="Thaa" typeface="MV Boli"/>
+        <a:font script="Deva" typeface="Mangal"/>
+        <a:font script="Telu" typeface="Gautami"/>
+        <a:font script="Taml" typeface="Latha"/>
+        <a:font script="Syrc" typeface="Estrangelo Edessa"/>
+        <a:font script="Orya" typeface="Kalinga"/>
+        <a:font script="Mlym" typeface="Kartika"/>
+        <a:font script="Laoo" typeface="DokChampa"/>
+        <a:font script="Sinh" typeface="Iskoola Pota"/>
+        <a:font script="Mong" typeface="Mongolian Baiti"/>
+        <a:font script="Viet" typeface="Arial"/>
+        <a:font script="Uigh" typeface="Microsoft Uighur"/>
+        <a:font script="Geor" typeface="Sylfaen"/>
+        <a:font script="Armn" typeface="Arial"/>
+        <a:font script="Bugi" typeface="Leelawadee UI"/>
+        <a:font script="Bopo" typeface="Microsoft JhengHei"/>
+        <a:font script="Java" typeface="Javanese Text"/>
+        <a:font script="Lisu" typeface="Segoe UI"/>
+        <a:font script="Mymr" typeface="Myanmar Text"/>
+        <a:font script="Nkoo" typeface="Ebrima"/>
+        <a:font script="Olck" typeface="Nirmala UI"/>
+        <a:font script="Osma" typeface="Ebrima"/>
+        <a:font script="Phag" typeface="Phagspa"/>
+        <a:font script="Syrn" typeface="Estrangelo Edessa"/>
+        <a:font script="Syrj" typeface="Estrangelo Edessa"/>
+        <a:font script="Syre" typeface="Estrangelo Edessa"/>
+        <a:font script="Sora" typeface="Nirmala UI"/>
+        <a:font script="Tale" typeface="Microsoft Tai Le"/>
+        <a:font script="Talu" typeface="Microsoft New Tai Lue"/>
+        <a:font script="Tfng" typeface="Ebrima"/>
+      </a:minorFont>
+    </a:fontScheme>
+    <a:fmtScheme name="Office">
+      <a:fillStyleLst>
+        <a:solidFill>
+          <a:schemeClr val="phClr"/>
+        </a:solidFill>
+        <a:gradFill rotWithShape="1">
+          <a:gsLst>
+            <a:gs pos="0">
+              <a:schemeClr val="phClr">
+                <a:lumMod val="110000"/>
+                <a:satMod val="105000"/>
+                <a:tint val="67000"/>
+              </a:schemeClr>
+            </a:gs>
+            <a:gs pos="50000">
+              <a:schemeClr val="phClr">
+                <a:lumMod val="105000"/>
+                <a:satMod val="103000"/>
+                <a:tint val="73000"/>
+              </a:schemeClr>
+            </a:gs>
+            <a:gs pos="100000">
+              <a:schemeClr val="phClr">
+                <a:lumMod val="105000"/>
+                <a:satMod val="109000"/>
+                <a:tint val="81000"/>
+              </a:schemeClr>
+            </a:gs>
+          </a:gsLst>
+          <a:lin ang="5400000" scaled="0"/>
+        </a:gradFill>
+        <a:gradFill rotWithShape="1">
+          <a:gsLst>
+            <a:gs pos="0">
+              <a:schemeClr val="phClr">
+                <a:satMod val="103000"/>
+                <a:lumMod val="102000"/>
+                <a:tint val="94000"/>
+              </a:schemeClr>
+            </a:gs>
+            <a:gs pos="50000">
+              <a:schemeClr val="phClr">
+                <a:satMod val="110000"/>
+                <a:lumMod val="100000"/>
+                <a:shade val="100000"/>
+              </a:schemeClr>
+            </a:gs>
+            <a:gs pos="100000">
+              <a:schemeClr val="phClr">
+                <a:lumMod val="99000"/>
+                <a:satMod val="120000"/>
+                <a:shade val="78000"/>
+              </a:schemeClr>
+            </a:gs>
+          </a:gsLst>
+          <a:lin ang="5400000" scaled="0"/>
+        </a:gradFill>
+      </a:fillStyleLst>
+      <a:lnStyleLst>
+        <a:ln w="12700" cap="flat" cmpd="sng" algn="ctr">
+          <a:solidFill>
+            <a:schemeClr val="phClr"/>
+          </a:solidFill>
+          <a:prstDash val="solid"/>
+          <a:miter lim="800000"/>
+        </a:ln>
+        <a:ln w="19050" cap="flat" cmpd="sng" algn="ctr">
+          <a:solidFill>
+            <a:schemeClr val="phClr"/>
+          </a:solidFill>
+          <a:prstDash val="solid"/>
+          <a:miter lim="800000"/>
+        </a:ln>
+        <a:ln w="25400" cap="flat" cmpd="sng" algn="ctr">
+          <a:solidFill>
+            <a:schemeClr val="phClr"/>
+          </a:solidFill>
+          <a:prstDash val="solid"/>
+          <a:miter lim="800000"/>
+        </a:ln>
+      </a:lnStyleLst>
+      <a:effectStyleLst>
+        <a:effectStyle>
+          <a:effectLst/>
+        </a:effectStyle>
+        <a:effectStyle>
+          <a:effectLst/>
+        </a:effectStyle>
+        <a:effectStyle>
+          <a:effectLst>
+            <a:outerShdw blurRad="57150" dist="19050" dir="5400000" algn="ctr" rotWithShape="0">
+              <a:srgbClr val="000000">
+                <a:alpha val="63000"/>
+              </a:srgbClr>
+            </a:outerShdw>
+          </a:effectLst>
+        </a:effectStyle>
+      </a:effectStyleLst>
+      <a:bgFillStyleLst>
+        <a:solidFill>
+          <a:schemeClr val="phClr"/>
+        </a:solidFill>
+        <a:solidFill>
+          <a:schemeClr val="phClr">
+            <a:tint val="95000"/>
+            <a:satMod val="170000"/>
+          </a:schemeClr>
+        </a:solidFill>
+        <a:gradFill rotWithShape="1">
+          <a:gsLst>
+            <a:gs pos="0">
+              <a:schemeClr val="phClr">
+                <a:tint val="93000"/>
+                <a:satMod val="150000"/>
+                <a:shade val="98000"/>
+                <a:lumMod val="102000"/>
+              </a:schemeClr>
+            </a:gs>
+            <a:gs pos="50000">
+              <a:schemeClr val="phClr">
+                <a:tint val="98000"/>
+                <a:satMod val="130000"/>
+                <a:shade val="90000"/>
+                <a:lumMod val="103000"/>
+              </a:schemeClr>
+            </a:gs>
+            <a:gs pos="100000">
+              <a:schemeClr val="phClr">
+                <a:shade val="63000"/>
+                <a:satMod val="120000"/>
+              </a:schemeClr>
+            </a:gs>
+          </a:gsLst>
+          <a:lin ang="5400000" scaled="0"/>
+        </a:gradFill>
+      </a:bgFillStyleLst>
+    </a:fmtScheme>
+  </a:themeElements>
+  <a:objectDefaults>
+    <a:lnDef>
+      <a:spPr/>
+      <a:bodyPr/>
+      <a:lstStyle/>
+      <a:style>
+        <a:lnRef idx="2">
+          <a:schemeClr val="accent1"/>
+        </a:lnRef>
+        <a:fillRef idx="0">
+          <a:schemeClr val="accent1"/>
+        </a:fillRef>
+        <a:effectRef idx="1">
+          <a:schemeClr val="accent1"/>
+        </a:effectRef>
+        <a:fontRef idx="minor">
+          <a:schemeClr val="tx1"/>
+        </a:fontRef>
+      </a:style>
+    </a:lnDef>
+  </a:objectDefaults>
+  <a:extraClrSchemeLst/>
+  <a:extLst>
+    <a:ext uri="{05A4C25C-085E-4340-85A3-A5531E510DB2}">
+      <thm15:themeFamily xmlns:thm15="http://schemas.microsoft.com/office/thememl/2012/main" name="Office Theme" id="{2E142A2C-CD16-42D6-873A-C26D2A0506FA}" vid="{1BDDFF52-6CD6-40A5-AB3C-68EB2F1E4D0A}"/>
+    </a:ext>
+  </a:extLst>
+</a:theme>
 </file>
--- a/images/labor_fig.pptx
+++ b/images/labor_fig.pptx
@@ -5,7 +5,7 @@
     <p:sldMasterId id="2147483660" r:id="rId1"/>
   </p:sldMasterIdLst>
   <p:notesMasterIdLst>
-    <p:notesMasterId r:id="rId12"/>
+    <p:notesMasterId r:id="rId13"/>
   </p:notesMasterIdLst>
   <p:sldIdLst>
     <p:sldId id="256" r:id="rId2"/>
@@ -18,8 +18,9 @@
     <p:sldId id="263" r:id="rId9"/>
     <p:sldId id="265" r:id="rId10"/>
     <p:sldId id="266" r:id="rId11"/>
+    <p:sldId id="267" r:id="rId12"/>
   </p:sldIdLst>
-  <p:sldSz cx="12192000" cy="3619500"/>
+  <p:sldSz cx="6792913" cy="3619500"/>
   <p:notesSz cx="6858000" cy="9144000"/>
   <p:defaultTextStyle>
     <a:defPPr>
@@ -5233,7 +5234,7 @@
           <a:p>
             <a:fld id="{563A7CF2-AB3E-47DB-A90F-A00729506E41}" type="datetimeFigureOut">
               <a:rPr kumimoji="1" lang="ja-JP" altLang="en-US" smtClean="0"/>
-              <a:t>2025/8/26</a:t>
+              <a:t>2025/9/25</a:t>
             </a:fld>
             <a:endParaRPr kumimoji="1" lang="ja-JP" altLang="en-US"/>
           </a:p>
@@ -5251,8 +5252,8 @@
         </p:nvSpPr>
         <p:spPr>
           <a:xfrm>
-            <a:off x="-1768475" y="1143000"/>
-            <a:ext cx="10394950" cy="3086100"/>
+            <a:off x="533400" y="1143000"/>
+            <a:ext cx="5791200" cy="3086100"/>
           </a:xfrm>
           <a:prstGeom prst="rect">
             <a:avLst/>
@@ -5559,7 +5560,12 @@
             <p:ph type="sldImg"/>
           </p:nvPr>
         </p:nvSpPr>
-        <p:spPr/>
+        <p:spPr>
+          <a:xfrm>
+            <a:off x="533400" y="1143000"/>
+            <a:ext cx="5791200" cy="3086100"/>
+          </a:xfrm>
+        </p:spPr>
       </p:sp>
       <p:sp>
         <p:nvSpPr>
@@ -5645,8 +5651,8 @@
         </p:nvSpPr>
         <p:spPr>
           <a:xfrm>
-            <a:off x="1468932" y="292265"/>
-            <a:ext cx="9144000" cy="1652332"/>
+            <a:off x="818432" y="292265"/>
+            <a:ext cx="5094685" cy="1652332"/>
           </a:xfrm>
         </p:spPr>
         <p:txBody>
@@ -5689,8 +5695,8 @@
         </p:nvSpPr>
         <p:spPr>
           <a:xfrm>
-            <a:off x="1469572" y="1944598"/>
-            <a:ext cx="9144000" cy="1373281"/>
+            <a:off x="818789" y="1944599"/>
+            <a:ext cx="5094685" cy="1373281"/>
           </a:xfrm>
         </p:spPr>
         <p:txBody>
@@ -5771,7 +5777,7 @@
           <a:p>
             <a:fld id="{05853D61-8A19-4B35-BDA8-1C18B2B00FED}" type="datetimeFigureOut">
               <a:rPr kumimoji="1" lang="ja-JP" altLang="en-US" smtClean="0"/>
-              <a:t>2025/8/26</a:t>
+              <a:t>2025/9/25</a:t>
             </a:fld>
             <a:endParaRPr kumimoji="1" lang="ja-JP" altLang="en-US"/>
           </a:p>
@@ -5861,8 +5867,8 @@
         </p:nvSpPr>
         <p:spPr>
           <a:xfrm>
-            <a:off x="829200" y="575702"/>
-            <a:ext cx="10533600" cy="2742175"/>
+            <a:off x="461999" y="575703"/>
+            <a:ext cx="5868916" cy="2742175"/>
           </a:xfrm>
         </p:spPr>
         <p:txBody>
@@ -5955,7 +5961,7 @@
           <a:p>
             <a:fld id="{05853D61-8A19-4B35-BDA8-1C18B2B00FED}" type="datetimeFigureOut">
               <a:rPr kumimoji="1" lang="ja-JP" altLang="en-US" smtClean="0"/>
-              <a:t>2025/8/26</a:t>
+              <a:t>2025/9/25</a:t>
             </a:fld>
             <a:endParaRPr kumimoji="1" lang="ja-JP" altLang="en-US"/>
           </a:p>
@@ -6015,8 +6021,8 @@
         </p:nvSpPr>
         <p:spPr>
           <a:xfrm>
-            <a:off x="829200" y="192711"/>
-            <a:ext cx="10533600" cy="384691"/>
+            <a:off x="461999" y="192712"/>
+            <a:ext cx="5868916" cy="384691"/>
           </a:xfrm>
           <a:prstGeom prst="rect">
             <a:avLst/>
@@ -6078,8 +6084,8 @@
         </p:nvSpPr>
         <p:spPr>
           <a:xfrm>
-            <a:off x="829200" y="575702"/>
-            <a:ext cx="10533600" cy="2742175"/>
+            <a:off x="461999" y="575703"/>
+            <a:ext cx="5868916" cy="2742175"/>
           </a:xfrm>
         </p:spPr>
         <p:txBody>
@@ -6172,7 +6178,7 @@
           <a:p>
             <a:fld id="{05853D61-8A19-4B35-BDA8-1C18B2B00FED}" type="datetimeFigureOut">
               <a:rPr kumimoji="1" lang="ja-JP" altLang="en-US" smtClean="0"/>
-              <a:t>2025/8/26</a:t>
+              <a:t>2025/9/25</a:t>
             </a:fld>
             <a:endParaRPr kumimoji="1" lang="ja-JP" altLang="en-US"/>
           </a:p>
@@ -6232,8 +6238,8 @@
         </p:nvSpPr>
         <p:spPr>
           <a:xfrm>
-            <a:off x="829200" y="192711"/>
-            <a:ext cx="10533600" cy="384691"/>
+            <a:off x="461999" y="192712"/>
+            <a:ext cx="5868916" cy="384691"/>
           </a:xfrm>
           <a:prstGeom prst="rect">
             <a:avLst/>
@@ -6295,8 +6301,8 @@
         </p:nvSpPr>
         <p:spPr>
           <a:xfrm>
-            <a:off x="690289" y="454217"/>
-            <a:ext cx="10657169" cy="1953760"/>
+            <a:off x="384603" y="454217"/>
+            <a:ext cx="5937764" cy="1953760"/>
           </a:xfrm>
         </p:spPr>
         <p:txBody>
@@ -6332,8 +6338,8 @@
         </p:nvSpPr>
         <p:spPr>
           <a:xfrm>
-            <a:off x="690289" y="2422221"/>
-            <a:ext cx="10657169" cy="791766"/>
+            <a:off x="384603" y="2422221"/>
+            <a:ext cx="5937764" cy="791766"/>
           </a:xfrm>
         </p:spPr>
         <p:txBody>
@@ -6462,7 +6468,7 @@
           <a:p>
             <a:fld id="{05853D61-8A19-4B35-BDA8-1C18B2B00FED}" type="datetimeFigureOut">
               <a:rPr kumimoji="1" lang="ja-JP" altLang="en-US" smtClean="0"/>
-              <a:t>2025/8/26</a:t>
+              <a:t>2025/9/25</a:t>
             </a:fld>
             <a:endParaRPr kumimoji="1" lang="ja-JP" altLang="en-US"/>
           </a:p>
@@ -6574,8 +6580,8 @@
         </p:nvSpPr>
         <p:spPr>
           <a:xfrm>
-            <a:off x="829198" y="635214"/>
-            <a:ext cx="5190603" cy="2624855"/>
+            <a:off x="461998" y="635214"/>
+            <a:ext cx="2892004" cy="2624855"/>
           </a:xfrm>
         </p:spPr>
         <p:txBody>
@@ -6663,8 +6669,8 @@
         </p:nvSpPr>
         <p:spPr>
           <a:xfrm>
-            <a:off x="6172210" y="635214"/>
-            <a:ext cx="5190597" cy="2624855"/>
+            <a:off x="3438918" y="635214"/>
+            <a:ext cx="2892001" cy="2624855"/>
           </a:xfrm>
         </p:spPr>
         <p:txBody>
@@ -6757,7 +6763,7 @@
           <a:p>
             <a:fld id="{05853D61-8A19-4B35-BDA8-1C18B2B00FED}" type="datetimeFigureOut">
               <a:rPr kumimoji="1" lang="ja-JP" altLang="en-US" smtClean="0"/>
-              <a:t>2025/8/26</a:t>
+              <a:t>2025/9/25</a:t>
             </a:fld>
             <a:endParaRPr kumimoji="1" lang="ja-JP" altLang="en-US"/>
           </a:p>
@@ -6847,8 +6853,8 @@
         </p:nvSpPr>
         <p:spPr>
           <a:xfrm>
-            <a:off x="829200" y="598943"/>
-            <a:ext cx="5174399" cy="452258"/>
+            <a:off x="461999" y="598943"/>
+            <a:ext cx="2882976" cy="452258"/>
           </a:xfrm>
         </p:spPr>
         <p:txBody>
@@ -6917,8 +6923,8 @@
         </p:nvSpPr>
         <p:spPr>
           <a:xfrm>
-            <a:off x="6188407" y="598943"/>
-            <a:ext cx="5174399" cy="452258"/>
+            <a:off x="3447942" y="598943"/>
+            <a:ext cx="2882976" cy="452258"/>
           </a:xfrm>
         </p:spPr>
         <p:txBody>
@@ -6992,7 +6998,7 @@
           <a:p>
             <a:fld id="{05853D61-8A19-4B35-BDA8-1C18B2B00FED}" type="datetimeFigureOut">
               <a:rPr kumimoji="1" lang="ja-JP" altLang="en-US" smtClean="0"/>
-              <a:t>2025/8/26</a:t>
+              <a:t>2025/9/25</a:t>
             </a:fld>
             <a:endParaRPr kumimoji="1" lang="ja-JP" altLang="en-US"/>
           </a:p>
@@ -7033,8 +7039,8 @@
         </p:nvSpPr>
         <p:spPr>
           <a:xfrm>
-            <a:off x="829200" y="1072745"/>
-            <a:ext cx="5161070" cy="2245130"/>
+            <a:off x="461999" y="1072745"/>
+            <a:ext cx="2875549" cy="2245130"/>
           </a:xfrm>
         </p:spPr>
         <p:txBody>
@@ -7122,8 +7128,8 @@
         </p:nvSpPr>
         <p:spPr>
           <a:xfrm>
-            <a:off x="6188407" y="1072749"/>
-            <a:ext cx="5174399" cy="2245129"/>
+            <a:off x="3447942" y="1072750"/>
+            <a:ext cx="2882976" cy="2245129"/>
           </a:xfrm>
         </p:spPr>
         <p:txBody>
@@ -7217,8 +7223,8 @@
         </p:nvSpPr>
         <p:spPr>
           <a:xfrm>
-            <a:off x="829200" y="192711"/>
-            <a:ext cx="10533600" cy="384691"/>
+            <a:off x="461999" y="192712"/>
+            <a:ext cx="5868916" cy="384691"/>
           </a:xfrm>
           <a:prstGeom prst="rect">
             <a:avLst/>
@@ -7280,8 +7286,8 @@
         </p:nvSpPr>
         <p:spPr>
           <a:xfrm>
-            <a:off x="829200" y="192711"/>
-            <a:ext cx="10533600" cy="384691"/>
+            <a:off x="461999" y="192712"/>
+            <a:ext cx="5868916" cy="384691"/>
           </a:xfrm>
         </p:spPr>
         <p:txBody>
@@ -7307,8 +7313,8 @@
         </p:nvSpPr>
         <p:spPr>
           <a:xfrm>
-            <a:off x="829198" y="609616"/>
-            <a:ext cx="5190603" cy="1307631"/>
+            <a:off x="461998" y="609617"/>
+            <a:ext cx="2892004" cy="1307631"/>
           </a:xfrm>
         </p:spPr>
         <p:txBody>
@@ -7396,8 +7402,8 @@
         </p:nvSpPr>
         <p:spPr>
           <a:xfrm>
-            <a:off x="4038600" y="3317878"/>
-            <a:ext cx="4114800" cy="229570"/>
+            <a:off x="2250153" y="3317878"/>
+            <a:ext cx="2292608" cy="229570"/>
           </a:xfrm>
         </p:spPr>
         <p:txBody>
@@ -7420,8 +7426,8 @@
         </p:nvSpPr>
         <p:spPr>
           <a:xfrm>
-            <a:off x="829198" y="1963108"/>
-            <a:ext cx="5190603" cy="1307631"/>
+            <a:off x="461998" y="1963109"/>
+            <a:ext cx="2892004" cy="1307631"/>
           </a:xfrm>
         </p:spPr>
         <p:txBody>
@@ -7509,8 +7515,8 @@
         </p:nvSpPr>
         <p:spPr>
           <a:xfrm>
-            <a:off x="6172204" y="609616"/>
-            <a:ext cx="5190603" cy="1307631"/>
+            <a:off x="3438915" y="609617"/>
+            <a:ext cx="2892004" cy="1307631"/>
           </a:xfrm>
         </p:spPr>
         <p:txBody>
@@ -7598,8 +7604,8 @@
         </p:nvSpPr>
         <p:spPr>
           <a:xfrm>
-            <a:off x="6172204" y="1963108"/>
-            <a:ext cx="5190603" cy="1307631"/>
+            <a:off x="3438915" y="1963109"/>
+            <a:ext cx="2892004" cy="1307631"/>
           </a:xfrm>
         </p:spPr>
         <p:txBody>
@@ -7693,8 +7699,8 @@
         </p:nvSpPr>
         <p:spPr>
           <a:xfrm>
-            <a:off x="10464801" y="3317878"/>
-            <a:ext cx="1177472" cy="229570"/>
+            <a:off x="5830584" y="3317878"/>
+            <a:ext cx="656042" cy="229570"/>
           </a:xfrm>
         </p:spPr>
         <p:txBody>
@@ -7703,7 +7709,7 @@
           <a:p>
             <a:fld id="{05853D61-8A19-4B35-BDA8-1C18B2B00FED}" type="datetimeFigureOut">
               <a:rPr kumimoji="1" lang="ja-JP" altLang="en-US" smtClean="0"/>
-              <a:t>2025/8/26</a:t>
+              <a:t>2025/9/25</a:t>
             </a:fld>
             <a:endParaRPr kumimoji="1" lang="ja-JP" altLang="en-US"/>
           </a:p>
@@ -7727,8 +7733,8 @@
         </p:nvSpPr>
         <p:spPr>
           <a:xfrm>
-            <a:off x="11642271" y="3317878"/>
-            <a:ext cx="522516" cy="229570"/>
+            <a:off x="6486625" y="3317878"/>
+            <a:ext cx="291126" cy="229570"/>
           </a:xfrm>
         </p:spPr>
         <p:txBody>
@@ -7812,7 +7818,7 @@
           <a:p>
             <a:fld id="{05853D61-8A19-4B35-BDA8-1C18B2B00FED}" type="datetimeFigureOut">
               <a:rPr kumimoji="1" lang="ja-JP" altLang="en-US" smtClean="0"/>
-              <a:t>2025/8/26</a:t>
+              <a:t>2025/9/25</a:t>
             </a:fld>
             <a:endParaRPr kumimoji="1" lang="ja-JP" altLang="en-US"/>
           </a:p>
@@ -7902,8 +7908,8 @@
         </p:nvSpPr>
         <p:spPr>
           <a:xfrm>
-            <a:off x="829200" y="192710"/>
-            <a:ext cx="10533600" cy="3125167"/>
+            <a:off x="461999" y="192711"/>
+            <a:ext cx="5868916" cy="3125167"/>
           </a:xfrm>
         </p:spPr>
         <p:txBody>
@@ -7996,7 +8002,7 @@
           <a:p>
             <a:fld id="{05853D61-8A19-4B35-BDA8-1C18B2B00FED}" type="datetimeFigureOut">
               <a:rPr kumimoji="1" lang="ja-JP" altLang="en-US" smtClean="0"/>
-              <a:t>2025/8/26</a:t>
+              <a:t>2025/9/25</a:t>
             </a:fld>
             <a:endParaRPr kumimoji="1" lang="ja-JP" altLang="en-US"/>
           </a:p>
@@ -8091,7 +8097,7 @@
           <a:p>
             <a:fld id="{05853D61-8A19-4B35-BDA8-1C18B2B00FED}" type="datetimeFigureOut">
               <a:rPr kumimoji="1" lang="ja-JP" altLang="en-US" smtClean="0"/>
-              <a:t>2025/8/26</a:t>
+              <a:t>2025/9/25</a:t>
             </a:fld>
             <a:endParaRPr kumimoji="1" lang="ja-JP" altLang="en-US"/>
           </a:p>
@@ -8189,8 +8195,8 @@
         </p:nvSpPr>
         <p:spPr>
           <a:xfrm>
-            <a:off x="829200" y="192711"/>
-            <a:ext cx="10533600" cy="384691"/>
+            <a:off x="461999" y="192712"/>
+            <a:ext cx="5868916" cy="384691"/>
           </a:xfrm>
           <a:prstGeom prst="rect">
             <a:avLst/>
@@ -8221,8 +8227,8 @@
         </p:nvSpPr>
         <p:spPr>
           <a:xfrm>
-            <a:off x="829200" y="575702"/>
-            <a:ext cx="10533600" cy="2742175"/>
+            <a:off x="461999" y="575703"/>
+            <a:ext cx="5868916" cy="2742175"/>
           </a:xfrm>
           <a:prstGeom prst="rect">
             <a:avLst/>
@@ -8314,8 +8320,8 @@
         </p:nvSpPr>
         <p:spPr>
           <a:xfrm>
-            <a:off x="10464801" y="3317878"/>
-            <a:ext cx="1177472" cy="229570"/>
+            <a:off x="5830584" y="3317878"/>
+            <a:ext cx="656042" cy="229570"/>
           </a:xfrm>
           <a:prstGeom prst="rect">
             <a:avLst/>
@@ -8338,7 +8344,7 @@
           <a:p>
             <a:fld id="{05853D61-8A19-4B35-BDA8-1C18B2B00FED}" type="datetimeFigureOut">
               <a:rPr kumimoji="1" lang="ja-JP" altLang="en-US" smtClean="0"/>
-              <a:t>2025/8/26</a:t>
+              <a:t>2025/9/25</a:t>
             </a:fld>
             <a:endParaRPr kumimoji="1" lang="ja-JP" altLang="en-US"/>
           </a:p>
@@ -8356,8 +8362,8 @@
         </p:nvSpPr>
         <p:spPr>
           <a:xfrm>
-            <a:off x="4038600" y="3317878"/>
-            <a:ext cx="4114800" cy="229570"/>
+            <a:off x="2250153" y="3317878"/>
+            <a:ext cx="2292608" cy="229570"/>
           </a:xfrm>
           <a:prstGeom prst="rect">
             <a:avLst/>
@@ -8393,8 +8399,8 @@
         </p:nvSpPr>
         <p:spPr>
           <a:xfrm>
-            <a:off x="11642271" y="3317878"/>
-            <a:ext cx="522516" cy="229570"/>
+            <a:off x="6486625" y="3317878"/>
+            <a:ext cx="291126" cy="229570"/>
           </a:xfrm>
           <a:prstGeom prst="rect">
             <a:avLst/>
@@ -8776,7 +8782,7 @@
           </p:nvPr>
         </p:nvGraphicFramePr>
         <p:xfrm>
-          <a:off x="0" y="1"/>
+          <a:off x="-2699544" y="2"/>
           <a:ext cx="12192000" cy="3619499"/>
         </p:xfrm>
         <a:graphic>
@@ -8835,7 +8841,7 @@
         </p:nvGrpSpPr>
         <p:grpSpPr>
           <a:xfrm>
-            <a:off x="1006998" y="129170"/>
+            <a:off x="-1692546" y="129171"/>
             <a:ext cx="9596105" cy="3361159"/>
             <a:chOff x="1006998" y="129170"/>
             <a:chExt cx="9596105" cy="3361159"/>
@@ -9024,7 +9030,6 @@
                       <a:rPr lang="ja-JP" altLang="en-US" sz="1400" dirty="0"/>
                       <a:t>賃金</a:t>
                     </a:r>
-                    <a:endParaRPr kumimoji="1" lang="ja-JP" altLang="en-US" sz="1400" dirty="0"/>
                   </a:p>
                 </p:txBody>
               </p:sp>
@@ -9058,7 +9063,7 @@
                   <a:p>
                     <a:pPr algn="ctr"/>
                     <a:r>
-                      <a:rPr kumimoji="1" lang="ja-JP" altLang="en-US" sz="1400" dirty="0"/>
+                      <a:rPr lang="ja-JP" altLang="en-US" sz="1400" dirty="0"/>
                       <a:t>雇用量</a:t>
                     </a:r>
                   </a:p>
@@ -9146,7 +9151,7 @@
                   <a:lstStyle/>
                   <a:p>
                     <a:pPr algn="ctr"/>
-                    <a:endParaRPr kumimoji="1" lang="ja-JP" altLang="en-US"/>
+                    <a:endParaRPr lang="ja-JP" altLang="en-US"/>
                   </a:p>
                 </p:txBody>
               </p:sp>
@@ -9180,7 +9185,7 @@
                   <a:p>
                     <a:pPr algn="ctr"/>
                     <a:r>
-                      <a:rPr kumimoji="1" lang="ja-JP" altLang="en-US" sz="1400" dirty="0"/>
+                      <a:rPr lang="ja-JP" altLang="en-US" sz="1400" dirty="0"/>
                       <a:t>需要</a:t>
                     </a:r>
                   </a:p>
@@ -9216,15 +9221,15 @@
                   <a:p>
                     <a:pPr algn="ctr"/>
                     <a:r>
-                      <a:rPr kumimoji="1" lang="ja-JP" altLang="en-US" sz="1400" dirty="0"/>
+                      <a:rPr lang="ja-JP" altLang="en-US" sz="1400" dirty="0"/>
                       <a:t>供給</a:t>
                     </a:r>
                   </a:p>
                 </p:txBody>
               </p:sp>
             </p:grpSp>
-            <mc:AlternateContent xmlns:mc="http://schemas.openxmlformats.org/markup-compatibility/2006">
-              <mc:Choice xmlns:a14="http://schemas.microsoft.com/office/drawing/2010/main" Requires="a14">
+            <mc:AlternateContent xmlns:mc="http://schemas.openxmlformats.org/markup-compatibility/2006" xmlns:a14="http://schemas.microsoft.com/office/drawing/2010/main">
+              <mc:Choice Requires="a14">
                 <p:sp>
                   <p:nvSpPr>
                     <p:cNvPr id="2" name="テキスト ボックス 1">
@@ -9263,14 +9268,14 @@
                             <m:sSub>
                               <m:sSubPr>
                                 <m:ctrlPr>
-                                  <a:rPr kumimoji="1" lang="en-US" altLang="ja-JP" sz="1400" b="0" i="1" smtClean="0">
+                                  <a:rPr lang="en-US" altLang="ja-JP" sz="1400" i="1">
                                     <a:latin typeface="Cambria Math" panose="02040503050406030204" pitchFamily="18" charset="0"/>
                                   </a:rPr>
                                 </m:ctrlPr>
                               </m:sSubPr>
                               <m:e>
                                 <m:r>
-                                  <a:rPr kumimoji="1" lang="en-US" altLang="ja-JP" sz="1400" b="0" i="1" smtClean="0">
+                                  <a:rPr lang="en-US" altLang="ja-JP" sz="1400" i="1">
                                     <a:latin typeface="Cambria Math" panose="02040503050406030204" pitchFamily="18" charset="0"/>
                                   </a:rPr>
                                   <m:t>𝐿</m:t>
@@ -9278,7 +9283,7 @@
                               </m:e>
                               <m:sub>
                                 <m:r>
-                                  <a:rPr kumimoji="1" lang="en-US" altLang="ja-JP" sz="1400" b="0" i="1" smtClean="0">
+                                  <a:rPr lang="en-US" altLang="ja-JP" sz="1400" i="1">
                                     <a:latin typeface="Cambria Math" panose="02040503050406030204" pitchFamily="18" charset="0"/>
                                   </a:rPr>
                                   <m:t>1</m:t>
@@ -9288,12 +9293,12 @@
                           </m:oMath>
                         </m:oMathPara>
                       </a14:m>
-                      <a:endParaRPr kumimoji="1" lang="ja-JP" altLang="en-US" sz="1400" dirty="0"/>
+                      <a:endParaRPr lang="ja-JP" altLang="en-US" sz="1400" dirty="0"/>
                     </a:p>
                   </p:txBody>
                 </p:sp>
               </mc:Choice>
-              <mc:Fallback>
+              <mc:Fallback xmlns="">
                 <p:sp>
                   <p:nvSpPr>
                     <p:cNvPr id="2" name="テキスト ボックス 1">
@@ -9382,8 +9387,8 @@
                 </a:fontRef>
               </p:style>
             </p:cxnSp>
-            <mc:AlternateContent xmlns:mc="http://schemas.openxmlformats.org/markup-compatibility/2006">
-              <mc:Choice xmlns:a14="http://schemas.microsoft.com/office/drawing/2010/main" Requires="a14">
+            <mc:AlternateContent xmlns:mc="http://schemas.openxmlformats.org/markup-compatibility/2006" xmlns:a14="http://schemas.microsoft.com/office/drawing/2010/main">
+              <mc:Choice Requires="a14">
                 <p:sp>
                   <p:nvSpPr>
                     <p:cNvPr id="13" name="テキスト ボックス 12">
@@ -9422,14 +9427,14 @@
                             <m:sSub>
                               <m:sSubPr>
                                 <m:ctrlPr>
-                                  <a:rPr kumimoji="1" lang="en-US" altLang="ja-JP" sz="1400" b="0" i="1" smtClean="0">
+                                  <a:rPr lang="en-US" altLang="ja-JP" sz="1400" i="1">
                                     <a:latin typeface="Cambria Math" panose="02040503050406030204" pitchFamily="18" charset="0"/>
                                   </a:rPr>
                                 </m:ctrlPr>
                               </m:sSubPr>
                               <m:e>
                                 <m:r>
-                                  <a:rPr kumimoji="1" lang="en-US" altLang="ja-JP" sz="1400" b="0" i="1" smtClean="0">
+                                  <a:rPr lang="en-US" altLang="ja-JP" sz="1400" i="1">
                                     <a:latin typeface="Cambria Math" panose="02040503050406030204" pitchFamily="18" charset="0"/>
                                   </a:rPr>
                                   <m:t>𝑊</m:t>
@@ -9437,7 +9442,7 @@
                               </m:e>
                               <m:sub>
                                 <m:r>
-                                  <a:rPr kumimoji="1" lang="en-US" altLang="ja-JP" sz="1400" b="0" i="1" smtClean="0">
+                                  <a:rPr lang="en-US" altLang="ja-JP" sz="1400" i="1">
                                     <a:latin typeface="Cambria Math" panose="02040503050406030204" pitchFamily="18" charset="0"/>
                                   </a:rPr>
                                   <m:t>1</m:t>
@@ -9447,12 +9452,12 @@
                           </m:oMath>
                         </m:oMathPara>
                       </a14:m>
-                      <a:endParaRPr kumimoji="1" lang="ja-JP" altLang="en-US" sz="1400" dirty="0"/>
+                      <a:endParaRPr lang="ja-JP" altLang="en-US" sz="1400" dirty="0"/>
                     </a:p>
                   </p:txBody>
                 </p:sp>
               </mc:Choice>
-              <mc:Fallback>
+              <mc:Fallback xmlns="">
                 <p:sp>
                   <p:nvSpPr>
                     <p:cNvPr id="13" name="テキスト ボックス 12">
@@ -9624,12 +9629,12 @@
               <a:lstStyle/>
               <a:p>
                 <a:pPr algn="ctr"/>
-                <a:endParaRPr kumimoji="1" lang="ja-JP" altLang="en-US" dirty="0"/>
+                <a:endParaRPr lang="ja-JP" altLang="en-US" dirty="0"/>
               </a:p>
             </p:txBody>
           </p:sp>
-          <mc:AlternateContent xmlns:mc="http://schemas.openxmlformats.org/markup-compatibility/2006">
-            <mc:Choice xmlns:a14="http://schemas.microsoft.com/office/drawing/2010/main" Requires="a14">
+          <mc:AlternateContent xmlns:mc="http://schemas.openxmlformats.org/markup-compatibility/2006" xmlns:a14="http://schemas.microsoft.com/office/drawing/2010/main">
+            <mc:Choice Requires="a14">
               <p:sp>
                 <p:nvSpPr>
                   <p:cNvPr id="11" name="テキスト ボックス 10">
@@ -9668,14 +9673,14 @@
                           <m:sSub>
                             <m:sSubPr>
                               <m:ctrlPr>
-                                <a:rPr kumimoji="1" lang="en-US" altLang="ja-JP" sz="1400" b="0" i="1" smtClean="0">
+                                <a:rPr lang="en-US" altLang="ja-JP" sz="1400" i="1">
                                   <a:latin typeface="Cambria Math" panose="02040503050406030204" pitchFamily="18" charset="0"/>
                                 </a:rPr>
                               </m:ctrlPr>
                             </m:sSubPr>
                             <m:e>
                               <m:r>
-                                <a:rPr kumimoji="1" lang="en-US" altLang="ja-JP" sz="1400" b="0" i="1" smtClean="0">
+                                <a:rPr lang="en-US" altLang="ja-JP" sz="1400" i="1">
                                   <a:latin typeface="Cambria Math" panose="02040503050406030204" pitchFamily="18" charset="0"/>
                                 </a:rPr>
                                 <m:t>𝑊</m:t>
@@ -9683,7 +9688,7 @@
                             </m:e>
                             <m:sub>
                               <m:r>
-                                <a:rPr kumimoji="1" lang="en-US" altLang="ja-JP" sz="1400" b="0" i="1" smtClean="0">
+                                <a:rPr lang="en-US" altLang="ja-JP" sz="1400" i="1">
                                   <a:latin typeface="Cambria Math" panose="02040503050406030204" pitchFamily="18" charset="0"/>
                                 </a:rPr>
                                 <m:t>2</m:t>
@@ -9693,12 +9698,12 @@
                         </m:oMath>
                       </m:oMathPara>
                     </a14:m>
-                    <a:endParaRPr kumimoji="1" lang="en-US" altLang="ja-JP" sz="1400" b="0" dirty="0"/>
+                    <a:endParaRPr lang="en-US" altLang="ja-JP" sz="1400" dirty="0"/>
                   </a:p>
                 </p:txBody>
               </p:sp>
             </mc:Choice>
-            <mc:Fallback>
+            <mc:Fallback xmlns="">
               <p:sp>
                 <p:nvSpPr>
                   <p:cNvPr id="11" name="テキスト ボックス 10">
@@ -9831,8 +9836,8 @@
               </a:fontRef>
             </p:style>
           </p:cxnSp>
-          <mc:AlternateContent xmlns:mc="http://schemas.openxmlformats.org/markup-compatibility/2006">
-            <mc:Choice xmlns:a14="http://schemas.microsoft.com/office/drawing/2010/main" Requires="a14">
+          <mc:AlternateContent xmlns:mc="http://schemas.openxmlformats.org/markup-compatibility/2006" xmlns:a14="http://schemas.microsoft.com/office/drawing/2010/main">
+            <mc:Choice Requires="a14">
               <p:sp>
                 <p:nvSpPr>
                   <p:cNvPr id="25" name="テキスト ボックス 24">
@@ -9871,14 +9876,14 @@
                           <m:sSub>
                             <m:sSubPr>
                               <m:ctrlPr>
-                                <a:rPr kumimoji="1" lang="en-US" altLang="ja-JP" sz="1400" b="0" i="1" smtClean="0">
+                                <a:rPr lang="en-US" altLang="ja-JP" sz="1400" i="1">
                                   <a:latin typeface="Cambria Math" panose="02040503050406030204" pitchFamily="18" charset="0"/>
                                 </a:rPr>
                               </m:ctrlPr>
                             </m:sSubPr>
                             <m:e>
                               <m:r>
-                                <a:rPr kumimoji="1" lang="en-US" altLang="ja-JP" sz="1400" b="0" i="1" smtClean="0">
+                                <a:rPr lang="en-US" altLang="ja-JP" sz="1400" i="1">
                                   <a:latin typeface="Cambria Math" panose="02040503050406030204" pitchFamily="18" charset="0"/>
                                 </a:rPr>
                                 <m:t>𝐿</m:t>
@@ -9886,7 +9891,7 @@
                             </m:e>
                             <m:sub>
                               <m:r>
-                                <a:rPr kumimoji="1" lang="en-US" altLang="ja-JP" sz="1400" b="0" i="1" smtClean="0">
+                                <a:rPr lang="en-US" altLang="ja-JP" sz="1400" i="1">
                                   <a:latin typeface="Cambria Math" panose="02040503050406030204" pitchFamily="18" charset="0"/>
                                 </a:rPr>
                                 <m:t>2</m:t>
@@ -9896,12 +9901,12 @@
                         </m:oMath>
                       </m:oMathPara>
                     </a14:m>
-                    <a:endParaRPr kumimoji="1" lang="ja-JP" altLang="en-US" sz="1400" dirty="0"/>
+                    <a:endParaRPr lang="ja-JP" altLang="en-US" sz="1400" dirty="0"/>
                   </a:p>
                 </p:txBody>
               </p:sp>
             </mc:Choice>
-            <mc:Fallback>
+            <mc:Fallback xmlns="">
               <p:sp>
                 <p:nvSpPr>
                   <p:cNvPr id="25" name="テキスト ボックス 24">
@@ -10130,7 +10135,6 @@
                       <a:rPr lang="ja-JP" altLang="en-US" sz="1400" dirty="0"/>
                       <a:t>賃金</a:t>
                     </a:r>
-                    <a:endParaRPr kumimoji="1" lang="ja-JP" altLang="en-US" sz="1400" dirty="0"/>
                   </a:p>
                 </p:txBody>
               </p:sp>
@@ -10164,7 +10168,7 @@
                   <a:p>
                     <a:pPr algn="ctr"/>
                     <a:r>
-                      <a:rPr kumimoji="1" lang="ja-JP" altLang="en-US" sz="1400" dirty="0"/>
+                      <a:rPr lang="ja-JP" altLang="en-US" sz="1400" dirty="0"/>
                       <a:t>雇用量</a:t>
                     </a:r>
                   </a:p>
@@ -10252,7 +10256,7 @@
                   <a:lstStyle/>
                   <a:p>
                     <a:pPr algn="ctr"/>
-                    <a:endParaRPr kumimoji="1" lang="ja-JP" altLang="en-US"/>
+                    <a:endParaRPr lang="ja-JP" altLang="en-US"/>
                   </a:p>
                 </p:txBody>
               </p:sp>
@@ -10286,7 +10290,7 @@
                   <a:p>
                     <a:pPr algn="ctr"/>
                     <a:r>
-                      <a:rPr kumimoji="1" lang="ja-JP" altLang="en-US" sz="1400" dirty="0"/>
+                      <a:rPr lang="ja-JP" altLang="en-US" sz="1400" dirty="0"/>
                       <a:t>需要</a:t>
                     </a:r>
                   </a:p>
@@ -10322,15 +10326,15 @@
                   <a:p>
                     <a:pPr algn="ctr"/>
                     <a:r>
-                      <a:rPr kumimoji="1" lang="ja-JP" altLang="en-US" sz="1400" dirty="0"/>
+                      <a:rPr lang="ja-JP" altLang="en-US" sz="1400" dirty="0"/>
                       <a:t>供給</a:t>
                     </a:r>
                   </a:p>
                 </p:txBody>
               </p:sp>
             </p:grpSp>
-            <mc:AlternateContent xmlns:mc="http://schemas.openxmlformats.org/markup-compatibility/2006">
-              <mc:Choice xmlns:a14="http://schemas.microsoft.com/office/drawing/2010/main" Requires="a14">
+            <mc:AlternateContent xmlns:mc="http://schemas.openxmlformats.org/markup-compatibility/2006" xmlns:a14="http://schemas.microsoft.com/office/drawing/2010/main">
+              <mc:Choice Requires="a14">
                 <p:sp>
                   <p:nvSpPr>
                     <p:cNvPr id="35" name="テキスト ボックス 34">
@@ -10369,14 +10373,14 @@
                             <m:sSub>
                               <m:sSubPr>
                                 <m:ctrlPr>
-                                  <a:rPr kumimoji="1" lang="en-US" altLang="ja-JP" sz="1400" b="0" i="1" smtClean="0">
+                                  <a:rPr lang="en-US" altLang="ja-JP" sz="1400" i="1">
                                     <a:latin typeface="Cambria Math" panose="02040503050406030204" pitchFamily="18" charset="0"/>
                                   </a:rPr>
                                 </m:ctrlPr>
                               </m:sSubPr>
                               <m:e>
                                 <m:r>
-                                  <a:rPr kumimoji="1" lang="en-US" altLang="ja-JP" sz="1400" b="0" i="1" smtClean="0">
+                                  <a:rPr lang="en-US" altLang="ja-JP" sz="1400" i="1">
                                     <a:latin typeface="Cambria Math" panose="02040503050406030204" pitchFamily="18" charset="0"/>
                                   </a:rPr>
                                   <m:t>𝐿</m:t>
@@ -10384,7 +10388,7 @@
                               </m:e>
                               <m:sub>
                                 <m:r>
-                                  <a:rPr kumimoji="1" lang="en-US" altLang="ja-JP" sz="1400" b="0" i="1" smtClean="0">
+                                  <a:rPr lang="en-US" altLang="ja-JP" sz="1400" i="1">
                                     <a:latin typeface="Cambria Math" panose="02040503050406030204" pitchFamily="18" charset="0"/>
                                   </a:rPr>
                                   <m:t>1</m:t>
@@ -10394,12 +10398,12 @@
                           </m:oMath>
                         </m:oMathPara>
                       </a14:m>
-                      <a:endParaRPr kumimoji="1" lang="ja-JP" altLang="en-US" sz="1400" dirty="0"/>
+                      <a:endParaRPr lang="ja-JP" altLang="en-US" sz="1400" dirty="0"/>
                     </a:p>
                   </p:txBody>
                 </p:sp>
               </mc:Choice>
-              <mc:Fallback>
+              <mc:Fallback xmlns="">
                 <p:sp>
                   <p:nvSpPr>
                     <p:cNvPr id="35" name="テキスト ボックス 34">
@@ -10533,8 +10537,8 @@
               </a:fontRef>
             </p:style>
           </p:cxnSp>
-          <mc:AlternateContent xmlns:mc="http://schemas.openxmlformats.org/markup-compatibility/2006">
-            <mc:Choice xmlns:a14="http://schemas.microsoft.com/office/drawing/2010/main" Requires="a14">
+          <mc:AlternateContent xmlns:mc="http://schemas.openxmlformats.org/markup-compatibility/2006" xmlns:a14="http://schemas.microsoft.com/office/drawing/2010/main">
+            <mc:Choice Requires="a14">
               <p:sp>
                 <p:nvSpPr>
                   <p:cNvPr id="33" name="テキスト ボックス 32">
@@ -10573,14 +10577,14 @@
                           <m:sSub>
                             <m:sSubPr>
                               <m:ctrlPr>
-                                <a:rPr kumimoji="1" lang="en-US" altLang="ja-JP" sz="1400" b="0" i="1" smtClean="0">
+                                <a:rPr lang="en-US" altLang="ja-JP" sz="1400" i="1">
                                   <a:latin typeface="Cambria Math" panose="02040503050406030204" pitchFamily="18" charset="0"/>
                                 </a:rPr>
                               </m:ctrlPr>
                             </m:sSubPr>
                             <m:e>
                               <m:r>
-                                <a:rPr kumimoji="1" lang="en-US" altLang="ja-JP" sz="1400" b="0" i="1" smtClean="0">
+                                <a:rPr lang="en-US" altLang="ja-JP" sz="1400" i="1">
                                   <a:latin typeface="Cambria Math" panose="02040503050406030204" pitchFamily="18" charset="0"/>
                                 </a:rPr>
                                 <m:t>𝐿</m:t>
@@ -10588,7 +10592,7 @@
                             </m:e>
                             <m:sub>
                               <m:r>
-                                <a:rPr kumimoji="1" lang="en-US" altLang="ja-JP" sz="1400" b="0" i="1" smtClean="0">
+                                <a:rPr lang="en-US" altLang="ja-JP" sz="1400" i="1">
                                   <a:latin typeface="Cambria Math" panose="02040503050406030204" pitchFamily="18" charset="0"/>
                                 </a:rPr>
                                 <m:t>2</m:t>
@@ -10598,12 +10602,12 @@
                         </m:oMath>
                       </m:oMathPara>
                     </a14:m>
-                    <a:endParaRPr kumimoji="1" lang="ja-JP" altLang="en-US" sz="1400" dirty="0"/>
+                    <a:endParaRPr lang="ja-JP" altLang="en-US" sz="1400" dirty="0"/>
                   </a:p>
                 </p:txBody>
               </p:sp>
             </mc:Choice>
-            <mc:Fallback>
+            <mc:Fallback xmlns="">
               <p:sp>
                 <p:nvSpPr>
                   <p:cNvPr id="33" name="テキスト ボックス 32">
@@ -10739,7 +10743,7 @@
             <a:lstStyle/>
             <a:p>
               <a:pPr algn="ctr"/>
-              <a:endParaRPr kumimoji="1" lang="ja-JP" altLang="en-US"/>
+              <a:endParaRPr lang="ja-JP" altLang="en-US"/>
             </a:p>
           </p:txBody>
         </p:sp>
@@ -10748,6 +10752,186 @@
     <p:extLst>
       <p:ext uri="{BB962C8B-B14F-4D97-AF65-F5344CB8AC3E}">
         <p14:creationId xmlns:p14="http://schemas.microsoft.com/office/powerpoint/2010/main" val="2117210227"/>
+      </p:ext>
+    </p:extLst>
+  </p:cSld>
+  <p:clrMapOvr>
+    <a:masterClrMapping/>
+  </p:clrMapOvr>
+</p:sld>
+</file>
+
+<file path=ppt/slides/slide11.xml><?xml version="1.0" encoding="utf-8"?>
+<p:sld xmlns:a="http://schemas.openxmlformats.org/drawingml/2006/main" xmlns:r="http://schemas.openxmlformats.org/officeDocument/2006/relationships" xmlns:p="http://schemas.openxmlformats.org/presentationml/2006/main">
+  <p:cSld>
+    <p:spTree>
+      <p:nvGrpSpPr>
+        <p:cNvPr id="1" name=""/>
+        <p:cNvGrpSpPr/>
+        <p:nvPr/>
+      </p:nvGrpSpPr>
+      <p:grpSpPr>
+        <a:xfrm>
+          <a:off x="0" y="0"/>
+          <a:ext cx="0" cy="0"/>
+          <a:chOff x="0" y="0"/>
+          <a:chExt cx="0" cy="0"/>
+        </a:xfrm>
+      </p:grpSpPr>
+      <p:grpSp>
+        <p:nvGrpSpPr>
+          <p:cNvPr id="9" name="グループ化 8">
+            <a:extLst>
+              <a:ext uri="{FF2B5EF4-FFF2-40B4-BE49-F238E27FC236}">
+                <a16:creationId xmlns:a16="http://schemas.microsoft.com/office/drawing/2014/main" id="{98918E06-1E04-7BD3-998D-FAB3DAF16E2D}"/>
+              </a:ext>
+            </a:extLst>
+          </p:cNvPr>
+          <p:cNvGrpSpPr/>
+          <p:nvPr/>
+        </p:nvGrpSpPr>
+        <p:grpSpPr>
+          <a:xfrm>
+            <a:off x="455716" y="0"/>
+            <a:ext cx="5380893" cy="3544463"/>
+            <a:chOff x="455716" y="0"/>
+            <a:chExt cx="5380893" cy="3544463"/>
+          </a:xfrm>
+        </p:grpSpPr>
+        <p:grpSp>
+          <p:nvGrpSpPr>
+            <p:cNvPr id="6" name="グループ化 5">
+              <a:extLst>
+                <a:ext uri="{FF2B5EF4-FFF2-40B4-BE49-F238E27FC236}">
+                  <a16:creationId xmlns:a16="http://schemas.microsoft.com/office/drawing/2014/main" id="{55A185BD-58E3-1A64-39B2-5E543A941426}"/>
+                </a:ext>
+              </a:extLst>
+            </p:cNvPr>
+            <p:cNvGrpSpPr/>
+            <p:nvPr/>
+          </p:nvGrpSpPr>
+          <p:grpSpPr>
+            <a:xfrm>
+              <a:off x="455716" y="568167"/>
+              <a:ext cx="3509255" cy="2976296"/>
+              <a:chOff x="455716" y="568167"/>
+              <a:chExt cx="3509255" cy="2976296"/>
+            </a:xfrm>
+          </p:grpSpPr>
+          <p:sp>
+            <p:nvSpPr>
+              <p:cNvPr id="4" name="テキスト ボックス 3">
+                <a:extLst>
+                  <a:ext uri="{FF2B5EF4-FFF2-40B4-BE49-F238E27FC236}">
+                    <a16:creationId xmlns:a16="http://schemas.microsoft.com/office/drawing/2014/main" id="{13FD5680-FC6A-5653-FCB9-2DD3510724E8}"/>
+                  </a:ext>
+                </a:extLst>
+              </p:cNvPr>
+              <p:cNvSpPr txBox="1"/>
+              <p:nvPr/>
+            </p:nvSpPr>
+            <p:spPr>
+              <a:xfrm>
+                <a:off x="2827941" y="3236686"/>
+                <a:ext cx="1137030" cy="307777"/>
+              </a:xfrm>
+              <a:prstGeom prst="rect">
+                <a:avLst/>
+              </a:prstGeom>
+              <a:noFill/>
+            </p:spPr>
+            <p:txBody>
+              <a:bodyPr wrap="square" rtlCol="0">
+                <a:spAutoFit/>
+              </a:bodyPr>
+              <a:lstStyle/>
+              <a:p>
+                <a:pPr algn="ctr"/>
+                <a:r>
+                  <a:rPr lang="ja-JP" altLang="en-US" sz="1400" dirty="0"/>
+                  <a:t>余暇時間数</a:t>
+                </a:r>
+              </a:p>
+            </p:txBody>
+          </p:sp>
+          <p:sp>
+            <p:nvSpPr>
+              <p:cNvPr id="5" name="テキスト ボックス 4">
+                <a:extLst>
+                  <a:ext uri="{FF2B5EF4-FFF2-40B4-BE49-F238E27FC236}">
+                    <a16:creationId xmlns:a16="http://schemas.microsoft.com/office/drawing/2014/main" id="{ABB17E18-EE4D-D6A4-D132-B489938F5DC4}"/>
+                  </a:ext>
+                </a:extLst>
+              </p:cNvPr>
+              <p:cNvSpPr txBox="1"/>
+              <p:nvPr/>
+            </p:nvSpPr>
+            <p:spPr>
+              <a:xfrm>
+                <a:off x="455716" y="568167"/>
+                <a:ext cx="500586" cy="2102153"/>
+              </a:xfrm>
+              <a:prstGeom prst="rect">
+                <a:avLst/>
+              </a:prstGeom>
+              <a:noFill/>
+            </p:spPr>
+            <p:txBody>
+              <a:bodyPr vert="wordArtVertRtl" wrap="square" rtlCol="0">
+                <a:spAutoFit/>
+              </a:bodyPr>
+              <a:lstStyle/>
+              <a:p>
+                <a:pPr algn="ctr"/>
+                <a:r>
+                  <a:rPr lang="ja-JP" altLang="en-US" sz="1400" dirty="0"/>
+                  <a:t>総収入（千円）</a:t>
+                </a:r>
+              </a:p>
+            </p:txBody>
+          </p:sp>
+        </p:grpSp>
+        <p:pic>
+          <p:nvPicPr>
+            <p:cNvPr id="8" name="図 7" descr="グラフ, 折れ線グラフ&#10;&#10;AI 生成コンテンツは誤りを含む可能性があります。">
+              <a:extLst>
+                <a:ext uri="{FF2B5EF4-FFF2-40B4-BE49-F238E27FC236}">
+                  <a16:creationId xmlns:a16="http://schemas.microsoft.com/office/drawing/2014/main" id="{2D84954E-818D-7854-E600-B82635178DFD}"/>
+                </a:ext>
+              </a:extLst>
+            </p:cNvPr>
+            <p:cNvPicPr>
+              <a:picLocks noChangeAspect="1"/>
+            </p:cNvPicPr>
+            <p:nvPr/>
+          </p:nvPicPr>
+          <p:blipFill>
+            <a:blip r:embed="rId2">
+              <a:extLst>
+                <a:ext uri="{28A0092B-C50C-407E-A947-70E740481C1C}">
+                  <a14:useLocalDpi xmlns:a14="http://schemas.microsoft.com/office/drawing/2010/main" val="0"/>
+                </a:ext>
+              </a:extLst>
+            </a:blip>
+            <a:stretch>
+              <a:fillRect/>
+            </a:stretch>
+          </p:blipFill>
+          <p:spPr>
+            <a:xfrm>
+              <a:off x="956302" y="0"/>
+              <a:ext cx="4880307" cy="3238488"/>
+            </a:xfrm>
+            <a:prstGeom prst="rect">
+              <a:avLst/>
+            </a:prstGeom>
+          </p:spPr>
+        </p:pic>
+      </p:grpSp>
+    </p:spTree>
+    <p:extLst>
+      <p:ext uri="{BB962C8B-B14F-4D97-AF65-F5344CB8AC3E}">
+        <p14:creationId xmlns:p14="http://schemas.microsoft.com/office/powerpoint/2010/main" val="2181221413"/>
       </p:ext>
     </p:extLst>
   </p:cSld>
@@ -10796,7 +10980,7 @@
         </p:blipFill>
         <p:spPr>
           <a:xfrm>
-            <a:off x="3782977" y="0"/>
+            <a:off x="1083433" y="0"/>
             <a:ext cx="4626046" cy="3619500"/>
           </a:xfrm>
           <a:prstGeom prst="rect">
@@ -10856,7 +11040,7 @@
         </p:blipFill>
         <p:spPr>
           <a:xfrm>
-            <a:off x="4282241" y="0"/>
+            <a:off x="1582698" y="0"/>
             <a:ext cx="3627517" cy="3619500"/>
           </a:xfrm>
           <a:prstGeom prst="rect">
@@ -10923,7 +11107,7 @@
         </p:blipFill>
         <p:spPr bwMode="auto">
           <a:xfrm>
-            <a:off x="4291013" y="0"/>
+            <a:off x="1591470" y="0"/>
             <a:ext cx="3609975" cy="3619500"/>
           </a:xfrm>
           <a:prstGeom prst="rect">
@@ -11000,7 +11184,7 @@
         </p:blipFill>
         <p:spPr bwMode="auto">
           <a:xfrm>
-            <a:off x="3763963" y="890336"/>
+            <a:off x="1064420" y="890337"/>
             <a:ext cx="4662487" cy="2729163"/>
           </a:xfrm>
           <a:prstGeom prst="rect">
@@ -11068,7 +11252,7 @@
         </p:nvGrpSpPr>
         <p:grpSpPr>
           <a:xfrm>
-            <a:off x="3891716" y="203793"/>
+            <a:off x="1192173" y="203794"/>
             <a:ext cx="4408569" cy="3365803"/>
             <a:chOff x="3891716" y="203793"/>
             <a:chExt cx="4408569" cy="3365803"/>
@@ -11217,7 +11401,6 @@
                   <a:rPr lang="ja-JP" altLang="en-US" sz="1400" dirty="0"/>
                   <a:t>賃金</a:t>
                 </a:r>
-                <a:endParaRPr kumimoji="1" lang="ja-JP" altLang="en-US" sz="1400" dirty="0"/>
               </a:p>
             </p:txBody>
           </p:sp>
@@ -11251,7 +11434,7 @@
               <a:p>
                 <a:pPr algn="ctr"/>
                 <a:r>
-                  <a:rPr kumimoji="1" lang="ja-JP" altLang="en-US" sz="1400" dirty="0"/>
+                  <a:rPr lang="ja-JP" altLang="en-US" sz="1400" dirty="0"/>
                   <a:t>雇用量</a:t>
                 </a:r>
               </a:p>
@@ -11339,7 +11522,7 @@
               <a:lstStyle/>
               <a:p>
                 <a:pPr algn="ctr"/>
-                <a:endParaRPr kumimoji="1" lang="ja-JP" altLang="en-US"/>
+                <a:endParaRPr lang="ja-JP" altLang="en-US"/>
               </a:p>
             </p:txBody>
           </p:sp>
@@ -11425,7 +11608,7 @@
               <a:lstStyle/>
               <a:p>
                 <a:pPr algn="ctr"/>
-                <a:endParaRPr kumimoji="1" lang="ja-JP" altLang="en-US"/>
+                <a:endParaRPr lang="ja-JP" altLang="en-US"/>
               </a:p>
             </p:txBody>
           </p:sp>
@@ -11459,7 +11642,7 @@
               <a:p>
                 <a:pPr algn="ctr"/>
                 <a:r>
-                  <a:rPr kumimoji="1" lang="ja-JP" altLang="en-US" sz="1400" dirty="0"/>
+                  <a:rPr lang="ja-JP" altLang="en-US" sz="1400" dirty="0"/>
                   <a:t>需要</a:t>
                 </a:r>
               </a:p>
@@ -11495,15 +11678,15 @@
               <a:p>
                 <a:pPr algn="ctr"/>
                 <a:r>
-                  <a:rPr kumimoji="1" lang="ja-JP" altLang="en-US" sz="1400" dirty="0"/>
+                  <a:rPr lang="ja-JP" altLang="en-US" sz="1400" dirty="0"/>
                   <a:t>供給</a:t>
                 </a:r>
               </a:p>
             </p:txBody>
           </p:sp>
         </p:grpSp>
-        <mc:AlternateContent xmlns:mc="http://schemas.openxmlformats.org/markup-compatibility/2006">
-          <mc:Choice xmlns:a14="http://schemas.microsoft.com/office/drawing/2010/main" Requires="a14">
+        <mc:AlternateContent xmlns:mc="http://schemas.openxmlformats.org/markup-compatibility/2006" xmlns:a14="http://schemas.microsoft.com/office/drawing/2010/main">
+          <mc:Choice Requires="a14">
             <p:sp>
               <p:nvSpPr>
                 <p:cNvPr id="2" name="テキスト ボックス 1">
@@ -11542,14 +11725,14 @@
                         <m:sSup>
                           <m:sSupPr>
                             <m:ctrlPr>
-                              <a:rPr kumimoji="1" lang="en-US" altLang="ja-JP" sz="1400" b="0" i="1" smtClean="0">
+                              <a:rPr lang="en-US" altLang="ja-JP" sz="1400" i="1">
                                 <a:latin typeface="Cambria Math" panose="02040503050406030204" pitchFamily="18" charset="0"/>
                               </a:rPr>
                             </m:ctrlPr>
                           </m:sSupPr>
                           <m:e>
                             <m:r>
-                              <a:rPr kumimoji="1" lang="en-US" altLang="ja-JP" sz="1400" b="0" i="1" smtClean="0">
+                              <a:rPr lang="en-US" altLang="ja-JP" sz="1400" i="1">
                                 <a:latin typeface="Cambria Math" panose="02040503050406030204" pitchFamily="18" charset="0"/>
                               </a:rPr>
                               <m:t>𝐿</m:t>
@@ -11557,7 +11740,7 @@
                           </m:e>
                           <m:sup>
                             <m:r>
-                              <a:rPr kumimoji="1" lang="en-US" altLang="ja-JP" sz="1400" b="0" i="1" smtClean="0">
+                              <a:rPr lang="en-US" altLang="ja-JP" sz="1400" i="1">
                                 <a:latin typeface="Cambria Math" panose="02040503050406030204" pitchFamily="18" charset="0"/>
                               </a:rPr>
                               <m:t>∗</m:t>
@@ -11567,12 +11750,12 @@
                       </m:oMath>
                     </m:oMathPara>
                   </a14:m>
-                  <a:endParaRPr kumimoji="1" lang="ja-JP" altLang="en-US" sz="1400" dirty="0"/>
+                  <a:endParaRPr lang="ja-JP" altLang="en-US" sz="1400" dirty="0"/>
                 </a:p>
               </p:txBody>
             </p:sp>
           </mc:Choice>
-          <mc:Fallback>
+          <mc:Fallback xmlns="">
             <p:sp>
               <p:nvSpPr>
                 <p:cNvPr id="2" name="テキスト ボックス 1">
@@ -11661,8 +11844,8 @@
             </a:fontRef>
           </p:style>
         </p:cxnSp>
-        <mc:AlternateContent xmlns:mc="http://schemas.openxmlformats.org/markup-compatibility/2006">
-          <mc:Choice xmlns:a14="http://schemas.microsoft.com/office/drawing/2010/main" Requires="a14">
+        <mc:AlternateContent xmlns:mc="http://schemas.openxmlformats.org/markup-compatibility/2006" xmlns:a14="http://schemas.microsoft.com/office/drawing/2010/main">
+          <mc:Choice Requires="a14">
             <p:sp>
               <p:nvSpPr>
                 <p:cNvPr id="13" name="テキスト ボックス 12">
@@ -11701,14 +11884,14 @@
                         <m:sSup>
                           <m:sSupPr>
                             <m:ctrlPr>
-                              <a:rPr kumimoji="1" lang="en-US" altLang="ja-JP" sz="1400" b="0" i="1" smtClean="0">
+                              <a:rPr lang="en-US" altLang="ja-JP" sz="1400" i="1">
                                 <a:latin typeface="Cambria Math" panose="02040503050406030204" pitchFamily="18" charset="0"/>
                               </a:rPr>
                             </m:ctrlPr>
                           </m:sSupPr>
                           <m:e>
                             <m:r>
-                              <a:rPr kumimoji="1" lang="en-US" altLang="ja-JP" sz="1400" b="0" i="1" smtClean="0">
+                              <a:rPr lang="en-US" altLang="ja-JP" sz="1400" i="1">
                                 <a:latin typeface="Cambria Math" panose="02040503050406030204" pitchFamily="18" charset="0"/>
                               </a:rPr>
                               <m:t>𝑊</m:t>
@@ -11716,7 +11899,7 @@
                           </m:e>
                           <m:sup>
                             <m:r>
-                              <a:rPr kumimoji="1" lang="en-US" altLang="ja-JP" sz="1400" b="0" i="1" smtClean="0">
+                              <a:rPr lang="en-US" altLang="ja-JP" sz="1400" i="1">
                                 <a:latin typeface="Cambria Math" panose="02040503050406030204" pitchFamily="18" charset="0"/>
                               </a:rPr>
                               <m:t>∗</m:t>
@@ -11726,12 +11909,12 @@
                       </m:oMath>
                     </m:oMathPara>
                   </a14:m>
-                  <a:endParaRPr kumimoji="1" lang="ja-JP" altLang="en-US" sz="1400" dirty="0"/>
+                  <a:endParaRPr lang="ja-JP" altLang="en-US" sz="1400" dirty="0"/>
                 </a:p>
               </p:txBody>
             </p:sp>
           </mc:Choice>
-          <mc:Fallback>
+          <mc:Fallback xmlns="">
             <p:sp>
               <p:nvSpPr>
                 <p:cNvPr id="13" name="テキスト ボックス 12">
@@ -11865,7 +12048,7 @@
         </p:nvGrpSpPr>
         <p:grpSpPr>
           <a:xfrm>
-            <a:off x="999804" y="126848"/>
+            <a:off x="-1699740" y="126849"/>
             <a:ext cx="9776658" cy="3369349"/>
             <a:chOff x="999804" y="126848"/>
             <a:chExt cx="9776658" cy="3369349"/>
@@ -12034,7 +12217,6 @@
                     <a:rPr lang="ja-JP" altLang="en-US" sz="1400" dirty="0"/>
                     <a:t>賃金</a:t>
                   </a:r>
-                  <a:endParaRPr kumimoji="1" lang="ja-JP" altLang="en-US" sz="1400" dirty="0"/>
                 </a:p>
               </p:txBody>
             </p:sp>
@@ -12068,7 +12250,7 @@
                 <a:p>
                   <a:pPr algn="ctr"/>
                   <a:r>
-                    <a:rPr kumimoji="1" lang="ja-JP" altLang="en-US" sz="1400" dirty="0"/>
+                    <a:rPr lang="ja-JP" altLang="en-US" sz="1400" dirty="0"/>
                     <a:t>雇用量</a:t>
                   </a:r>
                 </a:p>
@@ -12156,7 +12338,7 @@
                 <a:lstStyle/>
                 <a:p>
                   <a:pPr algn="ctr"/>
-                  <a:endParaRPr kumimoji="1" lang="ja-JP" altLang="en-US"/>
+                  <a:endParaRPr lang="ja-JP" altLang="en-US"/>
                 </a:p>
               </p:txBody>
             </p:sp>
@@ -12242,7 +12424,7 @@
                 <a:lstStyle/>
                 <a:p>
                   <a:pPr algn="ctr"/>
-                  <a:endParaRPr kumimoji="1" lang="ja-JP" altLang="en-US"/>
+                  <a:endParaRPr lang="ja-JP" altLang="en-US"/>
                 </a:p>
               </p:txBody>
             </p:sp>
@@ -12276,7 +12458,7 @@
                 <a:p>
                   <a:pPr algn="ctr"/>
                   <a:r>
-                    <a:rPr kumimoji="1" lang="ja-JP" altLang="en-US" sz="1400" dirty="0"/>
+                    <a:rPr lang="ja-JP" altLang="en-US" sz="1400" dirty="0"/>
                     <a:t>需要</a:t>
                   </a:r>
                 </a:p>
@@ -12312,7 +12494,7 @@
                 <a:p>
                   <a:pPr algn="ctr"/>
                   <a:r>
-                    <a:rPr kumimoji="1" lang="ja-JP" altLang="en-US" sz="1400" dirty="0"/>
+                    <a:rPr lang="ja-JP" altLang="en-US" sz="1400" dirty="0"/>
                     <a:t>供給</a:t>
                   </a:r>
                 </a:p>
@@ -12399,7 +12581,6 @@
                   <a:rPr lang="ja-JP" altLang="en-US" sz="1400" dirty="0"/>
                   <a:t>失業</a:t>
                 </a:r>
-                <a:endParaRPr kumimoji="1" lang="ja-JP" altLang="en-US" sz="1400" dirty="0"/>
               </a:p>
             </p:txBody>
           </p:sp>
@@ -12480,7 +12661,7 @@
               <a:p>
                 <a:pPr algn="ctr"/>
                 <a:r>
-                  <a:rPr kumimoji="1" lang="ja-JP" altLang="en-US" sz="1400" dirty="0"/>
+                  <a:rPr lang="ja-JP" altLang="en-US" sz="1400" dirty="0"/>
                   <a:t>欠員</a:t>
                 </a:r>
               </a:p>
@@ -12650,7 +12831,6 @@
                     <a:rPr lang="ja-JP" altLang="en-US" sz="1400" dirty="0"/>
                     <a:t>賃金</a:t>
                   </a:r>
-                  <a:endParaRPr kumimoji="1" lang="ja-JP" altLang="en-US" sz="1400" dirty="0"/>
                 </a:p>
               </p:txBody>
             </p:sp>
@@ -12684,7 +12864,7 @@
                 <a:p>
                   <a:pPr algn="ctr"/>
                   <a:r>
-                    <a:rPr kumimoji="1" lang="ja-JP" altLang="en-US" sz="1400" dirty="0"/>
+                    <a:rPr lang="ja-JP" altLang="en-US" sz="1400" dirty="0"/>
                     <a:t>雇用量</a:t>
                   </a:r>
                 </a:p>
@@ -12772,7 +12952,7 @@
                 <a:lstStyle/>
                 <a:p>
                   <a:pPr algn="ctr"/>
-                  <a:endParaRPr kumimoji="1" lang="ja-JP" altLang="en-US"/>
+                  <a:endParaRPr lang="ja-JP" altLang="en-US"/>
                 </a:p>
               </p:txBody>
             </p:sp>
@@ -12858,7 +13038,7 @@
                 <a:lstStyle/>
                 <a:p>
                   <a:pPr algn="ctr"/>
-                  <a:endParaRPr kumimoji="1" lang="ja-JP" altLang="en-US"/>
+                  <a:endParaRPr lang="ja-JP" altLang="en-US"/>
                 </a:p>
               </p:txBody>
             </p:sp>
@@ -12892,7 +13072,7 @@
                 <a:p>
                   <a:pPr algn="ctr"/>
                   <a:r>
-                    <a:rPr kumimoji="1" lang="ja-JP" altLang="en-US" sz="1400" dirty="0"/>
+                    <a:rPr lang="ja-JP" altLang="en-US" sz="1400" dirty="0"/>
                     <a:t>需要</a:t>
                   </a:r>
                 </a:p>
@@ -12928,15 +13108,15 @@
                 <a:p>
                   <a:pPr algn="ctr"/>
                   <a:r>
-                    <a:rPr kumimoji="1" lang="ja-JP" altLang="en-US" sz="1400" dirty="0"/>
+                    <a:rPr lang="ja-JP" altLang="en-US" sz="1400" dirty="0"/>
                     <a:t>供給</a:t>
                   </a:r>
                 </a:p>
               </p:txBody>
             </p:sp>
           </p:grpSp>
-          <mc:AlternateContent xmlns:mc="http://schemas.openxmlformats.org/markup-compatibility/2006">
-            <mc:Choice xmlns:a14="http://schemas.microsoft.com/office/drawing/2010/main" Requires="a14">
+          <mc:AlternateContent xmlns:mc="http://schemas.openxmlformats.org/markup-compatibility/2006" xmlns:a14="http://schemas.microsoft.com/office/drawing/2010/main">
+            <mc:Choice Requires="a14">
               <p:sp>
                 <p:nvSpPr>
                   <p:cNvPr id="24" name="テキスト ボックス 23">
@@ -12975,14 +13155,14 @@
                           <m:sSup>
                             <m:sSupPr>
                               <m:ctrlPr>
-                                <a:rPr kumimoji="1" lang="en-US" altLang="ja-JP" sz="1400" b="0" i="1" smtClean="0">
+                                <a:rPr lang="en-US" altLang="ja-JP" sz="1400" i="1">
                                   <a:latin typeface="Cambria Math" panose="02040503050406030204" pitchFamily="18" charset="0"/>
                                 </a:rPr>
                               </m:ctrlPr>
                             </m:sSupPr>
                             <m:e>
                               <m:r>
-                                <a:rPr kumimoji="1" lang="en-US" altLang="ja-JP" sz="1400" b="0" i="1" smtClean="0">
+                                <a:rPr lang="en-US" altLang="ja-JP" sz="1400" i="1">
                                   <a:latin typeface="Cambria Math" panose="02040503050406030204" pitchFamily="18" charset="0"/>
                                 </a:rPr>
                                 <m:t>𝐿</m:t>
@@ -12990,7 +13170,7 @@
                             </m:e>
                             <m:sup>
                               <m:r>
-                                <a:rPr kumimoji="1" lang="en-US" altLang="ja-JP" sz="1400" b="0" i="1" smtClean="0">
+                                <a:rPr lang="en-US" altLang="ja-JP" sz="1400" i="1">
                                   <a:latin typeface="Cambria Math" panose="02040503050406030204" pitchFamily="18" charset="0"/>
                                 </a:rPr>
                                 <m:t>∗</m:t>
@@ -13000,12 +13180,12 @@
                         </m:oMath>
                       </m:oMathPara>
                     </a14:m>
-                    <a:endParaRPr kumimoji="1" lang="ja-JP" altLang="en-US" sz="1400" dirty="0"/>
+                    <a:endParaRPr lang="ja-JP" altLang="en-US" sz="1400" dirty="0"/>
                   </a:p>
                 </p:txBody>
               </p:sp>
             </mc:Choice>
-            <mc:Fallback>
+            <mc:Fallback xmlns="">
               <p:sp>
                 <p:nvSpPr>
                   <p:cNvPr id="24" name="テキスト ボックス 23">
@@ -13094,8 +13274,8 @@
               </a:fontRef>
             </p:style>
           </p:cxnSp>
-          <mc:AlternateContent xmlns:mc="http://schemas.openxmlformats.org/markup-compatibility/2006">
-            <mc:Choice xmlns:a14="http://schemas.microsoft.com/office/drawing/2010/main" Requires="a14">
+          <mc:AlternateContent xmlns:mc="http://schemas.openxmlformats.org/markup-compatibility/2006" xmlns:a14="http://schemas.microsoft.com/office/drawing/2010/main">
+            <mc:Choice Requires="a14">
               <p:sp>
                 <p:nvSpPr>
                   <p:cNvPr id="26" name="テキスト ボックス 25">
@@ -13134,14 +13314,14 @@
                           <m:sSup>
                             <m:sSupPr>
                               <m:ctrlPr>
-                                <a:rPr kumimoji="1" lang="en-US" altLang="ja-JP" sz="1400" b="0" i="1" smtClean="0">
+                                <a:rPr lang="en-US" altLang="ja-JP" sz="1400" i="1">
                                   <a:latin typeface="Cambria Math" panose="02040503050406030204" pitchFamily="18" charset="0"/>
                                 </a:rPr>
                               </m:ctrlPr>
                             </m:sSupPr>
                             <m:e>
                               <m:r>
-                                <a:rPr kumimoji="1" lang="en-US" altLang="ja-JP" sz="1400" b="0" i="1" smtClean="0">
+                                <a:rPr lang="en-US" altLang="ja-JP" sz="1400" i="1">
                                   <a:latin typeface="Cambria Math" panose="02040503050406030204" pitchFamily="18" charset="0"/>
                                 </a:rPr>
                                 <m:t>𝑊</m:t>
@@ -13149,7 +13329,7 @@
                             </m:e>
                             <m:sup>
                               <m:r>
-                                <a:rPr kumimoji="1" lang="en-US" altLang="ja-JP" sz="1400" b="0" i="1" smtClean="0">
+                                <a:rPr lang="en-US" altLang="ja-JP" sz="1400" i="1">
                                   <a:latin typeface="Cambria Math" panose="02040503050406030204" pitchFamily="18" charset="0"/>
                                 </a:rPr>
                                 <m:t>∗</m:t>
@@ -13159,12 +13339,12 @@
                         </m:oMath>
                       </m:oMathPara>
                     </a14:m>
-                    <a:endParaRPr kumimoji="1" lang="ja-JP" altLang="en-US" sz="1400" dirty="0"/>
+                    <a:endParaRPr lang="ja-JP" altLang="en-US" sz="1400" dirty="0"/>
                   </a:p>
                 </p:txBody>
               </p:sp>
             </mc:Choice>
-            <mc:Fallback>
+            <mc:Fallback xmlns="">
               <p:sp>
                 <p:nvSpPr>
                   <p:cNvPr id="26" name="テキスト ボックス 25">
@@ -13305,7 +13485,7 @@
         </p:nvGrpSpPr>
         <p:grpSpPr>
           <a:xfrm>
-            <a:off x="3486312" y="126848"/>
+            <a:off x="786769" y="126848"/>
             <a:ext cx="5219375" cy="3368526"/>
             <a:chOff x="1206389" y="126848"/>
             <a:chExt cx="5219375" cy="3368526"/>
@@ -13474,7 +13654,6 @@
                     <a:rPr lang="ja-JP" altLang="en-US" sz="1400" dirty="0"/>
                     <a:t>賃金</a:t>
                   </a:r>
-                  <a:endParaRPr kumimoji="1" lang="ja-JP" altLang="en-US" sz="1400" dirty="0"/>
                 </a:p>
               </p:txBody>
             </p:sp>
@@ -13508,7 +13687,7 @@
                 <a:p>
                   <a:pPr algn="ctr"/>
                   <a:r>
-                    <a:rPr kumimoji="1" lang="ja-JP" altLang="en-US" sz="1400" dirty="0"/>
+                    <a:rPr lang="ja-JP" altLang="en-US" sz="1400" dirty="0"/>
                     <a:t>雇用量</a:t>
                   </a:r>
                 </a:p>
@@ -13598,7 +13777,7 @@
                 <a:lstStyle/>
                 <a:p>
                   <a:pPr algn="ctr"/>
-                  <a:endParaRPr kumimoji="1" lang="ja-JP" altLang="en-US"/>
+                  <a:endParaRPr lang="ja-JP" altLang="en-US"/>
                 </a:p>
               </p:txBody>
             </p:sp>
@@ -13684,7 +13863,7 @@
                 <a:lstStyle/>
                 <a:p>
                   <a:pPr algn="ctr"/>
-                  <a:endParaRPr kumimoji="1" lang="ja-JP" altLang="en-US"/>
+                  <a:endParaRPr lang="ja-JP" altLang="en-US"/>
                 </a:p>
               </p:txBody>
             </p:sp>
@@ -13754,7 +13933,7 @@
                 <a:p>
                   <a:pPr algn="ctr"/>
                   <a:r>
-                    <a:rPr kumimoji="1" lang="ja-JP" altLang="en-US" sz="1400" dirty="0"/>
+                    <a:rPr lang="ja-JP" altLang="en-US" sz="1400" dirty="0"/>
                     <a:t>供給</a:t>
                   </a:r>
                 </a:p>
@@ -13843,12 +14022,12 @@
               <a:lstStyle/>
               <a:p>
                 <a:pPr algn="ctr"/>
-                <a:endParaRPr kumimoji="1" lang="ja-JP" altLang="en-US"/>
+                <a:endParaRPr lang="ja-JP" altLang="en-US"/>
               </a:p>
             </p:txBody>
           </p:sp>
-          <mc:AlternateContent xmlns:mc="http://schemas.openxmlformats.org/markup-compatibility/2006">
-            <mc:Choice xmlns:a14="http://schemas.microsoft.com/office/drawing/2010/main" Requires="a14">
+          <mc:AlternateContent xmlns:mc="http://schemas.openxmlformats.org/markup-compatibility/2006" xmlns:a14="http://schemas.microsoft.com/office/drawing/2010/main">
+            <mc:Choice Requires="a14">
               <p:sp>
                 <p:nvSpPr>
                   <p:cNvPr id="5" name="テキスト ボックス 4">
@@ -13887,14 +14066,14 @@
                           <m:sSub>
                             <m:sSubPr>
                               <m:ctrlPr>
-                                <a:rPr kumimoji="1" lang="en-US" altLang="ja-JP" sz="1400" b="0" i="1" smtClean="0">
+                                <a:rPr lang="en-US" altLang="ja-JP" sz="1400" i="1">
                                   <a:latin typeface="Cambria Math" panose="02040503050406030204" pitchFamily="18" charset="0"/>
                                 </a:rPr>
                               </m:ctrlPr>
                             </m:sSubPr>
                             <m:e>
                               <m:r>
-                                <a:rPr kumimoji="1" lang="en-US" altLang="ja-JP" sz="1400" b="0" i="1" smtClean="0">
+                                <a:rPr lang="en-US" altLang="ja-JP" sz="1400" i="1">
                                   <a:latin typeface="Cambria Math" panose="02040503050406030204" pitchFamily="18" charset="0"/>
                                 </a:rPr>
                                 <m:t>𝐿</m:t>
@@ -13902,7 +14081,7 @@
                             </m:e>
                             <m:sub>
                               <m:r>
-                                <a:rPr kumimoji="1" lang="en-US" altLang="ja-JP" sz="1400" b="0" i="1" smtClean="0">
+                                <a:rPr lang="en-US" altLang="ja-JP" sz="1400" i="1">
                                   <a:latin typeface="Cambria Math" panose="02040503050406030204" pitchFamily="18" charset="0"/>
                                 </a:rPr>
                                 <m:t>1</m:t>
@@ -13912,12 +14091,12 @@
                         </m:oMath>
                       </m:oMathPara>
                     </a14:m>
-                    <a:endParaRPr kumimoji="1" lang="ja-JP" altLang="en-US" sz="1400" dirty="0"/>
+                    <a:endParaRPr lang="ja-JP" altLang="en-US" sz="1400" dirty="0"/>
                   </a:p>
                 </p:txBody>
               </p:sp>
             </mc:Choice>
-            <mc:Fallback>
+            <mc:Fallback xmlns="">
               <p:sp>
                 <p:nvSpPr>
                   <p:cNvPr id="5" name="テキスト ボックス 4">
@@ -14006,8 +14185,8 @@
               </a:fontRef>
             </p:style>
           </p:cxnSp>
-          <mc:AlternateContent xmlns:mc="http://schemas.openxmlformats.org/markup-compatibility/2006">
-            <mc:Choice xmlns:a14="http://schemas.microsoft.com/office/drawing/2010/main" Requires="a14">
+          <mc:AlternateContent xmlns:mc="http://schemas.openxmlformats.org/markup-compatibility/2006" xmlns:a14="http://schemas.microsoft.com/office/drawing/2010/main">
+            <mc:Choice Requires="a14">
               <p:sp>
                 <p:nvSpPr>
                   <p:cNvPr id="13" name="テキスト ボックス 12">
@@ -14046,14 +14225,14 @@
                           <m:sSub>
                             <m:sSubPr>
                               <m:ctrlPr>
-                                <a:rPr kumimoji="1" lang="en-US" altLang="ja-JP" sz="1400" b="0" i="1" smtClean="0">
+                                <a:rPr lang="en-US" altLang="ja-JP" sz="1400" i="1">
                                   <a:latin typeface="Cambria Math" panose="02040503050406030204" pitchFamily="18" charset="0"/>
                                 </a:rPr>
                               </m:ctrlPr>
                             </m:sSubPr>
                             <m:e>
                               <m:r>
-                                <a:rPr kumimoji="1" lang="en-US" altLang="ja-JP" sz="1400" b="0" i="1" smtClean="0">
+                                <a:rPr lang="en-US" altLang="ja-JP" sz="1400" i="1">
                                   <a:latin typeface="Cambria Math" panose="02040503050406030204" pitchFamily="18" charset="0"/>
                                 </a:rPr>
                                 <m:t>𝑊</m:t>
@@ -14061,7 +14240,7 @@
                             </m:e>
                             <m:sub>
                               <m:r>
-                                <a:rPr kumimoji="1" lang="en-US" altLang="ja-JP" sz="1400" b="0" i="1" smtClean="0">
+                                <a:rPr lang="en-US" altLang="ja-JP" sz="1400" i="1">
                                   <a:latin typeface="Cambria Math" panose="02040503050406030204" pitchFamily="18" charset="0"/>
                                 </a:rPr>
                                 <m:t>1</m:t>
@@ -14071,12 +14250,12 @@
                         </m:oMath>
                       </m:oMathPara>
                     </a14:m>
-                    <a:endParaRPr kumimoji="1" lang="ja-JP" altLang="en-US" sz="1400" dirty="0"/>
+                    <a:endParaRPr lang="ja-JP" altLang="en-US" sz="1400" dirty="0"/>
                   </a:p>
                 </p:txBody>
               </p:sp>
             </mc:Choice>
-            <mc:Fallback>
+            <mc:Fallback xmlns="">
               <p:sp>
                 <p:nvSpPr>
                   <p:cNvPr id="13" name="テキスト ボックス 12">
@@ -14166,8 +14345,8 @@
               </a:fontRef>
             </p:style>
           </p:cxnSp>
-          <mc:AlternateContent xmlns:mc="http://schemas.openxmlformats.org/markup-compatibility/2006">
-            <mc:Choice xmlns:a14="http://schemas.microsoft.com/office/drawing/2010/main" Requires="a14">
+          <mc:AlternateContent xmlns:mc="http://schemas.openxmlformats.org/markup-compatibility/2006" xmlns:a14="http://schemas.microsoft.com/office/drawing/2010/main">
+            <mc:Choice Requires="a14">
               <p:sp>
                 <p:nvSpPr>
                   <p:cNvPr id="23" name="テキスト ボックス 22">
@@ -14206,14 +14385,14 @@
                           <m:sSub>
                             <m:sSubPr>
                               <m:ctrlPr>
-                                <a:rPr kumimoji="1" lang="en-US" altLang="ja-JP" sz="1400" b="0" i="1" smtClean="0">
+                                <a:rPr lang="en-US" altLang="ja-JP" sz="1400" i="1">
                                   <a:latin typeface="Cambria Math" panose="02040503050406030204" pitchFamily="18" charset="0"/>
                                 </a:rPr>
                               </m:ctrlPr>
                             </m:sSubPr>
                             <m:e>
                               <m:r>
-                                <a:rPr kumimoji="1" lang="en-US" altLang="ja-JP" sz="1400" b="0" i="1" smtClean="0">
+                                <a:rPr lang="en-US" altLang="ja-JP" sz="1400" i="1">
                                   <a:latin typeface="Cambria Math" panose="02040503050406030204" pitchFamily="18" charset="0"/>
                                 </a:rPr>
                                 <m:t>𝐿</m:t>
@@ -14221,7 +14400,7 @@
                             </m:e>
                             <m:sub>
                               <m:r>
-                                <a:rPr kumimoji="1" lang="en-US" altLang="ja-JP" sz="1400" b="0" i="1" smtClean="0">
+                                <a:rPr lang="en-US" altLang="ja-JP" sz="1400" i="1">
                                   <a:latin typeface="Cambria Math" panose="02040503050406030204" pitchFamily="18" charset="0"/>
                                 </a:rPr>
                                 <m:t>2</m:t>
@@ -14231,12 +14410,12 @@
                         </m:oMath>
                       </m:oMathPara>
                     </a14:m>
-                    <a:endParaRPr kumimoji="1" lang="ja-JP" altLang="en-US" sz="1400" dirty="0"/>
+                    <a:endParaRPr lang="ja-JP" altLang="en-US" sz="1400" dirty="0"/>
                   </a:p>
                 </p:txBody>
               </p:sp>
             </mc:Choice>
-            <mc:Fallback>
+            <mc:Fallback xmlns="">
               <p:sp>
                 <p:nvSpPr>
                   <p:cNvPr id="23" name="テキスト ボックス 22">
@@ -14325,8 +14504,8 @@
               </a:fontRef>
             </p:style>
           </p:cxnSp>
-          <mc:AlternateContent xmlns:mc="http://schemas.openxmlformats.org/markup-compatibility/2006">
-            <mc:Choice xmlns:a14="http://schemas.microsoft.com/office/drawing/2010/main" Requires="a14">
+          <mc:AlternateContent xmlns:mc="http://schemas.openxmlformats.org/markup-compatibility/2006" xmlns:a14="http://schemas.microsoft.com/office/drawing/2010/main">
+            <mc:Choice Requires="a14">
               <p:sp>
                 <p:nvSpPr>
                   <p:cNvPr id="25" name="テキスト ボックス 24">
@@ -14365,14 +14544,14 @@
                           <m:sSub>
                             <m:sSubPr>
                               <m:ctrlPr>
-                                <a:rPr kumimoji="1" lang="en-US" altLang="ja-JP" sz="1400" b="0" i="1" smtClean="0">
+                                <a:rPr lang="en-US" altLang="ja-JP" sz="1400" i="1">
                                   <a:latin typeface="Cambria Math" panose="02040503050406030204" pitchFamily="18" charset="0"/>
                                 </a:rPr>
                               </m:ctrlPr>
                             </m:sSubPr>
                             <m:e>
                               <m:r>
-                                <a:rPr kumimoji="1" lang="en-US" altLang="ja-JP" sz="1400" b="0" i="1" smtClean="0">
+                                <a:rPr lang="en-US" altLang="ja-JP" sz="1400" i="1">
                                   <a:latin typeface="Cambria Math" panose="02040503050406030204" pitchFamily="18" charset="0"/>
                                 </a:rPr>
                                 <m:t>𝑊</m:t>
@@ -14380,7 +14559,7 @@
                             </m:e>
                             <m:sub>
                               <m:r>
-                                <a:rPr kumimoji="1" lang="en-US" altLang="ja-JP" sz="1400" b="0" i="1" smtClean="0">
+                                <a:rPr lang="en-US" altLang="ja-JP" sz="1400" i="1">
                                   <a:latin typeface="Cambria Math" panose="02040503050406030204" pitchFamily="18" charset="0"/>
                                 </a:rPr>
                                 <m:t>2</m:t>
@@ -14390,12 +14569,12 @@
                         </m:oMath>
                       </m:oMathPara>
                     </a14:m>
-                    <a:endParaRPr kumimoji="1" lang="ja-JP" altLang="en-US" sz="1400" dirty="0"/>
+                    <a:endParaRPr lang="ja-JP" altLang="en-US" sz="1400" dirty="0"/>
                   </a:p>
                 </p:txBody>
               </p:sp>
             </mc:Choice>
-            <mc:Fallback>
+            <mc:Fallback xmlns="">
               <p:sp>
                 <p:nvSpPr>
                   <p:cNvPr id="25" name="テキスト ボックス 24">
@@ -14514,14 +14693,9 @@
               <a:p>
                 <a:pPr algn="ctr"/>
                 <a:r>
-                  <a:rPr kumimoji="1" lang="ja-JP" altLang="en-US" sz="1400" dirty="0"/>
-                  <a:t>需要</a:t>
+                  <a:rPr lang="ja-JP" altLang="en-US" sz="1400" dirty="0"/>
+                  <a:t>需要（シフト後）</a:t>
                 </a:r>
-                <a:r>
-                  <a:rPr lang="ja-JP" altLang="en-US" sz="1400" dirty="0"/>
-                  <a:t>（シフト後）</a:t>
-                </a:r>
-                <a:endParaRPr kumimoji="1" lang="ja-JP" altLang="en-US" sz="1400" dirty="0"/>
               </a:p>
             </p:txBody>
           </p:sp>
@@ -14570,8 +14744,8 @@
             </a:fontRef>
           </p:style>
         </p:cxnSp>
-        <mc:AlternateContent xmlns:mc="http://schemas.openxmlformats.org/markup-compatibility/2006">
-          <mc:Choice xmlns:a14="http://schemas.microsoft.com/office/drawing/2010/main" Requires="a14">
+        <mc:AlternateContent xmlns:mc="http://schemas.openxmlformats.org/markup-compatibility/2006" xmlns:a14="http://schemas.microsoft.com/office/drawing/2010/main">
+          <mc:Choice Requires="a14">
             <p:sp>
               <p:nvSpPr>
                 <p:cNvPr id="76" name="テキスト ボックス 75">
@@ -14610,14 +14784,14 @@
                         <m:sSub>
                           <m:sSubPr>
                             <m:ctrlPr>
-                              <a:rPr kumimoji="1" lang="en-US" altLang="ja-JP" sz="1400" b="0" i="1" smtClean="0">
+                              <a:rPr lang="en-US" altLang="ja-JP" sz="1400" i="1">
                                 <a:latin typeface="Cambria Math" panose="02040503050406030204" pitchFamily="18" charset="0"/>
                               </a:rPr>
                             </m:ctrlPr>
                           </m:sSubPr>
                           <m:e>
                             <m:r>
-                              <a:rPr kumimoji="1" lang="en-US" altLang="ja-JP" sz="1400" b="0" i="1" smtClean="0">
+                              <a:rPr lang="en-US" altLang="ja-JP" sz="1400" i="1">
                                 <a:latin typeface="Cambria Math" panose="02040503050406030204" pitchFamily="18" charset="0"/>
                               </a:rPr>
                               <m:t>𝐿</m:t>
@@ -14635,12 +14809,12 @@
                       </m:oMath>
                     </m:oMathPara>
                   </a14:m>
-                  <a:endParaRPr kumimoji="1" lang="ja-JP" altLang="en-US" sz="1400" dirty="0"/>
+                  <a:endParaRPr lang="ja-JP" altLang="en-US" sz="1400" dirty="0"/>
                 </a:p>
               </p:txBody>
             </p:sp>
           </mc:Choice>
-          <mc:Fallback>
+          <mc:Fallback xmlns="">
             <p:sp>
               <p:nvSpPr>
                 <p:cNvPr id="76" name="テキスト ボックス 75">
@@ -14730,7 +14904,7 @@
         </p:nvGrpSpPr>
         <p:grpSpPr>
           <a:xfrm>
-            <a:off x="3720338" y="125407"/>
+            <a:off x="1020794" y="125407"/>
             <a:ext cx="4751324" cy="3368686"/>
             <a:chOff x="6299843" y="126848"/>
             <a:chExt cx="4751324" cy="3368686"/>
@@ -14899,7 +15073,6 @@
                     <a:rPr lang="ja-JP" altLang="en-US" sz="1400" dirty="0"/>
                     <a:t>賃金</a:t>
                   </a:r>
-                  <a:endParaRPr kumimoji="1" lang="ja-JP" altLang="en-US" sz="1400" dirty="0"/>
                 </a:p>
               </p:txBody>
             </p:sp>
@@ -14933,7 +15106,7 @@
                 <a:p>
                   <a:pPr algn="ctr"/>
                   <a:r>
-                    <a:rPr kumimoji="1" lang="ja-JP" altLang="en-US" sz="1400" dirty="0"/>
+                    <a:rPr lang="ja-JP" altLang="en-US" sz="1400" dirty="0"/>
                     <a:t>雇用量</a:t>
                   </a:r>
                 </a:p>
@@ -15023,7 +15196,7 @@
                 <a:lstStyle/>
                 <a:p>
                   <a:pPr algn="ctr"/>
-                  <a:endParaRPr kumimoji="1" lang="ja-JP" altLang="en-US"/>
+                  <a:endParaRPr lang="ja-JP" altLang="en-US"/>
                 </a:p>
               </p:txBody>
             </p:sp>
@@ -15057,7 +15230,7 @@
                 <a:p>
                   <a:pPr algn="ctr"/>
                   <a:r>
-                    <a:rPr kumimoji="1" lang="ja-JP" altLang="en-US" sz="1400" dirty="0"/>
+                    <a:rPr lang="ja-JP" altLang="en-US" sz="1400" dirty="0"/>
                     <a:t>需要</a:t>
                   </a:r>
                 </a:p>
@@ -15093,14 +15266,9 @@
                 <a:p>
                   <a:pPr algn="ctr"/>
                   <a:r>
-                    <a:rPr kumimoji="1" lang="ja-JP" altLang="en-US" sz="1400" dirty="0"/>
-                    <a:t>供給</a:t>
+                    <a:rPr lang="ja-JP" altLang="en-US" sz="1400" dirty="0"/>
+                    <a:t>供給（シフト後）</a:t>
                   </a:r>
-                  <a:r>
-                    <a:rPr lang="ja-JP" altLang="en-US" sz="1400" dirty="0"/>
-                    <a:t>（シフト後）</a:t>
-                  </a:r>
-                  <a:endParaRPr kumimoji="1" lang="ja-JP" altLang="en-US" sz="1400" dirty="0"/>
                 </a:p>
               </p:txBody>
             </p:sp>
@@ -15187,12 +15355,12 @@
               <a:lstStyle/>
               <a:p>
                 <a:pPr algn="ctr"/>
-                <a:endParaRPr kumimoji="1" lang="ja-JP" altLang="en-US"/>
+                <a:endParaRPr lang="ja-JP" altLang="en-US"/>
               </a:p>
             </p:txBody>
           </p:sp>
-          <mc:AlternateContent xmlns:mc="http://schemas.openxmlformats.org/markup-compatibility/2006">
-            <mc:Choice xmlns:a14="http://schemas.microsoft.com/office/drawing/2010/main" Requires="a14">
+          <mc:AlternateContent xmlns:mc="http://schemas.openxmlformats.org/markup-compatibility/2006" xmlns:a14="http://schemas.microsoft.com/office/drawing/2010/main">
+            <mc:Choice Requires="a14">
               <p:sp>
                 <p:nvSpPr>
                   <p:cNvPr id="42" name="テキスト ボックス 41">
@@ -15231,14 +15399,14 @@
                           <m:sSub>
                             <m:sSubPr>
                               <m:ctrlPr>
-                                <a:rPr kumimoji="1" lang="en-US" altLang="ja-JP" sz="1400" b="0" i="1" smtClean="0">
+                                <a:rPr lang="en-US" altLang="ja-JP" sz="1400" i="1">
                                   <a:latin typeface="Cambria Math" panose="02040503050406030204" pitchFamily="18" charset="0"/>
                                 </a:rPr>
                               </m:ctrlPr>
                             </m:sSubPr>
                             <m:e>
                               <m:r>
-                                <a:rPr kumimoji="1" lang="en-US" altLang="ja-JP" sz="1400" b="0" i="1" smtClean="0">
+                                <a:rPr lang="en-US" altLang="ja-JP" sz="1400" i="1">
                                   <a:latin typeface="Cambria Math" panose="02040503050406030204" pitchFamily="18" charset="0"/>
                                 </a:rPr>
                                 <m:t>𝐿</m:t>
@@ -15246,7 +15414,7 @@
                             </m:e>
                             <m:sub>
                               <m:r>
-                                <a:rPr kumimoji="1" lang="en-US" altLang="ja-JP" sz="1400" b="0" i="1" smtClean="0">
+                                <a:rPr lang="en-US" altLang="ja-JP" sz="1400" i="1">
                                   <a:latin typeface="Cambria Math" panose="02040503050406030204" pitchFamily="18" charset="0"/>
                                 </a:rPr>
                                 <m:t>1</m:t>
@@ -15256,12 +15424,12 @@
                         </m:oMath>
                       </m:oMathPara>
                     </a14:m>
-                    <a:endParaRPr kumimoji="1" lang="ja-JP" altLang="en-US" sz="1400" dirty="0"/>
+                    <a:endParaRPr lang="ja-JP" altLang="en-US" sz="1400" dirty="0"/>
                   </a:p>
                 </p:txBody>
               </p:sp>
             </mc:Choice>
-            <mc:Fallback>
+            <mc:Fallback xmlns="">
               <p:sp>
                 <p:nvSpPr>
                   <p:cNvPr id="42" name="テキスト ボックス 41">
@@ -15350,8 +15518,8 @@
               </a:fontRef>
             </p:style>
           </p:cxnSp>
-          <mc:AlternateContent xmlns:mc="http://schemas.openxmlformats.org/markup-compatibility/2006">
-            <mc:Choice xmlns:a14="http://schemas.microsoft.com/office/drawing/2010/main" Requires="a14">
+          <mc:AlternateContent xmlns:mc="http://schemas.openxmlformats.org/markup-compatibility/2006" xmlns:a14="http://schemas.microsoft.com/office/drawing/2010/main">
+            <mc:Choice Requires="a14">
               <p:sp>
                 <p:nvSpPr>
                   <p:cNvPr id="44" name="テキスト ボックス 43">
@@ -15390,14 +15558,14 @@
                           <m:sSub>
                             <m:sSubPr>
                               <m:ctrlPr>
-                                <a:rPr kumimoji="1" lang="en-US" altLang="ja-JP" sz="1400" b="0" i="1" smtClean="0">
+                                <a:rPr lang="en-US" altLang="ja-JP" sz="1400" i="1">
                                   <a:latin typeface="Cambria Math" panose="02040503050406030204" pitchFamily="18" charset="0"/>
                                 </a:rPr>
                               </m:ctrlPr>
                             </m:sSubPr>
                             <m:e>
                               <m:r>
-                                <a:rPr kumimoji="1" lang="en-US" altLang="ja-JP" sz="1400" b="0" i="1" smtClean="0">
+                                <a:rPr lang="en-US" altLang="ja-JP" sz="1400" i="1">
                                   <a:latin typeface="Cambria Math" panose="02040503050406030204" pitchFamily="18" charset="0"/>
                                 </a:rPr>
                                 <m:t>𝑊</m:t>
@@ -15405,7 +15573,7 @@
                             </m:e>
                             <m:sub>
                               <m:r>
-                                <a:rPr kumimoji="1" lang="en-US" altLang="ja-JP" sz="1400" b="0" i="1" smtClean="0">
+                                <a:rPr lang="en-US" altLang="ja-JP" sz="1400" i="1">
                                   <a:latin typeface="Cambria Math" panose="02040503050406030204" pitchFamily="18" charset="0"/>
                                 </a:rPr>
                                 <m:t>1</m:t>
@@ -15415,12 +15583,12 @@
                         </m:oMath>
                       </m:oMathPara>
                     </a14:m>
-                    <a:endParaRPr kumimoji="1" lang="ja-JP" altLang="en-US" sz="1400" dirty="0"/>
+                    <a:endParaRPr lang="ja-JP" altLang="en-US" sz="1400" dirty="0"/>
                   </a:p>
                 </p:txBody>
               </p:sp>
             </mc:Choice>
-            <mc:Fallback>
+            <mc:Fallback xmlns="">
               <p:sp>
                 <p:nvSpPr>
                   <p:cNvPr id="44" name="テキスト ボックス 43">
@@ -15509,8 +15677,8 @@
               </a:fontRef>
             </p:style>
           </p:cxnSp>
-          <mc:AlternateContent xmlns:mc="http://schemas.openxmlformats.org/markup-compatibility/2006">
-            <mc:Choice xmlns:a14="http://schemas.microsoft.com/office/drawing/2010/main" Requires="a14">
+          <mc:AlternateContent xmlns:mc="http://schemas.openxmlformats.org/markup-compatibility/2006" xmlns:a14="http://schemas.microsoft.com/office/drawing/2010/main">
+            <mc:Choice Requires="a14">
               <p:sp>
                 <p:nvSpPr>
                   <p:cNvPr id="46" name="テキスト ボックス 45">
@@ -15549,14 +15717,14 @@
                           <m:sSub>
                             <m:sSubPr>
                               <m:ctrlPr>
-                                <a:rPr kumimoji="1" lang="en-US" altLang="ja-JP" sz="1400" b="0" i="1" smtClean="0">
+                                <a:rPr lang="en-US" altLang="ja-JP" sz="1400" i="1">
                                   <a:latin typeface="Cambria Math" panose="02040503050406030204" pitchFamily="18" charset="0"/>
                                 </a:rPr>
                               </m:ctrlPr>
                             </m:sSubPr>
                             <m:e>
                               <m:r>
-                                <a:rPr kumimoji="1" lang="en-US" altLang="ja-JP" sz="1400" b="0" i="1" smtClean="0">
+                                <a:rPr lang="en-US" altLang="ja-JP" sz="1400" i="1">
                                   <a:latin typeface="Cambria Math" panose="02040503050406030204" pitchFamily="18" charset="0"/>
                                 </a:rPr>
                                 <m:t>𝐿</m:t>
@@ -15574,12 +15742,12 @@
                         </m:oMath>
                       </m:oMathPara>
                     </a14:m>
-                    <a:endParaRPr kumimoji="1" lang="ja-JP" altLang="en-US" sz="1400" dirty="0"/>
+                    <a:endParaRPr lang="ja-JP" altLang="en-US" sz="1400" dirty="0"/>
                   </a:p>
                 </p:txBody>
               </p:sp>
             </mc:Choice>
-            <mc:Fallback>
+            <mc:Fallback xmlns="">
               <p:sp>
                 <p:nvSpPr>
                   <p:cNvPr id="46" name="テキスト ボックス 45">
@@ -15668,8 +15836,8 @@
               </a:fontRef>
             </p:style>
           </p:cxnSp>
-          <mc:AlternateContent xmlns:mc="http://schemas.openxmlformats.org/markup-compatibility/2006">
-            <mc:Choice xmlns:a14="http://schemas.microsoft.com/office/drawing/2010/main" Requires="a14">
+          <mc:AlternateContent xmlns:mc="http://schemas.openxmlformats.org/markup-compatibility/2006" xmlns:a14="http://schemas.microsoft.com/office/drawing/2010/main">
+            <mc:Choice Requires="a14">
               <p:sp>
                 <p:nvSpPr>
                   <p:cNvPr id="48" name="テキスト ボックス 47">
@@ -15708,14 +15876,14 @@
                           <m:sSub>
                             <m:sSubPr>
                               <m:ctrlPr>
-                                <a:rPr kumimoji="1" lang="en-US" altLang="ja-JP" sz="1400" b="0" i="1" smtClean="0">
+                                <a:rPr lang="en-US" altLang="ja-JP" sz="1400" i="1">
                                   <a:latin typeface="Cambria Math" panose="02040503050406030204" pitchFamily="18" charset="0"/>
                                 </a:rPr>
                               </m:ctrlPr>
                             </m:sSubPr>
                             <m:e>
                               <m:r>
-                                <a:rPr kumimoji="1" lang="en-US" altLang="ja-JP" sz="1400" b="0" i="1" smtClean="0">
+                                <a:rPr lang="en-US" altLang="ja-JP" sz="1400" i="1">
                                   <a:latin typeface="Cambria Math" panose="02040503050406030204" pitchFamily="18" charset="0"/>
                                 </a:rPr>
                                 <m:t>𝑊</m:t>
@@ -15733,12 +15901,12 @@
                         </m:oMath>
                       </m:oMathPara>
                     </a14:m>
-                    <a:endParaRPr kumimoji="1" lang="ja-JP" altLang="en-US" sz="1400" dirty="0"/>
+                    <a:endParaRPr lang="ja-JP" altLang="en-US" sz="1400" dirty="0"/>
                   </a:p>
                 </p:txBody>
               </p:sp>
             </mc:Choice>
-            <mc:Fallback>
+            <mc:Fallback xmlns="">
               <p:sp>
                 <p:nvSpPr>
                   <p:cNvPr id="48" name="テキスト ボックス 47">
@@ -15857,14 +16025,9 @@
               <a:p>
                 <a:pPr algn="ctr"/>
                 <a:r>
-                  <a:rPr kumimoji="1" lang="ja-JP" altLang="en-US" sz="1400" dirty="0"/>
-                  <a:t>供給</a:t>
+                  <a:rPr lang="ja-JP" altLang="en-US" sz="1400" dirty="0"/>
+                  <a:t>供給（シフト前）</a:t>
                 </a:r>
-                <a:r>
-                  <a:rPr lang="ja-JP" altLang="en-US" sz="1400" dirty="0"/>
-                  <a:t>（シフト前）</a:t>
-                </a:r>
-                <a:endParaRPr kumimoji="1" lang="ja-JP" altLang="en-US" sz="1400" dirty="0"/>
               </a:p>
             </p:txBody>
           </p:sp>
@@ -15951,7 +16114,7 @@
             <a:lstStyle/>
             <a:p>
               <a:pPr algn="ctr"/>
-              <a:endParaRPr kumimoji="1" lang="ja-JP" altLang="en-US"/>
+              <a:endParaRPr lang="ja-JP" altLang="en-US"/>
             </a:p>
           </p:txBody>
         </p:sp>

--- a/images/labor_fig.pptx
+++ b/images/labor_fig.pptx
@@ -5,7 +5,7 @@
     <p:sldMasterId id="2147483660" r:id="rId1"/>
   </p:sldMasterIdLst>
   <p:notesMasterIdLst>
-    <p:notesMasterId r:id="rId20"/>
+    <p:notesMasterId r:id="rId23"/>
   </p:notesMasterIdLst>
   <p:sldIdLst>
     <p:sldId id="256" r:id="rId2"/>
@@ -26,6 +26,9 @@
     <p:sldId id="272" r:id="rId17"/>
     <p:sldId id="273" r:id="rId18"/>
     <p:sldId id="274" r:id="rId19"/>
+    <p:sldId id="275" r:id="rId20"/>
+    <p:sldId id="276" r:id="rId21"/>
+    <p:sldId id="277" r:id="rId22"/>
   </p:sldIdLst>
   <p:sldSz cx="23039388" cy="7199313"/>
   <p:notesSz cx="6858000" cy="9144000"/>
@@ -1208,7 +1211,7 @@
                   <a:cs typeface="+mn-cs"/>
                 </a:defRPr>
               </a:pPr>
-              <a:endParaRPr lang="ja-JP"/>
+              <a:endParaRPr lang="ja-JP" altLang="en-US"/>
             </a:p>
           </c:txPr>
         </c:title>
@@ -1331,7 +1334,7 @@
                   <a:cs typeface="+mn-cs"/>
                 </a:defRPr>
               </a:pPr>
-              <a:endParaRPr lang="ja-JP"/>
+              <a:endParaRPr lang="ja-JP" altLang="en-US"/>
             </a:p>
           </c:txPr>
         </c:title>
@@ -1632,7 +1635,7 @@
                   <a:cs typeface="+mn-cs"/>
                 </a:defRPr>
               </a:pPr>
-              <a:endParaRPr lang="ja-JP"/>
+              <a:endParaRPr lang="ja-JP" altLang="en-US"/>
             </a:p>
           </c:txPr>
         </c:title>
@@ -1755,7 +1758,7 @@
                   <a:cs typeface="+mn-cs"/>
                 </a:defRPr>
               </a:pPr>
-              <a:endParaRPr lang="ja-JP"/>
+              <a:endParaRPr lang="ja-JP" altLang="en-US"/>
             </a:p>
           </c:txPr>
         </c:title>
@@ -2563,6 +2566,440 @@
 </c:chartSpace>
 </file>
 
+<file path=ppt/charts/chart7.xml><?xml version="1.0" encoding="utf-8"?>
+<c:chartSpace xmlns:c="http://schemas.openxmlformats.org/drawingml/2006/chart" xmlns:a="http://schemas.openxmlformats.org/drawingml/2006/main" xmlns:r="http://schemas.openxmlformats.org/officeDocument/2006/relationships" xmlns:c16r2="http://schemas.microsoft.com/office/drawing/2015/06/chart">
+  <c:date1904 val="0"/>
+  <c:lang val="ja-JP"/>
+  <c:roundedCorners val="0"/>
+  <mc:AlternateContent xmlns:mc="http://schemas.openxmlformats.org/markup-compatibility/2006">
+    <mc:Choice xmlns:c14="http://schemas.microsoft.com/office/drawing/2007/8/2/chart" Requires="c14">
+      <c14:style val="102"/>
+    </mc:Choice>
+    <mc:Fallback>
+      <c:style val="2"/>
+    </mc:Fallback>
+  </mc:AlternateContent>
+  <c:chart>
+    <c:autoTitleDeleted val="0"/>
+    <c:plotArea>
+      <c:layout/>
+      <c:lineChart>
+        <c:grouping val="standard"/>
+        <c:varyColors val="0"/>
+        <c:ser>
+          <c:idx val="0"/>
+          <c:order val="0"/>
+          <c:tx>
+            <c:strRef>
+              <c:f>Sheet1!$B$1</c:f>
+              <c:strCache>
+                <c:ptCount val="1"/>
+                <c:pt idx="0">
+                  <c:v>系列 1</c:v>
+                </c:pt>
+              </c:strCache>
+            </c:strRef>
+          </c:tx>
+          <c:spPr>
+            <a:ln w="63500" cap="rnd">
+              <a:solidFill>
+                <a:schemeClr val="accent1"/>
+              </a:solidFill>
+              <a:round/>
+            </a:ln>
+            <a:effectLst/>
+          </c:spPr>
+          <c:marker>
+            <c:symbol val="circle"/>
+            <c:size val="15"/>
+            <c:spPr>
+              <a:solidFill>
+                <a:schemeClr val="accent1"/>
+              </a:solidFill>
+              <a:ln w="9525">
+                <a:solidFill>
+                  <a:schemeClr val="accent1"/>
+                </a:solidFill>
+              </a:ln>
+              <a:effectLst/>
+            </c:spPr>
+          </c:marker>
+          <c:cat>
+            <c:numRef>
+              <c:f>Sheet1!$A$2:$A$12</c:f>
+              <c:numCache>
+                <c:formatCode>General</c:formatCode>
+                <c:ptCount val="11"/>
+                <c:pt idx="0">
+                  <c:v>0</c:v>
+                </c:pt>
+                <c:pt idx="1">
+                  <c:v>10</c:v>
+                </c:pt>
+                <c:pt idx="2">
+                  <c:v>20</c:v>
+                </c:pt>
+                <c:pt idx="3">
+                  <c:v>30</c:v>
+                </c:pt>
+                <c:pt idx="4">
+                  <c:v>40</c:v>
+                </c:pt>
+                <c:pt idx="5">
+                  <c:v>50</c:v>
+                </c:pt>
+                <c:pt idx="6">
+                  <c:v>60</c:v>
+                </c:pt>
+                <c:pt idx="7">
+                  <c:v>70</c:v>
+                </c:pt>
+                <c:pt idx="8">
+                  <c:v>80</c:v>
+                </c:pt>
+                <c:pt idx="9">
+                  <c:v>90</c:v>
+                </c:pt>
+                <c:pt idx="10">
+                  <c:v>100</c:v>
+                </c:pt>
+              </c:numCache>
+            </c:numRef>
+          </c:cat>
+          <c:val>
+            <c:numRef>
+              <c:f>Sheet1!$B$2:$B$12</c:f>
+              <c:numCache>
+                <c:formatCode>General</c:formatCode>
+                <c:ptCount val="11"/>
+                <c:pt idx="1">
+                  <c:v>40</c:v>
+                </c:pt>
+                <c:pt idx="2">
+                  <c:v>20</c:v>
+                </c:pt>
+                <c:pt idx="3">
+                  <c:v>15</c:v>
+                </c:pt>
+                <c:pt idx="4">
+                  <c:v>13</c:v>
+                </c:pt>
+                <c:pt idx="5">
+                  <c:v>11</c:v>
+                </c:pt>
+                <c:pt idx="6">
+                  <c:v>10</c:v>
+                </c:pt>
+                <c:pt idx="7">
+                  <c:v>9</c:v>
+                </c:pt>
+                <c:pt idx="8">
+                  <c:v>9</c:v>
+                </c:pt>
+                <c:pt idx="9">
+                  <c:v>8</c:v>
+                </c:pt>
+                <c:pt idx="10">
+                  <c:v>8</c:v>
+                </c:pt>
+              </c:numCache>
+            </c:numRef>
+          </c:val>
+          <c:smooth val="0"/>
+          <c:extLst>
+            <c:ext xmlns:c16="http://schemas.microsoft.com/office/drawing/2014/chart" uri="{C3380CC4-5D6E-409C-BE32-E72D297353CC}">
+              <c16:uniqueId val="{00000000-54B5-4F7D-A3F1-C9FD2BDE9E29}"/>
+            </c:ext>
+          </c:extLst>
+        </c:ser>
+        <c:ser>
+          <c:idx val="1"/>
+          <c:order val="1"/>
+          <c:tx>
+            <c:strRef>
+              <c:f>Sheet1!$C$1</c:f>
+              <c:strCache>
+                <c:ptCount val="1"/>
+                <c:pt idx="0">
+                  <c:v>系列 2</c:v>
+                </c:pt>
+              </c:strCache>
+            </c:strRef>
+          </c:tx>
+          <c:spPr>
+            <a:ln w="63500" cap="rnd">
+              <a:solidFill>
+                <a:schemeClr val="accent5">
+                  <a:alpha val="98000"/>
+                </a:schemeClr>
+              </a:solidFill>
+              <a:round/>
+            </a:ln>
+            <a:effectLst/>
+          </c:spPr>
+          <c:marker>
+            <c:symbol val="circle"/>
+            <c:size val="15"/>
+            <c:spPr>
+              <a:solidFill>
+                <a:srgbClr val="C00000"/>
+              </a:solidFill>
+              <a:ln w="9525">
+                <a:noFill/>
+              </a:ln>
+              <a:effectLst/>
+            </c:spPr>
+          </c:marker>
+          <c:cat>
+            <c:numRef>
+              <c:f>Sheet1!$A$2:$A$12</c:f>
+              <c:numCache>
+                <c:formatCode>General</c:formatCode>
+                <c:ptCount val="11"/>
+                <c:pt idx="0">
+                  <c:v>0</c:v>
+                </c:pt>
+                <c:pt idx="1">
+                  <c:v>10</c:v>
+                </c:pt>
+                <c:pt idx="2">
+                  <c:v>20</c:v>
+                </c:pt>
+                <c:pt idx="3">
+                  <c:v>30</c:v>
+                </c:pt>
+                <c:pt idx="4">
+                  <c:v>40</c:v>
+                </c:pt>
+                <c:pt idx="5">
+                  <c:v>50</c:v>
+                </c:pt>
+                <c:pt idx="6">
+                  <c:v>60</c:v>
+                </c:pt>
+                <c:pt idx="7">
+                  <c:v>70</c:v>
+                </c:pt>
+                <c:pt idx="8">
+                  <c:v>80</c:v>
+                </c:pt>
+                <c:pt idx="9">
+                  <c:v>90</c:v>
+                </c:pt>
+                <c:pt idx="10">
+                  <c:v>100</c:v>
+                </c:pt>
+              </c:numCache>
+            </c:numRef>
+          </c:cat>
+          <c:val>
+            <c:numRef>
+              <c:f>Sheet1!$C$2:$C$12</c:f>
+              <c:numCache>
+                <c:formatCode>General</c:formatCode>
+                <c:ptCount val="11"/>
+                <c:pt idx="1">
+                  <c:v>45</c:v>
+                </c:pt>
+                <c:pt idx="2">
+                  <c:v>45</c:v>
+                </c:pt>
+                <c:pt idx="3">
+                  <c:v>45</c:v>
+                </c:pt>
+                <c:pt idx="4">
+                  <c:v>45</c:v>
+                </c:pt>
+                <c:pt idx="5">
+                  <c:v>45</c:v>
+                </c:pt>
+                <c:pt idx="6">
+                  <c:v>45</c:v>
+                </c:pt>
+                <c:pt idx="7">
+                  <c:v>45</c:v>
+                </c:pt>
+                <c:pt idx="8">
+                  <c:v>45</c:v>
+                </c:pt>
+                <c:pt idx="9">
+                  <c:v>45</c:v>
+                </c:pt>
+                <c:pt idx="10">
+                  <c:v>45</c:v>
+                </c:pt>
+              </c:numCache>
+            </c:numRef>
+          </c:val>
+          <c:smooth val="0"/>
+          <c:extLst>
+            <c:ext xmlns:c16="http://schemas.microsoft.com/office/drawing/2014/chart" uri="{C3380CC4-5D6E-409C-BE32-E72D297353CC}">
+              <c16:uniqueId val="{00000003-54B5-4F7D-A3F1-C9FD2BDE9E29}"/>
+            </c:ext>
+          </c:extLst>
+        </c:ser>
+        <c:dLbls>
+          <c:showLegendKey val="0"/>
+          <c:showVal val="0"/>
+          <c:showCatName val="0"/>
+          <c:showSerName val="0"/>
+          <c:showPercent val="0"/>
+          <c:showBubbleSize val="0"/>
+        </c:dLbls>
+        <c:marker val="1"/>
+        <c:smooth val="0"/>
+        <c:axId val="1116197919"/>
+        <c:axId val="1116201759"/>
+      </c:lineChart>
+      <c:catAx>
+        <c:axId val="1116197919"/>
+        <c:scaling>
+          <c:orientation val="minMax"/>
+        </c:scaling>
+        <c:delete val="0"/>
+        <c:axPos val="b"/>
+        <c:numFmt formatCode="General" sourceLinked="1"/>
+        <c:majorTickMark val="none"/>
+        <c:minorTickMark val="none"/>
+        <c:tickLblPos val="nextTo"/>
+        <c:spPr>
+          <a:noFill/>
+          <a:ln w="9525" cap="flat" cmpd="sng" algn="ctr">
+            <a:solidFill>
+              <a:schemeClr val="tx1">
+                <a:lumMod val="15000"/>
+                <a:lumOff val="85000"/>
+              </a:schemeClr>
+            </a:solidFill>
+            <a:round/>
+          </a:ln>
+          <a:effectLst/>
+        </c:spPr>
+        <c:txPr>
+          <a:bodyPr rot="-60000000" spcFirstLastPara="1" vertOverflow="ellipsis" vert="horz" wrap="square" anchor="ctr" anchorCtr="1"/>
+          <a:lstStyle/>
+          <a:p>
+            <a:pPr>
+              <a:defRPr sz="3200" b="0" i="0" u="none" strike="noStrike" kern="1200" baseline="0">
+                <a:solidFill>
+                  <a:schemeClr val="tx1">
+                    <a:lumMod val="65000"/>
+                    <a:lumOff val="35000"/>
+                  </a:schemeClr>
+                </a:solidFill>
+                <a:latin typeface="+mn-lt"/>
+                <a:ea typeface="+mn-ea"/>
+                <a:cs typeface="+mn-cs"/>
+              </a:defRPr>
+            </a:pPr>
+            <a:endParaRPr lang="ja-JP"/>
+          </a:p>
+        </c:txPr>
+        <c:crossAx val="1116201759"/>
+        <c:crosses val="autoZero"/>
+        <c:auto val="1"/>
+        <c:lblAlgn val="ctr"/>
+        <c:lblOffset val="100"/>
+        <c:noMultiLvlLbl val="0"/>
+      </c:catAx>
+      <c:valAx>
+        <c:axId val="1116201759"/>
+        <c:scaling>
+          <c:orientation val="minMax"/>
+        </c:scaling>
+        <c:delete val="0"/>
+        <c:axPos val="l"/>
+        <c:majorGridlines>
+          <c:spPr>
+            <a:ln w="9525" cap="flat" cmpd="sng" algn="ctr">
+              <a:solidFill>
+                <a:schemeClr val="tx1">
+                  <a:lumMod val="15000"/>
+                  <a:lumOff val="85000"/>
+                </a:schemeClr>
+              </a:solidFill>
+              <a:round/>
+            </a:ln>
+            <a:effectLst/>
+          </c:spPr>
+        </c:majorGridlines>
+        <c:numFmt formatCode="General" sourceLinked="1"/>
+        <c:majorTickMark val="none"/>
+        <c:minorTickMark val="none"/>
+        <c:tickLblPos val="nextTo"/>
+        <c:spPr>
+          <a:noFill/>
+          <a:ln>
+            <a:noFill/>
+          </a:ln>
+          <a:effectLst/>
+        </c:spPr>
+        <c:txPr>
+          <a:bodyPr rot="-60000000" spcFirstLastPara="1" vertOverflow="ellipsis" vert="horz" wrap="square" anchor="ctr" anchorCtr="1"/>
+          <a:lstStyle/>
+          <a:p>
+            <a:pPr>
+              <a:defRPr sz="3200" b="0" i="0" u="none" strike="noStrike" kern="1200" baseline="0">
+                <a:solidFill>
+                  <a:schemeClr val="tx1">
+                    <a:lumMod val="65000"/>
+                    <a:lumOff val="35000"/>
+                  </a:schemeClr>
+                </a:solidFill>
+                <a:latin typeface="+mn-lt"/>
+                <a:ea typeface="+mn-ea"/>
+                <a:cs typeface="+mn-cs"/>
+              </a:defRPr>
+            </a:pPr>
+            <a:endParaRPr lang="ja-JP"/>
+          </a:p>
+        </c:txPr>
+        <c:crossAx val="1116197919"/>
+        <c:crosses val="autoZero"/>
+        <c:crossBetween val="between"/>
+      </c:valAx>
+      <c:spPr>
+        <a:noFill/>
+        <a:ln>
+          <a:noFill/>
+        </a:ln>
+        <a:effectLst/>
+      </c:spPr>
+    </c:plotArea>
+    <c:plotVisOnly val="1"/>
+    <c:dispBlanksAs val="gap"/>
+    <c:showDLblsOverMax val="0"/>
+    <c:extLst>
+      <c:ext xmlns:c16r3="http://schemas.microsoft.com/office/drawing/2017/03/chart" uri="{56B9EC1D-385E-4148-901F-78D8002777C0}">
+        <c16r3:dataDisplayOptions16>
+          <c16r3:dispNaAsBlank val="1"/>
+        </c16r3:dataDisplayOptions16>
+      </c:ext>
+    </c:extLst>
+  </c:chart>
+  <c:spPr>
+    <a:noFill/>
+    <a:ln>
+      <a:noFill/>
+    </a:ln>
+    <a:effectLst/>
+  </c:spPr>
+  <c:txPr>
+    <a:bodyPr/>
+    <a:lstStyle/>
+    <a:p>
+      <a:pPr>
+        <a:defRPr/>
+      </a:pPr>
+      <a:endParaRPr lang="ja-JP"/>
+    </a:p>
+  </c:txPr>
+  <c:externalData r:id="rId3">
+    <c:autoUpdate val="0"/>
+  </c:externalData>
+</c:chartSpace>
+</file>
+
 <file path=ppt/charts/colors1.xml><?xml version="1.0" encoding="utf-8"?>
 <cs:colorStyle xmlns:cs="http://schemas.microsoft.com/office/drawing/2012/chartStyle" xmlns:a="http://schemas.openxmlformats.org/drawingml/2006/main" meth="cycle" id="10">
   <a:schemeClr val="accent1"/>
@@ -2764,6 +3201,46 @@
 </file>
 
 <file path=ppt/charts/colors6.xml><?xml version="1.0" encoding="utf-8"?>
+<cs:colorStyle xmlns:cs="http://schemas.microsoft.com/office/drawing/2012/chartStyle" xmlns:a="http://schemas.openxmlformats.org/drawingml/2006/main" meth="cycle" id="10">
+  <a:schemeClr val="accent1"/>
+  <a:schemeClr val="accent2"/>
+  <a:schemeClr val="accent3"/>
+  <a:schemeClr val="accent4"/>
+  <a:schemeClr val="accent5"/>
+  <a:schemeClr val="accent6"/>
+  <cs:variation/>
+  <cs:variation>
+    <a:lumMod val="60000"/>
+  </cs:variation>
+  <cs:variation>
+    <a:lumMod val="80000"/>
+    <a:lumOff val="20000"/>
+  </cs:variation>
+  <cs:variation>
+    <a:lumMod val="80000"/>
+  </cs:variation>
+  <cs:variation>
+    <a:lumMod val="60000"/>
+    <a:lumOff val="40000"/>
+  </cs:variation>
+  <cs:variation>
+    <a:lumMod val="50000"/>
+  </cs:variation>
+  <cs:variation>
+    <a:lumMod val="70000"/>
+    <a:lumOff val="30000"/>
+  </cs:variation>
+  <cs:variation>
+    <a:lumMod val="70000"/>
+  </cs:variation>
+  <cs:variation>
+    <a:lumMod val="50000"/>
+    <a:lumOff val="50000"/>
+  </cs:variation>
+</cs:colorStyle>
+</file>
+
+<file path=ppt/charts/colors7.xml><?xml version="1.0" encoding="utf-8"?>
 <cs:colorStyle xmlns:cs="http://schemas.microsoft.com/office/drawing/2012/chartStyle" xmlns:a="http://schemas.openxmlformats.org/drawingml/2006/main" meth="cycle" id="10">
   <a:schemeClr val="accent1"/>
   <a:schemeClr val="accent2"/>
@@ -5332,6 +5809,522 @@
 </file>
 
 <file path=ppt/charts/style6.xml><?xml version="1.0" encoding="utf-8"?>
+<cs:chartStyle xmlns:cs="http://schemas.microsoft.com/office/drawing/2012/chartStyle" xmlns:a="http://schemas.openxmlformats.org/drawingml/2006/main" id="227">
+  <cs:axisTitle>
+    <cs:lnRef idx="0"/>
+    <cs:fillRef idx="0"/>
+    <cs:effectRef idx="0"/>
+    <cs:fontRef idx="minor">
+      <a:schemeClr val="tx1">
+        <a:lumMod val="65000"/>
+        <a:lumOff val="35000"/>
+      </a:schemeClr>
+    </cs:fontRef>
+    <cs:defRPr sz="1330" kern="1200"/>
+  </cs:axisTitle>
+  <cs:categoryAxis>
+    <cs:lnRef idx="0"/>
+    <cs:fillRef idx="0"/>
+    <cs:effectRef idx="0"/>
+    <cs:fontRef idx="minor">
+      <a:schemeClr val="tx1">
+        <a:lumMod val="65000"/>
+        <a:lumOff val="35000"/>
+      </a:schemeClr>
+    </cs:fontRef>
+    <cs:spPr>
+      <a:ln w="9525" cap="flat" cmpd="sng" algn="ctr">
+        <a:solidFill>
+          <a:schemeClr val="tx1">
+            <a:lumMod val="15000"/>
+            <a:lumOff val="85000"/>
+          </a:schemeClr>
+        </a:solidFill>
+        <a:round/>
+      </a:ln>
+    </cs:spPr>
+    <cs:defRPr sz="1197" kern="1200"/>
+  </cs:categoryAxis>
+  <cs:chartArea mods="allowNoFillOverride allowNoLineOverride">
+    <cs:lnRef idx="0"/>
+    <cs:fillRef idx="0"/>
+    <cs:effectRef idx="0"/>
+    <cs:fontRef idx="minor">
+      <a:schemeClr val="tx1"/>
+    </cs:fontRef>
+    <cs:spPr>
+      <a:solidFill>
+        <a:schemeClr val="bg1"/>
+      </a:solidFill>
+      <a:ln w="9525" cap="flat" cmpd="sng" algn="ctr">
+        <a:solidFill>
+          <a:schemeClr val="tx1">
+            <a:lumMod val="15000"/>
+            <a:lumOff val="85000"/>
+          </a:schemeClr>
+        </a:solidFill>
+        <a:round/>
+      </a:ln>
+    </cs:spPr>
+    <cs:defRPr sz="1330" kern="1200"/>
+  </cs:chartArea>
+  <cs:dataLabel>
+    <cs:lnRef idx="0"/>
+    <cs:fillRef idx="0"/>
+    <cs:effectRef idx="0"/>
+    <cs:fontRef idx="minor">
+      <a:schemeClr val="tx1">
+        <a:lumMod val="75000"/>
+        <a:lumOff val="25000"/>
+      </a:schemeClr>
+    </cs:fontRef>
+    <cs:defRPr sz="1197" kern="1200"/>
+  </cs:dataLabel>
+  <cs:dataLabelCallout>
+    <cs:lnRef idx="0"/>
+    <cs:fillRef idx="0"/>
+    <cs:effectRef idx="0"/>
+    <cs:fontRef idx="minor">
+      <a:schemeClr val="dk1">
+        <a:lumMod val="65000"/>
+        <a:lumOff val="35000"/>
+      </a:schemeClr>
+    </cs:fontRef>
+    <cs:spPr>
+      <a:solidFill>
+        <a:schemeClr val="lt1"/>
+      </a:solidFill>
+      <a:ln>
+        <a:solidFill>
+          <a:schemeClr val="dk1">
+            <a:lumMod val="25000"/>
+            <a:lumOff val="75000"/>
+          </a:schemeClr>
+        </a:solidFill>
+      </a:ln>
+    </cs:spPr>
+    <cs:defRPr sz="1197" kern="1200"/>
+    <cs:bodyPr rot="0" spcFirstLastPara="1" vertOverflow="clip" horzOverflow="clip" vert="horz" wrap="square" lIns="36576" tIns="18288" rIns="36576" bIns="18288" anchor="ctr" anchorCtr="1">
+      <a:spAutoFit/>
+    </cs:bodyPr>
+  </cs:dataLabelCallout>
+  <cs:dataPoint>
+    <cs:lnRef idx="0"/>
+    <cs:fillRef idx="1">
+      <cs:styleClr val="auto"/>
+    </cs:fillRef>
+    <cs:effectRef idx="0"/>
+    <cs:fontRef idx="minor">
+      <a:schemeClr val="tx1"/>
+    </cs:fontRef>
+    <cs:spPr>
+      <a:solidFill>
+        <a:schemeClr val="phClr"/>
+      </a:solidFill>
+    </cs:spPr>
+  </cs:dataPoint>
+  <cs:dataPoint3D>
+    <cs:lnRef idx="0"/>
+    <cs:fillRef idx="1">
+      <cs:styleClr val="auto"/>
+    </cs:fillRef>
+    <cs:effectRef idx="0"/>
+    <cs:fontRef idx="minor">
+      <a:schemeClr val="tx1"/>
+    </cs:fontRef>
+    <cs:spPr>
+      <a:solidFill>
+        <a:schemeClr val="phClr"/>
+      </a:solidFill>
+    </cs:spPr>
+  </cs:dataPoint3D>
+  <cs:dataPointLine>
+    <cs:lnRef idx="0">
+      <cs:styleClr val="auto"/>
+    </cs:lnRef>
+    <cs:fillRef idx="1"/>
+    <cs:effectRef idx="0"/>
+    <cs:fontRef idx="minor">
+      <a:schemeClr val="tx1"/>
+    </cs:fontRef>
+    <cs:spPr>
+      <a:ln w="28575" cap="rnd">
+        <a:solidFill>
+          <a:schemeClr val="phClr"/>
+        </a:solidFill>
+        <a:round/>
+      </a:ln>
+    </cs:spPr>
+  </cs:dataPointLine>
+  <cs:dataPointMarker>
+    <cs:lnRef idx="0">
+      <cs:styleClr val="auto"/>
+    </cs:lnRef>
+    <cs:fillRef idx="1">
+      <cs:styleClr val="auto"/>
+    </cs:fillRef>
+    <cs:effectRef idx="0"/>
+    <cs:fontRef idx="minor">
+      <a:schemeClr val="tx1"/>
+    </cs:fontRef>
+    <cs:spPr>
+      <a:solidFill>
+        <a:schemeClr val="phClr"/>
+      </a:solidFill>
+      <a:ln w="9525">
+        <a:solidFill>
+          <a:schemeClr val="phClr"/>
+        </a:solidFill>
+      </a:ln>
+    </cs:spPr>
+  </cs:dataPointMarker>
+  <cs:dataPointMarkerLayout symbol="circle" size="5"/>
+  <cs:dataPointWireframe>
+    <cs:lnRef idx="0">
+      <cs:styleClr val="auto"/>
+    </cs:lnRef>
+    <cs:fillRef idx="1"/>
+    <cs:effectRef idx="0"/>
+    <cs:fontRef idx="minor">
+      <a:schemeClr val="tx1"/>
+    </cs:fontRef>
+    <cs:spPr>
+      <a:ln w="9525" cap="rnd">
+        <a:solidFill>
+          <a:schemeClr val="phClr"/>
+        </a:solidFill>
+        <a:round/>
+      </a:ln>
+    </cs:spPr>
+  </cs:dataPointWireframe>
+  <cs:dataTable>
+    <cs:lnRef idx="0"/>
+    <cs:fillRef idx="0"/>
+    <cs:effectRef idx="0"/>
+    <cs:fontRef idx="minor">
+      <a:schemeClr val="tx1">
+        <a:lumMod val="65000"/>
+        <a:lumOff val="35000"/>
+      </a:schemeClr>
+    </cs:fontRef>
+    <cs:spPr>
+      <a:noFill/>
+      <a:ln w="9525" cap="flat" cmpd="sng" algn="ctr">
+        <a:solidFill>
+          <a:schemeClr val="tx1">
+            <a:lumMod val="15000"/>
+            <a:lumOff val="85000"/>
+          </a:schemeClr>
+        </a:solidFill>
+        <a:round/>
+      </a:ln>
+    </cs:spPr>
+    <cs:defRPr sz="1197" kern="1200"/>
+  </cs:dataTable>
+  <cs:downBar>
+    <cs:lnRef idx="0"/>
+    <cs:fillRef idx="0"/>
+    <cs:effectRef idx="0"/>
+    <cs:fontRef idx="minor">
+      <a:schemeClr val="dk1"/>
+    </cs:fontRef>
+    <cs:spPr>
+      <a:solidFill>
+        <a:schemeClr val="dk1">
+          <a:lumMod val="65000"/>
+          <a:lumOff val="35000"/>
+        </a:schemeClr>
+      </a:solidFill>
+      <a:ln w="9525">
+        <a:solidFill>
+          <a:schemeClr val="tx1">
+            <a:lumMod val="65000"/>
+            <a:lumOff val="35000"/>
+          </a:schemeClr>
+        </a:solidFill>
+      </a:ln>
+    </cs:spPr>
+  </cs:downBar>
+  <cs:dropLine>
+    <cs:lnRef idx="0"/>
+    <cs:fillRef idx="0"/>
+    <cs:effectRef idx="0"/>
+    <cs:fontRef idx="minor">
+      <a:schemeClr val="tx1"/>
+    </cs:fontRef>
+    <cs:spPr>
+      <a:ln w="9525" cap="flat" cmpd="sng" algn="ctr">
+        <a:solidFill>
+          <a:schemeClr val="tx1">
+            <a:lumMod val="35000"/>
+            <a:lumOff val="65000"/>
+          </a:schemeClr>
+        </a:solidFill>
+        <a:round/>
+      </a:ln>
+    </cs:spPr>
+  </cs:dropLine>
+  <cs:errorBar>
+    <cs:lnRef idx="0"/>
+    <cs:fillRef idx="0"/>
+    <cs:effectRef idx="0"/>
+    <cs:fontRef idx="minor">
+      <a:schemeClr val="tx1"/>
+    </cs:fontRef>
+    <cs:spPr>
+      <a:ln w="9525" cap="flat" cmpd="sng" algn="ctr">
+        <a:solidFill>
+          <a:schemeClr val="tx1">
+            <a:lumMod val="65000"/>
+            <a:lumOff val="35000"/>
+          </a:schemeClr>
+        </a:solidFill>
+        <a:round/>
+      </a:ln>
+    </cs:spPr>
+  </cs:errorBar>
+  <cs:floor>
+    <cs:lnRef idx="0"/>
+    <cs:fillRef idx="0"/>
+    <cs:effectRef idx="0"/>
+    <cs:fontRef idx="minor">
+      <a:schemeClr val="tx1"/>
+    </cs:fontRef>
+    <cs:spPr>
+      <a:noFill/>
+      <a:ln>
+        <a:noFill/>
+      </a:ln>
+    </cs:spPr>
+  </cs:floor>
+  <cs:gridlineMajor>
+    <cs:lnRef idx="0"/>
+    <cs:fillRef idx="0"/>
+    <cs:effectRef idx="0"/>
+    <cs:fontRef idx="minor">
+      <a:schemeClr val="tx1"/>
+    </cs:fontRef>
+    <cs:spPr>
+      <a:ln w="9525" cap="flat" cmpd="sng" algn="ctr">
+        <a:solidFill>
+          <a:schemeClr val="tx1">
+            <a:lumMod val="15000"/>
+            <a:lumOff val="85000"/>
+          </a:schemeClr>
+        </a:solidFill>
+        <a:round/>
+      </a:ln>
+    </cs:spPr>
+  </cs:gridlineMajor>
+  <cs:gridlineMinor>
+    <cs:lnRef idx="0"/>
+    <cs:fillRef idx="0"/>
+    <cs:effectRef idx="0"/>
+    <cs:fontRef idx="minor">
+      <a:schemeClr val="tx1"/>
+    </cs:fontRef>
+    <cs:spPr>
+      <a:ln w="9525" cap="flat" cmpd="sng" algn="ctr">
+        <a:solidFill>
+          <a:schemeClr val="tx1">
+            <a:lumMod val="5000"/>
+            <a:lumOff val="95000"/>
+          </a:schemeClr>
+        </a:solidFill>
+        <a:round/>
+      </a:ln>
+    </cs:spPr>
+  </cs:gridlineMinor>
+  <cs:hiLoLine>
+    <cs:lnRef idx="0"/>
+    <cs:fillRef idx="0"/>
+    <cs:effectRef idx="0"/>
+    <cs:fontRef idx="minor">
+      <a:schemeClr val="tx1"/>
+    </cs:fontRef>
+    <cs:spPr>
+      <a:ln w="9525" cap="flat" cmpd="sng" algn="ctr">
+        <a:solidFill>
+          <a:schemeClr val="tx1">
+            <a:lumMod val="75000"/>
+            <a:lumOff val="25000"/>
+          </a:schemeClr>
+        </a:solidFill>
+        <a:round/>
+      </a:ln>
+    </cs:spPr>
+  </cs:hiLoLine>
+  <cs:leaderLine>
+    <cs:lnRef idx="0"/>
+    <cs:fillRef idx="0"/>
+    <cs:effectRef idx="0"/>
+    <cs:fontRef idx="minor">
+      <a:schemeClr val="tx1"/>
+    </cs:fontRef>
+    <cs:spPr>
+      <a:ln w="9525" cap="flat" cmpd="sng" algn="ctr">
+        <a:solidFill>
+          <a:schemeClr val="tx1">
+            <a:lumMod val="35000"/>
+            <a:lumOff val="65000"/>
+          </a:schemeClr>
+        </a:solidFill>
+        <a:round/>
+      </a:ln>
+    </cs:spPr>
+  </cs:leaderLine>
+  <cs:legend>
+    <cs:lnRef idx="0"/>
+    <cs:fillRef idx="0"/>
+    <cs:effectRef idx="0"/>
+    <cs:fontRef idx="minor">
+      <a:schemeClr val="tx1">
+        <a:lumMod val="65000"/>
+        <a:lumOff val="35000"/>
+      </a:schemeClr>
+    </cs:fontRef>
+    <cs:defRPr sz="1197" kern="1200"/>
+  </cs:legend>
+  <cs:plotArea mods="allowNoFillOverride allowNoLineOverride">
+    <cs:lnRef idx="0"/>
+    <cs:fillRef idx="0"/>
+    <cs:effectRef idx="0"/>
+    <cs:fontRef idx="minor">
+      <a:schemeClr val="tx1"/>
+    </cs:fontRef>
+  </cs:plotArea>
+  <cs:plotArea3D mods="allowNoFillOverride allowNoLineOverride">
+    <cs:lnRef idx="0"/>
+    <cs:fillRef idx="0"/>
+    <cs:effectRef idx="0"/>
+    <cs:fontRef idx="minor">
+      <a:schemeClr val="tx1"/>
+    </cs:fontRef>
+  </cs:plotArea3D>
+  <cs:seriesAxis>
+    <cs:lnRef idx="0"/>
+    <cs:fillRef idx="0"/>
+    <cs:effectRef idx="0"/>
+    <cs:fontRef idx="minor">
+      <a:schemeClr val="tx1">
+        <a:lumMod val="65000"/>
+        <a:lumOff val="35000"/>
+      </a:schemeClr>
+    </cs:fontRef>
+    <cs:defRPr sz="1197" kern="1200"/>
+  </cs:seriesAxis>
+  <cs:seriesLine>
+    <cs:lnRef idx="0"/>
+    <cs:fillRef idx="0"/>
+    <cs:effectRef idx="0"/>
+    <cs:fontRef idx="minor">
+      <a:schemeClr val="tx1"/>
+    </cs:fontRef>
+    <cs:spPr>
+      <a:ln w="9525" cap="flat" cmpd="sng" algn="ctr">
+        <a:solidFill>
+          <a:schemeClr val="tx1">
+            <a:lumMod val="35000"/>
+            <a:lumOff val="65000"/>
+          </a:schemeClr>
+        </a:solidFill>
+        <a:round/>
+      </a:ln>
+    </cs:spPr>
+  </cs:seriesLine>
+  <cs:title>
+    <cs:lnRef idx="0"/>
+    <cs:fillRef idx="0"/>
+    <cs:effectRef idx="0"/>
+    <cs:fontRef idx="minor">
+      <a:schemeClr val="tx1">
+        <a:lumMod val="65000"/>
+        <a:lumOff val="35000"/>
+      </a:schemeClr>
+    </cs:fontRef>
+    <cs:defRPr sz="1862" b="0" kern="1200" spc="0" baseline="0"/>
+  </cs:title>
+  <cs:trendline>
+    <cs:lnRef idx="0">
+      <cs:styleClr val="auto"/>
+    </cs:lnRef>
+    <cs:fillRef idx="0"/>
+    <cs:effectRef idx="0"/>
+    <cs:fontRef idx="minor">
+      <a:schemeClr val="tx1"/>
+    </cs:fontRef>
+    <cs:spPr>
+      <a:ln w="19050" cap="rnd">
+        <a:solidFill>
+          <a:schemeClr val="phClr"/>
+        </a:solidFill>
+        <a:prstDash val="sysDot"/>
+      </a:ln>
+    </cs:spPr>
+  </cs:trendline>
+  <cs:trendlineLabel>
+    <cs:lnRef idx="0"/>
+    <cs:fillRef idx="0"/>
+    <cs:effectRef idx="0"/>
+    <cs:fontRef idx="minor">
+      <a:schemeClr val="tx1">
+        <a:lumMod val="65000"/>
+        <a:lumOff val="35000"/>
+      </a:schemeClr>
+    </cs:fontRef>
+    <cs:defRPr sz="1197" kern="1200"/>
+  </cs:trendlineLabel>
+  <cs:upBar>
+    <cs:lnRef idx="0"/>
+    <cs:fillRef idx="0"/>
+    <cs:effectRef idx="0"/>
+    <cs:fontRef idx="minor">
+      <a:schemeClr val="dk1"/>
+    </cs:fontRef>
+    <cs:spPr>
+      <a:solidFill>
+        <a:schemeClr val="lt1"/>
+      </a:solidFill>
+      <a:ln w="9525">
+        <a:solidFill>
+          <a:schemeClr val="tx1">
+            <a:lumMod val="15000"/>
+            <a:lumOff val="85000"/>
+          </a:schemeClr>
+        </a:solidFill>
+      </a:ln>
+    </cs:spPr>
+  </cs:upBar>
+  <cs:valueAxis>
+    <cs:lnRef idx="0"/>
+    <cs:fillRef idx="0"/>
+    <cs:effectRef idx="0"/>
+    <cs:fontRef idx="minor">
+      <a:schemeClr val="tx1">
+        <a:lumMod val="65000"/>
+        <a:lumOff val="35000"/>
+      </a:schemeClr>
+    </cs:fontRef>
+    <cs:defRPr sz="1197" kern="1200"/>
+  </cs:valueAxis>
+  <cs:wall>
+    <cs:lnRef idx="0"/>
+    <cs:fillRef idx="0"/>
+    <cs:effectRef idx="0"/>
+    <cs:fontRef idx="minor">
+      <a:schemeClr val="tx1"/>
+    </cs:fontRef>
+    <cs:spPr>
+      <a:noFill/>
+      <a:ln>
+        <a:noFill/>
+      </a:ln>
+    </cs:spPr>
+  </cs:wall>
+</cs:chartStyle>
+</file>
+
+<file path=ppt/charts/style7.xml><?xml version="1.0" encoding="utf-8"?>
 <cs:chartStyle xmlns:cs="http://schemas.microsoft.com/office/drawing/2012/chartStyle" xmlns:a="http://schemas.openxmlformats.org/drawingml/2006/main" id="227">
   <cs:axisTitle>
     <cs:lnRef idx="0"/>
@@ -10956,7 +11949,7 @@
           <a:p>
             <a:fld id="{563A7CF2-AB3E-47DB-A90F-A00729506E41}" type="datetimeFigureOut">
               <a:rPr kumimoji="1" lang="ja-JP" altLang="en-US" smtClean="0"/>
-              <a:t>2025/9/26</a:t>
+              <a:t>2025/9/29</a:t>
             </a:fld>
             <a:endParaRPr kumimoji="1" lang="ja-JP" altLang="en-US"/>
           </a:p>
@@ -11344,6 +12337,90 @@
 </p:notes>
 </file>
 
+<file path=ppt/notesSlides/notesSlide2.xml><?xml version="1.0" encoding="utf-8"?>
+<p:notes xmlns:a="http://schemas.openxmlformats.org/drawingml/2006/main" xmlns:r="http://schemas.openxmlformats.org/officeDocument/2006/relationships" xmlns:p="http://schemas.openxmlformats.org/presentationml/2006/main">
+  <p:cSld>
+    <p:spTree>
+      <p:nvGrpSpPr>
+        <p:cNvPr id="1" name=""/>
+        <p:cNvGrpSpPr/>
+        <p:nvPr/>
+      </p:nvGrpSpPr>
+      <p:grpSpPr>
+        <a:xfrm>
+          <a:off x="0" y="0"/>
+          <a:ext cx="0" cy="0"/>
+          <a:chOff x="0" y="0"/>
+          <a:chExt cx="0" cy="0"/>
+        </a:xfrm>
+      </p:grpSpPr>
+      <p:sp>
+        <p:nvSpPr>
+          <p:cNvPr id="2" name="スライド イメージ プレースホルダー 1"/>
+          <p:cNvSpPr>
+            <a:spLocks noGrp="1" noRot="1" noChangeAspect="1"/>
+          </p:cNvSpPr>
+          <p:nvPr>
+            <p:ph type="sldImg"/>
+          </p:nvPr>
+        </p:nvSpPr>
+        <p:spPr/>
+      </p:sp>
+      <p:sp>
+        <p:nvSpPr>
+          <p:cNvPr id="3" name="ノート プレースホルダー 2"/>
+          <p:cNvSpPr>
+            <a:spLocks noGrp="1"/>
+          </p:cNvSpPr>
+          <p:nvPr>
+            <p:ph type="body" idx="1"/>
+          </p:nvPr>
+        </p:nvSpPr>
+        <p:spPr/>
+        <p:txBody>
+          <a:bodyPr/>
+          <a:lstStyle/>
+          <a:p>
+            <a:endParaRPr kumimoji="1" lang="ja-JP" altLang="en-US" dirty="0"/>
+          </a:p>
+        </p:txBody>
+      </p:sp>
+      <p:sp>
+        <p:nvSpPr>
+          <p:cNvPr id="4" name="スライド番号プレースホルダー 3"/>
+          <p:cNvSpPr>
+            <a:spLocks noGrp="1"/>
+          </p:cNvSpPr>
+          <p:nvPr>
+            <p:ph type="sldNum" sz="quarter" idx="5"/>
+          </p:nvPr>
+        </p:nvSpPr>
+        <p:spPr/>
+        <p:txBody>
+          <a:bodyPr/>
+          <a:lstStyle/>
+          <a:p>
+            <a:fld id="{8F778AB5-BCE3-4D9C-B3BD-AA3C50FF4458}" type="slidenum">
+              <a:rPr kumimoji="1" lang="ja-JP" altLang="en-US" smtClean="0"/>
+              <a:t>21</a:t>
+            </a:fld>
+            <a:endParaRPr kumimoji="1" lang="ja-JP" altLang="en-US"/>
+          </a:p>
+        </p:txBody>
+      </p:sp>
+    </p:spTree>
+    <p:extLst>
+      <p:ext uri="{BB962C8B-B14F-4D97-AF65-F5344CB8AC3E}">
+        <p14:creationId xmlns:p14="http://schemas.microsoft.com/office/powerpoint/2010/main" val="2246522810"/>
+      </p:ext>
+    </p:extLst>
+  </p:cSld>
+  <p:clrMapOvr>
+    <a:masterClrMapping/>
+  </p:clrMapOvr>
+</p:notes>
+</file>
+
 <file path=ppt/slideLayouts/slideLayout1.xml><?xml version="1.0" encoding="utf-8"?>
 <p:sldLayout xmlns:a="http://schemas.openxmlformats.org/drawingml/2006/main" xmlns:r="http://schemas.openxmlformats.org/officeDocument/2006/relationships" xmlns:p="http://schemas.openxmlformats.org/presentationml/2006/main" type="title" preserve="1">
   <p:cSld name="タイトル スライド">
@@ -11499,7 +12576,7 @@
           <a:p>
             <a:fld id="{05853D61-8A19-4B35-BDA8-1C18B2B00FED}" type="datetimeFigureOut">
               <a:rPr kumimoji="1" lang="ja-JP" altLang="en-US" smtClean="0"/>
-              <a:t>2025/9/26</a:t>
+              <a:t>2025/9/29</a:t>
             </a:fld>
             <a:endParaRPr kumimoji="1" lang="ja-JP" altLang="en-US"/>
           </a:p>
@@ -11683,7 +12760,7 @@
           <a:p>
             <a:fld id="{05853D61-8A19-4B35-BDA8-1C18B2B00FED}" type="datetimeFigureOut">
               <a:rPr kumimoji="1" lang="ja-JP" altLang="en-US" smtClean="0"/>
-              <a:t>2025/9/26</a:t>
+              <a:t>2025/9/29</a:t>
             </a:fld>
             <a:endParaRPr kumimoji="1" lang="ja-JP" altLang="en-US"/>
           </a:p>
@@ -11900,7 +12977,7 @@
           <a:p>
             <a:fld id="{05853D61-8A19-4B35-BDA8-1C18B2B00FED}" type="datetimeFigureOut">
               <a:rPr kumimoji="1" lang="ja-JP" altLang="en-US" smtClean="0"/>
-              <a:t>2025/9/26</a:t>
+              <a:t>2025/9/29</a:t>
             </a:fld>
             <a:endParaRPr kumimoji="1" lang="ja-JP" altLang="en-US"/>
           </a:p>
@@ -12190,7 +13267,7 @@
           <a:p>
             <a:fld id="{05853D61-8A19-4B35-BDA8-1C18B2B00FED}" type="datetimeFigureOut">
               <a:rPr kumimoji="1" lang="ja-JP" altLang="en-US" smtClean="0"/>
-              <a:t>2025/9/26</a:t>
+              <a:t>2025/9/29</a:t>
             </a:fld>
             <a:endParaRPr kumimoji="1" lang="ja-JP" altLang="en-US"/>
           </a:p>
@@ -12485,7 +13562,7 @@
           <a:p>
             <a:fld id="{05853D61-8A19-4B35-BDA8-1C18B2B00FED}" type="datetimeFigureOut">
               <a:rPr kumimoji="1" lang="ja-JP" altLang="en-US" smtClean="0"/>
-              <a:t>2025/9/26</a:t>
+              <a:t>2025/9/29</a:t>
             </a:fld>
             <a:endParaRPr kumimoji="1" lang="ja-JP" altLang="en-US"/>
           </a:p>
@@ -12720,7 +13797,7 @@
           <a:p>
             <a:fld id="{05853D61-8A19-4B35-BDA8-1C18B2B00FED}" type="datetimeFigureOut">
               <a:rPr kumimoji="1" lang="ja-JP" altLang="en-US" smtClean="0"/>
-              <a:t>2025/9/26</a:t>
+              <a:t>2025/9/29</a:t>
             </a:fld>
             <a:endParaRPr kumimoji="1" lang="ja-JP" altLang="en-US"/>
           </a:p>
@@ -13431,7 +14508,7 @@
           <a:p>
             <a:fld id="{05853D61-8A19-4B35-BDA8-1C18B2B00FED}" type="datetimeFigureOut">
               <a:rPr kumimoji="1" lang="ja-JP" altLang="en-US" smtClean="0"/>
-              <a:t>2025/9/26</a:t>
+              <a:t>2025/9/29</a:t>
             </a:fld>
             <a:endParaRPr kumimoji="1" lang="ja-JP" altLang="en-US"/>
           </a:p>
@@ -13540,7 +14617,7 @@
           <a:p>
             <a:fld id="{05853D61-8A19-4B35-BDA8-1C18B2B00FED}" type="datetimeFigureOut">
               <a:rPr kumimoji="1" lang="ja-JP" altLang="en-US" smtClean="0"/>
-              <a:t>2025/9/26</a:t>
+              <a:t>2025/9/29</a:t>
             </a:fld>
             <a:endParaRPr kumimoji="1" lang="ja-JP" altLang="en-US"/>
           </a:p>
@@ -13724,7 +14801,7 @@
           <a:p>
             <a:fld id="{05853D61-8A19-4B35-BDA8-1C18B2B00FED}" type="datetimeFigureOut">
               <a:rPr kumimoji="1" lang="ja-JP" altLang="en-US" smtClean="0"/>
-              <a:t>2025/9/26</a:t>
+              <a:t>2025/9/29</a:t>
             </a:fld>
             <a:endParaRPr kumimoji="1" lang="ja-JP" altLang="en-US"/>
           </a:p>
@@ -13819,7 +14896,7 @@
           <a:p>
             <a:fld id="{05853D61-8A19-4B35-BDA8-1C18B2B00FED}" type="datetimeFigureOut">
               <a:rPr kumimoji="1" lang="ja-JP" altLang="en-US" smtClean="0"/>
-              <a:t>2025/9/26</a:t>
+              <a:t>2025/9/29</a:t>
             </a:fld>
             <a:endParaRPr kumimoji="1" lang="ja-JP" altLang="en-US"/>
           </a:p>
@@ -14066,7 +15143,7 @@
           <a:p>
             <a:fld id="{05853D61-8A19-4B35-BDA8-1C18B2B00FED}" type="datetimeFigureOut">
               <a:rPr kumimoji="1" lang="ja-JP" altLang="en-US" smtClean="0"/>
-              <a:t>2025/9/26</a:t>
+              <a:t>2025/9/29</a:t>
             </a:fld>
             <a:endParaRPr kumimoji="1" lang="ja-JP" altLang="en-US"/>
           </a:p>
@@ -14950,8 +16027,8 @@
                 </p:txBody>
               </p:sp>
             </p:grpSp>
-            <mc:AlternateContent xmlns:mc="http://schemas.openxmlformats.org/markup-compatibility/2006">
-              <mc:Choice xmlns:a14="http://schemas.microsoft.com/office/drawing/2010/main" Requires="a14">
+            <mc:AlternateContent xmlns:mc="http://schemas.openxmlformats.org/markup-compatibility/2006" xmlns:a14="http://schemas.microsoft.com/office/drawing/2010/main">
+              <mc:Choice Requires="a14">
                 <p:sp>
                   <p:nvSpPr>
                     <p:cNvPr id="2" name="テキスト ボックス 1">
@@ -15020,7 +16097,7 @@
                   </p:txBody>
                 </p:sp>
               </mc:Choice>
-              <mc:Fallback>
+              <mc:Fallback xmlns="">
                 <p:sp>
                   <p:nvSpPr>
                     <p:cNvPr id="2" name="テキスト ボックス 1">
@@ -15109,8 +16186,8 @@
                 </a:fontRef>
               </p:style>
             </p:cxnSp>
-            <mc:AlternateContent xmlns:mc="http://schemas.openxmlformats.org/markup-compatibility/2006">
-              <mc:Choice xmlns:a14="http://schemas.microsoft.com/office/drawing/2010/main" Requires="a14">
+            <mc:AlternateContent xmlns:mc="http://schemas.openxmlformats.org/markup-compatibility/2006" xmlns:a14="http://schemas.microsoft.com/office/drawing/2010/main">
+              <mc:Choice Requires="a14">
                 <p:sp>
                   <p:nvSpPr>
                     <p:cNvPr id="13" name="テキスト ボックス 12">
@@ -15179,7 +16256,7 @@
                   </p:txBody>
                 </p:sp>
               </mc:Choice>
-              <mc:Fallback>
+              <mc:Fallback xmlns="">
                 <p:sp>
                   <p:nvSpPr>
                     <p:cNvPr id="13" name="テキスト ボックス 12">
@@ -15355,8 +16432,8 @@
               </a:p>
             </p:txBody>
           </p:sp>
-          <mc:AlternateContent xmlns:mc="http://schemas.openxmlformats.org/markup-compatibility/2006">
-            <mc:Choice xmlns:a14="http://schemas.microsoft.com/office/drawing/2010/main" Requires="a14">
+          <mc:AlternateContent xmlns:mc="http://schemas.openxmlformats.org/markup-compatibility/2006" xmlns:a14="http://schemas.microsoft.com/office/drawing/2010/main">
+            <mc:Choice Requires="a14">
               <p:sp>
                 <p:nvSpPr>
                   <p:cNvPr id="11" name="テキスト ボックス 10">
@@ -15425,7 +16502,7 @@
                 </p:txBody>
               </p:sp>
             </mc:Choice>
-            <mc:Fallback>
+            <mc:Fallback xmlns="">
               <p:sp>
                 <p:nvSpPr>
                   <p:cNvPr id="11" name="テキスト ボックス 10">
@@ -15558,8 +16635,8 @@
               </a:fontRef>
             </p:style>
           </p:cxnSp>
-          <mc:AlternateContent xmlns:mc="http://schemas.openxmlformats.org/markup-compatibility/2006">
-            <mc:Choice xmlns:a14="http://schemas.microsoft.com/office/drawing/2010/main" Requires="a14">
+          <mc:AlternateContent xmlns:mc="http://schemas.openxmlformats.org/markup-compatibility/2006" xmlns:a14="http://schemas.microsoft.com/office/drawing/2010/main">
+            <mc:Choice Requires="a14">
               <p:sp>
                 <p:nvSpPr>
                   <p:cNvPr id="25" name="テキスト ボックス 24">
@@ -15628,7 +16705,7 @@
                 </p:txBody>
               </p:sp>
             </mc:Choice>
-            <mc:Fallback>
+            <mc:Fallback xmlns="">
               <p:sp>
                 <p:nvSpPr>
                   <p:cNvPr id="25" name="テキスト ボックス 24">
@@ -16055,8 +17132,8 @@
                 </p:txBody>
               </p:sp>
             </p:grpSp>
-            <mc:AlternateContent xmlns:mc="http://schemas.openxmlformats.org/markup-compatibility/2006">
-              <mc:Choice xmlns:a14="http://schemas.microsoft.com/office/drawing/2010/main" Requires="a14">
+            <mc:AlternateContent xmlns:mc="http://schemas.openxmlformats.org/markup-compatibility/2006" xmlns:a14="http://schemas.microsoft.com/office/drawing/2010/main">
+              <mc:Choice Requires="a14">
                 <p:sp>
                   <p:nvSpPr>
                     <p:cNvPr id="35" name="テキスト ボックス 34">
@@ -16125,7 +17202,7 @@
                   </p:txBody>
                 </p:sp>
               </mc:Choice>
-              <mc:Fallback>
+              <mc:Fallback xmlns="">
                 <p:sp>
                   <p:nvSpPr>
                     <p:cNvPr id="35" name="テキスト ボックス 34">
@@ -16259,8 +17336,8 @@
               </a:fontRef>
             </p:style>
           </p:cxnSp>
-          <mc:AlternateContent xmlns:mc="http://schemas.openxmlformats.org/markup-compatibility/2006">
-            <mc:Choice xmlns:a14="http://schemas.microsoft.com/office/drawing/2010/main" Requires="a14">
+          <mc:AlternateContent xmlns:mc="http://schemas.openxmlformats.org/markup-compatibility/2006" xmlns:a14="http://schemas.microsoft.com/office/drawing/2010/main">
+            <mc:Choice Requires="a14">
               <p:sp>
                 <p:nvSpPr>
                   <p:cNvPr id="33" name="テキスト ボックス 32">
@@ -16329,7 +17406,7 @@
                 </p:txBody>
               </p:sp>
             </mc:Choice>
-            <mc:Fallback>
+            <mc:Fallback xmlns="">
               <p:sp>
                 <p:nvSpPr>
                   <p:cNvPr id="33" name="テキスト ボックス 32">
@@ -18206,6 +19283,66 @@
 </p:sld>
 </file>
 
+<file path=ppt/slides/slide19.xml><?xml version="1.0" encoding="utf-8"?>
+<p:sld xmlns:a="http://schemas.openxmlformats.org/drawingml/2006/main" xmlns:r="http://schemas.openxmlformats.org/officeDocument/2006/relationships" xmlns:p="http://schemas.openxmlformats.org/presentationml/2006/main">
+  <p:cSld>
+    <p:spTree>
+      <p:nvGrpSpPr>
+        <p:cNvPr id="1" name=""/>
+        <p:cNvGrpSpPr/>
+        <p:nvPr/>
+      </p:nvGrpSpPr>
+      <p:grpSpPr>
+        <a:xfrm>
+          <a:off x="0" y="0"/>
+          <a:ext cx="0" cy="0"/>
+          <a:chOff x="0" y="0"/>
+          <a:chExt cx="0" cy="0"/>
+        </a:xfrm>
+      </p:grpSpPr>
+      <p:pic>
+        <p:nvPicPr>
+          <p:cNvPr id="29" name="図 28">
+            <a:extLst>
+              <a:ext uri="{FF2B5EF4-FFF2-40B4-BE49-F238E27FC236}">
+                <a16:creationId xmlns:a16="http://schemas.microsoft.com/office/drawing/2014/main" id="{0039DA38-3CB0-E8FF-90DD-03598B37E26F}"/>
+              </a:ext>
+            </a:extLst>
+          </p:cNvPr>
+          <p:cNvPicPr>
+            <a:picLocks noChangeAspect="1"/>
+          </p:cNvPicPr>
+          <p:nvPr/>
+        </p:nvPicPr>
+        <p:blipFill>
+          <a:blip r:embed="rId2"/>
+          <a:stretch>
+            <a:fillRect/>
+          </a:stretch>
+        </p:blipFill>
+        <p:spPr>
+          <a:xfrm>
+            <a:off x="1567111" y="615405"/>
+            <a:ext cx="19905165" cy="5968501"/>
+          </a:xfrm>
+          <a:prstGeom prst="rect">
+            <a:avLst/>
+          </a:prstGeom>
+        </p:spPr>
+      </p:pic>
+    </p:spTree>
+    <p:extLst>
+      <p:ext uri="{BB962C8B-B14F-4D97-AF65-F5344CB8AC3E}">
+        <p14:creationId xmlns:p14="http://schemas.microsoft.com/office/powerpoint/2010/main" val="2338432287"/>
+      </p:ext>
+    </p:extLst>
+  </p:cSld>
+  <p:clrMapOvr>
+    <a:masterClrMapping/>
+  </p:clrMapOvr>
+</p:sld>
+</file>
+
 <file path=ppt/slides/slide2.xml><?xml version="1.0" encoding="utf-8"?>
 <p:sld xmlns:a="http://schemas.openxmlformats.org/drawingml/2006/main" xmlns:r="http://schemas.openxmlformats.org/officeDocument/2006/relationships" xmlns:p="http://schemas.openxmlformats.org/presentationml/2006/main">
   <p:cSld>
@@ -18257,6 +19394,1898 @@
     <p:extLst>
       <p:ext uri="{BB962C8B-B14F-4D97-AF65-F5344CB8AC3E}">
         <p14:creationId xmlns:p14="http://schemas.microsoft.com/office/powerpoint/2010/main" val="567061433"/>
+      </p:ext>
+    </p:extLst>
+  </p:cSld>
+  <p:clrMapOvr>
+    <a:masterClrMapping/>
+  </p:clrMapOvr>
+</p:sld>
+</file>
+
+<file path=ppt/slides/slide20.xml><?xml version="1.0" encoding="utf-8"?>
+<p:sld xmlns:a="http://schemas.openxmlformats.org/drawingml/2006/main" xmlns:r="http://schemas.openxmlformats.org/officeDocument/2006/relationships" xmlns:p="http://schemas.openxmlformats.org/presentationml/2006/main">
+  <p:cSld>
+    <p:spTree>
+      <p:nvGrpSpPr>
+        <p:cNvPr id="1" name="">
+          <a:extLst>
+            <a:ext uri="{FF2B5EF4-FFF2-40B4-BE49-F238E27FC236}">
+              <a16:creationId xmlns:a16="http://schemas.microsoft.com/office/drawing/2014/main" id="{E6195290-4015-E1B6-F334-A3C9F40A0985}"/>
+            </a:ext>
+          </a:extLst>
+        </p:cNvPr>
+        <p:cNvGrpSpPr/>
+        <p:nvPr/>
+      </p:nvGrpSpPr>
+      <p:grpSpPr>
+        <a:xfrm>
+          <a:off x="0" y="0"/>
+          <a:ext cx="0" cy="0"/>
+          <a:chOff x="0" y="0"/>
+          <a:chExt cx="0" cy="0"/>
+        </a:xfrm>
+      </p:grpSpPr>
+      <p:graphicFrame>
+        <p:nvGraphicFramePr>
+          <p:cNvPr id="8" name="コンテンツ プレースホルダー 7">
+            <a:extLst>
+              <a:ext uri="{FF2B5EF4-FFF2-40B4-BE49-F238E27FC236}">
+                <a16:creationId xmlns:a16="http://schemas.microsoft.com/office/drawing/2014/main" id="{B396027C-1768-2D7D-997E-CE49F90F098A}"/>
+              </a:ext>
+            </a:extLst>
+          </p:cNvPr>
+          <p:cNvGraphicFramePr>
+            <a:graphicFrameLocks noGrp="1"/>
+          </p:cNvGraphicFramePr>
+          <p:nvPr>
+            <p:ph idx="1"/>
+            <p:extLst>
+              <p:ext uri="{D42A27DB-BD31-4B8C-83A1-F6EECF244321}">
+                <p14:modId xmlns:p14="http://schemas.microsoft.com/office/powerpoint/2010/main" val="1590263285"/>
+              </p:ext>
+            </p:extLst>
+          </p:nvPr>
+        </p:nvGraphicFramePr>
+        <p:xfrm>
+          <a:off x="1566863" y="382588"/>
+          <a:ext cx="15020674" cy="6216650"/>
+        </p:xfrm>
+        <a:graphic>
+          <a:graphicData uri="http://schemas.openxmlformats.org/drawingml/2006/chart">
+            <c:chart xmlns:c="http://schemas.openxmlformats.org/drawingml/2006/chart" xmlns:r="http://schemas.openxmlformats.org/officeDocument/2006/relationships" r:id="rId2"/>
+          </a:graphicData>
+        </a:graphic>
+      </p:graphicFrame>
+      <p:sp>
+        <p:nvSpPr>
+          <p:cNvPr id="9" name="テキスト ボックス 8">
+            <a:extLst>
+              <a:ext uri="{FF2B5EF4-FFF2-40B4-BE49-F238E27FC236}">
+                <a16:creationId xmlns:a16="http://schemas.microsoft.com/office/drawing/2014/main" id="{E8A98CDA-5A55-DAED-2C44-D7353379588F}"/>
+              </a:ext>
+            </a:extLst>
+          </p:cNvPr>
+          <p:cNvSpPr txBox="1"/>
+          <p:nvPr/>
+        </p:nvSpPr>
+        <p:spPr>
+          <a:xfrm>
+            <a:off x="9391490" y="3490915"/>
+            <a:ext cx="7196049" cy="584775"/>
+          </a:xfrm>
+          <a:prstGeom prst="rect">
+            <a:avLst/>
+          </a:prstGeom>
+          <a:noFill/>
+        </p:spPr>
+        <p:txBody>
+          <a:bodyPr wrap="square" rtlCol="0">
+            <a:spAutoFit/>
+          </a:bodyPr>
+          <a:lstStyle/>
+          <a:p>
+            <a:pPr algn="ctr"/>
+            <a:r>
+              <a:rPr lang="ja-JP" altLang="en-US" sz="3200" dirty="0"/>
+              <a:t>賃金を伴う市場労働の限界購入量</a:t>
+            </a:r>
+            <a:endParaRPr lang="en-US" altLang="ja-JP" sz="3200" dirty="0"/>
+          </a:p>
+        </p:txBody>
+      </p:sp>
+      <p:sp>
+        <p:nvSpPr>
+          <p:cNvPr id="10" name="テキスト ボックス 9">
+            <a:extLst>
+              <a:ext uri="{FF2B5EF4-FFF2-40B4-BE49-F238E27FC236}">
+                <a16:creationId xmlns:a16="http://schemas.microsoft.com/office/drawing/2014/main" id="{D667F9D8-1B8B-1678-A71C-9259EE7CCE16}"/>
+              </a:ext>
+            </a:extLst>
+          </p:cNvPr>
+          <p:cNvSpPr txBox="1"/>
+          <p:nvPr/>
+        </p:nvSpPr>
+        <p:spPr>
+          <a:xfrm>
+            <a:off x="4660530" y="1265453"/>
+            <a:ext cx="4114502" cy="579391"/>
+          </a:xfrm>
+          <a:prstGeom prst="rect">
+            <a:avLst/>
+          </a:prstGeom>
+          <a:noFill/>
+        </p:spPr>
+        <p:txBody>
+          <a:bodyPr wrap="square" rtlCol="0">
+            <a:spAutoFit/>
+          </a:bodyPr>
+          <a:lstStyle/>
+          <a:p>
+            <a:pPr algn="ctr"/>
+            <a:r>
+              <a:rPr lang="ja-JP" altLang="en-US" sz="3200" dirty="0"/>
+              <a:t>家庭内限界生産量</a:t>
+            </a:r>
+            <a:endParaRPr lang="en-US" altLang="ja-JP" sz="3200" dirty="0"/>
+          </a:p>
+        </p:txBody>
+      </p:sp>
+    </p:spTree>
+    <p:extLst>
+      <p:ext uri="{BB962C8B-B14F-4D97-AF65-F5344CB8AC3E}">
+        <p14:creationId xmlns:p14="http://schemas.microsoft.com/office/powerpoint/2010/main" val="3216197026"/>
+      </p:ext>
+    </p:extLst>
+  </p:cSld>
+  <p:clrMapOvr>
+    <a:masterClrMapping/>
+  </p:clrMapOvr>
+</p:sld>
+</file>
+
+<file path=ppt/slides/slide21.xml><?xml version="1.0" encoding="utf-8"?>
+<p:sld xmlns:a="http://schemas.openxmlformats.org/drawingml/2006/main" xmlns:r="http://schemas.openxmlformats.org/officeDocument/2006/relationships" xmlns:p="http://schemas.openxmlformats.org/presentationml/2006/main">
+  <p:cSld>
+    <p:spTree>
+      <p:nvGrpSpPr>
+        <p:cNvPr id="1" name=""/>
+        <p:cNvGrpSpPr/>
+        <p:nvPr/>
+      </p:nvGrpSpPr>
+      <p:grpSpPr>
+        <a:xfrm>
+          <a:off x="0" y="0"/>
+          <a:ext cx="0" cy="0"/>
+          <a:chOff x="0" y="0"/>
+          <a:chExt cx="0" cy="0"/>
+        </a:xfrm>
+      </p:grpSpPr>
+      <p:grpSp>
+        <p:nvGrpSpPr>
+          <p:cNvPr id="91" name="グループ化 90">
+            <a:extLst>
+              <a:ext uri="{FF2B5EF4-FFF2-40B4-BE49-F238E27FC236}">
+                <a16:creationId xmlns:a16="http://schemas.microsoft.com/office/drawing/2014/main" id="{9682B06D-9227-270D-3526-02801F880366}"/>
+              </a:ext>
+            </a:extLst>
+          </p:cNvPr>
+          <p:cNvGrpSpPr/>
+          <p:nvPr/>
+        </p:nvGrpSpPr>
+        <p:grpSpPr>
+          <a:xfrm>
+            <a:off x="1983837" y="10085"/>
+            <a:ext cx="19071713" cy="7189228"/>
+            <a:chOff x="1755111" y="-1"/>
+            <a:chExt cx="19071713" cy="7189228"/>
+          </a:xfrm>
+        </p:grpSpPr>
+        <p:grpSp>
+          <p:nvGrpSpPr>
+            <p:cNvPr id="85" name="グループ化 84">
+              <a:extLst>
+                <a:ext uri="{FF2B5EF4-FFF2-40B4-BE49-F238E27FC236}">
+                  <a16:creationId xmlns:a16="http://schemas.microsoft.com/office/drawing/2014/main" id="{2BBD0B2F-20DA-4063-6118-6D62408BDC11}"/>
+                </a:ext>
+              </a:extLst>
+            </p:cNvPr>
+            <p:cNvGrpSpPr/>
+            <p:nvPr/>
+          </p:nvGrpSpPr>
+          <p:grpSpPr>
+            <a:xfrm>
+              <a:off x="1755111" y="0"/>
+              <a:ext cx="8969770" cy="7189227"/>
+              <a:chOff x="1755111" y="-364450"/>
+              <a:chExt cx="8969770" cy="7287547"/>
+            </a:xfrm>
+          </p:grpSpPr>
+          <p:grpSp>
+            <p:nvGrpSpPr>
+              <p:cNvPr id="63" name="グループ化 62">
+                <a:extLst>
+                  <a:ext uri="{FF2B5EF4-FFF2-40B4-BE49-F238E27FC236}">
+                    <a16:creationId xmlns:a16="http://schemas.microsoft.com/office/drawing/2014/main" id="{4B112FFC-0135-45E0-91C0-1F6F75C7E373}"/>
+                  </a:ext>
+                </a:extLst>
+              </p:cNvPr>
+              <p:cNvGrpSpPr/>
+              <p:nvPr/>
+            </p:nvGrpSpPr>
+            <p:grpSpPr>
+              <a:xfrm>
+                <a:off x="1755111" y="276215"/>
+                <a:ext cx="8969770" cy="6646882"/>
+                <a:chOff x="1755111" y="597389"/>
+                <a:chExt cx="8969770" cy="6646882"/>
+              </a:xfrm>
+            </p:grpSpPr>
+            <p:grpSp>
+              <p:nvGrpSpPr>
+                <p:cNvPr id="57" name="グループ化 56">
+                  <a:extLst>
+                    <a:ext uri="{FF2B5EF4-FFF2-40B4-BE49-F238E27FC236}">
+                      <a16:creationId xmlns:a16="http://schemas.microsoft.com/office/drawing/2014/main" id="{424931CF-5D29-6F0A-4C1A-B9F33BD9AEA3}"/>
+                    </a:ext>
+                  </a:extLst>
+                </p:cNvPr>
+                <p:cNvGrpSpPr/>
+                <p:nvPr/>
+              </p:nvGrpSpPr>
+              <p:grpSpPr>
+                <a:xfrm>
+                  <a:off x="1755111" y="597389"/>
+                  <a:ext cx="8969770" cy="6646882"/>
+                  <a:chOff x="1755111" y="597389"/>
+                  <a:chExt cx="8969770" cy="6646882"/>
+                </a:xfrm>
+              </p:grpSpPr>
+              <p:grpSp>
+                <p:nvGrpSpPr>
+                  <p:cNvPr id="7" name="グループ化 6">
+                    <a:extLst>
+                      <a:ext uri="{FF2B5EF4-FFF2-40B4-BE49-F238E27FC236}">
+                        <a16:creationId xmlns:a16="http://schemas.microsoft.com/office/drawing/2014/main" id="{54824DA0-9E3B-5B08-9006-C18F18D5CA67}"/>
+                      </a:ext>
+                    </a:extLst>
+                  </p:cNvPr>
+                  <p:cNvGrpSpPr/>
+                  <p:nvPr/>
+                </p:nvGrpSpPr>
+                <p:grpSpPr>
+                  <a:xfrm>
+                    <a:off x="2275811" y="597389"/>
+                    <a:ext cx="8449070" cy="6636655"/>
+                    <a:chOff x="4233612" y="475140"/>
+                    <a:chExt cx="4338932" cy="3014508"/>
+                  </a:xfrm>
+                </p:grpSpPr>
+                <p:grpSp>
+                  <p:nvGrpSpPr>
+                    <p:cNvPr id="23" name="グループ化 22">
+                      <a:extLst>
+                        <a:ext uri="{FF2B5EF4-FFF2-40B4-BE49-F238E27FC236}">
+                          <a16:creationId xmlns:a16="http://schemas.microsoft.com/office/drawing/2014/main" id="{0E75C91D-FC49-7AB4-3185-78A18BF8125E}"/>
+                        </a:ext>
+                      </a:extLst>
+                    </p:cNvPr>
+                    <p:cNvGrpSpPr/>
+                    <p:nvPr/>
+                  </p:nvGrpSpPr>
+                  <p:grpSpPr>
+                    <a:xfrm>
+                      <a:off x="4233612" y="475140"/>
+                      <a:ext cx="4338932" cy="3014508"/>
+                      <a:chOff x="4233612" y="475140"/>
+                      <a:chExt cx="4338932" cy="3014508"/>
+                    </a:xfrm>
+                  </p:grpSpPr>
+                  <p:grpSp>
+                    <p:nvGrpSpPr>
+                      <p:cNvPr id="29" name="グループ化 28">
+                        <a:extLst>
+                          <a:ext uri="{FF2B5EF4-FFF2-40B4-BE49-F238E27FC236}">
+                            <a16:creationId xmlns:a16="http://schemas.microsoft.com/office/drawing/2014/main" id="{52B42D80-10C1-B15F-5A66-EAA9805E47E3}"/>
+                          </a:ext>
+                        </a:extLst>
+                      </p:cNvPr>
+                      <p:cNvGrpSpPr/>
+                      <p:nvPr/>
+                    </p:nvGrpSpPr>
+                    <p:grpSpPr>
+                      <a:xfrm>
+                        <a:off x="4233612" y="475140"/>
+                        <a:ext cx="4338932" cy="2865264"/>
+                        <a:chOff x="5642811" y="552083"/>
+                        <a:chExt cx="4338932" cy="2865264"/>
+                      </a:xfrm>
+                    </p:grpSpPr>
+                    <p:cxnSp>
+                      <p:nvCxnSpPr>
+                        <p:cNvPr id="34" name="直線矢印コネクタ 33">
+                          <a:extLst>
+                            <a:ext uri="{FF2B5EF4-FFF2-40B4-BE49-F238E27FC236}">
+                              <a16:creationId xmlns:a16="http://schemas.microsoft.com/office/drawing/2014/main" id="{016D723F-5623-4534-7641-EDED27670892}"/>
+                            </a:ext>
+                          </a:extLst>
+                        </p:cNvPr>
+                        <p:cNvCxnSpPr>
+                          <a:cxnSpLocks/>
+                        </p:cNvCxnSpPr>
+                        <p:nvPr/>
+                      </p:nvCxnSpPr>
+                      <p:spPr>
+                        <a:xfrm flipV="1">
+                          <a:off x="6679802" y="552083"/>
+                          <a:ext cx="0" cy="2791326"/>
+                        </a:xfrm>
+                        <a:prstGeom prst="straightConnector1">
+                          <a:avLst/>
+                        </a:prstGeom>
+                        <a:ln w="19050">
+                          <a:solidFill>
+                            <a:schemeClr val="tx1"/>
+                          </a:solidFill>
+                          <a:headEnd type="none" w="med" len="med"/>
+                          <a:tailEnd type="arrow" w="med" len="med"/>
+                        </a:ln>
+                      </p:spPr>
+                      <p:style>
+                        <a:lnRef idx="1">
+                          <a:schemeClr val="accent1"/>
+                        </a:lnRef>
+                        <a:fillRef idx="0">
+                          <a:schemeClr val="accent1"/>
+                        </a:fillRef>
+                        <a:effectRef idx="0">
+                          <a:schemeClr val="accent1"/>
+                        </a:effectRef>
+                        <a:fontRef idx="minor">
+                          <a:schemeClr val="tx1"/>
+                        </a:fontRef>
+                      </p:style>
+                    </p:cxnSp>
+                    <p:cxnSp>
+                      <p:nvCxnSpPr>
+                        <p:cNvPr id="35" name="直線矢印コネクタ 34">
+                          <a:extLst>
+                            <a:ext uri="{FF2B5EF4-FFF2-40B4-BE49-F238E27FC236}">
+                              <a16:creationId xmlns:a16="http://schemas.microsoft.com/office/drawing/2014/main" id="{5628FBFC-AB09-6200-A119-CE6FCF00E758}"/>
+                            </a:ext>
+                          </a:extLst>
+                        </p:cNvPr>
+                        <p:cNvCxnSpPr>
+                          <a:cxnSpLocks/>
+                        </p:cNvCxnSpPr>
+                        <p:nvPr/>
+                      </p:nvCxnSpPr>
+                      <p:spPr>
+                        <a:xfrm>
+                          <a:off x="5642811" y="3338763"/>
+                          <a:ext cx="3224463" cy="0"/>
+                        </a:xfrm>
+                        <a:prstGeom prst="straightConnector1">
+                          <a:avLst/>
+                        </a:prstGeom>
+                        <a:ln w="19050">
+                          <a:solidFill>
+                            <a:schemeClr val="tx1"/>
+                          </a:solidFill>
+                          <a:headEnd type="none" w="med" len="med"/>
+                          <a:tailEnd type="arrow" w="med" len="med"/>
+                        </a:ln>
+                      </p:spPr>
+                      <p:style>
+                        <a:lnRef idx="1">
+                          <a:schemeClr val="accent1"/>
+                        </a:lnRef>
+                        <a:fillRef idx="0">
+                          <a:schemeClr val="accent1"/>
+                        </a:fillRef>
+                        <a:effectRef idx="0">
+                          <a:schemeClr val="accent1"/>
+                        </a:effectRef>
+                        <a:fontRef idx="minor">
+                          <a:schemeClr val="tx1"/>
+                        </a:fontRef>
+                      </p:style>
+                    </p:cxnSp>
+                    <p:sp>
+                      <p:nvSpPr>
+                        <p:cNvPr id="37" name="テキスト ボックス 36">
+                          <a:extLst>
+                            <a:ext uri="{FF2B5EF4-FFF2-40B4-BE49-F238E27FC236}">
+                              <a16:creationId xmlns:a16="http://schemas.microsoft.com/office/drawing/2014/main" id="{EE0B160D-4BF0-80A3-4E6C-0BFF95A7B21A}"/>
+                            </a:ext>
+                          </a:extLst>
+                        </p:cNvPr>
+                        <p:cNvSpPr txBox="1"/>
+                        <p:nvPr/>
+                      </p:nvSpPr>
+                      <p:spPr>
+                        <a:xfrm>
+                          <a:off x="8867274" y="3184874"/>
+                          <a:ext cx="1114469" cy="232473"/>
+                        </a:xfrm>
+                        <a:prstGeom prst="rect">
+                          <a:avLst/>
+                        </a:prstGeom>
+                        <a:noFill/>
+                      </p:spPr>
+                      <p:txBody>
+                        <a:bodyPr wrap="square" rtlCol="0">
+                          <a:spAutoFit/>
+                        </a:bodyPr>
+                        <a:lstStyle/>
+                        <a:p>
+                          <a:pPr algn="ctr"/>
+                          <a:r>
+                            <a:rPr lang="ja-JP" altLang="en-US" sz="2726" dirty="0"/>
+                            <a:t>雇用調整量</a:t>
+                          </a:r>
+                        </a:p>
+                      </p:txBody>
+                    </p:sp>
+                    <p:sp>
+                      <p:nvSpPr>
+                        <p:cNvPr id="39" name="テキスト ボックス 38">
+                          <a:extLst>
+                            <a:ext uri="{FF2B5EF4-FFF2-40B4-BE49-F238E27FC236}">
+                              <a16:creationId xmlns:a16="http://schemas.microsoft.com/office/drawing/2014/main" id="{CB3C76BB-1112-374A-6628-DA6EE56EC46C}"/>
+                            </a:ext>
+                          </a:extLst>
+                        </p:cNvPr>
+                        <p:cNvSpPr txBox="1"/>
+                        <p:nvPr/>
+                      </p:nvSpPr>
+                      <p:spPr>
+                        <a:xfrm>
+                          <a:off x="7908790" y="886400"/>
+                          <a:ext cx="842210" cy="232473"/>
+                        </a:xfrm>
+                        <a:prstGeom prst="rect">
+                          <a:avLst/>
+                        </a:prstGeom>
+                        <a:noFill/>
+                      </p:spPr>
+                      <p:txBody>
+                        <a:bodyPr wrap="square" rtlCol="0">
+                          <a:spAutoFit/>
+                        </a:bodyPr>
+                        <a:lstStyle/>
+                        <a:p>
+                          <a:pPr algn="ctr"/>
+                          <a:r>
+                            <a:rPr lang="ja-JP" altLang="en-US" sz="2726" dirty="0"/>
+                            <a:t>調整費用</a:t>
+                          </a:r>
+                        </a:p>
+                      </p:txBody>
+                    </p:sp>
+                  </p:grpSp>
+                  <p:sp>
+                    <p:nvSpPr>
+                      <p:cNvPr id="30" name="テキスト ボックス 29">
+                        <a:extLst>
+                          <a:ext uri="{FF2B5EF4-FFF2-40B4-BE49-F238E27FC236}">
+                            <a16:creationId xmlns:a16="http://schemas.microsoft.com/office/drawing/2014/main" id="{F17DD647-0AC8-4B82-2DC3-AF3A1A5CED8E}"/>
+                          </a:ext>
+                        </a:extLst>
+                      </p:cNvPr>
+                      <p:cNvSpPr txBox="1"/>
+                      <p:nvPr/>
+                    </p:nvSpPr>
+                    <p:spPr>
+                      <a:xfrm>
+                        <a:off x="4850150" y="3257175"/>
+                        <a:ext cx="842210" cy="232473"/>
+                      </a:xfrm>
+                      <a:prstGeom prst="rect">
+                        <a:avLst/>
+                      </a:prstGeom>
+                      <a:noFill/>
+                    </p:spPr>
+                    <p:txBody>
+                      <a:bodyPr wrap="square" rtlCol="0">
+                        <a:spAutoFit/>
+                      </a:bodyPr>
+                      <a:lstStyle/>
+                      <a:p>
+                        <a:pPr algn="ctr"/>
+                        <a:r>
+                          <a:rPr lang="en-US" altLang="ja-JP" sz="2726" i="0" dirty="0">
+                            <a:latin typeface="+mj-lt"/>
+                          </a:rPr>
+                          <a:t>0</a:t>
+                        </a:r>
+                        <a:endParaRPr lang="ja-JP" altLang="en-US" sz="2726" dirty="0"/>
+                      </a:p>
+                    </p:txBody>
+                  </p:sp>
+                  <p:cxnSp>
+                    <p:nvCxnSpPr>
+                      <p:cNvPr id="31" name="直線コネクタ 30">
+                        <a:extLst>
+                          <a:ext uri="{FF2B5EF4-FFF2-40B4-BE49-F238E27FC236}">
+                            <a16:creationId xmlns:a16="http://schemas.microsoft.com/office/drawing/2014/main" id="{F3F9094D-7849-B05D-0984-EA90D0FB90A4}"/>
+                          </a:ext>
+                        </a:extLst>
+                      </p:cNvPr>
+                      <p:cNvCxnSpPr>
+                        <a:cxnSpLocks/>
+                      </p:cNvCxnSpPr>
+                      <p:nvPr/>
+                    </p:nvCxnSpPr>
+                    <p:spPr>
+                      <a:xfrm flipH="1">
+                        <a:off x="5584741" y="2866847"/>
+                        <a:ext cx="195" cy="399619"/>
+                      </a:xfrm>
+                      <a:prstGeom prst="line">
+                        <a:avLst/>
+                      </a:prstGeom>
+                      <a:ln w="12700">
+                        <a:solidFill>
+                          <a:schemeClr val="tx1"/>
+                        </a:solidFill>
+                        <a:prstDash val="dash"/>
+                      </a:ln>
+                    </p:spPr>
+                    <p:style>
+                      <a:lnRef idx="1">
+                        <a:schemeClr val="accent1"/>
+                      </a:lnRef>
+                      <a:fillRef idx="0">
+                        <a:schemeClr val="accent1"/>
+                      </a:fillRef>
+                      <a:effectRef idx="0">
+                        <a:schemeClr val="accent1"/>
+                      </a:effectRef>
+                      <a:fontRef idx="minor">
+                        <a:schemeClr val="tx1"/>
+                      </a:fontRef>
+                    </p:style>
+                  </p:cxnSp>
+                </p:grpSp>
+                <p:cxnSp>
+                  <p:nvCxnSpPr>
+                    <p:cNvPr id="27" name="直線コネクタ 26">
+                      <a:extLst>
+                        <a:ext uri="{FF2B5EF4-FFF2-40B4-BE49-F238E27FC236}">
+                          <a16:creationId xmlns:a16="http://schemas.microsoft.com/office/drawing/2014/main" id="{B77A7A07-5D5A-D39B-219B-555C4EE6035B}"/>
+                        </a:ext>
+                      </a:extLst>
+                    </p:cNvPr>
+                    <p:cNvCxnSpPr>
+                      <a:cxnSpLocks/>
+                    </p:cNvCxnSpPr>
+                    <p:nvPr/>
+                  </p:nvCxnSpPr>
+                  <p:spPr>
+                    <a:xfrm>
+                      <a:off x="5584741" y="925693"/>
+                      <a:ext cx="0" cy="1941154"/>
+                    </a:xfrm>
+                    <a:prstGeom prst="line">
+                      <a:avLst/>
+                    </a:prstGeom>
+                    <a:ln w="38100">
+                      <a:solidFill>
+                        <a:srgbClr val="C00000"/>
+                      </a:solidFill>
+                      <a:prstDash val="solid"/>
+                    </a:ln>
+                  </p:spPr>
+                  <p:style>
+                    <a:lnRef idx="1">
+                      <a:schemeClr val="accent1"/>
+                    </a:lnRef>
+                    <a:fillRef idx="0">
+                      <a:schemeClr val="accent1"/>
+                    </a:fillRef>
+                    <a:effectRef idx="0">
+                      <a:schemeClr val="accent1"/>
+                    </a:effectRef>
+                    <a:fontRef idx="minor">
+                      <a:schemeClr val="tx1"/>
+                    </a:fontRef>
+                  </p:style>
+                </p:cxnSp>
+              </p:grpSp>
+              <p:sp>
+                <p:nvSpPr>
+                  <p:cNvPr id="42" name="フリーフォーム: 図形 41">
+                    <a:extLst>
+                      <a:ext uri="{FF2B5EF4-FFF2-40B4-BE49-F238E27FC236}">
+                        <a16:creationId xmlns:a16="http://schemas.microsoft.com/office/drawing/2014/main" id="{0385CCD2-CD80-F0E2-8402-9854A8156B0B}"/>
+                      </a:ext>
+                    </a:extLst>
+                  </p:cNvPr>
+                  <p:cNvSpPr/>
+                  <p:nvPr/>
+                </p:nvSpPr>
+                <p:spPr>
+                  <a:xfrm>
+                    <a:off x="2857449" y="1269709"/>
+                    <a:ext cx="5080000" cy="5718659"/>
+                  </a:xfrm>
+                  <a:custGeom>
+                    <a:avLst/>
+                    <a:gdLst>
+                      <a:gd name="connsiteX0" fmla="*/ 0 w 5080000"/>
+                      <a:gd name="connsiteY0" fmla="*/ 5718659 h 5718659"/>
+                      <a:gd name="connsiteX1" fmla="*/ 2554514 w 5080000"/>
+                      <a:gd name="connsiteY1" fmla="*/ 31 h 5718659"/>
+                      <a:gd name="connsiteX2" fmla="*/ 5080000 w 5080000"/>
+                      <a:gd name="connsiteY2" fmla="*/ 5653345 h 5718659"/>
+                    </a:gdLst>
+                    <a:ahLst/>
+                    <a:cxnLst>
+                      <a:cxn ang="0">
+                        <a:pos x="connsiteX0" y="connsiteY0"/>
+                      </a:cxn>
+                      <a:cxn ang="0">
+                        <a:pos x="connsiteX1" y="connsiteY1"/>
+                      </a:cxn>
+                      <a:cxn ang="0">
+                        <a:pos x="connsiteX2" y="connsiteY2"/>
+                      </a:cxn>
+                    </a:cxnLst>
+                    <a:rect l="l" t="t" r="r" b="b"/>
+                    <a:pathLst>
+                      <a:path w="5080000" h="5718659">
+                        <a:moveTo>
+                          <a:pt x="0" y="5718659"/>
+                        </a:moveTo>
+                        <a:cubicBezTo>
+                          <a:pt x="853923" y="2864788"/>
+                          <a:pt x="1707847" y="10917"/>
+                          <a:pt x="2554514" y="31"/>
+                        </a:cubicBezTo>
+                        <a:cubicBezTo>
+                          <a:pt x="3401181" y="-10855"/>
+                          <a:pt x="4240590" y="2821245"/>
+                          <a:pt x="5080000" y="5653345"/>
+                        </a:cubicBezTo>
+                      </a:path>
+                    </a:pathLst>
+                  </a:custGeom>
+                  <a:noFill/>
+                  <a:ln w="38100">
+                    <a:solidFill>
+                      <a:schemeClr val="accent2"/>
+                    </a:solidFill>
+                  </a:ln>
+                </p:spPr>
+                <p:style>
+                  <a:lnRef idx="2">
+                    <a:schemeClr val="accent1">
+                      <a:shade val="15000"/>
+                    </a:schemeClr>
+                  </a:lnRef>
+                  <a:fillRef idx="1">
+                    <a:schemeClr val="accent1"/>
+                  </a:fillRef>
+                  <a:effectRef idx="0">
+                    <a:schemeClr val="accent1"/>
+                  </a:effectRef>
+                  <a:fontRef idx="minor">
+                    <a:schemeClr val="lt1"/>
+                  </a:fontRef>
+                </p:style>
+                <p:txBody>
+                  <a:bodyPr rtlCol="0" anchor="ctr"/>
+                  <a:lstStyle/>
+                  <a:p>
+                    <a:pPr algn="ctr"/>
+                    <a:endParaRPr kumimoji="1" lang="ja-JP" altLang="en-US"/>
+                  </a:p>
+                </p:txBody>
+              </p:sp>
+              <p:sp>
+                <p:nvSpPr>
+                  <p:cNvPr id="43" name="フリーフォーム: 図形 42">
+                    <a:extLst>
+                      <a:ext uri="{FF2B5EF4-FFF2-40B4-BE49-F238E27FC236}">
+                        <a16:creationId xmlns:a16="http://schemas.microsoft.com/office/drawing/2014/main" id="{E3EF2A85-51A5-3366-46DE-B5815A001E26}"/>
+                      </a:ext>
+                    </a:extLst>
+                  </p:cNvPr>
+                  <p:cNvSpPr/>
+                  <p:nvPr/>
+                </p:nvSpPr>
+                <p:spPr>
+                  <a:xfrm flipV="1">
+                    <a:off x="1755111" y="606980"/>
+                    <a:ext cx="5080000" cy="5718659"/>
+                  </a:xfrm>
+                  <a:custGeom>
+                    <a:avLst/>
+                    <a:gdLst>
+                      <a:gd name="connsiteX0" fmla="*/ 0 w 5080000"/>
+                      <a:gd name="connsiteY0" fmla="*/ 5718659 h 5718659"/>
+                      <a:gd name="connsiteX1" fmla="*/ 2554514 w 5080000"/>
+                      <a:gd name="connsiteY1" fmla="*/ 31 h 5718659"/>
+                      <a:gd name="connsiteX2" fmla="*/ 5080000 w 5080000"/>
+                      <a:gd name="connsiteY2" fmla="*/ 5653345 h 5718659"/>
+                    </a:gdLst>
+                    <a:ahLst/>
+                    <a:cxnLst>
+                      <a:cxn ang="0">
+                        <a:pos x="connsiteX0" y="connsiteY0"/>
+                      </a:cxn>
+                      <a:cxn ang="0">
+                        <a:pos x="connsiteX1" y="connsiteY1"/>
+                      </a:cxn>
+                      <a:cxn ang="0">
+                        <a:pos x="connsiteX2" y="connsiteY2"/>
+                      </a:cxn>
+                    </a:cxnLst>
+                    <a:rect l="l" t="t" r="r" b="b"/>
+                    <a:pathLst>
+                      <a:path w="5080000" h="5718659">
+                        <a:moveTo>
+                          <a:pt x="0" y="5718659"/>
+                        </a:moveTo>
+                        <a:cubicBezTo>
+                          <a:pt x="853923" y="2864788"/>
+                          <a:pt x="1707847" y="10917"/>
+                          <a:pt x="2554514" y="31"/>
+                        </a:cubicBezTo>
+                        <a:cubicBezTo>
+                          <a:pt x="3401181" y="-10855"/>
+                          <a:pt x="4240590" y="2821245"/>
+                          <a:pt x="5080000" y="5653345"/>
+                        </a:cubicBezTo>
+                      </a:path>
+                    </a:pathLst>
+                  </a:custGeom>
+                  <a:noFill/>
+                  <a:ln w="38100">
+                    <a:solidFill>
+                      <a:schemeClr val="tx1"/>
+                    </a:solidFill>
+                  </a:ln>
+                </p:spPr>
+                <p:style>
+                  <a:lnRef idx="2">
+                    <a:schemeClr val="accent1">
+                      <a:shade val="15000"/>
+                    </a:schemeClr>
+                  </a:lnRef>
+                  <a:fillRef idx="1">
+                    <a:schemeClr val="accent1"/>
+                  </a:fillRef>
+                  <a:effectRef idx="0">
+                    <a:schemeClr val="accent1"/>
+                  </a:effectRef>
+                  <a:fontRef idx="minor">
+                    <a:schemeClr val="lt1"/>
+                  </a:fontRef>
+                </p:style>
+                <p:txBody>
+                  <a:bodyPr rtlCol="0" anchor="ctr"/>
+                  <a:lstStyle/>
+                  <a:p>
+                    <a:pPr algn="ctr"/>
+                    <a:endParaRPr kumimoji="1" lang="ja-JP" altLang="en-US" dirty="0"/>
+                  </a:p>
+                </p:txBody>
+              </p:sp>
+              <p:sp>
+                <p:nvSpPr>
+                  <p:cNvPr id="50" name="楕円 49">
+                    <a:extLst>
+                      <a:ext uri="{FF2B5EF4-FFF2-40B4-BE49-F238E27FC236}">
+                        <a16:creationId xmlns:a16="http://schemas.microsoft.com/office/drawing/2014/main" id="{20465767-DF12-7516-F086-FBEB895DC1DE}"/>
+                      </a:ext>
+                    </a:extLst>
+                  </p:cNvPr>
+                  <p:cNvSpPr/>
+                  <p:nvPr/>
+                </p:nvSpPr>
+                <p:spPr>
+                  <a:xfrm>
+                    <a:off x="4173478" y="6594556"/>
+                    <a:ext cx="243267" cy="255363"/>
+                  </a:xfrm>
+                  <a:prstGeom prst="ellipse">
+                    <a:avLst/>
+                  </a:prstGeom>
+                  <a:solidFill>
+                    <a:schemeClr val="tx1"/>
+                  </a:solidFill>
+                  <a:ln>
+                    <a:noFill/>
+                  </a:ln>
+                </p:spPr>
+                <p:style>
+                  <a:lnRef idx="2">
+                    <a:schemeClr val="accent1">
+                      <a:shade val="15000"/>
+                    </a:schemeClr>
+                  </a:lnRef>
+                  <a:fillRef idx="1">
+                    <a:schemeClr val="accent1"/>
+                  </a:fillRef>
+                  <a:effectRef idx="0">
+                    <a:schemeClr val="accent1"/>
+                  </a:effectRef>
+                  <a:fontRef idx="minor">
+                    <a:schemeClr val="lt1"/>
+                  </a:fontRef>
+                </p:style>
+                <p:txBody>
+                  <a:bodyPr rtlCol="0" anchor="ctr"/>
+                  <a:lstStyle/>
+                  <a:p>
+                    <a:pPr algn="ctr"/>
+                    <a:endParaRPr lang="ja-JP" altLang="en-US" sz="6860"/>
+                  </a:p>
+                </p:txBody>
+              </p:sp>
+              <p:sp>
+                <p:nvSpPr>
+                  <p:cNvPr id="51" name="楕円 50">
+                    <a:extLst>
+                      <a:ext uri="{FF2B5EF4-FFF2-40B4-BE49-F238E27FC236}">
+                        <a16:creationId xmlns:a16="http://schemas.microsoft.com/office/drawing/2014/main" id="{58D07D31-C2ED-5517-BACA-1F138087E219}"/>
+                      </a:ext>
+                    </a:extLst>
+                  </p:cNvPr>
+                  <p:cNvSpPr/>
+                  <p:nvPr/>
+                </p:nvSpPr>
+                <p:spPr>
+                  <a:xfrm>
+                    <a:off x="4173478" y="6180022"/>
+                    <a:ext cx="243267" cy="255363"/>
+                  </a:xfrm>
+                  <a:prstGeom prst="ellipse">
+                    <a:avLst/>
+                  </a:prstGeom>
+                  <a:solidFill>
+                    <a:schemeClr val="bg1"/>
+                  </a:solidFill>
+                  <a:ln>
+                    <a:solidFill>
+                      <a:schemeClr val="tx1"/>
+                    </a:solidFill>
+                  </a:ln>
+                </p:spPr>
+                <p:style>
+                  <a:lnRef idx="2">
+                    <a:schemeClr val="accent1">
+                      <a:shade val="15000"/>
+                    </a:schemeClr>
+                  </a:lnRef>
+                  <a:fillRef idx="1">
+                    <a:schemeClr val="accent1"/>
+                  </a:fillRef>
+                  <a:effectRef idx="0">
+                    <a:schemeClr val="accent1"/>
+                  </a:effectRef>
+                  <a:fontRef idx="minor">
+                    <a:schemeClr val="lt1"/>
+                  </a:fontRef>
+                </p:style>
+                <p:txBody>
+                  <a:bodyPr rtlCol="0" anchor="ctr"/>
+                  <a:lstStyle/>
+                  <a:p>
+                    <a:pPr algn="ctr"/>
+                    <a:endParaRPr lang="ja-JP" altLang="en-US" sz="6860"/>
+                  </a:p>
+                </p:txBody>
+              </p:sp>
+              <p:sp>
+                <p:nvSpPr>
+                  <p:cNvPr id="55" name="テキスト ボックス 54">
+                    <a:extLst>
+                      <a:ext uri="{FF2B5EF4-FFF2-40B4-BE49-F238E27FC236}">
+                        <a16:creationId xmlns:a16="http://schemas.microsoft.com/office/drawing/2014/main" id="{AE6EF248-1E5D-188F-C963-4143416C8FC9}"/>
+                      </a:ext>
+                    </a:extLst>
+                  </p:cNvPr>
+                  <p:cNvSpPr txBox="1"/>
+                  <p:nvPr/>
+                </p:nvSpPr>
+                <p:spPr>
+                  <a:xfrm>
+                    <a:off x="4577444" y="678179"/>
+                    <a:ext cx="1640010" cy="511807"/>
+                  </a:xfrm>
+                  <a:prstGeom prst="rect">
+                    <a:avLst/>
+                  </a:prstGeom>
+                  <a:noFill/>
+                </p:spPr>
+                <p:txBody>
+                  <a:bodyPr wrap="square" rtlCol="0">
+                    <a:spAutoFit/>
+                  </a:bodyPr>
+                  <a:lstStyle/>
+                  <a:p>
+                    <a:pPr algn="ctr"/>
+                    <a:r>
+                      <a:rPr lang="ja-JP" altLang="en-US" sz="2726" dirty="0"/>
+                      <a:t>粗利潤</a:t>
+                    </a:r>
+                  </a:p>
+                </p:txBody>
+              </p:sp>
+              <p:sp>
+                <p:nvSpPr>
+                  <p:cNvPr id="56" name="テキスト ボックス 55">
+                    <a:extLst>
+                      <a:ext uri="{FF2B5EF4-FFF2-40B4-BE49-F238E27FC236}">
+                        <a16:creationId xmlns:a16="http://schemas.microsoft.com/office/drawing/2014/main" id="{1F111773-DD11-7B26-B61A-0BD49B59527B}"/>
+                      </a:ext>
+                    </a:extLst>
+                  </p:cNvPr>
+                  <p:cNvSpPr txBox="1"/>
+                  <p:nvPr/>
+                </p:nvSpPr>
+                <p:spPr>
+                  <a:xfrm>
+                    <a:off x="4416745" y="6732464"/>
+                    <a:ext cx="2015671" cy="511807"/>
+                  </a:xfrm>
+                  <a:prstGeom prst="rect">
+                    <a:avLst/>
+                  </a:prstGeom>
+                  <a:noFill/>
+                </p:spPr>
+                <p:txBody>
+                  <a:bodyPr wrap="square" rtlCol="0">
+                    <a:spAutoFit/>
+                  </a:bodyPr>
+                  <a:lstStyle/>
+                  <a:p>
+                    <a:pPr algn="ctr"/>
+                    <a:r>
+                      <a:rPr lang="ja-JP" altLang="en-US" sz="2726" dirty="0"/>
+                      <a:t>最適調整量</a:t>
+                    </a:r>
+                  </a:p>
+                </p:txBody>
+              </p:sp>
+            </p:grpSp>
+            <p:sp>
+              <p:nvSpPr>
+                <p:cNvPr id="59" name="テキスト ボックス 58">
+                  <a:extLst>
+                    <a:ext uri="{FF2B5EF4-FFF2-40B4-BE49-F238E27FC236}">
+                      <a16:creationId xmlns:a16="http://schemas.microsoft.com/office/drawing/2014/main" id="{7543FB55-BC7A-D6C0-9CC8-8166AB7BA95B}"/>
+                    </a:ext>
+                  </a:extLst>
+                </p:cNvPr>
+                <p:cNvSpPr txBox="1"/>
+                <p:nvPr/>
+              </p:nvSpPr>
+              <p:spPr>
+                <a:xfrm>
+                  <a:off x="7118362" y="3158234"/>
+                  <a:ext cx="2015671" cy="931281"/>
+                </a:xfrm>
+                <a:prstGeom prst="rect">
+                  <a:avLst/>
+                </a:prstGeom>
+                <a:noFill/>
+              </p:spPr>
+              <p:txBody>
+                <a:bodyPr wrap="square" rtlCol="0">
+                  <a:spAutoFit/>
+                </a:bodyPr>
+                <a:lstStyle/>
+                <a:p>
+                  <a:pPr algn="ctr"/>
+                  <a:r>
+                    <a:rPr lang="ja-JP" altLang="en-US" sz="2726" dirty="0"/>
+                    <a:t>最適調整量</a:t>
+                  </a:r>
+                  <a:br>
+                    <a:rPr lang="en-US" altLang="ja-JP" sz="2726" dirty="0"/>
+                  </a:br>
+                  <a:r>
+                    <a:rPr lang="ja-JP" altLang="en-US" sz="2726" dirty="0"/>
+                    <a:t>での純利潤</a:t>
+                  </a:r>
+                </a:p>
+              </p:txBody>
+            </p:sp>
+            <p:cxnSp>
+              <p:nvCxnSpPr>
+                <p:cNvPr id="60" name="直線コネクタ 59">
+                  <a:extLst>
+                    <a:ext uri="{FF2B5EF4-FFF2-40B4-BE49-F238E27FC236}">
+                      <a16:creationId xmlns:a16="http://schemas.microsoft.com/office/drawing/2014/main" id="{81987A6C-A674-9DE9-1C6F-E5345615C536}"/>
+                    </a:ext>
+                  </a:extLst>
+                </p:cNvPr>
+                <p:cNvCxnSpPr>
+                  <a:cxnSpLocks/>
+                  <a:stCxn id="59" idx="1"/>
+                </p:cNvCxnSpPr>
+                <p:nvPr/>
+              </p:nvCxnSpPr>
+              <p:spPr>
+                <a:xfrm flipH="1">
+                  <a:off x="4906444" y="3623875"/>
+                  <a:ext cx="2211918" cy="102233"/>
+                </a:xfrm>
+                <a:prstGeom prst="line">
+                  <a:avLst/>
+                </a:prstGeom>
+                <a:ln w="12700">
+                  <a:solidFill>
+                    <a:srgbClr val="C00000"/>
+                  </a:solidFill>
+                  <a:prstDash val="solid"/>
+                </a:ln>
+              </p:spPr>
+              <p:style>
+                <a:lnRef idx="1">
+                  <a:schemeClr val="accent1"/>
+                </a:lnRef>
+                <a:fillRef idx="0">
+                  <a:schemeClr val="accent1"/>
+                </a:fillRef>
+                <a:effectRef idx="0">
+                  <a:schemeClr val="accent1"/>
+                </a:effectRef>
+                <a:fontRef idx="minor">
+                  <a:schemeClr val="tx1"/>
+                </a:fontRef>
+              </p:style>
+            </p:cxnSp>
+          </p:grpSp>
+          <p:sp>
+            <p:nvSpPr>
+              <p:cNvPr id="84" name="テキスト ボックス 83">
+                <a:extLst>
+                  <a:ext uri="{FF2B5EF4-FFF2-40B4-BE49-F238E27FC236}">
+                    <a16:creationId xmlns:a16="http://schemas.microsoft.com/office/drawing/2014/main" id="{5C5F628B-2042-C837-C1BC-64EEF85517ED}"/>
+                  </a:ext>
+                </a:extLst>
+              </p:cNvPr>
+              <p:cNvSpPr txBox="1"/>
+              <p:nvPr/>
+            </p:nvSpPr>
+            <p:spPr>
+              <a:xfrm>
+                <a:off x="3943400" y="-364450"/>
+                <a:ext cx="2345973" cy="511807"/>
+              </a:xfrm>
+              <a:prstGeom prst="rect">
+                <a:avLst/>
+              </a:prstGeom>
+              <a:noFill/>
+            </p:spPr>
+            <p:txBody>
+              <a:bodyPr wrap="square" rtlCol="0">
+                <a:spAutoFit/>
+              </a:bodyPr>
+              <a:lstStyle/>
+              <a:p>
+                <a:pPr algn="ctr"/>
+                <a:r>
+                  <a:rPr lang="ja-JP" altLang="en-US" sz="2726" dirty="0"/>
+                  <a:t>低い調整費用</a:t>
+                </a:r>
+              </a:p>
+            </p:txBody>
+          </p:sp>
+        </p:grpSp>
+        <p:grpSp>
+          <p:nvGrpSpPr>
+            <p:cNvPr id="87" name="グループ化 86">
+              <a:extLst>
+                <a:ext uri="{FF2B5EF4-FFF2-40B4-BE49-F238E27FC236}">
+                  <a16:creationId xmlns:a16="http://schemas.microsoft.com/office/drawing/2014/main" id="{BAA21B48-E724-A39F-6C9F-33371B1F537A}"/>
+                </a:ext>
+              </a:extLst>
+            </p:cNvPr>
+            <p:cNvGrpSpPr/>
+            <p:nvPr/>
+          </p:nvGrpSpPr>
+          <p:grpSpPr>
+            <a:xfrm>
+              <a:off x="12239890" y="-1"/>
+              <a:ext cx="8586934" cy="7187758"/>
+              <a:chOff x="12239890" y="-369428"/>
+              <a:chExt cx="8586934" cy="7310883"/>
+            </a:xfrm>
+          </p:grpSpPr>
+          <p:grpSp>
+            <p:nvGrpSpPr>
+              <p:cNvPr id="65" name="グループ化 64">
+                <a:extLst>
+                  <a:ext uri="{FF2B5EF4-FFF2-40B4-BE49-F238E27FC236}">
+                    <a16:creationId xmlns:a16="http://schemas.microsoft.com/office/drawing/2014/main" id="{8CF2CFCC-4239-6911-B5A1-C75A4F8E8529}"/>
+                  </a:ext>
+                </a:extLst>
+              </p:cNvPr>
+              <p:cNvGrpSpPr/>
+              <p:nvPr/>
+            </p:nvGrpSpPr>
+            <p:grpSpPr>
+              <a:xfrm>
+                <a:off x="12239890" y="283045"/>
+                <a:ext cx="8586934" cy="6658410"/>
+                <a:chOff x="2137947" y="594627"/>
+                <a:chExt cx="8586934" cy="6658411"/>
+              </a:xfrm>
+            </p:grpSpPr>
+            <p:grpSp>
+              <p:nvGrpSpPr>
+                <p:cNvPr id="68" name="グループ化 67">
+                  <a:extLst>
+                    <a:ext uri="{FF2B5EF4-FFF2-40B4-BE49-F238E27FC236}">
+                      <a16:creationId xmlns:a16="http://schemas.microsoft.com/office/drawing/2014/main" id="{46BDBB3D-26FE-7967-8B9D-B7682BA77B2E}"/>
+                    </a:ext>
+                  </a:extLst>
+                </p:cNvPr>
+                <p:cNvGrpSpPr/>
+                <p:nvPr/>
+              </p:nvGrpSpPr>
+              <p:grpSpPr>
+                <a:xfrm>
+                  <a:off x="2275811" y="597389"/>
+                  <a:ext cx="8449070" cy="6636655"/>
+                  <a:chOff x="4233612" y="475140"/>
+                  <a:chExt cx="4338932" cy="3014508"/>
+                </a:xfrm>
+              </p:grpSpPr>
+              <p:grpSp>
+                <p:nvGrpSpPr>
+                  <p:cNvPr id="75" name="グループ化 74">
+                    <a:extLst>
+                      <a:ext uri="{FF2B5EF4-FFF2-40B4-BE49-F238E27FC236}">
+                        <a16:creationId xmlns:a16="http://schemas.microsoft.com/office/drawing/2014/main" id="{6DF616EA-4D0E-50AB-3A9F-DC1DA7C4226C}"/>
+                      </a:ext>
+                    </a:extLst>
+                  </p:cNvPr>
+                  <p:cNvGrpSpPr/>
+                  <p:nvPr/>
+                </p:nvGrpSpPr>
+                <p:grpSpPr>
+                  <a:xfrm>
+                    <a:off x="4233612" y="475140"/>
+                    <a:ext cx="4338932" cy="3014508"/>
+                    <a:chOff x="4233612" y="475140"/>
+                    <a:chExt cx="4338932" cy="3014508"/>
+                  </a:xfrm>
+                </p:grpSpPr>
+                <p:grpSp>
+                  <p:nvGrpSpPr>
+                    <p:cNvPr id="77" name="グループ化 76">
+                      <a:extLst>
+                        <a:ext uri="{FF2B5EF4-FFF2-40B4-BE49-F238E27FC236}">
+                          <a16:creationId xmlns:a16="http://schemas.microsoft.com/office/drawing/2014/main" id="{5F363F97-5B65-E524-501D-DF2670B2E4CF}"/>
+                        </a:ext>
+                      </a:extLst>
+                    </p:cNvPr>
+                    <p:cNvGrpSpPr/>
+                    <p:nvPr/>
+                  </p:nvGrpSpPr>
+                  <p:grpSpPr>
+                    <a:xfrm>
+                      <a:off x="4233612" y="475140"/>
+                      <a:ext cx="4338932" cy="2865264"/>
+                      <a:chOff x="5642811" y="552083"/>
+                      <a:chExt cx="4338932" cy="2865264"/>
+                    </a:xfrm>
+                  </p:grpSpPr>
+                  <p:cxnSp>
+                    <p:nvCxnSpPr>
+                      <p:cNvPr id="80" name="直線矢印コネクタ 79">
+                        <a:extLst>
+                          <a:ext uri="{FF2B5EF4-FFF2-40B4-BE49-F238E27FC236}">
+                            <a16:creationId xmlns:a16="http://schemas.microsoft.com/office/drawing/2014/main" id="{BFB14C71-E1D0-AB22-F020-86570154A952}"/>
+                          </a:ext>
+                        </a:extLst>
+                      </p:cNvPr>
+                      <p:cNvCxnSpPr>
+                        <a:cxnSpLocks/>
+                      </p:cNvCxnSpPr>
+                      <p:nvPr/>
+                    </p:nvCxnSpPr>
+                    <p:spPr>
+                      <a:xfrm flipV="1">
+                        <a:off x="6679802" y="552083"/>
+                        <a:ext cx="0" cy="2791326"/>
+                      </a:xfrm>
+                      <a:prstGeom prst="straightConnector1">
+                        <a:avLst/>
+                      </a:prstGeom>
+                      <a:ln w="19050">
+                        <a:solidFill>
+                          <a:schemeClr val="tx1"/>
+                        </a:solidFill>
+                        <a:headEnd type="none" w="med" len="med"/>
+                        <a:tailEnd type="arrow" w="med" len="med"/>
+                      </a:ln>
+                    </p:spPr>
+                    <p:style>
+                      <a:lnRef idx="1">
+                        <a:schemeClr val="accent1"/>
+                      </a:lnRef>
+                      <a:fillRef idx="0">
+                        <a:schemeClr val="accent1"/>
+                      </a:fillRef>
+                      <a:effectRef idx="0">
+                        <a:schemeClr val="accent1"/>
+                      </a:effectRef>
+                      <a:fontRef idx="minor">
+                        <a:schemeClr val="tx1"/>
+                      </a:fontRef>
+                    </p:style>
+                  </p:cxnSp>
+                  <p:cxnSp>
+                    <p:nvCxnSpPr>
+                      <p:cNvPr id="81" name="直線矢印コネクタ 80">
+                        <a:extLst>
+                          <a:ext uri="{FF2B5EF4-FFF2-40B4-BE49-F238E27FC236}">
+                            <a16:creationId xmlns:a16="http://schemas.microsoft.com/office/drawing/2014/main" id="{6CDFAB62-F9DA-C1DE-79D2-7682D7995B6A}"/>
+                          </a:ext>
+                        </a:extLst>
+                      </p:cNvPr>
+                      <p:cNvCxnSpPr>
+                        <a:cxnSpLocks/>
+                      </p:cNvCxnSpPr>
+                      <p:nvPr/>
+                    </p:nvCxnSpPr>
+                    <p:spPr>
+                      <a:xfrm>
+                        <a:off x="5642811" y="3338763"/>
+                        <a:ext cx="3224463" cy="0"/>
+                      </a:xfrm>
+                      <a:prstGeom prst="straightConnector1">
+                        <a:avLst/>
+                      </a:prstGeom>
+                      <a:ln w="19050">
+                        <a:solidFill>
+                          <a:schemeClr val="tx1"/>
+                        </a:solidFill>
+                        <a:headEnd type="none" w="med" len="med"/>
+                        <a:tailEnd type="arrow" w="med" len="med"/>
+                      </a:ln>
+                    </p:spPr>
+                    <p:style>
+                      <a:lnRef idx="1">
+                        <a:schemeClr val="accent1"/>
+                      </a:lnRef>
+                      <a:fillRef idx="0">
+                        <a:schemeClr val="accent1"/>
+                      </a:fillRef>
+                      <a:effectRef idx="0">
+                        <a:schemeClr val="accent1"/>
+                      </a:effectRef>
+                      <a:fontRef idx="minor">
+                        <a:schemeClr val="tx1"/>
+                      </a:fontRef>
+                    </p:style>
+                  </p:cxnSp>
+                  <p:sp>
+                    <p:nvSpPr>
+                      <p:cNvPr id="82" name="テキスト ボックス 81">
+                        <a:extLst>
+                          <a:ext uri="{FF2B5EF4-FFF2-40B4-BE49-F238E27FC236}">
+                            <a16:creationId xmlns:a16="http://schemas.microsoft.com/office/drawing/2014/main" id="{AC94053C-5173-9930-76DA-94DDBF28583C}"/>
+                          </a:ext>
+                        </a:extLst>
+                      </p:cNvPr>
+                      <p:cNvSpPr txBox="1"/>
+                      <p:nvPr/>
+                    </p:nvSpPr>
+                    <p:spPr>
+                      <a:xfrm>
+                        <a:off x="8867274" y="3184874"/>
+                        <a:ext cx="1114469" cy="232473"/>
+                      </a:xfrm>
+                      <a:prstGeom prst="rect">
+                        <a:avLst/>
+                      </a:prstGeom>
+                      <a:noFill/>
+                    </p:spPr>
+                    <p:txBody>
+                      <a:bodyPr wrap="square" rtlCol="0">
+                        <a:spAutoFit/>
+                      </a:bodyPr>
+                      <a:lstStyle/>
+                      <a:p>
+                        <a:pPr algn="ctr"/>
+                        <a:r>
+                          <a:rPr lang="ja-JP" altLang="en-US" sz="2726" dirty="0"/>
+                          <a:t>雇用調整量</a:t>
+                        </a:r>
+                      </a:p>
+                    </p:txBody>
+                  </p:sp>
+                  <p:sp>
+                    <p:nvSpPr>
+                      <p:cNvPr id="83" name="テキスト ボックス 82">
+                        <a:extLst>
+                          <a:ext uri="{FF2B5EF4-FFF2-40B4-BE49-F238E27FC236}">
+                            <a16:creationId xmlns:a16="http://schemas.microsoft.com/office/drawing/2014/main" id="{58FC5421-2713-A18B-69E2-27BBA9915233}"/>
+                          </a:ext>
+                        </a:extLst>
+                      </p:cNvPr>
+                      <p:cNvSpPr txBox="1"/>
+                      <p:nvPr/>
+                    </p:nvSpPr>
+                    <p:spPr>
+                      <a:xfrm>
+                        <a:off x="7908790" y="886400"/>
+                        <a:ext cx="842210" cy="232473"/>
+                      </a:xfrm>
+                      <a:prstGeom prst="rect">
+                        <a:avLst/>
+                      </a:prstGeom>
+                      <a:noFill/>
+                    </p:spPr>
+                    <p:txBody>
+                      <a:bodyPr wrap="square" rtlCol="0">
+                        <a:spAutoFit/>
+                      </a:bodyPr>
+                      <a:lstStyle/>
+                      <a:p>
+                        <a:pPr algn="ctr"/>
+                        <a:r>
+                          <a:rPr lang="ja-JP" altLang="en-US" sz="2726" dirty="0"/>
+                          <a:t>調整費用</a:t>
+                        </a:r>
+                      </a:p>
+                    </p:txBody>
+                  </p:sp>
+                </p:grpSp>
+                <p:sp>
+                  <p:nvSpPr>
+                    <p:cNvPr id="78" name="テキスト ボックス 77">
+                      <a:extLst>
+                        <a:ext uri="{FF2B5EF4-FFF2-40B4-BE49-F238E27FC236}">
+                          <a16:creationId xmlns:a16="http://schemas.microsoft.com/office/drawing/2014/main" id="{2B0A21BA-40AB-4DCC-2155-56D1DB7FB77E}"/>
+                        </a:ext>
+                      </a:extLst>
+                    </p:cNvPr>
+                    <p:cNvSpPr txBox="1"/>
+                    <p:nvPr/>
+                  </p:nvSpPr>
+                  <p:spPr>
+                    <a:xfrm>
+                      <a:off x="4850150" y="3257175"/>
+                      <a:ext cx="842210" cy="232473"/>
+                    </a:xfrm>
+                    <a:prstGeom prst="rect">
+                      <a:avLst/>
+                    </a:prstGeom>
+                    <a:noFill/>
+                  </p:spPr>
+                  <p:txBody>
+                    <a:bodyPr wrap="square" rtlCol="0">
+                      <a:spAutoFit/>
+                    </a:bodyPr>
+                    <a:lstStyle/>
+                    <a:p>
+                      <a:pPr algn="ctr"/>
+                      <a:r>
+                        <a:rPr lang="en-US" altLang="ja-JP" sz="2726" i="0" dirty="0">
+                          <a:latin typeface="+mj-lt"/>
+                        </a:rPr>
+                        <a:t>0</a:t>
+                      </a:r>
+                      <a:endParaRPr lang="ja-JP" altLang="en-US" sz="2726" dirty="0"/>
+                    </a:p>
+                  </p:txBody>
+                </p:sp>
+              </p:grpSp>
+              <p:cxnSp>
+                <p:nvCxnSpPr>
+                  <p:cNvPr id="76" name="直線コネクタ 75">
+                    <a:extLst>
+                      <a:ext uri="{FF2B5EF4-FFF2-40B4-BE49-F238E27FC236}">
+                        <a16:creationId xmlns:a16="http://schemas.microsoft.com/office/drawing/2014/main" id="{3CA2BB77-1392-B1EB-8FB2-C024E21BA702}"/>
+                      </a:ext>
+                    </a:extLst>
+                  </p:cNvPr>
+                  <p:cNvCxnSpPr>
+                    <a:cxnSpLocks/>
+                    <a:endCxn id="71" idx="0"/>
+                  </p:cNvCxnSpPr>
+                  <p:nvPr/>
+                </p:nvCxnSpPr>
+                <p:spPr>
+                  <a:xfrm flipH="1">
+                    <a:off x="5270603" y="1403387"/>
+                    <a:ext cx="4464" cy="1795792"/>
+                  </a:xfrm>
+                  <a:prstGeom prst="line">
+                    <a:avLst/>
+                  </a:prstGeom>
+                  <a:ln w="38100">
+                    <a:solidFill>
+                      <a:srgbClr val="C00000"/>
+                    </a:solidFill>
+                    <a:prstDash val="solid"/>
+                  </a:ln>
+                </p:spPr>
+                <p:style>
+                  <a:lnRef idx="1">
+                    <a:schemeClr val="accent1"/>
+                  </a:lnRef>
+                  <a:fillRef idx="0">
+                    <a:schemeClr val="accent1"/>
+                  </a:fillRef>
+                  <a:effectRef idx="0">
+                    <a:schemeClr val="accent1"/>
+                  </a:effectRef>
+                  <a:fontRef idx="minor">
+                    <a:schemeClr val="tx1"/>
+                  </a:fontRef>
+                </p:style>
+              </p:cxnSp>
+            </p:grpSp>
+            <p:sp>
+              <p:nvSpPr>
+                <p:cNvPr id="69" name="フリーフォーム: 図形 68">
+                  <a:extLst>
+                    <a:ext uri="{FF2B5EF4-FFF2-40B4-BE49-F238E27FC236}">
+                      <a16:creationId xmlns:a16="http://schemas.microsoft.com/office/drawing/2014/main" id="{776BBBC3-22A5-CBD7-89AD-B250BC8082A1}"/>
+                    </a:ext>
+                  </a:extLst>
+                </p:cNvPr>
+                <p:cNvSpPr/>
+                <p:nvPr/>
+              </p:nvSpPr>
+              <p:spPr>
+                <a:xfrm>
+                  <a:off x="2857449" y="1269709"/>
+                  <a:ext cx="5080000" cy="5718659"/>
+                </a:xfrm>
+                <a:custGeom>
+                  <a:avLst/>
+                  <a:gdLst>
+                    <a:gd name="connsiteX0" fmla="*/ 0 w 5080000"/>
+                    <a:gd name="connsiteY0" fmla="*/ 5718659 h 5718659"/>
+                    <a:gd name="connsiteX1" fmla="*/ 2554514 w 5080000"/>
+                    <a:gd name="connsiteY1" fmla="*/ 31 h 5718659"/>
+                    <a:gd name="connsiteX2" fmla="*/ 5080000 w 5080000"/>
+                    <a:gd name="connsiteY2" fmla="*/ 5653345 h 5718659"/>
+                  </a:gdLst>
+                  <a:ahLst/>
+                  <a:cxnLst>
+                    <a:cxn ang="0">
+                      <a:pos x="connsiteX0" y="connsiteY0"/>
+                    </a:cxn>
+                    <a:cxn ang="0">
+                      <a:pos x="connsiteX1" y="connsiteY1"/>
+                    </a:cxn>
+                    <a:cxn ang="0">
+                      <a:pos x="connsiteX2" y="connsiteY2"/>
+                    </a:cxn>
+                  </a:cxnLst>
+                  <a:rect l="l" t="t" r="r" b="b"/>
+                  <a:pathLst>
+                    <a:path w="5080000" h="5718659">
+                      <a:moveTo>
+                        <a:pt x="0" y="5718659"/>
+                      </a:moveTo>
+                      <a:cubicBezTo>
+                        <a:pt x="853923" y="2864788"/>
+                        <a:pt x="1707847" y="10917"/>
+                        <a:pt x="2554514" y="31"/>
+                      </a:cubicBezTo>
+                      <a:cubicBezTo>
+                        <a:pt x="3401181" y="-10855"/>
+                        <a:pt x="4240590" y="2821245"/>
+                        <a:pt x="5080000" y="5653345"/>
+                      </a:cubicBezTo>
+                    </a:path>
+                  </a:pathLst>
+                </a:custGeom>
+                <a:noFill/>
+                <a:ln w="38100">
+                  <a:solidFill>
+                    <a:schemeClr val="accent2"/>
+                  </a:solidFill>
+                </a:ln>
+              </p:spPr>
+              <p:style>
+                <a:lnRef idx="2">
+                  <a:schemeClr val="accent1">
+                    <a:shade val="15000"/>
+                  </a:schemeClr>
+                </a:lnRef>
+                <a:fillRef idx="1">
+                  <a:schemeClr val="accent1"/>
+                </a:fillRef>
+                <a:effectRef idx="0">
+                  <a:schemeClr val="accent1"/>
+                </a:effectRef>
+                <a:fontRef idx="minor">
+                  <a:schemeClr val="lt1"/>
+                </a:fontRef>
+              </p:style>
+              <p:txBody>
+                <a:bodyPr rtlCol="0" anchor="ctr"/>
+                <a:lstStyle/>
+                <a:p>
+                  <a:pPr algn="ctr"/>
+                  <a:endParaRPr kumimoji="1" lang="ja-JP" altLang="en-US"/>
+                </a:p>
+              </p:txBody>
+            </p:sp>
+            <p:sp>
+              <p:nvSpPr>
+                <p:cNvPr id="70" name="フリーフォーム: 図形 69">
+                  <a:extLst>
+                    <a:ext uri="{FF2B5EF4-FFF2-40B4-BE49-F238E27FC236}">
+                      <a16:creationId xmlns:a16="http://schemas.microsoft.com/office/drawing/2014/main" id="{A47AC03A-9638-E593-D40F-70FC55E69298}"/>
+                    </a:ext>
+                  </a:extLst>
+                </p:cNvPr>
+                <p:cNvSpPr/>
+                <p:nvPr/>
+              </p:nvSpPr>
+              <p:spPr>
+                <a:xfrm flipV="1">
+                  <a:off x="2137947" y="594627"/>
+                  <a:ext cx="4294469" cy="3965095"/>
+                </a:xfrm>
+                <a:custGeom>
+                  <a:avLst/>
+                  <a:gdLst>
+                    <a:gd name="connsiteX0" fmla="*/ 0 w 5080000"/>
+                    <a:gd name="connsiteY0" fmla="*/ 5718659 h 5718659"/>
+                    <a:gd name="connsiteX1" fmla="*/ 2554514 w 5080000"/>
+                    <a:gd name="connsiteY1" fmla="*/ 31 h 5718659"/>
+                    <a:gd name="connsiteX2" fmla="*/ 5080000 w 5080000"/>
+                    <a:gd name="connsiteY2" fmla="*/ 5653345 h 5718659"/>
+                  </a:gdLst>
+                  <a:ahLst/>
+                  <a:cxnLst>
+                    <a:cxn ang="0">
+                      <a:pos x="connsiteX0" y="connsiteY0"/>
+                    </a:cxn>
+                    <a:cxn ang="0">
+                      <a:pos x="connsiteX1" y="connsiteY1"/>
+                    </a:cxn>
+                    <a:cxn ang="0">
+                      <a:pos x="connsiteX2" y="connsiteY2"/>
+                    </a:cxn>
+                  </a:cxnLst>
+                  <a:rect l="l" t="t" r="r" b="b"/>
+                  <a:pathLst>
+                    <a:path w="5080000" h="5718659">
+                      <a:moveTo>
+                        <a:pt x="0" y="5718659"/>
+                      </a:moveTo>
+                      <a:cubicBezTo>
+                        <a:pt x="853923" y="2864788"/>
+                        <a:pt x="1707847" y="10917"/>
+                        <a:pt x="2554514" y="31"/>
+                      </a:cubicBezTo>
+                      <a:cubicBezTo>
+                        <a:pt x="3401181" y="-10855"/>
+                        <a:pt x="4240590" y="2821245"/>
+                        <a:pt x="5080000" y="5653345"/>
+                      </a:cubicBezTo>
+                    </a:path>
+                  </a:pathLst>
+                </a:custGeom>
+                <a:noFill/>
+                <a:ln w="38100">
+                  <a:solidFill>
+                    <a:schemeClr val="tx1"/>
+                  </a:solidFill>
+                </a:ln>
+              </p:spPr>
+              <p:style>
+                <a:lnRef idx="2">
+                  <a:schemeClr val="accent1">
+                    <a:shade val="15000"/>
+                  </a:schemeClr>
+                </a:lnRef>
+                <a:fillRef idx="1">
+                  <a:schemeClr val="accent1"/>
+                </a:fillRef>
+                <a:effectRef idx="0">
+                  <a:schemeClr val="accent1"/>
+                </a:effectRef>
+                <a:fontRef idx="minor">
+                  <a:schemeClr val="lt1"/>
+                </a:fontRef>
+              </p:style>
+              <p:txBody>
+                <a:bodyPr rtlCol="0" anchor="ctr"/>
+                <a:lstStyle/>
+                <a:p>
+                  <a:pPr algn="ctr"/>
+                  <a:endParaRPr kumimoji="1" lang="ja-JP" altLang="en-US"/>
+                </a:p>
+              </p:txBody>
+            </p:sp>
+            <p:sp>
+              <p:nvSpPr>
+                <p:cNvPr id="71" name="楕円 70">
+                  <a:extLst>
+                    <a:ext uri="{FF2B5EF4-FFF2-40B4-BE49-F238E27FC236}">
+                      <a16:creationId xmlns:a16="http://schemas.microsoft.com/office/drawing/2014/main" id="{84669560-ED6A-3EEF-EE52-9D5B293C5CD4}"/>
+                    </a:ext>
+                  </a:extLst>
+                </p:cNvPr>
+                <p:cNvSpPr/>
+                <p:nvPr/>
+              </p:nvSpPr>
+              <p:spPr>
+                <a:xfrm>
+                  <a:off x="4173478" y="6594556"/>
+                  <a:ext cx="243267" cy="255363"/>
+                </a:xfrm>
+                <a:prstGeom prst="ellipse">
+                  <a:avLst/>
+                </a:prstGeom>
+                <a:solidFill>
+                  <a:schemeClr val="tx1"/>
+                </a:solidFill>
+                <a:ln>
+                  <a:noFill/>
+                </a:ln>
+              </p:spPr>
+              <p:style>
+                <a:lnRef idx="2">
+                  <a:schemeClr val="accent1">
+                    <a:shade val="15000"/>
+                  </a:schemeClr>
+                </a:lnRef>
+                <a:fillRef idx="1">
+                  <a:schemeClr val="accent1"/>
+                </a:fillRef>
+                <a:effectRef idx="0">
+                  <a:schemeClr val="accent1"/>
+                </a:effectRef>
+                <a:fontRef idx="minor">
+                  <a:schemeClr val="lt1"/>
+                </a:fontRef>
+              </p:style>
+              <p:txBody>
+                <a:bodyPr rtlCol="0" anchor="ctr"/>
+                <a:lstStyle/>
+                <a:p>
+                  <a:pPr algn="ctr"/>
+                  <a:endParaRPr lang="ja-JP" altLang="en-US" sz="6860"/>
+                </a:p>
+              </p:txBody>
+            </p:sp>
+            <p:sp>
+              <p:nvSpPr>
+                <p:cNvPr id="72" name="楕円 71">
+                  <a:extLst>
+                    <a:ext uri="{FF2B5EF4-FFF2-40B4-BE49-F238E27FC236}">
+                      <a16:creationId xmlns:a16="http://schemas.microsoft.com/office/drawing/2014/main" id="{2E0E1DF0-7BEE-6792-A927-D796D9B61DB6}"/>
+                    </a:ext>
+                  </a:extLst>
+                </p:cNvPr>
+                <p:cNvSpPr/>
+                <p:nvPr/>
+              </p:nvSpPr>
+              <p:spPr>
+                <a:xfrm>
+                  <a:off x="4182172" y="4449589"/>
+                  <a:ext cx="243267" cy="255363"/>
+                </a:xfrm>
+                <a:prstGeom prst="ellipse">
+                  <a:avLst/>
+                </a:prstGeom>
+                <a:solidFill>
+                  <a:schemeClr val="bg1"/>
+                </a:solidFill>
+                <a:ln>
+                  <a:solidFill>
+                    <a:schemeClr val="tx1"/>
+                  </a:solidFill>
+                </a:ln>
+              </p:spPr>
+              <p:style>
+                <a:lnRef idx="2">
+                  <a:schemeClr val="accent1">
+                    <a:shade val="15000"/>
+                  </a:schemeClr>
+                </a:lnRef>
+                <a:fillRef idx="1">
+                  <a:schemeClr val="accent1"/>
+                </a:fillRef>
+                <a:effectRef idx="0">
+                  <a:schemeClr val="accent1"/>
+                </a:effectRef>
+                <a:fontRef idx="minor">
+                  <a:schemeClr val="lt1"/>
+                </a:fontRef>
+              </p:style>
+              <p:txBody>
+                <a:bodyPr rtlCol="0" anchor="ctr"/>
+                <a:lstStyle/>
+                <a:p>
+                  <a:pPr algn="ctr"/>
+                  <a:endParaRPr lang="ja-JP" altLang="en-US" sz="6860"/>
+                </a:p>
+              </p:txBody>
+            </p:sp>
+            <p:sp>
+              <p:nvSpPr>
+                <p:cNvPr id="73" name="テキスト ボックス 72">
+                  <a:extLst>
+                    <a:ext uri="{FF2B5EF4-FFF2-40B4-BE49-F238E27FC236}">
+                      <a16:creationId xmlns:a16="http://schemas.microsoft.com/office/drawing/2014/main" id="{13643E1A-1D42-28F3-BAB5-173C86A3ABCA}"/>
+                    </a:ext>
+                  </a:extLst>
+                </p:cNvPr>
+                <p:cNvSpPr txBox="1"/>
+                <p:nvPr/>
+              </p:nvSpPr>
+              <p:spPr>
+                <a:xfrm>
+                  <a:off x="4577444" y="678179"/>
+                  <a:ext cx="1640010" cy="511807"/>
+                </a:xfrm>
+                <a:prstGeom prst="rect">
+                  <a:avLst/>
+                </a:prstGeom>
+                <a:noFill/>
+              </p:spPr>
+              <p:txBody>
+                <a:bodyPr wrap="square" rtlCol="0">
+                  <a:spAutoFit/>
+                </a:bodyPr>
+                <a:lstStyle/>
+                <a:p>
+                  <a:pPr algn="ctr"/>
+                  <a:r>
+                    <a:rPr lang="ja-JP" altLang="en-US" sz="2726" dirty="0"/>
+                    <a:t>粗利潤</a:t>
+                  </a:r>
+                </a:p>
+              </p:txBody>
+            </p:sp>
+            <mc:AlternateContent xmlns:mc="http://schemas.openxmlformats.org/markup-compatibility/2006">
+              <mc:Choice xmlns:a14="http://schemas.microsoft.com/office/drawing/2010/main" Requires="a14">
+                <p:sp>
+                  <p:nvSpPr>
+                    <p:cNvPr id="74" name="テキスト ボックス 73">
+                      <a:extLst>
+                        <a:ext uri="{FF2B5EF4-FFF2-40B4-BE49-F238E27FC236}">
+                          <a16:creationId xmlns:a16="http://schemas.microsoft.com/office/drawing/2014/main" id="{44A3C206-3050-507A-4EFD-316CE0065780}"/>
+                        </a:ext>
+                      </a:extLst>
+                    </p:cNvPr>
+                    <p:cNvSpPr txBox="1"/>
+                    <p:nvPr/>
+                  </p:nvSpPr>
+                  <p:spPr>
+                    <a:xfrm>
+                      <a:off x="4416745" y="6732464"/>
+                      <a:ext cx="2234511" cy="520574"/>
+                    </a:xfrm>
+                    <a:prstGeom prst="rect">
+                      <a:avLst/>
+                    </a:prstGeom>
+                    <a:noFill/>
+                  </p:spPr>
+                  <p:txBody>
+                    <a:bodyPr wrap="square" rtlCol="0">
+                      <a:spAutoFit/>
+                    </a:bodyPr>
+                    <a:lstStyle/>
+                    <a:p>
+                      <a:pPr algn="ctr"/>
+                      <a14:m>
+                        <m:oMath xmlns:m="http://schemas.openxmlformats.org/officeDocument/2006/math">
+                          <m:r>
+                            <a:rPr lang="en-US" altLang="ja-JP" sz="2726" i="1" dirty="0" smtClean="0">
+                              <a:latin typeface="Cambria Math" panose="02040503050406030204" pitchFamily="18" charset="0"/>
+                            </a:rPr>
+                            <m:t>=</m:t>
+                          </m:r>
+                        </m:oMath>
+                      </a14:m>
+                      <a:r>
+                        <a:rPr lang="ja-JP" altLang="en-US" sz="2726" dirty="0"/>
+                        <a:t>最適調整量</a:t>
+                      </a:r>
+                    </a:p>
+                  </p:txBody>
+                </p:sp>
+              </mc:Choice>
+              <mc:Fallback>
+                <p:sp>
+                  <p:nvSpPr>
+                    <p:cNvPr id="74" name="テキスト ボックス 73">
+                      <a:extLst>
+                        <a:ext uri="{FF2B5EF4-FFF2-40B4-BE49-F238E27FC236}">
+                          <a16:creationId xmlns:a16="http://schemas.microsoft.com/office/drawing/2014/main" id="{44A3C206-3050-507A-4EFD-316CE0065780}"/>
+                        </a:ext>
+                      </a:extLst>
+                    </p:cNvPr>
+                    <p:cNvSpPr txBox="1">
+                      <a:spLocks noRot="1" noChangeAspect="1" noMove="1" noResize="1" noEditPoints="1" noAdjustHandles="1" noChangeArrowheads="1" noChangeShapeType="1" noTextEdit="1"/>
+                    </p:cNvSpPr>
+                    <p:nvPr/>
+                  </p:nvSpPr>
+                  <p:spPr>
+                    <a:xfrm>
+                      <a:off x="4416745" y="6732464"/>
+                      <a:ext cx="2234511" cy="520574"/>
+                    </a:xfrm>
+                    <a:prstGeom prst="rect">
+                      <a:avLst/>
+                    </a:prstGeom>
+                    <a:blipFill>
+                      <a:blip r:embed="rId3"/>
+                      <a:stretch>
+                        <a:fillRect t="-10714" r="-3815" b="-32143"/>
+                      </a:stretch>
+                    </a:blipFill>
+                  </p:spPr>
+                  <p:txBody>
+                    <a:bodyPr/>
+                    <a:lstStyle/>
+                    <a:p>
+                      <a:r>
+                        <a:rPr lang="ja-JP" altLang="en-US">
+                          <a:noFill/>
+                        </a:rPr>
+                        <a:t> </a:t>
+                      </a:r>
+                    </a:p>
+                  </p:txBody>
+                </p:sp>
+              </mc:Fallback>
+            </mc:AlternateContent>
+          </p:grpSp>
+          <p:sp>
+            <p:nvSpPr>
+              <p:cNvPr id="86" name="テキスト ボックス 85">
+                <a:extLst>
+                  <a:ext uri="{FF2B5EF4-FFF2-40B4-BE49-F238E27FC236}">
+                    <a16:creationId xmlns:a16="http://schemas.microsoft.com/office/drawing/2014/main" id="{C6EF88D1-72A1-DD72-1F94-68FDA3372119}"/>
+                  </a:ext>
+                </a:extLst>
+              </p:cNvPr>
+              <p:cNvSpPr txBox="1"/>
+              <p:nvPr/>
+            </p:nvSpPr>
+            <p:spPr>
+              <a:xfrm>
+                <a:off x="14045343" y="-369428"/>
+                <a:ext cx="2345973" cy="511807"/>
+              </a:xfrm>
+              <a:prstGeom prst="rect">
+                <a:avLst/>
+              </a:prstGeom>
+              <a:noFill/>
+            </p:spPr>
+            <p:txBody>
+              <a:bodyPr wrap="square" rtlCol="0">
+                <a:spAutoFit/>
+              </a:bodyPr>
+              <a:lstStyle/>
+              <a:p>
+                <a:pPr algn="ctr"/>
+                <a:r>
+                  <a:rPr lang="ja-JP" altLang="en-US" sz="2726" dirty="0"/>
+                  <a:t>高い調整費用</a:t>
+                </a:r>
+              </a:p>
+            </p:txBody>
+          </p:sp>
+        </p:grpSp>
+      </p:grpSp>
+    </p:spTree>
+    <p:extLst>
+      <p:ext uri="{BB962C8B-B14F-4D97-AF65-F5344CB8AC3E}">
+        <p14:creationId xmlns:p14="http://schemas.microsoft.com/office/powerpoint/2010/main" val="1077799180"/>
       </p:ext>
     </p:extLst>
   </p:cSld>
@@ -18950,8 +21979,8 @@
             </p:txBody>
           </p:sp>
         </p:grpSp>
-        <mc:AlternateContent xmlns:mc="http://schemas.openxmlformats.org/markup-compatibility/2006">
-          <mc:Choice xmlns:a14="http://schemas.microsoft.com/office/drawing/2010/main" Requires="a14">
+        <mc:AlternateContent xmlns:mc="http://schemas.openxmlformats.org/markup-compatibility/2006" xmlns:a14="http://schemas.microsoft.com/office/drawing/2010/main">
+          <mc:Choice Requires="a14">
             <p:sp>
               <p:nvSpPr>
                 <p:cNvPr id="2" name="テキスト ボックス 1">
@@ -19020,7 +22049,7 @@
               </p:txBody>
             </p:sp>
           </mc:Choice>
-          <mc:Fallback>
+          <mc:Fallback xmlns="">
             <p:sp>
               <p:nvSpPr>
                 <p:cNvPr id="2" name="テキスト ボックス 1">
@@ -19109,8 +22138,8 @@
             </a:fontRef>
           </p:style>
         </p:cxnSp>
-        <mc:AlternateContent xmlns:mc="http://schemas.openxmlformats.org/markup-compatibility/2006">
-          <mc:Choice xmlns:a14="http://schemas.microsoft.com/office/drawing/2010/main" Requires="a14">
+        <mc:AlternateContent xmlns:mc="http://schemas.openxmlformats.org/markup-compatibility/2006" xmlns:a14="http://schemas.microsoft.com/office/drawing/2010/main">
+          <mc:Choice Requires="a14">
             <p:sp>
               <p:nvSpPr>
                 <p:cNvPr id="13" name="テキスト ボックス 12">
@@ -19179,7 +22208,7 @@
               </p:txBody>
             </p:sp>
           </mc:Choice>
-          <mc:Fallback>
+          <mc:Fallback xmlns="">
             <p:sp>
               <p:nvSpPr>
                 <p:cNvPr id="13" name="テキスト ボックス 12">
@@ -20380,8 +23409,8 @@
               </p:txBody>
             </p:sp>
           </p:grpSp>
-          <mc:AlternateContent xmlns:mc="http://schemas.openxmlformats.org/markup-compatibility/2006">
-            <mc:Choice xmlns:a14="http://schemas.microsoft.com/office/drawing/2010/main" Requires="a14">
+          <mc:AlternateContent xmlns:mc="http://schemas.openxmlformats.org/markup-compatibility/2006" xmlns:a14="http://schemas.microsoft.com/office/drawing/2010/main">
+            <mc:Choice Requires="a14">
               <p:sp>
                 <p:nvSpPr>
                   <p:cNvPr id="24" name="テキスト ボックス 23">
@@ -20450,7 +23479,7 @@
                 </p:txBody>
               </p:sp>
             </mc:Choice>
-            <mc:Fallback>
+            <mc:Fallback xmlns="">
               <p:sp>
                 <p:nvSpPr>
                   <p:cNvPr id="24" name="テキスト ボックス 23">
@@ -20539,8 +23568,8 @@
               </a:fontRef>
             </p:style>
           </p:cxnSp>
-          <mc:AlternateContent xmlns:mc="http://schemas.openxmlformats.org/markup-compatibility/2006">
-            <mc:Choice xmlns:a14="http://schemas.microsoft.com/office/drawing/2010/main" Requires="a14">
+          <mc:AlternateContent xmlns:mc="http://schemas.openxmlformats.org/markup-compatibility/2006" xmlns:a14="http://schemas.microsoft.com/office/drawing/2010/main">
+            <mc:Choice Requires="a14">
               <p:sp>
                 <p:nvSpPr>
                   <p:cNvPr id="26" name="テキスト ボックス 25">
@@ -20609,7 +23638,7 @@
                 </p:txBody>
               </p:sp>
             </mc:Choice>
-            <mc:Fallback>
+            <mc:Fallback xmlns="">
               <p:sp>
                 <p:nvSpPr>
                   <p:cNvPr id="26" name="テキスト ボックス 25">
@@ -21291,8 +24320,8 @@
               </a:p>
             </p:txBody>
           </p:sp>
-          <mc:AlternateContent xmlns:mc="http://schemas.openxmlformats.org/markup-compatibility/2006">
-            <mc:Choice xmlns:a14="http://schemas.microsoft.com/office/drawing/2010/main" Requires="a14">
+          <mc:AlternateContent xmlns:mc="http://schemas.openxmlformats.org/markup-compatibility/2006" xmlns:a14="http://schemas.microsoft.com/office/drawing/2010/main">
+            <mc:Choice Requires="a14">
               <p:sp>
                 <p:nvSpPr>
                   <p:cNvPr id="5" name="テキスト ボックス 4">
@@ -21361,7 +24390,7 @@
                 </p:txBody>
               </p:sp>
             </mc:Choice>
-            <mc:Fallback>
+            <mc:Fallback xmlns="">
               <p:sp>
                 <p:nvSpPr>
                   <p:cNvPr id="5" name="テキスト ボックス 4">
@@ -21450,8 +24479,8 @@
               </a:fontRef>
             </p:style>
           </p:cxnSp>
-          <mc:AlternateContent xmlns:mc="http://schemas.openxmlformats.org/markup-compatibility/2006">
-            <mc:Choice xmlns:a14="http://schemas.microsoft.com/office/drawing/2010/main" Requires="a14">
+          <mc:AlternateContent xmlns:mc="http://schemas.openxmlformats.org/markup-compatibility/2006" xmlns:a14="http://schemas.microsoft.com/office/drawing/2010/main">
+            <mc:Choice Requires="a14">
               <p:sp>
                 <p:nvSpPr>
                   <p:cNvPr id="13" name="テキスト ボックス 12">
@@ -21520,7 +24549,7 @@
                 </p:txBody>
               </p:sp>
             </mc:Choice>
-            <mc:Fallback>
+            <mc:Fallback xmlns="">
               <p:sp>
                 <p:nvSpPr>
                   <p:cNvPr id="13" name="テキスト ボックス 12">
@@ -21610,8 +24639,8 @@
               </a:fontRef>
             </p:style>
           </p:cxnSp>
-          <mc:AlternateContent xmlns:mc="http://schemas.openxmlformats.org/markup-compatibility/2006">
-            <mc:Choice xmlns:a14="http://schemas.microsoft.com/office/drawing/2010/main" Requires="a14">
+          <mc:AlternateContent xmlns:mc="http://schemas.openxmlformats.org/markup-compatibility/2006" xmlns:a14="http://schemas.microsoft.com/office/drawing/2010/main">
+            <mc:Choice Requires="a14">
               <p:sp>
                 <p:nvSpPr>
                   <p:cNvPr id="23" name="テキスト ボックス 22">
@@ -21680,7 +24709,7 @@
                 </p:txBody>
               </p:sp>
             </mc:Choice>
-            <mc:Fallback>
+            <mc:Fallback xmlns="">
               <p:sp>
                 <p:nvSpPr>
                   <p:cNvPr id="23" name="テキスト ボックス 22">
@@ -21769,8 +24798,8 @@
               </a:fontRef>
             </p:style>
           </p:cxnSp>
-          <mc:AlternateContent xmlns:mc="http://schemas.openxmlformats.org/markup-compatibility/2006">
-            <mc:Choice xmlns:a14="http://schemas.microsoft.com/office/drawing/2010/main" Requires="a14">
+          <mc:AlternateContent xmlns:mc="http://schemas.openxmlformats.org/markup-compatibility/2006" xmlns:a14="http://schemas.microsoft.com/office/drawing/2010/main">
+            <mc:Choice Requires="a14">
               <p:sp>
                 <p:nvSpPr>
                   <p:cNvPr id="25" name="テキスト ボックス 24">
@@ -21839,7 +24868,7 @@
                 </p:txBody>
               </p:sp>
             </mc:Choice>
-            <mc:Fallback>
+            <mc:Fallback xmlns="">
               <p:sp>
                 <p:nvSpPr>
                   <p:cNvPr id="25" name="テキスト ボックス 24">
@@ -22009,8 +25038,8 @@
             </a:fontRef>
           </p:style>
         </p:cxnSp>
-        <mc:AlternateContent xmlns:mc="http://schemas.openxmlformats.org/markup-compatibility/2006">
-          <mc:Choice xmlns:a14="http://schemas.microsoft.com/office/drawing/2010/main" Requires="a14">
+        <mc:AlternateContent xmlns:mc="http://schemas.openxmlformats.org/markup-compatibility/2006" xmlns:a14="http://schemas.microsoft.com/office/drawing/2010/main">
+          <mc:Choice Requires="a14">
             <p:sp>
               <p:nvSpPr>
                 <p:cNvPr id="76" name="テキスト ボックス 75">
@@ -22079,7 +25108,7 @@
               </p:txBody>
             </p:sp>
           </mc:Choice>
-          <mc:Fallback>
+          <mc:Fallback xmlns="">
             <p:sp>
               <p:nvSpPr>
                 <p:cNvPr id="76" name="テキスト ボックス 75">
@@ -22624,8 +25653,8 @@
               </a:p>
             </p:txBody>
           </p:sp>
-          <mc:AlternateContent xmlns:mc="http://schemas.openxmlformats.org/markup-compatibility/2006">
-            <mc:Choice xmlns:a14="http://schemas.microsoft.com/office/drawing/2010/main" Requires="a14">
+          <mc:AlternateContent xmlns:mc="http://schemas.openxmlformats.org/markup-compatibility/2006" xmlns:a14="http://schemas.microsoft.com/office/drawing/2010/main">
+            <mc:Choice Requires="a14">
               <p:sp>
                 <p:nvSpPr>
                   <p:cNvPr id="42" name="テキスト ボックス 41">
@@ -22694,7 +25723,7 @@
                 </p:txBody>
               </p:sp>
             </mc:Choice>
-            <mc:Fallback>
+            <mc:Fallback xmlns="">
               <p:sp>
                 <p:nvSpPr>
                   <p:cNvPr id="42" name="テキスト ボックス 41">
@@ -22783,8 +25812,8 @@
               </a:fontRef>
             </p:style>
           </p:cxnSp>
-          <mc:AlternateContent xmlns:mc="http://schemas.openxmlformats.org/markup-compatibility/2006">
-            <mc:Choice xmlns:a14="http://schemas.microsoft.com/office/drawing/2010/main" Requires="a14">
+          <mc:AlternateContent xmlns:mc="http://schemas.openxmlformats.org/markup-compatibility/2006" xmlns:a14="http://schemas.microsoft.com/office/drawing/2010/main">
+            <mc:Choice Requires="a14">
               <p:sp>
                 <p:nvSpPr>
                   <p:cNvPr id="44" name="テキスト ボックス 43">
@@ -22853,7 +25882,7 @@
                 </p:txBody>
               </p:sp>
             </mc:Choice>
-            <mc:Fallback>
+            <mc:Fallback xmlns="">
               <p:sp>
                 <p:nvSpPr>
                   <p:cNvPr id="44" name="テキスト ボックス 43">
@@ -22942,8 +25971,8 @@
               </a:fontRef>
             </p:style>
           </p:cxnSp>
-          <mc:AlternateContent xmlns:mc="http://schemas.openxmlformats.org/markup-compatibility/2006">
-            <mc:Choice xmlns:a14="http://schemas.microsoft.com/office/drawing/2010/main" Requires="a14">
+          <mc:AlternateContent xmlns:mc="http://schemas.openxmlformats.org/markup-compatibility/2006" xmlns:a14="http://schemas.microsoft.com/office/drawing/2010/main">
+            <mc:Choice Requires="a14">
               <p:sp>
                 <p:nvSpPr>
                   <p:cNvPr id="46" name="テキスト ボックス 45">
@@ -23012,7 +26041,7 @@
                 </p:txBody>
               </p:sp>
             </mc:Choice>
-            <mc:Fallback>
+            <mc:Fallback xmlns="">
               <p:sp>
                 <p:nvSpPr>
                   <p:cNvPr id="46" name="テキスト ボックス 45">
@@ -23101,8 +26130,8 @@
               </a:fontRef>
             </p:style>
           </p:cxnSp>
-          <mc:AlternateContent xmlns:mc="http://schemas.openxmlformats.org/markup-compatibility/2006">
-            <mc:Choice xmlns:a14="http://schemas.microsoft.com/office/drawing/2010/main" Requires="a14">
+          <mc:AlternateContent xmlns:mc="http://schemas.openxmlformats.org/markup-compatibility/2006" xmlns:a14="http://schemas.microsoft.com/office/drawing/2010/main">
+            <mc:Choice Requires="a14">
               <p:sp>
                 <p:nvSpPr>
                   <p:cNvPr id="48" name="テキスト ボックス 47">
@@ -23171,7 +26200,7 @@
                 </p:txBody>
               </p:sp>
             </mc:Choice>
-            <mc:Fallback>
+            <mc:Fallback xmlns="">
               <p:sp>
                 <p:nvSpPr>
                   <p:cNvPr id="48" name="テキスト ボックス 47">

--- a/images/labor_fig.pptx
+++ b/images/labor_fig.pptx
@@ -5,7 +5,7 @@
     <p:sldMasterId id="2147483660" r:id="rId1"/>
   </p:sldMasterIdLst>
   <p:notesMasterIdLst>
-    <p:notesMasterId r:id="rId23"/>
+    <p:notesMasterId r:id="rId25"/>
   </p:notesMasterIdLst>
   <p:sldIdLst>
     <p:sldId id="256" r:id="rId2"/>
@@ -28,7 +28,9 @@
     <p:sldId id="274" r:id="rId19"/>
     <p:sldId id="275" r:id="rId20"/>
     <p:sldId id="276" r:id="rId21"/>
-    <p:sldId id="277" r:id="rId22"/>
+    <p:sldId id="278" r:id="rId22"/>
+    <p:sldId id="277" r:id="rId23"/>
+    <p:sldId id="279" r:id="rId24"/>
   </p:sldIdLst>
   <p:sldSz cx="23039388" cy="7199313"/>
   <p:notesSz cx="6858000" cy="9144000"/>
@@ -11949,7 +11951,7 @@
           <a:p>
             <a:fld id="{563A7CF2-AB3E-47DB-A90F-A00729506E41}" type="datetimeFigureOut">
               <a:rPr kumimoji="1" lang="ja-JP" altLang="en-US" smtClean="0"/>
-              <a:t>2025/9/29</a:t>
+              <a:t>2025/10/1</a:t>
             </a:fld>
             <a:endParaRPr kumimoji="1" lang="ja-JP" altLang="en-US"/>
           </a:p>
@@ -12402,7 +12404,7 @@
           <a:p>
             <a:fld id="{8F778AB5-BCE3-4D9C-B3BD-AA3C50FF4458}" type="slidenum">
               <a:rPr kumimoji="1" lang="ja-JP" altLang="en-US" smtClean="0"/>
-              <a:t>21</a:t>
+              <a:t>22</a:t>
             </a:fld>
             <a:endParaRPr kumimoji="1" lang="ja-JP" altLang="en-US"/>
           </a:p>
@@ -12576,7 +12578,7 @@
           <a:p>
             <a:fld id="{05853D61-8A19-4B35-BDA8-1C18B2B00FED}" type="datetimeFigureOut">
               <a:rPr kumimoji="1" lang="ja-JP" altLang="en-US" smtClean="0"/>
-              <a:t>2025/9/29</a:t>
+              <a:t>2025/10/1</a:t>
             </a:fld>
             <a:endParaRPr kumimoji="1" lang="ja-JP" altLang="en-US"/>
           </a:p>
@@ -12760,7 +12762,7 @@
           <a:p>
             <a:fld id="{05853D61-8A19-4B35-BDA8-1C18B2B00FED}" type="datetimeFigureOut">
               <a:rPr kumimoji="1" lang="ja-JP" altLang="en-US" smtClean="0"/>
-              <a:t>2025/9/29</a:t>
+              <a:t>2025/10/1</a:t>
             </a:fld>
             <a:endParaRPr kumimoji="1" lang="ja-JP" altLang="en-US"/>
           </a:p>
@@ -12977,7 +12979,7 @@
           <a:p>
             <a:fld id="{05853D61-8A19-4B35-BDA8-1C18B2B00FED}" type="datetimeFigureOut">
               <a:rPr kumimoji="1" lang="ja-JP" altLang="en-US" smtClean="0"/>
-              <a:t>2025/9/29</a:t>
+              <a:t>2025/10/1</a:t>
             </a:fld>
             <a:endParaRPr kumimoji="1" lang="ja-JP" altLang="en-US"/>
           </a:p>
@@ -13267,7 +13269,7 @@
           <a:p>
             <a:fld id="{05853D61-8A19-4B35-BDA8-1C18B2B00FED}" type="datetimeFigureOut">
               <a:rPr kumimoji="1" lang="ja-JP" altLang="en-US" smtClean="0"/>
-              <a:t>2025/9/29</a:t>
+              <a:t>2025/10/1</a:t>
             </a:fld>
             <a:endParaRPr kumimoji="1" lang="ja-JP" altLang="en-US"/>
           </a:p>
@@ -13562,7 +13564,7 @@
           <a:p>
             <a:fld id="{05853D61-8A19-4B35-BDA8-1C18B2B00FED}" type="datetimeFigureOut">
               <a:rPr kumimoji="1" lang="ja-JP" altLang="en-US" smtClean="0"/>
-              <a:t>2025/9/29</a:t>
+              <a:t>2025/10/1</a:t>
             </a:fld>
             <a:endParaRPr kumimoji="1" lang="ja-JP" altLang="en-US"/>
           </a:p>
@@ -13797,7 +13799,7 @@
           <a:p>
             <a:fld id="{05853D61-8A19-4B35-BDA8-1C18B2B00FED}" type="datetimeFigureOut">
               <a:rPr kumimoji="1" lang="ja-JP" altLang="en-US" smtClean="0"/>
-              <a:t>2025/9/29</a:t>
+              <a:t>2025/10/1</a:t>
             </a:fld>
             <a:endParaRPr kumimoji="1" lang="ja-JP" altLang="en-US"/>
           </a:p>
@@ -14508,7 +14510,7 @@
           <a:p>
             <a:fld id="{05853D61-8A19-4B35-BDA8-1C18B2B00FED}" type="datetimeFigureOut">
               <a:rPr kumimoji="1" lang="ja-JP" altLang="en-US" smtClean="0"/>
-              <a:t>2025/9/29</a:t>
+              <a:t>2025/10/1</a:t>
             </a:fld>
             <a:endParaRPr kumimoji="1" lang="ja-JP" altLang="en-US"/>
           </a:p>
@@ -14617,7 +14619,7 @@
           <a:p>
             <a:fld id="{05853D61-8A19-4B35-BDA8-1C18B2B00FED}" type="datetimeFigureOut">
               <a:rPr kumimoji="1" lang="ja-JP" altLang="en-US" smtClean="0"/>
-              <a:t>2025/9/29</a:t>
+              <a:t>2025/10/1</a:t>
             </a:fld>
             <a:endParaRPr kumimoji="1" lang="ja-JP" altLang="en-US"/>
           </a:p>
@@ -14801,7 +14803,7 @@
           <a:p>
             <a:fld id="{05853D61-8A19-4B35-BDA8-1C18B2B00FED}" type="datetimeFigureOut">
               <a:rPr kumimoji="1" lang="ja-JP" altLang="en-US" smtClean="0"/>
-              <a:t>2025/9/29</a:t>
+              <a:t>2025/10/1</a:t>
             </a:fld>
             <a:endParaRPr kumimoji="1" lang="ja-JP" altLang="en-US"/>
           </a:p>
@@ -14896,7 +14898,7 @@
           <a:p>
             <a:fld id="{05853D61-8A19-4B35-BDA8-1C18B2B00FED}" type="datetimeFigureOut">
               <a:rPr kumimoji="1" lang="ja-JP" altLang="en-US" smtClean="0"/>
-              <a:t>2025/9/29</a:t>
+              <a:t>2025/10/1</a:t>
             </a:fld>
             <a:endParaRPr kumimoji="1" lang="ja-JP" altLang="en-US"/>
           </a:p>
@@ -15143,7 +15145,7 @@
           <a:p>
             <a:fld id="{05853D61-8A19-4B35-BDA8-1C18B2B00FED}" type="datetimeFigureOut">
               <a:rPr kumimoji="1" lang="ja-JP" altLang="en-US" smtClean="0"/>
-              <a:t>2025/9/29</a:t>
+              <a:t>2025/10/1</a:t>
             </a:fld>
             <a:endParaRPr kumimoji="1" lang="ja-JP" altLang="en-US"/>
           </a:p>
@@ -19561,6 +19563,66 @@
           <a:chExt cx="0" cy="0"/>
         </a:xfrm>
       </p:grpSpPr>
+      <p:pic>
+        <p:nvPicPr>
+          <p:cNvPr id="3" name="図 2">
+            <a:extLst>
+              <a:ext uri="{FF2B5EF4-FFF2-40B4-BE49-F238E27FC236}">
+                <a16:creationId xmlns:a16="http://schemas.microsoft.com/office/drawing/2014/main" id="{331547F8-0C38-145D-15D5-F7CC9969A2B8}"/>
+              </a:ext>
+            </a:extLst>
+          </p:cNvPr>
+          <p:cNvPicPr>
+            <a:picLocks noChangeAspect="1"/>
+          </p:cNvPicPr>
+          <p:nvPr/>
+        </p:nvPicPr>
+        <p:blipFill>
+          <a:blip r:embed="rId2"/>
+          <a:stretch>
+            <a:fillRect/>
+          </a:stretch>
+        </p:blipFill>
+        <p:spPr>
+          <a:xfrm>
+            <a:off x="7180451" y="751284"/>
+            <a:ext cx="8678486" cy="5696745"/>
+          </a:xfrm>
+          <a:prstGeom prst="rect">
+            <a:avLst/>
+          </a:prstGeom>
+        </p:spPr>
+      </p:pic>
+    </p:spTree>
+    <p:extLst>
+      <p:ext uri="{BB962C8B-B14F-4D97-AF65-F5344CB8AC3E}">
+        <p14:creationId xmlns:p14="http://schemas.microsoft.com/office/powerpoint/2010/main" val="430239962"/>
+      </p:ext>
+    </p:extLst>
+  </p:cSld>
+  <p:clrMapOvr>
+    <a:masterClrMapping/>
+  </p:clrMapOvr>
+</p:sld>
+</file>
+
+<file path=ppt/slides/slide22.xml><?xml version="1.0" encoding="utf-8"?>
+<p:sld xmlns:a="http://schemas.openxmlformats.org/drawingml/2006/main" xmlns:r="http://schemas.openxmlformats.org/officeDocument/2006/relationships" xmlns:p="http://schemas.openxmlformats.org/presentationml/2006/main">
+  <p:cSld>
+    <p:spTree>
+      <p:nvGrpSpPr>
+        <p:cNvPr id="1" name=""/>
+        <p:cNvGrpSpPr/>
+        <p:nvPr/>
+      </p:nvGrpSpPr>
+      <p:grpSpPr>
+        <a:xfrm>
+          <a:off x="0" y="0"/>
+          <a:ext cx="0" cy="0"/>
+          <a:chOff x="0" y="0"/>
+          <a:chExt cx="0" cy="0"/>
+        </a:xfrm>
+      </p:grpSpPr>
       <p:grpSp>
         <p:nvGrpSpPr>
           <p:cNvPr id="91" name="グループ化 90">
@@ -21149,8 +21211,8 @@
                 </a:p>
               </p:txBody>
             </p:sp>
-            <mc:AlternateContent xmlns:mc="http://schemas.openxmlformats.org/markup-compatibility/2006">
-              <mc:Choice xmlns:a14="http://schemas.microsoft.com/office/drawing/2010/main" Requires="a14">
+            <mc:AlternateContent xmlns:mc="http://schemas.openxmlformats.org/markup-compatibility/2006" xmlns:a14="http://schemas.microsoft.com/office/drawing/2010/main">
+              <mc:Choice Requires="a14">
                 <p:sp>
                   <p:nvSpPr>
                     <p:cNvPr id="74" name="テキスト ボックス 73">
@@ -21198,7 +21260,7 @@
                   </p:txBody>
                 </p:sp>
               </mc:Choice>
-              <mc:Fallback>
+              <mc:Fallback xmlns="">
                 <p:sp>
                   <p:nvSpPr>
                     <p:cNvPr id="74" name="テキスト ボックス 73">
@@ -21286,6 +21348,468 @@
     <p:extLst>
       <p:ext uri="{BB962C8B-B14F-4D97-AF65-F5344CB8AC3E}">
         <p14:creationId xmlns:p14="http://schemas.microsoft.com/office/powerpoint/2010/main" val="1077799180"/>
+      </p:ext>
+    </p:extLst>
+  </p:cSld>
+  <p:clrMapOvr>
+    <a:masterClrMapping/>
+  </p:clrMapOvr>
+</p:sld>
+</file>
+
+<file path=ppt/slides/slide23.xml><?xml version="1.0" encoding="utf-8"?>
+<p:sld xmlns:a="http://schemas.openxmlformats.org/drawingml/2006/main" xmlns:r="http://schemas.openxmlformats.org/officeDocument/2006/relationships" xmlns:p="http://schemas.openxmlformats.org/presentationml/2006/main">
+  <p:cSld>
+    <p:spTree>
+      <p:nvGrpSpPr>
+        <p:cNvPr id="1" name="">
+          <a:extLst>
+            <a:ext uri="{FF2B5EF4-FFF2-40B4-BE49-F238E27FC236}">
+              <a16:creationId xmlns:a16="http://schemas.microsoft.com/office/drawing/2014/main" id="{4EF93001-DF9E-DBBA-D5F6-45928AECE869}"/>
+            </a:ext>
+          </a:extLst>
+        </p:cNvPr>
+        <p:cNvGrpSpPr/>
+        <p:nvPr/>
+      </p:nvGrpSpPr>
+      <p:grpSpPr>
+        <a:xfrm>
+          <a:off x="0" y="0"/>
+          <a:ext cx="0" cy="0"/>
+          <a:chOff x="0" y="0"/>
+          <a:chExt cx="0" cy="0"/>
+        </a:xfrm>
+      </p:grpSpPr>
+      <p:grpSp>
+        <p:nvGrpSpPr>
+          <p:cNvPr id="22" name="グループ化 21">
+            <a:extLst>
+              <a:ext uri="{FF2B5EF4-FFF2-40B4-BE49-F238E27FC236}">
+                <a16:creationId xmlns:a16="http://schemas.microsoft.com/office/drawing/2014/main" id="{42DEED4C-6DA3-6C9E-B357-041CF1D96937}"/>
+              </a:ext>
+            </a:extLst>
+          </p:cNvPr>
+          <p:cNvGrpSpPr/>
+          <p:nvPr/>
+        </p:nvGrpSpPr>
+        <p:grpSpPr>
+          <a:xfrm>
+            <a:off x="6684457" y="474619"/>
+            <a:ext cx="8599086" cy="6164769"/>
+            <a:chOff x="5022104" y="281854"/>
+            <a:chExt cx="4415971" cy="3165853"/>
+          </a:xfrm>
+        </p:grpSpPr>
+        <p:cxnSp>
+          <p:nvCxnSpPr>
+            <p:cNvPr id="4" name="直線矢印コネクタ 3">
+              <a:extLst>
+                <a:ext uri="{FF2B5EF4-FFF2-40B4-BE49-F238E27FC236}">
+                  <a16:creationId xmlns:a16="http://schemas.microsoft.com/office/drawing/2014/main" id="{10B7C4FB-1ED3-53EE-114E-E444B3DFB1B5}"/>
+                </a:ext>
+              </a:extLst>
+            </p:cNvPr>
+            <p:cNvCxnSpPr>
+              <a:cxnSpLocks/>
+            </p:cNvCxnSpPr>
+            <p:nvPr/>
+          </p:nvCxnSpPr>
+          <p:spPr>
+            <a:xfrm flipV="1">
+              <a:off x="5642811" y="547437"/>
+              <a:ext cx="0" cy="2791326"/>
+            </a:xfrm>
+            <a:prstGeom prst="straightConnector1">
+              <a:avLst/>
+            </a:prstGeom>
+            <a:ln w="19050">
+              <a:solidFill>
+                <a:schemeClr val="tx1"/>
+              </a:solidFill>
+              <a:headEnd type="none" w="med" len="med"/>
+              <a:tailEnd type="arrow" w="med" len="med"/>
+            </a:ln>
+          </p:spPr>
+          <p:style>
+            <a:lnRef idx="1">
+              <a:schemeClr val="accent1"/>
+            </a:lnRef>
+            <a:fillRef idx="0">
+              <a:schemeClr val="accent1"/>
+            </a:fillRef>
+            <a:effectRef idx="0">
+              <a:schemeClr val="accent1"/>
+            </a:effectRef>
+            <a:fontRef idx="minor">
+              <a:schemeClr val="tx1"/>
+            </a:fontRef>
+          </p:style>
+        </p:cxnSp>
+        <p:cxnSp>
+          <p:nvCxnSpPr>
+            <p:cNvPr id="6" name="直線矢印コネクタ 5">
+              <a:extLst>
+                <a:ext uri="{FF2B5EF4-FFF2-40B4-BE49-F238E27FC236}">
+                  <a16:creationId xmlns:a16="http://schemas.microsoft.com/office/drawing/2014/main" id="{2BBCC4BF-3007-3FF9-0ED6-F5BA89A999AA}"/>
+                </a:ext>
+              </a:extLst>
+            </p:cNvPr>
+            <p:cNvCxnSpPr>
+              <a:cxnSpLocks/>
+            </p:cNvCxnSpPr>
+            <p:nvPr/>
+          </p:nvCxnSpPr>
+          <p:spPr>
+            <a:xfrm>
+              <a:off x="5642811" y="3338763"/>
+              <a:ext cx="3224463" cy="0"/>
+            </a:xfrm>
+            <a:prstGeom prst="straightConnector1">
+              <a:avLst/>
+            </a:prstGeom>
+            <a:ln w="19050">
+              <a:solidFill>
+                <a:schemeClr val="tx1"/>
+              </a:solidFill>
+              <a:headEnd type="none" w="med" len="med"/>
+              <a:tailEnd type="arrow" w="med" len="med"/>
+            </a:ln>
+          </p:spPr>
+          <p:style>
+            <a:lnRef idx="1">
+              <a:schemeClr val="accent1"/>
+            </a:lnRef>
+            <a:fillRef idx="0">
+              <a:schemeClr val="accent1"/>
+            </a:fillRef>
+            <a:effectRef idx="0">
+              <a:schemeClr val="accent1"/>
+            </a:effectRef>
+            <a:fontRef idx="minor">
+              <a:schemeClr val="tx1"/>
+            </a:fontRef>
+          </p:style>
+        </p:cxnSp>
+        <p:sp>
+          <p:nvSpPr>
+            <p:cNvPr id="9" name="テキスト ボックス 8">
+              <a:extLst>
+                <a:ext uri="{FF2B5EF4-FFF2-40B4-BE49-F238E27FC236}">
+                  <a16:creationId xmlns:a16="http://schemas.microsoft.com/office/drawing/2014/main" id="{F30F8F3E-4164-008F-7CD5-A6EC02B93E20}"/>
+                </a:ext>
+              </a:extLst>
+            </p:cNvPr>
+            <p:cNvSpPr txBox="1"/>
+            <p:nvPr/>
+          </p:nvSpPr>
+          <p:spPr>
+            <a:xfrm>
+              <a:off x="5022104" y="281854"/>
+              <a:ext cx="1241414" cy="262833"/>
+            </a:xfrm>
+            <a:prstGeom prst="rect">
+              <a:avLst/>
+            </a:prstGeom>
+            <a:noFill/>
+          </p:spPr>
+          <p:txBody>
+            <a:bodyPr wrap="square" rtlCol="0">
+              <a:spAutoFit/>
+            </a:bodyPr>
+            <a:lstStyle/>
+            <a:p>
+              <a:pPr algn="ctr"/>
+              <a:r>
+                <a:rPr lang="ja-JP" altLang="en-US" sz="2726" dirty="0"/>
+                <a:t>収入・費用</a:t>
+              </a:r>
+            </a:p>
+          </p:txBody>
+        </p:sp>
+        <p:sp>
+          <p:nvSpPr>
+            <p:cNvPr id="10" name="テキスト ボックス 9">
+              <a:extLst>
+                <a:ext uri="{FF2B5EF4-FFF2-40B4-BE49-F238E27FC236}">
+                  <a16:creationId xmlns:a16="http://schemas.microsoft.com/office/drawing/2014/main" id="{89386AC8-98B7-4166-E87A-AC8173C6D51C}"/>
+                </a:ext>
+              </a:extLst>
+            </p:cNvPr>
+            <p:cNvSpPr txBox="1"/>
+            <p:nvPr/>
+          </p:nvSpPr>
+          <p:spPr>
+            <a:xfrm>
+              <a:off x="8867273" y="3184874"/>
+              <a:ext cx="570802" cy="262833"/>
+            </a:xfrm>
+            <a:prstGeom prst="rect">
+              <a:avLst/>
+            </a:prstGeom>
+            <a:noFill/>
+          </p:spPr>
+          <p:txBody>
+            <a:bodyPr wrap="square" rtlCol="0">
+              <a:spAutoFit/>
+            </a:bodyPr>
+            <a:lstStyle/>
+            <a:p>
+              <a:pPr algn="ctr"/>
+              <a:r>
+                <a:rPr lang="ja-JP" altLang="en-US" sz="2726" dirty="0"/>
+                <a:t>年齢</a:t>
+              </a:r>
+            </a:p>
+          </p:txBody>
+        </p:sp>
+      </p:grpSp>
+      <p:sp>
+        <p:nvSpPr>
+          <p:cNvPr id="12" name="フリーフォーム: 図形 11">
+            <a:extLst>
+              <a:ext uri="{FF2B5EF4-FFF2-40B4-BE49-F238E27FC236}">
+                <a16:creationId xmlns:a16="http://schemas.microsoft.com/office/drawing/2014/main" id="{23C59771-D388-E7CB-61B6-402A52B7A8F8}"/>
+              </a:ext>
+            </a:extLst>
+          </p:cNvPr>
+          <p:cNvSpPr/>
+          <p:nvPr/>
+        </p:nvSpPr>
+        <p:spPr>
+          <a:xfrm>
+            <a:off x="8501743" y="3973286"/>
+            <a:ext cx="6063343" cy="1589313"/>
+          </a:xfrm>
+          <a:custGeom>
+            <a:avLst/>
+            <a:gdLst>
+              <a:gd name="connsiteX0" fmla="*/ 0 w 6063343"/>
+              <a:gd name="connsiteY0" fmla="*/ 3657600 h 3657600"/>
+              <a:gd name="connsiteX1" fmla="*/ 566057 w 6063343"/>
+              <a:gd name="connsiteY1" fmla="*/ 2024743 h 3657600"/>
+              <a:gd name="connsiteX2" fmla="*/ 2460171 w 6063343"/>
+              <a:gd name="connsiteY2" fmla="*/ 936171 h 3657600"/>
+              <a:gd name="connsiteX3" fmla="*/ 6063343 w 6063343"/>
+              <a:gd name="connsiteY3" fmla="*/ 0 h 3657600"/>
+            </a:gdLst>
+            <a:ahLst/>
+            <a:cxnLst>
+              <a:cxn ang="0">
+                <a:pos x="connsiteX0" y="connsiteY0"/>
+              </a:cxn>
+              <a:cxn ang="0">
+                <a:pos x="connsiteX1" y="connsiteY1"/>
+              </a:cxn>
+              <a:cxn ang="0">
+                <a:pos x="connsiteX2" y="connsiteY2"/>
+              </a:cxn>
+              <a:cxn ang="0">
+                <a:pos x="connsiteX3" y="connsiteY3"/>
+              </a:cxn>
+            </a:cxnLst>
+            <a:rect l="l" t="t" r="r" b="b"/>
+            <a:pathLst>
+              <a:path w="6063343" h="3657600">
+                <a:moveTo>
+                  <a:pt x="0" y="3657600"/>
+                </a:moveTo>
+                <a:cubicBezTo>
+                  <a:pt x="78014" y="3067957"/>
+                  <a:pt x="156029" y="2478314"/>
+                  <a:pt x="566057" y="2024743"/>
+                </a:cubicBezTo>
+                <a:cubicBezTo>
+                  <a:pt x="976086" y="1571171"/>
+                  <a:pt x="1543957" y="1273628"/>
+                  <a:pt x="2460171" y="936171"/>
+                </a:cubicBezTo>
+                <a:cubicBezTo>
+                  <a:pt x="3376385" y="598714"/>
+                  <a:pt x="4719864" y="299357"/>
+                  <a:pt x="6063343" y="0"/>
+                </a:cubicBezTo>
+              </a:path>
+            </a:pathLst>
+          </a:custGeom>
+          <a:noFill/>
+          <a:ln w="28575">
+            <a:solidFill>
+              <a:schemeClr val="accent2"/>
+            </a:solidFill>
+          </a:ln>
+        </p:spPr>
+        <p:style>
+          <a:lnRef idx="2">
+            <a:schemeClr val="accent1">
+              <a:shade val="15000"/>
+            </a:schemeClr>
+          </a:lnRef>
+          <a:fillRef idx="1">
+            <a:schemeClr val="accent1"/>
+          </a:fillRef>
+          <a:effectRef idx="0">
+            <a:schemeClr val="accent1"/>
+          </a:effectRef>
+          <a:fontRef idx="minor">
+            <a:schemeClr val="lt1"/>
+          </a:fontRef>
+        </p:style>
+        <p:txBody>
+          <a:bodyPr rtlCol="0" anchor="ctr"/>
+          <a:lstStyle/>
+          <a:p>
+            <a:pPr algn="ctr"/>
+            <a:endParaRPr kumimoji="1" lang="ja-JP" altLang="en-US"/>
+          </a:p>
+        </p:txBody>
+      </p:sp>
+      <p:sp>
+        <p:nvSpPr>
+          <p:cNvPr id="13" name="フリーフォーム: 図形 12">
+            <a:extLst>
+              <a:ext uri="{FF2B5EF4-FFF2-40B4-BE49-F238E27FC236}">
+                <a16:creationId xmlns:a16="http://schemas.microsoft.com/office/drawing/2014/main" id="{60E8E1B5-092B-D3C1-2E8D-A7279FCE03FE}"/>
+              </a:ext>
+            </a:extLst>
+          </p:cNvPr>
+          <p:cNvSpPr/>
+          <p:nvPr/>
+        </p:nvSpPr>
+        <p:spPr>
+          <a:xfrm>
+            <a:off x="9644744" y="2799858"/>
+            <a:ext cx="4920340" cy="2488973"/>
+          </a:xfrm>
+          <a:custGeom>
+            <a:avLst/>
+            <a:gdLst>
+              <a:gd name="connsiteX0" fmla="*/ 0 w 6063343"/>
+              <a:gd name="connsiteY0" fmla="*/ 3657600 h 3657600"/>
+              <a:gd name="connsiteX1" fmla="*/ 566057 w 6063343"/>
+              <a:gd name="connsiteY1" fmla="*/ 2024743 h 3657600"/>
+              <a:gd name="connsiteX2" fmla="*/ 2460171 w 6063343"/>
+              <a:gd name="connsiteY2" fmla="*/ 936171 h 3657600"/>
+              <a:gd name="connsiteX3" fmla="*/ 6063343 w 6063343"/>
+              <a:gd name="connsiteY3" fmla="*/ 0 h 3657600"/>
+            </a:gdLst>
+            <a:ahLst/>
+            <a:cxnLst>
+              <a:cxn ang="0">
+                <a:pos x="connsiteX0" y="connsiteY0"/>
+              </a:cxn>
+              <a:cxn ang="0">
+                <a:pos x="connsiteX1" y="connsiteY1"/>
+              </a:cxn>
+              <a:cxn ang="0">
+                <a:pos x="connsiteX2" y="connsiteY2"/>
+              </a:cxn>
+              <a:cxn ang="0">
+                <a:pos x="connsiteX3" y="connsiteY3"/>
+              </a:cxn>
+            </a:cxnLst>
+            <a:rect l="l" t="t" r="r" b="b"/>
+            <a:pathLst>
+              <a:path w="6063343" h="3657600">
+                <a:moveTo>
+                  <a:pt x="0" y="3657600"/>
+                </a:moveTo>
+                <a:cubicBezTo>
+                  <a:pt x="78014" y="3067957"/>
+                  <a:pt x="156029" y="2478314"/>
+                  <a:pt x="566057" y="2024743"/>
+                </a:cubicBezTo>
+                <a:cubicBezTo>
+                  <a:pt x="976086" y="1571171"/>
+                  <a:pt x="1543957" y="1273628"/>
+                  <a:pt x="2460171" y="936171"/>
+                </a:cubicBezTo>
+                <a:cubicBezTo>
+                  <a:pt x="3376385" y="598714"/>
+                  <a:pt x="4719864" y="299357"/>
+                  <a:pt x="6063343" y="0"/>
+                </a:cubicBezTo>
+              </a:path>
+            </a:pathLst>
+          </a:custGeom>
+          <a:noFill/>
+          <a:ln w="28575">
+            <a:solidFill>
+              <a:srgbClr val="C00000"/>
+            </a:solidFill>
+          </a:ln>
+        </p:spPr>
+        <p:style>
+          <a:lnRef idx="2">
+            <a:schemeClr val="accent1">
+              <a:shade val="15000"/>
+            </a:schemeClr>
+          </a:lnRef>
+          <a:fillRef idx="1">
+            <a:schemeClr val="accent1"/>
+          </a:fillRef>
+          <a:effectRef idx="0">
+            <a:schemeClr val="accent1"/>
+          </a:effectRef>
+          <a:fontRef idx="minor">
+            <a:schemeClr val="lt1"/>
+          </a:fontRef>
+        </p:style>
+        <p:txBody>
+          <a:bodyPr rtlCol="0" anchor="ctr"/>
+          <a:lstStyle/>
+          <a:p>
+            <a:pPr algn="ctr"/>
+            <a:endParaRPr kumimoji="1" lang="ja-JP" altLang="en-US"/>
+          </a:p>
+        </p:txBody>
+      </p:sp>
+      <p:cxnSp>
+        <p:nvCxnSpPr>
+          <p:cNvPr id="15" name="直線コネクタ 14">
+            <a:extLst>
+              <a:ext uri="{FF2B5EF4-FFF2-40B4-BE49-F238E27FC236}">
+                <a16:creationId xmlns:a16="http://schemas.microsoft.com/office/drawing/2014/main" id="{DCC4D7B3-1D92-2304-05AD-BF586B48C6CD}"/>
+              </a:ext>
+            </a:extLst>
+          </p:cNvPr>
+          <p:cNvCxnSpPr>
+            <a:cxnSpLocks/>
+          </p:cNvCxnSpPr>
+          <p:nvPr/>
+        </p:nvCxnSpPr>
+        <p:spPr>
+          <a:xfrm>
+            <a:off x="8501743" y="5823857"/>
+            <a:ext cx="1143001" cy="0"/>
+          </a:xfrm>
+          <a:prstGeom prst="line">
+            <a:avLst/>
+          </a:prstGeom>
+          <a:ln w="28575">
+            <a:solidFill>
+              <a:srgbClr val="C00000"/>
+            </a:solidFill>
+          </a:ln>
+        </p:spPr>
+        <p:style>
+          <a:lnRef idx="1">
+            <a:schemeClr val="accent1"/>
+          </a:lnRef>
+          <a:fillRef idx="0">
+            <a:schemeClr val="accent1"/>
+          </a:fillRef>
+          <a:effectRef idx="0">
+            <a:schemeClr val="accent1"/>
+          </a:effectRef>
+          <a:fontRef idx="minor">
+            <a:schemeClr val="tx1"/>
+          </a:fontRef>
+        </p:style>
+      </p:cxnSp>
+    </p:spTree>
+    <p:extLst>
+      <p:ext uri="{BB962C8B-B14F-4D97-AF65-F5344CB8AC3E}">
+        <p14:creationId xmlns:p14="http://schemas.microsoft.com/office/powerpoint/2010/main" val="2944702685"/>
       </p:ext>
     </p:extLst>
   </p:cSld>

--- a/images/labor_fig.pptx
+++ b/images/labor_fig.pptx
@@ -21382,10 +21382,10 @@
       </p:grpSpPr>
       <p:grpSp>
         <p:nvGrpSpPr>
-          <p:cNvPr id="22" name="グループ化 21">
+          <p:cNvPr id="31" name="グループ化 30">
             <a:extLst>
               <a:ext uri="{FF2B5EF4-FFF2-40B4-BE49-F238E27FC236}">
-                <a16:creationId xmlns:a16="http://schemas.microsoft.com/office/drawing/2014/main" id="{42DEED4C-6DA3-6C9E-B357-041CF1D96937}"/>
+                <a16:creationId xmlns:a16="http://schemas.microsoft.com/office/drawing/2014/main" id="{2A6B25BF-DDB1-7B90-DD3D-D7B5760B059E}"/>
               </a:ext>
             </a:extLst>
           </p:cNvPr>
@@ -21395,17 +21395,400 @@
         <p:grpSpPr>
           <a:xfrm>
             <a:off x="6684457" y="474619"/>
-            <a:ext cx="8599086" cy="6164769"/>
-            <a:chOff x="5022104" y="281854"/>
-            <a:chExt cx="4415971" cy="3165853"/>
+            <a:ext cx="10297995" cy="6675677"/>
+            <a:chOff x="6684457" y="474619"/>
+            <a:chExt cx="10297995" cy="6675677"/>
           </a:xfrm>
         </p:grpSpPr>
+        <p:grpSp>
+          <p:nvGrpSpPr>
+            <p:cNvPr id="22" name="グループ化 21">
+              <a:extLst>
+                <a:ext uri="{FF2B5EF4-FFF2-40B4-BE49-F238E27FC236}">
+                  <a16:creationId xmlns:a16="http://schemas.microsoft.com/office/drawing/2014/main" id="{42DEED4C-6DA3-6C9E-B357-041CF1D96937}"/>
+                </a:ext>
+              </a:extLst>
+            </p:cNvPr>
+            <p:cNvGrpSpPr/>
+            <p:nvPr/>
+          </p:nvGrpSpPr>
+          <p:grpSpPr>
+            <a:xfrm>
+              <a:off x="6684457" y="474619"/>
+              <a:ext cx="8599086" cy="6164769"/>
+              <a:chOff x="5022104" y="281854"/>
+              <a:chExt cx="4415971" cy="3165853"/>
+            </a:xfrm>
+          </p:grpSpPr>
+          <p:cxnSp>
+            <p:nvCxnSpPr>
+              <p:cNvPr id="4" name="直線矢印コネクタ 3">
+                <a:extLst>
+                  <a:ext uri="{FF2B5EF4-FFF2-40B4-BE49-F238E27FC236}">
+                    <a16:creationId xmlns:a16="http://schemas.microsoft.com/office/drawing/2014/main" id="{10B7C4FB-1ED3-53EE-114E-E444B3DFB1B5}"/>
+                  </a:ext>
+                </a:extLst>
+              </p:cNvPr>
+              <p:cNvCxnSpPr>
+                <a:cxnSpLocks/>
+              </p:cNvCxnSpPr>
+              <p:nvPr/>
+            </p:nvCxnSpPr>
+            <p:spPr>
+              <a:xfrm flipV="1">
+                <a:off x="5642811" y="547437"/>
+                <a:ext cx="0" cy="2791326"/>
+              </a:xfrm>
+              <a:prstGeom prst="straightConnector1">
+                <a:avLst/>
+              </a:prstGeom>
+              <a:ln w="19050">
+                <a:solidFill>
+                  <a:schemeClr val="tx1"/>
+                </a:solidFill>
+                <a:headEnd type="none" w="med" len="med"/>
+                <a:tailEnd type="arrow" w="med" len="med"/>
+              </a:ln>
+            </p:spPr>
+            <p:style>
+              <a:lnRef idx="1">
+                <a:schemeClr val="accent1"/>
+              </a:lnRef>
+              <a:fillRef idx="0">
+                <a:schemeClr val="accent1"/>
+              </a:fillRef>
+              <a:effectRef idx="0">
+                <a:schemeClr val="accent1"/>
+              </a:effectRef>
+              <a:fontRef idx="minor">
+                <a:schemeClr val="tx1"/>
+              </a:fontRef>
+            </p:style>
+          </p:cxnSp>
+          <p:cxnSp>
+            <p:nvCxnSpPr>
+              <p:cNvPr id="6" name="直線矢印コネクタ 5">
+                <a:extLst>
+                  <a:ext uri="{FF2B5EF4-FFF2-40B4-BE49-F238E27FC236}">
+                    <a16:creationId xmlns:a16="http://schemas.microsoft.com/office/drawing/2014/main" id="{2BBCC4BF-3007-3FF9-0ED6-F5BA89A999AA}"/>
+                  </a:ext>
+                </a:extLst>
+              </p:cNvPr>
+              <p:cNvCxnSpPr>
+                <a:cxnSpLocks/>
+              </p:cNvCxnSpPr>
+              <p:nvPr/>
+            </p:nvCxnSpPr>
+            <p:spPr>
+              <a:xfrm>
+                <a:off x="5642811" y="3338763"/>
+                <a:ext cx="3224463" cy="0"/>
+              </a:xfrm>
+              <a:prstGeom prst="straightConnector1">
+                <a:avLst/>
+              </a:prstGeom>
+              <a:ln w="19050">
+                <a:solidFill>
+                  <a:schemeClr val="tx1"/>
+                </a:solidFill>
+                <a:headEnd type="none" w="med" len="med"/>
+                <a:tailEnd type="arrow" w="med" len="med"/>
+              </a:ln>
+            </p:spPr>
+            <p:style>
+              <a:lnRef idx="1">
+                <a:schemeClr val="accent1"/>
+              </a:lnRef>
+              <a:fillRef idx="0">
+                <a:schemeClr val="accent1"/>
+              </a:fillRef>
+              <a:effectRef idx="0">
+                <a:schemeClr val="accent1"/>
+              </a:effectRef>
+              <a:fontRef idx="minor">
+                <a:schemeClr val="tx1"/>
+              </a:fontRef>
+            </p:style>
+          </p:cxnSp>
+          <p:sp>
+            <p:nvSpPr>
+              <p:cNvPr id="9" name="テキスト ボックス 8">
+                <a:extLst>
+                  <a:ext uri="{FF2B5EF4-FFF2-40B4-BE49-F238E27FC236}">
+                    <a16:creationId xmlns:a16="http://schemas.microsoft.com/office/drawing/2014/main" id="{F30F8F3E-4164-008F-7CD5-A6EC02B93E20}"/>
+                  </a:ext>
+                </a:extLst>
+              </p:cNvPr>
+              <p:cNvSpPr txBox="1"/>
+              <p:nvPr/>
+            </p:nvSpPr>
+            <p:spPr>
+              <a:xfrm>
+                <a:off x="5022104" y="281854"/>
+                <a:ext cx="1241414" cy="262833"/>
+              </a:xfrm>
+              <a:prstGeom prst="rect">
+                <a:avLst/>
+              </a:prstGeom>
+              <a:noFill/>
+            </p:spPr>
+            <p:txBody>
+              <a:bodyPr wrap="square" rtlCol="0">
+                <a:spAutoFit/>
+              </a:bodyPr>
+              <a:lstStyle/>
+              <a:p>
+                <a:pPr algn="ctr"/>
+                <a:r>
+                  <a:rPr lang="ja-JP" altLang="en-US" sz="2726" dirty="0"/>
+                  <a:t>収入・費用</a:t>
+                </a:r>
+              </a:p>
+            </p:txBody>
+          </p:sp>
+          <p:sp>
+            <p:nvSpPr>
+              <p:cNvPr id="10" name="テキスト ボックス 9">
+                <a:extLst>
+                  <a:ext uri="{FF2B5EF4-FFF2-40B4-BE49-F238E27FC236}">
+                    <a16:creationId xmlns:a16="http://schemas.microsoft.com/office/drawing/2014/main" id="{89386AC8-98B7-4166-E87A-AC8173C6D51C}"/>
+                  </a:ext>
+                </a:extLst>
+              </p:cNvPr>
+              <p:cNvSpPr txBox="1"/>
+              <p:nvPr/>
+            </p:nvSpPr>
+            <p:spPr>
+              <a:xfrm>
+                <a:off x="8867273" y="3184874"/>
+                <a:ext cx="570802" cy="262833"/>
+              </a:xfrm>
+              <a:prstGeom prst="rect">
+                <a:avLst/>
+              </a:prstGeom>
+              <a:noFill/>
+            </p:spPr>
+            <p:txBody>
+              <a:bodyPr wrap="square" rtlCol="0">
+                <a:spAutoFit/>
+              </a:bodyPr>
+              <a:lstStyle/>
+              <a:p>
+                <a:pPr algn="ctr"/>
+                <a:r>
+                  <a:rPr lang="ja-JP" altLang="en-US" sz="2726" dirty="0"/>
+                  <a:t>年齢</a:t>
+                </a:r>
+              </a:p>
+            </p:txBody>
+          </p:sp>
+        </p:grpSp>
+        <p:sp>
+          <p:nvSpPr>
+            <p:cNvPr id="12" name="フリーフォーム: 図形 11">
+              <a:extLst>
+                <a:ext uri="{FF2B5EF4-FFF2-40B4-BE49-F238E27FC236}">
+                  <a16:creationId xmlns:a16="http://schemas.microsoft.com/office/drawing/2014/main" id="{23C59771-D388-E7CB-61B6-402A52B7A8F8}"/>
+                </a:ext>
+              </a:extLst>
+            </p:cNvPr>
+            <p:cNvSpPr/>
+            <p:nvPr/>
+          </p:nvSpPr>
+          <p:spPr>
+            <a:xfrm>
+              <a:off x="8501743" y="3973286"/>
+              <a:ext cx="6063343" cy="1589313"/>
+            </a:xfrm>
+            <a:custGeom>
+              <a:avLst/>
+              <a:gdLst>
+                <a:gd name="connsiteX0" fmla="*/ 0 w 6063343"/>
+                <a:gd name="connsiteY0" fmla="*/ 3657600 h 3657600"/>
+                <a:gd name="connsiteX1" fmla="*/ 566057 w 6063343"/>
+                <a:gd name="connsiteY1" fmla="*/ 2024743 h 3657600"/>
+                <a:gd name="connsiteX2" fmla="*/ 2460171 w 6063343"/>
+                <a:gd name="connsiteY2" fmla="*/ 936171 h 3657600"/>
+                <a:gd name="connsiteX3" fmla="*/ 6063343 w 6063343"/>
+                <a:gd name="connsiteY3" fmla="*/ 0 h 3657600"/>
+              </a:gdLst>
+              <a:ahLst/>
+              <a:cxnLst>
+                <a:cxn ang="0">
+                  <a:pos x="connsiteX0" y="connsiteY0"/>
+                </a:cxn>
+                <a:cxn ang="0">
+                  <a:pos x="connsiteX1" y="connsiteY1"/>
+                </a:cxn>
+                <a:cxn ang="0">
+                  <a:pos x="connsiteX2" y="connsiteY2"/>
+                </a:cxn>
+                <a:cxn ang="0">
+                  <a:pos x="connsiteX3" y="connsiteY3"/>
+                </a:cxn>
+              </a:cxnLst>
+              <a:rect l="l" t="t" r="r" b="b"/>
+              <a:pathLst>
+                <a:path w="6063343" h="3657600">
+                  <a:moveTo>
+                    <a:pt x="0" y="3657600"/>
+                  </a:moveTo>
+                  <a:cubicBezTo>
+                    <a:pt x="78014" y="3067957"/>
+                    <a:pt x="156029" y="2478314"/>
+                    <a:pt x="566057" y="2024743"/>
+                  </a:cubicBezTo>
+                  <a:cubicBezTo>
+                    <a:pt x="976086" y="1571171"/>
+                    <a:pt x="1543957" y="1273628"/>
+                    <a:pt x="2460171" y="936171"/>
+                  </a:cubicBezTo>
+                  <a:cubicBezTo>
+                    <a:pt x="3376385" y="598714"/>
+                    <a:pt x="4719864" y="299357"/>
+                    <a:pt x="6063343" y="0"/>
+                  </a:cubicBezTo>
+                </a:path>
+              </a:pathLst>
+            </a:custGeom>
+            <a:noFill/>
+            <a:ln w="28575">
+              <a:solidFill>
+                <a:schemeClr val="accent2"/>
+              </a:solidFill>
+            </a:ln>
+          </p:spPr>
+          <p:style>
+            <a:lnRef idx="2">
+              <a:schemeClr val="accent1">
+                <a:shade val="15000"/>
+              </a:schemeClr>
+            </a:lnRef>
+            <a:fillRef idx="1">
+              <a:schemeClr val="accent1"/>
+            </a:fillRef>
+            <a:effectRef idx="0">
+              <a:schemeClr val="accent1"/>
+            </a:effectRef>
+            <a:fontRef idx="minor">
+              <a:schemeClr val="lt1"/>
+            </a:fontRef>
+          </p:style>
+          <p:txBody>
+            <a:bodyPr rtlCol="0" anchor="ctr"/>
+            <a:lstStyle/>
+            <a:p>
+              <a:pPr algn="ctr"/>
+              <a:endParaRPr kumimoji="1" lang="ja-JP" altLang="en-US"/>
+            </a:p>
+          </p:txBody>
+        </p:sp>
+        <p:sp>
+          <p:nvSpPr>
+            <p:cNvPr id="13" name="フリーフォーム: 図形 12">
+              <a:extLst>
+                <a:ext uri="{FF2B5EF4-FFF2-40B4-BE49-F238E27FC236}">
+                  <a16:creationId xmlns:a16="http://schemas.microsoft.com/office/drawing/2014/main" id="{60E8E1B5-092B-D3C1-2E8D-A7279FCE03FE}"/>
+                </a:ext>
+              </a:extLst>
+            </p:cNvPr>
+            <p:cNvSpPr/>
+            <p:nvPr/>
+          </p:nvSpPr>
+          <p:spPr>
+            <a:xfrm>
+              <a:off x="9644744" y="2799858"/>
+              <a:ext cx="4920340" cy="2488973"/>
+            </a:xfrm>
+            <a:custGeom>
+              <a:avLst/>
+              <a:gdLst>
+                <a:gd name="connsiteX0" fmla="*/ 0 w 6063343"/>
+                <a:gd name="connsiteY0" fmla="*/ 3657600 h 3657600"/>
+                <a:gd name="connsiteX1" fmla="*/ 566057 w 6063343"/>
+                <a:gd name="connsiteY1" fmla="*/ 2024743 h 3657600"/>
+                <a:gd name="connsiteX2" fmla="*/ 2460171 w 6063343"/>
+                <a:gd name="connsiteY2" fmla="*/ 936171 h 3657600"/>
+                <a:gd name="connsiteX3" fmla="*/ 6063343 w 6063343"/>
+                <a:gd name="connsiteY3" fmla="*/ 0 h 3657600"/>
+              </a:gdLst>
+              <a:ahLst/>
+              <a:cxnLst>
+                <a:cxn ang="0">
+                  <a:pos x="connsiteX0" y="connsiteY0"/>
+                </a:cxn>
+                <a:cxn ang="0">
+                  <a:pos x="connsiteX1" y="connsiteY1"/>
+                </a:cxn>
+                <a:cxn ang="0">
+                  <a:pos x="connsiteX2" y="connsiteY2"/>
+                </a:cxn>
+                <a:cxn ang="0">
+                  <a:pos x="connsiteX3" y="connsiteY3"/>
+                </a:cxn>
+              </a:cxnLst>
+              <a:rect l="l" t="t" r="r" b="b"/>
+              <a:pathLst>
+                <a:path w="6063343" h="3657600">
+                  <a:moveTo>
+                    <a:pt x="0" y="3657600"/>
+                  </a:moveTo>
+                  <a:cubicBezTo>
+                    <a:pt x="78014" y="3067957"/>
+                    <a:pt x="156029" y="2478314"/>
+                    <a:pt x="566057" y="2024743"/>
+                  </a:cubicBezTo>
+                  <a:cubicBezTo>
+                    <a:pt x="976086" y="1571171"/>
+                    <a:pt x="1543957" y="1273628"/>
+                    <a:pt x="2460171" y="936171"/>
+                  </a:cubicBezTo>
+                  <a:cubicBezTo>
+                    <a:pt x="3376385" y="598714"/>
+                    <a:pt x="4719864" y="299357"/>
+                    <a:pt x="6063343" y="0"/>
+                  </a:cubicBezTo>
+                </a:path>
+              </a:pathLst>
+            </a:custGeom>
+            <a:noFill/>
+            <a:ln w="28575">
+              <a:solidFill>
+                <a:srgbClr val="C00000"/>
+              </a:solidFill>
+            </a:ln>
+          </p:spPr>
+          <p:style>
+            <a:lnRef idx="2">
+              <a:schemeClr val="accent1">
+                <a:shade val="15000"/>
+              </a:schemeClr>
+            </a:lnRef>
+            <a:fillRef idx="1">
+              <a:schemeClr val="accent1"/>
+            </a:fillRef>
+            <a:effectRef idx="0">
+              <a:schemeClr val="accent1"/>
+            </a:effectRef>
+            <a:fontRef idx="minor">
+              <a:schemeClr val="lt1"/>
+            </a:fontRef>
+          </p:style>
+          <p:txBody>
+            <a:bodyPr rtlCol="0" anchor="ctr"/>
+            <a:lstStyle/>
+            <a:p>
+              <a:pPr algn="ctr"/>
+              <a:endParaRPr kumimoji="1" lang="ja-JP" altLang="en-US"/>
+            </a:p>
+          </p:txBody>
+        </p:sp>
         <p:cxnSp>
           <p:nvCxnSpPr>
-            <p:cNvPr id="4" name="直線矢印コネクタ 3">
+            <p:cNvPr id="15" name="直線コネクタ 14">
               <a:extLst>
                 <a:ext uri="{FF2B5EF4-FFF2-40B4-BE49-F238E27FC236}">
-                  <a16:creationId xmlns:a16="http://schemas.microsoft.com/office/drawing/2014/main" id="{10B7C4FB-1ED3-53EE-114E-E444B3DFB1B5}"/>
+                  <a16:creationId xmlns:a16="http://schemas.microsoft.com/office/drawing/2014/main" id="{DCC4D7B3-1D92-2304-05AD-BF586B48C6CD}"/>
                 </a:ext>
               </a:extLst>
             </p:cNvPr>
@@ -21415,19 +21798,242 @@
             <p:nvPr/>
           </p:nvCxnSpPr>
           <p:spPr>
+            <a:xfrm>
+              <a:off x="8501743" y="5823857"/>
+              <a:ext cx="1143001" cy="0"/>
+            </a:xfrm>
+            <a:prstGeom prst="line">
+              <a:avLst/>
+            </a:prstGeom>
+            <a:ln w="28575">
+              <a:solidFill>
+                <a:srgbClr val="C00000"/>
+              </a:solidFill>
+            </a:ln>
+          </p:spPr>
+          <p:style>
+            <a:lnRef idx="1">
+              <a:schemeClr val="accent1"/>
+            </a:lnRef>
+            <a:fillRef idx="0">
+              <a:schemeClr val="accent1"/>
+            </a:fillRef>
+            <a:effectRef idx="0">
+              <a:schemeClr val="accent1"/>
+            </a:effectRef>
+            <a:fontRef idx="minor">
+              <a:schemeClr val="tx1"/>
+            </a:fontRef>
+          </p:style>
+        </p:cxnSp>
+        <p:sp>
+          <p:nvSpPr>
+            <p:cNvPr id="19" name="テキスト ボックス 18">
+              <a:extLst>
+                <a:ext uri="{FF2B5EF4-FFF2-40B4-BE49-F238E27FC236}">
+                  <a16:creationId xmlns:a16="http://schemas.microsoft.com/office/drawing/2014/main" id="{611E422D-AB45-E217-46FE-39BCE427A1F5}"/>
+                </a:ext>
+              </a:extLst>
+            </p:cNvPr>
+            <p:cNvSpPr txBox="1"/>
+            <p:nvPr/>
+          </p:nvSpPr>
+          <p:spPr>
+            <a:xfrm>
+              <a:off x="14499401" y="2543954"/>
+              <a:ext cx="2417368" cy="511807"/>
+            </a:xfrm>
+            <a:prstGeom prst="rect">
+              <a:avLst/>
+            </a:prstGeom>
+            <a:noFill/>
+          </p:spPr>
+          <p:txBody>
+            <a:bodyPr wrap="square" rtlCol="0">
+              <a:spAutoFit/>
+            </a:bodyPr>
+            <a:lstStyle/>
+            <a:p>
+              <a:pPr algn="ctr"/>
+              <a:r>
+                <a:rPr lang="ja-JP" altLang="en-US" sz="2726" dirty="0"/>
+                <a:t>大卒の収入</a:t>
+              </a:r>
+            </a:p>
+          </p:txBody>
+        </p:sp>
+        <p:sp>
+          <p:nvSpPr>
+            <p:cNvPr id="20" name="テキスト ボックス 19">
+              <a:extLst>
+                <a:ext uri="{FF2B5EF4-FFF2-40B4-BE49-F238E27FC236}">
+                  <a16:creationId xmlns:a16="http://schemas.microsoft.com/office/drawing/2014/main" id="{10D5A335-02C6-5DC0-4A2B-6C53AEE65E5F}"/>
+                </a:ext>
+              </a:extLst>
+            </p:cNvPr>
+            <p:cNvSpPr txBox="1"/>
+            <p:nvPr/>
+          </p:nvSpPr>
+          <p:spPr>
+            <a:xfrm>
+              <a:off x="14565084" y="3717382"/>
+              <a:ext cx="2417368" cy="511807"/>
+            </a:xfrm>
+            <a:prstGeom prst="rect">
+              <a:avLst/>
+            </a:prstGeom>
+            <a:noFill/>
+          </p:spPr>
+          <p:txBody>
+            <a:bodyPr wrap="square" rtlCol="0">
+              <a:spAutoFit/>
+            </a:bodyPr>
+            <a:lstStyle/>
+            <a:p>
+              <a:pPr algn="ctr"/>
+              <a:r>
+                <a:rPr lang="ja-JP" altLang="en-US" sz="2726" dirty="0"/>
+                <a:t>高卒の収入</a:t>
+              </a:r>
+            </a:p>
+          </p:txBody>
+        </p:sp>
+        <p:sp>
+          <p:nvSpPr>
+            <p:cNvPr id="21" name="テキスト ボックス 20">
+              <a:extLst>
+                <a:ext uri="{FF2B5EF4-FFF2-40B4-BE49-F238E27FC236}">
+                  <a16:creationId xmlns:a16="http://schemas.microsoft.com/office/drawing/2014/main" id="{4F753086-90BF-44E8-EFC6-078015A14DD6}"/>
+                </a:ext>
+              </a:extLst>
+            </p:cNvPr>
+            <p:cNvSpPr txBox="1"/>
+            <p:nvPr/>
+          </p:nvSpPr>
+          <p:spPr>
+            <a:xfrm>
+              <a:off x="9987587" y="5562599"/>
+              <a:ext cx="2417368" cy="511807"/>
+            </a:xfrm>
+            <a:prstGeom prst="rect">
+              <a:avLst/>
+            </a:prstGeom>
+            <a:noFill/>
+          </p:spPr>
+          <p:txBody>
+            <a:bodyPr wrap="square" rtlCol="0">
+              <a:spAutoFit/>
+            </a:bodyPr>
+            <a:lstStyle/>
+            <a:p>
+              <a:pPr algn="ctr"/>
+              <a:r>
+                <a:rPr lang="ja-JP" altLang="en-US" sz="2726" dirty="0"/>
+                <a:t>大学の費用</a:t>
+              </a:r>
+            </a:p>
+          </p:txBody>
+        </p:sp>
+        <p:sp>
+          <p:nvSpPr>
+            <p:cNvPr id="23" name="テキスト ボックス 22">
+              <a:extLst>
+                <a:ext uri="{FF2B5EF4-FFF2-40B4-BE49-F238E27FC236}">
+                  <a16:creationId xmlns:a16="http://schemas.microsoft.com/office/drawing/2014/main" id="{A2A18569-19B8-C3DF-F65A-F695B8D381F6}"/>
+                </a:ext>
+              </a:extLst>
+            </p:cNvPr>
+            <p:cNvSpPr txBox="1"/>
+            <p:nvPr/>
+          </p:nvSpPr>
+          <p:spPr>
+            <a:xfrm>
+              <a:off x="7945990" y="6638489"/>
+              <a:ext cx="1111505" cy="511807"/>
+            </a:xfrm>
+            <a:prstGeom prst="rect">
+              <a:avLst/>
+            </a:prstGeom>
+            <a:noFill/>
+          </p:spPr>
+          <p:txBody>
+            <a:bodyPr wrap="square" rtlCol="0">
+              <a:spAutoFit/>
+            </a:bodyPr>
+            <a:lstStyle/>
+            <a:p>
+              <a:pPr algn="ctr"/>
+              <a:r>
+                <a:rPr lang="ja-JP" altLang="en-US" sz="2726" dirty="0"/>
+                <a:t>高卒</a:t>
+              </a:r>
+            </a:p>
+          </p:txBody>
+        </p:sp>
+        <p:sp>
+          <p:nvSpPr>
+            <p:cNvPr id="24" name="テキスト ボックス 23">
+              <a:extLst>
+                <a:ext uri="{FF2B5EF4-FFF2-40B4-BE49-F238E27FC236}">
+                  <a16:creationId xmlns:a16="http://schemas.microsoft.com/office/drawing/2014/main" id="{35BE5481-3DC1-FC76-2AAF-A7EE65DBCEE4}"/>
+                </a:ext>
+              </a:extLst>
+            </p:cNvPr>
+            <p:cNvSpPr txBox="1"/>
+            <p:nvPr/>
+          </p:nvSpPr>
+          <p:spPr>
+            <a:xfrm>
+              <a:off x="9101825" y="6638488"/>
+              <a:ext cx="1111505" cy="511807"/>
+            </a:xfrm>
+            <a:prstGeom prst="rect">
+              <a:avLst/>
+            </a:prstGeom>
+            <a:noFill/>
+          </p:spPr>
+          <p:txBody>
+            <a:bodyPr wrap="square" rtlCol="0">
+              <a:spAutoFit/>
+            </a:bodyPr>
+            <a:lstStyle/>
+            <a:p>
+              <a:pPr algn="ctr"/>
+              <a:r>
+                <a:rPr lang="ja-JP" altLang="en-US" sz="2726" dirty="0"/>
+                <a:t>大卒</a:t>
+              </a:r>
+            </a:p>
+          </p:txBody>
+        </p:sp>
+        <p:cxnSp>
+          <p:nvCxnSpPr>
+            <p:cNvPr id="25" name="直線コネクタ 24">
+              <a:extLst>
+                <a:ext uri="{FF2B5EF4-FFF2-40B4-BE49-F238E27FC236}">
+                  <a16:creationId xmlns:a16="http://schemas.microsoft.com/office/drawing/2014/main" id="{DE1CDB3E-8D11-EB58-0392-D76EB45A8DA5}"/>
+                </a:ext>
+              </a:extLst>
+            </p:cNvPr>
+            <p:cNvCxnSpPr>
+              <a:cxnSpLocks/>
+              <a:endCxn id="13" idx="0"/>
+            </p:cNvCxnSpPr>
+            <p:nvPr/>
+          </p:nvCxnSpPr>
+          <p:spPr>
             <a:xfrm flipV="1">
-              <a:off x="5642811" y="547437"/>
-              <a:ext cx="0" cy="2791326"/>
+              <a:off x="9644744" y="5288831"/>
+              <a:ext cx="0" cy="1133059"/>
             </a:xfrm>
-            <a:prstGeom prst="straightConnector1">
+            <a:prstGeom prst="line">
               <a:avLst/>
             </a:prstGeom>
             <a:ln w="19050">
               <a:solidFill>
                 <a:schemeClr val="tx1"/>
               </a:solidFill>
-              <a:headEnd type="none" w="med" len="med"/>
-              <a:tailEnd type="arrow" w="med" len="med"/>
+              <a:prstDash val="dash"/>
             </a:ln>
           </p:spPr>
           <p:style>
@@ -21447,32 +22053,32 @@
         </p:cxnSp>
         <p:cxnSp>
           <p:nvCxnSpPr>
-            <p:cNvPr id="6" name="直線矢印コネクタ 5">
+            <p:cNvPr id="28" name="直線コネクタ 27">
               <a:extLst>
                 <a:ext uri="{FF2B5EF4-FFF2-40B4-BE49-F238E27FC236}">
-                  <a16:creationId xmlns:a16="http://schemas.microsoft.com/office/drawing/2014/main" id="{2BBCC4BF-3007-3FF9-0ED6-F5BA89A999AA}"/>
+                  <a16:creationId xmlns:a16="http://schemas.microsoft.com/office/drawing/2014/main" id="{8E1BC03A-CE11-8135-0051-0C19ED4B7E76}"/>
                 </a:ext>
               </a:extLst>
             </p:cNvPr>
             <p:cNvCxnSpPr>
               <a:cxnSpLocks/>
+              <a:endCxn id="12" idx="0"/>
             </p:cNvCxnSpPr>
             <p:nvPr/>
           </p:nvCxnSpPr>
           <p:spPr>
-            <a:xfrm>
-              <a:off x="5642811" y="3338763"/>
-              <a:ext cx="3224463" cy="0"/>
+            <a:xfrm flipV="1">
+              <a:off x="8501743" y="5562599"/>
+              <a:ext cx="0" cy="820885"/>
             </a:xfrm>
-            <a:prstGeom prst="straightConnector1">
+            <a:prstGeom prst="line">
               <a:avLst/>
             </a:prstGeom>
             <a:ln w="19050">
               <a:solidFill>
                 <a:schemeClr val="tx1"/>
               </a:solidFill>
-              <a:headEnd type="none" w="med" len="med"/>
-              <a:tailEnd type="arrow" w="med" len="med"/>
+              <a:prstDash val="dash"/>
             </a:ln>
           </p:spPr>
           <p:style>
@@ -21490,322 +22096,7 @@
             </a:fontRef>
           </p:style>
         </p:cxnSp>
-        <p:sp>
-          <p:nvSpPr>
-            <p:cNvPr id="9" name="テキスト ボックス 8">
-              <a:extLst>
-                <a:ext uri="{FF2B5EF4-FFF2-40B4-BE49-F238E27FC236}">
-                  <a16:creationId xmlns:a16="http://schemas.microsoft.com/office/drawing/2014/main" id="{F30F8F3E-4164-008F-7CD5-A6EC02B93E20}"/>
-                </a:ext>
-              </a:extLst>
-            </p:cNvPr>
-            <p:cNvSpPr txBox="1"/>
-            <p:nvPr/>
-          </p:nvSpPr>
-          <p:spPr>
-            <a:xfrm>
-              <a:off x="5022104" y="281854"/>
-              <a:ext cx="1241414" cy="262833"/>
-            </a:xfrm>
-            <a:prstGeom prst="rect">
-              <a:avLst/>
-            </a:prstGeom>
-            <a:noFill/>
-          </p:spPr>
-          <p:txBody>
-            <a:bodyPr wrap="square" rtlCol="0">
-              <a:spAutoFit/>
-            </a:bodyPr>
-            <a:lstStyle/>
-            <a:p>
-              <a:pPr algn="ctr"/>
-              <a:r>
-                <a:rPr lang="ja-JP" altLang="en-US" sz="2726" dirty="0"/>
-                <a:t>収入・費用</a:t>
-              </a:r>
-            </a:p>
-          </p:txBody>
-        </p:sp>
-        <p:sp>
-          <p:nvSpPr>
-            <p:cNvPr id="10" name="テキスト ボックス 9">
-              <a:extLst>
-                <a:ext uri="{FF2B5EF4-FFF2-40B4-BE49-F238E27FC236}">
-                  <a16:creationId xmlns:a16="http://schemas.microsoft.com/office/drawing/2014/main" id="{89386AC8-98B7-4166-E87A-AC8173C6D51C}"/>
-                </a:ext>
-              </a:extLst>
-            </p:cNvPr>
-            <p:cNvSpPr txBox="1"/>
-            <p:nvPr/>
-          </p:nvSpPr>
-          <p:spPr>
-            <a:xfrm>
-              <a:off x="8867273" y="3184874"/>
-              <a:ext cx="570802" cy="262833"/>
-            </a:xfrm>
-            <a:prstGeom prst="rect">
-              <a:avLst/>
-            </a:prstGeom>
-            <a:noFill/>
-          </p:spPr>
-          <p:txBody>
-            <a:bodyPr wrap="square" rtlCol="0">
-              <a:spAutoFit/>
-            </a:bodyPr>
-            <a:lstStyle/>
-            <a:p>
-              <a:pPr algn="ctr"/>
-              <a:r>
-                <a:rPr lang="ja-JP" altLang="en-US" sz="2726" dirty="0"/>
-                <a:t>年齢</a:t>
-              </a:r>
-            </a:p>
-          </p:txBody>
-        </p:sp>
       </p:grpSp>
-      <p:sp>
-        <p:nvSpPr>
-          <p:cNvPr id="12" name="フリーフォーム: 図形 11">
-            <a:extLst>
-              <a:ext uri="{FF2B5EF4-FFF2-40B4-BE49-F238E27FC236}">
-                <a16:creationId xmlns:a16="http://schemas.microsoft.com/office/drawing/2014/main" id="{23C59771-D388-E7CB-61B6-402A52B7A8F8}"/>
-              </a:ext>
-            </a:extLst>
-          </p:cNvPr>
-          <p:cNvSpPr/>
-          <p:nvPr/>
-        </p:nvSpPr>
-        <p:spPr>
-          <a:xfrm>
-            <a:off x="8501743" y="3973286"/>
-            <a:ext cx="6063343" cy="1589313"/>
-          </a:xfrm>
-          <a:custGeom>
-            <a:avLst/>
-            <a:gdLst>
-              <a:gd name="connsiteX0" fmla="*/ 0 w 6063343"/>
-              <a:gd name="connsiteY0" fmla="*/ 3657600 h 3657600"/>
-              <a:gd name="connsiteX1" fmla="*/ 566057 w 6063343"/>
-              <a:gd name="connsiteY1" fmla="*/ 2024743 h 3657600"/>
-              <a:gd name="connsiteX2" fmla="*/ 2460171 w 6063343"/>
-              <a:gd name="connsiteY2" fmla="*/ 936171 h 3657600"/>
-              <a:gd name="connsiteX3" fmla="*/ 6063343 w 6063343"/>
-              <a:gd name="connsiteY3" fmla="*/ 0 h 3657600"/>
-            </a:gdLst>
-            <a:ahLst/>
-            <a:cxnLst>
-              <a:cxn ang="0">
-                <a:pos x="connsiteX0" y="connsiteY0"/>
-              </a:cxn>
-              <a:cxn ang="0">
-                <a:pos x="connsiteX1" y="connsiteY1"/>
-              </a:cxn>
-              <a:cxn ang="0">
-                <a:pos x="connsiteX2" y="connsiteY2"/>
-              </a:cxn>
-              <a:cxn ang="0">
-                <a:pos x="connsiteX3" y="connsiteY3"/>
-              </a:cxn>
-            </a:cxnLst>
-            <a:rect l="l" t="t" r="r" b="b"/>
-            <a:pathLst>
-              <a:path w="6063343" h="3657600">
-                <a:moveTo>
-                  <a:pt x="0" y="3657600"/>
-                </a:moveTo>
-                <a:cubicBezTo>
-                  <a:pt x="78014" y="3067957"/>
-                  <a:pt x="156029" y="2478314"/>
-                  <a:pt x="566057" y="2024743"/>
-                </a:cubicBezTo>
-                <a:cubicBezTo>
-                  <a:pt x="976086" y="1571171"/>
-                  <a:pt x="1543957" y="1273628"/>
-                  <a:pt x="2460171" y="936171"/>
-                </a:cubicBezTo>
-                <a:cubicBezTo>
-                  <a:pt x="3376385" y="598714"/>
-                  <a:pt x="4719864" y="299357"/>
-                  <a:pt x="6063343" y="0"/>
-                </a:cubicBezTo>
-              </a:path>
-            </a:pathLst>
-          </a:custGeom>
-          <a:noFill/>
-          <a:ln w="28575">
-            <a:solidFill>
-              <a:schemeClr val="accent2"/>
-            </a:solidFill>
-          </a:ln>
-        </p:spPr>
-        <p:style>
-          <a:lnRef idx="2">
-            <a:schemeClr val="accent1">
-              <a:shade val="15000"/>
-            </a:schemeClr>
-          </a:lnRef>
-          <a:fillRef idx="1">
-            <a:schemeClr val="accent1"/>
-          </a:fillRef>
-          <a:effectRef idx="0">
-            <a:schemeClr val="accent1"/>
-          </a:effectRef>
-          <a:fontRef idx="minor">
-            <a:schemeClr val="lt1"/>
-          </a:fontRef>
-        </p:style>
-        <p:txBody>
-          <a:bodyPr rtlCol="0" anchor="ctr"/>
-          <a:lstStyle/>
-          <a:p>
-            <a:pPr algn="ctr"/>
-            <a:endParaRPr kumimoji="1" lang="ja-JP" altLang="en-US"/>
-          </a:p>
-        </p:txBody>
-      </p:sp>
-      <p:sp>
-        <p:nvSpPr>
-          <p:cNvPr id="13" name="フリーフォーム: 図形 12">
-            <a:extLst>
-              <a:ext uri="{FF2B5EF4-FFF2-40B4-BE49-F238E27FC236}">
-                <a16:creationId xmlns:a16="http://schemas.microsoft.com/office/drawing/2014/main" id="{60E8E1B5-092B-D3C1-2E8D-A7279FCE03FE}"/>
-              </a:ext>
-            </a:extLst>
-          </p:cNvPr>
-          <p:cNvSpPr/>
-          <p:nvPr/>
-        </p:nvSpPr>
-        <p:spPr>
-          <a:xfrm>
-            <a:off x="9644744" y="2799858"/>
-            <a:ext cx="4920340" cy="2488973"/>
-          </a:xfrm>
-          <a:custGeom>
-            <a:avLst/>
-            <a:gdLst>
-              <a:gd name="connsiteX0" fmla="*/ 0 w 6063343"/>
-              <a:gd name="connsiteY0" fmla="*/ 3657600 h 3657600"/>
-              <a:gd name="connsiteX1" fmla="*/ 566057 w 6063343"/>
-              <a:gd name="connsiteY1" fmla="*/ 2024743 h 3657600"/>
-              <a:gd name="connsiteX2" fmla="*/ 2460171 w 6063343"/>
-              <a:gd name="connsiteY2" fmla="*/ 936171 h 3657600"/>
-              <a:gd name="connsiteX3" fmla="*/ 6063343 w 6063343"/>
-              <a:gd name="connsiteY3" fmla="*/ 0 h 3657600"/>
-            </a:gdLst>
-            <a:ahLst/>
-            <a:cxnLst>
-              <a:cxn ang="0">
-                <a:pos x="connsiteX0" y="connsiteY0"/>
-              </a:cxn>
-              <a:cxn ang="0">
-                <a:pos x="connsiteX1" y="connsiteY1"/>
-              </a:cxn>
-              <a:cxn ang="0">
-                <a:pos x="connsiteX2" y="connsiteY2"/>
-              </a:cxn>
-              <a:cxn ang="0">
-                <a:pos x="connsiteX3" y="connsiteY3"/>
-              </a:cxn>
-            </a:cxnLst>
-            <a:rect l="l" t="t" r="r" b="b"/>
-            <a:pathLst>
-              <a:path w="6063343" h="3657600">
-                <a:moveTo>
-                  <a:pt x="0" y="3657600"/>
-                </a:moveTo>
-                <a:cubicBezTo>
-                  <a:pt x="78014" y="3067957"/>
-                  <a:pt x="156029" y="2478314"/>
-                  <a:pt x="566057" y="2024743"/>
-                </a:cubicBezTo>
-                <a:cubicBezTo>
-                  <a:pt x="976086" y="1571171"/>
-                  <a:pt x="1543957" y="1273628"/>
-                  <a:pt x="2460171" y="936171"/>
-                </a:cubicBezTo>
-                <a:cubicBezTo>
-                  <a:pt x="3376385" y="598714"/>
-                  <a:pt x="4719864" y="299357"/>
-                  <a:pt x="6063343" y="0"/>
-                </a:cubicBezTo>
-              </a:path>
-            </a:pathLst>
-          </a:custGeom>
-          <a:noFill/>
-          <a:ln w="28575">
-            <a:solidFill>
-              <a:srgbClr val="C00000"/>
-            </a:solidFill>
-          </a:ln>
-        </p:spPr>
-        <p:style>
-          <a:lnRef idx="2">
-            <a:schemeClr val="accent1">
-              <a:shade val="15000"/>
-            </a:schemeClr>
-          </a:lnRef>
-          <a:fillRef idx="1">
-            <a:schemeClr val="accent1"/>
-          </a:fillRef>
-          <a:effectRef idx="0">
-            <a:schemeClr val="accent1"/>
-          </a:effectRef>
-          <a:fontRef idx="minor">
-            <a:schemeClr val="lt1"/>
-          </a:fontRef>
-        </p:style>
-        <p:txBody>
-          <a:bodyPr rtlCol="0" anchor="ctr"/>
-          <a:lstStyle/>
-          <a:p>
-            <a:pPr algn="ctr"/>
-            <a:endParaRPr kumimoji="1" lang="ja-JP" altLang="en-US"/>
-          </a:p>
-        </p:txBody>
-      </p:sp>
-      <p:cxnSp>
-        <p:nvCxnSpPr>
-          <p:cNvPr id="15" name="直線コネクタ 14">
-            <a:extLst>
-              <a:ext uri="{FF2B5EF4-FFF2-40B4-BE49-F238E27FC236}">
-                <a16:creationId xmlns:a16="http://schemas.microsoft.com/office/drawing/2014/main" id="{DCC4D7B3-1D92-2304-05AD-BF586B48C6CD}"/>
-              </a:ext>
-            </a:extLst>
-          </p:cNvPr>
-          <p:cNvCxnSpPr>
-            <a:cxnSpLocks/>
-          </p:cNvCxnSpPr>
-          <p:nvPr/>
-        </p:nvCxnSpPr>
-        <p:spPr>
-          <a:xfrm>
-            <a:off x="8501743" y="5823857"/>
-            <a:ext cx="1143001" cy="0"/>
-          </a:xfrm>
-          <a:prstGeom prst="line">
-            <a:avLst/>
-          </a:prstGeom>
-          <a:ln w="28575">
-            <a:solidFill>
-              <a:srgbClr val="C00000"/>
-            </a:solidFill>
-          </a:ln>
-        </p:spPr>
-        <p:style>
-          <a:lnRef idx="1">
-            <a:schemeClr val="accent1"/>
-          </a:lnRef>
-          <a:fillRef idx="0">
-            <a:schemeClr val="accent1"/>
-          </a:fillRef>
-          <a:effectRef idx="0">
-            <a:schemeClr val="accent1"/>
-          </a:effectRef>
-          <a:fontRef idx="minor">
-            <a:schemeClr val="tx1"/>
-          </a:fontRef>
-        </p:style>
-      </p:cxnSp>
     </p:spTree>
     <p:extLst>
       <p:ext uri="{BB962C8B-B14F-4D97-AF65-F5344CB8AC3E}">

--- a/images/labor_fig.pptx
+++ b/images/labor_fig.pptx
@@ -5,7 +5,7 @@
     <p:sldMasterId id="2147483660" r:id="rId1"/>
   </p:sldMasterIdLst>
   <p:notesMasterIdLst>
-    <p:notesMasterId r:id="rId25"/>
+    <p:notesMasterId r:id="rId26"/>
   </p:notesMasterIdLst>
   <p:sldIdLst>
     <p:sldId id="256" r:id="rId2"/>
@@ -31,6 +31,7 @@
     <p:sldId id="278" r:id="rId22"/>
     <p:sldId id="277" r:id="rId23"/>
     <p:sldId id="279" r:id="rId24"/>
+    <p:sldId id="280" r:id="rId25"/>
   </p:sldIdLst>
   <p:sldSz cx="23039388" cy="7199313"/>
   <p:notesSz cx="6858000" cy="9144000"/>
@@ -11951,7 +11952,7 @@
           <a:p>
             <a:fld id="{563A7CF2-AB3E-47DB-A90F-A00729506E41}" type="datetimeFigureOut">
               <a:rPr kumimoji="1" lang="ja-JP" altLang="en-US" smtClean="0"/>
-              <a:t>2025/10/1</a:t>
+              <a:t>2025/10/2</a:t>
             </a:fld>
             <a:endParaRPr kumimoji="1" lang="ja-JP" altLang="en-US"/>
           </a:p>
@@ -12578,7 +12579,7 @@
           <a:p>
             <a:fld id="{05853D61-8A19-4B35-BDA8-1C18B2B00FED}" type="datetimeFigureOut">
               <a:rPr kumimoji="1" lang="ja-JP" altLang="en-US" smtClean="0"/>
-              <a:t>2025/10/1</a:t>
+              <a:t>2025/10/2</a:t>
             </a:fld>
             <a:endParaRPr kumimoji="1" lang="ja-JP" altLang="en-US"/>
           </a:p>
@@ -12762,7 +12763,7 @@
           <a:p>
             <a:fld id="{05853D61-8A19-4B35-BDA8-1C18B2B00FED}" type="datetimeFigureOut">
               <a:rPr kumimoji="1" lang="ja-JP" altLang="en-US" smtClean="0"/>
-              <a:t>2025/10/1</a:t>
+              <a:t>2025/10/2</a:t>
             </a:fld>
             <a:endParaRPr kumimoji="1" lang="ja-JP" altLang="en-US"/>
           </a:p>
@@ -12979,7 +12980,7 @@
           <a:p>
             <a:fld id="{05853D61-8A19-4B35-BDA8-1C18B2B00FED}" type="datetimeFigureOut">
               <a:rPr kumimoji="1" lang="ja-JP" altLang="en-US" smtClean="0"/>
-              <a:t>2025/10/1</a:t>
+              <a:t>2025/10/2</a:t>
             </a:fld>
             <a:endParaRPr kumimoji="1" lang="ja-JP" altLang="en-US"/>
           </a:p>
@@ -13269,7 +13270,7 @@
           <a:p>
             <a:fld id="{05853D61-8A19-4B35-BDA8-1C18B2B00FED}" type="datetimeFigureOut">
               <a:rPr kumimoji="1" lang="ja-JP" altLang="en-US" smtClean="0"/>
-              <a:t>2025/10/1</a:t>
+              <a:t>2025/10/2</a:t>
             </a:fld>
             <a:endParaRPr kumimoji="1" lang="ja-JP" altLang="en-US"/>
           </a:p>
@@ -13564,7 +13565,7 @@
           <a:p>
             <a:fld id="{05853D61-8A19-4B35-BDA8-1C18B2B00FED}" type="datetimeFigureOut">
               <a:rPr kumimoji="1" lang="ja-JP" altLang="en-US" smtClean="0"/>
-              <a:t>2025/10/1</a:t>
+              <a:t>2025/10/2</a:t>
             </a:fld>
             <a:endParaRPr kumimoji="1" lang="ja-JP" altLang="en-US"/>
           </a:p>
@@ -13799,7 +13800,7 @@
           <a:p>
             <a:fld id="{05853D61-8A19-4B35-BDA8-1C18B2B00FED}" type="datetimeFigureOut">
               <a:rPr kumimoji="1" lang="ja-JP" altLang="en-US" smtClean="0"/>
-              <a:t>2025/10/1</a:t>
+              <a:t>2025/10/2</a:t>
             </a:fld>
             <a:endParaRPr kumimoji="1" lang="ja-JP" altLang="en-US"/>
           </a:p>
@@ -14510,7 +14511,7 @@
           <a:p>
             <a:fld id="{05853D61-8A19-4B35-BDA8-1C18B2B00FED}" type="datetimeFigureOut">
               <a:rPr kumimoji="1" lang="ja-JP" altLang="en-US" smtClean="0"/>
-              <a:t>2025/10/1</a:t>
+              <a:t>2025/10/2</a:t>
             </a:fld>
             <a:endParaRPr kumimoji="1" lang="ja-JP" altLang="en-US"/>
           </a:p>
@@ -14619,7 +14620,7 @@
           <a:p>
             <a:fld id="{05853D61-8A19-4B35-BDA8-1C18B2B00FED}" type="datetimeFigureOut">
               <a:rPr kumimoji="1" lang="ja-JP" altLang="en-US" smtClean="0"/>
-              <a:t>2025/10/1</a:t>
+              <a:t>2025/10/2</a:t>
             </a:fld>
             <a:endParaRPr kumimoji="1" lang="ja-JP" altLang="en-US"/>
           </a:p>
@@ -14803,7 +14804,7 @@
           <a:p>
             <a:fld id="{05853D61-8A19-4B35-BDA8-1C18B2B00FED}" type="datetimeFigureOut">
               <a:rPr kumimoji="1" lang="ja-JP" altLang="en-US" smtClean="0"/>
-              <a:t>2025/10/1</a:t>
+              <a:t>2025/10/2</a:t>
             </a:fld>
             <a:endParaRPr kumimoji="1" lang="ja-JP" altLang="en-US"/>
           </a:p>
@@ -14898,7 +14899,7 @@
           <a:p>
             <a:fld id="{05853D61-8A19-4B35-BDA8-1C18B2B00FED}" type="datetimeFigureOut">
               <a:rPr kumimoji="1" lang="ja-JP" altLang="en-US" smtClean="0"/>
-              <a:t>2025/10/1</a:t>
+              <a:t>2025/10/2</a:t>
             </a:fld>
             <a:endParaRPr kumimoji="1" lang="ja-JP" altLang="en-US"/>
           </a:p>
@@ -15145,7 +15146,7 @@
           <a:p>
             <a:fld id="{05853D61-8A19-4B35-BDA8-1C18B2B00FED}" type="datetimeFigureOut">
               <a:rPr kumimoji="1" lang="ja-JP" altLang="en-US" smtClean="0"/>
-              <a:t>2025/10/1</a:t>
+              <a:t>2025/10/2</a:t>
             </a:fld>
             <a:endParaRPr kumimoji="1" lang="ja-JP" altLang="en-US"/>
           </a:p>
@@ -22110,6 +22111,66 @@
 </p:sld>
 </file>
 
+<file path=ppt/slides/slide24.xml><?xml version="1.0" encoding="utf-8"?>
+<p:sld xmlns:a="http://schemas.openxmlformats.org/drawingml/2006/main" xmlns:r="http://schemas.openxmlformats.org/officeDocument/2006/relationships" xmlns:p="http://schemas.openxmlformats.org/presentationml/2006/main">
+  <p:cSld>
+    <p:spTree>
+      <p:nvGrpSpPr>
+        <p:cNvPr id="1" name=""/>
+        <p:cNvGrpSpPr/>
+        <p:nvPr/>
+      </p:nvGrpSpPr>
+      <p:grpSpPr>
+        <a:xfrm>
+          <a:off x="0" y="0"/>
+          <a:ext cx="0" cy="0"/>
+          <a:chOff x="0" y="0"/>
+          <a:chExt cx="0" cy="0"/>
+        </a:xfrm>
+      </p:grpSpPr>
+      <p:pic>
+        <p:nvPicPr>
+          <p:cNvPr id="3" name="図 2">
+            <a:extLst>
+              <a:ext uri="{FF2B5EF4-FFF2-40B4-BE49-F238E27FC236}">
+                <a16:creationId xmlns:a16="http://schemas.microsoft.com/office/drawing/2014/main" id="{8F9C56DC-14C1-C2D9-4D58-AFC9B4B59FC9}"/>
+              </a:ext>
+            </a:extLst>
+          </p:cNvPr>
+          <p:cNvPicPr>
+            <a:picLocks noChangeAspect="1"/>
+          </p:cNvPicPr>
+          <p:nvPr/>
+        </p:nvPicPr>
+        <p:blipFill>
+          <a:blip r:embed="rId2"/>
+          <a:stretch>
+            <a:fillRect/>
+          </a:stretch>
+        </p:blipFill>
+        <p:spPr>
+          <a:xfrm>
+            <a:off x="9100006" y="2289786"/>
+            <a:ext cx="4839375" cy="2619741"/>
+          </a:xfrm>
+          <a:prstGeom prst="rect">
+            <a:avLst/>
+          </a:prstGeom>
+        </p:spPr>
+      </p:pic>
+    </p:spTree>
+    <p:extLst>
+      <p:ext uri="{BB962C8B-B14F-4D97-AF65-F5344CB8AC3E}">
+        <p14:creationId xmlns:p14="http://schemas.microsoft.com/office/powerpoint/2010/main" val="4216245202"/>
+      </p:ext>
+    </p:extLst>
+  </p:cSld>
+  <p:clrMapOvr>
+    <a:masterClrMapping/>
+  </p:clrMapOvr>
+</p:sld>
+</file>
+
 <file path=ppt/slides/slide3.xml><?xml version="1.0" encoding="utf-8"?>
 <p:sld xmlns:a="http://schemas.openxmlformats.org/drawingml/2006/main" xmlns:r="http://schemas.openxmlformats.org/officeDocument/2006/relationships" xmlns:p="http://schemas.openxmlformats.org/presentationml/2006/main">
   <p:cSld>

--- a/images/labor_fig.pptx
+++ b/images/labor_fig.pptx
@@ -22158,6 +22158,66 @@
           </a:prstGeom>
         </p:spPr>
       </p:pic>
+      <p:pic>
+        <p:nvPicPr>
+          <p:cNvPr id="4" name="図 3">
+            <a:extLst>
+              <a:ext uri="{FF2B5EF4-FFF2-40B4-BE49-F238E27FC236}">
+                <a16:creationId xmlns:a16="http://schemas.microsoft.com/office/drawing/2014/main" id="{D6371E92-6660-213F-38FB-F32210095AB9}"/>
+              </a:ext>
+            </a:extLst>
+          </p:cNvPr>
+          <p:cNvPicPr>
+            <a:picLocks noChangeAspect="1"/>
+          </p:cNvPicPr>
+          <p:nvPr/>
+        </p:nvPicPr>
+        <p:blipFill>
+          <a:blip r:embed="rId3"/>
+          <a:stretch>
+            <a:fillRect/>
+          </a:stretch>
+        </p:blipFill>
+        <p:spPr>
+          <a:xfrm>
+            <a:off x="16249614" y="1645216"/>
+            <a:ext cx="4810796" cy="3639058"/>
+          </a:xfrm>
+          <a:prstGeom prst="rect">
+            <a:avLst/>
+          </a:prstGeom>
+        </p:spPr>
+      </p:pic>
+      <p:pic>
+        <p:nvPicPr>
+          <p:cNvPr id="5" name="図 4">
+            <a:extLst>
+              <a:ext uri="{FF2B5EF4-FFF2-40B4-BE49-F238E27FC236}">
+                <a16:creationId xmlns:a16="http://schemas.microsoft.com/office/drawing/2014/main" id="{DE51C6AB-E558-AB96-29C3-3E4B3728361A}"/>
+              </a:ext>
+            </a:extLst>
+          </p:cNvPr>
+          <p:cNvPicPr>
+            <a:picLocks noChangeAspect="1"/>
+          </p:cNvPicPr>
+          <p:nvPr/>
+        </p:nvPicPr>
+        <p:blipFill>
+          <a:blip r:embed="rId4"/>
+          <a:stretch>
+            <a:fillRect/>
+          </a:stretch>
+        </p:blipFill>
+        <p:spPr>
+          <a:xfrm>
+            <a:off x="2818978" y="2289786"/>
+            <a:ext cx="3610479" cy="2896004"/>
+          </a:xfrm>
+          <a:prstGeom prst="rect">
+            <a:avLst/>
+          </a:prstGeom>
+        </p:spPr>
+      </p:pic>
     </p:spTree>
     <p:extLst>
       <p:ext uri="{BB962C8B-B14F-4D97-AF65-F5344CB8AC3E}">

--- a/images/labor_fig.pptx
+++ b/images/labor_fig.pptx
@@ -5,33 +5,35 @@
     <p:sldMasterId id="2147483660" r:id="rId1"/>
   </p:sldMasterIdLst>
   <p:notesMasterIdLst>
-    <p:notesMasterId r:id="rId26"/>
+    <p:notesMasterId r:id="rId28"/>
   </p:notesMasterIdLst>
   <p:sldIdLst>
-    <p:sldId id="256" r:id="rId2"/>
-    <p:sldId id="258" r:id="rId3"/>
-    <p:sldId id="259" r:id="rId4"/>
-    <p:sldId id="260" r:id="rId5"/>
-    <p:sldId id="261" r:id="rId6"/>
-    <p:sldId id="264" r:id="rId7"/>
-    <p:sldId id="257" r:id="rId8"/>
-    <p:sldId id="263" r:id="rId9"/>
-    <p:sldId id="265" r:id="rId10"/>
-    <p:sldId id="266" r:id="rId11"/>
-    <p:sldId id="267" r:id="rId12"/>
-    <p:sldId id="269" r:id="rId13"/>
-    <p:sldId id="268" r:id="rId14"/>
-    <p:sldId id="270" r:id="rId15"/>
-    <p:sldId id="271" r:id="rId16"/>
-    <p:sldId id="272" r:id="rId17"/>
-    <p:sldId id="273" r:id="rId18"/>
-    <p:sldId id="274" r:id="rId19"/>
-    <p:sldId id="275" r:id="rId20"/>
-    <p:sldId id="276" r:id="rId21"/>
-    <p:sldId id="278" r:id="rId22"/>
-    <p:sldId id="277" r:id="rId23"/>
-    <p:sldId id="279" r:id="rId24"/>
-    <p:sldId id="280" r:id="rId25"/>
+    <p:sldId id="281" r:id="rId2"/>
+    <p:sldId id="256" r:id="rId3"/>
+    <p:sldId id="258" r:id="rId4"/>
+    <p:sldId id="259" r:id="rId5"/>
+    <p:sldId id="260" r:id="rId6"/>
+    <p:sldId id="261" r:id="rId7"/>
+    <p:sldId id="264" r:id="rId8"/>
+    <p:sldId id="257" r:id="rId9"/>
+    <p:sldId id="263" r:id="rId10"/>
+    <p:sldId id="265" r:id="rId11"/>
+    <p:sldId id="266" r:id="rId12"/>
+    <p:sldId id="267" r:id="rId13"/>
+    <p:sldId id="269" r:id="rId14"/>
+    <p:sldId id="268" r:id="rId15"/>
+    <p:sldId id="270" r:id="rId16"/>
+    <p:sldId id="271" r:id="rId17"/>
+    <p:sldId id="272" r:id="rId18"/>
+    <p:sldId id="273" r:id="rId19"/>
+    <p:sldId id="274" r:id="rId20"/>
+    <p:sldId id="275" r:id="rId21"/>
+    <p:sldId id="276" r:id="rId22"/>
+    <p:sldId id="278" r:id="rId23"/>
+    <p:sldId id="277" r:id="rId24"/>
+    <p:sldId id="279" r:id="rId25"/>
+    <p:sldId id="280" r:id="rId26"/>
+    <p:sldId id="282" r:id="rId27"/>
   </p:sldIdLst>
   <p:sldSz cx="23039388" cy="7199313"/>
   <p:notesSz cx="6858000" cy="9144000"/>
@@ -11952,7 +11954,7 @@
           <a:p>
             <a:fld id="{563A7CF2-AB3E-47DB-A90F-A00729506E41}" type="datetimeFigureOut">
               <a:rPr kumimoji="1" lang="ja-JP" altLang="en-US" smtClean="0"/>
-              <a:t>2025/10/2</a:t>
+              <a:t>2025/10/8</a:t>
             </a:fld>
             <a:endParaRPr kumimoji="1" lang="ja-JP" altLang="en-US"/>
           </a:p>
@@ -12321,7 +12323,7 @@
           <a:p>
             <a:fld id="{8F778AB5-BCE3-4D9C-B3BD-AA3C50FF4458}" type="slidenum">
               <a:rPr kumimoji="1" lang="ja-JP" altLang="en-US" smtClean="0"/>
-              <a:t>8</a:t>
+              <a:t>9</a:t>
             </a:fld>
             <a:endParaRPr kumimoji="1" lang="ja-JP" altLang="en-US"/>
           </a:p>
@@ -12405,7 +12407,7 @@
           <a:p>
             <a:fld id="{8F778AB5-BCE3-4D9C-B3BD-AA3C50FF4458}" type="slidenum">
               <a:rPr kumimoji="1" lang="ja-JP" altLang="en-US" smtClean="0"/>
-              <a:t>22</a:t>
+              <a:t>23</a:t>
             </a:fld>
             <a:endParaRPr kumimoji="1" lang="ja-JP" altLang="en-US"/>
           </a:p>
@@ -12579,7 +12581,7 @@
           <a:p>
             <a:fld id="{05853D61-8A19-4B35-BDA8-1C18B2B00FED}" type="datetimeFigureOut">
               <a:rPr kumimoji="1" lang="ja-JP" altLang="en-US" smtClean="0"/>
-              <a:t>2025/10/2</a:t>
+              <a:t>2025/10/8</a:t>
             </a:fld>
             <a:endParaRPr kumimoji="1" lang="ja-JP" altLang="en-US"/>
           </a:p>
@@ -12763,7 +12765,7 @@
           <a:p>
             <a:fld id="{05853D61-8A19-4B35-BDA8-1C18B2B00FED}" type="datetimeFigureOut">
               <a:rPr kumimoji="1" lang="ja-JP" altLang="en-US" smtClean="0"/>
-              <a:t>2025/10/2</a:t>
+              <a:t>2025/10/8</a:t>
             </a:fld>
             <a:endParaRPr kumimoji="1" lang="ja-JP" altLang="en-US"/>
           </a:p>
@@ -12980,7 +12982,7 @@
           <a:p>
             <a:fld id="{05853D61-8A19-4B35-BDA8-1C18B2B00FED}" type="datetimeFigureOut">
               <a:rPr kumimoji="1" lang="ja-JP" altLang="en-US" smtClean="0"/>
-              <a:t>2025/10/2</a:t>
+              <a:t>2025/10/8</a:t>
             </a:fld>
             <a:endParaRPr kumimoji="1" lang="ja-JP" altLang="en-US"/>
           </a:p>
@@ -13270,7 +13272,7 @@
           <a:p>
             <a:fld id="{05853D61-8A19-4B35-BDA8-1C18B2B00FED}" type="datetimeFigureOut">
               <a:rPr kumimoji="1" lang="ja-JP" altLang="en-US" smtClean="0"/>
-              <a:t>2025/10/2</a:t>
+              <a:t>2025/10/8</a:t>
             </a:fld>
             <a:endParaRPr kumimoji="1" lang="ja-JP" altLang="en-US"/>
           </a:p>
@@ -13565,7 +13567,7 @@
           <a:p>
             <a:fld id="{05853D61-8A19-4B35-BDA8-1C18B2B00FED}" type="datetimeFigureOut">
               <a:rPr kumimoji="1" lang="ja-JP" altLang="en-US" smtClean="0"/>
-              <a:t>2025/10/2</a:t>
+              <a:t>2025/10/8</a:t>
             </a:fld>
             <a:endParaRPr kumimoji="1" lang="ja-JP" altLang="en-US"/>
           </a:p>
@@ -13800,7 +13802,7 @@
           <a:p>
             <a:fld id="{05853D61-8A19-4B35-BDA8-1C18B2B00FED}" type="datetimeFigureOut">
               <a:rPr kumimoji="1" lang="ja-JP" altLang="en-US" smtClean="0"/>
-              <a:t>2025/10/2</a:t>
+              <a:t>2025/10/8</a:t>
             </a:fld>
             <a:endParaRPr kumimoji="1" lang="ja-JP" altLang="en-US"/>
           </a:p>
@@ -14511,7 +14513,7 @@
           <a:p>
             <a:fld id="{05853D61-8A19-4B35-BDA8-1C18B2B00FED}" type="datetimeFigureOut">
               <a:rPr kumimoji="1" lang="ja-JP" altLang="en-US" smtClean="0"/>
-              <a:t>2025/10/2</a:t>
+              <a:t>2025/10/8</a:t>
             </a:fld>
             <a:endParaRPr kumimoji="1" lang="ja-JP" altLang="en-US"/>
           </a:p>
@@ -14620,7 +14622,7 @@
           <a:p>
             <a:fld id="{05853D61-8A19-4B35-BDA8-1C18B2B00FED}" type="datetimeFigureOut">
               <a:rPr kumimoji="1" lang="ja-JP" altLang="en-US" smtClean="0"/>
-              <a:t>2025/10/2</a:t>
+              <a:t>2025/10/8</a:t>
             </a:fld>
             <a:endParaRPr kumimoji="1" lang="ja-JP" altLang="en-US"/>
           </a:p>
@@ -14804,7 +14806,7 @@
           <a:p>
             <a:fld id="{05853D61-8A19-4B35-BDA8-1C18B2B00FED}" type="datetimeFigureOut">
               <a:rPr kumimoji="1" lang="ja-JP" altLang="en-US" smtClean="0"/>
-              <a:t>2025/10/2</a:t>
+              <a:t>2025/10/8</a:t>
             </a:fld>
             <a:endParaRPr kumimoji="1" lang="ja-JP" altLang="en-US"/>
           </a:p>
@@ -14899,7 +14901,7 @@
           <a:p>
             <a:fld id="{05853D61-8A19-4B35-BDA8-1C18B2B00FED}" type="datetimeFigureOut">
               <a:rPr kumimoji="1" lang="ja-JP" altLang="en-US" smtClean="0"/>
-              <a:t>2025/10/2</a:t>
+              <a:t>2025/10/8</a:t>
             </a:fld>
             <a:endParaRPr kumimoji="1" lang="ja-JP" altLang="en-US"/>
           </a:p>
@@ -15146,7 +15148,7 @@
           <a:p>
             <a:fld id="{05853D61-8A19-4B35-BDA8-1C18B2B00FED}" type="datetimeFigureOut">
               <a:rPr kumimoji="1" lang="ja-JP" altLang="en-US" smtClean="0"/>
-              <a:t>2025/10/2</a:t>
+              <a:t>2025/10/8</a:t>
             </a:fld>
             <a:endParaRPr kumimoji="1" lang="ja-JP" altLang="en-US"/>
           </a:p>
@@ -15565,38 +15567,40 @@
           <a:chExt cx="0" cy="0"/>
         </a:xfrm>
       </p:grpSpPr>
-      <p:graphicFrame>
-        <p:nvGraphicFramePr>
-          <p:cNvPr id="4" name="図表 3">
+      <p:pic>
+        <p:nvPicPr>
+          <p:cNvPr id="3" name="図 2">
             <a:extLst>
               <a:ext uri="{FF2B5EF4-FFF2-40B4-BE49-F238E27FC236}">
-                <a16:creationId xmlns:a16="http://schemas.microsoft.com/office/drawing/2014/main" id="{2D0259A5-2C6A-2DA0-E662-BB3738B66725}"/>
+                <a16:creationId xmlns:a16="http://schemas.microsoft.com/office/drawing/2014/main" id="{545C9176-E221-0F49-A92D-6A0A9F1DD4F3}"/>
               </a:ext>
             </a:extLst>
           </p:cNvPr>
-          <p:cNvGraphicFramePr/>
-          <p:nvPr>
-            <p:extLst>
-              <p:ext uri="{D42A27DB-BD31-4B8C-83A1-F6EECF244321}">
-                <p14:modId xmlns:p14="http://schemas.microsoft.com/office/powerpoint/2010/main" val="1521310092"/>
-              </p:ext>
-            </p:extLst>
-          </p:nvPr>
-        </p:nvGraphicFramePr>
-        <p:xfrm>
-          <a:off x="-350861" y="75604"/>
-          <a:ext cx="23741110" cy="7048140"/>
-        </p:xfrm>
-        <a:graphic>
-          <a:graphicData uri="http://schemas.openxmlformats.org/drawingml/2006/diagram">
-            <dgm:relIds xmlns:dgm="http://schemas.openxmlformats.org/drawingml/2006/diagram" xmlns:r="http://schemas.openxmlformats.org/officeDocument/2006/relationships" r:dm="rId2" r:lo="rId3" r:qs="rId4" r:cs="rId5"/>
-          </a:graphicData>
-        </a:graphic>
-      </p:graphicFrame>
+          <p:cNvPicPr>
+            <a:picLocks noChangeAspect="1"/>
+          </p:cNvPicPr>
+          <p:nvPr/>
+        </p:nvPicPr>
+        <p:blipFill>
+          <a:blip r:embed="rId2"/>
+          <a:stretch>
+            <a:fillRect/>
+          </a:stretch>
+        </p:blipFill>
+        <p:spPr>
+          <a:xfrm>
+            <a:off x="6910466" y="0"/>
+            <a:ext cx="9139666" cy="7261915"/>
+          </a:xfrm>
+          <a:prstGeom prst="rect">
+            <a:avLst/>
+          </a:prstGeom>
+        </p:spPr>
+      </p:pic>
     </p:spTree>
     <p:extLst>
       <p:ext uri="{BB962C8B-B14F-4D97-AF65-F5344CB8AC3E}">
-        <p14:creationId xmlns:p14="http://schemas.microsoft.com/office/powerpoint/2010/main" val="470243937"/>
+        <p14:creationId xmlns:p14="http://schemas.microsoft.com/office/powerpoint/2010/main" val="4096685087"/>
       </p:ext>
     </p:extLst>
   </p:cSld>
@@ -15607,6 +15611,1265 @@
 </file>
 
 <file path=ppt/slides/slide10.xml><?xml version="1.0" encoding="utf-8"?>
+<p:sld xmlns:a="http://schemas.openxmlformats.org/drawingml/2006/main" xmlns:r="http://schemas.openxmlformats.org/officeDocument/2006/relationships" xmlns:p="http://schemas.openxmlformats.org/presentationml/2006/main">
+  <p:cSld>
+    <p:spTree>
+      <p:nvGrpSpPr>
+        <p:cNvPr id="1" name=""/>
+        <p:cNvGrpSpPr/>
+        <p:nvPr/>
+      </p:nvGrpSpPr>
+      <p:grpSpPr>
+        <a:xfrm>
+          <a:off x="0" y="0"/>
+          <a:ext cx="0" cy="0"/>
+          <a:chOff x="0" y="0"/>
+          <a:chExt cx="0" cy="0"/>
+        </a:xfrm>
+      </p:grpSpPr>
+      <p:grpSp>
+        <p:nvGrpSpPr>
+          <p:cNvPr id="81" name="グループ化 80">
+            <a:extLst>
+              <a:ext uri="{FF2B5EF4-FFF2-40B4-BE49-F238E27FC236}">
+                <a16:creationId xmlns:a16="http://schemas.microsoft.com/office/drawing/2014/main" id="{76D9596E-9294-480E-296B-E3DD658FE6FF}"/>
+              </a:ext>
+            </a:extLst>
+          </p:cNvPr>
+          <p:cNvGrpSpPr/>
+          <p:nvPr/>
+        </p:nvGrpSpPr>
+        <p:grpSpPr>
+          <a:xfrm>
+            <a:off x="6893649" y="319799"/>
+            <a:ext cx="9252109" cy="6472223"/>
+            <a:chOff x="6299843" y="126848"/>
+            <a:chExt cx="4751324" cy="3323742"/>
+          </a:xfrm>
+        </p:grpSpPr>
+        <p:grpSp>
+          <p:nvGrpSpPr>
+            <p:cNvPr id="39" name="グループ化 38">
+              <a:extLst>
+                <a:ext uri="{FF2B5EF4-FFF2-40B4-BE49-F238E27FC236}">
+                  <a16:creationId xmlns:a16="http://schemas.microsoft.com/office/drawing/2014/main" id="{E27E1631-9866-002A-9456-B8D306027306}"/>
+                </a:ext>
+              </a:extLst>
+            </p:cNvPr>
+            <p:cNvGrpSpPr/>
+            <p:nvPr/>
+          </p:nvGrpSpPr>
+          <p:grpSpPr>
+            <a:xfrm>
+              <a:off x="6299843" y="126848"/>
+              <a:ext cx="4751324" cy="3323742"/>
+              <a:chOff x="3891716" y="203793"/>
+              <a:chExt cx="4751324" cy="3323742"/>
+            </a:xfrm>
+          </p:grpSpPr>
+          <p:grpSp>
+            <p:nvGrpSpPr>
+              <p:cNvPr id="40" name="グループ化 39">
+                <a:extLst>
+                  <a:ext uri="{FF2B5EF4-FFF2-40B4-BE49-F238E27FC236}">
+                    <a16:creationId xmlns:a16="http://schemas.microsoft.com/office/drawing/2014/main" id="{6CEE95F9-5FE1-1827-9721-1F21B9C0BB27}"/>
+                  </a:ext>
+                </a:extLst>
+              </p:cNvPr>
+              <p:cNvGrpSpPr/>
+              <p:nvPr/>
+            </p:nvGrpSpPr>
+            <p:grpSpPr>
+              <a:xfrm>
+                <a:off x="3891716" y="203793"/>
+                <a:ext cx="4751324" cy="3166971"/>
+                <a:chOff x="5300915" y="280736"/>
+                <a:chExt cx="4751324" cy="3166971"/>
+              </a:xfrm>
+            </p:grpSpPr>
+            <p:cxnSp>
+              <p:nvCxnSpPr>
+                <p:cNvPr id="53" name="直線矢印コネクタ 52">
+                  <a:extLst>
+                    <a:ext uri="{FF2B5EF4-FFF2-40B4-BE49-F238E27FC236}">
+                      <a16:creationId xmlns:a16="http://schemas.microsoft.com/office/drawing/2014/main" id="{49E788E8-7A17-136F-5ED5-FB644C62CFD3}"/>
+                    </a:ext>
+                  </a:extLst>
+                </p:cNvPr>
+                <p:cNvCxnSpPr>
+                  <a:cxnSpLocks/>
+                </p:cNvCxnSpPr>
+                <p:nvPr/>
+              </p:nvCxnSpPr>
+              <p:spPr>
+                <a:xfrm flipV="1">
+                  <a:off x="5642811" y="547437"/>
+                  <a:ext cx="0" cy="2791326"/>
+                </a:xfrm>
+                <a:prstGeom prst="straightConnector1">
+                  <a:avLst/>
+                </a:prstGeom>
+                <a:ln w="19050">
+                  <a:solidFill>
+                    <a:schemeClr val="tx1"/>
+                  </a:solidFill>
+                  <a:headEnd type="none" w="med" len="med"/>
+                  <a:tailEnd type="arrow" w="med" len="med"/>
+                </a:ln>
+              </p:spPr>
+              <p:style>
+                <a:lnRef idx="1">
+                  <a:schemeClr val="accent1"/>
+                </a:lnRef>
+                <a:fillRef idx="0">
+                  <a:schemeClr val="accent1"/>
+                </a:fillRef>
+                <a:effectRef idx="0">
+                  <a:schemeClr val="accent1"/>
+                </a:effectRef>
+                <a:fontRef idx="minor">
+                  <a:schemeClr val="tx1"/>
+                </a:fontRef>
+              </p:style>
+            </p:cxnSp>
+            <p:cxnSp>
+              <p:nvCxnSpPr>
+                <p:cNvPr id="54" name="直線矢印コネクタ 53">
+                  <a:extLst>
+                    <a:ext uri="{FF2B5EF4-FFF2-40B4-BE49-F238E27FC236}">
+                      <a16:creationId xmlns:a16="http://schemas.microsoft.com/office/drawing/2014/main" id="{F0104F12-6668-371C-3E48-A49F4E734601}"/>
+                    </a:ext>
+                  </a:extLst>
+                </p:cNvPr>
+                <p:cNvCxnSpPr>
+                  <a:cxnSpLocks/>
+                </p:cNvCxnSpPr>
+                <p:nvPr/>
+              </p:nvCxnSpPr>
+              <p:spPr>
+                <a:xfrm>
+                  <a:off x="5642811" y="3338763"/>
+                  <a:ext cx="3224463" cy="0"/>
+                </a:xfrm>
+                <a:prstGeom prst="straightConnector1">
+                  <a:avLst/>
+                </a:prstGeom>
+                <a:ln w="19050">
+                  <a:solidFill>
+                    <a:schemeClr val="tx1"/>
+                  </a:solidFill>
+                  <a:headEnd type="none" w="med" len="med"/>
+                  <a:tailEnd type="arrow" w="med" len="med"/>
+                </a:ln>
+              </p:spPr>
+              <p:style>
+                <a:lnRef idx="1">
+                  <a:schemeClr val="accent1"/>
+                </a:lnRef>
+                <a:fillRef idx="0">
+                  <a:schemeClr val="accent1"/>
+                </a:fillRef>
+                <a:effectRef idx="0">
+                  <a:schemeClr val="accent1"/>
+                </a:effectRef>
+                <a:fontRef idx="minor">
+                  <a:schemeClr val="tx1"/>
+                </a:fontRef>
+              </p:style>
+            </p:cxnSp>
+            <p:sp>
+              <p:nvSpPr>
+                <p:cNvPr id="55" name="テキスト ボックス 54">
+                  <a:extLst>
+                    <a:ext uri="{FF2B5EF4-FFF2-40B4-BE49-F238E27FC236}">
+                      <a16:creationId xmlns:a16="http://schemas.microsoft.com/office/drawing/2014/main" id="{89A0DEF1-F0F6-A68B-8450-A17E38EAE9A2}"/>
+                    </a:ext>
+                  </a:extLst>
+                </p:cNvPr>
+                <p:cNvSpPr txBox="1"/>
+                <p:nvPr/>
+              </p:nvSpPr>
+              <p:spPr>
+                <a:xfrm>
+                  <a:off x="5300915" y="280736"/>
+                  <a:ext cx="683792" cy="262833"/>
+                </a:xfrm>
+                <a:prstGeom prst="rect">
+                  <a:avLst/>
+                </a:prstGeom>
+                <a:noFill/>
+              </p:spPr>
+              <p:txBody>
+                <a:bodyPr wrap="square" rtlCol="0">
+                  <a:spAutoFit/>
+                </a:bodyPr>
+                <a:lstStyle/>
+                <a:p>
+                  <a:pPr algn="ctr"/>
+                  <a:r>
+                    <a:rPr lang="ja-JP" altLang="en-US" sz="2726" dirty="0"/>
+                    <a:t>賃金</a:t>
+                  </a:r>
+                </a:p>
+              </p:txBody>
+            </p:sp>
+            <p:sp>
+              <p:nvSpPr>
+                <p:cNvPr id="56" name="テキスト ボックス 55">
+                  <a:extLst>
+                    <a:ext uri="{FF2B5EF4-FFF2-40B4-BE49-F238E27FC236}">
+                      <a16:creationId xmlns:a16="http://schemas.microsoft.com/office/drawing/2014/main" id="{53F00CB4-C2DA-0E1E-434D-BD8EC9B751F8}"/>
+                    </a:ext>
+                  </a:extLst>
+                </p:cNvPr>
+                <p:cNvSpPr txBox="1"/>
+                <p:nvPr/>
+              </p:nvSpPr>
+              <p:spPr>
+                <a:xfrm>
+                  <a:off x="8867274" y="3184874"/>
+                  <a:ext cx="842210" cy="262833"/>
+                </a:xfrm>
+                <a:prstGeom prst="rect">
+                  <a:avLst/>
+                </a:prstGeom>
+                <a:noFill/>
+              </p:spPr>
+              <p:txBody>
+                <a:bodyPr wrap="square" rtlCol="0">
+                  <a:spAutoFit/>
+                </a:bodyPr>
+                <a:lstStyle/>
+                <a:p>
+                  <a:pPr algn="ctr"/>
+                  <a:r>
+                    <a:rPr lang="ja-JP" altLang="en-US" sz="2726" dirty="0"/>
+                    <a:t>雇用量</a:t>
+                  </a:r>
+                </a:p>
+              </p:txBody>
+            </p:sp>
+            <p:sp>
+              <p:nvSpPr>
+                <p:cNvPr id="58" name="フリーフォーム: 図形 57">
+                  <a:extLst>
+                    <a:ext uri="{FF2B5EF4-FFF2-40B4-BE49-F238E27FC236}">
+                      <a16:creationId xmlns:a16="http://schemas.microsoft.com/office/drawing/2014/main" id="{B0E92533-6357-990A-68E8-457DECD0ED50}"/>
+                    </a:ext>
+                  </a:extLst>
+                </p:cNvPr>
+                <p:cNvSpPr/>
+                <p:nvPr/>
+              </p:nvSpPr>
+              <p:spPr>
+                <a:xfrm>
+                  <a:off x="5883442" y="757989"/>
+                  <a:ext cx="2598821" cy="2358190"/>
+                </a:xfrm>
+                <a:custGeom>
+                  <a:avLst/>
+                  <a:gdLst>
+                    <a:gd name="connsiteX0" fmla="*/ 0 w 2598821"/>
+                    <a:gd name="connsiteY0" fmla="*/ 2358190 h 2358190"/>
+                    <a:gd name="connsiteX1" fmla="*/ 1780674 w 2598821"/>
+                    <a:gd name="connsiteY1" fmla="*/ 1690437 h 2358190"/>
+                    <a:gd name="connsiteX2" fmla="*/ 2598821 w 2598821"/>
+                    <a:gd name="connsiteY2" fmla="*/ 0 h 2358190"/>
+                  </a:gdLst>
+                  <a:ahLst/>
+                  <a:cxnLst>
+                    <a:cxn ang="0">
+                      <a:pos x="connsiteX0" y="connsiteY0"/>
+                    </a:cxn>
+                    <a:cxn ang="0">
+                      <a:pos x="connsiteX1" y="connsiteY1"/>
+                    </a:cxn>
+                    <a:cxn ang="0">
+                      <a:pos x="connsiteX2" y="connsiteY2"/>
+                    </a:cxn>
+                  </a:cxnLst>
+                  <a:rect l="l" t="t" r="r" b="b"/>
+                  <a:pathLst>
+                    <a:path w="2598821" h="2358190">
+                      <a:moveTo>
+                        <a:pt x="0" y="2358190"/>
+                      </a:moveTo>
+                      <a:cubicBezTo>
+                        <a:pt x="673768" y="2220829"/>
+                        <a:pt x="1347537" y="2083469"/>
+                        <a:pt x="1780674" y="1690437"/>
+                      </a:cubicBezTo>
+                      <a:cubicBezTo>
+                        <a:pt x="2213811" y="1297405"/>
+                        <a:pt x="2406316" y="648702"/>
+                        <a:pt x="2598821" y="0"/>
+                      </a:cubicBezTo>
+                    </a:path>
+                  </a:pathLst>
+                </a:custGeom>
+                <a:noFill/>
+                <a:ln w="28575">
+                  <a:prstDash val="dash"/>
+                </a:ln>
+              </p:spPr>
+              <p:style>
+                <a:lnRef idx="2">
+                  <a:schemeClr val="accent1">
+                    <a:shade val="15000"/>
+                  </a:schemeClr>
+                </a:lnRef>
+                <a:fillRef idx="1">
+                  <a:schemeClr val="accent1"/>
+                </a:fillRef>
+                <a:effectRef idx="0">
+                  <a:schemeClr val="accent1"/>
+                </a:effectRef>
+                <a:fontRef idx="minor">
+                  <a:schemeClr val="lt1"/>
+                </a:fontRef>
+              </p:style>
+              <p:txBody>
+                <a:bodyPr rtlCol="0" anchor="ctr"/>
+                <a:lstStyle/>
+                <a:p>
+                  <a:pPr algn="ctr"/>
+                  <a:endParaRPr lang="ja-JP" altLang="en-US" sz="6860"/>
+                </a:p>
+              </p:txBody>
+            </p:sp>
+            <p:sp>
+              <p:nvSpPr>
+                <p:cNvPr id="59" name="テキスト ボックス 58">
+                  <a:extLst>
+                    <a:ext uri="{FF2B5EF4-FFF2-40B4-BE49-F238E27FC236}">
+                      <a16:creationId xmlns:a16="http://schemas.microsoft.com/office/drawing/2014/main" id="{8BD0B1E9-E0ED-301F-01A0-1183E8C4E212}"/>
+                    </a:ext>
+                  </a:extLst>
+                </p:cNvPr>
+                <p:cNvSpPr txBox="1"/>
+                <p:nvPr/>
+              </p:nvSpPr>
+              <p:spPr>
+                <a:xfrm>
+                  <a:off x="8570969" y="2844506"/>
+                  <a:ext cx="842210" cy="262833"/>
+                </a:xfrm>
+                <a:prstGeom prst="rect">
+                  <a:avLst/>
+                </a:prstGeom>
+                <a:noFill/>
+              </p:spPr>
+              <p:txBody>
+                <a:bodyPr wrap="square" rtlCol="0">
+                  <a:spAutoFit/>
+                </a:bodyPr>
+                <a:lstStyle/>
+                <a:p>
+                  <a:pPr algn="ctr"/>
+                  <a:r>
+                    <a:rPr lang="ja-JP" altLang="en-US" sz="2726" dirty="0"/>
+                    <a:t>需要</a:t>
+                  </a:r>
+                </a:p>
+              </p:txBody>
+            </p:sp>
+            <p:sp>
+              <p:nvSpPr>
+                <p:cNvPr id="60" name="テキスト ボックス 59">
+                  <a:extLst>
+                    <a:ext uri="{FF2B5EF4-FFF2-40B4-BE49-F238E27FC236}">
+                      <a16:creationId xmlns:a16="http://schemas.microsoft.com/office/drawing/2014/main" id="{67A229D6-3305-8B94-8A88-8E878B5AF22D}"/>
+                    </a:ext>
+                  </a:extLst>
+                </p:cNvPr>
+                <p:cNvSpPr txBox="1"/>
+                <p:nvPr/>
+              </p:nvSpPr>
+              <p:spPr>
+                <a:xfrm>
+                  <a:off x="8427434" y="1470617"/>
+                  <a:ext cx="1624805" cy="262833"/>
+                </a:xfrm>
+                <a:prstGeom prst="rect">
+                  <a:avLst/>
+                </a:prstGeom>
+                <a:noFill/>
+              </p:spPr>
+              <p:txBody>
+                <a:bodyPr wrap="square" rtlCol="0">
+                  <a:spAutoFit/>
+                </a:bodyPr>
+                <a:lstStyle/>
+                <a:p>
+                  <a:pPr algn="ctr"/>
+                  <a:r>
+                    <a:rPr lang="ja-JP" altLang="en-US" sz="2726" dirty="0"/>
+                    <a:t>供給（シフト後）</a:t>
+                  </a:r>
+                </a:p>
+              </p:txBody>
+            </p:sp>
+          </p:grpSp>
+          <p:sp>
+            <p:nvSpPr>
+              <p:cNvPr id="41" name="フリーフォーム: 図形 40">
+                <a:extLst>
+                  <a:ext uri="{FF2B5EF4-FFF2-40B4-BE49-F238E27FC236}">
+                    <a16:creationId xmlns:a16="http://schemas.microsoft.com/office/drawing/2014/main" id="{CD780250-2B96-7783-7FCA-31CD7B9BD5F8}"/>
+                  </a:ext>
+                </a:extLst>
+              </p:cNvPr>
+              <p:cNvSpPr/>
+              <p:nvPr/>
+            </p:nvSpPr>
+            <p:spPr>
+              <a:xfrm>
+                <a:off x="4449088" y="861003"/>
+                <a:ext cx="2761248" cy="2051384"/>
+              </a:xfrm>
+              <a:custGeom>
+                <a:avLst/>
+                <a:gdLst>
+                  <a:gd name="connsiteX0" fmla="*/ 0 w 2761248"/>
+                  <a:gd name="connsiteY0" fmla="*/ 0 h 2051384"/>
+                  <a:gd name="connsiteX1" fmla="*/ 842211 w 2761248"/>
+                  <a:gd name="connsiteY1" fmla="*/ 1606216 h 2051384"/>
+                  <a:gd name="connsiteX2" fmla="*/ 2761248 w 2761248"/>
+                  <a:gd name="connsiteY2" fmla="*/ 2051384 h 2051384"/>
+                </a:gdLst>
+                <a:ahLst/>
+                <a:cxnLst>
+                  <a:cxn ang="0">
+                    <a:pos x="connsiteX0" y="connsiteY0"/>
+                  </a:cxn>
+                  <a:cxn ang="0">
+                    <a:pos x="connsiteX1" y="connsiteY1"/>
+                  </a:cxn>
+                  <a:cxn ang="0">
+                    <a:pos x="connsiteX2" y="connsiteY2"/>
+                  </a:cxn>
+                </a:cxnLst>
+                <a:rect l="l" t="t" r="r" b="b"/>
+                <a:pathLst>
+                  <a:path w="2761248" h="2051384">
+                    <a:moveTo>
+                      <a:pt x="0" y="0"/>
+                    </a:moveTo>
+                    <a:cubicBezTo>
+                      <a:pt x="191001" y="632159"/>
+                      <a:pt x="382003" y="1264319"/>
+                      <a:pt x="842211" y="1606216"/>
+                    </a:cubicBezTo>
+                    <a:cubicBezTo>
+                      <a:pt x="1302419" y="1948113"/>
+                      <a:pt x="2031833" y="1999748"/>
+                      <a:pt x="2761248" y="2051384"/>
+                    </a:cubicBezTo>
+                  </a:path>
+                </a:pathLst>
+              </a:custGeom>
+              <a:noFill/>
+              <a:ln w="28575"/>
+            </p:spPr>
+            <p:style>
+              <a:lnRef idx="2">
+                <a:schemeClr val="accent1">
+                  <a:shade val="15000"/>
+                </a:schemeClr>
+              </a:lnRef>
+              <a:fillRef idx="1">
+                <a:schemeClr val="accent1"/>
+              </a:fillRef>
+              <a:effectRef idx="0">
+                <a:schemeClr val="accent1"/>
+              </a:effectRef>
+              <a:fontRef idx="minor">
+                <a:schemeClr val="lt1"/>
+              </a:fontRef>
+            </p:style>
+            <p:txBody>
+              <a:bodyPr rtlCol="0" anchor="ctr"/>
+              <a:lstStyle/>
+              <a:p>
+                <a:pPr algn="ctr"/>
+                <a:endParaRPr lang="ja-JP" altLang="en-US" sz="6860"/>
+              </a:p>
+            </p:txBody>
+          </p:sp>
+          <mc:AlternateContent xmlns:mc="http://schemas.openxmlformats.org/markup-compatibility/2006" xmlns:a14="http://schemas.microsoft.com/office/drawing/2010/main">
+            <mc:Choice Requires="a14">
+              <p:sp>
+                <p:nvSpPr>
+                  <p:cNvPr id="42" name="テキスト ボックス 41">
+                    <a:extLst>
+                      <a:ext uri="{FF2B5EF4-FFF2-40B4-BE49-F238E27FC236}">
+                        <a16:creationId xmlns:a16="http://schemas.microsoft.com/office/drawing/2014/main" id="{782A1389-B805-8314-10A9-8AE787ADB682}"/>
+                      </a:ext>
+                    </a:extLst>
+                  </p:cNvPr>
+                  <p:cNvSpPr txBox="1"/>
+                  <p:nvPr/>
+                </p:nvSpPr>
+                <p:spPr>
+                  <a:xfrm>
+                    <a:off x="5329398" y="3261819"/>
+                    <a:ext cx="842210" cy="262833"/>
+                  </a:xfrm>
+                  <a:prstGeom prst="rect">
+                    <a:avLst/>
+                  </a:prstGeom>
+                  <a:noFill/>
+                </p:spPr>
+                <p:txBody>
+                  <a:bodyPr wrap="square" rtlCol="0">
+                    <a:spAutoFit/>
+                  </a:bodyPr>
+                  <a:lstStyle/>
+                  <a:p>
+                    <a:pPr algn="ctr"/>
+                    <a14:m>
+                      <m:oMathPara xmlns:m="http://schemas.openxmlformats.org/officeDocument/2006/math">
+                        <m:oMathParaPr>
+                          <m:jc m:val="centerGroup"/>
+                        </m:oMathParaPr>
+                        <m:oMath xmlns:m="http://schemas.openxmlformats.org/officeDocument/2006/math">
+                          <m:sSub>
+                            <m:sSubPr>
+                              <m:ctrlPr>
+                                <a:rPr lang="en-US" altLang="ja-JP" sz="2726" i="1">
+                                  <a:latin typeface="Cambria Math" panose="02040503050406030204" pitchFamily="18" charset="0"/>
+                                </a:rPr>
+                              </m:ctrlPr>
+                            </m:sSubPr>
+                            <m:e>
+                              <m:r>
+                                <a:rPr lang="en-US" altLang="ja-JP" sz="2726" i="1">
+                                  <a:latin typeface="Cambria Math" panose="02040503050406030204" pitchFamily="18" charset="0"/>
+                                </a:rPr>
+                                <m:t>𝐿</m:t>
+                              </m:r>
+                            </m:e>
+                            <m:sub>
+                              <m:r>
+                                <a:rPr lang="en-US" altLang="ja-JP" sz="2726" i="1">
+                                  <a:latin typeface="Cambria Math" panose="02040503050406030204" pitchFamily="18" charset="0"/>
+                                </a:rPr>
+                                <m:t>1</m:t>
+                              </m:r>
+                            </m:sub>
+                          </m:sSub>
+                        </m:oMath>
+                      </m:oMathPara>
+                    </a14:m>
+                    <a:endParaRPr lang="ja-JP" altLang="en-US" sz="2726" dirty="0"/>
+                  </a:p>
+                </p:txBody>
+              </p:sp>
+            </mc:Choice>
+            <mc:Fallback xmlns="">
+              <p:sp>
+                <p:nvSpPr>
+                  <p:cNvPr id="42" name="テキスト ボックス 41">
+                    <a:extLst>
+                      <a:ext uri="{FF2B5EF4-FFF2-40B4-BE49-F238E27FC236}">
+                        <a16:creationId xmlns:a16="http://schemas.microsoft.com/office/drawing/2014/main" id="{782A1389-B805-8314-10A9-8AE787ADB682}"/>
+                      </a:ext>
+                    </a:extLst>
+                  </p:cNvPr>
+                  <p:cNvSpPr txBox="1">
+                    <a:spLocks noRot="1" noChangeAspect="1" noMove="1" noResize="1" noEditPoints="1" noAdjustHandles="1" noChangeArrowheads="1" noChangeShapeType="1" noTextEdit="1"/>
+                  </p:cNvSpPr>
+                  <p:nvPr/>
+                </p:nvSpPr>
+                <p:spPr>
+                  <a:xfrm>
+                    <a:off x="5329398" y="3261819"/>
+                    <a:ext cx="842210" cy="262833"/>
+                  </a:xfrm>
+                  <a:prstGeom prst="rect">
+                    <a:avLst/>
+                  </a:prstGeom>
+                  <a:blipFill>
+                    <a:blip r:embed="rId2"/>
+                    <a:stretch>
+                      <a:fillRect/>
+                    </a:stretch>
+                  </a:blipFill>
+                </p:spPr>
+                <p:txBody>
+                  <a:bodyPr/>
+                  <a:lstStyle/>
+                  <a:p>
+                    <a:r>
+                      <a:rPr lang="ja-JP" altLang="en-US">
+                        <a:noFill/>
+                      </a:rPr>
+                      <a:t> </a:t>
+                    </a:r>
+                  </a:p>
+                </p:txBody>
+              </p:sp>
+            </mc:Fallback>
+          </mc:AlternateContent>
+          <p:cxnSp>
+            <p:nvCxnSpPr>
+              <p:cNvPr id="43" name="直線コネクタ 42">
+                <a:extLst>
+                  <a:ext uri="{FF2B5EF4-FFF2-40B4-BE49-F238E27FC236}">
+                    <a16:creationId xmlns:a16="http://schemas.microsoft.com/office/drawing/2014/main" id="{D2E17D67-F412-63A6-71EA-679436AD64CC}"/>
+                  </a:ext>
+                </a:extLst>
+              </p:cNvPr>
+              <p:cNvCxnSpPr>
+                <a:cxnSpLocks/>
+              </p:cNvCxnSpPr>
+              <p:nvPr/>
+            </p:nvCxnSpPr>
+            <p:spPr>
+              <a:xfrm>
+                <a:off x="5750503" y="2673751"/>
+                <a:ext cx="0" cy="588068"/>
+              </a:xfrm>
+              <a:prstGeom prst="line">
+                <a:avLst/>
+              </a:prstGeom>
+              <a:ln w="12700">
+                <a:solidFill>
+                  <a:schemeClr val="tx1"/>
+                </a:solidFill>
+                <a:prstDash val="dash"/>
+              </a:ln>
+            </p:spPr>
+            <p:style>
+              <a:lnRef idx="1">
+                <a:schemeClr val="accent1"/>
+              </a:lnRef>
+              <a:fillRef idx="0">
+                <a:schemeClr val="accent1"/>
+              </a:fillRef>
+              <a:effectRef idx="0">
+                <a:schemeClr val="accent1"/>
+              </a:effectRef>
+              <a:fontRef idx="minor">
+                <a:schemeClr val="tx1"/>
+              </a:fontRef>
+            </p:style>
+          </p:cxnSp>
+          <mc:AlternateContent xmlns:mc="http://schemas.openxmlformats.org/markup-compatibility/2006" xmlns:a14="http://schemas.microsoft.com/office/drawing/2010/main">
+            <mc:Choice Requires="a14">
+              <p:sp>
+                <p:nvSpPr>
+                  <p:cNvPr id="44" name="テキスト ボックス 43">
+                    <a:extLst>
+                      <a:ext uri="{FF2B5EF4-FFF2-40B4-BE49-F238E27FC236}">
+                        <a16:creationId xmlns:a16="http://schemas.microsoft.com/office/drawing/2014/main" id="{0052DD4E-18C2-2F00-4DB1-85F83340A8D3}"/>
+                      </a:ext>
+                    </a:extLst>
+                  </p:cNvPr>
+                  <p:cNvSpPr txBox="1"/>
+                  <p:nvPr/>
+                </p:nvSpPr>
+                <p:spPr>
+                  <a:xfrm>
+                    <a:off x="3915999" y="2453757"/>
+                    <a:ext cx="341896" cy="262833"/>
+                  </a:xfrm>
+                  <a:prstGeom prst="rect">
+                    <a:avLst/>
+                  </a:prstGeom>
+                  <a:noFill/>
+                </p:spPr>
+                <p:txBody>
+                  <a:bodyPr wrap="square" rtlCol="0">
+                    <a:spAutoFit/>
+                  </a:bodyPr>
+                  <a:lstStyle/>
+                  <a:p>
+                    <a:pPr algn="ctr"/>
+                    <a14:m>
+                      <m:oMathPara xmlns:m="http://schemas.openxmlformats.org/officeDocument/2006/math">
+                        <m:oMathParaPr>
+                          <m:jc m:val="centerGroup"/>
+                        </m:oMathParaPr>
+                        <m:oMath xmlns:m="http://schemas.openxmlformats.org/officeDocument/2006/math">
+                          <m:sSub>
+                            <m:sSubPr>
+                              <m:ctrlPr>
+                                <a:rPr lang="en-US" altLang="ja-JP" sz="2726" i="1">
+                                  <a:latin typeface="Cambria Math" panose="02040503050406030204" pitchFamily="18" charset="0"/>
+                                </a:rPr>
+                              </m:ctrlPr>
+                            </m:sSubPr>
+                            <m:e>
+                              <m:r>
+                                <a:rPr lang="en-US" altLang="ja-JP" sz="2726" i="1">
+                                  <a:latin typeface="Cambria Math" panose="02040503050406030204" pitchFamily="18" charset="0"/>
+                                </a:rPr>
+                                <m:t>𝑊</m:t>
+                              </m:r>
+                            </m:e>
+                            <m:sub>
+                              <m:r>
+                                <a:rPr lang="en-US" altLang="ja-JP" sz="2726" i="1">
+                                  <a:latin typeface="Cambria Math" panose="02040503050406030204" pitchFamily="18" charset="0"/>
+                                </a:rPr>
+                                <m:t>1</m:t>
+                              </m:r>
+                            </m:sub>
+                          </m:sSub>
+                        </m:oMath>
+                      </m:oMathPara>
+                    </a14:m>
+                    <a:endParaRPr lang="ja-JP" altLang="en-US" sz="2726" dirty="0"/>
+                  </a:p>
+                </p:txBody>
+              </p:sp>
+            </mc:Choice>
+            <mc:Fallback xmlns="">
+              <p:sp>
+                <p:nvSpPr>
+                  <p:cNvPr id="44" name="テキスト ボックス 43">
+                    <a:extLst>
+                      <a:ext uri="{FF2B5EF4-FFF2-40B4-BE49-F238E27FC236}">
+                        <a16:creationId xmlns:a16="http://schemas.microsoft.com/office/drawing/2014/main" id="{0052DD4E-18C2-2F00-4DB1-85F83340A8D3}"/>
+                      </a:ext>
+                    </a:extLst>
+                  </p:cNvPr>
+                  <p:cNvSpPr txBox="1">
+                    <a:spLocks noRot="1" noChangeAspect="1" noMove="1" noResize="1" noEditPoints="1" noAdjustHandles="1" noChangeArrowheads="1" noChangeShapeType="1" noTextEdit="1"/>
+                  </p:cNvSpPr>
+                  <p:nvPr/>
+                </p:nvSpPr>
+                <p:spPr>
+                  <a:xfrm>
+                    <a:off x="3915999" y="2453757"/>
+                    <a:ext cx="341896" cy="262833"/>
+                  </a:xfrm>
+                  <a:prstGeom prst="rect">
+                    <a:avLst/>
+                  </a:prstGeom>
+                  <a:blipFill>
+                    <a:blip r:embed="rId3"/>
+                    <a:stretch>
+                      <a:fillRect/>
+                    </a:stretch>
+                  </a:blipFill>
+                </p:spPr>
+                <p:txBody>
+                  <a:bodyPr/>
+                  <a:lstStyle/>
+                  <a:p>
+                    <a:r>
+                      <a:rPr lang="ja-JP" altLang="en-US">
+                        <a:noFill/>
+                      </a:rPr>
+                      <a:t> </a:t>
+                    </a:r>
+                  </a:p>
+                </p:txBody>
+              </p:sp>
+            </mc:Fallback>
+          </mc:AlternateContent>
+          <p:cxnSp>
+            <p:nvCxnSpPr>
+              <p:cNvPr id="45" name="直線コネクタ 44">
+                <a:extLst>
+                  <a:ext uri="{FF2B5EF4-FFF2-40B4-BE49-F238E27FC236}">
+                    <a16:creationId xmlns:a16="http://schemas.microsoft.com/office/drawing/2014/main" id="{20323554-E2E9-57FD-25A2-027390C3A022}"/>
+                  </a:ext>
+                </a:extLst>
+              </p:cNvPr>
+              <p:cNvCxnSpPr>
+                <a:cxnSpLocks/>
+              </p:cNvCxnSpPr>
+              <p:nvPr/>
+            </p:nvCxnSpPr>
+            <p:spPr>
+              <a:xfrm flipH="1">
+                <a:off x="4233612" y="2696899"/>
+                <a:ext cx="1516891" cy="0"/>
+              </a:xfrm>
+              <a:prstGeom prst="line">
+                <a:avLst/>
+              </a:prstGeom>
+              <a:ln w="12700">
+                <a:solidFill>
+                  <a:schemeClr val="tx1"/>
+                </a:solidFill>
+                <a:prstDash val="dash"/>
+              </a:ln>
+            </p:spPr>
+            <p:style>
+              <a:lnRef idx="1">
+                <a:schemeClr val="accent1"/>
+              </a:lnRef>
+              <a:fillRef idx="0">
+                <a:schemeClr val="accent1"/>
+              </a:fillRef>
+              <a:effectRef idx="0">
+                <a:schemeClr val="accent1"/>
+              </a:effectRef>
+              <a:fontRef idx="minor">
+                <a:schemeClr val="tx1"/>
+              </a:fontRef>
+            </p:style>
+          </p:cxnSp>
+          <mc:AlternateContent xmlns:mc="http://schemas.openxmlformats.org/markup-compatibility/2006" xmlns:a14="http://schemas.microsoft.com/office/drawing/2010/main">
+            <mc:Choice Requires="a14">
+              <p:sp>
+                <p:nvSpPr>
+                  <p:cNvPr id="46" name="テキスト ボックス 45">
+                    <a:extLst>
+                      <a:ext uri="{FF2B5EF4-FFF2-40B4-BE49-F238E27FC236}">
+                        <a16:creationId xmlns:a16="http://schemas.microsoft.com/office/drawing/2014/main" id="{E4CDFE70-65D1-F762-DA1C-BC4153200392}"/>
+                      </a:ext>
+                    </a:extLst>
+                  </p:cNvPr>
+                  <p:cNvSpPr txBox="1"/>
+                  <p:nvPr/>
+                </p:nvSpPr>
+                <p:spPr>
+                  <a:xfrm>
+                    <a:off x="5677452" y="3264702"/>
+                    <a:ext cx="842210" cy="262833"/>
+                  </a:xfrm>
+                  <a:prstGeom prst="rect">
+                    <a:avLst/>
+                  </a:prstGeom>
+                  <a:noFill/>
+                </p:spPr>
+                <p:txBody>
+                  <a:bodyPr wrap="square" rtlCol="0">
+                    <a:spAutoFit/>
+                  </a:bodyPr>
+                  <a:lstStyle/>
+                  <a:p>
+                    <a:pPr algn="ctr"/>
+                    <a14:m>
+                      <m:oMathPara xmlns:m="http://schemas.openxmlformats.org/officeDocument/2006/math">
+                        <m:oMathParaPr>
+                          <m:jc m:val="centerGroup"/>
+                        </m:oMathParaPr>
+                        <m:oMath xmlns:m="http://schemas.openxmlformats.org/officeDocument/2006/math">
+                          <m:sSub>
+                            <m:sSubPr>
+                              <m:ctrlPr>
+                                <a:rPr lang="en-US" altLang="ja-JP" sz="2726" i="1">
+                                  <a:latin typeface="Cambria Math" panose="02040503050406030204" pitchFamily="18" charset="0"/>
+                                </a:rPr>
+                              </m:ctrlPr>
+                            </m:sSubPr>
+                            <m:e>
+                              <m:r>
+                                <a:rPr lang="en-US" altLang="ja-JP" sz="2726" i="1">
+                                  <a:latin typeface="Cambria Math" panose="02040503050406030204" pitchFamily="18" charset="0"/>
+                                </a:rPr>
+                                <m:t>𝐿</m:t>
+                              </m:r>
+                            </m:e>
+                            <m:sub>
+                              <m:r>
+                                <a:rPr lang="en-US" altLang="ja-JP" sz="2726" i="1">
+                                  <a:latin typeface="Cambria Math" panose="02040503050406030204" pitchFamily="18" charset="0"/>
+                                </a:rPr>
+                                <m:t>4</m:t>
+                              </m:r>
+                            </m:sub>
+                          </m:sSub>
+                        </m:oMath>
+                      </m:oMathPara>
+                    </a14:m>
+                    <a:endParaRPr lang="ja-JP" altLang="en-US" sz="2726" dirty="0"/>
+                  </a:p>
+                </p:txBody>
+              </p:sp>
+            </mc:Choice>
+            <mc:Fallback xmlns="">
+              <p:sp>
+                <p:nvSpPr>
+                  <p:cNvPr id="46" name="テキスト ボックス 45">
+                    <a:extLst>
+                      <a:ext uri="{FF2B5EF4-FFF2-40B4-BE49-F238E27FC236}">
+                        <a16:creationId xmlns:a16="http://schemas.microsoft.com/office/drawing/2014/main" id="{E4CDFE70-65D1-F762-DA1C-BC4153200392}"/>
+                      </a:ext>
+                    </a:extLst>
+                  </p:cNvPr>
+                  <p:cNvSpPr txBox="1">
+                    <a:spLocks noRot="1" noChangeAspect="1" noMove="1" noResize="1" noEditPoints="1" noAdjustHandles="1" noChangeArrowheads="1" noChangeShapeType="1" noTextEdit="1"/>
+                  </p:cNvSpPr>
+                  <p:nvPr/>
+                </p:nvSpPr>
+                <p:spPr>
+                  <a:xfrm>
+                    <a:off x="5677452" y="3264702"/>
+                    <a:ext cx="842210" cy="262833"/>
+                  </a:xfrm>
+                  <a:prstGeom prst="rect">
+                    <a:avLst/>
+                  </a:prstGeom>
+                  <a:blipFill>
+                    <a:blip r:embed="rId4"/>
+                    <a:stretch>
+                      <a:fillRect/>
+                    </a:stretch>
+                  </a:blipFill>
+                </p:spPr>
+                <p:txBody>
+                  <a:bodyPr/>
+                  <a:lstStyle/>
+                  <a:p>
+                    <a:r>
+                      <a:rPr lang="ja-JP" altLang="en-US">
+                        <a:noFill/>
+                      </a:rPr>
+                      <a:t> </a:t>
+                    </a:r>
+                  </a:p>
+                </p:txBody>
+              </p:sp>
+            </mc:Fallback>
+          </mc:AlternateContent>
+          <p:cxnSp>
+            <p:nvCxnSpPr>
+              <p:cNvPr id="47" name="直線コネクタ 46">
+                <a:extLst>
+                  <a:ext uri="{FF2B5EF4-FFF2-40B4-BE49-F238E27FC236}">
+                    <a16:creationId xmlns:a16="http://schemas.microsoft.com/office/drawing/2014/main" id="{CFD35391-84A1-0750-F3A0-B5AA39CA55F7}"/>
+                  </a:ext>
+                </a:extLst>
+              </p:cNvPr>
+              <p:cNvCxnSpPr>
+                <a:cxnSpLocks/>
+              </p:cNvCxnSpPr>
+              <p:nvPr/>
+            </p:nvCxnSpPr>
+            <p:spPr>
+              <a:xfrm>
+                <a:off x="6098557" y="2789404"/>
+                <a:ext cx="0" cy="481124"/>
+              </a:xfrm>
+              <a:prstGeom prst="line">
+                <a:avLst/>
+              </a:prstGeom>
+              <a:ln w="12700">
+                <a:solidFill>
+                  <a:schemeClr val="tx1"/>
+                </a:solidFill>
+                <a:prstDash val="dash"/>
+              </a:ln>
+            </p:spPr>
+            <p:style>
+              <a:lnRef idx="1">
+                <a:schemeClr val="accent1"/>
+              </a:lnRef>
+              <a:fillRef idx="0">
+                <a:schemeClr val="accent1"/>
+              </a:fillRef>
+              <a:effectRef idx="0">
+                <a:schemeClr val="accent1"/>
+              </a:effectRef>
+              <a:fontRef idx="minor">
+                <a:schemeClr val="tx1"/>
+              </a:fontRef>
+            </p:style>
+          </p:cxnSp>
+          <mc:AlternateContent xmlns:mc="http://schemas.openxmlformats.org/markup-compatibility/2006" xmlns:a14="http://schemas.microsoft.com/office/drawing/2010/main">
+            <mc:Choice Requires="a14">
+              <p:sp>
+                <p:nvSpPr>
+                  <p:cNvPr id="48" name="テキスト ボックス 47">
+                    <a:extLst>
+                      <a:ext uri="{FF2B5EF4-FFF2-40B4-BE49-F238E27FC236}">
+                        <a16:creationId xmlns:a16="http://schemas.microsoft.com/office/drawing/2014/main" id="{83E8BC41-27BE-F371-F9ED-E22F572FAC67}"/>
+                      </a:ext>
+                    </a:extLst>
+                  </p:cNvPr>
+                  <p:cNvSpPr txBox="1"/>
+                  <p:nvPr/>
+                </p:nvSpPr>
+                <p:spPr>
+                  <a:xfrm>
+                    <a:off x="3927220" y="2719790"/>
+                    <a:ext cx="341896" cy="262833"/>
+                  </a:xfrm>
+                  <a:prstGeom prst="rect">
+                    <a:avLst/>
+                  </a:prstGeom>
+                  <a:noFill/>
+                </p:spPr>
+                <p:txBody>
+                  <a:bodyPr wrap="square" rtlCol="0">
+                    <a:spAutoFit/>
+                  </a:bodyPr>
+                  <a:lstStyle/>
+                  <a:p>
+                    <a:pPr algn="ctr"/>
+                    <a14:m>
+                      <m:oMathPara xmlns:m="http://schemas.openxmlformats.org/officeDocument/2006/math">
+                        <m:oMathParaPr>
+                          <m:jc m:val="centerGroup"/>
+                        </m:oMathParaPr>
+                        <m:oMath xmlns:m="http://schemas.openxmlformats.org/officeDocument/2006/math">
+                          <m:sSub>
+                            <m:sSubPr>
+                              <m:ctrlPr>
+                                <a:rPr lang="en-US" altLang="ja-JP" sz="2726" i="1">
+                                  <a:latin typeface="Cambria Math" panose="02040503050406030204" pitchFamily="18" charset="0"/>
+                                </a:rPr>
+                              </m:ctrlPr>
+                            </m:sSubPr>
+                            <m:e>
+                              <m:r>
+                                <a:rPr lang="en-US" altLang="ja-JP" sz="2726" i="1">
+                                  <a:latin typeface="Cambria Math" panose="02040503050406030204" pitchFamily="18" charset="0"/>
+                                </a:rPr>
+                                <m:t>𝑊</m:t>
+                              </m:r>
+                            </m:e>
+                            <m:sub>
+                              <m:r>
+                                <a:rPr lang="en-US" altLang="ja-JP" sz="2726" i="1">
+                                  <a:latin typeface="Cambria Math" panose="02040503050406030204" pitchFamily="18" charset="0"/>
+                                </a:rPr>
+                                <m:t>4</m:t>
+                              </m:r>
+                            </m:sub>
+                          </m:sSub>
+                        </m:oMath>
+                      </m:oMathPara>
+                    </a14:m>
+                    <a:endParaRPr lang="ja-JP" altLang="en-US" sz="2726" dirty="0"/>
+                  </a:p>
+                </p:txBody>
+              </p:sp>
+            </mc:Choice>
+            <mc:Fallback xmlns="">
+              <p:sp>
+                <p:nvSpPr>
+                  <p:cNvPr id="48" name="テキスト ボックス 47">
+                    <a:extLst>
+                      <a:ext uri="{FF2B5EF4-FFF2-40B4-BE49-F238E27FC236}">
+                        <a16:creationId xmlns:a16="http://schemas.microsoft.com/office/drawing/2014/main" id="{83E8BC41-27BE-F371-F9ED-E22F572FAC67}"/>
+                      </a:ext>
+                    </a:extLst>
+                  </p:cNvPr>
+                  <p:cNvSpPr txBox="1">
+                    <a:spLocks noRot="1" noChangeAspect="1" noMove="1" noResize="1" noEditPoints="1" noAdjustHandles="1" noChangeArrowheads="1" noChangeShapeType="1" noTextEdit="1"/>
+                  </p:cNvSpPr>
+                  <p:nvPr/>
+                </p:nvSpPr>
+                <p:spPr>
+                  <a:xfrm>
+                    <a:off x="3927220" y="2719790"/>
+                    <a:ext cx="341896" cy="262833"/>
+                  </a:xfrm>
+                  <a:prstGeom prst="rect">
+                    <a:avLst/>
+                  </a:prstGeom>
+                  <a:blipFill>
+                    <a:blip r:embed="rId5"/>
+                    <a:stretch>
+                      <a:fillRect/>
+                    </a:stretch>
+                  </a:blipFill>
+                </p:spPr>
+                <p:txBody>
+                  <a:bodyPr/>
+                  <a:lstStyle/>
+                  <a:p>
+                    <a:r>
+                      <a:rPr lang="ja-JP" altLang="en-US">
+                        <a:noFill/>
+                      </a:rPr>
+                      <a:t> </a:t>
+                    </a:r>
+                  </a:p>
+                </p:txBody>
+              </p:sp>
+            </mc:Fallback>
+          </mc:AlternateContent>
+          <p:cxnSp>
+            <p:nvCxnSpPr>
+              <p:cNvPr id="49" name="直線コネクタ 48">
+                <a:extLst>
+                  <a:ext uri="{FF2B5EF4-FFF2-40B4-BE49-F238E27FC236}">
+                    <a16:creationId xmlns:a16="http://schemas.microsoft.com/office/drawing/2014/main" id="{32833EFD-4EB0-5C33-8ABB-8209B00D5466}"/>
+                  </a:ext>
+                </a:extLst>
+              </p:cNvPr>
+              <p:cNvCxnSpPr>
+                <a:cxnSpLocks/>
+              </p:cNvCxnSpPr>
+              <p:nvPr/>
+            </p:nvCxnSpPr>
+            <p:spPr>
+              <a:xfrm flipH="1">
+                <a:off x="4246100" y="2789404"/>
+                <a:ext cx="1830016" cy="4171"/>
+              </a:xfrm>
+              <a:prstGeom prst="line">
+                <a:avLst/>
+              </a:prstGeom>
+              <a:ln w="12700">
+                <a:solidFill>
+                  <a:schemeClr val="tx1"/>
+                </a:solidFill>
+                <a:prstDash val="dash"/>
+              </a:ln>
+            </p:spPr>
+            <p:style>
+              <a:lnRef idx="1">
+                <a:schemeClr val="accent1"/>
+              </a:lnRef>
+              <a:fillRef idx="0">
+                <a:schemeClr val="accent1"/>
+              </a:fillRef>
+              <a:effectRef idx="0">
+                <a:schemeClr val="accent1"/>
+              </a:effectRef>
+              <a:fontRef idx="minor">
+                <a:schemeClr val="tx1"/>
+              </a:fontRef>
+            </p:style>
+          </p:cxnSp>
+          <p:sp>
+            <p:nvSpPr>
+              <p:cNvPr id="50" name="テキスト ボックス 49">
+                <a:extLst>
+                  <a:ext uri="{FF2B5EF4-FFF2-40B4-BE49-F238E27FC236}">
+                    <a16:creationId xmlns:a16="http://schemas.microsoft.com/office/drawing/2014/main" id="{DA9503A3-D971-9034-49EB-A4A86236EEDE}"/>
+                  </a:ext>
+                </a:extLst>
+              </p:cNvPr>
+              <p:cNvSpPr txBox="1"/>
+              <p:nvPr/>
+            </p:nvSpPr>
+            <p:spPr>
+              <a:xfrm>
+                <a:off x="5462098" y="971847"/>
+                <a:ext cx="1624808" cy="262833"/>
+              </a:xfrm>
+              <a:prstGeom prst="rect">
+                <a:avLst/>
+              </a:prstGeom>
+              <a:noFill/>
+            </p:spPr>
+            <p:txBody>
+              <a:bodyPr wrap="square" rtlCol="0">
+                <a:spAutoFit/>
+              </a:bodyPr>
+              <a:lstStyle/>
+              <a:p>
+                <a:pPr algn="ctr"/>
+                <a:r>
+                  <a:rPr lang="ja-JP" altLang="en-US" sz="2726" dirty="0"/>
+                  <a:t>供給（シフト前）</a:t>
+                </a:r>
+              </a:p>
+            </p:txBody>
+          </p:sp>
+        </p:grpSp>
+        <p:sp>
+          <p:nvSpPr>
+            <p:cNvPr id="61" name="フリーフォーム: 図形 60">
+              <a:extLst>
+                <a:ext uri="{FF2B5EF4-FFF2-40B4-BE49-F238E27FC236}">
+                  <a16:creationId xmlns:a16="http://schemas.microsoft.com/office/drawing/2014/main" id="{0B66568F-A81B-BF88-A9DD-57F9D26464BE}"/>
+                </a:ext>
+              </a:extLst>
+            </p:cNvPr>
+            <p:cNvSpPr/>
+            <p:nvPr/>
+          </p:nvSpPr>
+          <p:spPr>
+            <a:xfrm>
+              <a:off x="7065671" y="780852"/>
+              <a:ext cx="2598821" cy="2358190"/>
+            </a:xfrm>
+            <a:custGeom>
+              <a:avLst/>
+              <a:gdLst>
+                <a:gd name="connsiteX0" fmla="*/ 0 w 2598821"/>
+                <a:gd name="connsiteY0" fmla="*/ 2358190 h 2358190"/>
+                <a:gd name="connsiteX1" fmla="*/ 1780674 w 2598821"/>
+                <a:gd name="connsiteY1" fmla="*/ 1690437 h 2358190"/>
+                <a:gd name="connsiteX2" fmla="*/ 2598821 w 2598821"/>
+                <a:gd name="connsiteY2" fmla="*/ 0 h 2358190"/>
+              </a:gdLst>
+              <a:ahLst/>
+              <a:cxnLst>
+                <a:cxn ang="0">
+                  <a:pos x="connsiteX0" y="connsiteY0"/>
+                </a:cxn>
+                <a:cxn ang="0">
+                  <a:pos x="connsiteX1" y="connsiteY1"/>
+                </a:cxn>
+                <a:cxn ang="0">
+                  <a:pos x="connsiteX2" y="connsiteY2"/>
+                </a:cxn>
+              </a:cxnLst>
+              <a:rect l="l" t="t" r="r" b="b"/>
+              <a:pathLst>
+                <a:path w="2598821" h="2358190">
+                  <a:moveTo>
+                    <a:pt x="0" y="2358190"/>
+                  </a:moveTo>
+                  <a:cubicBezTo>
+                    <a:pt x="673768" y="2220829"/>
+                    <a:pt x="1347537" y="2083469"/>
+                    <a:pt x="1780674" y="1690437"/>
+                  </a:cubicBezTo>
+                  <a:cubicBezTo>
+                    <a:pt x="2213811" y="1297405"/>
+                    <a:pt x="2406316" y="648702"/>
+                    <a:pt x="2598821" y="0"/>
+                  </a:cubicBezTo>
+                </a:path>
+              </a:pathLst>
+            </a:custGeom>
+            <a:noFill/>
+            <a:ln w="28575"/>
+          </p:spPr>
+          <p:style>
+            <a:lnRef idx="2">
+              <a:schemeClr val="accent1">
+                <a:shade val="15000"/>
+              </a:schemeClr>
+            </a:lnRef>
+            <a:fillRef idx="1">
+              <a:schemeClr val="accent1"/>
+            </a:fillRef>
+            <a:effectRef idx="0">
+              <a:schemeClr val="accent1"/>
+            </a:effectRef>
+            <a:fontRef idx="minor">
+              <a:schemeClr val="lt1"/>
+            </a:fontRef>
+          </p:style>
+          <p:txBody>
+            <a:bodyPr rtlCol="0" anchor="ctr"/>
+            <a:lstStyle/>
+            <a:p>
+              <a:pPr algn="ctr"/>
+              <a:endParaRPr lang="ja-JP" altLang="en-US" sz="6860"/>
+            </a:p>
+          </p:txBody>
+        </p:sp>
+      </p:grpSp>
+    </p:spTree>
+    <p:extLst>
+      <p:ext uri="{BB962C8B-B14F-4D97-AF65-F5344CB8AC3E}">
+        <p14:creationId xmlns:p14="http://schemas.microsoft.com/office/powerpoint/2010/main" val="2429808601"/>
+      </p:ext>
+    </p:extLst>
+  </p:cSld>
+  <p:clrMapOvr>
+    <a:masterClrMapping/>
+  </p:clrMapOvr>
+</p:sld>
+</file>
+
+<file path=ppt/slides/slide11.xml><?xml version="1.0" encoding="utf-8"?>
 <p:sld xmlns:a="http://schemas.openxmlformats.org/drawingml/2006/main" xmlns:r="http://schemas.openxmlformats.org/officeDocument/2006/relationships" xmlns:p="http://schemas.openxmlformats.org/presentationml/2006/main">
   <p:cSld>
     <p:spTree>
@@ -17563,7 +18826,7 @@
 </p:sld>
 </file>
 
-<file path=ppt/slides/slide11.xml><?xml version="1.0" encoding="utf-8"?>
+<file path=ppt/slides/slide12.xml><?xml version="1.0" encoding="utf-8"?>
 <p:sld xmlns:a="http://schemas.openxmlformats.org/drawingml/2006/main" xmlns:r="http://schemas.openxmlformats.org/officeDocument/2006/relationships" xmlns:p="http://schemas.openxmlformats.org/presentationml/2006/main">
   <p:cSld>
     <p:spTree>
@@ -17743,7 +19006,7 @@
 </p:sld>
 </file>
 
-<file path=ppt/slides/slide12.xml><?xml version="1.0" encoding="utf-8"?>
+<file path=ppt/slides/slide13.xml><?xml version="1.0" encoding="utf-8"?>
 <p:sld xmlns:a="http://schemas.openxmlformats.org/drawingml/2006/main" xmlns:r="http://schemas.openxmlformats.org/officeDocument/2006/relationships" xmlns:p="http://schemas.openxmlformats.org/presentationml/2006/main">
   <p:cSld>
     <p:spTree>
@@ -18027,7 +19290,7 @@
 </p:sld>
 </file>
 
-<file path=ppt/slides/slide13.xml><?xml version="1.0" encoding="utf-8"?>
+<file path=ppt/slides/slide14.xml><?xml version="1.0" encoding="utf-8"?>
 <p:sld xmlns:a="http://schemas.openxmlformats.org/drawingml/2006/main" xmlns:r="http://schemas.openxmlformats.org/officeDocument/2006/relationships" xmlns:p="http://schemas.openxmlformats.org/presentationml/2006/main">
   <p:cSld>
     <p:spTree>
@@ -18361,7 +19624,7 @@
 </p:sld>
 </file>
 
-<file path=ppt/slides/slide14.xml><?xml version="1.0" encoding="utf-8"?>
+<file path=ppt/slides/slide15.xml><?xml version="1.0" encoding="utf-8"?>
 <p:sld xmlns:a="http://schemas.openxmlformats.org/drawingml/2006/main" xmlns:r="http://schemas.openxmlformats.org/officeDocument/2006/relationships" xmlns:p="http://schemas.openxmlformats.org/presentationml/2006/main">
   <p:cSld>
     <p:spTree>
@@ -18453,7 +19716,7 @@
 </p:sld>
 </file>
 
-<file path=ppt/slides/slide15.xml><?xml version="1.0" encoding="utf-8"?>
+<file path=ppt/slides/slide16.xml><?xml version="1.0" encoding="utf-8"?>
 <p:sld xmlns:a="http://schemas.openxmlformats.org/drawingml/2006/main" xmlns:r="http://schemas.openxmlformats.org/officeDocument/2006/relationships" xmlns:p="http://schemas.openxmlformats.org/presentationml/2006/main">
   <p:cSld>
     <p:spTree>
@@ -18551,7 +19814,7 @@
 </p:sld>
 </file>
 
-<file path=ppt/slides/slide16.xml><?xml version="1.0" encoding="utf-8"?>
+<file path=ppt/slides/slide17.xml><?xml version="1.0" encoding="utf-8"?>
 <p:sld xmlns:a="http://schemas.openxmlformats.org/drawingml/2006/main" xmlns:r="http://schemas.openxmlformats.org/officeDocument/2006/relationships" xmlns:p="http://schemas.openxmlformats.org/presentationml/2006/main">
   <p:cSld>
     <p:spTree>
@@ -18686,7 +19949,7 @@
 </p:sld>
 </file>
 
-<file path=ppt/slides/slide17.xml><?xml version="1.0" encoding="utf-8"?>
+<file path=ppt/slides/slide18.xml><?xml version="1.0" encoding="utf-8"?>
 <p:sld xmlns:a="http://schemas.openxmlformats.org/drawingml/2006/main" xmlns:r="http://schemas.openxmlformats.org/officeDocument/2006/relationships" xmlns:p="http://schemas.openxmlformats.org/presentationml/2006/main">
   <p:cSld>
     <p:spTree>
@@ -19226,7 +20489,7 @@
 </p:sld>
 </file>
 
-<file path=ppt/slides/slide18.xml><?xml version="1.0" encoding="utf-8"?>
+<file path=ppt/slides/slide19.xml><?xml version="1.0" encoding="utf-8"?>
 <p:sld xmlns:a="http://schemas.openxmlformats.org/drawingml/2006/main" xmlns:r="http://schemas.openxmlformats.org/officeDocument/2006/relationships" xmlns:p="http://schemas.openxmlformats.org/presentationml/2006/main">
   <p:cSld>
     <p:spTree>
@@ -19286,7 +20549,65 @@
 </p:sld>
 </file>
 
-<file path=ppt/slides/slide19.xml><?xml version="1.0" encoding="utf-8"?>
+<file path=ppt/slides/slide2.xml><?xml version="1.0" encoding="utf-8"?>
+<p:sld xmlns:a="http://schemas.openxmlformats.org/drawingml/2006/main" xmlns:r="http://schemas.openxmlformats.org/officeDocument/2006/relationships" xmlns:p="http://schemas.openxmlformats.org/presentationml/2006/main">
+  <p:cSld>
+    <p:spTree>
+      <p:nvGrpSpPr>
+        <p:cNvPr id="1" name=""/>
+        <p:cNvGrpSpPr/>
+        <p:nvPr/>
+      </p:nvGrpSpPr>
+      <p:grpSpPr>
+        <a:xfrm>
+          <a:off x="0" y="0"/>
+          <a:ext cx="0" cy="0"/>
+          <a:chOff x="0" y="0"/>
+          <a:chExt cx="0" cy="0"/>
+        </a:xfrm>
+      </p:grpSpPr>
+      <p:graphicFrame>
+        <p:nvGraphicFramePr>
+          <p:cNvPr id="4" name="図表 3">
+            <a:extLst>
+              <a:ext uri="{FF2B5EF4-FFF2-40B4-BE49-F238E27FC236}">
+                <a16:creationId xmlns:a16="http://schemas.microsoft.com/office/drawing/2014/main" id="{2D0259A5-2C6A-2DA0-E662-BB3738B66725}"/>
+              </a:ext>
+            </a:extLst>
+          </p:cNvPr>
+          <p:cNvGraphicFramePr/>
+          <p:nvPr>
+            <p:extLst>
+              <p:ext uri="{D42A27DB-BD31-4B8C-83A1-F6EECF244321}">
+                <p14:modId xmlns:p14="http://schemas.microsoft.com/office/powerpoint/2010/main" val="1521310092"/>
+              </p:ext>
+            </p:extLst>
+          </p:nvPr>
+        </p:nvGraphicFramePr>
+        <p:xfrm>
+          <a:off x="-350861" y="75604"/>
+          <a:ext cx="23741110" cy="7048140"/>
+        </p:xfrm>
+        <a:graphic>
+          <a:graphicData uri="http://schemas.openxmlformats.org/drawingml/2006/diagram">
+            <dgm:relIds xmlns:dgm="http://schemas.openxmlformats.org/drawingml/2006/diagram" xmlns:r="http://schemas.openxmlformats.org/officeDocument/2006/relationships" r:dm="rId2" r:lo="rId3" r:qs="rId4" r:cs="rId5"/>
+          </a:graphicData>
+        </a:graphic>
+      </p:graphicFrame>
+    </p:spTree>
+    <p:extLst>
+      <p:ext uri="{BB962C8B-B14F-4D97-AF65-F5344CB8AC3E}">
+        <p14:creationId xmlns:p14="http://schemas.microsoft.com/office/powerpoint/2010/main" val="470243937"/>
+      </p:ext>
+    </p:extLst>
+  </p:cSld>
+  <p:clrMapOvr>
+    <a:masterClrMapping/>
+  </p:clrMapOvr>
+</p:sld>
+</file>
+
+<file path=ppt/slides/slide20.xml><?xml version="1.0" encoding="utf-8"?>
 <p:sld xmlns:a="http://schemas.openxmlformats.org/drawingml/2006/main" xmlns:r="http://schemas.openxmlformats.org/officeDocument/2006/relationships" xmlns:p="http://schemas.openxmlformats.org/presentationml/2006/main">
   <p:cSld>
     <p:spTree>
@@ -19346,67 +20667,7 @@
 </p:sld>
 </file>
 
-<file path=ppt/slides/slide2.xml><?xml version="1.0" encoding="utf-8"?>
-<p:sld xmlns:a="http://schemas.openxmlformats.org/drawingml/2006/main" xmlns:r="http://schemas.openxmlformats.org/officeDocument/2006/relationships" xmlns:p="http://schemas.openxmlformats.org/presentationml/2006/main">
-  <p:cSld>
-    <p:spTree>
-      <p:nvGrpSpPr>
-        <p:cNvPr id="1" name=""/>
-        <p:cNvGrpSpPr/>
-        <p:nvPr/>
-      </p:nvGrpSpPr>
-      <p:grpSpPr>
-        <a:xfrm>
-          <a:off x="0" y="0"/>
-          <a:ext cx="0" cy="0"/>
-          <a:chOff x="0" y="0"/>
-          <a:chExt cx="0" cy="0"/>
-        </a:xfrm>
-      </p:grpSpPr>
-      <p:pic>
-        <p:nvPicPr>
-          <p:cNvPr id="3" name="図 2">
-            <a:extLst>
-              <a:ext uri="{FF2B5EF4-FFF2-40B4-BE49-F238E27FC236}">
-                <a16:creationId xmlns:a16="http://schemas.microsoft.com/office/drawing/2014/main" id="{138E2AAD-2A71-5BA2-3DF2-0B390BFA2EAA}"/>
-              </a:ext>
-            </a:extLst>
-          </p:cNvPr>
-          <p:cNvPicPr>
-            <a:picLocks noChangeAspect="1"/>
-          </p:cNvPicPr>
-          <p:nvPr/>
-        </p:nvPicPr>
-        <p:blipFill>
-          <a:blip r:embed="rId2"/>
-          <a:stretch>
-            <a:fillRect/>
-          </a:stretch>
-        </p:blipFill>
-        <p:spPr>
-          <a:xfrm>
-            <a:off x="7015620" y="75585"/>
-            <a:ext cx="9008159" cy="7048142"/>
-          </a:xfrm>
-          <a:prstGeom prst="rect">
-            <a:avLst/>
-          </a:prstGeom>
-        </p:spPr>
-      </p:pic>
-    </p:spTree>
-    <p:extLst>
-      <p:ext uri="{BB962C8B-B14F-4D97-AF65-F5344CB8AC3E}">
-        <p14:creationId xmlns:p14="http://schemas.microsoft.com/office/powerpoint/2010/main" val="567061433"/>
-      </p:ext>
-    </p:extLst>
-  </p:cSld>
-  <p:clrMapOvr>
-    <a:masterClrMapping/>
-  </p:clrMapOvr>
-</p:sld>
-</file>
-
-<file path=ppt/slides/slide20.xml><?xml version="1.0" encoding="utf-8"?>
+<file path=ppt/slides/slide21.xml><?xml version="1.0" encoding="utf-8"?>
 <p:sld xmlns:a="http://schemas.openxmlformats.org/drawingml/2006/main" xmlns:r="http://schemas.openxmlformats.org/officeDocument/2006/relationships" xmlns:p="http://schemas.openxmlformats.org/presentationml/2006/main">
   <p:cSld>
     <p:spTree>
@@ -19547,7 +20808,7 @@
 </p:sld>
 </file>
 
-<file path=ppt/slides/slide21.xml><?xml version="1.0" encoding="utf-8"?>
+<file path=ppt/slides/slide22.xml><?xml version="1.0" encoding="utf-8"?>
 <p:sld xmlns:a="http://schemas.openxmlformats.org/drawingml/2006/main" xmlns:r="http://schemas.openxmlformats.org/officeDocument/2006/relationships" xmlns:p="http://schemas.openxmlformats.org/presentationml/2006/main">
   <p:cSld>
     <p:spTree>
@@ -19607,7 +20868,7 @@
 </p:sld>
 </file>
 
-<file path=ppt/slides/slide22.xml><?xml version="1.0" encoding="utf-8"?>
+<file path=ppt/slides/slide23.xml><?xml version="1.0" encoding="utf-8"?>
 <p:sld xmlns:a="http://schemas.openxmlformats.org/drawingml/2006/main" xmlns:r="http://schemas.openxmlformats.org/officeDocument/2006/relationships" xmlns:p="http://schemas.openxmlformats.org/presentationml/2006/main">
   <p:cSld>
     <p:spTree>
@@ -21358,7 +22619,7 @@
 </p:sld>
 </file>
 
-<file path=ppt/slides/slide23.xml><?xml version="1.0" encoding="utf-8"?>
+<file path=ppt/slides/slide24.xml><?xml version="1.0" encoding="utf-8"?>
 <p:sld xmlns:a="http://schemas.openxmlformats.org/drawingml/2006/main" xmlns:r="http://schemas.openxmlformats.org/officeDocument/2006/relationships" xmlns:p="http://schemas.openxmlformats.org/presentationml/2006/main">
   <p:cSld>
     <p:spTree>
@@ -22111,7 +23372,7 @@
 </p:sld>
 </file>
 
-<file path=ppt/slides/slide24.xml><?xml version="1.0" encoding="utf-8"?>
+<file path=ppt/slides/slide25.xml><?xml version="1.0" encoding="utf-8"?>
 <p:sld xmlns:a="http://schemas.openxmlformats.org/drawingml/2006/main" xmlns:r="http://schemas.openxmlformats.org/officeDocument/2006/relationships" xmlns:p="http://schemas.openxmlformats.org/presentationml/2006/main">
   <p:cSld>
     <p:spTree>
@@ -22231,7 +23492,1114 @@
 </p:sld>
 </file>
 
+<file path=ppt/slides/slide26.xml><?xml version="1.0" encoding="utf-8"?>
+<p:sld xmlns:a="http://schemas.openxmlformats.org/drawingml/2006/main" xmlns:r="http://schemas.openxmlformats.org/officeDocument/2006/relationships" xmlns:p="http://schemas.openxmlformats.org/presentationml/2006/main">
+  <p:cSld>
+    <p:spTree>
+      <p:nvGrpSpPr>
+        <p:cNvPr id="1" name="">
+          <a:extLst>
+            <a:ext uri="{FF2B5EF4-FFF2-40B4-BE49-F238E27FC236}">
+              <a16:creationId xmlns:a16="http://schemas.microsoft.com/office/drawing/2014/main" id="{66461D2E-B6A9-1F0D-9423-C9011D772CE3}"/>
+            </a:ext>
+          </a:extLst>
+        </p:cNvPr>
+        <p:cNvGrpSpPr/>
+        <p:nvPr/>
+      </p:nvGrpSpPr>
+      <p:grpSpPr>
+        <a:xfrm>
+          <a:off x="0" y="0"/>
+          <a:ext cx="0" cy="0"/>
+          <a:chOff x="0" y="0"/>
+          <a:chExt cx="0" cy="0"/>
+        </a:xfrm>
+      </p:grpSpPr>
+      <p:grpSp>
+        <p:nvGrpSpPr>
+          <p:cNvPr id="41" name="グループ化 40">
+            <a:extLst>
+              <a:ext uri="{FF2B5EF4-FFF2-40B4-BE49-F238E27FC236}">
+                <a16:creationId xmlns:a16="http://schemas.microsoft.com/office/drawing/2014/main" id="{8E68E62E-44E8-7D81-DC7E-F407934BAB26}"/>
+              </a:ext>
+            </a:extLst>
+          </p:cNvPr>
+          <p:cNvGrpSpPr/>
+          <p:nvPr/>
+        </p:nvGrpSpPr>
+        <p:grpSpPr>
+          <a:xfrm>
+            <a:off x="5587597" y="578276"/>
+            <a:ext cx="9248683" cy="6042760"/>
+            <a:chOff x="6525084" y="991781"/>
+            <a:chExt cx="9248683" cy="6042760"/>
+          </a:xfrm>
+        </p:grpSpPr>
+        <p:sp>
+          <p:nvSpPr>
+            <p:cNvPr id="35" name="正方形/長方形 34">
+              <a:extLst>
+                <a:ext uri="{FF2B5EF4-FFF2-40B4-BE49-F238E27FC236}">
+                  <a16:creationId xmlns:a16="http://schemas.microsoft.com/office/drawing/2014/main" id="{ADCEA1C6-8210-6FF1-4AFE-5C0CEE6CADDA}"/>
+                </a:ext>
+              </a:extLst>
+            </p:cNvPr>
+            <p:cNvSpPr/>
+            <p:nvPr/>
+          </p:nvSpPr>
+          <p:spPr>
+            <a:xfrm>
+              <a:off x="8123423" y="4439809"/>
+              <a:ext cx="2969119" cy="1384045"/>
+            </a:xfrm>
+            <a:prstGeom prst="rect">
+              <a:avLst/>
+            </a:prstGeom>
+            <a:solidFill>
+              <a:srgbClr val="C00000">
+                <a:alpha val="40000"/>
+              </a:srgbClr>
+            </a:solidFill>
+            <a:ln>
+              <a:noFill/>
+            </a:ln>
+          </p:spPr>
+          <p:style>
+            <a:lnRef idx="2">
+              <a:schemeClr val="accent1">
+                <a:shade val="15000"/>
+              </a:schemeClr>
+            </a:lnRef>
+            <a:fillRef idx="1">
+              <a:schemeClr val="accent1"/>
+            </a:fillRef>
+            <a:effectRef idx="0">
+              <a:schemeClr val="accent1"/>
+            </a:effectRef>
+            <a:fontRef idx="minor">
+              <a:schemeClr val="lt1"/>
+            </a:fontRef>
+          </p:style>
+          <p:txBody>
+            <a:bodyPr rtlCol="0" anchor="ctr"/>
+            <a:lstStyle/>
+            <a:p>
+              <a:pPr algn="ctr"/>
+              <a:endParaRPr kumimoji="1" lang="ja-JP" altLang="en-US"/>
+            </a:p>
+          </p:txBody>
+        </p:sp>
+        <p:sp>
+          <p:nvSpPr>
+            <p:cNvPr id="36" name="正方形/長方形 35">
+              <a:extLst>
+                <a:ext uri="{FF2B5EF4-FFF2-40B4-BE49-F238E27FC236}">
+                  <a16:creationId xmlns:a16="http://schemas.microsoft.com/office/drawing/2014/main" id="{8700952A-2A9C-7FB5-8B0A-C6ADFC28DC50}"/>
+                </a:ext>
+              </a:extLst>
+            </p:cNvPr>
+            <p:cNvSpPr/>
+            <p:nvPr/>
+          </p:nvSpPr>
+          <p:spPr>
+            <a:xfrm>
+              <a:off x="11062567" y="3051908"/>
+              <a:ext cx="2928256" cy="1386616"/>
+            </a:xfrm>
+            <a:prstGeom prst="rect">
+              <a:avLst/>
+            </a:prstGeom>
+            <a:solidFill>
+              <a:schemeClr val="accent2">
+                <a:alpha val="40000"/>
+              </a:schemeClr>
+            </a:solidFill>
+            <a:ln>
+              <a:noFill/>
+            </a:ln>
+          </p:spPr>
+          <p:style>
+            <a:lnRef idx="2">
+              <a:schemeClr val="accent1">
+                <a:shade val="15000"/>
+              </a:schemeClr>
+            </a:lnRef>
+            <a:fillRef idx="1">
+              <a:schemeClr val="accent1"/>
+            </a:fillRef>
+            <a:effectRef idx="0">
+              <a:schemeClr val="accent1"/>
+            </a:effectRef>
+            <a:fontRef idx="minor">
+              <a:schemeClr val="lt1"/>
+            </a:fontRef>
+          </p:style>
+          <p:txBody>
+            <a:bodyPr rtlCol="0" anchor="ctr"/>
+            <a:lstStyle/>
+            <a:p>
+              <a:pPr algn="ctr"/>
+              <a:endParaRPr kumimoji="1" lang="ja-JP" altLang="en-US"/>
+            </a:p>
+          </p:txBody>
+        </p:sp>
+        <p:grpSp>
+          <p:nvGrpSpPr>
+            <p:cNvPr id="31" name="グループ化 30">
+              <a:extLst>
+                <a:ext uri="{FF2B5EF4-FFF2-40B4-BE49-F238E27FC236}">
+                  <a16:creationId xmlns:a16="http://schemas.microsoft.com/office/drawing/2014/main" id="{15FAD0E4-A4D4-A986-C115-9BC52BD5D400}"/>
+                </a:ext>
+              </a:extLst>
+            </p:cNvPr>
+            <p:cNvGrpSpPr/>
+            <p:nvPr/>
+          </p:nvGrpSpPr>
+          <p:grpSpPr>
+            <a:xfrm>
+              <a:off x="6525084" y="991781"/>
+              <a:ext cx="9248683" cy="6042760"/>
+              <a:chOff x="6525084" y="991781"/>
+              <a:chExt cx="9248683" cy="6042760"/>
+            </a:xfrm>
+          </p:grpSpPr>
+          <p:grpSp>
+            <p:nvGrpSpPr>
+              <p:cNvPr id="22" name="グループ化 21">
+                <a:extLst>
+                  <a:ext uri="{FF2B5EF4-FFF2-40B4-BE49-F238E27FC236}">
+                    <a16:creationId xmlns:a16="http://schemas.microsoft.com/office/drawing/2014/main" id="{7A877280-7E4D-BDA1-F8E3-C920254C27A4}"/>
+                  </a:ext>
+                </a:extLst>
+              </p:cNvPr>
+              <p:cNvGrpSpPr/>
+              <p:nvPr/>
+            </p:nvGrpSpPr>
+            <p:grpSpPr>
+              <a:xfrm>
+                <a:off x="6525084" y="991781"/>
+                <a:ext cx="9248683" cy="5647607"/>
+                <a:chOff x="4940260" y="547437"/>
+                <a:chExt cx="4749565" cy="2900270"/>
+              </a:xfrm>
+            </p:grpSpPr>
+            <p:cxnSp>
+              <p:nvCxnSpPr>
+                <p:cNvPr id="4" name="直線矢印コネクタ 3">
+                  <a:extLst>
+                    <a:ext uri="{FF2B5EF4-FFF2-40B4-BE49-F238E27FC236}">
+                      <a16:creationId xmlns:a16="http://schemas.microsoft.com/office/drawing/2014/main" id="{8272040F-A992-9F5A-C5CD-7FE579BEBA6D}"/>
+                    </a:ext>
+                  </a:extLst>
+                </p:cNvPr>
+                <p:cNvCxnSpPr>
+                  <a:cxnSpLocks/>
+                </p:cNvCxnSpPr>
+                <p:nvPr/>
+              </p:nvCxnSpPr>
+              <p:spPr>
+                <a:xfrm flipV="1">
+                  <a:off x="5642811" y="547437"/>
+                  <a:ext cx="0" cy="2791326"/>
+                </a:xfrm>
+                <a:prstGeom prst="straightConnector1">
+                  <a:avLst/>
+                </a:prstGeom>
+                <a:ln w="19050">
+                  <a:solidFill>
+                    <a:schemeClr val="tx1"/>
+                  </a:solidFill>
+                  <a:headEnd type="none" w="med" len="med"/>
+                  <a:tailEnd type="arrow" w="med" len="med"/>
+                </a:ln>
+              </p:spPr>
+              <p:style>
+                <a:lnRef idx="1">
+                  <a:schemeClr val="accent1"/>
+                </a:lnRef>
+                <a:fillRef idx="0">
+                  <a:schemeClr val="accent1"/>
+                </a:fillRef>
+                <a:effectRef idx="0">
+                  <a:schemeClr val="accent1"/>
+                </a:effectRef>
+                <a:fontRef idx="minor">
+                  <a:schemeClr val="tx1"/>
+                </a:fontRef>
+              </p:style>
+            </p:cxnSp>
+            <p:cxnSp>
+              <p:nvCxnSpPr>
+                <p:cNvPr id="6" name="直線矢印コネクタ 5">
+                  <a:extLst>
+                    <a:ext uri="{FF2B5EF4-FFF2-40B4-BE49-F238E27FC236}">
+                      <a16:creationId xmlns:a16="http://schemas.microsoft.com/office/drawing/2014/main" id="{33C9D776-1F69-20E6-2FF6-A8B74396F7B4}"/>
+                    </a:ext>
+                  </a:extLst>
+                </p:cNvPr>
+                <p:cNvCxnSpPr>
+                  <a:cxnSpLocks/>
+                </p:cNvCxnSpPr>
+                <p:nvPr/>
+              </p:nvCxnSpPr>
+              <p:spPr>
+                <a:xfrm>
+                  <a:off x="5642811" y="3338763"/>
+                  <a:ext cx="3224463" cy="0"/>
+                </a:xfrm>
+                <a:prstGeom prst="straightConnector1">
+                  <a:avLst/>
+                </a:prstGeom>
+                <a:ln w="19050">
+                  <a:solidFill>
+                    <a:schemeClr val="tx1"/>
+                  </a:solidFill>
+                  <a:headEnd type="none" w="med" len="med"/>
+                  <a:tailEnd type="arrow" w="med" len="med"/>
+                </a:ln>
+              </p:spPr>
+              <p:style>
+                <a:lnRef idx="1">
+                  <a:schemeClr val="accent1"/>
+                </a:lnRef>
+                <a:fillRef idx="0">
+                  <a:schemeClr val="accent1"/>
+                </a:fillRef>
+                <a:effectRef idx="0">
+                  <a:schemeClr val="accent1"/>
+                </a:effectRef>
+                <a:fontRef idx="minor">
+                  <a:schemeClr val="tx1"/>
+                </a:fontRef>
+              </p:style>
+            </p:cxnSp>
+            <p:sp>
+              <p:nvSpPr>
+                <p:cNvPr id="9" name="テキスト ボックス 8">
+                  <a:extLst>
+                    <a:ext uri="{FF2B5EF4-FFF2-40B4-BE49-F238E27FC236}">
+                      <a16:creationId xmlns:a16="http://schemas.microsoft.com/office/drawing/2014/main" id="{076C4437-05BF-0598-4618-6199FDD515A5}"/>
+                    </a:ext>
+                  </a:extLst>
+                </p:cNvPr>
+                <p:cNvSpPr txBox="1"/>
+                <p:nvPr/>
+              </p:nvSpPr>
+              <p:spPr>
+                <a:xfrm>
+                  <a:off x="4940260" y="1135366"/>
+                  <a:ext cx="310250" cy="1927338"/>
+                </a:xfrm>
+                <a:prstGeom prst="rect">
+                  <a:avLst/>
+                </a:prstGeom>
+                <a:noFill/>
+              </p:spPr>
+              <p:txBody>
+                <a:bodyPr vert="eaVert" wrap="square" rtlCol="0">
+                  <a:spAutoFit/>
+                </a:bodyPr>
+                <a:lstStyle/>
+                <a:p>
+                  <a:pPr algn="ctr"/>
+                  <a:r>
+                    <a:rPr lang="ja-JP" altLang="en-US" sz="2726" dirty="0"/>
+                    <a:t>賃金・労働の限界収入</a:t>
+                  </a:r>
+                </a:p>
+              </p:txBody>
+            </p:sp>
+            <p:sp>
+              <p:nvSpPr>
+                <p:cNvPr id="10" name="テキスト ボックス 9">
+                  <a:extLst>
+                    <a:ext uri="{FF2B5EF4-FFF2-40B4-BE49-F238E27FC236}">
+                      <a16:creationId xmlns:a16="http://schemas.microsoft.com/office/drawing/2014/main" id="{1D2D12AF-0B0A-E741-3F4F-9FCD8B0C1018}"/>
+                    </a:ext>
+                  </a:extLst>
+                </p:cNvPr>
+                <p:cNvSpPr txBox="1"/>
+                <p:nvPr/>
+              </p:nvSpPr>
+              <p:spPr>
+                <a:xfrm>
+                  <a:off x="8867273" y="3184874"/>
+                  <a:ext cx="822552" cy="262833"/>
+                </a:xfrm>
+                <a:prstGeom prst="rect">
+                  <a:avLst/>
+                </a:prstGeom>
+                <a:noFill/>
+              </p:spPr>
+              <p:txBody>
+                <a:bodyPr wrap="square" rtlCol="0">
+                  <a:spAutoFit/>
+                </a:bodyPr>
+                <a:lstStyle/>
+                <a:p>
+                  <a:pPr algn="ctr"/>
+                  <a:r>
+                    <a:rPr lang="ja-JP" altLang="en-US" sz="2726" dirty="0"/>
+                    <a:t>経験年数</a:t>
+                  </a:r>
+                </a:p>
+              </p:txBody>
+            </p:sp>
+          </p:grpSp>
+          <p:cxnSp>
+            <p:nvCxnSpPr>
+              <p:cNvPr id="15" name="直線コネクタ 14">
+                <a:extLst>
+                  <a:ext uri="{FF2B5EF4-FFF2-40B4-BE49-F238E27FC236}">
+                    <a16:creationId xmlns:a16="http://schemas.microsoft.com/office/drawing/2014/main" id="{2A2E64D6-65EB-7287-FB73-18049A472AAF}"/>
+                  </a:ext>
+                </a:extLst>
+              </p:cNvPr>
+              <p:cNvCxnSpPr>
+                <a:cxnSpLocks/>
+              </p:cNvCxnSpPr>
+              <p:nvPr/>
+            </p:nvCxnSpPr>
+            <p:spPr>
+              <a:xfrm>
+                <a:off x="8123423" y="5823854"/>
+                <a:ext cx="2969120" cy="3"/>
+              </a:xfrm>
+              <a:prstGeom prst="line">
+                <a:avLst/>
+              </a:prstGeom>
+              <a:ln w="28575">
+                <a:solidFill>
+                  <a:schemeClr val="tx1"/>
+                </a:solidFill>
+              </a:ln>
+            </p:spPr>
+            <p:style>
+              <a:lnRef idx="1">
+                <a:schemeClr val="accent1"/>
+              </a:lnRef>
+              <a:fillRef idx="0">
+                <a:schemeClr val="accent1"/>
+              </a:fillRef>
+              <a:effectRef idx="0">
+                <a:schemeClr val="accent1"/>
+              </a:effectRef>
+              <a:fontRef idx="minor">
+                <a:schemeClr val="tx1"/>
+              </a:fontRef>
+            </p:style>
+          </p:cxnSp>
+          <p:sp>
+            <p:nvSpPr>
+              <p:cNvPr id="19" name="テキスト ボックス 18">
+                <a:extLst>
+                  <a:ext uri="{FF2B5EF4-FFF2-40B4-BE49-F238E27FC236}">
+                    <a16:creationId xmlns:a16="http://schemas.microsoft.com/office/drawing/2014/main" id="{D8548645-A187-1B55-FEDF-CB9144272666}"/>
+                  </a:ext>
+                </a:extLst>
+              </p:cNvPr>
+              <p:cNvSpPr txBox="1"/>
+              <p:nvPr/>
+            </p:nvSpPr>
+            <p:spPr>
+              <a:xfrm>
+                <a:off x="8588458" y="6522734"/>
+                <a:ext cx="2417368" cy="511807"/>
+              </a:xfrm>
+              <a:prstGeom prst="rect">
+                <a:avLst/>
+              </a:prstGeom>
+              <a:noFill/>
+            </p:spPr>
+            <p:txBody>
+              <a:bodyPr wrap="square" rtlCol="0">
+                <a:spAutoFit/>
+              </a:bodyPr>
+              <a:lstStyle/>
+              <a:p>
+                <a:pPr algn="ctr"/>
+                <a:r>
+                  <a:rPr lang="ja-JP" altLang="en-US" sz="2726" dirty="0"/>
+                  <a:t>訓練期間</a:t>
+                </a:r>
+              </a:p>
+            </p:txBody>
+          </p:sp>
+          <p:sp>
+            <p:nvSpPr>
+              <p:cNvPr id="20" name="テキスト ボックス 19">
+                <a:extLst>
+                  <a:ext uri="{FF2B5EF4-FFF2-40B4-BE49-F238E27FC236}">
+                    <a16:creationId xmlns:a16="http://schemas.microsoft.com/office/drawing/2014/main" id="{B57681DB-8443-C171-D42A-E47C73DD5021}"/>
+                  </a:ext>
+                </a:extLst>
+              </p:cNvPr>
+              <p:cNvSpPr txBox="1"/>
+              <p:nvPr/>
+            </p:nvSpPr>
+            <p:spPr>
+              <a:xfrm>
+                <a:off x="11318011" y="6522734"/>
+                <a:ext cx="2417368" cy="511807"/>
+              </a:xfrm>
+              <a:prstGeom prst="rect">
+                <a:avLst/>
+              </a:prstGeom>
+              <a:noFill/>
+            </p:spPr>
+            <p:txBody>
+              <a:bodyPr wrap="square" rtlCol="0">
+                <a:spAutoFit/>
+              </a:bodyPr>
+              <a:lstStyle/>
+              <a:p>
+                <a:pPr algn="ctr"/>
+                <a:r>
+                  <a:rPr lang="ja-JP" altLang="en-US" sz="2726" dirty="0"/>
+                  <a:t>訓練後の期間</a:t>
+                </a:r>
+              </a:p>
+            </p:txBody>
+          </p:sp>
+          <mc:AlternateContent xmlns:mc="http://schemas.openxmlformats.org/markup-compatibility/2006">
+            <mc:Choice xmlns:a14="http://schemas.microsoft.com/office/drawing/2010/main" Requires="a14">
+              <p:sp>
+                <p:nvSpPr>
+                  <p:cNvPr id="21" name="テキスト ボックス 20">
+                    <a:extLst>
+                      <a:ext uri="{FF2B5EF4-FFF2-40B4-BE49-F238E27FC236}">
+                        <a16:creationId xmlns:a16="http://schemas.microsoft.com/office/drawing/2014/main" id="{494380FA-9541-B288-5D29-22DED1A97CC0}"/>
+                      </a:ext>
+                    </a:extLst>
+                  </p:cNvPr>
+                  <p:cNvSpPr txBox="1"/>
+                  <p:nvPr/>
+                </p:nvSpPr>
+                <p:spPr>
+                  <a:xfrm>
+                    <a:off x="7244365" y="4177478"/>
+                    <a:ext cx="763918" cy="511807"/>
+                  </a:xfrm>
+                  <a:prstGeom prst="rect">
+                    <a:avLst/>
+                  </a:prstGeom>
+                  <a:noFill/>
+                </p:spPr>
+                <p:txBody>
+                  <a:bodyPr wrap="square" rtlCol="0">
+                    <a:spAutoFit/>
+                  </a:bodyPr>
+                  <a:lstStyle/>
+                  <a:p>
+                    <a:pPr algn="ctr"/>
+                    <a14:m>
+                      <m:oMathPara xmlns:m="http://schemas.openxmlformats.org/officeDocument/2006/math">
+                        <m:oMathParaPr>
+                          <m:jc m:val="centerGroup"/>
+                        </m:oMathParaPr>
+                        <m:oMath xmlns:m="http://schemas.openxmlformats.org/officeDocument/2006/math">
+                          <m:sSub>
+                            <m:sSubPr>
+                              <m:ctrlPr>
+                                <a:rPr lang="en-US" altLang="ja-JP" sz="2726" b="0" i="1" dirty="0" smtClean="0">
+                                  <a:latin typeface="Cambria Math" panose="02040503050406030204" pitchFamily="18" charset="0"/>
+                                </a:rPr>
+                              </m:ctrlPr>
+                            </m:sSubPr>
+                            <m:e>
+                              <m:r>
+                                <a:rPr lang="en-US" altLang="ja-JP" sz="2726" i="1" dirty="0" smtClean="0">
+                                  <a:latin typeface="Cambria Math" panose="02040503050406030204" pitchFamily="18" charset="0"/>
+                                </a:rPr>
+                                <m:t>𝑤</m:t>
+                              </m:r>
+                            </m:e>
+                            <m:sub>
+                              <m:r>
+                                <a:rPr lang="en-US" altLang="ja-JP" sz="2726" b="0" i="1" dirty="0" smtClean="0">
+                                  <a:latin typeface="Cambria Math" panose="02040503050406030204" pitchFamily="18" charset="0"/>
+                                </a:rPr>
+                                <m:t>0</m:t>
+                              </m:r>
+                            </m:sub>
+                          </m:sSub>
+                        </m:oMath>
+                      </m:oMathPara>
+                    </a14:m>
+                    <a:endParaRPr lang="ja-JP" altLang="en-US" sz="2726" dirty="0"/>
+                  </a:p>
+                </p:txBody>
+              </p:sp>
+            </mc:Choice>
+            <mc:Fallback>
+              <p:sp>
+                <p:nvSpPr>
+                  <p:cNvPr id="21" name="テキスト ボックス 20">
+                    <a:extLst>
+                      <a:ext uri="{FF2B5EF4-FFF2-40B4-BE49-F238E27FC236}">
+                        <a16:creationId xmlns:a16="http://schemas.microsoft.com/office/drawing/2014/main" id="{494380FA-9541-B288-5D29-22DED1A97CC0}"/>
+                      </a:ext>
+                    </a:extLst>
+                  </p:cNvPr>
+                  <p:cNvSpPr txBox="1">
+                    <a:spLocks noRot="1" noChangeAspect="1" noMove="1" noResize="1" noEditPoints="1" noAdjustHandles="1" noChangeArrowheads="1" noChangeShapeType="1" noTextEdit="1"/>
+                  </p:cNvSpPr>
+                  <p:nvPr/>
+                </p:nvSpPr>
+                <p:spPr>
+                  <a:xfrm>
+                    <a:off x="7244365" y="4177478"/>
+                    <a:ext cx="763918" cy="511807"/>
+                  </a:xfrm>
+                  <a:prstGeom prst="rect">
+                    <a:avLst/>
+                  </a:prstGeom>
+                  <a:blipFill>
+                    <a:blip r:embed="rId2"/>
+                    <a:stretch>
+                      <a:fillRect/>
+                    </a:stretch>
+                  </a:blipFill>
+                </p:spPr>
+                <p:txBody>
+                  <a:bodyPr/>
+                  <a:lstStyle/>
+                  <a:p>
+                    <a:r>
+                      <a:rPr lang="ja-JP" altLang="en-US">
+                        <a:noFill/>
+                      </a:rPr>
+                      <a:t> </a:t>
+                    </a:r>
+                  </a:p>
+                </p:txBody>
+              </p:sp>
+            </mc:Fallback>
+          </mc:AlternateContent>
+        </p:grpSp>
+        <p:cxnSp>
+          <p:nvCxnSpPr>
+            <p:cNvPr id="5" name="直線コネクタ 4">
+              <a:extLst>
+                <a:ext uri="{FF2B5EF4-FFF2-40B4-BE49-F238E27FC236}">
+                  <a16:creationId xmlns:a16="http://schemas.microsoft.com/office/drawing/2014/main" id="{DCDD8A50-D6C7-2E0C-3F40-4F86493F8C92}"/>
+                </a:ext>
+              </a:extLst>
+            </p:cNvPr>
+            <p:cNvCxnSpPr>
+              <a:cxnSpLocks/>
+            </p:cNvCxnSpPr>
+            <p:nvPr/>
+          </p:nvCxnSpPr>
+          <p:spPr>
+            <a:xfrm>
+              <a:off x="11046237" y="3055761"/>
+              <a:ext cx="46305" cy="2768093"/>
+            </a:xfrm>
+            <a:prstGeom prst="line">
+              <a:avLst/>
+            </a:prstGeom>
+            <a:ln w="28575">
+              <a:solidFill>
+                <a:schemeClr val="tx1"/>
+              </a:solidFill>
+            </a:ln>
+          </p:spPr>
+          <p:style>
+            <a:lnRef idx="1">
+              <a:schemeClr val="accent1"/>
+            </a:lnRef>
+            <a:fillRef idx="0">
+              <a:schemeClr val="accent1"/>
+            </a:fillRef>
+            <a:effectRef idx="0">
+              <a:schemeClr val="accent1"/>
+            </a:effectRef>
+            <a:fontRef idx="minor">
+              <a:schemeClr val="tx1"/>
+            </a:fontRef>
+          </p:style>
+        </p:cxnSp>
+        <p:cxnSp>
+          <p:nvCxnSpPr>
+            <p:cNvPr id="16" name="直線コネクタ 15">
+              <a:extLst>
+                <a:ext uri="{FF2B5EF4-FFF2-40B4-BE49-F238E27FC236}">
+                  <a16:creationId xmlns:a16="http://schemas.microsoft.com/office/drawing/2014/main" id="{203C4376-0538-837D-837F-10BBFBE98F60}"/>
+                </a:ext>
+              </a:extLst>
+            </p:cNvPr>
+            <p:cNvCxnSpPr>
+              <a:cxnSpLocks/>
+            </p:cNvCxnSpPr>
+            <p:nvPr/>
+          </p:nvCxnSpPr>
+          <p:spPr>
+            <a:xfrm>
+              <a:off x="11062567" y="3055761"/>
+              <a:ext cx="2969119" cy="0"/>
+            </a:xfrm>
+            <a:prstGeom prst="line">
+              <a:avLst/>
+            </a:prstGeom>
+            <a:ln w="28575">
+              <a:solidFill>
+                <a:schemeClr val="tx1"/>
+              </a:solidFill>
+            </a:ln>
+          </p:spPr>
+          <p:style>
+            <a:lnRef idx="1">
+              <a:schemeClr val="accent1"/>
+            </a:lnRef>
+            <a:fillRef idx="0">
+              <a:schemeClr val="accent1"/>
+            </a:fillRef>
+            <a:effectRef idx="0">
+              <a:schemeClr val="accent1"/>
+            </a:effectRef>
+            <a:fontRef idx="minor">
+              <a:schemeClr val="tx1"/>
+            </a:fontRef>
+          </p:style>
+        </p:cxnSp>
+        <p:cxnSp>
+          <p:nvCxnSpPr>
+            <p:cNvPr id="27" name="直線コネクタ 26">
+              <a:extLst>
+                <a:ext uri="{FF2B5EF4-FFF2-40B4-BE49-F238E27FC236}">
+                  <a16:creationId xmlns:a16="http://schemas.microsoft.com/office/drawing/2014/main" id="{49D08BEB-0D6D-C65E-4E71-99E361996F5F}"/>
+                </a:ext>
+              </a:extLst>
+            </p:cNvPr>
+            <p:cNvCxnSpPr>
+              <a:cxnSpLocks/>
+            </p:cNvCxnSpPr>
+            <p:nvPr/>
+          </p:nvCxnSpPr>
+          <p:spPr>
+            <a:xfrm>
+              <a:off x="7893141" y="4438523"/>
+              <a:ext cx="6138545" cy="1286"/>
+            </a:xfrm>
+            <a:prstGeom prst="line">
+              <a:avLst/>
+            </a:prstGeom>
+            <a:ln w="19050">
+              <a:solidFill>
+                <a:schemeClr val="tx1"/>
+              </a:solidFill>
+              <a:prstDash val="dash"/>
+            </a:ln>
+          </p:spPr>
+          <p:style>
+            <a:lnRef idx="1">
+              <a:schemeClr val="accent1"/>
+            </a:lnRef>
+            <a:fillRef idx="0">
+              <a:schemeClr val="accent1"/>
+            </a:fillRef>
+            <a:effectRef idx="0">
+              <a:schemeClr val="accent1"/>
+            </a:effectRef>
+            <a:fontRef idx="minor">
+              <a:schemeClr val="tx1"/>
+            </a:fontRef>
+          </p:style>
+        </p:cxnSp>
+      </p:grpSp>
+      <mc:AlternateContent xmlns:mc="http://schemas.openxmlformats.org/markup-compatibility/2006">
+        <mc:Choice xmlns:a14="http://schemas.microsoft.com/office/drawing/2010/main" Requires="a14">
+          <p:sp>
+            <p:nvSpPr>
+              <p:cNvPr id="44" name="テキスト ボックス 43">
+                <a:extLst>
+                  <a:ext uri="{FF2B5EF4-FFF2-40B4-BE49-F238E27FC236}">
+                    <a16:creationId xmlns:a16="http://schemas.microsoft.com/office/drawing/2014/main" id="{CF168F8C-164E-B5A8-38F3-88B2DDB5B7F7}"/>
+                  </a:ext>
+                </a:extLst>
+              </p:cNvPr>
+              <p:cNvSpPr txBox="1"/>
+              <p:nvPr/>
+            </p:nvSpPr>
+            <p:spPr>
+              <a:xfrm>
+                <a:off x="6306878" y="2382499"/>
+                <a:ext cx="763918" cy="511807"/>
+              </a:xfrm>
+              <a:prstGeom prst="rect">
+                <a:avLst/>
+              </a:prstGeom>
+              <a:noFill/>
+            </p:spPr>
+            <p:txBody>
+              <a:bodyPr wrap="square" rtlCol="0">
+                <a:spAutoFit/>
+              </a:bodyPr>
+              <a:lstStyle/>
+              <a:p>
+                <a:pPr algn="ctr"/>
+                <a14:m>
+                  <m:oMathPara xmlns:m="http://schemas.openxmlformats.org/officeDocument/2006/math">
+                    <m:oMathParaPr>
+                      <m:jc m:val="centerGroup"/>
+                    </m:oMathParaPr>
+                    <m:oMath xmlns:m="http://schemas.openxmlformats.org/officeDocument/2006/math">
+                      <m:sSub>
+                        <m:sSubPr>
+                          <m:ctrlPr>
+                            <a:rPr lang="en-US" altLang="ja-JP" sz="2726" b="0" i="1" dirty="0" smtClean="0">
+                              <a:latin typeface="Cambria Math" panose="02040503050406030204" pitchFamily="18" charset="0"/>
+                            </a:rPr>
+                          </m:ctrlPr>
+                        </m:sSubPr>
+                        <m:e>
+                          <m:r>
+                            <a:rPr lang="en-US" altLang="ja-JP" sz="2726" i="1" dirty="0" smtClean="0">
+                              <a:latin typeface="Cambria Math" panose="02040503050406030204" pitchFamily="18" charset="0"/>
+                            </a:rPr>
+                            <m:t>𝑤</m:t>
+                          </m:r>
+                        </m:e>
+                        <m:sub>
+                          <m:r>
+                            <a:rPr lang="en-US" altLang="ja-JP" sz="2726" b="0" i="1" dirty="0" smtClean="0">
+                              <a:latin typeface="Cambria Math" panose="02040503050406030204" pitchFamily="18" charset="0"/>
+                            </a:rPr>
+                            <m:t>2</m:t>
+                          </m:r>
+                        </m:sub>
+                      </m:sSub>
+                    </m:oMath>
+                  </m:oMathPara>
+                </a14:m>
+                <a:endParaRPr lang="ja-JP" altLang="en-US" sz="2726" dirty="0"/>
+              </a:p>
+            </p:txBody>
+          </p:sp>
+        </mc:Choice>
+        <mc:Fallback>
+          <p:sp>
+            <p:nvSpPr>
+              <p:cNvPr id="44" name="テキスト ボックス 43">
+                <a:extLst>
+                  <a:ext uri="{FF2B5EF4-FFF2-40B4-BE49-F238E27FC236}">
+                    <a16:creationId xmlns:a16="http://schemas.microsoft.com/office/drawing/2014/main" id="{CF168F8C-164E-B5A8-38F3-88B2DDB5B7F7}"/>
+                  </a:ext>
+                </a:extLst>
+              </p:cNvPr>
+              <p:cNvSpPr txBox="1">
+                <a:spLocks noRot="1" noChangeAspect="1" noMove="1" noResize="1" noEditPoints="1" noAdjustHandles="1" noChangeArrowheads="1" noChangeShapeType="1" noTextEdit="1"/>
+              </p:cNvSpPr>
+              <p:nvPr/>
+            </p:nvSpPr>
+            <p:spPr>
+              <a:xfrm>
+                <a:off x="6306878" y="2382499"/>
+                <a:ext cx="763918" cy="511807"/>
+              </a:xfrm>
+              <a:prstGeom prst="rect">
+                <a:avLst/>
+              </a:prstGeom>
+              <a:blipFill>
+                <a:blip r:embed="rId3"/>
+                <a:stretch>
+                  <a:fillRect/>
+                </a:stretch>
+              </a:blipFill>
+            </p:spPr>
+            <p:txBody>
+              <a:bodyPr/>
+              <a:lstStyle/>
+              <a:p>
+                <a:r>
+                  <a:rPr lang="ja-JP" altLang="en-US">
+                    <a:noFill/>
+                  </a:rPr>
+                  <a:t> </a:t>
+                </a:r>
+              </a:p>
+            </p:txBody>
+          </p:sp>
+        </mc:Fallback>
+      </mc:AlternateContent>
+      <mc:AlternateContent xmlns:mc="http://schemas.openxmlformats.org/markup-compatibility/2006">
+        <mc:Choice xmlns:a14="http://schemas.microsoft.com/office/drawing/2010/main" Requires="a14">
+          <p:sp>
+            <p:nvSpPr>
+              <p:cNvPr id="45" name="テキスト ボックス 44">
+                <a:extLst>
+                  <a:ext uri="{FF2B5EF4-FFF2-40B4-BE49-F238E27FC236}">
+                    <a16:creationId xmlns:a16="http://schemas.microsoft.com/office/drawing/2014/main" id="{CCFAF561-1E53-6A10-F31D-7508E6E8A47C}"/>
+                  </a:ext>
+                </a:extLst>
+              </p:cNvPr>
+              <p:cNvSpPr txBox="1"/>
+              <p:nvPr/>
+            </p:nvSpPr>
+            <p:spPr>
+              <a:xfrm>
+                <a:off x="6306878" y="5151875"/>
+                <a:ext cx="763918" cy="511807"/>
+              </a:xfrm>
+              <a:prstGeom prst="rect">
+                <a:avLst/>
+              </a:prstGeom>
+              <a:noFill/>
+            </p:spPr>
+            <p:txBody>
+              <a:bodyPr wrap="square" rtlCol="0">
+                <a:spAutoFit/>
+              </a:bodyPr>
+              <a:lstStyle/>
+              <a:p>
+                <a:pPr algn="ctr"/>
+                <a14:m>
+                  <m:oMathPara xmlns:m="http://schemas.openxmlformats.org/officeDocument/2006/math">
+                    <m:oMathParaPr>
+                      <m:jc m:val="centerGroup"/>
+                    </m:oMathParaPr>
+                    <m:oMath xmlns:m="http://schemas.openxmlformats.org/officeDocument/2006/math">
+                      <m:sSub>
+                        <m:sSubPr>
+                          <m:ctrlPr>
+                            <a:rPr lang="en-US" altLang="ja-JP" sz="2726" b="0" i="1" dirty="0" smtClean="0">
+                              <a:latin typeface="Cambria Math" panose="02040503050406030204" pitchFamily="18" charset="0"/>
+                            </a:rPr>
+                          </m:ctrlPr>
+                        </m:sSubPr>
+                        <m:e>
+                          <m:r>
+                            <a:rPr lang="en-US" altLang="ja-JP" sz="2726" i="1" dirty="0" smtClean="0">
+                              <a:latin typeface="Cambria Math" panose="02040503050406030204" pitchFamily="18" charset="0"/>
+                            </a:rPr>
+                            <m:t>𝑤</m:t>
+                          </m:r>
+                        </m:e>
+                        <m:sub>
+                          <m:r>
+                            <a:rPr lang="en-US" altLang="ja-JP" sz="2726" b="0" i="1" dirty="0" smtClean="0">
+                              <a:latin typeface="Cambria Math" panose="02040503050406030204" pitchFamily="18" charset="0"/>
+                            </a:rPr>
+                            <m:t>1</m:t>
+                          </m:r>
+                        </m:sub>
+                      </m:sSub>
+                    </m:oMath>
+                  </m:oMathPara>
+                </a14:m>
+                <a:endParaRPr lang="ja-JP" altLang="en-US" sz="2726" dirty="0"/>
+              </a:p>
+            </p:txBody>
+          </p:sp>
+        </mc:Choice>
+        <mc:Fallback>
+          <p:sp>
+            <p:nvSpPr>
+              <p:cNvPr id="45" name="テキスト ボックス 44">
+                <a:extLst>
+                  <a:ext uri="{FF2B5EF4-FFF2-40B4-BE49-F238E27FC236}">
+                    <a16:creationId xmlns:a16="http://schemas.microsoft.com/office/drawing/2014/main" id="{CCFAF561-1E53-6A10-F31D-7508E6E8A47C}"/>
+                  </a:ext>
+                </a:extLst>
+              </p:cNvPr>
+              <p:cNvSpPr txBox="1">
+                <a:spLocks noRot="1" noChangeAspect="1" noMove="1" noResize="1" noEditPoints="1" noAdjustHandles="1" noChangeArrowheads="1" noChangeShapeType="1" noTextEdit="1"/>
+              </p:cNvSpPr>
+              <p:nvPr/>
+            </p:nvSpPr>
+            <p:spPr>
+              <a:xfrm>
+                <a:off x="6306878" y="5151875"/>
+                <a:ext cx="763918" cy="511807"/>
+              </a:xfrm>
+              <a:prstGeom prst="rect">
+                <a:avLst/>
+              </a:prstGeom>
+              <a:blipFill>
+                <a:blip r:embed="rId4"/>
+                <a:stretch>
+                  <a:fillRect/>
+                </a:stretch>
+              </a:blipFill>
+            </p:spPr>
+            <p:txBody>
+              <a:bodyPr/>
+              <a:lstStyle/>
+              <a:p>
+                <a:r>
+                  <a:rPr lang="ja-JP" altLang="en-US">
+                    <a:noFill/>
+                  </a:rPr>
+                  <a:t> </a:t>
+                </a:r>
+              </a:p>
+            </p:txBody>
+          </p:sp>
+        </mc:Fallback>
+      </mc:AlternateContent>
+      <p:cxnSp>
+        <p:nvCxnSpPr>
+          <p:cNvPr id="46" name="直線コネクタ 45">
+            <a:extLst>
+              <a:ext uri="{FF2B5EF4-FFF2-40B4-BE49-F238E27FC236}">
+                <a16:creationId xmlns:a16="http://schemas.microsoft.com/office/drawing/2014/main" id="{F1ED1E25-339E-C80B-F697-17DB8B293EF2}"/>
+              </a:ext>
+            </a:extLst>
+          </p:cNvPr>
+          <p:cNvCxnSpPr>
+            <a:cxnSpLocks/>
+          </p:cNvCxnSpPr>
+          <p:nvPr/>
+        </p:nvCxnSpPr>
+        <p:spPr>
+          <a:xfrm>
+            <a:off x="6955654" y="5405206"/>
+            <a:ext cx="230282" cy="1286"/>
+          </a:xfrm>
+          <a:prstGeom prst="line">
+            <a:avLst/>
+          </a:prstGeom>
+          <a:ln w="19050">
+            <a:solidFill>
+              <a:schemeClr val="tx1"/>
+            </a:solidFill>
+            <a:prstDash val="dash"/>
+          </a:ln>
+        </p:spPr>
+        <p:style>
+          <a:lnRef idx="1">
+            <a:schemeClr val="accent1"/>
+          </a:lnRef>
+          <a:fillRef idx="0">
+            <a:schemeClr val="accent1"/>
+          </a:fillRef>
+          <a:effectRef idx="0">
+            <a:schemeClr val="accent1"/>
+          </a:effectRef>
+          <a:fontRef idx="minor">
+            <a:schemeClr val="tx1"/>
+          </a:fontRef>
+        </p:style>
+      </p:cxnSp>
+      <p:cxnSp>
+        <p:nvCxnSpPr>
+          <p:cNvPr id="47" name="直線コネクタ 46">
+            <a:extLst>
+              <a:ext uri="{FF2B5EF4-FFF2-40B4-BE49-F238E27FC236}">
+                <a16:creationId xmlns:a16="http://schemas.microsoft.com/office/drawing/2014/main" id="{746DFD3E-E513-3ABF-8218-41BFEED3FF45}"/>
+              </a:ext>
+            </a:extLst>
+          </p:cNvPr>
+          <p:cNvCxnSpPr>
+            <a:cxnSpLocks/>
+          </p:cNvCxnSpPr>
+          <p:nvPr/>
+        </p:nvCxnSpPr>
+        <p:spPr>
+          <a:xfrm flipV="1">
+            <a:off x="6955654" y="2636480"/>
+            <a:ext cx="3214391" cy="5566"/>
+          </a:xfrm>
+          <a:prstGeom prst="line">
+            <a:avLst/>
+          </a:prstGeom>
+          <a:ln w="19050">
+            <a:solidFill>
+              <a:schemeClr val="tx1"/>
+            </a:solidFill>
+            <a:prstDash val="dash"/>
+          </a:ln>
+        </p:spPr>
+        <p:style>
+          <a:lnRef idx="1">
+            <a:schemeClr val="accent1"/>
+          </a:lnRef>
+          <a:fillRef idx="0">
+            <a:schemeClr val="accent1"/>
+          </a:fillRef>
+          <a:effectRef idx="0">
+            <a:schemeClr val="accent1"/>
+          </a:effectRef>
+          <a:fontRef idx="minor">
+            <a:schemeClr val="tx1"/>
+          </a:fontRef>
+        </p:style>
+      </p:cxnSp>
+    </p:spTree>
+    <p:extLst>
+      <p:ext uri="{BB962C8B-B14F-4D97-AF65-F5344CB8AC3E}">
+        <p14:creationId xmlns:p14="http://schemas.microsoft.com/office/powerpoint/2010/main" val="4235342275"/>
+      </p:ext>
+    </p:extLst>
+  </p:cSld>
+  <p:clrMapOvr>
+    <a:masterClrMapping/>
+  </p:clrMapOvr>
+</p:sld>
+</file>
+
 <file path=ppt/slides/slide3.xml><?xml version="1.0" encoding="utf-8"?>
+<p:sld xmlns:a="http://schemas.openxmlformats.org/drawingml/2006/main" xmlns:r="http://schemas.openxmlformats.org/officeDocument/2006/relationships" xmlns:p="http://schemas.openxmlformats.org/presentationml/2006/main">
+  <p:cSld>
+    <p:spTree>
+      <p:nvGrpSpPr>
+        <p:cNvPr id="1" name=""/>
+        <p:cNvGrpSpPr/>
+        <p:nvPr/>
+      </p:nvGrpSpPr>
+      <p:grpSpPr>
+        <a:xfrm>
+          <a:off x="0" y="0"/>
+          <a:ext cx="0" cy="0"/>
+          <a:chOff x="0" y="0"/>
+          <a:chExt cx="0" cy="0"/>
+        </a:xfrm>
+      </p:grpSpPr>
+      <p:pic>
+        <p:nvPicPr>
+          <p:cNvPr id="3" name="図 2">
+            <a:extLst>
+              <a:ext uri="{FF2B5EF4-FFF2-40B4-BE49-F238E27FC236}">
+                <a16:creationId xmlns:a16="http://schemas.microsoft.com/office/drawing/2014/main" id="{138E2AAD-2A71-5BA2-3DF2-0B390BFA2EAA}"/>
+              </a:ext>
+            </a:extLst>
+          </p:cNvPr>
+          <p:cNvPicPr>
+            <a:picLocks noChangeAspect="1"/>
+          </p:cNvPicPr>
+          <p:nvPr/>
+        </p:nvPicPr>
+        <p:blipFill>
+          <a:blip r:embed="rId2"/>
+          <a:stretch>
+            <a:fillRect/>
+          </a:stretch>
+        </p:blipFill>
+        <p:spPr>
+          <a:xfrm>
+            <a:off x="7015620" y="75585"/>
+            <a:ext cx="9008159" cy="7048142"/>
+          </a:xfrm>
+          <a:prstGeom prst="rect">
+            <a:avLst/>
+          </a:prstGeom>
+        </p:spPr>
+      </p:pic>
+    </p:spTree>
+    <p:extLst>
+      <p:ext uri="{BB962C8B-B14F-4D97-AF65-F5344CB8AC3E}">
+        <p14:creationId xmlns:p14="http://schemas.microsoft.com/office/powerpoint/2010/main" val="567061433"/>
+      </p:ext>
+    </p:extLst>
+  </p:cSld>
+  <p:clrMapOvr>
+    <a:masterClrMapping/>
+  </p:clrMapOvr>
+</p:sld>
+</file>
+
+<file path=ppt/slides/slide4.xml><?xml version="1.0" encoding="utf-8"?>
 <p:sld xmlns:a="http://schemas.openxmlformats.org/drawingml/2006/main" xmlns:r="http://schemas.openxmlformats.org/officeDocument/2006/relationships" xmlns:p="http://schemas.openxmlformats.org/presentationml/2006/main">
   <p:cSld>
     <p:spTree>
@@ -22291,7 +24659,7 @@
 </p:sld>
 </file>
 
-<file path=ppt/slides/slide4.xml><?xml version="1.0" encoding="utf-8"?>
+<file path=ppt/slides/slide5.xml><?xml version="1.0" encoding="utf-8"?>
 <p:sld xmlns:a="http://schemas.openxmlformats.org/drawingml/2006/main" xmlns:r="http://schemas.openxmlformats.org/officeDocument/2006/relationships" xmlns:p="http://schemas.openxmlformats.org/presentationml/2006/main">
   <p:cSld>
     <p:spTree>
@@ -22368,7 +24736,7 @@
 </p:sld>
 </file>
 
-<file path=ppt/slides/slide5.xml><?xml version="1.0" encoding="utf-8"?>
+<file path=ppt/slides/slide6.xml><?xml version="1.0" encoding="utf-8"?>
 <p:sld xmlns:a="http://schemas.openxmlformats.org/drawingml/2006/main" xmlns:r="http://schemas.openxmlformats.org/officeDocument/2006/relationships" xmlns:p="http://schemas.openxmlformats.org/presentationml/2006/main">
   <p:cSld>
     <p:spTree>
@@ -22445,7 +24813,7 @@
 </p:sld>
 </file>
 
-<file path=ppt/slides/slide6.xml><?xml version="1.0" encoding="utf-8"?>
+<file path=ppt/slides/slide7.xml><?xml version="1.0" encoding="utf-8"?>
 <p:sld xmlns:a="http://schemas.openxmlformats.org/drawingml/2006/main" xmlns:r="http://schemas.openxmlformats.org/officeDocument/2006/relationships" xmlns:p="http://schemas.openxmlformats.org/presentationml/2006/main">
   <p:cSld>
     <p:spTree>
@@ -23247,7 +25615,7 @@
 </p:sld>
 </file>
 
-<file path=ppt/slides/slide7.xml><?xml version="1.0" encoding="utf-8"?>
+<file path=ppt/slides/slide8.xml><?xml version="1.0" encoding="utf-8"?>
 <p:sld xmlns:a="http://schemas.openxmlformats.org/drawingml/2006/main" xmlns:r="http://schemas.openxmlformats.org/officeDocument/2006/relationships" xmlns:p="http://schemas.openxmlformats.org/presentationml/2006/main">
   <p:cSld>
     <p:spTree>
@@ -24678,7 +27046,7 @@
 </p:sld>
 </file>
 
-<file path=ppt/slides/slide8.xml><?xml version="1.0" encoding="utf-8"?>
+<file path=ppt/slides/slide9.xml><?xml version="1.0" encoding="utf-8"?>
 <p:sld xmlns:a="http://schemas.openxmlformats.org/drawingml/2006/main" xmlns:r="http://schemas.openxmlformats.org/officeDocument/2006/relationships" xmlns:p="http://schemas.openxmlformats.org/presentationml/2006/main">
   <p:cSld>
     <p:spTree>
@@ -26103,1265 +28471,6 @@
 </p:sld>
 </file>
 
-<file path=ppt/slides/slide9.xml><?xml version="1.0" encoding="utf-8"?>
-<p:sld xmlns:a="http://schemas.openxmlformats.org/drawingml/2006/main" xmlns:r="http://schemas.openxmlformats.org/officeDocument/2006/relationships" xmlns:p="http://schemas.openxmlformats.org/presentationml/2006/main">
-  <p:cSld>
-    <p:spTree>
-      <p:nvGrpSpPr>
-        <p:cNvPr id="1" name=""/>
-        <p:cNvGrpSpPr/>
-        <p:nvPr/>
-      </p:nvGrpSpPr>
-      <p:grpSpPr>
-        <a:xfrm>
-          <a:off x="0" y="0"/>
-          <a:ext cx="0" cy="0"/>
-          <a:chOff x="0" y="0"/>
-          <a:chExt cx="0" cy="0"/>
-        </a:xfrm>
-      </p:grpSpPr>
-      <p:grpSp>
-        <p:nvGrpSpPr>
-          <p:cNvPr id="81" name="グループ化 80">
-            <a:extLst>
-              <a:ext uri="{FF2B5EF4-FFF2-40B4-BE49-F238E27FC236}">
-                <a16:creationId xmlns:a16="http://schemas.microsoft.com/office/drawing/2014/main" id="{76D9596E-9294-480E-296B-E3DD658FE6FF}"/>
-              </a:ext>
-            </a:extLst>
-          </p:cNvPr>
-          <p:cNvGrpSpPr/>
-          <p:nvPr/>
-        </p:nvGrpSpPr>
-        <p:grpSpPr>
-          <a:xfrm>
-            <a:off x="6893649" y="319799"/>
-            <a:ext cx="9252109" cy="6472223"/>
-            <a:chOff x="6299843" y="126848"/>
-            <a:chExt cx="4751324" cy="3323742"/>
-          </a:xfrm>
-        </p:grpSpPr>
-        <p:grpSp>
-          <p:nvGrpSpPr>
-            <p:cNvPr id="39" name="グループ化 38">
-              <a:extLst>
-                <a:ext uri="{FF2B5EF4-FFF2-40B4-BE49-F238E27FC236}">
-                  <a16:creationId xmlns:a16="http://schemas.microsoft.com/office/drawing/2014/main" id="{E27E1631-9866-002A-9456-B8D306027306}"/>
-                </a:ext>
-              </a:extLst>
-            </p:cNvPr>
-            <p:cNvGrpSpPr/>
-            <p:nvPr/>
-          </p:nvGrpSpPr>
-          <p:grpSpPr>
-            <a:xfrm>
-              <a:off x="6299843" y="126848"/>
-              <a:ext cx="4751324" cy="3323742"/>
-              <a:chOff x="3891716" y="203793"/>
-              <a:chExt cx="4751324" cy="3323742"/>
-            </a:xfrm>
-          </p:grpSpPr>
-          <p:grpSp>
-            <p:nvGrpSpPr>
-              <p:cNvPr id="40" name="グループ化 39">
-                <a:extLst>
-                  <a:ext uri="{FF2B5EF4-FFF2-40B4-BE49-F238E27FC236}">
-                    <a16:creationId xmlns:a16="http://schemas.microsoft.com/office/drawing/2014/main" id="{6CEE95F9-5FE1-1827-9721-1F21B9C0BB27}"/>
-                  </a:ext>
-                </a:extLst>
-              </p:cNvPr>
-              <p:cNvGrpSpPr/>
-              <p:nvPr/>
-            </p:nvGrpSpPr>
-            <p:grpSpPr>
-              <a:xfrm>
-                <a:off x="3891716" y="203793"/>
-                <a:ext cx="4751324" cy="3166971"/>
-                <a:chOff x="5300915" y="280736"/>
-                <a:chExt cx="4751324" cy="3166971"/>
-              </a:xfrm>
-            </p:grpSpPr>
-            <p:cxnSp>
-              <p:nvCxnSpPr>
-                <p:cNvPr id="53" name="直線矢印コネクタ 52">
-                  <a:extLst>
-                    <a:ext uri="{FF2B5EF4-FFF2-40B4-BE49-F238E27FC236}">
-                      <a16:creationId xmlns:a16="http://schemas.microsoft.com/office/drawing/2014/main" id="{49E788E8-7A17-136F-5ED5-FB644C62CFD3}"/>
-                    </a:ext>
-                  </a:extLst>
-                </p:cNvPr>
-                <p:cNvCxnSpPr>
-                  <a:cxnSpLocks/>
-                </p:cNvCxnSpPr>
-                <p:nvPr/>
-              </p:nvCxnSpPr>
-              <p:spPr>
-                <a:xfrm flipV="1">
-                  <a:off x="5642811" y="547437"/>
-                  <a:ext cx="0" cy="2791326"/>
-                </a:xfrm>
-                <a:prstGeom prst="straightConnector1">
-                  <a:avLst/>
-                </a:prstGeom>
-                <a:ln w="19050">
-                  <a:solidFill>
-                    <a:schemeClr val="tx1"/>
-                  </a:solidFill>
-                  <a:headEnd type="none" w="med" len="med"/>
-                  <a:tailEnd type="arrow" w="med" len="med"/>
-                </a:ln>
-              </p:spPr>
-              <p:style>
-                <a:lnRef idx="1">
-                  <a:schemeClr val="accent1"/>
-                </a:lnRef>
-                <a:fillRef idx="0">
-                  <a:schemeClr val="accent1"/>
-                </a:fillRef>
-                <a:effectRef idx="0">
-                  <a:schemeClr val="accent1"/>
-                </a:effectRef>
-                <a:fontRef idx="minor">
-                  <a:schemeClr val="tx1"/>
-                </a:fontRef>
-              </p:style>
-            </p:cxnSp>
-            <p:cxnSp>
-              <p:nvCxnSpPr>
-                <p:cNvPr id="54" name="直線矢印コネクタ 53">
-                  <a:extLst>
-                    <a:ext uri="{FF2B5EF4-FFF2-40B4-BE49-F238E27FC236}">
-                      <a16:creationId xmlns:a16="http://schemas.microsoft.com/office/drawing/2014/main" id="{F0104F12-6668-371C-3E48-A49F4E734601}"/>
-                    </a:ext>
-                  </a:extLst>
-                </p:cNvPr>
-                <p:cNvCxnSpPr>
-                  <a:cxnSpLocks/>
-                </p:cNvCxnSpPr>
-                <p:nvPr/>
-              </p:nvCxnSpPr>
-              <p:spPr>
-                <a:xfrm>
-                  <a:off x="5642811" y="3338763"/>
-                  <a:ext cx="3224463" cy="0"/>
-                </a:xfrm>
-                <a:prstGeom prst="straightConnector1">
-                  <a:avLst/>
-                </a:prstGeom>
-                <a:ln w="19050">
-                  <a:solidFill>
-                    <a:schemeClr val="tx1"/>
-                  </a:solidFill>
-                  <a:headEnd type="none" w="med" len="med"/>
-                  <a:tailEnd type="arrow" w="med" len="med"/>
-                </a:ln>
-              </p:spPr>
-              <p:style>
-                <a:lnRef idx="1">
-                  <a:schemeClr val="accent1"/>
-                </a:lnRef>
-                <a:fillRef idx="0">
-                  <a:schemeClr val="accent1"/>
-                </a:fillRef>
-                <a:effectRef idx="0">
-                  <a:schemeClr val="accent1"/>
-                </a:effectRef>
-                <a:fontRef idx="minor">
-                  <a:schemeClr val="tx1"/>
-                </a:fontRef>
-              </p:style>
-            </p:cxnSp>
-            <p:sp>
-              <p:nvSpPr>
-                <p:cNvPr id="55" name="テキスト ボックス 54">
-                  <a:extLst>
-                    <a:ext uri="{FF2B5EF4-FFF2-40B4-BE49-F238E27FC236}">
-                      <a16:creationId xmlns:a16="http://schemas.microsoft.com/office/drawing/2014/main" id="{89A0DEF1-F0F6-A68B-8450-A17E38EAE9A2}"/>
-                    </a:ext>
-                  </a:extLst>
-                </p:cNvPr>
-                <p:cNvSpPr txBox="1"/>
-                <p:nvPr/>
-              </p:nvSpPr>
-              <p:spPr>
-                <a:xfrm>
-                  <a:off x="5300915" y="280736"/>
-                  <a:ext cx="683792" cy="262833"/>
-                </a:xfrm>
-                <a:prstGeom prst="rect">
-                  <a:avLst/>
-                </a:prstGeom>
-                <a:noFill/>
-              </p:spPr>
-              <p:txBody>
-                <a:bodyPr wrap="square" rtlCol="0">
-                  <a:spAutoFit/>
-                </a:bodyPr>
-                <a:lstStyle/>
-                <a:p>
-                  <a:pPr algn="ctr"/>
-                  <a:r>
-                    <a:rPr lang="ja-JP" altLang="en-US" sz="2726" dirty="0"/>
-                    <a:t>賃金</a:t>
-                  </a:r>
-                </a:p>
-              </p:txBody>
-            </p:sp>
-            <p:sp>
-              <p:nvSpPr>
-                <p:cNvPr id="56" name="テキスト ボックス 55">
-                  <a:extLst>
-                    <a:ext uri="{FF2B5EF4-FFF2-40B4-BE49-F238E27FC236}">
-                      <a16:creationId xmlns:a16="http://schemas.microsoft.com/office/drawing/2014/main" id="{53F00CB4-C2DA-0E1E-434D-BD8EC9B751F8}"/>
-                    </a:ext>
-                  </a:extLst>
-                </p:cNvPr>
-                <p:cNvSpPr txBox="1"/>
-                <p:nvPr/>
-              </p:nvSpPr>
-              <p:spPr>
-                <a:xfrm>
-                  <a:off x="8867274" y="3184874"/>
-                  <a:ext cx="842210" cy="262833"/>
-                </a:xfrm>
-                <a:prstGeom prst="rect">
-                  <a:avLst/>
-                </a:prstGeom>
-                <a:noFill/>
-              </p:spPr>
-              <p:txBody>
-                <a:bodyPr wrap="square" rtlCol="0">
-                  <a:spAutoFit/>
-                </a:bodyPr>
-                <a:lstStyle/>
-                <a:p>
-                  <a:pPr algn="ctr"/>
-                  <a:r>
-                    <a:rPr lang="ja-JP" altLang="en-US" sz="2726" dirty="0"/>
-                    <a:t>雇用量</a:t>
-                  </a:r>
-                </a:p>
-              </p:txBody>
-            </p:sp>
-            <p:sp>
-              <p:nvSpPr>
-                <p:cNvPr id="58" name="フリーフォーム: 図形 57">
-                  <a:extLst>
-                    <a:ext uri="{FF2B5EF4-FFF2-40B4-BE49-F238E27FC236}">
-                      <a16:creationId xmlns:a16="http://schemas.microsoft.com/office/drawing/2014/main" id="{B0E92533-6357-990A-68E8-457DECD0ED50}"/>
-                    </a:ext>
-                  </a:extLst>
-                </p:cNvPr>
-                <p:cNvSpPr/>
-                <p:nvPr/>
-              </p:nvSpPr>
-              <p:spPr>
-                <a:xfrm>
-                  <a:off x="5883442" y="757989"/>
-                  <a:ext cx="2598821" cy="2358190"/>
-                </a:xfrm>
-                <a:custGeom>
-                  <a:avLst/>
-                  <a:gdLst>
-                    <a:gd name="connsiteX0" fmla="*/ 0 w 2598821"/>
-                    <a:gd name="connsiteY0" fmla="*/ 2358190 h 2358190"/>
-                    <a:gd name="connsiteX1" fmla="*/ 1780674 w 2598821"/>
-                    <a:gd name="connsiteY1" fmla="*/ 1690437 h 2358190"/>
-                    <a:gd name="connsiteX2" fmla="*/ 2598821 w 2598821"/>
-                    <a:gd name="connsiteY2" fmla="*/ 0 h 2358190"/>
-                  </a:gdLst>
-                  <a:ahLst/>
-                  <a:cxnLst>
-                    <a:cxn ang="0">
-                      <a:pos x="connsiteX0" y="connsiteY0"/>
-                    </a:cxn>
-                    <a:cxn ang="0">
-                      <a:pos x="connsiteX1" y="connsiteY1"/>
-                    </a:cxn>
-                    <a:cxn ang="0">
-                      <a:pos x="connsiteX2" y="connsiteY2"/>
-                    </a:cxn>
-                  </a:cxnLst>
-                  <a:rect l="l" t="t" r="r" b="b"/>
-                  <a:pathLst>
-                    <a:path w="2598821" h="2358190">
-                      <a:moveTo>
-                        <a:pt x="0" y="2358190"/>
-                      </a:moveTo>
-                      <a:cubicBezTo>
-                        <a:pt x="673768" y="2220829"/>
-                        <a:pt x="1347537" y="2083469"/>
-                        <a:pt x="1780674" y="1690437"/>
-                      </a:cubicBezTo>
-                      <a:cubicBezTo>
-                        <a:pt x="2213811" y="1297405"/>
-                        <a:pt x="2406316" y="648702"/>
-                        <a:pt x="2598821" y="0"/>
-                      </a:cubicBezTo>
-                    </a:path>
-                  </a:pathLst>
-                </a:custGeom>
-                <a:noFill/>
-                <a:ln w="28575">
-                  <a:prstDash val="dash"/>
-                </a:ln>
-              </p:spPr>
-              <p:style>
-                <a:lnRef idx="2">
-                  <a:schemeClr val="accent1">
-                    <a:shade val="15000"/>
-                  </a:schemeClr>
-                </a:lnRef>
-                <a:fillRef idx="1">
-                  <a:schemeClr val="accent1"/>
-                </a:fillRef>
-                <a:effectRef idx="0">
-                  <a:schemeClr val="accent1"/>
-                </a:effectRef>
-                <a:fontRef idx="minor">
-                  <a:schemeClr val="lt1"/>
-                </a:fontRef>
-              </p:style>
-              <p:txBody>
-                <a:bodyPr rtlCol="0" anchor="ctr"/>
-                <a:lstStyle/>
-                <a:p>
-                  <a:pPr algn="ctr"/>
-                  <a:endParaRPr lang="ja-JP" altLang="en-US" sz="6860"/>
-                </a:p>
-              </p:txBody>
-            </p:sp>
-            <p:sp>
-              <p:nvSpPr>
-                <p:cNvPr id="59" name="テキスト ボックス 58">
-                  <a:extLst>
-                    <a:ext uri="{FF2B5EF4-FFF2-40B4-BE49-F238E27FC236}">
-                      <a16:creationId xmlns:a16="http://schemas.microsoft.com/office/drawing/2014/main" id="{8BD0B1E9-E0ED-301F-01A0-1183E8C4E212}"/>
-                    </a:ext>
-                  </a:extLst>
-                </p:cNvPr>
-                <p:cNvSpPr txBox="1"/>
-                <p:nvPr/>
-              </p:nvSpPr>
-              <p:spPr>
-                <a:xfrm>
-                  <a:off x="8570969" y="2844506"/>
-                  <a:ext cx="842210" cy="262833"/>
-                </a:xfrm>
-                <a:prstGeom prst="rect">
-                  <a:avLst/>
-                </a:prstGeom>
-                <a:noFill/>
-              </p:spPr>
-              <p:txBody>
-                <a:bodyPr wrap="square" rtlCol="0">
-                  <a:spAutoFit/>
-                </a:bodyPr>
-                <a:lstStyle/>
-                <a:p>
-                  <a:pPr algn="ctr"/>
-                  <a:r>
-                    <a:rPr lang="ja-JP" altLang="en-US" sz="2726" dirty="0"/>
-                    <a:t>需要</a:t>
-                  </a:r>
-                </a:p>
-              </p:txBody>
-            </p:sp>
-            <p:sp>
-              <p:nvSpPr>
-                <p:cNvPr id="60" name="テキスト ボックス 59">
-                  <a:extLst>
-                    <a:ext uri="{FF2B5EF4-FFF2-40B4-BE49-F238E27FC236}">
-                      <a16:creationId xmlns:a16="http://schemas.microsoft.com/office/drawing/2014/main" id="{67A229D6-3305-8B94-8A88-8E878B5AF22D}"/>
-                    </a:ext>
-                  </a:extLst>
-                </p:cNvPr>
-                <p:cNvSpPr txBox="1"/>
-                <p:nvPr/>
-              </p:nvSpPr>
-              <p:spPr>
-                <a:xfrm>
-                  <a:off x="8427434" y="1470617"/>
-                  <a:ext cx="1624805" cy="262833"/>
-                </a:xfrm>
-                <a:prstGeom prst="rect">
-                  <a:avLst/>
-                </a:prstGeom>
-                <a:noFill/>
-              </p:spPr>
-              <p:txBody>
-                <a:bodyPr wrap="square" rtlCol="0">
-                  <a:spAutoFit/>
-                </a:bodyPr>
-                <a:lstStyle/>
-                <a:p>
-                  <a:pPr algn="ctr"/>
-                  <a:r>
-                    <a:rPr lang="ja-JP" altLang="en-US" sz="2726" dirty="0"/>
-                    <a:t>供給（シフト後）</a:t>
-                  </a:r>
-                </a:p>
-              </p:txBody>
-            </p:sp>
-          </p:grpSp>
-          <p:sp>
-            <p:nvSpPr>
-              <p:cNvPr id="41" name="フリーフォーム: 図形 40">
-                <a:extLst>
-                  <a:ext uri="{FF2B5EF4-FFF2-40B4-BE49-F238E27FC236}">
-                    <a16:creationId xmlns:a16="http://schemas.microsoft.com/office/drawing/2014/main" id="{CD780250-2B96-7783-7FCA-31CD7B9BD5F8}"/>
-                  </a:ext>
-                </a:extLst>
-              </p:cNvPr>
-              <p:cNvSpPr/>
-              <p:nvPr/>
-            </p:nvSpPr>
-            <p:spPr>
-              <a:xfrm>
-                <a:off x="4449088" y="861003"/>
-                <a:ext cx="2761248" cy="2051384"/>
-              </a:xfrm>
-              <a:custGeom>
-                <a:avLst/>
-                <a:gdLst>
-                  <a:gd name="connsiteX0" fmla="*/ 0 w 2761248"/>
-                  <a:gd name="connsiteY0" fmla="*/ 0 h 2051384"/>
-                  <a:gd name="connsiteX1" fmla="*/ 842211 w 2761248"/>
-                  <a:gd name="connsiteY1" fmla="*/ 1606216 h 2051384"/>
-                  <a:gd name="connsiteX2" fmla="*/ 2761248 w 2761248"/>
-                  <a:gd name="connsiteY2" fmla="*/ 2051384 h 2051384"/>
-                </a:gdLst>
-                <a:ahLst/>
-                <a:cxnLst>
-                  <a:cxn ang="0">
-                    <a:pos x="connsiteX0" y="connsiteY0"/>
-                  </a:cxn>
-                  <a:cxn ang="0">
-                    <a:pos x="connsiteX1" y="connsiteY1"/>
-                  </a:cxn>
-                  <a:cxn ang="0">
-                    <a:pos x="connsiteX2" y="connsiteY2"/>
-                  </a:cxn>
-                </a:cxnLst>
-                <a:rect l="l" t="t" r="r" b="b"/>
-                <a:pathLst>
-                  <a:path w="2761248" h="2051384">
-                    <a:moveTo>
-                      <a:pt x="0" y="0"/>
-                    </a:moveTo>
-                    <a:cubicBezTo>
-                      <a:pt x="191001" y="632159"/>
-                      <a:pt x="382003" y="1264319"/>
-                      <a:pt x="842211" y="1606216"/>
-                    </a:cubicBezTo>
-                    <a:cubicBezTo>
-                      <a:pt x="1302419" y="1948113"/>
-                      <a:pt x="2031833" y="1999748"/>
-                      <a:pt x="2761248" y="2051384"/>
-                    </a:cubicBezTo>
-                  </a:path>
-                </a:pathLst>
-              </a:custGeom>
-              <a:noFill/>
-              <a:ln w="28575"/>
-            </p:spPr>
-            <p:style>
-              <a:lnRef idx="2">
-                <a:schemeClr val="accent1">
-                  <a:shade val="15000"/>
-                </a:schemeClr>
-              </a:lnRef>
-              <a:fillRef idx="1">
-                <a:schemeClr val="accent1"/>
-              </a:fillRef>
-              <a:effectRef idx="0">
-                <a:schemeClr val="accent1"/>
-              </a:effectRef>
-              <a:fontRef idx="minor">
-                <a:schemeClr val="lt1"/>
-              </a:fontRef>
-            </p:style>
-            <p:txBody>
-              <a:bodyPr rtlCol="0" anchor="ctr"/>
-              <a:lstStyle/>
-              <a:p>
-                <a:pPr algn="ctr"/>
-                <a:endParaRPr lang="ja-JP" altLang="en-US" sz="6860"/>
-              </a:p>
-            </p:txBody>
-          </p:sp>
-          <mc:AlternateContent xmlns:mc="http://schemas.openxmlformats.org/markup-compatibility/2006" xmlns:a14="http://schemas.microsoft.com/office/drawing/2010/main">
-            <mc:Choice Requires="a14">
-              <p:sp>
-                <p:nvSpPr>
-                  <p:cNvPr id="42" name="テキスト ボックス 41">
-                    <a:extLst>
-                      <a:ext uri="{FF2B5EF4-FFF2-40B4-BE49-F238E27FC236}">
-                        <a16:creationId xmlns:a16="http://schemas.microsoft.com/office/drawing/2014/main" id="{782A1389-B805-8314-10A9-8AE787ADB682}"/>
-                      </a:ext>
-                    </a:extLst>
-                  </p:cNvPr>
-                  <p:cNvSpPr txBox="1"/>
-                  <p:nvPr/>
-                </p:nvSpPr>
-                <p:spPr>
-                  <a:xfrm>
-                    <a:off x="5329398" y="3261819"/>
-                    <a:ext cx="842210" cy="262833"/>
-                  </a:xfrm>
-                  <a:prstGeom prst="rect">
-                    <a:avLst/>
-                  </a:prstGeom>
-                  <a:noFill/>
-                </p:spPr>
-                <p:txBody>
-                  <a:bodyPr wrap="square" rtlCol="0">
-                    <a:spAutoFit/>
-                  </a:bodyPr>
-                  <a:lstStyle/>
-                  <a:p>
-                    <a:pPr algn="ctr"/>
-                    <a14:m>
-                      <m:oMathPara xmlns:m="http://schemas.openxmlformats.org/officeDocument/2006/math">
-                        <m:oMathParaPr>
-                          <m:jc m:val="centerGroup"/>
-                        </m:oMathParaPr>
-                        <m:oMath xmlns:m="http://schemas.openxmlformats.org/officeDocument/2006/math">
-                          <m:sSub>
-                            <m:sSubPr>
-                              <m:ctrlPr>
-                                <a:rPr lang="en-US" altLang="ja-JP" sz="2726" i="1">
-                                  <a:latin typeface="Cambria Math" panose="02040503050406030204" pitchFamily="18" charset="0"/>
-                                </a:rPr>
-                              </m:ctrlPr>
-                            </m:sSubPr>
-                            <m:e>
-                              <m:r>
-                                <a:rPr lang="en-US" altLang="ja-JP" sz="2726" i="1">
-                                  <a:latin typeface="Cambria Math" panose="02040503050406030204" pitchFamily="18" charset="0"/>
-                                </a:rPr>
-                                <m:t>𝐿</m:t>
-                              </m:r>
-                            </m:e>
-                            <m:sub>
-                              <m:r>
-                                <a:rPr lang="en-US" altLang="ja-JP" sz="2726" i="1">
-                                  <a:latin typeface="Cambria Math" panose="02040503050406030204" pitchFamily="18" charset="0"/>
-                                </a:rPr>
-                                <m:t>1</m:t>
-                              </m:r>
-                            </m:sub>
-                          </m:sSub>
-                        </m:oMath>
-                      </m:oMathPara>
-                    </a14:m>
-                    <a:endParaRPr lang="ja-JP" altLang="en-US" sz="2726" dirty="0"/>
-                  </a:p>
-                </p:txBody>
-              </p:sp>
-            </mc:Choice>
-            <mc:Fallback xmlns="">
-              <p:sp>
-                <p:nvSpPr>
-                  <p:cNvPr id="42" name="テキスト ボックス 41">
-                    <a:extLst>
-                      <a:ext uri="{FF2B5EF4-FFF2-40B4-BE49-F238E27FC236}">
-                        <a16:creationId xmlns:a16="http://schemas.microsoft.com/office/drawing/2014/main" id="{782A1389-B805-8314-10A9-8AE787ADB682}"/>
-                      </a:ext>
-                    </a:extLst>
-                  </p:cNvPr>
-                  <p:cNvSpPr txBox="1">
-                    <a:spLocks noRot="1" noChangeAspect="1" noMove="1" noResize="1" noEditPoints="1" noAdjustHandles="1" noChangeArrowheads="1" noChangeShapeType="1" noTextEdit="1"/>
-                  </p:cNvSpPr>
-                  <p:nvPr/>
-                </p:nvSpPr>
-                <p:spPr>
-                  <a:xfrm>
-                    <a:off x="5329398" y="3261819"/>
-                    <a:ext cx="842210" cy="262833"/>
-                  </a:xfrm>
-                  <a:prstGeom prst="rect">
-                    <a:avLst/>
-                  </a:prstGeom>
-                  <a:blipFill>
-                    <a:blip r:embed="rId2"/>
-                    <a:stretch>
-                      <a:fillRect/>
-                    </a:stretch>
-                  </a:blipFill>
-                </p:spPr>
-                <p:txBody>
-                  <a:bodyPr/>
-                  <a:lstStyle/>
-                  <a:p>
-                    <a:r>
-                      <a:rPr lang="ja-JP" altLang="en-US">
-                        <a:noFill/>
-                      </a:rPr>
-                      <a:t> </a:t>
-                    </a:r>
-                  </a:p>
-                </p:txBody>
-              </p:sp>
-            </mc:Fallback>
-          </mc:AlternateContent>
-          <p:cxnSp>
-            <p:nvCxnSpPr>
-              <p:cNvPr id="43" name="直線コネクタ 42">
-                <a:extLst>
-                  <a:ext uri="{FF2B5EF4-FFF2-40B4-BE49-F238E27FC236}">
-                    <a16:creationId xmlns:a16="http://schemas.microsoft.com/office/drawing/2014/main" id="{D2E17D67-F412-63A6-71EA-679436AD64CC}"/>
-                  </a:ext>
-                </a:extLst>
-              </p:cNvPr>
-              <p:cNvCxnSpPr>
-                <a:cxnSpLocks/>
-              </p:cNvCxnSpPr>
-              <p:nvPr/>
-            </p:nvCxnSpPr>
-            <p:spPr>
-              <a:xfrm>
-                <a:off x="5750503" y="2673751"/>
-                <a:ext cx="0" cy="588068"/>
-              </a:xfrm>
-              <a:prstGeom prst="line">
-                <a:avLst/>
-              </a:prstGeom>
-              <a:ln w="12700">
-                <a:solidFill>
-                  <a:schemeClr val="tx1"/>
-                </a:solidFill>
-                <a:prstDash val="dash"/>
-              </a:ln>
-            </p:spPr>
-            <p:style>
-              <a:lnRef idx="1">
-                <a:schemeClr val="accent1"/>
-              </a:lnRef>
-              <a:fillRef idx="0">
-                <a:schemeClr val="accent1"/>
-              </a:fillRef>
-              <a:effectRef idx="0">
-                <a:schemeClr val="accent1"/>
-              </a:effectRef>
-              <a:fontRef idx="minor">
-                <a:schemeClr val="tx1"/>
-              </a:fontRef>
-            </p:style>
-          </p:cxnSp>
-          <mc:AlternateContent xmlns:mc="http://schemas.openxmlformats.org/markup-compatibility/2006" xmlns:a14="http://schemas.microsoft.com/office/drawing/2010/main">
-            <mc:Choice Requires="a14">
-              <p:sp>
-                <p:nvSpPr>
-                  <p:cNvPr id="44" name="テキスト ボックス 43">
-                    <a:extLst>
-                      <a:ext uri="{FF2B5EF4-FFF2-40B4-BE49-F238E27FC236}">
-                        <a16:creationId xmlns:a16="http://schemas.microsoft.com/office/drawing/2014/main" id="{0052DD4E-18C2-2F00-4DB1-85F83340A8D3}"/>
-                      </a:ext>
-                    </a:extLst>
-                  </p:cNvPr>
-                  <p:cNvSpPr txBox="1"/>
-                  <p:nvPr/>
-                </p:nvSpPr>
-                <p:spPr>
-                  <a:xfrm>
-                    <a:off x="3915999" y="2453757"/>
-                    <a:ext cx="341896" cy="262833"/>
-                  </a:xfrm>
-                  <a:prstGeom prst="rect">
-                    <a:avLst/>
-                  </a:prstGeom>
-                  <a:noFill/>
-                </p:spPr>
-                <p:txBody>
-                  <a:bodyPr wrap="square" rtlCol="0">
-                    <a:spAutoFit/>
-                  </a:bodyPr>
-                  <a:lstStyle/>
-                  <a:p>
-                    <a:pPr algn="ctr"/>
-                    <a14:m>
-                      <m:oMathPara xmlns:m="http://schemas.openxmlformats.org/officeDocument/2006/math">
-                        <m:oMathParaPr>
-                          <m:jc m:val="centerGroup"/>
-                        </m:oMathParaPr>
-                        <m:oMath xmlns:m="http://schemas.openxmlformats.org/officeDocument/2006/math">
-                          <m:sSub>
-                            <m:sSubPr>
-                              <m:ctrlPr>
-                                <a:rPr lang="en-US" altLang="ja-JP" sz="2726" i="1">
-                                  <a:latin typeface="Cambria Math" panose="02040503050406030204" pitchFamily="18" charset="0"/>
-                                </a:rPr>
-                              </m:ctrlPr>
-                            </m:sSubPr>
-                            <m:e>
-                              <m:r>
-                                <a:rPr lang="en-US" altLang="ja-JP" sz="2726" i="1">
-                                  <a:latin typeface="Cambria Math" panose="02040503050406030204" pitchFamily="18" charset="0"/>
-                                </a:rPr>
-                                <m:t>𝑊</m:t>
-                              </m:r>
-                            </m:e>
-                            <m:sub>
-                              <m:r>
-                                <a:rPr lang="en-US" altLang="ja-JP" sz="2726" i="1">
-                                  <a:latin typeface="Cambria Math" panose="02040503050406030204" pitchFamily="18" charset="0"/>
-                                </a:rPr>
-                                <m:t>1</m:t>
-                              </m:r>
-                            </m:sub>
-                          </m:sSub>
-                        </m:oMath>
-                      </m:oMathPara>
-                    </a14:m>
-                    <a:endParaRPr lang="ja-JP" altLang="en-US" sz="2726" dirty="0"/>
-                  </a:p>
-                </p:txBody>
-              </p:sp>
-            </mc:Choice>
-            <mc:Fallback xmlns="">
-              <p:sp>
-                <p:nvSpPr>
-                  <p:cNvPr id="44" name="テキスト ボックス 43">
-                    <a:extLst>
-                      <a:ext uri="{FF2B5EF4-FFF2-40B4-BE49-F238E27FC236}">
-                        <a16:creationId xmlns:a16="http://schemas.microsoft.com/office/drawing/2014/main" id="{0052DD4E-18C2-2F00-4DB1-85F83340A8D3}"/>
-                      </a:ext>
-                    </a:extLst>
-                  </p:cNvPr>
-                  <p:cNvSpPr txBox="1">
-                    <a:spLocks noRot="1" noChangeAspect="1" noMove="1" noResize="1" noEditPoints="1" noAdjustHandles="1" noChangeArrowheads="1" noChangeShapeType="1" noTextEdit="1"/>
-                  </p:cNvSpPr>
-                  <p:nvPr/>
-                </p:nvSpPr>
-                <p:spPr>
-                  <a:xfrm>
-                    <a:off x="3915999" y="2453757"/>
-                    <a:ext cx="341896" cy="262833"/>
-                  </a:xfrm>
-                  <a:prstGeom prst="rect">
-                    <a:avLst/>
-                  </a:prstGeom>
-                  <a:blipFill>
-                    <a:blip r:embed="rId3"/>
-                    <a:stretch>
-                      <a:fillRect/>
-                    </a:stretch>
-                  </a:blipFill>
-                </p:spPr>
-                <p:txBody>
-                  <a:bodyPr/>
-                  <a:lstStyle/>
-                  <a:p>
-                    <a:r>
-                      <a:rPr lang="ja-JP" altLang="en-US">
-                        <a:noFill/>
-                      </a:rPr>
-                      <a:t> </a:t>
-                    </a:r>
-                  </a:p>
-                </p:txBody>
-              </p:sp>
-            </mc:Fallback>
-          </mc:AlternateContent>
-          <p:cxnSp>
-            <p:nvCxnSpPr>
-              <p:cNvPr id="45" name="直線コネクタ 44">
-                <a:extLst>
-                  <a:ext uri="{FF2B5EF4-FFF2-40B4-BE49-F238E27FC236}">
-                    <a16:creationId xmlns:a16="http://schemas.microsoft.com/office/drawing/2014/main" id="{20323554-E2E9-57FD-25A2-027390C3A022}"/>
-                  </a:ext>
-                </a:extLst>
-              </p:cNvPr>
-              <p:cNvCxnSpPr>
-                <a:cxnSpLocks/>
-              </p:cNvCxnSpPr>
-              <p:nvPr/>
-            </p:nvCxnSpPr>
-            <p:spPr>
-              <a:xfrm flipH="1">
-                <a:off x="4233612" y="2696899"/>
-                <a:ext cx="1516891" cy="0"/>
-              </a:xfrm>
-              <a:prstGeom prst="line">
-                <a:avLst/>
-              </a:prstGeom>
-              <a:ln w="12700">
-                <a:solidFill>
-                  <a:schemeClr val="tx1"/>
-                </a:solidFill>
-                <a:prstDash val="dash"/>
-              </a:ln>
-            </p:spPr>
-            <p:style>
-              <a:lnRef idx="1">
-                <a:schemeClr val="accent1"/>
-              </a:lnRef>
-              <a:fillRef idx="0">
-                <a:schemeClr val="accent1"/>
-              </a:fillRef>
-              <a:effectRef idx="0">
-                <a:schemeClr val="accent1"/>
-              </a:effectRef>
-              <a:fontRef idx="minor">
-                <a:schemeClr val="tx1"/>
-              </a:fontRef>
-            </p:style>
-          </p:cxnSp>
-          <mc:AlternateContent xmlns:mc="http://schemas.openxmlformats.org/markup-compatibility/2006" xmlns:a14="http://schemas.microsoft.com/office/drawing/2010/main">
-            <mc:Choice Requires="a14">
-              <p:sp>
-                <p:nvSpPr>
-                  <p:cNvPr id="46" name="テキスト ボックス 45">
-                    <a:extLst>
-                      <a:ext uri="{FF2B5EF4-FFF2-40B4-BE49-F238E27FC236}">
-                        <a16:creationId xmlns:a16="http://schemas.microsoft.com/office/drawing/2014/main" id="{E4CDFE70-65D1-F762-DA1C-BC4153200392}"/>
-                      </a:ext>
-                    </a:extLst>
-                  </p:cNvPr>
-                  <p:cNvSpPr txBox="1"/>
-                  <p:nvPr/>
-                </p:nvSpPr>
-                <p:spPr>
-                  <a:xfrm>
-                    <a:off x="5677452" y="3264702"/>
-                    <a:ext cx="842210" cy="262833"/>
-                  </a:xfrm>
-                  <a:prstGeom prst="rect">
-                    <a:avLst/>
-                  </a:prstGeom>
-                  <a:noFill/>
-                </p:spPr>
-                <p:txBody>
-                  <a:bodyPr wrap="square" rtlCol="0">
-                    <a:spAutoFit/>
-                  </a:bodyPr>
-                  <a:lstStyle/>
-                  <a:p>
-                    <a:pPr algn="ctr"/>
-                    <a14:m>
-                      <m:oMathPara xmlns:m="http://schemas.openxmlformats.org/officeDocument/2006/math">
-                        <m:oMathParaPr>
-                          <m:jc m:val="centerGroup"/>
-                        </m:oMathParaPr>
-                        <m:oMath xmlns:m="http://schemas.openxmlformats.org/officeDocument/2006/math">
-                          <m:sSub>
-                            <m:sSubPr>
-                              <m:ctrlPr>
-                                <a:rPr lang="en-US" altLang="ja-JP" sz="2726" i="1">
-                                  <a:latin typeface="Cambria Math" panose="02040503050406030204" pitchFamily="18" charset="0"/>
-                                </a:rPr>
-                              </m:ctrlPr>
-                            </m:sSubPr>
-                            <m:e>
-                              <m:r>
-                                <a:rPr lang="en-US" altLang="ja-JP" sz="2726" i="1">
-                                  <a:latin typeface="Cambria Math" panose="02040503050406030204" pitchFamily="18" charset="0"/>
-                                </a:rPr>
-                                <m:t>𝐿</m:t>
-                              </m:r>
-                            </m:e>
-                            <m:sub>
-                              <m:r>
-                                <a:rPr lang="en-US" altLang="ja-JP" sz="2726" i="1">
-                                  <a:latin typeface="Cambria Math" panose="02040503050406030204" pitchFamily="18" charset="0"/>
-                                </a:rPr>
-                                <m:t>4</m:t>
-                              </m:r>
-                            </m:sub>
-                          </m:sSub>
-                        </m:oMath>
-                      </m:oMathPara>
-                    </a14:m>
-                    <a:endParaRPr lang="ja-JP" altLang="en-US" sz="2726" dirty="0"/>
-                  </a:p>
-                </p:txBody>
-              </p:sp>
-            </mc:Choice>
-            <mc:Fallback xmlns="">
-              <p:sp>
-                <p:nvSpPr>
-                  <p:cNvPr id="46" name="テキスト ボックス 45">
-                    <a:extLst>
-                      <a:ext uri="{FF2B5EF4-FFF2-40B4-BE49-F238E27FC236}">
-                        <a16:creationId xmlns:a16="http://schemas.microsoft.com/office/drawing/2014/main" id="{E4CDFE70-65D1-F762-DA1C-BC4153200392}"/>
-                      </a:ext>
-                    </a:extLst>
-                  </p:cNvPr>
-                  <p:cNvSpPr txBox="1">
-                    <a:spLocks noRot="1" noChangeAspect="1" noMove="1" noResize="1" noEditPoints="1" noAdjustHandles="1" noChangeArrowheads="1" noChangeShapeType="1" noTextEdit="1"/>
-                  </p:cNvSpPr>
-                  <p:nvPr/>
-                </p:nvSpPr>
-                <p:spPr>
-                  <a:xfrm>
-                    <a:off x="5677452" y="3264702"/>
-                    <a:ext cx="842210" cy="262833"/>
-                  </a:xfrm>
-                  <a:prstGeom prst="rect">
-                    <a:avLst/>
-                  </a:prstGeom>
-                  <a:blipFill>
-                    <a:blip r:embed="rId4"/>
-                    <a:stretch>
-                      <a:fillRect/>
-                    </a:stretch>
-                  </a:blipFill>
-                </p:spPr>
-                <p:txBody>
-                  <a:bodyPr/>
-                  <a:lstStyle/>
-                  <a:p>
-                    <a:r>
-                      <a:rPr lang="ja-JP" altLang="en-US">
-                        <a:noFill/>
-                      </a:rPr>
-                      <a:t> </a:t>
-                    </a:r>
-                  </a:p>
-                </p:txBody>
-              </p:sp>
-            </mc:Fallback>
-          </mc:AlternateContent>
-          <p:cxnSp>
-            <p:nvCxnSpPr>
-              <p:cNvPr id="47" name="直線コネクタ 46">
-                <a:extLst>
-                  <a:ext uri="{FF2B5EF4-FFF2-40B4-BE49-F238E27FC236}">
-                    <a16:creationId xmlns:a16="http://schemas.microsoft.com/office/drawing/2014/main" id="{CFD35391-84A1-0750-F3A0-B5AA39CA55F7}"/>
-                  </a:ext>
-                </a:extLst>
-              </p:cNvPr>
-              <p:cNvCxnSpPr>
-                <a:cxnSpLocks/>
-              </p:cNvCxnSpPr>
-              <p:nvPr/>
-            </p:nvCxnSpPr>
-            <p:spPr>
-              <a:xfrm>
-                <a:off x="6098557" y="2789404"/>
-                <a:ext cx="0" cy="481124"/>
-              </a:xfrm>
-              <a:prstGeom prst="line">
-                <a:avLst/>
-              </a:prstGeom>
-              <a:ln w="12700">
-                <a:solidFill>
-                  <a:schemeClr val="tx1"/>
-                </a:solidFill>
-                <a:prstDash val="dash"/>
-              </a:ln>
-            </p:spPr>
-            <p:style>
-              <a:lnRef idx="1">
-                <a:schemeClr val="accent1"/>
-              </a:lnRef>
-              <a:fillRef idx="0">
-                <a:schemeClr val="accent1"/>
-              </a:fillRef>
-              <a:effectRef idx="0">
-                <a:schemeClr val="accent1"/>
-              </a:effectRef>
-              <a:fontRef idx="minor">
-                <a:schemeClr val="tx1"/>
-              </a:fontRef>
-            </p:style>
-          </p:cxnSp>
-          <mc:AlternateContent xmlns:mc="http://schemas.openxmlformats.org/markup-compatibility/2006" xmlns:a14="http://schemas.microsoft.com/office/drawing/2010/main">
-            <mc:Choice Requires="a14">
-              <p:sp>
-                <p:nvSpPr>
-                  <p:cNvPr id="48" name="テキスト ボックス 47">
-                    <a:extLst>
-                      <a:ext uri="{FF2B5EF4-FFF2-40B4-BE49-F238E27FC236}">
-                        <a16:creationId xmlns:a16="http://schemas.microsoft.com/office/drawing/2014/main" id="{83E8BC41-27BE-F371-F9ED-E22F572FAC67}"/>
-                      </a:ext>
-                    </a:extLst>
-                  </p:cNvPr>
-                  <p:cNvSpPr txBox="1"/>
-                  <p:nvPr/>
-                </p:nvSpPr>
-                <p:spPr>
-                  <a:xfrm>
-                    <a:off x="3927220" y="2719790"/>
-                    <a:ext cx="341896" cy="262833"/>
-                  </a:xfrm>
-                  <a:prstGeom prst="rect">
-                    <a:avLst/>
-                  </a:prstGeom>
-                  <a:noFill/>
-                </p:spPr>
-                <p:txBody>
-                  <a:bodyPr wrap="square" rtlCol="0">
-                    <a:spAutoFit/>
-                  </a:bodyPr>
-                  <a:lstStyle/>
-                  <a:p>
-                    <a:pPr algn="ctr"/>
-                    <a14:m>
-                      <m:oMathPara xmlns:m="http://schemas.openxmlformats.org/officeDocument/2006/math">
-                        <m:oMathParaPr>
-                          <m:jc m:val="centerGroup"/>
-                        </m:oMathParaPr>
-                        <m:oMath xmlns:m="http://schemas.openxmlformats.org/officeDocument/2006/math">
-                          <m:sSub>
-                            <m:sSubPr>
-                              <m:ctrlPr>
-                                <a:rPr lang="en-US" altLang="ja-JP" sz="2726" i="1">
-                                  <a:latin typeface="Cambria Math" panose="02040503050406030204" pitchFamily="18" charset="0"/>
-                                </a:rPr>
-                              </m:ctrlPr>
-                            </m:sSubPr>
-                            <m:e>
-                              <m:r>
-                                <a:rPr lang="en-US" altLang="ja-JP" sz="2726" i="1">
-                                  <a:latin typeface="Cambria Math" panose="02040503050406030204" pitchFamily="18" charset="0"/>
-                                </a:rPr>
-                                <m:t>𝑊</m:t>
-                              </m:r>
-                            </m:e>
-                            <m:sub>
-                              <m:r>
-                                <a:rPr lang="en-US" altLang="ja-JP" sz="2726" i="1">
-                                  <a:latin typeface="Cambria Math" panose="02040503050406030204" pitchFamily="18" charset="0"/>
-                                </a:rPr>
-                                <m:t>4</m:t>
-                              </m:r>
-                            </m:sub>
-                          </m:sSub>
-                        </m:oMath>
-                      </m:oMathPara>
-                    </a14:m>
-                    <a:endParaRPr lang="ja-JP" altLang="en-US" sz="2726" dirty="0"/>
-                  </a:p>
-                </p:txBody>
-              </p:sp>
-            </mc:Choice>
-            <mc:Fallback xmlns="">
-              <p:sp>
-                <p:nvSpPr>
-                  <p:cNvPr id="48" name="テキスト ボックス 47">
-                    <a:extLst>
-                      <a:ext uri="{FF2B5EF4-FFF2-40B4-BE49-F238E27FC236}">
-                        <a16:creationId xmlns:a16="http://schemas.microsoft.com/office/drawing/2014/main" id="{83E8BC41-27BE-F371-F9ED-E22F572FAC67}"/>
-                      </a:ext>
-                    </a:extLst>
-                  </p:cNvPr>
-                  <p:cNvSpPr txBox="1">
-                    <a:spLocks noRot="1" noChangeAspect="1" noMove="1" noResize="1" noEditPoints="1" noAdjustHandles="1" noChangeArrowheads="1" noChangeShapeType="1" noTextEdit="1"/>
-                  </p:cNvSpPr>
-                  <p:nvPr/>
-                </p:nvSpPr>
-                <p:spPr>
-                  <a:xfrm>
-                    <a:off x="3927220" y="2719790"/>
-                    <a:ext cx="341896" cy="262833"/>
-                  </a:xfrm>
-                  <a:prstGeom prst="rect">
-                    <a:avLst/>
-                  </a:prstGeom>
-                  <a:blipFill>
-                    <a:blip r:embed="rId5"/>
-                    <a:stretch>
-                      <a:fillRect/>
-                    </a:stretch>
-                  </a:blipFill>
-                </p:spPr>
-                <p:txBody>
-                  <a:bodyPr/>
-                  <a:lstStyle/>
-                  <a:p>
-                    <a:r>
-                      <a:rPr lang="ja-JP" altLang="en-US">
-                        <a:noFill/>
-                      </a:rPr>
-                      <a:t> </a:t>
-                    </a:r>
-                  </a:p>
-                </p:txBody>
-              </p:sp>
-            </mc:Fallback>
-          </mc:AlternateContent>
-          <p:cxnSp>
-            <p:nvCxnSpPr>
-              <p:cNvPr id="49" name="直線コネクタ 48">
-                <a:extLst>
-                  <a:ext uri="{FF2B5EF4-FFF2-40B4-BE49-F238E27FC236}">
-                    <a16:creationId xmlns:a16="http://schemas.microsoft.com/office/drawing/2014/main" id="{32833EFD-4EB0-5C33-8ABB-8209B00D5466}"/>
-                  </a:ext>
-                </a:extLst>
-              </p:cNvPr>
-              <p:cNvCxnSpPr>
-                <a:cxnSpLocks/>
-              </p:cNvCxnSpPr>
-              <p:nvPr/>
-            </p:nvCxnSpPr>
-            <p:spPr>
-              <a:xfrm flipH="1">
-                <a:off x="4246100" y="2789404"/>
-                <a:ext cx="1830016" cy="4171"/>
-              </a:xfrm>
-              <a:prstGeom prst="line">
-                <a:avLst/>
-              </a:prstGeom>
-              <a:ln w="12700">
-                <a:solidFill>
-                  <a:schemeClr val="tx1"/>
-                </a:solidFill>
-                <a:prstDash val="dash"/>
-              </a:ln>
-            </p:spPr>
-            <p:style>
-              <a:lnRef idx="1">
-                <a:schemeClr val="accent1"/>
-              </a:lnRef>
-              <a:fillRef idx="0">
-                <a:schemeClr val="accent1"/>
-              </a:fillRef>
-              <a:effectRef idx="0">
-                <a:schemeClr val="accent1"/>
-              </a:effectRef>
-              <a:fontRef idx="minor">
-                <a:schemeClr val="tx1"/>
-              </a:fontRef>
-            </p:style>
-          </p:cxnSp>
-          <p:sp>
-            <p:nvSpPr>
-              <p:cNvPr id="50" name="テキスト ボックス 49">
-                <a:extLst>
-                  <a:ext uri="{FF2B5EF4-FFF2-40B4-BE49-F238E27FC236}">
-                    <a16:creationId xmlns:a16="http://schemas.microsoft.com/office/drawing/2014/main" id="{DA9503A3-D971-9034-49EB-A4A86236EEDE}"/>
-                  </a:ext>
-                </a:extLst>
-              </p:cNvPr>
-              <p:cNvSpPr txBox="1"/>
-              <p:nvPr/>
-            </p:nvSpPr>
-            <p:spPr>
-              <a:xfrm>
-                <a:off x="5462098" y="971847"/>
-                <a:ext cx="1624808" cy="262833"/>
-              </a:xfrm>
-              <a:prstGeom prst="rect">
-                <a:avLst/>
-              </a:prstGeom>
-              <a:noFill/>
-            </p:spPr>
-            <p:txBody>
-              <a:bodyPr wrap="square" rtlCol="0">
-                <a:spAutoFit/>
-              </a:bodyPr>
-              <a:lstStyle/>
-              <a:p>
-                <a:pPr algn="ctr"/>
-                <a:r>
-                  <a:rPr lang="ja-JP" altLang="en-US" sz="2726" dirty="0"/>
-                  <a:t>供給（シフト前）</a:t>
-                </a:r>
-              </a:p>
-            </p:txBody>
-          </p:sp>
-        </p:grpSp>
-        <p:sp>
-          <p:nvSpPr>
-            <p:cNvPr id="61" name="フリーフォーム: 図形 60">
-              <a:extLst>
-                <a:ext uri="{FF2B5EF4-FFF2-40B4-BE49-F238E27FC236}">
-                  <a16:creationId xmlns:a16="http://schemas.microsoft.com/office/drawing/2014/main" id="{0B66568F-A81B-BF88-A9DD-57F9D26464BE}"/>
-                </a:ext>
-              </a:extLst>
-            </p:cNvPr>
-            <p:cNvSpPr/>
-            <p:nvPr/>
-          </p:nvSpPr>
-          <p:spPr>
-            <a:xfrm>
-              <a:off x="7065671" y="780852"/>
-              <a:ext cx="2598821" cy="2358190"/>
-            </a:xfrm>
-            <a:custGeom>
-              <a:avLst/>
-              <a:gdLst>
-                <a:gd name="connsiteX0" fmla="*/ 0 w 2598821"/>
-                <a:gd name="connsiteY0" fmla="*/ 2358190 h 2358190"/>
-                <a:gd name="connsiteX1" fmla="*/ 1780674 w 2598821"/>
-                <a:gd name="connsiteY1" fmla="*/ 1690437 h 2358190"/>
-                <a:gd name="connsiteX2" fmla="*/ 2598821 w 2598821"/>
-                <a:gd name="connsiteY2" fmla="*/ 0 h 2358190"/>
-              </a:gdLst>
-              <a:ahLst/>
-              <a:cxnLst>
-                <a:cxn ang="0">
-                  <a:pos x="connsiteX0" y="connsiteY0"/>
-                </a:cxn>
-                <a:cxn ang="0">
-                  <a:pos x="connsiteX1" y="connsiteY1"/>
-                </a:cxn>
-                <a:cxn ang="0">
-                  <a:pos x="connsiteX2" y="connsiteY2"/>
-                </a:cxn>
-              </a:cxnLst>
-              <a:rect l="l" t="t" r="r" b="b"/>
-              <a:pathLst>
-                <a:path w="2598821" h="2358190">
-                  <a:moveTo>
-                    <a:pt x="0" y="2358190"/>
-                  </a:moveTo>
-                  <a:cubicBezTo>
-                    <a:pt x="673768" y="2220829"/>
-                    <a:pt x="1347537" y="2083469"/>
-                    <a:pt x="1780674" y="1690437"/>
-                  </a:cubicBezTo>
-                  <a:cubicBezTo>
-                    <a:pt x="2213811" y="1297405"/>
-                    <a:pt x="2406316" y="648702"/>
-                    <a:pt x="2598821" y="0"/>
-                  </a:cubicBezTo>
-                </a:path>
-              </a:pathLst>
-            </a:custGeom>
-            <a:noFill/>
-            <a:ln w="28575"/>
-          </p:spPr>
-          <p:style>
-            <a:lnRef idx="2">
-              <a:schemeClr val="accent1">
-                <a:shade val="15000"/>
-              </a:schemeClr>
-            </a:lnRef>
-            <a:fillRef idx="1">
-              <a:schemeClr val="accent1"/>
-            </a:fillRef>
-            <a:effectRef idx="0">
-              <a:schemeClr val="accent1"/>
-            </a:effectRef>
-            <a:fontRef idx="minor">
-              <a:schemeClr val="lt1"/>
-            </a:fontRef>
-          </p:style>
-          <p:txBody>
-            <a:bodyPr rtlCol="0" anchor="ctr"/>
-            <a:lstStyle/>
-            <a:p>
-              <a:pPr algn="ctr"/>
-              <a:endParaRPr lang="ja-JP" altLang="en-US" sz="6860"/>
-            </a:p>
-          </p:txBody>
-        </p:sp>
-      </p:grpSp>
-    </p:spTree>
-    <p:extLst>
-      <p:ext uri="{BB962C8B-B14F-4D97-AF65-F5344CB8AC3E}">
-        <p14:creationId xmlns:p14="http://schemas.microsoft.com/office/powerpoint/2010/main" val="2429808601"/>
-      </p:ext>
-    </p:extLst>
-  </p:cSld>
-  <p:clrMapOvr>
-    <a:masterClrMapping/>
-  </p:clrMapOvr>
-</p:sld>
-</file>
-
 <file path=ppt/theme/theme1.xml><?xml version="1.0" encoding="utf-8"?>
 <a:theme xmlns:a="http://schemas.openxmlformats.org/drawingml/2006/main" name="handout">
   <a:themeElements>

--- a/images/labor_fig.pptx
+++ b/images/labor_fig.pptx
@@ -23517,10 +23517,10 @@
       </p:grpSpPr>
       <p:grpSp>
         <p:nvGrpSpPr>
-          <p:cNvPr id="41" name="グループ化 40">
+          <p:cNvPr id="51" name="グループ化 50">
             <a:extLst>
               <a:ext uri="{FF2B5EF4-FFF2-40B4-BE49-F238E27FC236}">
-                <a16:creationId xmlns:a16="http://schemas.microsoft.com/office/drawing/2014/main" id="{8E68E62E-44E8-7D81-DC7E-F407934BAB26}"/>
+                <a16:creationId xmlns:a16="http://schemas.microsoft.com/office/drawing/2014/main" id="{A514ABE4-80FC-5858-2E68-24B3F4DF48BF}"/>
               </a:ext>
             </a:extLst>
           </p:cNvPr>
@@ -23529,126 +23529,18 @@
         </p:nvGrpSpPr>
         <p:grpSpPr>
           <a:xfrm>
-            <a:off x="5587597" y="578276"/>
-            <a:ext cx="9248683" cy="6042760"/>
-            <a:chOff x="6525084" y="991781"/>
-            <a:chExt cx="9248683" cy="6042760"/>
+            <a:off x="5587597" y="1034144"/>
+            <a:ext cx="9248683" cy="5586892"/>
+            <a:chOff x="5587597" y="1034144"/>
+            <a:chExt cx="9248683" cy="5586892"/>
           </a:xfrm>
         </p:grpSpPr>
-        <p:sp>
-          <p:nvSpPr>
-            <p:cNvPr id="35" name="正方形/長方形 34">
+        <p:grpSp>
+          <p:nvGrpSpPr>
+            <p:cNvPr id="41" name="グループ化 40">
               <a:extLst>
                 <a:ext uri="{FF2B5EF4-FFF2-40B4-BE49-F238E27FC236}">
-                  <a16:creationId xmlns:a16="http://schemas.microsoft.com/office/drawing/2014/main" id="{ADCEA1C6-8210-6FF1-4AFE-5C0CEE6CADDA}"/>
-                </a:ext>
-              </a:extLst>
-            </p:cNvPr>
-            <p:cNvSpPr/>
-            <p:nvPr/>
-          </p:nvSpPr>
-          <p:spPr>
-            <a:xfrm>
-              <a:off x="8123423" y="4439809"/>
-              <a:ext cx="2969119" cy="1384045"/>
-            </a:xfrm>
-            <a:prstGeom prst="rect">
-              <a:avLst/>
-            </a:prstGeom>
-            <a:solidFill>
-              <a:srgbClr val="C00000">
-                <a:alpha val="40000"/>
-              </a:srgbClr>
-            </a:solidFill>
-            <a:ln>
-              <a:noFill/>
-            </a:ln>
-          </p:spPr>
-          <p:style>
-            <a:lnRef idx="2">
-              <a:schemeClr val="accent1">
-                <a:shade val="15000"/>
-              </a:schemeClr>
-            </a:lnRef>
-            <a:fillRef idx="1">
-              <a:schemeClr val="accent1"/>
-            </a:fillRef>
-            <a:effectRef idx="0">
-              <a:schemeClr val="accent1"/>
-            </a:effectRef>
-            <a:fontRef idx="minor">
-              <a:schemeClr val="lt1"/>
-            </a:fontRef>
-          </p:style>
-          <p:txBody>
-            <a:bodyPr rtlCol="0" anchor="ctr"/>
-            <a:lstStyle/>
-            <a:p>
-              <a:pPr algn="ctr"/>
-              <a:endParaRPr kumimoji="1" lang="ja-JP" altLang="en-US"/>
-            </a:p>
-          </p:txBody>
-        </p:sp>
-        <p:sp>
-          <p:nvSpPr>
-            <p:cNvPr id="36" name="正方形/長方形 35">
-              <a:extLst>
-                <a:ext uri="{FF2B5EF4-FFF2-40B4-BE49-F238E27FC236}">
-                  <a16:creationId xmlns:a16="http://schemas.microsoft.com/office/drawing/2014/main" id="{8700952A-2A9C-7FB5-8B0A-C6ADFC28DC50}"/>
-                </a:ext>
-              </a:extLst>
-            </p:cNvPr>
-            <p:cNvSpPr/>
-            <p:nvPr/>
-          </p:nvSpPr>
-          <p:spPr>
-            <a:xfrm>
-              <a:off x="11062567" y="3051908"/>
-              <a:ext cx="2928256" cy="1386616"/>
-            </a:xfrm>
-            <a:prstGeom prst="rect">
-              <a:avLst/>
-            </a:prstGeom>
-            <a:solidFill>
-              <a:schemeClr val="accent2">
-                <a:alpha val="40000"/>
-              </a:schemeClr>
-            </a:solidFill>
-            <a:ln>
-              <a:noFill/>
-            </a:ln>
-          </p:spPr>
-          <p:style>
-            <a:lnRef idx="2">
-              <a:schemeClr val="accent1">
-                <a:shade val="15000"/>
-              </a:schemeClr>
-            </a:lnRef>
-            <a:fillRef idx="1">
-              <a:schemeClr val="accent1"/>
-            </a:fillRef>
-            <a:effectRef idx="0">
-              <a:schemeClr val="accent1"/>
-            </a:effectRef>
-            <a:fontRef idx="minor">
-              <a:schemeClr val="lt1"/>
-            </a:fontRef>
-          </p:style>
-          <p:txBody>
-            <a:bodyPr rtlCol="0" anchor="ctr"/>
-            <a:lstStyle/>
-            <a:p>
-              <a:pPr algn="ctr"/>
-              <a:endParaRPr kumimoji="1" lang="ja-JP" altLang="en-US"/>
-            </a:p>
-          </p:txBody>
-        </p:sp>
-        <p:grpSp>
-          <p:nvGrpSpPr>
-            <p:cNvPr id="31" name="グループ化 30">
-              <a:extLst>
-                <a:ext uri="{FF2B5EF4-FFF2-40B4-BE49-F238E27FC236}">
-                  <a16:creationId xmlns:a16="http://schemas.microsoft.com/office/drawing/2014/main" id="{15FAD0E4-A4D4-A986-C115-9BC52BD5D400}"/>
+                  <a16:creationId xmlns:a16="http://schemas.microsoft.com/office/drawing/2014/main" id="{8E68E62E-44E8-7D81-DC7E-F407934BAB26}"/>
                 </a:ext>
               </a:extLst>
             </p:cNvPr>
@@ -23657,18 +23549,126 @@
           </p:nvGrpSpPr>
           <p:grpSpPr>
             <a:xfrm>
-              <a:off x="6525084" y="991781"/>
-              <a:ext cx="9248683" cy="6042760"/>
-              <a:chOff x="6525084" y="991781"/>
-              <a:chExt cx="9248683" cy="6042760"/>
+              <a:off x="5587597" y="1034144"/>
+              <a:ext cx="9248683" cy="5586892"/>
+              <a:chOff x="6525084" y="1447649"/>
+              <a:chExt cx="9248683" cy="5586892"/>
             </a:xfrm>
           </p:grpSpPr>
+          <p:sp>
+            <p:nvSpPr>
+              <p:cNvPr id="35" name="正方形/長方形 34">
+                <a:extLst>
+                  <a:ext uri="{FF2B5EF4-FFF2-40B4-BE49-F238E27FC236}">
+                    <a16:creationId xmlns:a16="http://schemas.microsoft.com/office/drawing/2014/main" id="{ADCEA1C6-8210-6FF1-4AFE-5C0CEE6CADDA}"/>
+                  </a:ext>
+                </a:extLst>
+              </p:cNvPr>
+              <p:cNvSpPr/>
+              <p:nvPr/>
+            </p:nvSpPr>
+            <p:spPr>
+              <a:xfrm>
+                <a:off x="8123423" y="4439809"/>
+                <a:ext cx="2969119" cy="1384045"/>
+              </a:xfrm>
+              <a:prstGeom prst="rect">
+                <a:avLst/>
+              </a:prstGeom>
+              <a:solidFill>
+                <a:srgbClr val="C00000">
+                  <a:alpha val="40000"/>
+                </a:srgbClr>
+              </a:solidFill>
+              <a:ln>
+                <a:noFill/>
+              </a:ln>
+            </p:spPr>
+            <p:style>
+              <a:lnRef idx="2">
+                <a:schemeClr val="accent1">
+                  <a:shade val="15000"/>
+                </a:schemeClr>
+              </a:lnRef>
+              <a:fillRef idx="1">
+                <a:schemeClr val="accent1"/>
+              </a:fillRef>
+              <a:effectRef idx="0">
+                <a:schemeClr val="accent1"/>
+              </a:effectRef>
+              <a:fontRef idx="minor">
+                <a:schemeClr val="lt1"/>
+              </a:fontRef>
+            </p:style>
+            <p:txBody>
+              <a:bodyPr rtlCol="0" anchor="ctr"/>
+              <a:lstStyle/>
+              <a:p>
+                <a:pPr algn="ctr"/>
+                <a:endParaRPr kumimoji="1" lang="ja-JP" altLang="en-US"/>
+              </a:p>
+            </p:txBody>
+          </p:sp>
+          <p:sp>
+            <p:nvSpPr>
+              <p:cNvPr id="36" name="正方形/長方形 35">
+                <a:extLst>
+                  <a:ext uri="{FF2B5EF4-FFF2-40B4-BE49-F238E27FC236}">
+                    <a16:creationId xmlns:a16="http://schemas.microsoft.com/office/drawing/2014/main" id="{8700952A-2A9C-7FB5-8B0A-C6ADFC28DC50}"/>
+                  </a:ext>
+                </a:extLst>
+              </p:cNvPr>
+              <p:cNvSpPr/>
+              <p:nvPr/>
+            </p:nvSpPr>
+            <p:spPr>
+              <a:xfrm>
+                <a:off x="11062567" y="3051908"/>
+                <a:ext cx="2928256" cy="1386616"/>
+              </a:xfrm>
+              <a:prstGeom prst="rect">
+                <a:avLst/>
+              </a:prstGeom>
+              <a:solidFill>
+                <a:schemeClr val="accent2">
+                  <a:alpha val="40000"/>
+                </a:schemeClr>
+              </a:solidFill>
+              <a:ln>
+                <a:noFill/>
+              </a:ln>
+            </p:spPr>
+            <p:style>
+              <a:lnRef idx="2">
+                <a:schemeClr val="accent1">
+                  <a:shade val="15000"/>
+                </a:schemeClr>
+              </a:lnRef>
+              <a:fillRef idx="1">
+                <a:schemeClr val="accent1"/>
+              </a:fillRef>
+              <a:effectRef idx="0">
+                <a:schemeClr val="accent1"/>
+              </a:effectRef>
+              <a:fontRef idx="minor">
+                <a:schemeClr val="lt1"/>
+              </a:fontRef>
+            </p:style>
+            <p:txBody>
+              <a:bodyPr rtlCol="0" anchor="ctr"/>
+              <a:lstStyle/>
+              <a:p>
+                <a:pPr algn="ctr"/>
+                <a:endParaRPr kumimoji="1" lang="ja-JP" altLang="en-US"/>
+              </a:p>
+            </p:txBody>
+          </p:sp>
           <p:grpSp>
             <p:nvGrpSpPr>
-              <p:cNvPr id="22" name="グループ化 21">
+              <p:cNvPr id="31" name="グループ化 30">
                 <a:extLst>
                   <a:ext uri="{FF2B5EF4-FFF2-40B4-BE49-F238E27FC236}">
-                    <a16:creationId xmlns:a16="http://schemas.microsoft.com/office/drawing/2014/main" id="{7A877280-7E4D-BDA1-F8E3-C920254C27A4}"/>
+                    <a16:creationId xmlns:a16="http://schemas.microsoft.com/office/drawing/2014/main" id="{15FAD0E4-A4D4-A986-C115-9BC52BD5D400}"/>
                   </a:ext>
                 </a:extLst>
               </p:cNvPr>
@@ -23677,63 +23677,201 @@
             </p:nvGrpSpPr>
             <p:grpSpPr>
               <a:xfrm>
-                <a:off x="6525084" y="991781"/>
-                <a:ext cx="9248683" cy="5647607"/>
-                <a:chOff x="4940260" y="547437"/>
-                <a:chExt cx="4749565" cy="2900270"/>
+                <a:off x="6525084" y="1447649"/>
+                <a:ext cx="9248683" cy="5586892"/>
+                <a:chOff x="6525084" y="1447649"/>
+                <a:chExt cx="9248683" cy="5586892"/>
               </a:xfrm>
             </p:grpSpPr>
-            <p:cxnSp>
-              <p:nvCxnSpPr>
-                <p:cNvPr id="4" name="直線矢印コネクタ 3">
+            <p:grpSp>
+              <p:nvGrpSpPr>
+                <p:cNvPr id="22" name="グループ化 21">
                   <a:extLst>
                     <a:ext uri="{FF2B5EF4-FFF2-40B4-BE49-F238E27FC236}">
-                      <a16:creationId xmlns:a16="http://schemas.microsoft.com/office/drawing/2014/main" id="{8272040F-A992-9F5A-C5CD-7FE579BEBA6D}"/>
+                      <a16:creationId xmlns:a16="http://schemas.microsoft.com/office/drawing/2014/main" id="{7A877280-7E4D-BDA1-F8E3-C920254C27A4}"/>
                     </a:ext>
                   </a:extLst>
                 </p:cNvPr>
-                <p:cNvCxnSpPr>
-                  <a:cxnSpLocks/>
-                </p:cNvCxnSpPr>
+                <p:cNvGrpSpPr/>
                 <p:nvPr/>
-              </p:nvCxnSpPr>
-              <p:spPr>
-                <a:xfrm flipV="1">
-                  <a:off x="5642811" y="547437"/>
-                  <a:ext cx="0" cy="2791326"/>
+              </p:nvGrpSpPr>
+              <p:grpSpPr>
+                <a:xfrm>
+                  <a:off x="6525084" y="1447649"/>
+                  <a:ext cx="9248683" cy="5191740"/>
+                  <a:chOff x="4940260" y="781543"/>
+                  <a:chExt cx="4749565" cy="2666164"/>
                 </a:xfrm>
-                <a:prstGeom prst="straightConnector1">
-                  <a:avLst/>
-                </a:prstGeom>
-                <a:ln w="19050">
-                  <a:solidFill>
+              </p:grpSpPr>
+              <p:cxnSp>
+                <p:nvCxnSpPr>
+                  <p:cNvPr id="4" name="直線矢印コネクタ 3">
+                    <a:extLst>
+                      <a:ext uri="{FF2B5EF4-FFF2-40B4-BE49-F238E27FC236}">
+                        <a16:creationId xmlns:a16="http://schemas.microsoft.com/office/drawing/2014/main" id="{8272040F-A992-9F5A-C5CD-7FE579BEBA6D}"/>
+                      </a:ext>
+                    </a:extLst>
+                  </p:cNvPr>
+                  <p:cNvCxnSpPr>
+                    <a:cxnSpLocks/>
+                  </p:cNvCxnSpPr>
+                  <p:nvPr/>
+                </p:nvCxnSpPr>
+                <p:spPr>
+                  <a:xfrm flipV="1">
+                    <a:off x="5642811" y="781543"/>
+                    <a:ext cx="0" cy="2557220"/>
+                  </a:xfrm>
+                  <a:prstGeom prst="straightConnector1">
+                    <a:avLst/>
+                  </a:prstGeom>
+                  <a:ln w="19050">
+                    <a:solidFill>
+                      <a:schemeClr val="tx1"/>
+                    </a:solidFill>
+                    <a:headEnd type="none" w="med" len="med"/>
+                    <a:tailEnd type="arrow" w="med" len="med"/>
+                  </a:ln>
+                </p:spPr>
+                <p:style>
+                  <a:lnRef idx="1">
+                    <a:schemeClr val="accent1"/>
+                  </a:lnRef>
+                  <a:fillRef idx="0">
+                    <a:schemeClr val="accent1"/>
+                  </a:fillRef>
+                  <a:effectRef idx="0">
+                    <a:schemeClr val="accent1"/>
+                  </a:effectRef>
+                  <a:fontRef idx="minor">
                     <a:schemeClr val="tx1"/>
-                  </a:solidFill>
-                  <a:headEnd type="none" w="med" len="med"/>
-                  <a:tailEnd type="arrow" w="med" len="med"/>
-                </a:ln>
-              </p:spPr>
-              <p:style>
-                <a:lnRef idx="1">
-                  <a:schemeClr val="accent1"/>
-                </a:lnRef>
-                <a:fillRef idx="0">
-                  <a:schemeClr val="accent1"/>
-                </a:fillRef>
-                <a:effectRef idx="0">
-                  <a:schemeClr val="accent1"/>
-                </a:effectRef>
-                <a:fontRef idx="minor">
-                  <a:schemeClr val="tx1"/>
-                </a:fontRef>
-              </p:style>
-            </p:cxnSp>
+                  </a:fontRef>
+                </p:style>
+              </p:cxnSp>
+              <p:cxnSp>
+                <p:nvCxnSpPr>
+                  <p:cNvPr id="6" name="直線矢印コネクタ 5">
+                    <a:extLst>
+                      <a:ext uri="{FF2B5EF4-FFF2-40B4-BE49-F238E27FC236}">
+                        <a16:creationId xmlns:a16="http://schemas.microsoft.com/office/drawing/2014/main" id="{33C9D776-1F69-20E6-2FF6-A8B74396F7B4}"/>
+                      </a:ext>
+                    </a:extLst>
+                  </p:cNvPr>
+                  <p:cNvCxnSpPr>
+                    <a:cxnSpLocks/>
+                  </p:cNvCxnSpPr>
+                  <p:nvPr/>
+                </p:nvCxnSpPr>
+                <p:spPr>
+                  <a:xfrm>
+                    <a:off x="5642811" y="3338763"/>
+                    <a:ext cx="3224463" cy="0"/>
+                  </a:xfrm>
+                  <a:prstGeom prst="straightConnector1">
+                    <a:avLst/>
+                  </a:prstGeom>
+                  <a:ln w="19050">
+                    <a:solidFill>
+                      <a:schemeClr val="tx1"/>
+                    </a:solidFill>
+                    <a:headEnd type="none" w="med" len="med"/>
+                    <a:tailEnd type="arrow" w="med" len="med"/>
+                  </a:ln>
+                </p:spPr>
+                <p:style>
+                  <a:lnRef idx="1">
+                    <a:schemeClr val="accent1"/>
+                  </a:lnRef>
+                  <a:fillRef idx="0">
+                    <a:schemeClr val="accent1"/>
+                  </a:fillRef>
+                  <a:effectRef idx="0">
+                    <a:schemeClr val="accent1"/>
+                  </a:effectRef>
+                  <a:fontRef idx="minor">
+                    <a:schemeClr val="tx1"/>
+                  </a:fontRef>
+                </p:style>
+              </p:cxnSp>
+              <p:sp>
+                <p:nvSpPr>
+                  <p:cNvPr id="9" name="テキスト ボックス 8">
+                    <a:extLst>
+                      <a:ext uri="{FF2B5EF4-FFF2-40B4-BE49-F238E27FC236}">
+                        <a16:creationId xmlns:a16="http://schemas.microsoft.com/office/drawing/2014/main" id="{076C4437-05BF-0598-4618-6199FDD515A5}"/>
+                      </a:ext>
+                    </a:extLst>
+                  </p:cNvPr>
+                  <p:cNvSpPr txBox="1"/>
+                  <p:nvPr/>
+                </p:nvSpPr>
+                <p:spPr>
+                  <a:xfrm>
+                    <a:off x="4940260" y="1135366"/>
+                    <a:ext cx="310250" cy="1927338"/>
+                  </a:xfrm>
+                  <a:prstGeom prst="rect">
+                    <a:avLst/>
+                  </a:prstGeom>
+                  <a:noFill/>
+                </p:spPr>
+                <p:txBody>
+                  <a:bodyPr vert="eaVert" wrap="square" rtlCol="0">
+                    <a:spAutoFit/>
+                  </a:bodyPr>
+                  <a:lstStyle/>
+                  <a:p>
+                    <a:pPr algn="ctr"/>
+                    <a:r>
+                      <a:rPr lang="ja-JP" altLang="en-US" sz="2726" dirty="0"/>
+                      <a:t>賃金・労働の限界収入</a:t>
+                    </a:r>
+                  </a:p>
+                </p:txBody>
+              </p:sp>
+              <p:sp>
+                <p:nvSpPr>
+                  <p:cNvPr id="10" name="テキスト ボックス 9">
+                    <a:extLst>
+                      <a:ext uri="{FF2B5EF4-FFF2-40B4-BE49-F238E27FC236}">
+                        <a16:creationId xmlns:a16="http://schemas.microsoft.com/office/drawing/2014/main" id="{1D2D12AF-0B0A-E741-3F4F-9FCD8B0C1018}"/>
+                      </a:ext>
+                    </a:extLst>
+                  </p:cNvPr>
+                  <p:cNvSpPr txBox="1"/>
+                  <p:nvPr/>
+                </p:nvSpPr>
+                <p:spPr>
+                  <a:xfrm>
+                    <a:off x="8867273" y="3184874"/>
+                    <a:ext cx="822552" cy="262833"/>
+                  </a:xfrm>
+                  <a:prstGeom prst="rect">
+                    <a:avLst/>
+                  </a:prstGeom>
+                  <a:noFill/>
+                </p:spPr>
+                <p:txBody>
+                  <a:bodyPr wrap="square" rtlCol="0">
+                    <a:spAutoFit/>
+                  </a:bodyPr>
+                  <a:lstStyle/>
+                  <a:p>
+                    <a:pPr algn="ctr"/>
+                    <a:r>
+                      <a:rPr lang="ja-JP" altLang="en-US" sz="2726" dirty="0"/>
+                      <a:t>経験年数</a:t>
+                    </a:r>
+                  </a:p>
+                </p:txBody>
+              </p:sp>
+            </p:grpSp>
             <p:cxnSp>
               <p:nvCxnSpPr>
-                <p:cNvPr id="6" name="直線矢印コネクタ 5">
+                <p:cNvPr id="15" name="直線コネクタ 14">
                   <a:extLst>
                     <a:ext uri="{FF2B5EF4-FFF2-40B4-BE49-F238E27FC236}">
-                      <a16:creationId xmlns:a16="http://schemas.microsoft.com/office/drawing/2014/main" id="{33C9D776-1F69-20E6-2FF6-A8B74396F7B4}"/>
+                      <a16:creationId xmlns:a16="http://schemas.microsoft.com/office/drawing/2014/main" id="{2A2E64D6-65EB-7287-FB73-18049A472AAF}"/>
                     </a:ext>
                   </a:extLst>
                 </p:cNvPr>
@@ -23744,18 +23882,16 @@
               </p:nvCxnSpPr>
               <p:spPr>
                 <a:xfrm>
-                  <a:off x="5642811" y="3338763"/>
-                  <a:ext cx="3224463" cy="0"/>
+                  <a:off x="8123423" y="5823854"/>
+                  <a:ext cx="2969120" cy="3"/>
                 </a:xfrm>
-                <a:prstGeom prst="straightConnector1">
+                <a:prstGeom prst="line">
                   <a:avLst/>
                 </a:prstGeom>
-                <a:ln w="19050">
+                <a:ln w="28575">
                   <a:solidFill>
                     <a:schemeClr val="tx1"/>
                   </a:solidFill>
-                  <a:headEnd type="none" w="med" len="med"/>
-                  <a:tailEnd type="arrow" w="med" len="med"/>
                 </a:ln>
               </p:spPr>
               <p:style>
@@ -23775,10 +23911,10 @@
             </p:cxnSp>
             <p:sp>
               <p:nvSpPr>
-                <p:cNvPr id="9" name="テキスト ボックス 8">
+                <p:cNvPr id="19" name="テキスト ボックス 18">
                   <a:extLst>
                     <a:ext uri="{FF2B5EF4-FFF2-40B4-BE49-F238E27FC236}">
-                      <a16:creationId xmlns:a16="http://schemas.microsoft.com/office/drawing/2014/main" id="{076C4437-05BF-0598-4618-6199FDD515A5}"/>
+                      <a16:creationId xmlns:a16="http://schemas.microsoft.com/office/drawing/2014/main" id="{D8548645-A187-1B55-FEDF-CB9144272666}"/>
                     </a:ext>
                   </a:extLst>
                 </p:cNvPr>
@@ -23787,44 +23923,8 @@
               </p:nvSpPr>
               <p:spPr>
                 <a:xfrm>
-                  <a:off x="4940260" y="1135366"/>
-                  <a:ext cx="310250" cy="1927338"/>
-                </a:xfrm>
-                <a:prstGeom prst="rect">
-                  <a:avLst/>
-                </a:prstGeom>
-                <a:noFill/>
-              </p:spPr>
-              <p:txBody>
-                <a:bodyPr vert="eaVert" wrap="square" rtlCol="0">
-                  <a:spAutoFit/>
-                </a:bodyPr>
-                <a:lstStyle/>
-                <a:p>
-                  <a:pPr algn="ctr"/>
-                  <a:r>
-                    <a:rPr lang="ja-JP" altLang="en-US" sz="2726" dirty="0"/>
-                    <a:t>賃金・労働の限界収入</a:t>
-                  </a:r>
-                </a:p>
-              </p:txBody>
-            </p:sp>
-            <p:sp>
-              <p:nvSpPr>
-                <p:cNvPr id="10" name="テキスト ボックス 9">
-                  <a:extLst>
-                    <a:ext uri="{FF2B5EF4-FFF2-40B4-BE49-F238E27FC236}">
-                      <a16:creationId xmlns:a16="http://schemas.microsoft.com/office/drawing/2014/main" id="{1D2D12AF-0B0A-E741-3F4F-9FCD8B0C1018}"/>
-                    </a:ext>
-                  </a:extLst>
-                </p:cNvPr>
-                <p:cNvSpPr txBox="1"/>
-                <p:nvPr/>
-              </p:nvSpPr>
-              <p:spPr>
-                <a:xfrm>
-                  <a:off x="8867273" y="3184874"/>
-                  <a:ext cx="822552" cy="262833"/>
+                  <a:off x="8588458" y="6522734"/>
+                  <a:ext cx="2417368" cy="511807"/>
                 </a:xfrm>
                 <a:prstGeom prst="rect">
                   <a:avLst/>
@@ -23840,18 +23940,169 @@
                   <a:pPr algn="ctr"/>
                   <a:r>
                     <a:rPr lang="ja-JP" altLang="en-US" sz="2726" dirty="0"/>
-                    <a:t>経験年数</a:t>
+                    <a:t>訓練期間</a:t>
                   </a:r>
                 </a:p>
               </p:txBody>
             </p:sp>
+            <p:sp>
+              <p:nvSpPr>
+                <p:cNvPr id="20" name="テキスト ボックス 19">
+                  <a:extLst>
+                    <a:ext uri="{FF2B5EF4-FFF2-40B4-BE49-F238E27FC236}">
+                      <a16:creationId xmlns:a16="http://schemas.microsoft.com/office/drawing/2014/main" id="{B57681DB-8443-C171-D42A-E47C73DD5021}"/>
+                    </a:ext>
+                  </a:extLst>
+                </p:cNvPr>
+                <p:cNvSpPr txBox="1"/>
+                <p:nvPr/>
+              </p:nvSpPr>
+              <p:spPr>
+                <a:xfrm>
+                  <a:off x="11318011" y="6522734"/>
+                  <a:ext cx="2417368" cy="511807"/>
+                </a:xfrm>
+                <a:prstGeom prst="rect">
+                  <a:avLst/>
+                </a:prstGeom>
+                <a:noFill/>
+              </p:spPr>
+              <p:txBody>
+                <a:bodyPr wrap="square" rtlCol="0">
+                  <a:spAutoFit/>
+                </a:bodyPr>
+                <a:lstStyle/>
+                <a:p>
+                  <a:pPr algn="ctr"/>
+                  <a:r>
+                    <a:rPr lang="ja-JP" altLang="en-US" sz="2726" dirty="0"/>
+                    <a:t>訓練後の期間</a:t>
+                  </a:r>
+                </a:p>
+              </p:txBody>
+            </p:sp>
+            <mc:AlternateContent xmlns:mc="http://schemas.openxmlformats.org/markup-compatibility/2006">
+              <mc:Choice xmlns:a14="http://schemas.microsoft.com/office/drawing/2010/main" Requires="a14">
+                <p:sp>
+                  <p:nvSpPr>
+                    <p:cNvPr id="21" name="テキスト ボックス 20">
+                      <a:extLst>
+                        <a:ext uri="{FF2B5EF4-FFF2-40B4-BE49-F238E27FC236}">
+                          <a16:creationId xmlns:a16="http://schemas.microsoft.com/office/drawing/2014/main" id="{494380FA-9541-B288-5D29-22DED1A97CC0}"/>
+                        </a:ext>
+                      </a:extLst>
+                    </p:cNvPr>
+                    <p:cNvSpPr txBox="1"/>
+                    <p:nvPr/>
+                  </p:nvSpPr>
+                  <p:spPr>
+                    <a:xfrm>
+                      <a:off x="7244365" y="4177478"/>
+                      <a:ext cx="763918" cy="511807"/>
+                    </a:xfrm>
+                    <a:prstGeom prst="rect">
+                      <a:avLst/>
+                    </a:prstGeom>
+                    <a:noFill/>
+                  </p:spPr>
+                  <p:txBody>
+                    <a:bodyPr wrap="square" rtlCol="0">
+                      <a:spAutoFit/>
+                    </a:bodyPr>
+                    <a:lstStyle/>
+                    <a:p>
+                      <a:pPr algn="ctr"/>
+                      <a14:m>
+                        <m:oMathPara xmlns:m="http://schemas.openxmlformats.org/officeDocument/2006/math">
+                          <m:oMathParaPr>
+                            <m:jc m:val="centerGroup"/>
+                          </m:oMathParaPr>
+                          <m:oMath xmlns:m="http://schemas.openxmlformats.org/officeDocument/2006/math">
+                            <m:sSub>
+                              <m:sSubPr>
+                                <m:ctrlPr>
+                                  <a:rPr lang="en-US" altLang="ja-JP" sz="2726" b="0" i="1" dirty="0" smtClean="0">
+                                    <a:latin typeface="Cambria Math" panose="02040503050406030204" pitchFamily="18" charset="0"/>
+                                  </a:rPr>
+                                </m:ctrlPr>
+                              </m:sSubPr>
+                              <m:e>
+                                <m:r>
+                                  <a:rPr lang="en-US" altLang="ja-JP" sz="2726" i="1" dirty="0" smtClean="0">
+                                    <a:latin typeface="Cambria Math" panose="02040503050406030204" pitchFamily="18" charset="0"/>
+                                  </a:rPr>
+                                  <m:t>𝑤</m:t>
+                                </m:r>
+                              </m:e>
+                              <m:sub>
+                                <m:r>
+                                  <a:rPr lang="en-US" altLang="ja-JP" sz="2726" b="0" i="1" dirty="0" smtClean="0">
+                                    <a:latin typeface="Cambria Math" panose="02040503050406030204" pitchFamily="18" charset="0"/>
+                                  </a:rPr>
+                                  <m:t>0</m:t>
+                                </m:r>
+                              </m:sub>
+                            </m:sSub>
+                          </m:oMath>
+                        </m:oMathPara>
+                      </a14:m>
+                      <a:endParaRPr lang="ja-JP" altLang="en-US" sz="2726" dirty="0"/>
+                    </a:p>
+                  </p:txBody>
+                </p:sp>
+              </mc:Choice>
+              <mc:Fallback>
+                <p:sp>
+                  <p:nvSpPr>
+                    <p:cNvPr id="21" name="テキスト ボックス 20">
+                      <a:extLst>
+                        <a:ext uri="{FF2B5EF4-FFF2-40B4-BE49-F238E27FC236}">
+                          <a16:creationId xmlns:a16="http://schemas.microsoft.com/office/drawing/2014/main" id="{494380FA-9541-B288-5D29-22DED1A97CC0}"/>
+                        </a:ext>
+                      </a:extLst>
+                    </p:cNvPr>
+                    <p:cNvSpPr txBox="1">
+                      <a:spLocks noRot="1" noChangeAspect="1" noMove="1" noResize="1" noEditPoints="1" noAdjustHandles="1" noChangeArrowheads="1" noChangeShapeType="1" noTextEdit="1"/>
+                    </p:cNvSpPr>
+                    <p:nvPr/>
+                  </p:nvSpPr>
+                  <p:spPr>
+                    <a:xfrm>
+                      <a:off x="7244365" y="4177478"/>
+                      <a:ext cx="763918" cy="511807"/>
+                    </a:xfrm>
+                    <a:prstGeom prst="rect">
+                      <a:avLst/>
+                    </a:prstGeom>
+                    <a:blipFill>
+                      <a:blip r:embed="rId2"/>
+                      <a:stretch>
+                        <a:fillRect/>
+                      </a:stretch>
+                    </a:blipFill>
+                  </p:spPr>
+                  <p:txBody>
+                    <a:bodyPr/>
+                    <a:lstStyle/>
+                    <a:p>
+                      <a:r>
+                        <a:rPr lang="ja-JP" altLang="en-US">
+                          <a:noFill/>
+                        </a:rPr>
+                        <a:t> </a:t>
+                      </a:r>
+                    </a:p>
+                  </p:txBody>
+                </p:sp>
+              </mc:Fallback>
+            </mc:AlternateContent>
           </p:grpSp>
           <p:cxnSp>
             <p:nvCxnSpPr>
-              <p:cNvPr id="15" name="直線コネクタ 14">
+              <p:cNvPr id="5" name="直線コネクタ 4">
                 <a:extLst>
                   <a:ext uri="{FF2B5EF4-FFF2-40B4-BE49-F238E27FC236}">
-                    <a16:creationId xmlns:a16="http://schemas.microsoft.com/office/drawing/2014/main" id="{2A2E64D6-65EB-7287-FB73-18049A472AAF}"/>
+                    <a16:creationId xmlns:a16="http://schemas.microsoft.com/office/drawing/2014/main" id="{DCDD8A50-D6C7-2E0C-3F40-4F86493F8C92}"/>
                   </a:ext>
                 </a:extLst>
               </p:cNvPr>
@@ -23862,8 +24113,8 @@
             </p:nvCxnSpPr>
             <p:spPr>
               <a:xfrm>
-                <a:off x="8123423" y="5823854"/>
-                <a:ext cx="2969120" cy="3"/>
+                <a:off x="11046237" y="3055761"/>
+                <a:ext cx="46305" cy="2768093"/>
               </a:xfrm>
               <a:prstGeom prst="line">
                 <a:avLst/>
@@ -23889,200 +24140,330 @@
               </a:fontRef>
             </p:style>
           </p:cxnSp>
-          <p:sp>
-            <p:nvSpPr>
-              <p:cNvPr id="19" name="テキスト ボックス 18">
+          <p:cxnSp>
+            <p:nvCxnSpPr>
+              <p:cNvPr id="16" name="直線コネクタ 15">
                 <a:extLst>
                   <a:ext uri="{FF2B5EF4-FFF2-40B4-BE49-F238E27FC236}">
-                    <a16:creationId xmlns:a16="http://schemas.microsoft.com/office/drawing/2014/main" id="{D8548645-A187-1B55-FEDF-CB9144272666}"/>
+                    <a16:creationId xmlns:a16="http://schemas.microsoft.com/office/drawing/2014/main" id="{203C4376-0538-837D-837F-10BBFBE98F60}"/>
                   </a:ext>
                 </a:extLst>
               </p:cNvPr>
-              <p:cNvSpPr txBox="1"/>
+              <p:cNvCxnSpPr>
+                <a:cxnSpLocks/>
+              </p:cNvCxnSpPr>
               <p:nvPr/>
-            </p:nvSpPr>
+            </p:nvCxnSpPr>
             <p:spPr>
               <a:xfrm>
-                <a:off x="8588458" y="6522734"/>
-                <a:ext cx="2417368" cy="511807"/>
+                <a:off x="11062567" y="3055761"/>
+                <a:ext cx="2969119" cy="0"/>
               </a:xfrm>
-              <a:prstGeom prst="rect">
+              <a:prstGeom prst="line">
                 <a:avLst/>
               </a:prstGeom>
-              <a:noFill/>
+              <a:ln w="28575">
+                <a:solidFill>
+                  <a:schemeClr val="tx1"/>
+                </a:solidFill>
+              </a:ln>
             </p:spPr>
-            <p:txBody>
-              <a:bodyPr wrap="square" rtlCol="0">
-                <a:spAutoFit/>
-              </a:bodyPr>
-              <a:lstStyle/>
-              <a:p>
-                <a:pPr algn="ctr"/>
-                <a:r>
-                  <a:rPr lang="ja-JP" altLang="en-US" sz="2726" dirty="0"/>
-                  <a:t>訓練期間</a:t>
-                </a:r>
-              </a:p>
-            </p:txBody>
-          </p:sp>
-          <p:sp>
-            <p:nvSpPr>
-              <p:cNvPr id="20" name="テキスト ボックス 19">
+            <p:style>
+              <a:lnRef idx="1">
+                <a:schemeClr val="accent1"/>
+              </a:lnRef>
+              <a:fillRef idx="0">
+                <a:schemeClr val="accent1"/>
+              </a:fillRef>
+              <a:effectRef idx="0">
+                <a:schemeClr val="accent1"/>
+              </a:effectRef>
+              <a:fontRef idx="minor">
+                <a:schemeClr val="tx1"/>
+              </a:fontRef>
+            </p:style>
+          </p:cxnSp>
+          <p:cxnSp>
+            <p:nvCxnSpPr>
+              <p:cNvPr id="27" name="直線コネクタ 26">
                 <a:extLst>
                   <a:ext uri="{FF2B5EF4-FFF2-40B4-BE49-F238E27FC236}">
-                    <a16:creationId xmlns:a16="http://schemas.microsoft.com/office/drawing/2014/main" id="{B57681DB-8443-C171-D42A-E47C73DD5021}"/>
+                    <a16:creationId xmlns:a16="http://schemas.microsoft.com/office/drawing/2014/main" id="{49D08BEB-0D6D-C65E-4E71-99E361996F5F}"/>
                   </a:ext>
                 </a:extLst>
               </p:cNvPr>
-              <p:cNvSpPr txBox="1"/>
+              <p:cNvCxnSpPr>
+                <a:cxnSpLocks/>
+              </p:cNvCxnSpPr>
               <p:nvPr/>
-            </p:nvSpPr>
+            </p:nvCxnSpPr>
             <p:spPr>
               <a:xfrm>
-                <a:off x="11318011" y="6522734"/>
-                <a:ext cx="2417368" cy="511807"/>
+                <a:off x="7893141" y="4438523"/>
+                <a:ext cx="6138545" cy="1286"/>
               </a:xfrm>
-              <a:prstGeom prst="rect">
+              <a:prstGeom prst="line">
                 <a:avLst/>
               </a:prstGeom>
-              <a:noFill/>
+              <a:ln w="19050">
+                <a:solidFill>
+                  <a:schemeClr val="tx1"/>
+                </a:solidFill>
+                <a:prstDash val="dash"/>
+              </a:ln>
             </p:spPr>
-            <p:txBody>
-              <a:bodyPr wrap="square" rtlCol="0">
-                <a:spAutoFit/>
-              </a:bodyPr>
-              <a:lstStyle/>
-              <a:p>
-                <a:pPr algn="ctr"/>
-                <a:r>
-                  <a:rPr lang="ja-JP" altLang="en-US" sz="2726" dirty="0"/>
-                  <a:t>訓練後の期間</a:t>
-                </a:r>
-              </a:p>
-            </p:txBody>
-          </p:sp>
-          <mc:AlternateContent xmlns:mc="http://schemas.openxmlformats.org/markup-compatibility/2006">
-            <mc:Choice xmlns:a14="http://schemas.microsoft.com/office/drawing/2010/main" Requires="a14">
-              <p:sp>
-                <p:nvSpPr>
-                  <p:cNvPr id="21" name="テキスト ボックス 20">
-                    <a:extLst>
-                      <a:ext uri="{FF2B5EF4-FFF2-40B4-BE49-F238E27FC236}">
-                        <a16:creationId xmlns:a16="http://schemas.microsoft.com/office/drawing/2014/main" id="{494380FA-9541-B288-5D29-22DED1A97CC0}"/>
-                      </a:ext>
-                    </a:extLst>
-                  </p:cNvPr>
-                  <p:cNvSpPr txBox="1"/>
-                  <p:nvPr/>
-                </p:nvSpPr>
-                <p:spPr>
-                  <a:xfrm>
-                    <a:off x="7244365" y="4177478"/>
-                    <a:ext cx="763918" cy="511807"/>
-                  </a:xfrm>
-                  <a:prstGeom prst="rect">
-                    <a:avLst/>
-                  </a:prstGeom>
-                  <a:noFill/>
-                </p:spPr>
-                <p:txBody>
-                  <a:bodyPr wrap="square" rtlCol="0">
-                    <a:spAutoFit/>
-                  </a:bodyPr>
-                  <a:lstStyle/>
-                  <a:p>
-                    <a:pPr algn="ctr"/>
-                    <a14:m>
-                      <m:oMathPara xmlns:m="http://schemas.openxmlformats.org/officeDocument/2006/math">
-                        <m:oMathParaPr>
-                          <m:jc m:val="centerGroup"/>
-                        </m:oMathParaPr>
-                        <m:oMath xmlns:m="http://schemas.openxmlformats.org/officeDocument/2006/math">
-                          <m:sSub>
-                            <m:sSubPr>
-                              <m:ctrlPr>
-                                <a:rPr lang="en-US" altLang="ja-JP" sz="2726" b="0" i="1" dirty="0" smtClean="0">
-                                  <a:latin typeface="Cambria Math" panose="02040503050406030204" pitchFamily="18" charset="0"/>
-                                </a:rPr>
-                              </m:ctrlPr>
-                            </m:sSubPr>
-                            <m:e>
-                              <m:r>
-                                <a:rPr lang="en-US" altLang="ja-JP" sz="2726" i="1" dirty="0" smtClean="0">
-                                  <a:latin typeface="Cambria Math" panose="02040503050406030204" pitchFamily="18" charset="0"/>
-                                </a:rPr>
-                                <m:t>𝑤</m:t>
-                              </m:r>
-                            </m:e>
-                            <m:sub>
-                              <m:r>
-                                <a:rPr lang="en-US" altLang="ja-JP" sz="2726" b="0" i="1" dirty="0" smtClean="0">
-                                  <a:latin typeface="Cambria Math" panose="02040503050406030204" pitchFamily="18" charset="0"/>
-                                </a:rPr>
-                                <m:t>0</m:t>
-                              </m:r>
-                            </m:sub>
-                          </m:sSub>
-                        </m:oMath>
-                      </m:oMathPara>
-                    </a14:m>
-                    <a:endParaRPr lang="ja-JP" altLang="en-US" sz="2726" dirty="0"/>
-                  </a:p>
-                </p:txBody>
-              </p:sp>
-            </mc:Choice>
-            <mc:Fallback>
-              <p:sp>
-                <p:nvSpPr>
-                  <p:cNvPr id="21" name="テキスト ボックス 20">
-                    <a:extLst>
-                      <a:ext uri="{FF2B5EF4-FFF2-40B4-BE49-F238E27FC236}">
-                        <a16:creationId xmlns:a16="http://schemas.microsoft.com/office/drawing/2014/main" id="{494380FA-9541-B288-5D29-22DED1A97CC0}"/>
-                      </a:ext>
-                    </a:extLst>
-                  </p:cNvPr>
-                  <p:cNvSpPr txBox="1">
-                    <a:spLocks noRot="1" noChangeAspect="1" noMove="1" noResize="1" noEditPoints="1" noAdjustHandles="1" noChangeArrowheads="1" noChangeShapeType="1" noTextEdit="1"/>
-                  </p:cNvSpPr>
-                  <p:nvPr/>
-                </p:nvSpPr>
-                <p:spPr>
-                  <a:xfrm>
-                    <a:off x="7244365" y="4177478"/>
-                    <a:ext cx="763918" cy="511807"/>
-                  </a:xfrm>
-                  <a:prstGeom prst="rect">
-                    <a:avLst/>
-                  </a:prstGeom>
-                  <a:blipFill>
-                    <a:blip r:embed="rId2"/>
-                    <a:stretch>
-                      <a:fillRect/>
-                    </a:stretch>
-                  </a:blipFill>
-                </p:spPr>
-                <p:txBody>
-                  <a:bodyPr/>
-                  <a:lstStyle/>
-                  <a:p>
-                    <a:r>
-                      <a:rPr lang="ja-JP" altLang="en-US">
-                        <a:noFill/>
-                      </a:rPr>
-                      <a:t> </a:t>
-                    </a:r>
-                  </a:p>
-                </p:txBody>
-              </p:sp>
-            </mc:Fallback>
-          </mc:AlternateContent>
+            <p:style>
+              <a:lnRef idx="1">
+                <a:schemeClr val="accent1"/>
+              </a:lnRef>
+              <a:fillRef idx="0">
+                <a:schemeClr val="accent1"/>
+              </a:fillRef>
+              <a:effectRef idx="0">
+                <a:schemeClr val="accent1"/>
+              </a:effectRef>
+              <a:fontRef idx="minor">
+                <a:schemeClr val="tx1"/>
+              </a:fontRef>
+            </p:style>
+          </p:cxnSp>
         </p:grpSp>
+        <mc:AlternateContent xmlns:mc="http://schemas.openxmlformats.org/markup-compatibility/2006">
+          <mc:Choice xmlns:a14="http://schemas.microsoft.com/office/drawing/2010/main" Requires="a14">
+            <p:sp>
+              <p:nvSpPr>
+                <p:cNvPr id="44" name="テキスト ボックス 43">
+                  <a:extLst>
+                    <a:ext uri="{FF2B5EF4-FFF2-40B4-BE49-F238E27FC236}">
+                      <a16:creationId xmlns:a16="http://schemas.microsoft.com/office/drawing/2014/main" id="{CF168F8C-164E-B5A8-38F3-88B2DDB5B7F7}"/>
+                    </a:ext>
+                  </a:extLst>
+                </p:cNvPr>
+                <p:cNvSpPr txBox="1"/>
+                <p:nvPr/>
+              </p:nvSpPr>
+              <p:spPr>
+                <a:xfrm>
+                  <a:off x="6306878" y="2382499"/>
+                  <a:ext cx="763918" cy="511807"/>
+                </a:xfrm>
+                <a:prstGeom prst="rect">
+                  <a:avLst/>
+                </a:prstGeom>
+                <a:noFill/>
+              </p:spPr>
+              <p:txBody>
+                <a:bodyPr wrap="square" rtlCol="0">
+                  <a:spAutoFit/>
+                </a:bodyPr>
+                <a:lstStyle/>
+                <a:p>
+                  <a:pPr algn="ctr"/>
+                  <a14:m>
+                    <m:oMathPara xmlns:m="http://schemas.openxmlformats.org/officeDocument/2006/math">
+                      <m:oMathParaPr>
+                        <m:jc m:val="centerGroup"/>
+                      </m:oMathParaPr>
+                      <m:oMath xmlns:m="http://schemas.openxmlformats.org/officeDocument/2006/math">
+                        <m:sSub>
+                          <m:sSubPr>
+                            <m:ctrlPr>
+                              <a:rPr lang="en-US" altLang="ja-JP" sz="2726" b="0" i="1" dirty="0" smtClean="0">
+                                <a:latin typeface="Cambria Math" panose="02040503050406030204" pitchFamily="18" charset="0"/>
+                              </a:rPr>
+                            </m:ctrlPr>
+                          </m:sSubPr>
+                          <m:e>
+                            <m:r>
+                              <a:rPr lang="en-US" altLang="ja-JP" sz="2726" i="1" dirty="0" smtClean="0">
+                                <a:latin typeface="Cambria Math" panose="02040503050406030204" pitchFamily="18" charset="0"/>
+                              </a:rPr>
+                              <m:t>𝑤</m:t>
+                            </m:r>
+                          </m:e>
+                          <m:sub>
+                            <m:r>
+                              <a:rPr lang="en-US" altLang="ja-JP" sz="2726" b="0" i="1" dirty="0" smtClean="0">
+                                <a:latin typeface="Cambria Math" panose="02040503050406030204" pitchFamily="18" charset="0"/>
+                              </a:rPr>
+                              <m:t>2</m:t>
+                            </m:r>
+                          </m:sub>
+                        </m:sSub>
+                      </m:oMath>
+                    </m:oMathPara>
+                  </a14:m>
+                  <a:endParaRPr lang="ja-JP" altLang="en-US" sz="2726" dirty="0"/>
+                </a:p>
+              </p:txBody>
+            </p:sp>
+          </mc:Choice>
+          <mc:Fallback>
+            <p:sp>
+              <p:nvSpPr>
+                <p:cNvPr id="44" name="テキスト ボックス 43">
+                  <a:extLst>
+                    <a:ext uri="{FF2B5EF4-FFF2-40B4-BE49-F238E27FC236}">
+                      <a16:creationId xmlns:a16="http://schemas.microsoft.com/office/drawing/2014/main" id="{CF168F8C-164E-B5A8-38F3-88B2DDB5B7F7}"/>
+                    </a:ext>
+                  </a:extLst>
+                </p:cNvPr>
+                <p:cNvSpPr txBox="1">
+                  <a:spLocks noRot="1" noChangeAspect="1" noMove="1" noResize="1" noEditPoints="1" noAdjustHandles="1" noChangeArrowheads="1" noChangeShapeType="1" noTextEdit="1"/>
+                </p:cNvSpPr>
+                <p:nvPr/>
+              </p:nvSpPr>
+              <p:spPr>
+                <a:xfrm>
+                  <a:off x="6306878" y="2382499"/>
+                  <a:ext cx="763918" cy="511807"/>
+                </a:xfrm>
+                <a:prstGeom prst="rect">
+                  <a:avLst/>
+                </a:prstGeom>
+                <a:blipFill>
+                  <a:blip r:embed="rId3"/>
+                  <a:stretch>
+                    <a:fillRect/>
+                  </a:stretch>
+                </a:blipFill>
+              </p:spPr>
+              <p:txBody>
+                <a:bodyPr/>
+                <a:lstStyle/>
+                <a:p>
+                  <a:r>
+                    <a:rPr lang="ja-JP" altLang="en-US">
+                      <a:noFill/>
+                    </a:rPr>
+                    <a:t> </a:t>
+                  </a:r>
+                </a:p>
+              </p:txBody>
+            </p:sp>
+          </mc:Fallback>
+        </mc:AlternateContent>
+        <mc:AlternateContent xmlns:mc="http://schemas.openxmlformats.org/markup-compatibility/2006">
+          <mc:Choice xmlns:a14="http://schemas.microsoft.com/office/drawing/2010/main" Requires="a14">
+            <p:sp>
+              <p:nvSpPr>
+                <p:cNvPr id="45" name="テキスト ボックス 44">
+                  <a:extLst>
+                    <a:ext uri="{FF2B5EF4-FFF2-40B4-BE49-F238E27FC236}">
+                      <a16:creationId xmlns:a16="http://schemas.microsoft.com/office/drawing/2014/main" id="{CCFAF561-1E53-6A10-F31D-7508E6E8A47C}"/>
+                    </a:ext>
+                  </a:extLst>
+                </p:cNvPr>
+                <p:cNvSpPr txBox="1"/>
+                <p:nvPr/>
+              </p:nvSpPr>
+              <p:spPr>
+                <a:xfrm>
+                  <a:off x="6306878" y="5151875"/>
+                  <a:ext cx="763918" cy="511807"/>
+                </a:xfrm>
+                <a:prstGeom prst="rect">
+                  <a:avLst/>
+                </a:prstGeom>
+                <a:noFill/>
+              </p:spPr>
+              <p:txBody>
+                <a:bodyPr wrap="square" rtlCol="0">
+                  <a:spAutoFit/>
+                </a:bodyPr>
+                <a:lstStyle/>
+                <a:p>
+                  <a:pPr algn="ctr"/>
+                  <a14:m>
+                    <m:oMathPara xmlns:m="http://schemas.openxmlformats.org/officeDocument/2006/math">
+                      <m:oMathParaPr>
+                        <m:jc m:val="centerGroup"/>
+                      </m:oMathParaPr>
+                      <m:oMath xmlns:m="http://schemas.openxmlformats.org/officeDocument/2006/math">
+                        <m:sSub>
+                          <m:sSubPr>
+                            <m:ctrlPr>
+                              <a:rPr lang="en-US" altLang="ja-JP" sz="2726" b="0" i="1" dirty="0" smtClean="0">
+                                <a:latin typeface="Cambria Math" panose="02040503050406030204" pitchFamily="18" charset="0"/>
+                              </a:rPr>
+                            </m:ctrlPr>
+                          </m:sSubPr>
+                          <m:e>
+                            <m:r>
+                              <a:rPr lang="en-US" altLang="ja-JP" sz="2726" i="1" dirty="0" smtClean="0">
+                                <a:latin typeface="Cambria Math" panose="02040503050406030204" pitchFamily="18" charset="0"/>
+                              </a:rPr>
+                              <m:t>𝑤</m:t>
+                            </m:r>
+                          </m:e>
+                          <m:sub>
+                            <m:r>
+                              <a:rPr lang="en-US" altLang="ja-JP" sz="2726" b="0" i="1" dirty="0" smtClean="0">
+                                <a:latin typeface="Cambria Math" panose="02040503050406030204" pitchFamily="18" charset="0"/>
+                              </a:rPr>
+                              <m:t>1</m:t>
+                            </m:r>
+                          </m:sub>
+                        </m:sSub>
+                      </m:oMath>
+                    </m:oMathPara>
+                  </a14:m>
+                  <a:endParaRPr lang="ja-JP" altLang="en-US" sz="2726" dirty="0"/>
+                </a:p>
+              </p:txBody>
+            </p:sp>
+          </mc:Choice>
+          <mc:Fallback>
+            <p:sp>
+              <p:nvSpPr>
+                <p:cNvPr id="45" name="テキスト ボックス 44">
+                  <a:extLst>
+                    <a:ext uri="{FF2B5EF4-FFF2-40B4-BE49-F238E27FC236}">
+                      <a16:creationId xmlns:a16="http://schemas.microsoft.com/office/drawing/2014/main" id="{CCFAF561-1E53-6A10-F31D-7508E6E8A47C}"/>
+                    </a:ext>
+                  </a:extLst>
+                </p:cNvPr>
+                <p:cNvSpPr txBox="1">
+                  <a:spLocks noRot="1" noChangeAspect="1" noMove="1" noResize="1" noEditPoints="1" noAdjustHandles="1" noChangeArrowheads="1" noChangeShapeType="1" noTextEdit="1"/>
+                </p:cNvSpPr>
+                <p:nvPr/>
+              </p:nvSpPr>
+              <p:spPr>
+                <a:xfrm>
+                  <a:off x="6306878" y="5151875"/>
+                  <a:ext cx="763918" cy="511807"/>
+                </a:xfrm>
+                <a:prstGeom prst="rect">
+                  <a:avLst/>
+                </a:prstGeom>
+                <a:blipFill>
+                  <a:blip r:embed="rId4"/>
+                  <a:stretch>
+                    <a:fillRect/>
+                  </a:stretch>
+                </a:blipFill>
+              </p:spPr>
+              <p:txBody>
+                <a:bodyPr/>
+                <a:lstStyle/>
+                <a:p>
+                  <a:r>
+                    <a:rPr lang="ja-JP" altLang="en-US">
+                      <a:noFill/>
+                    </a:rPr>
+                    <a:t> </a:t>
+                  </a:r>
+                </a:p>
+              </p:txBody>
+            </p:sp>
+          </mc:Fallback>
+        </mc:AlternateContent>
         <p:cxnSp>
           <p:nvCxnSpPr>
-            <p:cNvPr id="5" name="直線コネクタ 4">
+            <p:cNvPr id="46" name="直線コネクタ 45">
               <a:extLst>
                 <a:ext uri="{FF2B5EF4-FFF2-40B4-BE49-F238E27FC236}">
-                  <a16:creationId xmlns:a16="http://schemas.microsoft.com/office/drawing/2014/main" id="{DCDD8A50-D6C7-2E0C-3F40-4F86493F8C92}"/>
+                  <a16:creationId xmlns:a16="http://schemas.microsoft.com/office/drawing/2014/main" id="{F1ED1E25-339E-C80B-F697-17DB8B293EF2}"/>
                 </a:ext>
               </a:extLst>
             </p:cNvPr>
@@ -24093,16 +24474,17 @@
           </p:nvCxnSpPr>
           <p:spPr>
             <a:xfrm>
-              <a:off x="11046237" y="3055761"/>
-              <a:ext cx="46305" cy="2768093"/>
+              <a:off x="6955654" y="5405206"/>
+              <a:ext cx="230282" cy="1286"/>
             </a:xfrm>
             <a:prstGeom prst="line">
               <a:avLst/>
             </a:prstGeom>
-            <a:ln w="28575">
+            <a:ln w="19050">
               <a:solidFill>
                 <a:schemeClr val="tx1"/>
               </a:solidFill>
+              <a:prstDash val="dash"/>
             </a:ln>
           </p:spPr>
           <p:style>
@@ -24122,10 +24504,10 @@
         </p:cxnSp>
         <p:cxnSp>
           <p:nvCxnSpPr>
-            <p:cNvPr id="16" name="直線コネクタ 15">
+            <p:cNvPr id="47" name="直線コネクタ 46">
               <a:extLst>
                 <a:ext uri="{FF2B5EF4-FFF2-40B4-BE49-F238E27FC236}">
-                  <a16:creationId xmlns:a16="http://schemas.microsoft.com/office/drawing/2014/main" id="{203C4376-0538-837D-837F-10BBFBE98F60}"/>
+                  <a16:creationId xmlns:a16="http://schemas.microsoft.com/office/drawing/2014/main" id="{746DFD3E-E513-3ABF-8218-41BFEED3FF45}"/>
                 </a:ext>
               </a:extLst>
             </p:cNvPr>
@@ -24135,52 +24517,9 @@
             <p:nvPr/>
           </p:nvCxnSpPr>
           <p:spPr>
-            <a:xfrm>
-              <a:off x="11062567" y="3055761"/>
-              <a:ext cx="2969119" cy="0"/>
-            </a:xfrm>
-            <a:prstGeom prst="line">
-              <a:avLst/>
-            </a:prstGeom>
-            <a:ln w="28575">
-              <a:solidFill>
-                <a:schemeClr val="tx1"/>
-              </a:solidFill>
-            </a:ln>
-          </p:spPr>
-          <p:style>
-            <a:lnRef idx="1">
-              <a:schemeClr val="accent1"/>
-            </a:lnRef>
-            <a:fillRef idx="0">
-              <a:schemeClr val="accent1"/>
-            </a:fillRef>
-            <a:effectRef idx="0">
-              <a:schemeClr val="accent1"/>
-            </a:effectRef>
-            <a:fontRef idx="minor">
-              <a:schemeClr val="tx1"/>
-            </a:fontRef>
-          </p:style>
-        </p:cxnSp>
-        <p:cxnSp>
-          <p:nvCxnSpPr>
-            <p:cNvPr id="27" name="直線コネクタ 26">
-              <a:extLst>
-                <a:ext uri="{FF2B5EF4-FFF2-40B4-BE49-F238E27FC236}">
-                  <a16:creationId xmlns:a16="http://schemas.microsoft.com/office/drawing/2014/main" id="{49D08BEB-0D6D-C65E-4E71-99E361996F5F}"/>
-                </a:ext>
-              </a:extLst>
-            </p:cNvPr>
-            <p:cNvCxnSpPr>
-              <a:cxnSpLocks/>
-            </p:cNvCxnSpPr>
-            <p:nvPr/>
-          </p:nvCxnSpPr>
-          <p:spPr>
-            <a:xfrm>
-              <a:off x="7893141" y="4438523"/>
-              <a:ext cx="6138545" cy="1286"/>
+            <a:xfrm flipV="1">
+              <a:off x="6955654" y="2636480"/>
+              <a:ext cx="3214391" cy="5566"/>
             </a:xfrm>
             <a:prstGeom prst="line">
               <a:avLst/>
@@ -24208,324 +24547,6 @@
           </p:style>
         </p:cxnSp>
       </p:grpSp>
-      <mc:AlternateContent xmlns:mc="http://schemas.openxmlformats.org/markup-compatibility/2006">
-        <mc:Choice xmlns:a14="http://schemas.microsoft.com/office/drawing/2010/main" Requires="a14">
-          <p:sp>
-            <p:nvSpPr>
-              <p:cNvPr id="44" name="テキスト ボックス 43">
-                <a:extLst>
-                  <a:ext uri="{FF2B5EF4-FFF2-40B4-BE49-F238E27FC236}">
-                    <a16:creationId xmlns:a16="http://schemas.microsoft.com/office/drawing/2014/main" id="{CF168F8C-164E-B5A8-38F3-88B2DDB5B7F7}"/>
-                  </a:ext>
-                </a:extLst>
-              </p:cNvPr>
-              <p:cNvSpPr txBox="1"/>
-              <p:nvPr/>
-            </p:nvSpPr>
-            <p:spPr>
-              <a:xfrm>
-                <a:off x="6306878" y="2382499"/>
-                <a:ext cx="763918" cy="511807"/>
-              </a:xfrm>
-              <a:prstGeom prst="rect">
-                <a:avLst/>
-              </a:prstGeom>
-              <a:noFill/>
-            </p:spPr>
-            <p:txBody>
-              <a:bodyPr wrap="square" rtlCol="0">
-                <a:spAutoFit/>
-              </a:bodyPr>
-              <a:lstStyle/>
-              <a:p>
-                <a:pPr algn="ctr"/>
-                <a14:m>
-                  <m:oMathPara xmlns:m="http://schemas.openxmlformats.org/officeDocument/2006/math">
-                    <m:oMathParaPr>
-                      <m:jc m:val="centerGroup"/>
-                    </m:oMathParaPr>
-                    <m:oMath xmlns:m="http://schemas.openxmlformats.org/officeDocument/2006/math">
-                      <m:sSub>
-                        <m:sSubPr>
-                          <m:ctrlPr>
-                            <a:rPr lang="en-US" altLang="ja-JP" sz="2726" b="0" i="1" dirty="0" smtClean="0">
-                              <a:latin typeface="Cambria Math" panose="02040503050406030204" pitchFamily="18" charset="0"/>
-                            </a:rPr>
-                          </m:ctrlPr>
-                        </m:sSubPr>
-                        <m:e>
-                          <m:r>
-                            <a:rPr lang="en-US" altLang="ja-JP" sz="2726" i="1" dirty="0" smtClean="0">
-                              <a:latin typeface="Cambria Math" panose="02040503050406030204" pitchFamily="18" charset="0"/>
-                            </a:rPr>
-                            <m:t>𝑤</m:t>
-                          </m:r>
-                        </m:e>
-                        <m:sub>
-                          <m:r>
-                            <a:rPr lang="en-US" altLang="ja-JP" sz="2726" b="0" i="1" dirty="0" smtClean="0">
-                              <a:latin typeface="Cambria Math" panose="02040503050406030204" pitchFamily="18" charset="0"/>
-                            </a:rPr>
-                            <m:t>2</m:t>
-                          </m:r>
-                        </m:sub>
-                      </m:sSub>
-                    </m:oMath>
-                  </m:oMathPara>
-                </a14:m>
-                <a:endParaRPr lang="ja-JP" altLang="en-US" sz="2726" dirty="0"/>
-              </a:p>
-            </p:txBody>
-          </p:sp>
-        </mc:Choice>
-        <mc:Fallback>
-          <p:sp>
-            <p:nvSpPr>
-              <p:cNvPr id="44" name="テキスト ボックス 43">
-                <a:extLst>
-                  <a:ext uri="{FF2B5EF4-FFF2-40B4-BE49-F238E27FC236}">
-                    <a16:creationId xmlns:a16="http://schemas.microsoft.com/office/drawing/2014/main" id="{CF168F8C-164E-B5A8-38F3-88B2DDB5B7F7}"/>
-                  </a:ext>
-                </a:extLst>
-              </p:cNvPr>
-              <p:cNvSpPr txBox="1">
-                <a:spLocks noRot="1" noChangeAspect="1" noMove="1" noResize="1" noEditPoints="1" noAdjustHandles="1" noChangeArrowheads="1" noChangeShapeType="1" noTextEdit="1"/>
-              </p:cNvSpPr>
-              <p:nvPr/>
-            </p:nvSpPr>
-            <p:spPr>
-              <a:xfrm>
-                <a:off x="6306878" y="2382499"/>
-                <a:ext cx="763918" cy="511807"/>
-              </a:xfrm>
-              <a:prstGeom prst="rect">
-                <a:avLst/>
-              </a:prstGeom>
-              <a:blipFill>
-                <a:blip r:embed="rId3"/>
-                <a:stretch>
-                  <a:fillRect/>
-                </a:stretch>
-              </a:blipFill>
-            </p:spPr>
-            <p:txBody>
-              <a:bodyPr/>
-              <a:lstStyle/>
-              <a:p>
-                <a:r>
-                  <a:rPr lang="ja-JP" altLang="en-US">
-                    <a:noFill/>
-                  </a:rPr>
-                  <a:t> </a:t>
-                </a:r>
-              </a:p>
-            </p:txBody>
-          </p:sp>
-        </mc:Fallback>
-      </mc:AlternateContent>
-      <mc:AlternateContent xmlns:mc="http://schemas.openxmlformats.org/markup-compatibility/2006">
-        <mc:Choice xmlns:a14="http://schemas.microsoft.com/office/drawing/2010/main" Requires="a14">
-          <p:sp>
-            <p:nvSpPr>
-              <p:cNvPr id="45" name="テキスト ボックス 44">
-                <a:extLst>
-                  <a:ext uri="{FF2B5EF4-FFF2-40B4-BE49-F238E27FC236}">
-                    <a16:creationId xmlns:a16="http://schemas.microsoft.com/office/drawing/2014/main" id="{CCFAF561-1E53-6A10-F31D-7508E6E8A47C}"/>
-                  </a:ext>
-                </a:extLst>
-              </p:cNvPr>
-              <p:cNvSpPr txBox="1"/>
-              <p:nvPr/>
-            </p:nvSpPr>
-            <p:spPr>
-              <a:xfrm>
-                <a:off x="6306878" y="5151875"/>
-                <a:ext cx="763918" cy="511807"/>
-              </a:xfrm>
-              <a:prstGeom prst="rect">
-                <a:avLst/>
-              </a:prstGeom>
-              <a:noFill/>
-            </p:spPr>
-            <p:txBody>
-              <a:bodyPr wrap="square" rtlCol="0">
-                <a:spAutoFit/>
-              </a:bodyPr>
-              <a:lstStyle/>
-              <a:p>
-                <a:pPr algn="ctr"/>
-                <a14:m>
-                  <m:oMathPara xmlns:m="http://schemas.openxmlformats.org/officeDocument/2006/math">
-                    <m:oMathParaPr>
-                      <m:jc m:val="centerGroup"/>
-                    </m:oMathParaPr>
-                    <m:oMath xmlns:m="http://schemas.openxmlformats.org/officeDocument/2006/math">
-                      <m:sSub>
-                        <m:sSubPr>
-                          <m:ctrlPr>
-                            <a:rPr lang="en-US" altLang="ja-JP" sz="2726" b="0" i="1" dirty="0" smtClean="0">
-                              <a:latin typeface="Cambria Math" panose="02040503050406030204" pitchFamily="18" charset="0"/>
-                            </a:rPr>
-                          </m:ctrlPr>
-                        </m:sSubPr>
-                        <m:e>
-                          <m:r>
-                            <a:rPr lang="en-US" altLang="ja-JP" sz="2726" i="1" dirty="0" smtClean="0">
-                              <a:latin typeface="Cambria Math" panose="02040503050406030204" pitchFamily="18" charset="0"/>
-                            </a:rPr>
-                            <m:t>𝑤</m:t>
-                          </m:r>
-                        </m:e>
-                        <m:sub>
-                          <m:r>
-                            <a:rPr lang="en-US" altLang="ja-JP" sz="2726" b="0" i="1" dirty="0" smtClean="0">
-                              <a:latin typeface="Cambria Math" panose="02040503050406030204" pitchFamily="18" charset="0"/>
-                            </a:rPr>
-                            <m:t>1</m:t>
-                          </m:r>
-                        </m:sub>
-                      </m:sSub>
-                    </m:oMath>
-                  </m:oMathPara>
-                </a14:m>
-                <a:endParaRPr lang="ja-JP" altLang="en-US" sz="2726" dirty="0"/>
-              </a:p>
-            </p:txBody>
-          </p:sp>
-        </mc:Choice>
-        <mc:Fallback>
-          <p:sp>
-            <p:nvSpPr>
-              <p:cNvPr id="45" name="テキスト ボックス 44">
-                <a:extLst>
-                  <a:ext uri="{FF2B5EF4-FFF2-40B4-BE49-F238E27FC236}">
-                    <a16:creationId xmlns:a16="http://schemas.microsoft.com/office/drawing/2014/main" id="{CCFAF561-1E53-6A10-F31D-7508E6E8A47C}"/>
-                  </a:ext>
-                </a:extLst>
-              </p:cNvPr>
-              <p:cNvSpPr txBox="1">
-                <a:spLocks noRot="1" noChangeAspect="1" noMove="1" noResize="1" noEditPoints="1" noAdjustHandles="1" noChangeArrowheads="1" noChangeShapeType="1" noTextEdit="1"/>
-              </p:cNvSpPr>
-              <p:nvPr/>
-            </p:nvSpPr>
-            <p:spPr>
-              <a:xfrm>
-                <a:off x="6306878" y="5151875"/>
-                <a:ext cx="763918" cy="511807"/>
-              </a:xfrm>
-              <a:prstGeom prst="rect">
-                <a:avLst/>
-              </a:prstGeom>
-              <a:blipFill>
-                <a:blip r:embed="rId4"/>
-                <a:stretch>
-                  <a:fillRect/>
-                </a:stretch>
-              </a:blipFill>
-            </p:spPr>
-            <p:txBody>
-              <a:bodyPr/>
-              <a:lstStyle/>
-              <a:p>
-                <a:r>
-                  <a:rPr lang="ja-JP" altLang="en-US">
-                    <a:noFill/>
-                  </a:rPr>
-                  <a:t> </a:t>
-                </a:r>
-              </a:p>
-            </p:txBody>
-          </p:sp>
-        </mc:Fallback>
-      </mc:AlternateContent>
-      <p:cxnSp>
-        <p:nvCxnSpPr>
-          <p:cNvPr id="46" name="直線コネクタ 45">
-            <a:extLst>
-              <a:ext uri="{FF2B5EF4-FFF2-40B4-BE49-F238E27FC236}">
-                <a16:creationId xmlns:a16="http://schemas.microsoft.com/office/drawing/2014/main" id="{F1ED1E25-339E-C80B-F697-17DB8B293EF2}"/>
-              </a:ext>
-            </a:extLst>
-          </p:cNvPr>
-          <p:cNvCxnSpPr>
-            <a:cxnSpLocks/>
-          </p:cNvCxnSpPr>
-          <p:nvPr/>
-        </p:nvCxnSpPr>
-        <p:spPr>
-          <a:xfrm>
-            <a:off x="6955654" y="5405206"/>
-            <a:ext cx="230282" cy="1286"/>
-          </a:xfrm>
-          <a:prstGeom prst="line">
-            <a:avLst/>
-          </a:prstGeom>
-          <a:ln w="19050">
-            <a:solidFill>
-              <a:schemeClr val="tx1"/>
-            </a:solidFill>
-            <a:prstDash val="dash"/>
-          </a:ln>
-        </p:spPr>
-        <p:style>
-          <a:lnRef idx="1">
-            <a:schemeClr val="accent1"/>
-          </a:lnRef>
-          <a:fillRef idx="0">
-            <a:schemeClr val="accent1"/>
-          </a:fillRef>
-          <a:effectRef idx="0">
-            <a:schemeClr val="accent1"/>
-          </a:effectRef>
-          <a:fontRef idx="minor">
-            <a:schemeClr val="tx1"/>
-          </a:fontRef>
-        </p:style>
-      </p:cxnSp>
-      <p:cxnSp>
-        <p:nvCxnSpPr>
-          <p:cNvPr id="47" name="直線コネクタ 46">
-            <a:extLst>
-              <a:ext uri="{FF2B5EF4-FFF2-40B4-BE49-F238E27FC236}">
-                <a16:creationId xmlns:a16="http://schemas.microsoft.com/office/drawing/2014/main" id="{746DFD3E-E513-3ABF-8218-41BFEED3FF45}"/>
-              </a:ext>
-            </a:extLst>
-          </p:cNvPr>
-          <p:cNvCxnSpPr>
-            <a:cxnSpLocks/>
-          </p:cNvCxnSpPr>
-          <p:nvPr/>
-        </p:nvCxnSpPr>
-        <p:spPr>
-          <a:xfrm flipV="1">
-            <a:off x="6955654" y="2636480"/>
-            <a:ext cx="3214391" cy="5566"/>
-          </a:xfrm>
-          <a:prstGeom prst="line">
-            <a:avLst/>
-          </a:prstGeom>
-          <a:ln w="19050">
-            <a:solidFill>
-              <a:schemeClr val="tx1"/>
-            </a:solidFill>
-            <a:prstDash val="dash"/>
-          </a:ln>
-        </p:spPr>
-        <p:style>
-          <a:lnRef idx="1">
-            <a:schemeClr val="accent1"/>
-          </a:lnRef>
-          <a:fillRef idx="0">
-            <a:schemeClr val="accent1"/>
-          </a:fillRef>
-          <a:effectRef idx="0">
-            <a:schemeClr val="accent1"/>
-          </a:effectRef>
-          <a:fontRef idx="minor">
-            <a:schemeClr val="tx1"/>
-          </a:fontRef>
-        </p:style>
-      </p:cxnSp>
     </p:spTree>
     <p:extLst>
       <p:ext uri="{BB962C8B-B14F-4D97-AF65-F5344CB8AC3E}">

--- a/images/labor_fig.pptx
+++ b/images/labor_fig.pptx
@@ -5,7 +5,7 @@
     <p:sldMasterId id="2147483660" r:id="rId1"/>
   </p:sldMasterIdLst>
   <p:notesMasterIdLst>
-    <p:notesMasterId r:id="rId28"/>
+    <p:notesMasterId r:id="rId29"/>
   </p:notesMasterIdLst>
   <p:sldIdLst>
     <p:sldId id="281" r:id="rId2"/>
@@ -34,6 +34,7 @@
     <p:sldId id="279" r:id="rId25"/>
     <p:sldId id="280" r:id="rId26"/>
     <p:sldId id="282" r:id="rId27"/>
+    <p:sldId id="283" r:id="rId28"/>
   </p:sldIdLst>
   <p:sldSz cx="23039388" cy="7199313"/>
   <p:notesSz cx="6858000" cy="9144000"/>
@@ -11954,7 +11955,7 @@
           <a:p>
             <a:fld id="{563A7CF2-AB3E-47DB-A90F-A00729506E41}" type="datetimeFigureOut">
               <a:rPr kumimoji="1" lang="ja-JP" altLang="en-US" smtClean="0"/>
-              <a:t>2025/10/8</a:t>
+              <a:t>2025/10/14</a:t>
             </a:fld>
             <a:endParaRPr kumimoji="1" lang="ja-JP" altLang="en-US"/>
           </a:p>
@@ -12581,7 +12582,7 @@
           <a:p>
             <a:fld id="{05853D61-8A19-4B35-BDA8-1C18B2B00FED}" type="datetimeFigureOut">
               <a:rPr kumimoji="1" lang="ja-JP" altLang="en-US" smtClean="0"/>
-              <a:t>2025/10/8</a:t>
+              <a:t>2025/10/14</a:t>
             </a:fld>
             <a:endParaRPr kumimoji="1" lang="ja-JP" altLang="en-US"/>
           </a:p>
@@ -12765,7 +12766,7 @@
           <a:p>
             <a:fld id="{05853D61-8A19-4B35-BDA8-1C18B2B00FED}" type="datetimeFigureOut">
               <a:rPr kumimoji="1" lang="ja-JP" altLang="en-US" smtClean="0"/>
-              <a:t>2025/10/8</a:t>
+              <a:t>2025/10/14</a:t>
             </a:fld>
             <a:endParaRPr kumimoji="1" lang="ja-JP" altLang="en-US"/>
           </a:p>
@@ -12982,7 +12983,7 @@
           <a:p>
             <a:fld id="{05853D61-8A19-4B35-BDA8-1C18B2B00FED}" type="datetimeFigureOut">
               <a:rPr kumimoji="1" lang="ja-JP" altLang="en-US" smtClean="0"/>
-              <a:t>2025/10/8</a:t>
+              <a:t>2025/10/14</a:t>
             </a:fld>
             <a:endParaRPr kumimoji="1" lang="ja-JP" altLang="en-US"/>
           </a:p>
@@ -13272,7 +13273,7 @@
           <a:p>
             <a:fld id="{05853D61-8A19-4B35-BDA8-1C18B2B00FED}" type="datetimeFigureOut">
               <a:rPr kumimoji="1" lang="ja-JP" altLang="en-US" smtClean="0"/>
-              <a:t>2025/10/8</a:t>
+              <a:t>2025/10/14</a:t>
             </a:fld>
             <a:endParaRPr kumimoji="1" lang="ja-JP" altLang="en-US"/>
           </a:p>
@@ -13567,7 +13568,7 @@
           <a:p>
             <a:fld id="{05853D61-8A19-4B35-BDA8-1C18B2B00FED}" type="datetimeFigureOut">
               <a:rPr kumimoji="1" lang="ja-JP" altLang="en-US" smtClean="0"/>
-              <a:t>2025/10/8</a:t>
+              <a:t>2025/10/14</a:t>
             </a:fld>
             <a:endParaRPr kumimoji="1" lang="ja-JP" altLang="en-US"/>
           </a:p>
@@ -13802,7 +13803,7 @@
           <a:p>
             <a:fld id="{05853D61-8A19-4B35-BDA8-1C18B2B00FED}" type="datetimeFigureOut">
               <a:rPr kumimoji="1" lang="ja-JP" altLang="en-US" smtClean="0"/>
-              <a:t>2025/10/8</a:t>
+              <a:t>2025/10/14</a:t>
             </a:fld>
             <a:endParaRPr kumimoji="1" lang="ja-JP" altLang="en-US"/>
           </a:p>
@@ -14513,7 +14514,7 @@
           <a:p>
             <a:fld id="{05853D61-8A19-4B35-BDA8-1C18B2B00FED}" type="datetimeFigureOut">
               <a:rPr kumimoji="1" lang="ja-JP" altLang="en-US" smtClean="0"/>
-              <a:t>2025/10/8</a:t>
+              <a:t>2025/10/14</a:t>
             </a:fld>
             <a:endParaRPr kumimoji="1" lang="ja-JP" altLang="en-US"/>
           </a:p>
@@ -14622,7 +14623,7 @@
           <a:p>
             <a:fld id="{05853D61-8A19-4B35-BDA8-1C18B2B00FED}" type="datetimeFigureOut">
               <a:rPr kumimoji="1" lang="ja-JP" altLang="en-US" smtClean="0"/>
-              <a:t>2025/10/8</a:t>
+              <a:t>2025/10/14</a:t>
             </a:fld>
             <a:endParaRPr kumimoji="1" lang="ja-JP" altLang="en-US"/>
           </a:p>
@@ -14806,7 +14807,7 @@
           <a:p>
             <a:fld id="{05853D61-8A19-4B35-BDA8-1C18B2B00FED}" type="datetimeFigureOut">
               <a:rPr kumimoji="1" lang="ja-JP" altLang="en-US" smtClean="0"/>
-              <a:t>2025/10/8</a:t>
+              <a:t>2025/10/14</a:t>
             </a:fld>
             <a:endParaRPr kumimoji="1" lang="ja-JP" altLang="en-US"/>
           </a:p>
@@ -14901,7 +14902,7 @@
           <a:p>
             <a:fld id="{05853D61-8A19-4B35-BDA8-1C18B2B00FED}" type="datetimeFigureOut">
               <a:rPr kumimoji="1" lang="ja-JP" altLang="en-US" smtClean="0"/>
-              <a:t>2025/10/8</a:t>
+              <a:t>2025/10/14</a:t>
             </a:fld>
             <a:endParaRPr kumimoji="1" lang="ja-JP" altLang="en-US"/>
           </a:p>
@@ -15148,7 +15149,7 @@
           <a:p>
             <a:fld id="{05853D61-8A19-4B35-BDA8-1C18B2B00FED}" type="datetimeFigureOut">
               <a:rPr kumimoji="1" lang="ja-JP" altLang="en-US" smtClean="0"/>
-              <a:t>2025/10/8</a:t>
+              <a:t>2025/10/14</a:t>
             </a:fld>
             <a:endParaRPr kumimoji="1" lang="ja-JP" altLang="en-US"/>
           </a:p>
@@ -23981,8 +23982,8 @@
                 </a:p>
               </p:txBody>
             </p:sp>
-            <mc:AlternateContent xmlns:mc="http://schemas.openxmlformats.org/markup-compatibility/2006">
-              <mc:Choice xmlns:a14="http://schemas.microsoft.com/office/drawing/2010/main" Requires="a14">
+            <mc:AlternateContent xmlns:mc="http://schemas.openxmlformats.org/markup-compatibility/2006" xmlns:a14="http://schemas.microsoft.com/office/drawing/2010/main">
+              <mc:Choice Requires="a14">
                 <p:sp>
                   <p:nvSpPr>
                     <p:cNvPr id="21" name="テキスト ボックス 20">
@@ -24051,7 +24052,7 @@
                   </p:txBody>
                 </p:sp>
               </mc:Choice>
-              <mc:Fallback>
+              <mc:Fallback xmlns="">
                 <p:sp>
                   <p:nvSpPr>
                     <p:cNvPr id="21" name="テキスト ボックス 20">
@@ -24228,8 +24229,8 @@
             </p:style>
           </p:cxnSp>
         </p:grpSp>
-        <mc:AlternateContent xmlns:mc="http://schemas.openxmlformats.org/markup-compatibility/2006">
-          <mc:Choice xmlns:a14="http://schemas.microsoft.com/office/drawing/2010/main" Requires="a14">
+        <mc:AlternateContent xmlns:mc="http://schemas.openxmlformats.org/markup-compatibility/2006" xmlns:a14="http://schemas.microsoft.com/office/drawing/2010/main">
+          <mc:Choice Requires="a14">
             <p:sp>
               <p:nvSpPr>
                 <p:cNvPr id="44" name="テキスト ボックス 43">
@@ -24298,7 +24299,7 @@
               </p:txBody>
             </p:sp>
           </mc:Choice>
-          <mc:Fallback>
+          <mc:Fallback xmlns="">
             <p:sp>
               <p:nvSpPr>
                 <p:cNvPr id="44" name="テキスト ボックス 43">
@@ -24343,8 +24344,8 @@
             </p:sp>
           </mc:Fallback>
         </mc:AlternateContent>
-        <mc:AlternateContent xmlns:mc="http://schemas.openxmlformats.org/markup-compatibility/2006">
-          <mc:Choice xmlns:a14="http://schemas.microsoft.com/office/drawing/2010/main" Requires="a14">
+        <mc:AlternateContent xmlns:mc="http://schemas.openxmlformats.org/markup-compatibility/2006" xmlns:a14="http://schemas.microsoft.com/office/drawing/2010/main">
+          <mc:Choice Requires="a14">
             <p:sp>
               <p:nvSpPr>
                 <p:cNvPr id="45" name="テキスト ボックス 44">
@@ -24413,7 +24414,7 @@
               </p:txBody>
             </p:sp>
           </mc:Choice>
-          <mc:Fallback>
+          <mc:Fallback xmlns="">
             <p:sp>
               <p:nvSpPr>
                 <p:cNvPr id="45" name="テキスト ボックス 44">
@@ -24551,6 +24552,1712 @@
     <p:extLst>
       <p:ext uri="{BB962C8B-B14F-4D97-AF65-F5344CB8AC3E}">
         <p14:creationId xmlns:p14="http://schemas.microsoft.com/office/powerpoint/2010/main" val="4235342275"/>
+      </p:ext>
+    </p:extLst>
+  </p:cSld>
+  <p:clrMapOvr>
+    <a:masterClrMapping/>
+  </p:clrMapOvr>
+</p:sld>
+</file>
+
+<file path=ppt/slides/slide27.xml><?xml version="1.0" encoding="utf-8"?>
+<p:sld xmlns:a="http://schemas.openxmlformats.org/drawingml/2006/main" xmlns:r="http://schemas.openxmlformats.org/officeDocument/2006/relationships" xmlns:p="http://schemas.openxmlformats.org/presentationml/2006/main">
+  <p:cSld>
+    <p:spTree>
+      <p:nvGrpSpPr>
+        <p:cNvPr id="1" name="">
+          <a:extLst>
+            <a:ext uri="{FF2B5EF4-FFF2-40B4-BE49-F238E27FC236}">
+              <a16:creationId xmlns:a16="http://schemas.microsoft.com/office/drawing/2014/main" id="{7484E597-6204-8330-76E1-7A6CD30614F2}"/>
+            </a:ext>
+          </a:extLst>
+        </p:cNvPr>
+        <p:cNvGrpSpPr/>
+        <p:nvPr/>
+      </p:nvGrpSpPr>
+      <p:grpSpPr>
+        <a:xfrm>
+          <a:off x="0" y="0"/>
+          <a:ext cx="0" cy="0"/>
+          <a:chOff x="0" y="0"/>
+          <a:chExt cx="0" cy="0"/>
+        </a:xfrm>
+      </p:grpSpPr>
+      <p:grpSp>
+        <p:nvGrpSpPr>
+          <p:cNvPr id="52" name="グループ化 51">
+            <a:extLst>
+              <a:ext uri="{FF2B5EF4-FFF2-40B4-BE49-F238E27FC236}">
+                <a16:creationId xmlns:a16="http://schemas.microsoft.com/office/drawing/2014/main" id="{8917E15E-1F77-667F-EF50-DC793307C32B}"/>
+              </a:ext>
+            </a:extLst>
+          </p:cNvPr>
+          <p:cNvGrpSpPr/>
+          <p:nvPr/>
+        </p:nvGrpSpPr>
+        <p:grpSpPr>
+          <a:xfrm>
+            <a:off x="5587597" y="1034144"/>
+            <a:ext cx="9248683" cy="5586892"/>
+            <a:chOff x="5587597" y="1034144"/>
+            <a:chExt cx="9248683" cy="5586892"/>
+          </a:xfrm>
+        </p:grpSpPr>
+        <p:grpSp>
+          <p:nvGrpSpPr>
+            <p:cNvPr id="43" name="グループ化 42">
+              <a:extLst>
+                <a:ext uri="{FF2B5EF4-FFF2-40B4-BE49-F238E27FC236}">
+                  <a16:creationId xmlns:a16="http://schemas.microsoft.com/office/drawing/2014/main" id="{EA426917-0072-55C7-034A-9CE6542758FA}"/>
+                </a:ext>
+              </a:extLst>
+            </p:cNvPr>
+            <p:cNvGrpSpPr/>
+            <p:nvPr/>
+          </p:nvGrpSpPr>
+          <p:grpSpPr>
+            <a:xfrm>
+              <a:off x="5587597" y="1034144"/>
+              <a:ext cx="9248683" cy="5586892"/>
+              <a:chOff x="5587597" y="1034144"/>
+              <a:chExt cx="9248683" cy="5586892"/>
+            </a:xfrm>
+          </p:grpSpPr>
+          <p:grpSp>
+            <p:nvGrpSpPr>
+              <p:cNvPr id="33" name="グループ化 32">
+                <a:extLst>
+                  <a:ext uri="{FF2B5EF4-FFF2-40B4-BE49-F238E27FC236}">
+                    <a16:creationId xmlns:a16="http://schemas.microsoft.com/office/drawing/2014/main" id="{7D742D81-5D56-BDC7-D1AA-74D26B95003A}"/>
+                  </a:ext>
+                </a:extLst>
+              </p:cNvPr>
+              <p:cNvGrpSpPr/>
+              <p:nvPr/>
+            </p:nvGrpSpPr>
+            <p:grpSpPr>
+              <a:xfrm>
+                <a:off x="5587597" y="1034144"/>
+                <a:ext cx="9248683" cy="5586892"/>
+                <a:chOff x="5587597" y="1034144"/>
+                <a:chExt cx="9248683" cy="5586892"/>
+              </a:xfrm>
+            </p:grpSpPr>
+            <p:sp>
+              <p:nvSpPr>
+                <p:cNvPr id="30" name="正方形/長方形 29">
+                  <a:extLst>
+                    <a:ext uri="{FF2B5EF4-FFF2-40B4-BE49-F238E27FC236}">
+                      <a16:creationId xmlns:a16="http://schemas.microsoft.com/office/drawing/2014/main" id="{BE0066C3-6BBF-0FF8-1E4E-959A93DDAEAE}"/>
+                    </a:ext>
+                  </a:extLst>
+                </p:cNvPr>
+                <p:cNvSpPr/>
+                <p:nvPr/>
+              </p:nvSpPr>
+              <p:spPr>
+                <a:xfrm>
+                  <a:off x="10122703" y="2634011"/>
+                  <a:ext cx="2928256" cy="695663"/>
+                </a:xfrm>
+                <a:prstGeom prst="rect">
+                  <a:avLst/>
+                </a:prstGeom>
+                <a:pattFill prst="pct20">
+                  <a:fgClr>
+                    <a:schemeClr val="accent2"/>
+                  </a:fgClr>
+                  <a:bgClr>
+                    <a:schemeClr val="bg1"/>
+                  </a:bgClr>
+                </a:pattFill>
+                <a:ln>
+                  <a:noFill/>
+                </a:ln>
+              </p:spPr>
+              <p:style>
+                <a:lnRef idx="2">
+                  <a:schemeClr val="accent1">
+                    <a:shade val="15000"/>
+                  </a:schemeClr>
+                </a:lnRef>
+                <a:fillRef idx="1">
+                  <a:schemeClr val="accent1"/>
+                </a:fillRef>
+                <a:effectRef idx="0">
+                  <a:schemeClr val="accent1"/>
+                </a:effectRef>
+                <a:fontRef idx="minor">
+                  <a:schemeClr val="lt1"/>
+                </a:fontRef>
+              </p:style>
+              <p:txBody>
+                <a:bodyPr rtlCol="0" anchor="ctr"/>
+                <a:lstStyle/>
+                <a:p>
+                  <a:pPr algn="ctr"/>
+                  <a:endParaRPr kumimoji="1" lang="ja-JP" altLang="en-US"/>
+                </a:p>
+              </p:txBody>
+            </p:sp>
+            <p:grpSp>
+              <p:nvGrpSpPr>
+                <p:cNvPr id="51" name="グループ化 50">
+                  <a:extLst>
+                    <a:ext uri="{FF2B5EF4-FFF2-40B4-BE49-F238E27FC236}">
+                      <a16:creationId xmlns:a16="http://schemas.microsoft.com/office/drawing/2014/main" id="{64C02C64-00D0-715D-9FC8-E8F154F9692B}"/>
+                    </a:ext>
+                  </a:extLst>
+                </p:cNvPr>
+                <p:cNvGrpSpPr/>
+                <p:nvPr/>
+              </p:nvGrpSpPr>
+              <p:grpSpPr>
+                <a:xfrm>
+                  <a:off x="5587597" y="1034144"/>
+                  <a:ext cx="9248683" cy="5586892"/>
+                  <a:chOff x="5587597" y="1034144"/>
+                  <a:chExt cx="9248683" cy="5586892"/>
+                </a:xfrm>
+              </p:grpSpPr>
+              <p:grpSp>
+                <p:nvGrpSpPr>
+                  <p:cNvPr id="41" name="グループ化 40">
+                    <a:extLst>
+                      <a:ext uri="{FF2B5EF4-FFF2-40B4-BE49-F238E27FC236}">
+                        <a16:creationId xmlns:a16="http://schemas.microsoft.com/office/drawing/2014/main" id="{9DC7E9D2-9CDC-3FA0-4883-7793188E3FC4}"/>
+                      </a:ext>
+                    </a:extLst>
+                  </p:cNvPr>
+                  <p:cNvGrpSpPr/>
+                  <p:nvPr/>
+                </p:nvGrpSpPr>
+                <p:grpSpPr>
+                  <a:xfrm>
+                    <a:off x="5587597" y="1034144"/>
+                    <a:ext cx="9248683" cy="5586892"/>
+                    <a:chOff x="6525084" y="1447649"/>
+                    <a:chExt cx="9248683" cy="5586892"/>
+                  </a:xfrm>
+                </p:grpSpPr>
+                <p:sp>
+                  <p:nvSpPr>
+                    <p:cNvPr id="35" name="正方形/長方形 34">
+                      <a:extLst>
+                        <a:ext uri="{FF2B5EF4-FFF2-40B4-BE49-F238E27FC236}">
+                          <a16:creationId xmlns:a16="http://schemas.microsoft.com/office/drawing/2014/main" id="{83919770-AF49-67BF-715B-F315C4E9D42F}"/>
+                        </a:ext>
+                      </a:extLst>
+                    </p:cNvPr>
+                    <p:cNvSpPr/>
+                    <p:nvPr/>
+                  </p:nvSpPr>
+                  <p:spPr>
+                    <a:xfrm>
+                      <a:off x="8123423" y="4439810"/>
+                      <a:ext cx="2969119" cy="690734"/>
+                    </a:xfrm>
+                    <a:prstGeom prst="rect">
+                      <a:avLst/>
+                    </a:prstGeom>
+                    <a:solidFill>
+                      <a:srgbClr val="C00000">
+                        <a:alpha val="40000"/>
+                      </a:srgbClr>
+                    </a:solidFill>
+                    <a:ln>
+                      <a:noFill/>
+                    </a:ln>
+                  </p:spPr>
+                  <p:style>
+                    <a:lnRef idx="2">
+                      <a:schemeClr val="accent1">
+                        <a:shade val="15000"/>
+                      </a:schemeClr>
+                    </a:lnRef>
+                    <a:fillRef idx="1">
+                      <a:schemeClr val="accent1"/>
+                    </a:fillRef>
+                    <a:effectRef idx="0">
+                      <a:schemeClr val="accent1"/>
+                    </a:effectRef>
+                    <a:fontRef idx="minor">
+                      <a:schemeClr val="lt1"/>
+                    </a:fontRef>
+                  </p:style>
+                  <p:txBody>
+                    <a:bodyPr rtlCol="0" anchor="ctr"/>
+                    <a:lstStyle/>
+                    <a:p>
+                      <a:pPr algn="ctr"/>
+                      <a:endParaRPr kumimoji="1" lang="ja-JP" altLang="en-US"/>
+                    </a:p>
+                  </p:txBody>
+                </p:sp>
+                <p:sp>
+                  <p:nvSpPr>
+                    <p:cNvPr id="36" name="正方形/長方形 35">
+                      <a:extLst>
+                        <a:ext uri="{FF2B5EF4-FFF2-40B4-BE49-F238E27FC236}">
+                          <a16:creationId xmlns:a16="http://schemas.microsoft.com/office/drawing/2014/main" id="{CD8C753B-CE91-AA17-CF06-E3E49C595DDF}"/>
+                        </a:ext>
+                      </a:extLst>
+                    </p:cNvPr>
+                    <p:cNvSpPr/>
+                    <p:nvPr/>
+                  </p:nvSpPr>
+                  <p:spPr>
+                    <a:xfrm>
+                      <a:off x="11062567" y="3742860"/>
+                      <a:ext cx="2928256" cy="695663"/>
+                    </a:xfrm>
+                    <a:prstGeom prst="rect">
+                      <a:avLst/>
+                    </a:prstGeom>
+                    <a:solidFill>
+                      <a:schemeClr val="accent2">
+                        <a:alpha val="40000"/>
+                      </a:schemeClr>
+                    </a:solidFill>
+                    <a:ln>
+                      <a:noFill/>
+                    </a:ln>
+                  </p:spPr>
+                  <p:style>
+                    <a:lnRef idx="2">
+                      <a:schemeClr val="accent1">
+                        <a:shade val="15000"/>
+                      </a:schemeClr>
+                    </a:lnRef>
+                    <a:fillRef idx="1">
+                      <a:schemeClr val="accent1"/>
+                    </a:fillRef>
+                    <a:effectRef idx="0">
+                      <a:schemeClr val="accent1"/>
+                    </a:effectRef>
+                    <a:fontRef idx="minor">
+                      <a:schemeClr val="lt1"/>
+                    </a:fontRef>
+                  </p:style>
+                  <p:txBody>
+                    <a:bodyPr rtlCol="0" anchor="ctr"/>
+                    <a:lstStyle/>
+                    <a:p>
+                      <a:pPr algn="ctr"/>
+                      <a:endParaRPr kumimoji="1" lang="ja-JP" altLang="en-US"/>
+                    </a:p>
+                  </p:txBody>
+                </p:sp>
+                <p:grpSp>
+                  <p:nvGrpSpPr>
+                    <p:cNvPr id="31" name="グループ化 30">
+                      <a:extLst>
+                        <a:ext uri="{FF2B5EF4-FFF2-40B4-BE49-F238E27FC236}">
+                          <a16:creationId xmlns:a16="http://schemas.microsoft.com/office/drawing/2014/main" id="{CCF63575-933E-E038-1BCC-A4F41F2BDF09}"/>
+                        </a:ext>
+                      </a:extLst>
+                    </p:cNvPr>
+                    <p:cNvGrpSpPr/>
+                    <p:nvPr/>
+                  </p:nvGrpSpPr>
+                  <p:grpSpPr>
+                    <a:xfrm>
+                      <a:off x="6525084" y="1447649"/>
+                      <a:ext cx="9248683" cy="5586892"/>
+                      <a:chOff x="6525084" y="1447649"/>
+                      <a:chExt cx="9248683" cy="5586892"/>
+                    </a:xfrm>
+                  </p:grpSpPr>
+                  <p:grpSp>
+                    <p:nvGrpSpPr>
+                      <p:cNvPr id="22" name="グループ化 21">
+                        <a:extLst>
+                          <a:ext uri="{FF2B5EF4-FFF2-40B4-BE49-F238E27FC236}">
+                            <a16:creationId xmlns:a16="http://schemas.microsoft.com/office/drawing/2014/main" id="{557D87D4-344A-42A2-641B-63D853D313C0}"/>
+                          </a:ext>
+                        </a:extLst>
+                      </p:cNvPr>
+                      <p:cNvGrpSpPr/>
+                      <p:nvPr/>
+                    </p:nvGrpSpPr>
+                    <p:grpSpPr>
+                      <a:xfrm>
+                        <a:off x="6525084" y="1447649"/>
+                        <a:ext cx="9248683" cy="5191740"/>
+                        <a:chOff x="4940260" y="781543"/>
+                        <a:chExt cx="4749565" cy="2666164"/>
+                      </a:xfrm>
+                    </p:grpSpPr>
+                    <p:cxnSp>
+                      <p:nvCxnSpPr>
+                        <p:cNvPr id="4" name="直線矢印コネクタ 3">
+                          <a:extLst>
+                            <a:ext uri="{FF2B5EF4-FFF2-40B4-BE49-F238E27FC236}">
+                              <a16:creationId xmlns:a16="http://schemas.microsoft.com/office/drawing/2014/main" id="{A6AF1B32-57F6-C927-AA00-07D755261CB3}"/>
+                            </a:ext>
+                          </a:extLst>
+                        </p:cNvPr>
+                        <p:cNvCxnSpPr>
+                          <a:cxnSpLocks/>
+                        </p:cNvCxnSpPr>
+                        <p:nvPr/>
+                      </p:nvCxnSpPr>
+                      <p:spPr>
+                        <a:xfrm flipV="1">
+                          <a:off x="5642811" y="781543"/>
+                          <a:ext cx="0" cy="2557220"/>
+                        </a:xfrm>
+                        <a:prstGeom prst="straightConnector1">
+                          <a:avLst/>
+                        </a:prstGeom>
+                        <a:ln w="19050">
+                          <a:solidFill>
+                            <a:schemeClr val="tx1"/>
+                          </a:solidFill>
+                          <a:headEnd type="none" w="med" len="med"/>
+                          <a:tailEnd type="arrow" w="med" len="med"/>
+                        </a:ln>
+                      </p:spPr>
+                      <p:style>
+                        <a:lnRef idx="1">
+                          <a:schemeClr val="accent1"/>
+                        </a:lnRef>
+                        <a:fillRef idx="0">
+                          <a:schemeClr val="accent1"/>
+                        </a:fillRef>
+                        <a:effectRef idx="0">
+                          <a:schemeClr val="accent1"/>
+                        </a:effectRef>
+                        <a:fontRef idx="minor">
+                          <a:schemeClr val="tx1"/>
+                        </a:fontRef>
+                      </p:style>
+                    </p:cxnSp>
+                    <p:cxnSp>
+                      <p:nvCxnSpPr>
+                        <p:cNvPr id="6" name="直線矢印コネクタ 5">
+                          <a:extLst>
+                            <a:ext uri="{FF2B5EF4-FFF2-40B4-BE49-F238E27FC236}">
+                              <a16:creationId xmlns:a16="http://schemas.microsoft.com/office/drawing/2014/main" id="{536EEB01-B66A-E1CD-DFAF-9ACD8AB4F932}"/>
+                            </a:ext>
+                          </a:extLst>
+                        </p:cNvPr>
+                        <p:cNvCxnSpPr>
+                          <a:cxnSpLocks/>
+                        </p:cNvCxnSpPr>
+                        <p:nvPr/>
+                      </p:nvCxnSpPr>
+                      <p:spPr>
+                        <a:xfrm>
+                          <a:off x="5642811" y="3338763"/>
+                          <a:ext cx="3224463" cy="0"/>
+                        </a:xfrm>
+                        <a:prstGeom prst="straightConnector1">
+                          <a:avLst/>
+                        </a:prstGeom>
+                        <a:ln w="19050">
+                          <a:solidFill>
+                            <a:schemeClr val="tx1"/>
+                          </a:solidFill>
+                          <a:headEnd type="none" w="med" len="med"/>
+                          <a:tailEnd type="arrow" w="med" len="med"/>
+                        </a:ln>
+                      </p:spPr>
+                      <p:style>
+                        <a:lnRef idx="1">
+                          <a:schemeClr val="accent1"/>
+                        </a:lnRef>
+                        <a:fillRef idx="0">
+                          <a:schemeClr val="accent1"/>
+                        </a:fillRef>
+                        <a:effectRef idx="0">
+                          <a:schemeClr val="accent1"/>
+                        </a:effectRef>
+                        <a:fontRef idx="minor">
+                          <a:schemeClr val="tx1"/>
+                        </a:fontRef>
+                      </p:style>
+                    </p:cxnSp>
+                    <p:sp>
+                      <p:nvSpPr>
+                        <p:cNvPr id="9" name="テキスト ボックス 8">
+                          <a:extLst>
+                            <a:ext uri="{FF2B5EF4-FFF2-40B4-BE49-F238E27FC236}">
+                              <a16:creationId xmlns:a16="http://schemas.microsoft.com/office/drawing/2014/main" id="{BEBED674-D7AB-6DF9-ED3D-222BBEC9E518}"/>
+                            </a:ext>
+                          </a:extLst>
+                        </p:cNvPr>
+                        <p:cNvSpPr txBox="1"/>
+                        <p:nvPr/>
+                      </p:nvSpPr>
+                      <p:spPr>
+                        <a:xfrm>
+                          <a:off x="4940260" y="1135366"/>
+                          <a:ext cx="310250" cy="1927338"/>
+                        </a:xfrm>
+                        <a:prstGeom prst="rect">
+                          <a:avLst/>
+                        </a:prstGeom>
+                        <a:noFill/>
+                      </p:spPr>
+                      <p:txBody>
+                        <a:bodyPr vert="eaVert" wrap="square" rtlCol="0">
+                          <a:spAutoFit/>
+                        </a:bodyPr>
+                        <a:lstStyle/>
+                        <a:p>
+                          <a:pPr algn="ctr"/>
+                          <a:r>
+                            <a:rPr lang="ja-JP" altLang="en-US" sz="2726" dirty="0"/>
+                            <a:t>賃金・労働の限界収入</a:t>
+                          </a:r>
+                        </a:p>
+                      </p:txBody>
+                    </p:sp>
+                    <p:sp>
+                      <p:nvSpPr>
+                        <p:cNvPr id="10" name="テキスト ボックス 9">
+                          <a:extLst>
+                            <a:ext uri="{FF2B5EF4-FFF2-40B4-BE49-F238E27FC236}">
+                              <a16:creationId xmlns:a16="http://schemas.microsoft.com/office/drawing/2014/main" id="{19F7FA3A-5091-A91B-8E88-E86DF4D28486}"/>
+                            </a:ext>
+                          </a:extLst>
+                        </p:cNvPr>
+                        <p:cNvSpPr txBox="1"/>
+                        <p:nvPr/>
+                      </p:nvSpPr>
+                      <p:spPr>
+                        <a:xfrm>
+                          <a:off x="8867273" y="3184874"/>
+                          <a:ext cx="822552" cy="262833"/>
+                        </a:xfrm>
+                        <a:prstGeom prst="rect">
+                          <a:avLst/>
+                        </a:prstGeom>
+                        <a:noFill/>
+                      </p:spPr>
+                      <p:txBody>
+                        <a:bodyPr wrap="square" rtlCol="0">
+                          <a:spAutoFit/>
+                        </a:bodyPr>
+                        <a:lstStyle/>
+                        <a:p>
+                          <a:pPr algn="ctr"/>
+                          <a:r>
+                            <a:rPr lang="ja-JP" altLang="en-US" sz="2726" dirty="0"/>
+                            <a:t>勤続年数</a:t>
+                          </a:r>
+                        </a:p>
+                      </p:txBody>
+                    </p:sp>
+                  </p:grpSp>
+                  <p:cxnSp>
+                    <p:nvCxnSpPr>
+                      <p:cNvPr id="15" name="直線コネクタ 14">
+                        <a:extLst>
+                          <a:ext uri="{FF2B5EF4-FFF2-40B4-BE49-F238E27FC236}">
+                            <a16:creationId xmlns:a16="http://schemas.microsoft.com/office/drawing/2014/main" id="{5C08B55B-4D7D-439D-AE74-0475BC973373}"/>
+                          </a:ext>
+                        </a:extLst>
+                      </p:cNvPr>
+                      <p:cNvCxnSpPr>
+                        <a:cxnSpLocks/>
+                      </p:cNvCxnSpPr>
+                      <p:nvPr/>
+                    </p:nvCxnSpPr>
+                    <p:spPr>
+                      <a:xfrm>
+                        <a:off x="8123423" y="5130545"/>
+                        <a:ext cx="2969120" cy="3"/>
+                      </a:xfrm>
+                      <a:prstGeom prst="line">
+                        <a:avLst/>
+                      </a:prstGeom>
+                      <a:ln w="28575">
+                        <a:solidFill>
+                          <a:schemeClr val="tx1"/>
+                        </a:solidFill>
+                      </a:ln>
+                    </p:spPr>
+                    <p:style>
+                      <a:lnRef idx="1">
+                        <a:schemeClr val="accent1"/>
+                      </a:lnRef>
+                      <a:fillRef idx="0">
+                        <a:schemeClr val="accent1"/>
+                      </a:fillRef>
+                      <a:effectRef idx="0">
+                        <a:schemeClr val="accent1"/>
+                      </a:effectRef>
+                      <a:fontRef idx="minor">
+                        <a:schemeClr val="tx1"/>
+                      </a:fontRef>
+                    </p:style>
+                  </p:cxnSp>
+                  <p:sp>
+                    <p:nvSpPr>
+                      <p:cNvPr id="19" name="テキスト ボックス 18">
+                        <a:extLst>
+                          <a:ext uri="{FF2B5EF4-FFF2-40B4-BE49-F238E27FC236}">
+                            <a16:creationId xmlns:a16="http://schemas.microsoft.com/office/drawing/2014/main" id="{E1205809-F4B0-2D57-6297-CF59EC8F8801}"/>
+                          </a:ext>
+                        </a:extLst>
+                      </p:cNvPr>
+                      <p:cNvSpPr txBox="1"/>
+                      <p:nvPr/>
+                    </p:nvSpPr>
+                    <p:spPr>
+                      <a:xfrm>
+                        <a:off x="8588458" y="6522734"/>
+                        <a:ext cx="2417368" cy="511807"/>
+                      </a:xfrm>
+                      <a:prstGeom prst="rect">
+                        <a:avLst/>
+                      </a:prstGeom>
+                      <a:noFill/>
+                    </p:spPr>
+                    <p:txBody>
+                      <a:bodyPr wrap="square" rtlCol="0">
+                        <a:spAutoFit/>
+                      </a:bodyPr>
+                      <a:lstStyle/>
+                      <a:p>
+                        <a:pPr algn="ctr"/>
+                        <a:r>
+                          <a:rPr lang="ja-JP" altLang="en-US" sz="2726" dirty="0"/>
+                          <a:t>訓練期間</a:t>
+                        </a:r>
+                      </a:p>
+                    </p:txBody>
+                  </p:sp>
+                  <p:sp>
+                    <p:nvSpPr>
+                      <p:cNvPr id="20" name="テキスト ボックス 19">
+                        <a:extLst>
+                          <a:ext uri="{FF2B5EF4-FFF2-40B4-BE49-F238E27FC236}">
+                            <a16:creationId xmlns:a16="http://schemas.microsoft.com/office/drawing/2014/main" id="{ACF687C9-66AF-B60B-7F7C-E546971AB803}"/>
+                          </a:ext>
+                        </a:extLst>
+                      </p:cNvPr>
+                      <p:cNvSpPr txBox="1"/>
+                      <p:nvPr/>
+                    </p:nvSpPr>
+                    <p:spPr>
+                      <a:xfrm>
+                        <a:off x="11318011" y="6522734"/>
+                        <a:ext cx="2417368" cy="511807"/>
+                      </a:xfrm>
+                      <a:prstGeom prst="rect">
+                        <a:avLst/>
+                      </a:prstGeom>
+                      <a:noFill/>
+                    </p:spPr>
+                    <p:txBody>
+                      <a:bodyPr wrap="square" rtlCol="0">
+                        <a:spAutoFit/>
+                      </a:bodyPr>
+                      <a:lstStyle/>
+                      <a:p>
+                        <a:pPr algn="ctr"/>
+                        <a:r>
+                          <a:rPr lang="ja-JP" altLang="en-US" sz="2726" dirty="0"/>
+                          <a:t>訓練後の期間</a:t>
+                        </a:r>
+                      </a:p>
+                    </p:txBody>
+                  </p:sp>
+                  <mc:AlternateContent xmlns:mc="http://schemas.openxmlformats.org/markup-compatibility/2006" xmlns:a14="http://schemas.microsoft.com/office/drawing/2010/main">
+                    <mc:Choice Requires="a14">
+                      <p:sp>
+                        <p:nvSpPr>
+                          <p:cNvPr id="21" name="テキスト ボックス 20">
+                            <a:extLst>
+                              <a:ext uri="{FF2B5EF4-FFF2-40B4-BE49-F238E27FC236}">
+                                <a16:creationId xmlns:a16="http://schemas.microsoft.com/office/drawing/2014/main" id="{DEDED957-B687-BD20-CBC6-4DED3F5C9896}"/>
+                              </a:ext>
+                            </a:extLst>
+                          </p:cNvPr>
+                          <p:cNvSpPr txBox="1"/>
+                          <p:nvPr/>
+                        </p:nvSpPr>
+                        <p:spPr>
+                          <a:xfrm>
+                            <a:off x="7244365" y="4177478"/>
+                            <a:ext cx="763918" cy="511807"/>
+                          </a:xfrm>
+                          <a:prstGeom prst="rect">
+                            <a:avLst/>
+                          </a:prstGeom>
+                          <a:noFill/>
+                        </p:spPr>
+                        <p:txBody>
+                          <a:bodyPr wrap="square" rtlCol="0">
+                            <a:spAutoFit/>
+                          </a:bodyPr>
+                          <a:lstStyle/>
+                          <a:p>
+                            <a:pPr algn="ctr"/>
+                            <a14:m>
+                              <m:oMathPara xmlns:m="http://schemas.openxmlformats.org/officeDocument/2006/math">
+                                <m:oMathParaPr>
+                                  <m:jc m:val="centerGroup"/>
+                                </m:oMathParaPr>
+                                <m:oMath xmlns:m="http://schemas.openxmlformats.org/officeDocument/2006/math">
+                                  <m:sSub>
+                                    <m:sSubPr>
+                                      <m:ctrlPr>
+                                        <a:rPr lang="en-US" altLang="ja-JP" sz="2726" b="0" i="1" dirty="0" smtClean="0">
+                                          <a:latin typeface="Cambria Math" panose="02040503050406030204" pitchFamily="18" charset="0"/>
+                                        </a:rPr>
+                                      </m:ctrlPr>
+                                    </m:sSubPr>
+                                    <m:e>
+                                      <m:r>
+                                        <a:rPr lang="en-US" altLang="ja-JP" sz="2726" i="1" dirty="0" smtClean="0">
+                                          <a:latin typeface="Cambria Math" panose="02040503050406030204" pitchFamily="18" charset="0"/>
+                                        </a:rPr>
+                                        <m:t>𝑤</m:t>
+                                      </m:r>
+                                    </m:e>
+                                    <m:sub>
+                                      <m:r>
+                                        <a:rPr lang="en-US" altLang="ja-JP" sz="2726" b="0" i="1" dirty="0" smtClean="0">
+                                          <a:latin typeface="Cambria Math" panose="02040503050406030204" pitchFamily="18" charset="0"/>
+                                        </a:rPr>
+                                        <m:t>0</m:t>
+                                      </m:r>
+                                    </m:sub>
+                                  </m:sSub>
+                                </m:oMath>
+                              </m:oMathPara>
+                            </a14:m>
+                            <a:endParaRPr lang="ja-JP" altLang="en-US" sz="2726" dirty="0"/>
+                          </a:p>
+                        </p:txBody>
+                      </p:sp>
+                    </mc:Choice>
+                    <mc:Fallback xmlns="">
+                      <p:sp>
+                        <p:nvSpPr>
+                          <p:cNvPr id="21" name="テキスト ボックス 20">
+                            <a:extLst>
+                              <a:ext uri="{FF2B5EF4-FFF2-40B4-BE49-F238E27FC236}">
+                                <a16:creationId xmlns:a16="http://schemas.microsoft.com/office/drawing/2014/main" id="{494380FA-9541-B288-5D29-22DED1A97CC0}"/>
+                              </a:ext>
+                            </a:extLst>
+                          </p:cNvPr>
+                          <p:cNvSpPr txBox="1">
+                            <a:spLocks noRot="1" noChangeAspect="1" noMove="1" noResize="1" noEditPoints="1" noAdjustHandles="1" noChangeArrowheads="1" noChangeShapeType="1" noTextEdit="1"/>
+                          </p:cNvSpPr>
+                          <p:nvPr/>
+                        </p:nvSpPr>
+                        <p:spPr>
+                          <a:xfrm>
+                            <a:off x="7244365" y="4177478"/>
+                            <a:ext cx="763918" cy="511807"/>
+                          </a:xfrm>
+                          <a:prstGeom prst="rect">
+                            <a:avLst/>
+                          </a:prstGeom>
+                          <a:blipFill>
+                            <a:blip r:embed="rId2"/>
+                            <a:stretch>
+                              <a:fillRect/>
+                            </a:stretch>
+                          </a:blipFill>
+                        </p:spPr>
+                        <p:txBody>
+                          <a:bodyPr/>
+                          <a:lstStyle/>
+                          <a:p>
+                            <a:r>
+                              <a:rPr lang="ja-JP" altLang="en-US">
+                                <a:noFill/>
+                              </a:rPr>
+                              <a:t> </a:t>
+                            </a:r>
+                          </a:p>
+                        </p:txBody>
+                      </p:sp>
+                    </mc:Fallback>
+                  </mc:AlternateContent>
+                </p:grpSp>
+                <p:cxnSp>
+                  <p:nvCxnSpPr>
+                    <p:cNvPr id="5" name="直線コネクタ 4">
+                      <a:extLst>
+                        <a:ext uri="{FF2B5EF4-FFF2-40B4-BE49-F238E27FC236}">
+                          <a16:creationId xmlns:a16="http://schemas.microsoft.com/office/drawing/2014/main" id="{44DEC88D-0BF2-0884-E8A5-3F8B19C0B80A}"/>
+                        </a:ext>
+                      </a:extLst>
+                    </p:cNvPr>
+                    <p:cNvCxnSpPr>
+                      <a:cxnSpLocks/>
+                    </p:cNvCxnSpPr>
+                    <p:nvPr/>
+                  </p:nvCxnSpPr>
+                  <p:spPr>
+                    <a:xfrm>
+                      <a:off x="11069389" y="3742860"/>
+                      <a:ext cx="23152" cy="1385329"/>
+                    </a:xfrm>
+                    <a:prstGeom prst="line">
+                      <a:avLst/>
+                    </a:prstGeom>
+                    <a:ln w="28575">
+                      <a:solidFill>
+                        <a:schemeClr val="tx1"/>
+                      </a:solidFill>
+                    </a:ln>
+                  </p:spPr>
+                  <p:style>
+                    <a:lnRef idx="1">
+                      <a:schemeClr val="accent1"/>
+                    </a:lnRef>
+                    <a:fillRef idx="0">
+                      <a:schemeClr val="accent1"/>
+                    </a:fillRef>
+                    <a:effectRef idx="0">
+                      <a:schemeClr val="accent1"/>
+                    </a:effectRef>
+                    <a:fontRef idx="minor">
+                      <a:schemeClr val="tx1"/>
+                    </a:fontRef>
+                  </p:style>
+                </p:cxnSp>
+                <p:cxnSp>
+                  <p:nvCxnSpPr>
+                    <p:cNvPr id="16" name="直線コネクタ 15">
+                      <a:extLst>
+                        <a:ext uri="{FF2B5EF4-FFF2-40B4-BE49-F238E27FC236}">
+                          <a16:creationId xmlns:a16="http://schemas.microsoft.com/office/drawing/2014/main" id="{845900E0-4F80-25B1-BF91-494B64CBE808}"/>
+                        </a:ext>
+                      </a:extLst>
+                    </p:cNvPr>
+                    <p:cNvCxnSpPr>
+                      <a:cxnSpLocks/>
+                    </p:cNvCxnSpPr>
+                    <p:nvPr/>
+                  </p:nvCxnSpPr>
+                  <p:spPr>
+                    <a:xfrm flipV="1">
+                      <a:off x="11069389" y="3740505"/>
+                      <a:ext cx="2919057" cy="4711"/>
+                    </a:xfrm>
+                    <a:prstGeom prst="line">
+                      <a:avLst/>
+                    </a:prstGeom>
+                    <a:ln w="28575">
+                      <a:solidFill>
+                        <a:schemeClr val="tx1"/>
+                      </a:solidFill>
+                    </a:ln>
+                  </p:spPr>
+                  <p:style>
+                    <a:lnRef idx="1">
+                      <a:schemeClr val="accent1"/>
+                    </a:lnRef>
+                    <a:fillRef idx="0">
+                      <a:schemeClr val="accent1"/>
+                    </a:fillRef>
+                    <a:effectRef idx="0">
+                      <a:schemeClr val="accent1"/>
+                    </a:effectRef>
+                    <a:fontRef idx="minor">
+                      <a:schemeClr val="tx1"/>
+                    </a:fontRef>
+                  </p:style>
+                </p:cxnSp>
+                <p:cxnSp>
+                  <p:nvCxnSpPr>
+                    <p:cNvPr id="27" name="直線コネクタ 26">
+                      <a:extLst>
+                        <a:ext uri="{FF2B5EF4-FFF2-40B4-BE49-F238E27FC236}">
+                          <a16:creationId xmlns:a16="http://schemas.microsoft.com/office/drawing/2014/main" id="{5E781D8F-A096-397E-0D00-8E91DB9CC592}"/>
+                        </a:ext>
+                      </a:extLst>
+                    </p:cNvPr>
+                    <p:cNvCxnSpPr>
+                      <a:cxnSpLocks/>
+                    </p:cNvCxnSpPr>
+                    <p:nvPr/>
+                  </p:nvCxnSpPr>
+                  <p:spPr>
+                    <a:xfrm>
+                      <a:off x="7893141" y="4438523"/>
+                      <a:ext cx="6138545" cy="1286"/>
+                    </a:xfrm>
+                    <a:prstGeom prst="line">
+                      <a:avLst/>
+                    </a:prstGeom>
+                    <a:ln w="19050">
+                      <a:solidFill>
+                        <a:schemeClr val="tx1"/>
+                      </a:solidFill>
+                      <a:prstDash val="dash"/>
+                    </a:ln>
+                  </p:spPr>
+                  <p:style>
+                    <a:lnRef idx="1">
+                      <a:schemeClr val="accent1"/>
+                    </a:lnRef>
+                    <a:fillRef idx="0">
+                      <a:schemeClr val="accent1"/>
+                    </a:fillRef>
+                    <a:effectRef idx="0">
+                      <a:schemeClr val="accent1"/>
+                    </a:effectRef>
+                    <a:fontRef idx="minor">
+                      <a:schemeClr val="tx1"/>
+                    </a:fontRef>
+                  </p:style>
+                </p:cxnSp>
+              </p:grpSp>
+              <mc:AlternateContent xmlns:mc="http://schemas.openxmlformats.org/markup-compatibility/2006" xmlns:a14="http://schemas.microsoft.com/office/drawing/2010/main">
+                <mc:Choice Requires="a14">
+                  <p:sp>
+                    <p:nvSpPr>
+                      <p:cNvPr id="44" name="テキスト ボックス 43">
+                        <a:extLst>
+                          <a:ext uri="{FF2B5EF4-FFF2-40B4-BE49-F238E27FC236}">
+                            <a16:creationId xmlns:a16="http://schemas.microsoft.com/office/drawing/2014/main" id="{008C5309-0DEA-F280-7330-3FEEAB890B0A}"/>
+                          </a:ext>
+                        </a:extLst>
+                      </p:cNvPr>
+                      <p:cNvSpPr txBox="1"/>
+                      <p:nvPr/>
+                    </p:nvSpPr>
+                    <p:spPr>
+                      <a:xfrm>
+                        <a:off x="6306878" y="2382499"/>
+                        <a:ext cx="763918" cy="511807"/>
+                      </a:xfrm>
+                      <a:prstGeom prst="rect">
+                        <a:avLst/>
+                      </a:prstGeom>
+                      <a:noFill/>
+                    </p:spPr>
+                    <p:txBody>
+                      <a:bodyPr wrap="square" rtlCol="0">
+                        <a:spAutoFit/>
+                      </a:bodyPr>
+                      <a:lstStyle/>
+                      <a:p>
+                        <a:pPr algn="ctr"/>
+                        <a14:m>
+                          <m:oMathPara xmlns:m="http://schemas.openxmlformats.org/officeDocument/2006/math">
+                            <m:oMathParaPr>
+                              <m:jc m:val="centerGroup"/>
+                            </m:oMathParaPr>
+                            <m:oMath xmlns:m="http://schemas.openxmlformats.org/officeDocument/2006/math">
+                              <m:sSub>
+                                <m:sSubPr>
+                                  <m:ctrlPr>
+                                    <a:rPr lang="en-US" altLang="ja-JP" sz="2726" b="0" i="1" dirty="0" smtClean="0">
+                                      <a:latin typeface="Cambria Math" panose="02040503050406030204" pitchFamily="18" charset="0"/>
+                                    </a:rPr>
+                                  </m:ctrlPr>
+                                </m:sSubPr>
+                                <m:e>
+                                  <m:r>
+                                    <a:rPr lang="en-US" altLang="ja-JP" sz="2726" i="1" dirty="0" smtClean="0">
+                                      <a:latin typeface="Cambria Math" panose="02040503050406030204" pitchFamily="18" charset="0"/>
+                                    </a:rPr>
+                                    <m:t>𝑤</m:t>
+                                  </m:r>
+                                </m:e>
+                                <m:sub>
+                                  <m:r>
+                                    <a:rPr lang="en-US" altLang="ja-JP" sz="2726" b="0" i="1" dirty="0" smtClean="0">
+                                      <a:latin typeface="Cambria Math" panose="02040503050406030204" pitchFamily="18" charset="0"/>
+                                    </a:rPr>
+                                    <m:t>2</m:t>
+                                  </m:r>
+                                </m:sub>
+                              </m:sSub>
+                            </m:oMath>
+                          </m:oMathPara>
+                        </a14:m>
+                        <a:endParaRPr lang="ja-JP" altLang="en-US" sz="2726" dirty="0"/>
+                      </a:p>
+                    </p:txBody>
+                  </p:sp>
+                </mc:Choice>
+                <mc:Fallback xmlns="">
+                  <p:sp>
+                    <p:nvSpPr>
+                      <p:cNvPr id="44" name="テキスト ボックス 43">
+                        <a:extLst>
+                          <a:ext uri="{FF2B5EF4-FFF2-40B4-BE49-F238E27FC236}">
+                            <a16:creationId xmlns:a16="http://schemas.microsoft.com/office/drawing/2014/main" id="{CF168F8C-164E-B5A8-38F3-88B2DDB5B7F7}"/>
+                          </a:ext>
+                        </a:extLst>
+                      </p:cNvPr>
+                      <p:cNvSpPr txBox="1">
+                        <a:spLocks noRot="1" noChangeAspect="1" noMove="1" noResize="1" noEditPoints="1" noAdjustHandles="1" noChangeArrowheads="1" noChangeShapeType="1" noTextEdit="1"/>
+                      </p:cNvSpPr>
+                      <p:nvPr/>
+                    </p:nvSpPr>
+                    <p:spPr>
+                      <a:xfrm>
+                        <a:off x="6306878" y="2382499"/>
+                        <a:ext cx="763918" cy="511807"/>
+                      </a:xfrm>
+                      <a:prstGeom prst="rect">
+                        <a:avLst/>
+                      </a:prstGeom>
+                      <a:blipFill>
+                        <a:blip r:embed="rId3"/>
+                        <a:stretch>
+                          <a:fillRect/>
+                        </a:stretch>
+                      </a:blipFill>
+                    </p:spPr>
+                    <p:txBody>
+                      <a:bodyPr/>
+                      <a:lstStyle/>
+                      <a:p>
+                        <a:r>
+                          <a:rPr lang="ja-JP" altLang="en-US">
+                            <a:noFill/>
+                          </a:rPr>
+                          <a:t> </a:t>
+                        </a:r>
+                      </a:p>
+                    </p:txBody>
+                  </p:sp>
+                </mc:Fallback>
+              </mc:AlternateContent>
+              <mc:AlternateContent xmlns:mc="http://schemas.openxmlformats.org/markup-compatibility/2006" xmlns:a14="http://schemas.microsoft.com/office/drawing/2010/main">
+                <mc:Choice Requires="a14">
+                  <p:sp>
+                    <p:nvSpPr>
+                      <p:cNvPr id="45" name="テキスト ボックス 44">
+                        <a:extLst>
+                          <a:ext uri="{FF2B5EF4-FFF2-40B4-BE49-F238E27FC236}">
+                            <a16:creationId xmlns:a16="http://schemas.microsoft.com/office/drawing/2014/main" id="{92948A5E-E356-71F9-56AA-B85CDF4B689F}"/>
+                          </a:ext>
+                        </a:extLst>
+                      </p:cNvPr>
+                      <p:cNvSpPr txBox="1"/>
+                      <p:nvPr/>
+                    </p:nvSpPr>
+                    <p:spPr>
+                      <a:xfrm>
+                        <a:off x="6306878" y="5151875"/>
+                        <a:ext cx="763918" cy="511807"/>
+                      </a:xfrm>
+                      <a:prstGeom prst="rect">
+                        <a:avLst/>
+                      </a:prstGeom>
+                      <a:noFill/>
+                    </p:spPr>
+                    <p:txBody>
+                      <a:bodyPr wrap="square" rtlCol="0">
+                        <a:spAutoFit/>
+                      </a:bodyPr>
+                      <a:lstStyle/>
+                      <a:p>
+                        <a:pPr algn="ctr"/>
+                        <a14:m>
+                          <m:oMathPara xmlns:m="http://schemas.openxmlformats.org/officeDocument/2006/math">
+                            <m:oMathParaPr>
+                              <m:jc m:val="centerGroup"/>
+                            </m:oMathParaPr>
+                            <m:oMath xmlns:m="http://schemas.openxmlformats.org/officeDocument/2006/math">
+                              <m:sSub>
+                                <m:sSubPr>
+                                  <m:ctrlPr>
+                                    <a:rPr lang="en-US" altLang="ja-JP" sz="2726" b="0" i="1" dirty="0" smtClean="0">
+                                      <a:latin typeface="Cambria Math" panose="02040503050406030204" pitchFamily="18" charset="0"/>
+                                    </a:rPr>
+                                  </m:ctrlPr>
+                                </m:sSubPr>
+                                <m:e>
+                                  <m:r>
+                                    <a:rPr lang="en-US" altLang="ja-JP" sz="2726" i="1" dirty="0" smtClean="0">
+                                      <a:latin typeface="Cambria Math" panose="02040503050406030204" pitchFamily="18" charset="0"/>
+                                    </a:rPr>
+                                    <m:t>𝑤</m:t>
+                                  </m:r>
+                                </m:e>
+                                <m:sub>
+                                  <m:r>
+                                    <a:rPr lang="en-US" altLang="ja-JP" sz="2726" b="0" i="1" dirty="0" smtClean="0">
+                                      <a:latin typeface="Cambria Math" panose="02040503050406030204" pitchFamily="18" charset="0"/>
+                                    </a:rPr>
+                                    <m:t>1</m:t>
+                                  </m:r>
+                                </m:sub>
+                              </m:sSub>
+                            </m:oMath>
+                          </m:oMathPara>
+                        </a14:m>
+                        <a:endParaRPr lang="ja-JP" altLang="en-US" sz="2726" dirty="0"/>
+                      </a:p>
+                    </p:txBody>
+                  </p:sp>
+                </mc:Choice>
+                <mc:Fallback xmlns="">
+                  <p:sp>
+                    <p:nvSpPr>
+                      <p:cNvPr id="45" name="テキスト ボックス 44">
+                        <a:extLst>
+                          <a:ext uri="{FF2B5EF4-FFF2-40B4-BE49-F238E27FC236}">
+                            <a16:creationId xmlns:a16="http://schemas.microsoft.com/office/drawing/2014/main" id="{CCFAF561-1E53-6A10-F31D-7508E6E8A47C}"/>
+                          </a:ext>
+                        </a:extLst>
+                      </p:cNvPr>
+                      <p:cNvSpPr txBox="1">
+                        <a:spLocks noRot="1" noChangeAspect="1" noMove="1" noResize="1" noEditPoints="1" noAdjustHandles="1" noChangeArrowheads="1" noChangeShapeType="1" noTextEdit="1"/>
+                      </p:cNvSpPr>
+                      <p:nvPr/>
+                    </p:nvSpPr>
+                    <p:spPr>
+                      <a:xfrm>
+                        <a:off x="6306878" y="5151875"/>
+                        <a:ext cx="763918" cy="511807"/>
+                      </a:xfrm>
+                      <a:prstGeom prst="rect">
+                        <a:avLst/>
+                      </a:prstGeom>
+                      <a:blipFill>
+                        <a:blip r:embed="rId4"/>
+                        <a:stretch>
+                          <a:fillRect/>
+                        </a:stretch>
+                      </a:blipFill>
+                    </p:spPr>
+                    <p:txBody>
+                      <a:bodyPr/>
+                      <a:lstStyle/>
+                      <a:p>
+                        <a:r>
+                          <a:rPr lang="ja-JP" altLang="en-US">
+                            <a:noFill/>
+                          </a:rPr>
+                          <a:t> </a:t>
+                        </a:r>
+                      </a:p>
+                    </p:txBody>
+                  </p:sp>
+                </mc:Fallback>
+              </mc:AlternateContent>
+              <p:cxnSp>
+                <p:nvCxnSpPr>
+                  <p:cNvPr id="46" name="直線コネクタ 45">
+                    <a:extLst>
+                      <a:ext uri="{FF2B5EF4-FFF2-40B4-BE49-F238E27FC236}">
+                        <a16:creationId xmlns:a16="http://schemas.microsoft.com/office/drawing/2014/main" id="{A10D8027-70F4-3F37-B258-BAECCE440ABE}"/>
+                      </a:ext>
+                    </a:extLst>
+                  </p:cNvPr>
+                  <p:cNvCxnSpPr>
+                    <a:cxnSpLocks/>
+                  </p:cNvCxnSpPr>
+                  <p:nvPr/>
+                </p:nvCxnSpPr>
+                <p:spPr>
+                  <a:xfrm>
+                    <a:off x="6955654" y="5405206"/>
+                    <a:ext cx="3206222" cy="1286"/>
+                  </a:xfrm>
+                  <a:prstGeom prst="line">
+                    <a:avLst/>
+                  </a:prstGeom>
+                  <a:ln w="19050">
+                    <a:solidFill>
+                      <a:schemeClr val="tx1"/>
+                    </a:solidFill>
+                    <a:prstDash val="dash"/>
+                  </a:ln>
+                </p:spPr>
+                <p:style>
+                  <a:lnRef idx="1">
+                    <a:schemeClr val="accent1"/>
+                  </a:lnRef>
+                  <a:fillRef idx="0">
+                    <a:schemeClr val="accent1"/>
+                  </a:fillRef>
+                  <a:effectRef idx="0">
+                    <a:schemeClr val="accent1"/>
+                  </a:effectRef>
+                  <a:fontRef idx="minor">
+                    <a:schemeClr val="tx1"/>
+                  </a:fontRef>
+                </p:style>
+              </p:cxnSp>
+              <p:cxnSp>
+                <p:nvCxnSpPr>
+                  <p:cNvPr id="47" name="直線コネクタ 46">
+                    <a:extLst>
+                      <a:ext uri="{FF2B5EF4-FFF2-40B4-BE49-F238E27FC236}">
+                        <a16:creationId xmlns:a16="http://schemas.microsoft.com/office/drawing/2014/main" id="{2DC8C594-BB81-DD07-0FA6-9C55760172F6}"/>
+                      </a:ext>
+                    </a:extLst>
+                  </p:cNvPr>
+                  <p:cNvCxnSpPr>
+                    <a:cxnSpLocks/>
+                  </p:cNvCxnSpPr>
+                  <p:nvPr/>
+                </p:nvCxnSpPr>
+                <p:spPr>
+                  <a:xfrm flipV="1">
+                    <a:off x="6955654" y="2636049"/>
+                    <a:ext cx="6097682" cy="5997"/>
+                  </a:xfrm>
+                  <a:prstGeom prst="line">
+                    <a:avLst/>
+                  </a:prstGeom>
+                  <a:ln w="19050">
+                    <a:solidFill>
+                      <a:schemeClr val="tx1"/>
+                    </a:solidFill>
+                    <a:prstDash val="dash"/>
+                  </a:ln>
+                </p:spPr>
+                <p:style>
+                  <a:lnRef idx="1">
+                    <a:schemeClr val="accent1"/>
+                  </a:lnRef>
+                  <a:fillRef idx="0">
+                    <a:schemeClr val="accent1"/>
+                  </a:fillRef>
+                  <a:effectRef idx="0">
+                    <a:schemeClr val="accent1"/>
+                  </a:effectRef>
+                  <a:fontRef idx="minor">
+                    <a:schemeClr val="tx1"/>
+                  </a:fontRef>
+                </p:style>
+              </p:cxnSp>
+            </p:grpSp>
+            <p:cxnSp>
+              <p:nvCxnSpPr>
+                <p:cNvPr id="18" name="直線コネクタ 17">
+                  <a:extLst>
+                    <a:ext uri="{FF2B5EF4-FFF2-40B4-BE49-F238E27FC236}">
+                      <a16:creationId xmlns:a16="http://schemas.microsoft.com/office/drawing/2014/main" id="{27E6828C-46C5-86F3-B959-E3850C1C7132}"/>
+                    </a:ext>
+                  </a:extLst>
+                </p:cNvPr>
+                <p:cNvCxnSpPr>
+                  <a:cxnSpLocks/>
+                </p:cNvCxnSpPr>
+                <p:nvPr/>
+              </p:nvCxnSpPr>
+              <p:spPr>
+                <a:xfrm flipH="1" flipV="1">
+                  <a:off x="10122703" y="2640975"/>
+                  <a:ext cx="9199" cy="686025"/>
+                </a:xfrm>
+                <a:prstGeom prst="line">
+                  <a:avLst/>
+                </a:prstGeom>
+                <a:ln w="19050">
+                  <a:solidFill>
+                    <a:schemeClr val="tx1"/>
+                  </a:solidFill>
+                  <a:prstDash val="dash"/>
+                </a:ln>
+              </p:spPr>
+              <p:style>
+                <a:lnRef idx="1">
+                  <a:schemeClr val="accent1"/>
+                </a:lnRef>
+                <a:fillRef idx="0">
+                  <a:schemeClr val="accent1"/>
+                </a:fillRef>
+                <a:effectRef idx="0">
+                  <a:schemeClr val="accent1"/>
+                </a:effectRef>
+                <a:fontRef idx="minor">
+                  <a:schemeClr val="tx1"/>
+                </a:fontRef>
+              </p:style>
+            </p:cxnSp>
+            <p:cxnSp>
+              <p:nvCxnSpPr>
+                <p:cNvPr id="26" name="直線コネクタ 25">
+                  <a:extLst>
+                    <a:ext uri="{FF2B5EF4-FFF2-40B4-BE49-F238E27FC236}">
+                      <a16:creationId xmlns:a16="http://schemas.microsoft.com/office/drawing/2014/main" id="{371B09FF-1272-CB04-3518-381F78CA1E8D}"/>
+                    </a:ext>
+                  </a:extLst>
+                </p:cNvPr>
+                <p:cNvCxnSpPr>
+                  <a:cxnSpLocks/>
+                </p:cNvCxnSpPr>
+                <p:nvPr/>
+              </p:nvCxnSpPr>
+              <p:spPr>
+                <a:xfrm flipH="1" flipV="1">
+                  <a:off x="10152677" y="4723251"/>
+                  <a:ext cx="9199" cy="686025"/>
+                </a:xfrm>
+                <a:prstGeom prst="line">
+                  <a:avLst/>
+                </a:prstGeom>
+                <a:ln w="19050">
+                  <a:solidFill>
+                    <a:schemeClr val="tx1"/>
+                  </a:solidFill>
+                  <a:prstDash val="dash"/>
+                </a:ln>
+              </p:spPr>
+              <p:style>
+                <a:lnRef idx="1">
+                  <a:schemeClr val="accent1"/>
+                </a:lnRef>
+                <a:fillRef idx="0">
+                  <a:schemeClr val="accent1"/>
+                </a:fillRef>
+                <a:effectRef idx="0">
+                  <a:schemeClr val="accent1"/>
+                </a:effectRef>
+                <a:fontRef idx="minor">
+                  <a:schemeClr val="tx1"/>
+                </a:fontRef>
+              </p:style>
+            </p:cxnSp>
+            <p:sp>
+              <p:nvSpPr>
+                <p:cNvPr id="29" name="正方形/長方形 28">
+                  <a:extLst>
+                    <a:ext uri="{FF2B5EF4-FFF2-40B4-BE49-F238E27FC236}">
+                      <a16:creationId xmlns:a16="http://schemas.microsoft.com/office/drawing/2014/main" id="{2EF7EED6-5E9B-0425-3488-48CDA84E085C}"/>
+                    </a:ext>
+                  </a:extLst>
+                </p:cNvPr>
+                <p:cNvSpPr/>
+                <p:nvPr/>
+              </p:nvSpPr>
+              <p:spPr>
+                <a:xfrm>
+                  <a:off x="7192757" y="4705902"/>
+                  <a:ext cx="2969119" cy="690734"/>
+                </a:xfrm>
+                <a:prstGeom prst="rect">
+                  <a:avLst/>
+                </a:prstGeom>
+                <a:pattFill prst="pct20">
+                  <a:fgClr>
+                    <a:srgbClr val="C00000"/>
+                  </a:fgClr>
+                  <a:bgClr>
+                    <a:schemeClr val="bg1"/>
+                  </a:bgClr>
+                </a:pattFill>
+                <a:ln>
+                  <a:noFill/>
+                </a:ln>
+              </p:spPr>
+              <p:style>
+                <a:lnRef idx="2">
+                  <a:schemeClr val="accent1">
+                    <a:shade val="15000"/>
+                  </a:schemeClr>
+                </a:lnRef>
+                <a:fillRef idx="1">
+                  <a:schemeClr val="accent1"/>
+                </a:fillRef>
+                <a:effectRef idx="0">
+                  <a:schemeClr val="accent1"/>
+                </a:effectRef>
+                <a:fontRef idx="minor">
+                  <a:schemeClr val="lt1"/>
+                </a:fontRef>
+              </p:style>
+              <p:txBody>
+                <a:bodyPr rtlCol="0" anchor="ctr"/>
+                <a:lstStyle/>
+                <a:p>
+                  <a:pPr algn="ctr"/>
+                  <a:endParaRPr kumimoji="1" lang="ja-JP" altLang="en-US"/>
+                </a:p>
+              </p:txBody>
+            </p:sp>
+          </p:grpSp>
+          <p:cxnSp>
+            <p:nvCxnSpPr>
+              <p:cNvPr id="34" name="直線コネクタ 33">
+                <a:extLst>
+                  <a:ext uri="{FF2B5EF4-FFF2-40B4-BE49-F238E27FC236}">
+                    <a16:creationId xmlns:a16="http://schemas.microsoft.com/office/drawing/2014/main" id="{2BDD70D2-3745-E95C-669D-4880A22B057D}"/>
+                  </a:ext>
+                </a:extLst>
+              </p:cNvPr>
+              <p:cNvCxnSpPr>
+                <a:cxnSpLocks/>
+              </p:cNvCxnSpPr>
+              <p:nvPr/>
+            </p:nvCxnSpPr>
+            <p:spPr>
+              <a:xfrm>
+                <a:off x="6976085" y="3315327"/>
+                <a:ext cx="3155817" cy="0"/>
+              </a:xfrm>
+              <a:prstGeom prst="line">
+                <a:avLst/>
+              </a:prstGeom>
+              <a:ln w="19050">
+                <a:solidFill>
+                  <a:schemeClr val="tx1"/>
+                </a:solidFill>
+                <a:prstDash val="dash"/>
+              </a:ln>
+            </p:spPr>
+            <p:style>
+              <a:lnRef idx="1">
+                <a:schemeClr val="accent1"/>
+              </a:lnRef>
+              <a:fillRef idx="0">
+                <a:schemeClr val="accent1"/>
+              </a:fillRef>
+              <a:effectRef idx="0">
+                <a:schemeClr val="accent1"/>
+              </a:effectRef>
+              <a:fontRef idx="minor">
+                <a:schemeClr val="tx1"/>
+              </a:fontRef>
+            </p:style>
+          </p:cxnSp>
+          <p:cxnSp>
+            <p:nvCxnSpPr>
+              <p:cNvPr id="38" name="直線コネクタ 37">
+                <a:extLst>
+                  <a:ext uri="{FF2B5EF4-FFF2-40B4-BE49-F238E27FC236}">
+                    <a16:creationId xmlns:a16="http://schemas.microsoft.com/office/drawing/2014/main" id="{D42C7D5D-B92F-576C-A563-4FE2A0699CF0}"/>
+                  </a:ext>
+                </a:extLst>
+              </p:cNvPr>
+              <p:cNvCxnSpPr>
+                <a:cxnSpLocks/>
+              </p:cNvCxnSpPr>
+              <p:nvPr/>
+            </p:nvCxnSpPr>
+            <p:spPr>
+              <a:xfrm>
+                <a:off x="6939285" y="4714684"/>
+                <a:ext cx="253472" cy="0"/>
+              </a:xfrm>
+              <a:prstGeom prst="line">
+                <a:avLst/>
+              </a:prstGeom>
+              <a:ln w="19050">
+                <a:solidFill>
+                  <a:schemeClr val="tx1"/>
+                </a:solidFill>
+                <a:prstDash val="dash"/>
+              </a:ln>
+            </p:spPr>
+            <p:style>
+              <a:lnRef idx="1">
+                <a:schemeClr val="accent1"/>
+              </a:lnRef>
+              <a:fillRef idx="0">
+                <a:schemeClr val="accent1"/>
+              </a:fillRef>
+              <a:effectRef idx="0">
+                <a:schemeClr val="accent1"/>
+              </a:effectRef>
+              <a:fontRef idx="minor">
+                <a:schemeClr val="tx1"/>
+              </a:fontRef>
+            </p:style>
+          </p:cxnSp>
+          <mc:AlternateContent xmlns:mc="http://schemas.openxmlformats.org/markup-compatibility/2006">
+            <mc:Choice xmlns:a14="http://schemas.microsoft.com/office/drawing/2010/main" Requires="a14">
+              <p:sp>
+                <p:nvSpPr>
+                  <p:cNvPr id="40" name="テキスト ボックス 39">
+                    <a:extLst>
+                      <a:ext uri="{FF2B5EF4-FFF2-40B4-BE49-F238E27FC236}">
+                        <a16:creationId xmlns:a16="http://schemas.microsoft.com/office/drawing/2014/main" id="{24C2BB3C-4577-C119-AD89-936352A167DA}"/>
+                      </a:ext>
+                    </a:extLst>
+                  </p:cNvPr>
+                  <p:cNvSpPr txBox="1"/>
+                  <p:nvPr/>
+                </p:nvSpPr>
+                <p:spPr>
+                  <a:xfrm>
+                    <a:off x="6306878" y="3058335"/>
+                    <a:ext cx="763918" cy="511807"/>
+                  </a:xfrm>
+                  <a:prstGeom prst="rect">
+                    <a:avLst/>
+                  </a:prstGeom>
+                  <a:noFill/>
+                </p:spPr>
+                <p:txBody>
+                  <a:bodyPr wrap="square" rtlCol="0">
+                    <a:spAutoFit/>
+                  </a:bodyPr>
+                  <a:lstStyle/>
+                  <a:p>
+                    <a:pPr algn="ctr"/>
+                    <a14:m>
+                      <m:oMathPara xmlns:m="http://schemas.openxmlformats.org/officeDocument/2006/math">
+                        <m:oMathParaPr>
+                          <m:jc m:val="centerGroup"/>
+                        </m:oMathParaPr>
+                        <m:oMath xmlns:m="http://schemas.openxmlformats.org/officeDocument/2006/math">
+                          <m:sSub>
+                            <m:sSubPr>
+                              <m:ctrlPr>
+                                <a:rPr lang="en-US" altLang="ja-JP" sz="2726" b="0" i="1" dirty="0" smtClean="0">
+                                  <a:latin typeface="Cambria Math" panose="02040503050406030204" pitchFamily="18" charset="0"/>
+                                </a:rPr>
+                              </m:ctrlPr>
+                            </m:sSubPr>
+                            <m:e>
+                              <m:r>
+                                <a:rPr lang="en-US" altLang="ja-JP" sz="2726" b="0" i="1" dirty="0" smtClean="0">
+                                  <a:latin typeface="Cambria Math" panose="02040503050406030204" pitchFamily="18" charset="0"/>
+                                </a:rPr>
+                                <m:t>𝑤</m:t>
+                              </m:r>
+                              <m:r>
+                                <a:rPr lang="en-US" altLang="ja-JP" sz="2726" b="0" i="1" dirty="0" smtClean="0">
+                                  <a:latin typeface="Cambria Math" panose="02040503050406030204" pitchFamily="18" charset="0"/>
+                                </a:rPr>
+                                <m:t>′</m:t>
+                              </m:r>
+                            </m:e>
+                            <m:sub>
+                              <m:r>
+                                <a:rPr lang="en-US" altLang="ja-JP" sz="2726" b="0" i="1" dirty="0" smtClean="0">
+                                  <a:latin typeface="Cambria Math" panose="02040503050406030204" pitchFamily="18" charset="0"/>
+                                </a:rPr>
+                                <m:t>2</m:t>
+                              </m:r>
+                            </m:sub>
+                          </m:sSub>
+                        </m:oMath>
+                      </m:oMathPara>
+                    </a14:m>
+                    <a:endParaRPr lang="ja-JP" altLang="en-US" sz="2726" dirty="0"/>
+                  </a:p>
+                </p:txBody>
+              </p:sp>
+            </mc:Choice>
+            <mc:Fallback>
+              <p:sp>
+                <p:nvSpPr>
+                  <p:cNvPr id="40" name="テキスト ボックス 39">
+                    <a:extLst>
+                      <a:ext uri="{FF2B5EF4-FFF2-40B4-BE49-F238E27FC236}">
+                        <a16:creationId xmlns:a16="http://schemas.microsoft.com/office/drawing/2014/main" id="{24C2BB3C-4577-C119-AD89-936352A167DA}"/>
+                      </a:ext>
+                    </a:extLst>
+                  </p:cNvPr>
+                  <p:cNvSpPr txBox="1">
+                    <a:spLocks noRot="1" noChangeAspect="1" noMove="1" noResize="1" noEditPoints="1" noAdjustHandles="1" noChangeArrowheads="1" noChangeShapeType="1" noTextEdit="1"/>
+                  </p:cNvSpPr>
+                  <p:nvPr/>
+                </p:nvSpPr>
+                <p:spPr>
+                  <a:xfrm>
+                    <a:off x="6306878" y="3058335"/>
+                    <a:ext cx="763918" cy="511807"/>
+                  </a:xfrm>
+                  <a:prstGeom prst="rect">
+                    <a:avLst/>
+                  </a:prstGeom>
+                  <a:blipFill>
+                    <a:blip r:embed="rId5"/>
+                    <a:stretch>
+                      <a:fillRect/>
+                    </a:stretch>
+                  </a:blipFill>
+                </p:spPr>
+                <p:txBody>
+                  <a:bodyPr/>
+                  <a:lstStyle/>
+                  <a:p>
+                    <a:r>
+                      <a:rPr lang="ja-JP" altLang="en-US">
+                        <a:noFill/>
+                      </a:rPr>
+                      <a:t> </a:t>
+                    </a:r>
+                  </a:p>
+                </p:txBody>
+              </p:sp>
+            </mc:Fallback>
+          </mc:AlternateContent>
+          <mc:AlternateContent xmlns:mc="http://schemas.openxmlformats.org/markup-compatibility/2006">
+            <mc:Choice xmlns:a14="http://schemas.microsoft.com/office/drawing/2010/main" Requires="a14">
+              <p:sp>
+                <p:nvSpPr>
+                  <p:cNvPr id="42" name="テキスト ボックス 41">
+                    <a:extLst>
+                      <a:ext uri="{FF2B5EF4-FFF2-40B4-BE49-F238E27FC236}">
+                        <a16:creationId xmlns:a16="http://schemas.microsoft.com/office/drawing/2014/main" id="{BB33EACD-86F2-B4B3-1A98-FB356F066E64}"/>
+                      </a:ext>
+                    </a:extLst>
+                  </p:cNvPr>
+                  <p:cNvSpPr txBox="1"/>
+                  <p:nvPr/>
+                </p:nvSpPr>
+                <p:spPr>
+                  <a:xfrm>
+                    <a:off x="6301154" y="4473663"/>
+                    <a:ext cx="763918" cy="511807"/>
+                  </a:xfrm>
+                  <a:prstGeom prst="rect">
+                    <a:avLst/>
+                  </a:prstGeom>
+                  <a:noFill/>
+                </p:spPr>
+                <p:txBody>
+                  <a:bodyPr wrap="square" rtlCol="0">
+                    <a:spAutoFit/>
+                  </a:bodyPr>
+                  <a:lstStyle/>
+                  <a:p>
+                    <a:pPr algn="ctr"/>
+                    <a14:m>
+                      <m:oMathPara xmlns:m="http://schemas.openxmlformats.org/officeDocument/2006/math">
+                        <m:oMathParaPr>
+                          <m:jc m:val="centerGroup"/>
+                        </m:oMathParaPr>
+                        <m:oMath xmlns:m="http://schemas.openxmlformats.org/officeDocument/2006/math">
+                          <m:sSub>
+                            <m:sSubPr>
+                              <m:ctrlPr>
+                                <a:rPr lang="en-US" altLang="ja-JP" sz="2726" b="0" i="1" dirty="0" smtClean="0">
+                                  <a:latin typeface="Cambria Math" panose="02040503050406030204" pitchFamily="18" charset="0"/>
+                                </a:rPr>
+                              </m:ctrlPr>
+                            </m:sSubPr>
+                            <m:e>
+                              <m:r>
+                                <a:rPr lang="en-US" altLang="ja-JP" sz="2726" b="0" i="1" dirty="0" smtClean="0">
+                                  <a:latin typeface="Cambria Math" panose="02040503050406030204" pitchFamily="18" charset="0"/>
+                                </a:rPr>
+                                <m:t>𝑤</m:t>
+                              </m:r>
+                              <m:r>
+                                <a:rPr lang="en-US" altLang="ja-JP" sz="2726" b="0" i="1" dirty="0" smtClean="0">
+                                  <a:latin typeface="Cambria Math" panose="02040503050406030204" pitchFamily="18" charset="0"/>
+                                </a:rPr>
+                                <m:t>′</m:t>
+                              </m:r>
+                            </m:e>
+                            <m:sub>
+                              <m:r>
+                                <a:rPr lang="en-US" altLang="ja-JP" sz="2726" b="0" i="1" dirty="0" smtClean="0">
+                                  <a:latin typeface="Cambria Math" panose="02040503050406030204" pitchFamily="18" charset="0"/>
+                                </a:rPr>
+                                <m:t>1</m:t>
+                              </m:r>
+                            </m:sub>
+                          </m:sSub>
+                        </m:oMath>
+                      </m:oMathPara>
+                    </a14:m>
+                    <a:endParaRPr lang="ja-JP" altLang="en-US" sz="2726" dirty="0"/>
+                  </a:p>
+                </p:txBody>
+              </p:sp>
+            </mc:Choice>
+            <mc:Fallback>
+              <p:sp>
+                <p:nvSpPr>
+                  <p:cNvPr id="42" name="テキスト ボックス 41">
+                    <a:extLst>
+                      <a:ext uri="{FF2B5EF4-FFF2-40B4-BE49-F238E27FC236}">
+                        <a16:creationId xmlns:a16="http://schemas.microsoft.com/office/drawing/2014/main" id="{BB33EACD-86F2-B4B3-1A98-FB356F066E64}"/>
+                      </a:ext>
+                    </a:extLst>
+                  </p:cNvPr>
+                  <p:cNvSpPr txBox="1">
+                    <a:spLocks noRot="1" noChangeAspect="1" noMove="1" noResize="1" noEditPoints="1" noAdjustHandles="1" noChangeArrowheads="1" noChangeShapeType="1" noTextEdit="1"/>
+                  </p:cNvSpPr>
+                  <p:nvPr/>
+                </p:nvSpPr>
+                <p:spPr>
+                  <a:xfrm>
+                    <a:off x="6301154" y="4473663"/>
+                    <a:ext cx="763918" cy="511807"/>
+                  </a:xfrm>
+                  <a:prstGeom prst="rect">
+                    <a:avLst/>
+                  </a:prstGeom>
+                  <a:blipFill>
+                    <a:blip r:embed="rId6"/>
+                    <a:stretch>
+                      <a:fillRect/>
+                    </a:stretch>
+                  </a:blipFill>
+                </p:spPr>
+                <p:txBody>
+                  <a:bodyPr/>
+                  <a:lstStyle/>
+                  <a:p>
+                    <a:r>
+                      <a:rPr lang="ja-JP" altLang="en-US">
+                        <a:noFill/>
+                      </a:rPr>
+                      <a:t> </a:t>
+                    </a:r>
+                  </a:p>
+                </p:txBody>
+              </p:sp>
+            </mc:Fallback>
+          </mc:AlternateContent>
+        </p:grpSp>
+        <p:cxnSp>
+          <p:nvCxnSpPr>
+            <p:cNvPr id="49" name="直線コネクタ 48">
+              <a:extLst>
+                <a:ext uri="{FF2B5EF4-FFF2-40B4-BE49-F238E27FC236}">
+                  <a16:creationId xmlns:a16="http://schemas.microsoft.com/office/drawing/2014/main" id="{63F205AA-AC46-6371-749C-2BE182C8CF27}"/>
+                </a:ext>
+              </a:extLst>
+            </p:cNvPr>
+            <p:cNvCxnSpPr>
+              <a:cxnSpLocks/>
+            </p:cNvCxnSpPr>
+            <p:nvPr/>
+          </p:nvCxnSpPr>
+          <p:spPr>
+            <a:xfrm flipV="1">
+              <a:off x="7189068" y="4712328"/>
+              <a:ext cx="2956788" cy="11803"/>
+            </a:xfrm>
+            <a:prstGeom prst="line">
+              <a:avLst/>
+            </a:prstGeom>
+            <a:ln w="28575">
+              <a:solidFill>
+                <a:schemeClr val="tx1"/>
+              </a:solidFill>
+            </a:ln>
+          </p:spPr>
+          <p:style>
+            <a:lnRef idx="1">
+              <a:schemeClr val="accent1"/>
+            </a:lnRef>
+            <a:fillRef idx="0">
+              <a:schemeClr val="accent1"/>
+            </a:fillRef>
+            <a:effectRef idx="0">
+              <a:schemeClr val="accent1"/>
+            </a:effectRef>
+            <a:fontRef idx="minor">
+              <a:schemeClr val="tx1"/>
+            </a:fontRef>
+          </p:style>
+        </p:cxnSp>
+      </p:grpSp>
+    </p:spTree>
+    <p:extLst>
+      <p:ext uri="{BB962C8B-B14F-4D97-AF65-F5344CB8AC3E}">
+        <p14:creationId xmlns:p14="http://schemas.microsoft.com/office/powerpoint/2010/main" val="2973556726"/>
       </p:ext>
     </p:extLst>
   </p:cSld>

--- a/images/labor_fig.pptx
+++ b/images/labor_fig.pptx
@@ -5,7 +5,7 @@
     <p:sldMasterId id="2147483660" r:id="rId1"/>
   </p:sldMasterIdLst>
   <p:notesMasterIdLst>
-    <p:notesMasterId r:id="rId29"/>
+    <p:notesMasterId r:id="rId30"/>
   </p:notesMasterIdLst>
   <p:sldIdLst>
     <p:sldId id="281" r:id="rId2"/>
@@ -35,6 +35,7 @@
     <p:sldId id="280" r:id="rId26"/>
     <p:sldId id="282" r:id="rId27"/>
     <p:sldId id="283" r:id="rId28"/>
+    <p:sldId id="284" r:id="rId29"/>
   </p:sldIdLst>
   <p:sldSz cx="23039388" cy="7199313"/>
   <p:notesSz cx="6858000" cy="9144000"/>
@@ -11955,7 +11956,7 @@
           <a:p>
             <a:fld id="{563A7CF2-AB3E-47DB-A90F-A00729506E41}" type="datetimeFigureOut">
               <a:rPr kumimoji="1" lang="ja-JP" altLang="en-US" smtClean="0"/>
-              <a:t>2025/10/14</a:t>
+              <a:t>2025/10/16</a:t>
             </a:fld>
             <a:endParaRPr kumimoji="1" lang="ja-JP" altLang="en-US"/>
           </a:p>
@@ -12582,7 +12583,7 @@
           <a:p>
             <a:fld id="{05853D61-8A19-4B35-BDA8-1C18B2B00FED}" type="datetimeFigureOut">
               <a:rPr kumimoji="1" lang="ja-JP" altLang="en-US" smtClean="0"/>
-              <a:t>2025/10/14</a:t>
+              <a:t>2025/10/16</a:t>
             </a:fld>
             <a:endParaRPr kumimoji="1" lang="ja-JP" altLang="en-US"/>
           </a:p>
@@ -12766,7 +12767,7 @@
           <a:p>
             <a:fld id="{05853D61-8A19-4B35-BDA8-1C18B2B00FED}" type="datetimeFigureOut">
               <a:rPr kumimoji="1" lang="ja-JP" altLang="en-US" smtClean="0"/>
-              <a:t>2025/10/14</a:t>
+              <a:t>2025/10/16</a:t>
             </a:fld>
             <a:endParaRPr kumimoji="1" lang="ja-JP" altLang="en-US"/>
           </a:p>
@@ -12983,7 +12984,7 @@
           <a:p>
             <a:fld id="{05853D61-8A19-4B35-BDA8-1C18B2B00FED}" type="datetimeFigureOut">
               <a:rPr kumimoji="1" lang="ja-JP" altLang="en-US" smtClean="0"/>
-              <a:t>2025/10/14</a:t>
+              <a:t>2025/10/16</a:t>
             </a:fld>
             <a:endParaRPr kumimoji="1" lang="ja-JP" altLang="en-US"/>
           </a:p>
@@ -13273,7 +13274,7 @@
           <a:p>
             <a:fld id="{05853D61-8A19-4B35-BDA8-1C18B2B00FED}" type="datetimeFigureOut">
               <a:rPr kumimoji="1" lang="ja-JP" altLang="en-US" smtClean="0"/>
-              <a:t>2025/10/14</a:t>
+              <a:t>2025/10/16</a:t>
             </a:fld>
             <a:endParaRPr kumimoji="1" lang="ja-JP" altLang="en-US"/>
           </a:p>
@@ -13568,7 +13569,7 @@
           <a:p>
             <a:fld id="{05853D61-8A19-4B35-BDA8-1C18B2B00FED}" type="datetimeFigureOut">
               <a:rPr kumimoji="1" lang="ja-JP" altLang="en-US" smtClean="0"/>
-              <a:t>2025/10/14</a:t>
+              <a:t>2025/10/16</a:t>
             </a:fld>
             <a:endParaRPr kumimoji="1" lang="ja-JP" altLang="en-US"/>
           </a:p>
@@ -13803,7 +13804,7 @@
           <a:p>
             <a:fld id="{05853D61-8A19-4B35-BDA8-1C18B2B00FED}" type="datetimeFigureOut">
               <a:rPr kumimoji="1" lang="ja-JP" altLang="en-US" smtClean="0"/>
-              <a:t>2025/10/14</a:t>
+              <a:t>2025/10/16</a:t>
             </a:fld>
             <a:endParaRPr kumimoji="1" lang="ja-JP" altLang="en-US"/>
           </a:p>
@@ -14514,7 +14515,7 @@
           <a:p>
             <a:fld id="{05853D61-8A19-4B35-BDA8-1C18B2B00FED}" type="datetimeFigureOut">
               <a:rPr kumimoji="1" lang="ja-JP" altLang="en-US" smtClean="0"/>
-              <a:t>2025/10/14</a:t>
+              <a:t>2025/10/16</a:t>
             </a:fld>
             <a:endParaRPr kumimoji="1" lang="ja-JP" altLang="en-US"/>
           </a:p>
@@ -14623,7 +14624,7 @@
           <a:p>
             <a:fld id="{05853D61-8A19-4B35-BDA8-1C18B2B00FED}" type="datetimeFigureOut">
               <a:rPr kumimoji="1" lang="ja-JP" altLang="en-US" smtClean="0"/>
-              <a:t>2025/10/14</a:t>
+              <a:t>2025/10/16</a:t>
             </a:fld>
             <a:endParaRPr kumimoji="1" lang="ja-JP" altLang="en-US"/>
           </a:p>
@@ -14807,7 +14808,7 @@
           <a:p>
             <a:fld id="{05853D61-8A19-4B35-BDA8-1C18B2B00FED}" type="datetimeFigureOut">
               <a:rPr kumimoji="1" lang="ja-JP" altLang="en-US" smtClean="0"/>
-              <a:t>2025/10/14</a:t>
+              <a:t>2025/10/16</a:t>
             </a:fld>
             <a:endParaRPr kumimoji="1" lang="ja-JP" altLang="en-US"/>
           </a:p>
@@ -14902,7 +14903,7 @@
           <a:p>
             <a:fld id="{05853D61-8A19-4B35-BDA8-1C18B2B00FED}" type="datetimeFigureOut">
               <a:rPr kumimoji="1" lang="ja-JP" altLang="en-US" smtClean="0"/>
-              <a:t>2025/10/14</a:t>
+              <a:t>2025/10/16</a:t>
             </a:fld>
             <a:endParaRPr kumimoji="1" lang="ja-JP" altLang="en-US"/>
           </a:p>
@@ -15149,7 +15150,7 @@
           <a:p>
             <a:fld id="{05853D61-8A19-4B35-BDA8-1C18B2B00FED}" type="datetimeFigureOut">
               <a:rPr kumimoji="1" lang="ja-JP" altLang="en-US" smtClean="0"/>
-              <a:t>2025/10/14</a:t>
+              <a:t>2025/10/16</a:t>
             </a:fld>
             <a:endParaRPr kumimoji="1" lang="ja-JP" altLang="en-US"/>
           </a:p>
@@ -25967,8 +25968,8 @@
               </a:fontRef>
             </p:style>
           </p:cxnSp>
-          <mc:AlternateContent xmlns:mc="http://schemas.openxmlformats.org/markup-compatibility/2006">
-            <mc:Choice xmlns:a14="http://schemas.microsoft.com/office/drawing/2010/main" Requires="a14">
+          <mc:AlternateContent xmlns:mc="http://schemas.openxmlformats.org/markup-compatibility/2006" xmlns:a14="http://schemas.microsoft.com/office/drawing/2010/main">
+            <mc:Choice Requires="a14">
               <p:sp>
                 <p:nvSpPr>
                   <p:cNvPr id="40" name="テキスト ボックス 39">
@@ -26043,7 +26044,7 @@
                 </p:txBody>
               </p:sp>
             </mc:Choice>
-            <mc:Fallback>
+            <mc:Fallback xmlns="">
               <p:sp>
                 <p:nvSpPr>
                   <p:cNvPr id="40" name="テキスト ボックス 39">
@@ -26088,8 +26089,8 @@
               </p:sp>
             </mc:Fallback>
           </mc:AlternateContent>
-          <mc:AlternateContent xmlns:mc="http://schemas.openxmlformats.org/markup-compatibility/2006">
-            <mc:Choice xmlns:a14="http://schemas.microsoft.com/office/drawing/2010/main" Requires="a14">
+          <mc:AlternateContent xmlns:mc="http://schemas.openxmlformats.org/markup-compatibility/2006" xmlns:a14="http://schemas.microsoft.com/office/drawing/2010/main">
+            <mc:Choice Requires="a14">
               <p:sp>
                 <p:nvSpPr>
                   <p:cNvPr id="42" name="テキスト ボックス 41">
@@ -26164,7 +26165,7 @@
                 </p:txBody>
               </p:sp>
             </mc:Choice>
-            <mc:Fallback>
+            <mc:Fallback xmlns="">
               <p:sp>
                 <p:nvSpPr>
                   <p:cNvPr id="42" name="テキスト ボックス 41">
@@ -26258,6 +26259,1029 @@
     <p:extLst>
       <p:ext uri="{BB962C8B-B14F-4D97-AF65-F5344CB8AC3E}">
         <p14:creationId xmlns:p14="http://schemas.microsoft.com/office/powerpoint/2010/main" val="2973556726"/>
+      </p:ext>
+    </p:extLst>
+  </p:cSld>
+  <p:clrMapOvr>
+    <a:masterClrMapping/>
+  </p:clrMapOvr>
+</p:sld>
+</file>
+
+<file path=ppt/slides/slide28.xml><?xml version="1.0" encoding="utf-8"?>
+<p:sld xmlns:a="http://schemas.openxmlformats.org/drawingml/2006/main" xmlns:r="http://schemas.openxmlformats.org/officeDocument/2006/relationships" xmlns:p="http://schemas.openxmlformats.org/presentationml/2006/main">
+  <p:cSld>
+    <p:spTree>
+      <p:nvGrpSpPr>
+        <p:cNvPr id="1" name="">
+          <a:extLst>
+            <a:ext uri="{FF2B5EF4-FFF2-40B4-BE49-F238E27FC236}">
+              <a16:creationId xmlns:a16="http://schemas.microsoft.com/office/drawing/2014/main" id="{43284862-957C-390F-DB00-4DF62D5DAA91}"/>
+            </a:ext>
+          </a:extLst>
+        </p:cNvPr>
+        <p:cNvGrpSpPr/>
+        <p:nvPr/>
+      </p:nvGrpSpPr>
+      <p:grpSpPr>
+        <a:xfrm>
+          <a:off x="0" y="0"/>
+          <a:ext cx="0" cy="0"/>
+          <a:chOff x="0" y="0"/>
+          <a:chExt cx="0" cy="0"/>
+        </a:xfrm>
+      </p:grpSpPr>
+      <p:grpSp>
+        <p:nvGrpSpPr>
+          <p:cNvPr id="64" name="グループ化 63">
+            <a:extLst>
+              <a:ext uri="{FF2B5EF4-FFF2-40B4-BE49-F238E27FC236}">
+                <a16:creationId xmlns:a16="http://schemas.microsoft.com/office/drawing/2014/main" id="{A83457A2-A5AE-4123-9C68-B921B5CB8B72}"/>
+              </a:ext>
+            </a:extLst>
+          </p:cNvPr>
+          <p:cNvGrpSpPr/>
+          <p:nvPr/>
+        </p:nvGrpSpPr>
+        <p:grpSpPr>
+          <a:xfrm>
+            <a:off x="6283713" y="1034144"/>
+            <a:ext cx="8596110" cy="5447643"/>
+            <a:chOff x="6283713" y="1034144"/>
+            <a:chExt cx="8596110" cy="5447643"/>
+          </a:xfrm>
+        </p:grpSpPr>
+        <p:sp>
+          <p:nvSpPr>
+            <p:cNvPr id="63" name="正方形/長方形 62">
+              <a:extLst>
+                <a:ext uri="{FF2B5EF4-FFF2-40B4-BE49-F238E27FC236}">
+                  <a16:creationId xmlns:a16="http://schemas.microsoft.com/office/drawing/2014/main" id="{9982CDCF-BEAC-8F01-96F2-6BBC00549D08}"/>
+                </a:ext>
+              </a:extLst>
+            </p:cNvPr>
+            <p:cNvSpPr/>
+            <p:nvPr/>
+          </p:nvSpPr>
+          <p:spPr>
+            <a:xfrm>
+              <a:off x="6982836" y="4335747"/>
+              <a:ext cx="6033025" cy="1655209"/>
+            </a:xfrm>
+            <a:prstGeom prst="rect">
+              <a:avLst/>
+            </a:prstGeom>
+            <a:pattFill prst="ltUpDiag">
+              <a:fgClr>
+                <a:schemeClr val="tx1"/>
+              </a:fgClr>
+              <a:bgClr>
+                <a:schemeClr val="bg1"/>
+              </a:bgClr>
+            </a:pattFill>
+            <a:ln>
+              <a:noFill/>
+            </a:ln>
+          </p:spPr>
+          <p:style>
+            <a:lnRef idx="2">
+              <a:schemeClr val="accent1">
+                <a:shade val="15000"/>
+              </a:schemeClr>
+            </a:lnRef>
+            <a:fillRef idx="1">
+              <a:schemeClr val="accent1"/>
+            </a:fillRef>
+            <a:effectRef idx="0">
+              <a:schemeClr val="accent1"/>
+            </a:effectRef>
+            <a:fontRef idx="minor">
+              <a:schemeClr val="lt1"/>
+            </a:fontRef>
+          </p:style>
+          <p:txBody>
+            <a:bodyPr rtlCol="0" anchor="ctr"/>
+            <a:lstStyle/>
+            <a:p>
+              <a:pPr algn="ctr"/>
+              <a:endParaRPr kumimoji="1" lang="ja-JP" altLang="en-US"/>
+            </a:p>
+          </p:txBody>
+        </p:sp>
+        <p:grpSp>
+          <p:nvGrpSpPr>
+            <p:cNvPr id="62" name="グループ化 61">
+              <a:extLst>
+                <a:ext uri="{FF2B5EF4-FFF2-40B4-BE49-F238E27FC236}">
+                  <a16:creationId xmlns:a16="http://schemas.microsoft.com/office/drawing/2014/main" id="{318EF2BA-F380-3318-2ABF-A6CA5049D21A}"/>
+                </a:ext>
+              </a:extLst>
+            </p:cNvPr>
+            <p:cNvGrpSpPr/>
+            <p:nvPr/>
+          </p:nvGrpSpPr>
+          <p:grpSpPr>
+            <a:xfrm>
+              <a:off x="6283713" y="1034144"/>
+              <a:ext cx="8596110" cy="5447643"/>
+              <a:chOff x="6283713" y="1034144"/>
+              <a:chExt cx="8596110" cy="5447643"/>
+            </a:xfrm>
+          </p:grpSpPr>
+          <p:grpSp>
+            <p:nvGrpSpPr>
+              <p:cNvPr id="48" name="グループ化 47">
+                <a:extLst>
+                  <a:ext uri="{FF2B5EF4-FFF2-40B4-BE49-F238E27FC236}">
+                    <a16:creationId xmlns:a16="http://schemas.microsoft.com/office/drawing/2014/main" id="{B145B98C-4136-0B90-FDB1-0F8DBEBC2A26}"/>
+                  </a:ext>
+                </a:extLst>
+              </p:cNvPr>
+              <p:cNvGrpSpPr/>
+              <p:nvPr/>
+            </p:nvGrpSpPr>
+            <p:grpSpPr>
+              <a:xfrm>
+                <a:off x="6283713" y="1034144"/>
+                <a:ext cx="8596110" cy="5191740"/>
+                <a:chOff x="6283713" y="1034144"/>
+                <a:chExt cx="8596110" cy="5191740"/>
+              </a:xfrm>
+            </p:grpSpPr>
+            <p:grpSp>
+              <p:nvGrpSpPr>
+                <p:cNvPr id="52" name="グループ化 51">
+                  <a:extLst>
+                    <a:ext uri="{FF2B5EF4-FFF2-40B4-BE49-F238E27FC236}">
+                      <a16:creationId xmlns:a16="http://schemas.microsoft.com/office/drawing/2014/main" id="{C662B4DA-892A-1153-189B-CA0EC6882783}"/>
+                    </a:ext>
+                  </a:extLst>
+                </p:cNvPr>
+                <p:cNvGrpSpPr/>
+                <p:nvPr/>
+              </p:nvGrpSpPr>
+              <p:grpSpPr>
+                <a:xfrm>
+                  <a:off x="6283713" y="1034144"/>
+                  <a:ext cx="8596110" cy="5191740"/>
+                  <a:chOff x="6240170" y="1034144"/>
+                  <a:chExt cx="8596110" cy="5191740"/>
+                </a:xfrm>
+              </p:grpSpPr>
+              <p:grpSp>
+                <p:nvGrpSpPr>
+                  <p:cNvPr id="41" name="グループ化 40">
+                    <a:extLst>
+                      <a:ext uri="{FF2B5EF4-FFF2-40B4-BE49-F238E27FC236}">
+                        <a16:creationId xmlns:a16="http://schemas.microsoft.com/office/drawing/2014/main" id="{C7BAE638-AB45-F0F9-E5DB-D71752CA77D0}"/>
+                      </a:ext>
+                    </a:extLst>
+                  </p:cNvPr>
+                  <p:cNvGrpSpPr/>
+                  <p:nvPr/>
+                </p:nvGrpSpPr>
+                <p:grpSpPr>
+                  <a:xfrm>
+                    <a:off x="6240170" y="1034144"/>
+                    <a:ext cx="8596110" cy="5191740"/>
+                    <a:chOff x="7177657" y="1447649"/>
+                    <a:chExt cx="8596110" cy="5191740"/>
+                  </a:xfrm>
+                </p:grpSpPr>
+                <p:grpSp>
+                  <p:nvGrpSpPr>
+                    <p:cNvPr id="31" name="グループ化 30">
+                      <a:extLst>
+                        <a:ext uri="{FF2B5EF4-FFF2-40B4-BE49-F238E27FC236}">
+                          <a16:creationId xmlns:a16="http://schemas.microsoft.com/office/drawing/2014/main" id="{6D64D2D1-8993-5425-556C-43428F7DF5B0}"/>
+                        </a:ext>
+                      </a:extLst>
+                    </p:cNvPr>
+                    <p:cNvGrpSpPr/>
+                    <p:nvPr/>
+                  </p:nvGrpSpPr>
+                  <p:grpSpPr>
+                    <a:xfrm>
+                      <a:off x="7177657" y="1447649"/>
+                      <a:ext cx="8596110" cy="5191740"/>
+                      <a:chOff x="7177657" y="1447649"/>
+                      <a:chExt cx="8596110" cy="5191740"/>
+                    </a:xfrm>
+                  </p:grpSpPr>
+                  <p:grpSp>
+                    <p:nvGrpSpPr>
+                      <p:cNvPr id="22" name="グループ化 21">
+                        <a:extLst>
+                          <a:ext uri="{FF2B5EF4-FFF2-40B4-BE49-F238E27FC236}">
+                            <a16:creationId xmlns:a16="http://schemas.microsoft.com/office/drawing/2014/main" id="{EA9D3E6F-5DAE-BB09-2FB2-334791DF59DC}"/>
+                          </a:ext>
+                        </a:extLst>
+                      </p:cNvPr>
+                      <p:cNvGrpSpPr/>
+                      <p:nvPr/>
+                    </p:nvGrpSpPr>
+                    <p:grpSpPr>
+                      <a:xfrm>
+                        <a:off x="7177657" y="1447649"/>
+                        <a:ext cx="8596110" cy="5191740"/>
+                        <a:chOff x="5275382" y="781543"/>
+                        <a:chExt cx="4414443" cy="2666164"/>
+                      </a:xfrm>
+                    </p:grpSpPr>
+                    <p:cxnSp>
+                      <p:nvCxnSpPr>
+                        <p:cNvPr id="4" name="直線矢印コネクタ 3">
+                          <a:extLst>
+                            <a:ext uri="{FF2B5EF4-FFF2-40B4-BE49-F238E27FC236}">
+                              <a16:creationId xmlns:a16="http://schemas.microsoft.com/office/drawing/2014/main" id="{7FD29940-0845-5092-0745-BD1803E5834B}"/>
+                            </a:ext>
+                          </a:extLst>
+                        </p:cNvPr>
+                        <p:cNvCxnSpPr>
+                          <a:cxnSpLocks/>
+                        </p:cNvCxnSpPr>
+                        <p:nvPr/>
+                      </p:nvCxnSpPr>
+                      <p:spPr>
+                        <a:xfrm flipV="1">
+                          <a:off x="5642811" y="781543"/>
+                          <a:ext cx="0" cy="2557220"/>
+                        </a:xfrm>
+                        <a:prstGeom prst="straightConnector1">
+                          <a:avLst/>
+                        </a:prstGeom>
+                        <a:ln w="19050">
+                          <a:solidFill>
+                            <a:schemeClr val="tx1"/>
+                          </a:solidFill>
+                          <a:headEnd type="none" w="med" len="med"/>
+                          <a:tailEnd type="arrow" w="med" len="med"/>
+                        </a:ln>
+                      </p:spPr>
+                      <p:style>
+                        <a:lnRef idx="1">
+                          <a:schemeClr val="accent1"/>
+                        </a:lnRef>
+                        <a:fillRef idx="0">
+                          <a:schemeClr val="accent1"/>
+                        </a:fillRef>
+                        <a:effectRef idx="0">
+                          <a:schemeClr val="accent1"/>
+                        </a:effectRef>
+                        <a:fontRef idx="minor">
+                          <a:schemeClr val="tx1"/>
+                        </a:fontRef>
+                      </p:style>
+                    </p:cxnSp>
+                    <p:cxnSp>
+                      <p:nvCxnSpPr>
+                        <p:cNvPr id="6" name="直線矢印コネクタ 5">
+                          <a:extLst>
+                            <a:ext uri="{FF2B5EF4-FFF2-40B4-BE49-F238E27FC236}">
+                              <a16:creationId xmlns:a16="http://schemas.microsoft.com/office/drawing/2014/main" id="{8030EF3D-DF03-C62C-169B-6CF321F08AB6}"/>
+                            </a:ext>
+                          </a:extLst>
+                        </p:cNvPr>
+                        <p:cNvCxnSpPr>
+                          <a:cxnSpLocks/>
+                        </p:cNvCxnSpPr>
+                        <p:nvPr/>
+                      </p:nvCxnSpPr>
+                      <p:spPr>
+                        <a:xfrm>
+                          <a:off x="5642811" y="3338763"/>
+                          <a:ext cx="3224463" cy="0"/>
+                        </a:xfrm>
+                        <a:prstGeom prst="straightConnector1">
+                          <a:avLst/>
+                        </a:prstGeom>
+                        <a:ln w="19050">
+                          <a:solidFill>
+                            <a:schemeClr val="tx1"/>
+                          </a:solidFill>
+                          <a:headEnd type="none" w="med" len="med"/>
+                          <a:tailEnd type="arrow" w="med" len="med"/>
+                        </a:ln>
+                      </p:spPr>
+                      <p:style>
+                        <a:lnRef idx="1">
+                          <a:schemeClr val="accent1"/>
+                        </a:lnRef>
+                        <a:fillRef idx="0">
+                          <a:schemeClr val="accent1"/>
+                        </a:fillRef>
+                        <a:effectRef idx="0">
+                          <a:schemeClr val="accent1"/>
+                        </a:effectRef>
+                        <a:fontRef idx="minor">
+                          <a:schemeClr val="tx1"/>
+                        </a:fontRef>
+                      </p:style>
+                    </p:cxnSp>
+                    <p:sp>
+                      <p:nvSpPr>
+                        <p:cNvPr id="9" name="テキスト ボックス 8">
+                          <a:extLst>
+                            <a:ext uri="{FF2B5EF4-FFF2-40B4-BE49-F238E27FC236}">
+                              <a16:creationId xmlns:a16="http://schemas.microsoft.com/office/drawing/2014/main" id="{227AED86-2231-FA36-5CE7-03DC80CB8716}"/>
+                            </a:ext>
+                          </a:extLst>
+                        </p:cNvPr>
+                        <p:cNvSpPr txBox="1"/>
+                        <p:nvPr/>
+                      </p:nvSpPr>
+                      <p:spPr>
+                        <a:xfrm>
+                          <a:off x="5275382" y="1133384"/>
+                          <a:ext cx="310250" cy="1927338"/>
+                        </a:xfrm>
+                        <a:prstGeom prst="rect">
+                          <a:avLst/>
+                        </a:prstGeom>
+                        <a:noFill/>
+                      </p:spPr>
+                      <p:txBody>
+                        <a:bodyPr vert="eaVert" wrap="square" rtlCol="0">
+                          <a:spAutoFit/>
+                        </a:bodyPr>
+                        <a:lstStyle/>
+                        <a:p>
+                          <a:pPr algn="ctr"/>
+                          <a:r>
+                            <a:rPr lang="ja-JP" altLang="en-US" sz="2726" dirty="0"/>
+                            <a:t>賃金・労働の限界収入</a:t>
+                          </a:r>
+                        </a:p>
+                      </p:txBody>
+                    </p:sp>
+                    <p:sp>
+                      <p:nvSpPr>
+                        <p:cNvPr id="10" name="テキスト ボックス 9">
+                          <a:extLst>
+                            <a:ext uri="{FF2B5EF4-FFF2-40B4-BE49-F238E27FC236}">
+                              <a16:creationId xmlns:a16="http://schemas.microsoft.com/office/drawing/2014/main" id="{5B525B64-43C7-A311-065C-8C7A8AA0DB00}"/>
+                            </a:ext>
+                          </a:extLst>
+                        </p:cNvPr>
+                        <p:cNvSpPr txBox="1"/>
+                        <p:nvPr/>
+                      </p:nvSpPr>
+                      <p:spPr>
+                        <a:xfrm>
+                          <a:off x="8867273" y="3184874"/>
+                          <a:ext cx="822552" cy="262833"/>
+                        </a:xfrm>
+                        <a:prstGeom prst="rect">
+                          <a:avLst/>
+                        </a:prstGeom>
+                        <a:noFill/>
+                      </p:spPr>
+                      <p:txBody>
+                        <a:bodyPr wrap="square" rtlCol="0">
+                          <a:spAutoFit/>
+                        </a:bodyPr>
+                        <a:lstStyle/>
+                        <a:p>
+                          <a:pPr algn="ctr"/>
+                          <a:r>
+                            <a:rPr lang="ja-JP" altLang="en-US" sz="2726" dirty="0"/>
+                            <a:t>勤続年数</a:t>
+                          </a:r>
+                        </a:p>
+                      </p:txBody>
+                    </p:sp>
+                  </p:grpSp>
+                  <mc:AlternateContent xmlns:mc="http://schemas.openxmlformats.org/markup-compatibility/2006">
+                    <mc:Choice xmlns:a14="http://schemas.microsoft.com/office/drawing/2010/main" Requires="a14">
+                      <p:sp>
+                        <p:nvSpPr>
+                          <p:cNvPr id="21" name="テキスト ボックス 20">
+                            <a:extLst>
+                              <a:ext uri="{FF2B5EF4-FFF2-40B4-BE49-F238E27FC236}">
+                                <a16:creationId xmlns:a16="http://schemas.microsoft.com/office/drawing/2014/main" id="{A05DF4E3-E099-AA31-1E9B-A6B9F7946FC0}"/>
+                              </a:ext>
+                            </a:extLst>
+                          </p:cNvPr>
+                          <p:cNvSpPr txBox="1"/>
+                          <p:nvPr/>
+                        </p:nvSpPr>
+                        <p:spPr>
+                          <a:xfrm>
+                            <a:off x="12946916" y="4221301"/>
+                            <a:ext cx="465599" cy="511807"/>
+                          </a:xfrm>
+                          <a:prstGeom prst="rect">
+                            <a:avLst/>
+                          </a:prstGeom>
+                          <a:noFill/>
+                        </p:spPr>
+                        <p:txBody>
+                          <a:bodyPr wrap="square" rtlCol="0">
+                            <a:spAutoFit/>
+                          </a:bodyPr>
+                          <a:lstStyle/>
+                          <a:p>
+                            <a:pPr algn="ctr"/>
+                            <a14:m>
+                              <m:oMathPara xmlns:m="http://schemas.openxmlformats.org/officeDocument/2006/math">
+                                <m:oMathParaPr>
+                                  <m:jc m:val="centerGroup"/>
+                                </m:oMathParaPr>
+                                <m:oMath xmlns:m="http://schemas.openxmlformats.org/officeDocument/2006/math">
+                                  <m:r>
+                                    <a:rPr lang="en-US" altLang="ja-JP" sz="2726" b="0" i="1" smtClean="0">
+                                      <a:latin typeface="Cambria Math" panose="02040503050406030204" pitchFamily="18" charset="0"/>
+                                    </a:rPr>
+                                    <m:t>𝑚</m:t>
+                                  </m:r>
+                                </m:oMath>
+                              </m:oMathPara>
+                            </a14:m>
+                            <a:endParaRPr lang="ja-JP" altLang="en-US" sz="2726" dirty="0"/>
+                          </a:p>
+                        </p:txBody>
+                      </p:sp>
+                    </mc:Choice>
+                    <mc:Fallback>
+                      <p:sp>
+                        <p:nvSpPr>
+                          <p:cNvPr id="21" name="テキスト ボックス 20">
+                            <a:extLst>
+                              <a:ext uri="{FF2B5EF4-FFF2-40B4-BE49-F238E27FC236}">
+                                <a16:creationId xmlns:a16="http://schemas.microsoft.com/office/drawing/2014/main" id="{A05DF4E3-E099-AA31-1E9B-A6B9F7946FC0}"/>
+                              </a:ext>
+                            </a:extLst>
+                          </p:cNvPr>
+                          <p:cNvSpPr txBox="1">
+                            <a:spLocks noRot="1" noChangeAspect="1" noMove="1" noResize="1" noEditPoints="1" noAdjustHandles="1" noChangeArrowheads="1" noChangeShapeType="1" noTextEdit="1"/>
+                          </p:cNvSpPr>
+                          <p:nvPr/>
+                        </p:nvSpPr>
+                        <p:spPr>
+                          <a:xfrm>
+                            <a:off x="12946916" y="4221301"/>
+                            <a:ext cx="465599" cy="511807"/>
+                          </a:xfrm>
+                          <a:prstGeom prst="rect">
+                            <a:avLst/>
+                          </a:prstGeom>
+                          <a:blipFill>
+                            <a:blip r:embed="rId2"/>
+                            <a:stretch>
+                              <a:fillRect/>
+                            </a:stretch>
+                          </a:blipFill>
+                        </p:spPr>
+                        <p:txBody>
+                          <a:bodyPr/>
+                          <a:lstStyle/>
+                          <a:p>
+                            <a:r>
+                              <a:rPr lang="ja-JP" altLang="en-US">
+                                <a:noFill/>
+                              </a:rPr>
+                              <a:t> </a:t>
+                            </a:r>
+                          </a:p>
+                        </p:txBody>
+                      </p:sp>
+                    </mc:Fallback>
+                  </mc:AlternateContent>
+                </p:grpSp>
+                <p:cxnSp>
+                  <p:nvCxnSpPr>
+                    <p:cNvPr id="27" name="直線コネクタ 26">
+                      <a:extLst>
+                        <a:ext uri="{FF2B5EF4-FFF2-40B4-BE49-F238E27FC236}">
+                          <a16:creationId xmlns:a16="http://schemas.microsoft.com/office/drawing/2014/main" id="{E05D9D81-1916-1CCC-3EC3-7C5B078F2E49}"/>
+                        </a:ext>
+                      </a:extLst>
+                    </p:cNvPr>
+                    <p:cNvCxnSpPr>
+                      <a:cxnSpLocks/>
+                      <a:endCxn id="7" idx="3"/>
+                    </p:cNvCxnSpPr>
+                    <p:nvPr/>
+                  </p:nvCxnSpPr>
+                  <p:spPr>
+                    <a:xfrm flipV="1">
+                      <a:off x="7893139" y="4302107"/>
+                      <a:ext cx="6016682" cy="20976"/>
+                    </a:xfrm>
+                    <a:prstGeom prst="line">
+                      <a:avLst/>
+                    </a:prstGeom>
+                    <a:ln w="19050">
+                      <a:solidFill>
+                        <a:schemeClr val="tx1"/>
+                      </a:solidFill>
+                      <a:prstDash val="dash"/>
+                    </a:ln>
+                  </p:spPr>
+                  <p:style>
+                    <a:lnRef idx="1">
+                      <a:schemeClr val="accent1"/>
+                    </a:lnRef>
+                    <a:fillRef idx="0">
+                      <a:schemeClr val="accent1"/>
+                    </a:fillRef>
+                    <a:effectRef idx="0">
+                      <a:schemeClr val="accent1"/>
+                    </a:effectRef>
+                    <a:fontRef idx="minor">
+                      <a:schemeClr val="tx1"/>
+                    </a:fontRef>
+                  </p:style>
+                </p:cxnSp>
+              </p:grpSp>
+              <p:cxnSp>
+                <p:nvCxnSpPr>
+                  <p:cNvPr id="49" name="直線コネクタ 48">
+                    <a:extLst>
+                      <a:ext uri="{FF2B5EF4-FFF2-40B4-BE49-F238E27FC236}">
+                        <a16:creationId xmlns:a16="http://schemas.microsoft.com/office/drawing/2014/main" id="{55A8BEB2-8193-030C-59D0-CE2BDA97B3E9}"/>
+                      </a:ext>
+                    </a:extLst>
+                  </p:cNvPr>
+                  <p:cNvCxnSpPr>
+                    <a:cxnSpLocks/>
+                    <a:endCxn id="7" idx="0"/>
+                  </p:cNvCxnSpPr>
+                  <p:nvPr/>
+                </p:nvCxnSpPr>
+                <p:spPr>
+                  <a:xfrm flipV="1">
+                    <a:off x="6955653" y="1908858"/>
+                    <a:ext cx="6016681" cy="3567322"/>
+                  </a:xfrm>
+                  <a:prstGeom prst="line">
+                    <a:avLst/>
+                  </a:prstGeom>
+                  <a:ln w="28575">
+                    <a:solidFill>
+                      <a:schemeClr val="tx1"/>
+                    </a:solidFill>
+                  </a:ln>
+                </p:spPr>
+                <p:style>
+                  <a:lnRef idx="1">
+                    <a:schemeClr val="accent1"/>
+                  </a:lnRef>
+                  <a:fillRef idx="0">
+                    <a:schemeClr val="accent1"/>
+                  </a:fillRef>
+                  <a:effectRef idx="0">
+                    <a:schemeClr val="accent1"/>
+                  </a:effectRef>
+                  <a:fontRef idx="minor">
+                    <a:schemeClr val="tx1"/>
+                  </a:fontRef>
+                </p:style>
+              </p:cxnSp>
+            </p:grpSp>
+            <p:sp>
+              <p:nvSpPr>
+                <p:cNvPr id="7" name="二等辺三角形 6">
+                  <a:extLst>
+                    <a:ext uri="{FF2B5EF4-FFF2-40B4-BE49-F238E27FC236}">
+                      <a16:creationId xmlns:a16="http://schemas.microsoft.com/office/drawing/2014/main" id="{31BC2833-1FDB-7290-76C6-F3E21167FFCC}"/>
+                    </a:ext>
+                  </a:extLst>
+                </p:cNvPr>
+                <p:cNvSpPr/>
+                <p:nvPr/>
+              </p:nvSpPr>
+              <p:spPr>
+                <a:xfrm>
+                  <a:off x="9655631" y="1908858"/>
+                  <a:ext cx="3360246" cy="1979744"/>
+                </a:xfrm>
+                <a:prstGeom prst="triangle">
+                  <a:avLst>
+                    <a:gd name="adj" fmla="val 100000"/>
+                  </a:avLst>
+                </a:prstGeom>
+                <a:solidFill>
+                  <a:srgbClr val="1E5F9F">
+                    <a:alpha val="50196"/>
+                  </a:srgbClr>
+                </a:solidFill>
+                <a:ln>
+                  <a:noFill/>
+                </a:ln>
+              </p:spPr>
+              <p:style>
+                <a:lnRef idx="2">
+                  <a:schemeClr val="accent1">
+                    <a:shade val="15000"/>
+                  </a:schemeClr>
+                </a:lnRef>
+                <a:fillRef idx="1">
+                  <a:schemeClr val="accent1"/>
+                </a:fillRef>
+                <a:effectRef idx="0">
+                  <a:schemeClr val="accent1"/>
+                </a:effectRef>
+                <a:fontRef idx="minor">
+                  <a:schemeClr val="lt1"/>
+                </a:fontRef>
+              </p:style>
+              <p:txBody>
+                <a:bodyPr rtlCol="0" anchor="ctr"/>
+                <a:lstStyle/>
+                <a:p>
+                  <a:pPr algn="ctr"/>
+                  <a:endParaRPr kumimoji="1" lang="ja-JP" altLang="en-US" dirty="0"/>
+                </a:p>
+              </p:txBody>
+            </p:sp>
+            <p:sp>
+              <p:nvSpPr>
+                <p:cNvPr id="12" name="二等辺三角形 11">
+                  <a:extLst>
+                    <a:ext uri="{FF2B5EF4-FFF2-40B4-BE49-F238E27FC236}">
+                      <a16:creationId xmlns:a16="http://schemas.microsoft.com/office/drawing/2014/main" id="{D19A44D0-706C-BBF2-0C43-2C41F221B459}"/>
+                    </a:ext>
+                  </a:extLst>
+                </p:cNvPr>
+                <p:cNvSpPr/>
+                <p:nvPr/>
+              </p:nvSpPr>
+              <p:spPr>
+                <a:xfrm rot="10800000" flipH="1">
+                  <a:off x="7015563" y="3909574"/>
+                  <a:ext cx="2640068" cy="1562745"/>
+                </a:xfrm>
+                <a:prstGeom prst="triangle">
+                  <a:avLst>
+                    <a:gd name="adj" fmla="val 0"/>
+                  </a:avLst>
+                </a:prstGeom>
+                <a:solidFill>
+                  <a:schemeClr val="accent5">
+                    <a:alpha val="50196"/>
+                  </a:schemeClr>
+                </a:solidFill>
+                <a:ln>
+                  <a:noFill/>
+                </a:ln>
+              </p:spPr>
+              <p:style>
+                <a:lnRef idx="2">
+                  <a:schemeClr val="accent1">
+                    <a:shade val="15000"/>
+                  </a:schemeClr>
+                </a:lnRef>
+                <a:fillRef idx="1">
+                  <a:schemeClr val="accent1"/>
+                </a:fillRef>
+                <a:effectRef idx="0">
+                  <a:schemeClr val="accent1"/>
+                </a:effectRef>
+                <a:fontRef idx="minor">
+                  <a:schemeClr val="lt1"/>
+                </a:fontRef>
+              </p:style>
+              <p:txBody>
+                <a:bodyPr rtlCol="0" anchor="ctr"/>
+                <a:lstStyle/>
+                <a:p>
+                  <a:pPr algn="ctr"/>
+                  <a:endParaRPr kumimoji="1" lang="ja-JP" altLang="en-US"/>
+                </a:p>
+              </p:txBody>
+            </p:sp>
+            <p:cxnSp>
+              <p:nvCxnSpPr>
+                <p:cNvPr id="14" name="直線コネクタ 13">
+                  <a:extLst>
+                    <a:ext uri="{FF2B5EF4-FFF2-40B4-BE49-F238E27FC236}">
+                      <a16:creationId xmlns:a16="http://schemas.microsoft.com/office/drawing/2014/main" id="{E861A094-6B9E-68E3-8408-DF77522F2697}"/>
+                    </a:ext>
+                  </a:extLst>
+                </p:cNvPr>
+                <p:cNvCxnSpPr>
+                  <a:cxnSpLocks/>
+                </p:cNvCxnSpPr>
+                <p:nvPr/>
+              </p:nvCxnSpPr>
+              <p:spPr>
+                <a:xfrm>
+                  <a:off x="7015564" y="4318633"/>
+                  <a:ext cx="6000313" cy="17114"/>
+                </a:xfrm>
+                <a:prstGeom prst="line">
+                  <a:avLst/>
+                </a:prstGeom>
+                <a:ln w="19050">
+                  <a:solidFill>
+                    <a:schemeClr val="tx1"/>
+                  </a:solidFill>
+                  <a:prstDash val="dash"/>
+                </a:ln>
+              </p:spPr>
+              <p:style>
+                <a:lnRef idx="1">
+                  <a:schemeClr val="accent1"/>
+                </a:lnRef>
+                <a:fillRef idx="0">
+                  <a:schemeClr val="accent1"/>
+                </a:fillRef>
+                <a:effectRef idx="0">
+                  <a:schemeClr val="accent1"/>
+                </a:effectRef>
+                <a:fontRef idx="minor">
+                  <a:schemeClr val="tx1"/>
+                </a:fontRef>
+              </p:style>
+            </p:cxnSp>
+            <mc:AlternateContent xmlns:mc="http://schemas.openxmlformats.org/markup-compatibility/2006">
+              <mc:Choice xmlns:a14="http://schemas.microsoft.com/office/drawing/2010/main" Requires="a14">
+                <p:sp>
+                  <p:nvSpPr>
+                    <p:cNvPr id="17" name="テキスト ボックス 16">
+                      <a:extLst>
+                        <a:ext uri="{FF2B5EF4-FFF2-40B4-BE49-F238E27FC236}">
+                          <a16:creationId xmlns:a16="http://schemas.microsoft.com/office/drawing/2014/main" id="{1FEA1D23-7B51-54C3-04F1-1992247DDEF5}"/>
+                        </a:ext>
+                      </a:extLst>
+                    </p:cNvPr>
+                    <p:cNvSpPr txBox="1"/>
+                    <p:nvPr/>
+                  </p:nvSpPr>
+                  <p:spPr>
+                    <a:xfrm>
+                      <a:off x="13127220" y="3643186"/>
+                      <a:ext cx="465600" cy="511807"/>
+                    </a:xfrm>
+                    <a:prstGeom prst="rect">
+                      <a:avLst/>
+                    </a:prstGeom>
+                    <a:noFill/>
+                  </p:spPr>
+                  <p:txBody>
+                    <a:bodyPr wrap="square" rtlCol="0">
+                      <a:spAutoFit/>
+                    </a:bodyPr>
+                    <a:lstStyle/>
+                    <a:p>
+                      <a:pPr algn="ctr"/>
+                      <a14:m>
+                        <m:oMathPara xmlns:m="http://schemas.openxmlformats.org/officeDocument/2006/math">
+                          <m:oMathParaPr>
+                            <m:jc m:val="centerGroup"/>
+                          </m:oMathParaPr>
+                          <m:oMath xmlns:m="http://schemas.openxmlformats.org/officeDocument/2006/math">
+                            <m:r>
+                              <a:rPr lang="en-US" altLang="ja-JP" sz="2726" b="0" i="1" smtClean="0">
+                                <a:latin typeface="Cambria Math" panose="02040503050406030204" pitchFamily="18" charset="0"/>
+                              </a:rPr>
+                              <m:t>𝑊</m:t>
+                            </m:r>
+                          </m:oMath>
+                        </m:oMathPara>
+                      </a14:m>
+                      <a:endParaRPr lang="ja-JP" altLang="en-US" sz="2726" dirty="0"/>
+                    </a:p>
+                  </p:txBody>
+                </p:sp>
+              </mc:Choice>
+              <mc:Fallback>
+                <p:sp>
+                  <p:nvSpPr>
+                    <p:cNvPr id="17" name="テキスト ボックス 16">
+                      <a:extLst>
+                        <a:ext uri="{FF2B5EF4-FFF2-40B4-BE49-F238E27FC236}">
+                          <a16:creationId xmlns:a16="http://schemas.microsoft.com/office/drawing/2014/main" id="{1FEA1D23-7B51-54C3-04F1-1992247DDEF5}"/>
+                        </a:ext>
+                      </a:extLst>
+                    </p:cNvPr>
+                    <p:cNvSpPr txBox="1">
+                      <a:spLocks noRot="1" noChangeAspect="1" noMove="1" noResize="1" noEditPoints="1" noAdjustHandles="1" noChangeArrowheads="1" noChangeShapeType="1" noTextEdit="1"/>
+                    </p:cNvSpPr>
+                    <p:nvPr/>
+                  </p:nvSpPr>
+                  <p:spPr>
+                    <a:xfrm>
+                      <a:off x="13127220" y="3643186"/>
+                      <a:ext cx="465600" cy="511807"/>
+                    </a:xfrm>
+                    <a:prstGeom prst="rect">
+                      <a:avLst/>
+                    </a:prstGeom>
+                    <a:blipFill>
+                      <a:blip r:embed="rId3"/>
+                      <a:stretch>
+                        <a:fillRect/>
+                      </a:stretch>
+                    </a:blipFill>
+                  </p:spPr>
+                  <p:txBody>
+                    <a:bodyPr/>
+                    <a:lstStyle/>
+                    <a:p>
+                      <a:r>
+                        <a:rPr lang="ja-JP" altLang="en-US">
+                          <a:noFill/>
+                        </a:rPr>
+                        <a:t> </a:t>
+                      </a:r>
+                    </a:p>
+                  </p:txBody>
+                </p:sp>
+              </mc:Fallback>
+            </mc:AlternateContent>
+            <p:cxnSp>
+              <p:nvCxnSpPr>
+                <p:cNvPr id="39" name="直線矢印コネクタ 38">
+                  <a:extLst>
+                    <a:ext uri="{FF2B5EF4-FFF2-40B4-BE49-F238E27FC236}">
+                      <a16:creationId xmlns:a16="http://schemas.microsoft.com/office/drawing/2014/main" id="{FA9A4E45-A535-C0F4-6129-665CA52050D1}"/>
+                    </a:ext>
+                  </a:extLst>
+                </p:cNvPr>
+                <p:cNvCxnSpPr/>
+                <p:nvPr/>
+              </p:nvCxnSpPr>
+              <p:spPr>
+                <a:xfrm>
+                  <a:off x="11941628" y="3888602"/>
+                  <a:ext cx="0" cy="426173"/>
+                </a:xfrm>
+                <a:prstGeom prst="straightConnector1">
+                  <a:avLst/>
+                </a:prstGeom>
+                <a:ln w="28575">
+                  <a:solidFill>
+                    <a:schemeClr val="tx1"/>
+                  </a:solidFill>
+                  <a:headEnd type="arrow" w="med" len="med"/>
+                  <a:tailEnd type="arrow" w="med" len="med"/>
+                </a:ln>
+              </p:spPr>
+              <p:style>
+                <a:lnRef idx="1">
+                  <a:schemeClr val="accent1"/>
+                </a:lnRef>
+                <a:fillRef idx="0">
+                  <a:schemeClr val="accent1"/>
+                </a:fillRef>
+                <a:effectRef idx="0">
+                  <a:schemeClr val="accent1"/>
+                </a:effectRef>
+                <a:fontRef idx="minor">
+                  <a:schemeClr val="tx1"/>
+                </a:fontRef>
+              </p:style>
+            </p:cxnSp>
+          </p:grpSp>
+          <p:cxnSp>
+            <p:nvCxnSpPr>
+              <p:cNvPr id="50" name="直線コネクタ 49">
+                <a:extLst>
+                  <a:ext uri="{FF2B5EF4-FFF2-40B4-BE49-F238E27FC236}">
+                    <a16:creationId xmlns:a16="http://schemas.microsoft.com/office/drawing/2014/main" id="{1918E3DE-D750-FD57-DA16-36216072F839}"/>
+                  </a:ext>
+                </a:extLst>
+              </p:cNvPr>
+              <p:cNvCxnSpPr>
+                <a:cxnSpLocks/>
+                <a:endCxn id="7" idx="3"/>
+              </p:cNvCxnSpPr>
+              <p:nvPr/>
+            </p:nvCxnSpPr>
+            <p:spPr>
+              <a:xfrm flipV="1">
+                <a:off x="13015877" y="3888602"/>
+                <a:ext cx="0" cy="2125139"/>
+              </a:xfrm>
+              <a:prstGeom prst="line">
+                <a:avLst/>
+              </a:prstGeom>
+              <a:ln w="19050">
+                <a:solidFill>
+                  <a:schemeClr val="tx1"/>
+                </a:solidFill>
+                <a:prstDash val="dash"/>
+              </a:ln>
+            </p:spPr>
+            <p:style>
+              <a:lnRef idx="1">
+                <a:schemeClr val="accent1"/>
+              </a:lnRef>
+              <a:fillRef idx="0">
+                <a:schemeClr val="accent1"/>
+              </a:fillRef>
+              <a:effectRef idx="0">
+                <a:schemeClr val="accent1"/>
+              </a:effectRef>
+              <a:fontRef idx="minor">
+                <a:schemeClr val="tx1"/>
+              </a:fontRef>
+            </p:style>
+          </p:cxnSp>
+          <mc:AlternateContent xmlns:mc="http://schemas.openxmlformats.org/markup-compatibility/2006">
+            <mc:Choice xmlns:a14="http://schemas.microsoft.com/office/drawing/2010/main" Requires="a14">
+              <p:sp>
+                <p:nvSpPr>
+                  <p:cNvPr id="61" name="テキスト ボックス 60">
+                    <a:extLst>
+                      <a:ext uri="{FF2B5EF4-FFF2-40B4-BE49-F238E27FC236}">
+                        <a16:creationId xmlns:a16="http://schemas.microsoft.com/office/drawing/2014/main" id="{4C456E49-FC64-0EC3-AED5-F98F063D2D44}"/>
+                      </a:ext>
+                    </a:extLst>
+                  </p:cNvPr>
+                  <p:cNvSpPr txBox="1"/>
+                  <p:nvPr/>
+                </p:nvSpPr>
+                <p:spPr>
+                  <a:xfrm>
+                    <a:off x="12812495" y="5969980"/>
+                    <a:ext cx="465599" cy="511807"/>
+                  </a:xfrm>
+                  <a:prstGeom prst="rect">
+                    <a:avLst/>
+                  </a:prstGeom>
+                  <a:noFill/>
+                </p:spPr>
+                <p:txBody>
+                  <a:bodyPr wrap="square" rtlCol="0">
+                    <a:spAutoFit/>
+                  </a:bodyPr>
+                  <a:lstStyle/>
+                  <a:p>
+                    <a:pPr algn="ctr"/>
+                    <a14:m>
+                      <m:oMathPara xmlns:m="http://schemas.openxmlformats.org/officeDocument/2006/math">
+                        <m:oMathParaPr>
+                          <m:jc m:val="centerGroup"/>
+                        </m:oMathParaPr>
+                        <m:oMath xmlns:m="http://schemas.openxmlformats.org/officeDocument/2006/math">
+                          <m:r>
+                            <a:rPr lang="en-US" altLang="ja-JP" sz="2726" b="0" i="1" smtClean="0">
+                              <a:latin typeface="Cambria Math" panose="02040503050406030204" pitchFamily="18" charset="0"/>
+                            </a:rPr>
+                            <m:t>𝑇</m:t>
+                          </m:r>
+                        </m:oMath>
+                      </m:oMathPara>
+                    </a14:m>
+                    <a:endParaRPr lang="ja-JP" altLang="en-US" sz="2726" dirty="0"/>
+                  </a:p>
+                </p:txBody>
+              </p:sp>
+            </mc:Choice>
+            <mc:Fallback>
+              <p:sp>
+                <p:nvSpPr>
+                  <p:cNvPr id="61" name="テキスト ボックス 60">
+                    <a:extLst>
+                      <a:ext uri="{FF2B5EF4-FFF2-40B4-BE49-F238E27FC236}">
+                        <a16:creationId xmlns:a16="http://schemas.microsoft.com/office/drawing/2014/main" id="{4C456E49-FC64-0EC3-AED5-F98F063D2D44}"/>
+                      </a:ext>
+                    </a:extLst>
+                  </p:cNvPr>
+                  <p:cNvSpPr txBox="1">
+                    <a:spLocks noRot="1" noChangeAspect="1" noMove="1" noResize="1" noEditPoints="1" noAdjustHandles="1" noChangeArrowheads="1" noChangeShapeType="1" noTextEdit="1"/>
+                  </p:cNvSpPr>
+                  <p:nvPr/>
+                </p:nvSpPr>
+                <p:spPr>
+                  <a:xfrm>
+                    <a:off x="12812495" y="5969980"/>
+                    <a:ext cx="465599" cy="511807"/>
+                  </a:xfrm>
+                  <a:prstGeom prst="rect">
+                    <a:avLst/>
+                  </a:prstGeom>
+                  <a:blipFill>
+                    <a:blip r:embed="rId4"/>
+                    <a:stretch>
+                      <a:fillRect/>
+                    </a:stretch>
+                  </a:blipFill>
+                </p:spPr>
+                <p:txBody>
+                  <a:bodyPr/>
+                  <a:lstStyle/>
+                  <a:p>
+                    <a:r>
+                      <a:rPr lang="ja-JP" altLang="en-US">
+                        <a:noFill/>
+                      </a:rPr>
+                      <a:t> </a:t>
+                    </a:r>
+                  </a:p>
+                </p:txBody>
+              </p:sp>
+            </mc:Fallback>
+          </mc:AlternateContent>
+        </p:grpSp>
+      </p:grpSp>
+    </p:spTree>
+    <p:extLst>
+      <p:ext uri="{BB962C8B-B14F-4D97-AF65-F5344CB8AC3E}">
+        <p14:creationId xmlns:p14="http://schemas.microsoft.com/office/powerpoint/2010/main" val="2602760652"/>
       </p:ext>
     </p:extLst>
   </p:cSld>

--- a/images/labor_fig.pptx
+++ b/images/labor_fig.pptx
@@ -5,7 +5,7 @@
     <p:sldMasterId id="2147483660" r:id="rId1"/>
   </p:sldMasterIdLst>
   <p:notesMasterIdLst>
-    <p:notesMasterId r:id="rId30"/>
+    <p:notesMasterId r:id="rId31"/>
   </p:notesMasterIdLst>
   <p:sldIdLst>
     <p:sldId id="281" r:id="rId2"/>
@@ -36,6 +36,7 @@
     <p:sldId id="282" r:id="rId27"/>
     <p:sldId id="283" r:id="rId28"/>
     <p:sldId id="284" r:id="rId29"/>
+    <p:sldId id="285" r:id="rId30"/>
   </p:sldIdLst>
   <p:sldSz cx="23039388" cy="7199313"/>
   <p:notesSz cx="6858000" cy="9144000"/>
@@ -11956,7 +11957,7 @@
           <a:p>
             <a:fld id="{563A7CF2-AB3E-47DB-A90F-A00729506E41}" type="datetimeFigureOut">
               <a:rPr kumimoji="1" lang="ja-JP" altLang="en-US" smtClean="0"/>
-              <a:t>2025/10/16</a:t>
+              <a:t>2025/12/18</a:t>
             </a:fld>
             <a:endParaRPr kumimoji="1" lang="ja-JP" altLang="en-US"/>
           </a:p>
@@ -12583,7 +12584,7 @@
           <a:p>
             <a:fld id="{05853D61-8A19-4B35-BDA8-1C18B2B00FED}" type="datetimeFigureOut">
               <a:rPr kumimoji="1" lang="ja-JP" altLang="en-US" smtClean="0"/>
-              <a:t>2025/10/16</a:t>
+              <a:t>2025/12/18</a:t>
             </a:fld>
             <a:endParaRPr kumimoji="1" lang="ja-JP" altLang="en-US"/>
           </a:p>
@@ -12767,7 +12768,7 @@
           <a:p>
             <a:fld id="{05853D61-8A19-4B35-BDA8-1C18B2B00FED}" type="datetimeFigureOut">
               <a:rPr kumimoji="1" lang="ja-JP" altLang="en-US" smtClean="0"/>
-              <a:t>2025/10/16</a:t>
+              <a:t>2025/12/18</a:t>
             </a:fld>
             <a:endParaRPr kumimoji="1" lang="ja-JP" altLang="en-US"/>
           </a:p>
@@ -12984,7 +12985,7 @@
           <a:p>
             <a:fld id="{05853D61-8A19-4B35-BDA8-1C18B2B00FED}" type="datetimeFigureOut">
               <a:rPr kumimoji="1" lang="ja-JP" altLang="en-US" smtClean="0"/>
-              <a:t>2025/10/16</a:t>
+              <a:t>2025/12/18</a:t>
             </a:fld>
             <a:endParaRPr kumimoji="1" lang="ja-JP" altLang="en-US"/>
           </a:p>
@@ -13274,7 +13275,7 @@
           <a:p>
             <a:fld id="{05853D61-8A19-4B35-BDA8-1C18B2B00FED}" type="datetimeFigureOut">
               <a:rPr kumimoji="1" lang="ja-JP" altLang="en-US" smtClean="0"/>
-              <a:t>2025/10/16</a:t>
+              <a:t>2025/12/18</a:t>
             </a:fld>
             <a:endParaRPr kumimoji="1" lang="ja-JP" altLang="en-US"/>
           </a:p>
@@ -13569,7 +13570,7 @@
           <a:p>
             <a:fld id="{05853D61-8A19-4B35-BDA8-1C18B2B00FED}" type="datetimeFigureOut">
               <a:rPr kumimoji="1" lang="ja-JP" altLang="en-US" smtClean="0"/>
-              <a:t>2025/10/16</a:t>
+              <a:t>2025/12/18</a:t>
             </a:fld>
             <a:endParaRPr kumimoji="1" lang="ja-JP" altLang="en-US"/>
           </a:p>
@@ -13804,7 +13805,7 @@
           <a:p>
             <a:fld id="{05853D61-8A19-4B35-BDA8-1C18B2B00FED}" type="datetimeFigureOut">
               <a:rPr kumimoji="1" lang="ja-JP" altLang="en-US" smtClean="0"/>
-              <a:t>2025/10/16</a:t>
+              <a:t>2025/12/18</a:t>
             </a:fld>
             <a:endParaRPr kumimoji="1" lang="ja-JP" altLang="en-US"/>
           </a:p>
@@ -14515,7 +14516,7 @@
           <a:p>
             <a:fld id="{05853D61-8A19-4B35-BDA8-1C18B2B00FED}" type="datetimeFigureOut">
               <a:rPr kumimoji="1" lang="ja-JP" altLang="en-US" smtClean="0"/>
-              <a:t>2025/10/16</a:t>
+              <a:t>2025/12/18</a:t>
             </a:fld>
             <a:endParaRPr kumimoji="1" lang="ja-JP" altLang="en-US"/>
           </a:p>
@@ -14624,7 +14625,7 @@
           <a:p>
             <a:fld id="{05853D61-8A19-4B35-BDA8-1C18B2B00FED}" type="datetimeFigureOut">
               <a:rPr kumimoji="1" lang="ja-JP" altLang="en-US" smtClean="0"/>
-              <a:t>2025/10/16</a:t>
+              <a:t>2025/12/18</a:t>
             </a:fld>
             <a:endParaRPr kumimoji="1" lang="ja-JP" altLang="en-US"/>
           </a:p>
@@ -14808,7 +14809,7 @@
           <a:p>
             <a:fld id="{05853D61-8A19-4B35-BDA8-1C18B2B00FED}" type="datetimeFigureOut">
               <a:rPr kumimoji="1" lang="ja-JP" altLang="en-US" smtClean="0"/>
-              <a:t>2025/10/16</a:t>
+              <a:t>2025/12/18</a:t>
             </a:fld>
             <a:endParaRPr kumimoji="1" lang="ja-JP" altLang="en-US"/>
           </a:p>
@@ -14903,7 +14904,7 @@
           <a:p>
             <a:fld id="{05853D61-8A19-4B35-BDA8-1C18B2B00FED}" type="datetimeFigureOut">
               <a:rPr kumimoji="1" lang="ja-JP" altLang="en-US" smtClean="0"/>
-              <a:t>2025/10/16</a:t>
+              <a:t>2025/12/18</a:t>
             </a:fld>
             <a:endParaRPr kumimoji="1" lang="ja-JP" altLang="en-US"/>
           </a:p>
@@ -15150,7 +15151,7 @@
           <a:p>
             <a:fld id="{05853D61-8A19-4B35-BDA8-1C18B2B00FED}" type="datetimeFigureOut">
               <a:rPr kumimoji="1" lang="ja-JP" altLang="en-US" smtClean="0"/>
-              <a:t>2025/10/16</a:t>
+              <a:t>2025/12/18</a:t>
             </a:fld>
             <a:endParaRPr kumimoji="1" lang="ja-JP" altLang="en-US"/>
           </a:p>
@@ -26651,8 +26652,8 @@
                       </p:txBody>
                     </p:sp>
                   </p:grpSp>
-                  <mc:AlternateContent xmlns:mc="http://schemas.openxmlformats.org/markup-compatibility/2006">
-                    <mc:Choice xmlns:a14="http://schemas.microsoft.com/office/drawing/2010/main" Requires="a14">
+                  <mc:AlternateContent xmlns:mc="http://schemas.openxmlformats.org/markup-compatibility/2006" xmlns:a14="http://schemas.microsoft.com/office/drawing/2010/main">
+                    <mc:Choice Requires="a14">
                       <p:sp>
                         <p:nvSpPr>
                           <p:cNvPr id="21" name="テキスト ボックス 20">
@@ -26702,7 +26703,7 @@
                         </p:txBody>
                       </p:sp>
                     </mc:Choice>
-                    <mc:Fallback>
+                    <mc:Fallback xmlns="">
                       <p:sp>
                         <p:nvSpPr>
                           <p:cNvPr id="21" name="テキスト ボックス 20">
@@ -26995,8 +26996,8 @@
                 </a:fontRef>
               </p:style>
             </p:cxnSp>
-            <mc:AlternateContent xmlns:mc="http://schemas.openxmlformats.org/markup-compatibility/2006">
-              <mc:Choice xmlns:a14="http://schemas.microsoft.com/office/drawing/2010/main" Requires="a14">
+            <mc:AlternateContent xmlns:mc="http://schemas.openxmlformats.org/markup-compatibility/2006" xmlns:a14="http://schemas.microsoft.com/office/drawing/2010/main">
+              <mc:Choice Requires="a14">
                 <p:sp>
                   <p:nvSpPr>
                     <p:cNvPr id="17" name="テキスト ボックス 16">
@@ -27046,7 +27047,7 @@
                   </p:txBody>
                 </p:sp>
               </mc:Choice>
-              <mc:Fallback>
+              <mc:Fallback xmlns="">
                 <p:sp>
                   <p:nvSpPr>
                     <p:cNvPr id="17" name="テキスト ボックス 16">
@@ -27180,8 +27181,8 @@
               </a:fontRef>
             </p:style>
           </p:cxnSp>
-          <mc:AlternateContent xmlns:mc="http://schemas.openxmlformats.org/markup-compatibility/2006">
-            <mc:Choice xmlns:a14="http://schemas.microsoft.com/office/drawing/2010/main" Requires="a14">
+          <mc:AlternateContent xmlns:mc="http://schemas.openxmlformats.org/markup-compatibility/2006" xmlns:a14="http://schemas.microsoft.com/office/drawing/2010/main">
+            <mc:Choice Requires="a14">
               <p:sp>
                 <p:nvSpPr>
                   <p:cNvPr id="61" name="テキスト ボックス 60">
@@ -27231,7 +27232,7 @@
                 </p:txBody>
               </p:sp>
             </mc:Choice>
-            <mc:Fallback>
+            <mc:Fallback xmlns="">
               <p:sp>
                 <p:nvSpPr>
                   <p:cNvPr id="61" name="テキスト ボックス 60">
@@ -27282,6 +27283,66 @@
     <p:extLst>
       <p:ext uri="{BB962C8B-B14F-4D97-AF65-F5344CB8AC3E}">
         <p14:creationId xmlns:p14="http://schemas.microsoft.com/office/powerpoint/2010/main" val="2602760652"/>
+      </p:ext>
+    </p:extLst>
+  </p:cSld>
+  <p:clrMapOvr>
+    <a:masterClrMapping/>
+  </p:clrMapOvr>
+</p:sld>
+</file>
+
+<file path=ppt/slides/slide29.xml><?xml version="1.0" encoding="utf-8"?>
+<p:sld xmlns:a="http://schemas.openxmlformats.org/drawingml/2006/main" xmlns:r="http://schemas.openxmlformats.org/officeDocument/2006/relationships" xmlns:p="http://schemas.openxmlformats.org/presentationml/2006/main">
+  <p:cSld>
+    <p:spTree>
+      <p:nvGrpSpPr>
+        <p:cNvPr id="1" name=""/>
+        <p:cNvGrpSpPr/>
+        <p:nvPr/>
+      </p:nvGrpSpPr>
+      <p:grpSpPr>
+        <a:xfrm>
+          <a:off x="0" y="0"/>
+          <a:ext cx="0" cy="0"/>
+          <a:chOff x="0" y="0"/>
+          <a:chExt cx="0" cy="0"/>
+        </a:xfrm>
+      </p:grpSpPr>
+      <p:pic>
+        <p:nvPicPr>
+          <p:cNvPr id="3" name="図 2" descr="折れ線グラフ&#10;&#10;AI 生成コンテンツは誤りを含む可能性があります。">
+            <a:extLst>
+              <a:ext uri="{FF2B5EF4-FFF2-40B4-BE49-F238E27FC236}">
+                <a16:creationId xmlns:a16="http://schemas.microsoft.com/office/drawing/2014/main" id="{388E7AC3-9625-7667-0673-9C666EB22E35}"/>
+              </a:ext>
+            </a:extLst>
+          </p:cNvPr>
+          <p:cNvPicPr>
+            <a:picLocks noChangeAspect="1"/>
+          </p:cNvPicPr>
+          <p:nvPr/>
+        </p:nvPicPr>
+        <p:blipFill>
+          <a:blip r:embed="rId2"/>
+          <a:stretch>
+            <a:fillRect/>
+          </a:stretch>
+        </p:blipFill>
+        <p:spPr>
+          <a:xfrm>
+            <a:off x="5467174" y="0"/>
+            <a:ext cx="12105038" cy="7199313"/>
+          </a:xfrm>
+          <a:prstGeom prst="rect">
+            <a:avLst/>
+          </a:prstGeom>
+        </p:spPr>
+      </p:pic>
+    </p:spTree>
+    <p:extLst>
+      <p:ext uri="{BB962C8B-B14F-4D97-AF65-F5344CB8AC3E}">
+        <p14:creationId xmlns:p14="http://schemas.microsoft.com/office/powerpoint/2010/main" val="535379075"/>
       </p:ext>
     </p:extLst>
   </p:cSld>

--- a/images/labor_fig.pptx
+++ b/images/labor_fig.pptx
@@ -5,7 +5,7 @@
     <p:sldMasterId id="2147483660" r:id="rId1"/>
   </p:sldMasterIdLst>
   <p:notesMasterIdLst>
-    <p:notesMasterId r:id="rId31"/>
+    <p:notesMasterId r:id="rId33"/>
   </p:notesMasterIdLst>
   <p:sldIdLst>
     <p:sldId id="281" r:id="rId2"/>
@@ -37,6 +37,8 @@
     <p:sldId id="283" r:id="rId28"/>
     <p:sldId id="284" r:id="rId29"/>
     <p:sldId id="285" r:id="rId30"/>
+    <p:sldId id="286" r:id="rId31"/>
+    <p:sldId id="287" r:id="rId32"/>
   </p:sldIdLst>
   <p:sldSz cx="23039388" cy="7199313"/>
   <p:notesSz cx="6858000" cy="9144000"/>
@@ -11957,7 +11959,7 @@
           <a:p>
             <a:fld id="{563A7CF2-AB3E-47DB-A90F-A00729506E41}" type="datetimeFigureOut">
               <a:rPr kumimoji="1" lang="ja-JP" altLang="en-US" smtClean="0"/>
-              <a:t>2025/12/18</a:t>
+              <a:t>2026/1/26</a:t>
             </a:fld>
             <a:endParaRPr kumimoji="1" lang="ja-JP" altLang="en-US"/>
           </a:p>
@@ -12584,7 +12586,7 @@
           <a:p>
             <a:fld id="{05853D61-8A19-4B35-BDA8-1C18B2B00FED}" type="datetimeFigureOut">
               <a:rPr kumimoji="1" lang="ja-JP" altLang="en-US" smtClean="0"/>
-              <a:t>2025/12/18</a:t>
+              <a:t>2026/1/26</a:t>
             </a:fld>
             <a:endParaRPr kumimoji="1" lang="ja-JP" altLang="en-US"/>
           </a:p>
@@ -12768,7 +12770,7 @@
           <a:p>
             <a:fld id="{05853D61-8A19-4B35-BDA8-1C18B2B00FED}" type="datetimeFigureOut">
               <a:rPr kumimoji="1" lang="ja-JP" altLang="en-US" smtClean="0"/>
-              <a:t>2025/12/18</a:t>
+              <a:t>2026/1/26</a:t>
             </a:fld>
             <a:endParaRPr kumimoji="1" lang="ja-JP" altLang="en-US"/>
           </a:p>
@@ -12985,7 +12987,7 @@
           <a:p>
             <a:fld id="{05853D61-8A19-4B35-BDA8-1C18B2B00FED}" type="datetimeFigureOut">
               <a:rPr kumimoji="1" lang="ja-JP" altLang="en-US" smtClean="0"/>
-              <a:t>2025/12/18</a:t>
+              <a:t>2026/1/26</a:t>
             </a:fld>
             <a:endParaRPr kumimoji="1" lang="ja-JP" altLang="en-US"/>
           </a:p>
@@ -13275,7 +13277,7 @@
           <a:p>
             <a:fld id="{05853D61-8A19-4B35-BDA8-1C18B2B00FED}" type="datetimeFigureOut">
               <a:rPr kumimoji="1" lang="ja-JP" altLang="en-US" smtClean="0"/>
-              <a:t>2025/12/18</a:t>
+              <a:t>2026/1/26</a:t>
             </a:fld>
             <a:endParaRPr kumimoji="1" lang="ja-JP" altLang="en-US"/>
           </a:p>
@@ -13570,7 +13572,7 @@
           <a:p>
             <a:fld id="{05853D61-8A19-4B35-BDA8-1C18B2B00FED}" type="datetimeFigureOut">
               <a:rPr kumimoji="1" lang="ja-JP" altLang="en-US" smtClean="0"/>
-              <a:t>2025/12/18</a:t>
+              <a:t>2026/1/26</a:t>
             </a:fld>
             <a:endParaRPr kumimoji="1" lang="ja-JP" altLang="en-US"/>
           </a:p>
@@ -13805,7 +13807,7 @@
           <a:p>
             <a:fld id="{05853D61-8A19-4B35-BDA8-1C18B2B00FED}" type="datetimeFigureOut">
               <a:rPr kumimoji="1" lang="ja-JP" altLang="en-US" smtClean="0"/>
-              <a:t>2025/12/18</a:t>
+              <a:t>2026/1/26</a:t>
             </a:fld>
             <a:endParaRPr kumimoji="1" lang="ja-JP" altLang="en-US"/>
           </a:p>
@@ -14516,7 +14518,7 @@
           <a:p>
             <a:fld id="{05853D61-8A19-4B35-BDA8-1C18B2B00FED}" type="datetimeFigureOut">
               <a:rPr kumimoji="1" lang="ja-JP" altLang="en-US" smtClean="0"/>
-              <a:t>2025/12/18</a:t>
+              <a:t>2026/1/26</a:t>
             </a:fld>
             <a:endParaRPr kumimoji="1" lang="ja-JP" altLang="en-US"/>
           </a:p>
@@ -14625,7 +14627,7 @@
           <a:p>
             <a:fld id="{05853D61-8A19-4B35-BDA8-1C18B2B00FED}" type="datetimeFigureOut">
               <a:rPr kumimoji="1" lang="ja-JP" altLang="en-US" smtClean="0"/>
-              <a:t>2025/12/18</a:t>
+              <a:t>2026/1/26</a:t>
             </a:fld>
             <a:endParaRPr kumimoji="1" lang="ja-JP" altLang="en-US"/>
           </a:p>
@@ -14809,7 +14811,7 @@
           <a:p>
             <a:fld id="{05853D61-8A19-4B35-BDA8-1C18B2B00FED}" type="datetimeFigureOut">
               <a:rPr kumimoji="1" lang="ja-JP" altLang="en-US" smtClean="0"/>
-              <a:t>2025/12/18</a:t>
+              <a:t>2026/1/26</a:t>
             </a:fld>
             <a:endParaRPr kumimoji="1" lang="ja-JP" altLang="en-US"/>
           </a:p>
@@ -14904,7 +14906,7 @@
           <a:p>
             <a:fld id="{05853D61-8A19-4B35-BDA8-1C18B2B00FED}" type="datetimeFigureOut">
               <a:rPr kumimoji="1" lang="ja-JP" altLang="en-US" smtClean="0"/>
-              <a:t>2025/12/18</a:t>
+              <a:t>2026/1/26</a:t>
             </a:fld>
             <a:endParaRPr kumimoji="1" lang="ja-JP" altLang="en-US"/>
           </a:p>
@@ -15151,7 +15153,7 @@
           <a:p>
             <a:fld id="{05853D61-8A19-4B35-BDA8-1C18B2B00FED}" type="datetimeFigureOut">
               <a:rPr kumimoji="1" lang="ja-JP" altLang="en-US" smtClean="0"/>
-              <a:t>2025/12/18</a:t>
+              <a:t>2026/1/26</a:t>
             </a:fld>
             <a:endParaRPr kumimoji="1" lang="ja-JP" altLang="en-US"/>
           </a:p>
@@ -27412,6 +27414,126 @@
 </p:sld>
 </file>
 
+<file path=ppt/slides/slide30.xml><?xml version="1.0" encoding="utf-8"?>
+<p:sld xmlns:a="http://schemas.openxmlformats.org/drawingml/2006/main" xmlns:r="http://schemas.openxmlformats.org/officeDocument/2006/relationships" xmlns:p="http://schemas.openxmlformats.org/presentationml/2006/main">
+  <p:cSld>
+    <p:spTree>
+      <p:nvGrpSpPr>
+        <p:cNvPr id="1" name=""/>
+        <p:cNvGrpSpPr/>
+        <p:nvPr/>
+      </p:nvGrpSpPr>
+      <p:grpSpPr>
+        <a:xfrm>
+          <a:off x="0" y="0"/>
+          <a:ext cx="0" cy="0"/>
+          <a:chOff x="0" y="0"/>
+          <a:chExt cx="0" cy="0"/>
+        </a:xfrm>
+      </p:grpSpPr>
+      <p:pic>
+        <p:nvPicPr>
+          <p:cNvPr id="3" name="図 2" descr="グラフ, 折れ線グラフ&#10;&#10;AI 生成コンテンツは誤りを含む可能性があります。">
+            <a:extLst>
+              <a:ext uri="{FF2B5EF4-FFF2-40B4-BE49-F238E27FC236}">
+                <a16:creationId xmlns:a16="http://schemas.microsoft.com/office/drawing/2014/main" id="{DECE0A2B-AEB1-F384-17C8-DA851D491FA1}"/>
+              </a:ext>
+            </a:extLst>
+          </p:cNvPr>
+          <p:cNvPicPr>
+            <a:picLocks noChangeAspect="1"/>
+          </p:cNvPicPr>
+          <p:nvPr/>
+        </p:nvPicPr>
+        <p:blipFill>
+          <a:blip r:embed="rId2"/>
+          <a:stretch>
+            <a:fillRect/>
+          </a:stretch>
+        </p:blipFill>
+        <p:spPr>
+          <a:xfrm>
+            <a:off x="5075147" y="0"/>
+            <a:ext cx="13096568" cy="7315199"/>
+          </a:xfrm>
+          <a:prstGeom prst="rect">
+            <a:avLst/>
+          </a:prstGeom>
+        </p:spPr>
+      </p:pic>
+    </p:spTree>
+    <p:extLst>
+      <p:ext uri="{BB962C8B-B14F-4D97-AF65-F5344CB8AC3E}">
+        <p14:creationId xmlns:p14="http://schemas.microsoft.com/office/powerpoint/2010/main" val="1199241627"/>
+      </p:ext>
+    </p:extLst>
+  </p:cSld>
+  <p:clrMapOvr>
+    <a:masterClrMapping/>
+  </p:clrMapOvr>
+</p:sld>
+</file>
+
+<file path=ppt/slides/slide31.xml><?xml version="1.0" encoding="utf-8"?>
+<p:sld xmlns:a="http://schemas.openxmlformats.org/drawingml/2006/main" xmlns:r="http://schemas.openxmlformats.org/officeDocument/2006/relationships" xmlns:p="http://schemas.openxmlformats.org/presentationml/2006/main">
+  <p:cSld>
+    <p:spTree>
+      <p:nvGrpSpPr>
+        <p:cNvPr id="1" name=""/>
+        <p:cNvGrpSpPr/>
+        <p:nvPr/>
+      </p:nvGrpSpPr>
+      <p:grpSpPr>
+        <a:xfrm>
+          <a:off x="0" y="0"/>
+          <a:ext cx="0" cy="0"/>
+          <a:chOff x="0" y="0"/>
+          <a:chExt cx="0" cy="0"/>
+        </a:xfrm>
+      </p:grpSpPr>
+      <p:pic>
+        <p:nvPicPr>
+          <p:cNvPr id="3" name="図 2" descr="ダイアグラム&#10;&#10;AI 生成コンテンツは誤りを含む可能性があります。">
+            <a:extLst>
+              <a:ext uri="{FF2B5EF4-FFF2-40B4-BE49-F238E27FC236}">
+                <a16:creationId xmlns:a16="http://schemas.microsoft.com/office/drawing/2014/main" id="{34AD8982-0564-1B6E-29C7-26A7BD9394BC}"/>
+              </a:ext>
+            </a:extLst>
+          </p:cNvPr>
+          <p:cNvPicPr>
+            <a:picLocks noChangeAspect="1"/>
+          </p:cNvPicPr>
+          <p:nvPr/>
+        </p:nvPicPr>
+        <p:blipFill>
+          <a:blip r:embed="rId2"/>
+          <a:stretch>
+            <a:fillRect/>
+          </a:stretch>
+        </p:blipFill>
+        <p:spPr>
+          <a:xfrm>
+            <a:off x="5121304" y="1"/>
+            <a:ext cx="12796776" cy="7199312"/>
+          </a:xfrm>
+          <a:prstGeom prst="rect">
+            <a:avLst/>
+          </a:prstGeom>
+        </p:spPr>
+      </p:pic>
+    </p:spTree>
+    <p:extLst>
+      <p:ext uri="{BB962C8B-B14F-4D97-AF65-F5344CB8AC3E}">
+        <p14:creationId xmlns:p14="http://schemas.microsoft.com/office/powerpoint/2010/main" val="508314636"/>
+      </p:ext>
+    </p:extLst>
+  </p:cSld>
+  <p:clrMapOvr>
+    <a:masterClrMapping/>
+  </p:clrMapOvr>
+</p:sld>
+</file>
+
 <file path=ppt/slides/slide4.xml><?xml version="1.0" encoding="utf-8"?>
 <p:sld xmlns:a="http://schemas.openxmlformats.org/drawingml/2006/main" xmlns:r="http://schemas.openxmlformats.org/officeDocument/2006/relationships" xmlns:p="http://schemas.openxmlformats.org/presentationml/2006/main">
   <p:cSld>
